--- a/Presentation.pptx
+++ b/Presentation.pptx
@@ -27,8 +27,13 @@
     <p:sldId id="259" r:id="rId21"/>
     <p:sldId id="278" r:id="rId22"/>
     <p:sldId id="272" r:id="rId23"/>
-    <p:sldId id="279" r:id="rId24"/>
-    <p:sldId id="286" r:id="rId25"/>
+    <p:sldId id="292" r:id="rId24"/>
+    <p:sldId id="295" r:id="rId25"/>
+    <p:sldId id="288" r:id="rId26"/>
+    <p:sldId id="293" r:id="rId27"/>
+    <p:sldId id="294" r:id="rId28"/>
+    <p:sldId id="291" r:id="rId29"/>
+    <p:sldId id="286" r:id="rId30"/>
   </p:sldIdLst>
   <p:sldSz cx="12192000" cy="6858000"/>
   <p:notesSz cx="6858000" cy="9144000"/>
@@ -139,6 +144,2274 @@
 <p1510:revInfo xmlns:a="http://schemas.openxmlformats.org/drawingml/2006/main" xmlns:r="http://schemas.openxmlformats.org/officeDocument/2006/relationships" xmlns:p1510="http://schemas.microsoft.com/office/powerpoint/2015/10/main"/>
 </file>
 
+<file path=ppt/charts/chart1.xml><?xml version="1.0" encoding="utf-8"?>
+<c:chartSpace xmlns:c="http://schemas.openxmlformats.org/drawingml/2006/chart" xmlns:a="http://schemas.openxmlformats.org/drawingml/2006/main" xmlns:r="http://schemas.openxmlformats.org/officeDocument/2006/relationships" xmlns:c16r2="http://schemas.microsoft.com/office/drawing/2015/06/chart">
+  <c:date1904 val="0"/>
+  <c:lang val="it-IT"/>
+  <c:roundedCorners val="0"/>
+  <mc:AlternateContent xmlns:mc="http://schemas.openxmlformats.org/markup-compatibility/2006">
+    <mc:Choice xmlns:c14="http://schemas.microsoft.com/office/drawing/2007/8/2/chart" Requires="c14">
+      <c14:style val="102"/>
+    </mc:Choice>
+    <mc:Fallback>
+      <c:style val="2"/>
+    </mc:Fallback>
+  </mc:AlternateContent>
+  <c:chart>
+    <c:title>
+      <c:tx>
+        <c:rich>
+          <a:bodyPr rot="0" spcFirstLastPara="1" vertOverflow="ellipsis" vert="horz" wrap="square" anchor="ctr" anchorCtr="1"/>
+          <a:lstStyle/>
+          <a:p>
+            <a:pPr>
+              <a:defRPr sz="2128" b="1" i="0" u="none" strike="noStrike" kern="1200" cap="none" spc="0" normalizeH="0" baseline="0">
+                <a:solidFill>
+                  <a:schemeClr val="dk1">
+                    <a:lumMod val="50000"/>
+                    <a:lumOff val="50000"/>
+                  </a:schemeClr>
+                </a:solidFill>
+                <a:latin typeface="+mj-lt"/>
+                <a:ea typeface="+mj-ea"/>
+                <a:cs typeface="+mj-cs"/>
+              </a:defRPr>
+            </a:pPr>
+            <a:r>
+              <a:rPr lang="en-US"/>
+              <a:t> Dataset Lenght (#char)</a:t>
+            </a:r>
+          </a:p>
+        </c:rich>
+      </c:tx>
+      <c:overlay val="0"/>
+      <c:spPr>
+        <a:noFill/>
+        <a:ln>
+          <a:noFill/>
+        </a:ln>
+        <a:effectLst/>
+      </c:spPr>
+      <c:txPr>
+        <a:bodyPr rot="0" spcFirstLastPara="1" vertOverflow="ellipsis" vert="horz" wrap="square" anchor="ctr" anchorCtr="1"/>
+        <a:lstStyle/>
+        <a:p>
+          <a:pPr>
+            <a:defRPr sz="2128" b="1" i="0" u="none" strike="noStrike" kern="1200" cap="none" spc="0" normalizeH="0" baseline="0">
+              <a:solidFill>
+                <a:schemeClr val="dk1">
+                  <a:lumMod val="50000"/>
+                  <a:lumOff val="50000"/>
+                </a:schemeClr>
+              </a:solidFill>
+              <a:latin typeface="+mj-lt"/>
+              <a:ea typeface="+mj-ea"/>
+              <a:cs typeface="+mj-cs"/>
+            </a:defRPr>
+          </a:pPr>
+          <a:endParaRPr lang="it-IT"/>
+        </a:p>
+      </c:txPr>
+    </c:title>
+    <c:autoTitleDeleted val="0"/>
+    <c:plotArea>
+      <c:layout/>
+      <c:lineChart>
+        <c:grouping val="standard"/>
+        <c:varyColors val="0"/>
+        <c:ser>
+          <c:idx val="0"/>
+          <c:order val="0"/>
+          <c:tx>
+            <c:v>Serial</c:v>
+          </c:tx>
+          <c:spPr>
+            <a:ln w="22225" cap="rnd">
+              <a:solidFill>
+                <a:schemeClr val="accent1"/>
+              </a:solidFill>
+              <a:round/>
+            </a:ln>
+            <a:effectLst/>
+          </c:spPr>
+          <c:marker>
+            <c:symbol val="none"/>
+          </c:marker>
+          <c:cat>
+            <c:strRef>
+              <c:f>Foglio1!$A$4:$A$8</c:f>
+              <c:strCache>
+                <c:ptCount val="5"/>
+                <c:pt idx="0">
+                  <c:v>10^3</c:v>
+                </c:pt>
+                <c:pt idx="1">
+                  <c:v>10^4</c:v>
+                </c:pt>
+                <c:pt idx="2">
+                  <c:v>10^5</c:v>
+                </c:pt>
+                <c:pt idx="3">
+                  <c:v>10^6</c:v>
+                </c:pt>
+                <c:pt idx="4">
+                  <c:v>10^7</c:v>
+                </c:pt>
+              </c:strCache>
+            </c:strRef>
+          </c:cat>
+          <c:val>
+            <c:numRef>
+              <c:f>Foglio1!$E$4:$E$8</c:f>
+              <c:numCache>
+                <c:formatCode>0.000</c:formatCode>
+                <c:ptCount val="5"/>
+                <c:pt idx="0">
+                  <c:v>1.4999999999999999E-2</c:v>
+                </c:pt>
+                <c:pt idx="1">
+                  <c:v>0.12733333333333333</c:v>
+                </c:pt>
+                <c:pt idx="2">
+                  <c:v>1.3006666666666666</c:v>
+                </c:pt>
+                <c:pt idx="3">
+                  <c:v>12.011333333333333</c:v>
+                </c:pt>
+                <c:pt idx="4">
+                  <c:v>102.23166666666667</c:v>
+                </c:pt>
+              </c:numCache>
+            </c:numRef>
+          </c:val>
+          <c:smooth val="0"/>
+          <c:extLst>
+            <c:ext xmlns:c16="http://schemas.microsoft.com/office/drawing/2014/chart" uri="{C3380CC4-5D6E-409C-BE32-E72D297353CC}">
+              <c16:uniqueId val="{00000000-8D8D-43E6-92B3-07B6705A01DD}"/>
+            </c:ext>
+          </c:extLst>
+        </c:ser>
+        <c:ser>
+          <c:idx val="1"/>
+          <c:order val="1"/>
+          <c:tx>
+            <c:v>Lock</c:v>
+          </c:tx>
+          <c:spPr>
+            <a:ln w="22225" cap="rnd">
+              <a:solidFill>
+                <a:schemeClr val="accent2"/>
+              </a:solidFill>
+              <a:round/>
+            </a:ln>
+            <a:effectLst/>
+          </c:spPr>
+          <c:marker>
+            <c:symbol val="none"/>
+          </c:marker>
+          <c:val>
+            <c:numRef>
+              <c:f>Foglio1!$E$12:$E$16</c:f>
+              <c:numCache>
+                <c:formatCode>0.000</c:formatCode>
+                <c:ptCount val="5"/>
+                <c:pt idx="0">
+                  <c:v>1.9666666666666666E-2</c:v>
+                </c:pt>
+                <c:pt idx="1">
+                  <c:v>0.12433333333333334</c:v>
+                </c:pt>
+                <c:pt idx="2">
+                  <c:v>1.1803333333333332</c:v>
+                </c:pt>
+                <c:pt idx="3">
+                  <c:v>12.132333333333333</c:v>
+                </c:pt>
+                <c:pt idx="4">
+                  <c:v>131.36166666666665</c:v>
+                </c:pt>
+              </c:numCache>
+            </c:numRef>
+          </c:val>
+          <c:smooth val="0"/>
+          <c:extLst>
+            <c:ext xmlns:c16="http://schemas.microsoft.com/office/drawing/2014/chart" uri="{C3380CC4-5D6E-409C-BE32-E72D297353CC}">
+              <c16:uniqueId val="{00000001-8D8D-43E6-92B3-07B6705A01DD}"/>
+            </c:ext>
+          </c:extLst>
+        </c:ser>
+        <c:ser>
+          <c:idx val="2"/>
+          <c:order val="2"/>
+          <c:tx>
+            <c:v>Optimized</c:v>
+          </c:tx>
+          <c:spPr>
+            <a:ln w="22225" cap="rnd">
+              <a:solidFill>
+                <a:schemeClr val="accent3"/>
+              </a:solidFill>
+              <a:round/>
+            </a:ln>
+            <a:effectLst/>
+          </c:spPr>
+          <c:marker>
+            <c:symbol val="none"/>
+          </c:marker>
+          <c:val>
+            <c:numRef>
+              <c:f>Foglio1!$E$20:$E$24</c:f>
+              <c:numCache>
+                <c:formatCode>0.000</c:formatCode>
+                <c:ptCount val="5"/>
+                <c:pt idx="0">
+                  <c:v>2.0666666666666667E-2</c:v>
+                </c:pt>
+                <c:pt idx="1">
+                  <c:v>3.2666666666666663E-2</c:v>
+                </c:pt>
+                <c:pt idx="2">
+                  <c:v>8.900000000000001E-2</c:v>
+                </c:pt>
+                <c:pt idx="3">
+                  <c:v>0.69633333333333347</c:v>
+                </c:pt>
+                <c:pt idx="4">
+                  <c:v>5.8290000000000006</c:v>
+                </c:pt>
+              </c:numCache>
+            </c:numRef>
+          </c:val>
+          <c:smooth val="0"/>
+          <c:extLst>
+            <c:ext xmlns:c16="http://schemas.microsoft.com/office/drawing/2014/chart" uri="{C3380CC4-5D6E-409C-BE32-E72D297353CC}">
+              <c16:uniqueId val="{00000002-8D8D-43E6-92B3-07B6705A01DD}"/>
+            </c:ext>
+          </c:extLst>
+        </c:ser>
+        <c:dLbls>
+          <c:dLblPos val="ctr"/>
+          <c:showLegendKey val="0"/>
+          <c:showVal val="0"/>
+          <c:showCatName val="0"/>
+          <c:showSerName val="0"/>
+          <c:showPercent val="0"/>
+          <c:showBubbleSize val="0"/>
+        </c:dLbls>
+        <c:smooth val="0"/>
+        <c:axId val="628576831"/>
+        <c:axId val="630548687"/>
+      </c:lineChart>
+      <c:catAx>
+        <c:axId val="628576831"/>
+        <c:scaling>
+          <c:orientation val="minMax"/>
+        </c:scaling>
+        <c:delete val="0"/>
+        <c:axPos val="b"/>
+        <c:majorGridlines>
+          <c:spPr>
+            <a:ln w="9525" cap="flat" cmpd="sng" algn="ctr">
+              <a:solidFill>
+                <a:schemeClr val="dk1">
+                  <a:lumMod val="15000"/>
+                  <a:lumOff val="85000"/>
+                  <a:alpha val="54000"/>
+                </a:schemeClr>
+              </a:solidFill>
+              <a:round/>
+            </a:ln>
+            <a:effectLst/>
+          </c:spPr>
+        </c:majorGridlines>
+        <c:minorGridlines>
+          <c:spPr>
+            <a:ln w="9525" cap="flat" cmpd="sng" algn="ctr">
+              <a:solidFill>
+                <a:schemeClr val="dk1">
+                  <a:lumMod val="15000"/>
+                  <a:lumOff val="85000"/>
+                  <a:alpha val="51000"/>
+                </a:schemeClr>
+              </a:solidFill>
+              <a:round/>
+            </a:ln>
+            <a:effectLst/>
+          </c:spPr>
+        </c:minorGridlines>
+        <c:numFmt formatCode="General" sourceLinked="1"/>
+        <c:majorTickMark val="none"/>
+        <c:minorTickMark val="none"/>
+        <c:tickLblPos val="nextTo"/>
+        <c:spPr>
+          <a:noFill/>
+          <a:ln w="9525" cap="flat" cmpd="sng" algn="ctr">
+            <a:solidFill>
+              <a:schemeClr val="dk1">
+                <a:lumMod val="15000"/>
+                <a:lumOff val="85000"/>
+              </a:schemeClr>
+            </a:solidFill>
+            <a:round/>
+          </a:ln>
+          <a:effectLst/>
+        </c:spPr>
+        <c:txPr>
+          <a:bodyPr rot="-60000000" spcFirstLastPara="1" vertOverflow="ellipsis" vert="horz" wrap="square" anchor="ctr" anchorCtr="1"/>
+          <a:lstStyle/>
+          <a:p>
+            <a:pPr>
+              <a:defRPr sz="1197" b="0" i="0" u="none" strike="noStrike" kern="1200" cap="none" spc="0" normalizeH="0" baseline="0">
+                <a:solidFill>
+                  <a:schemeClr val="dk1">
+                    <a:lumMod val="65000"/>
+                    <a:lumOff val="35000"/>
+                  </a:schemeClr>
+                </a:solidFill>
+                <a:latin typeface="+mn-lt"/>
+                <a:ea typeface="+mn-ea"/>
+                <a:cs typeface="+mn-cs"/>
+              </a:defRPr>
+            </a:pPr>
+            <a:endParaRPr lang="it-IT"/>
+          </a:p>
+        </c:txPr>
+        <c:crossAx val="630548687"/>
+        <c:crosses val="autoZero"/>
+        <c:auto val="1"/>
+        <c:lblAlgn val="ctr"/>
+        <c:lblOffset val="100"/>
+        <c:noMultiLvlLbl val="0"/>
+      </c:catAx>
+      <c:valAx>
+        <c:axId val="630548687"/>
+        <c:scaling>
+          <c:orientation val="minMax"/>
+        </c:scaling>
+        <c:delete val="0"/>
+        <c:axPos val="l"/>
+        <c:majorGridlines>
+          <c:spPr>
+            <a:ln w="9525" cap="flat" cmpd="sng" algn="ctr">
+              <a:solidFill>
+                <a:schemeClr val="dk1">
+                  <a:lumMod val="15000"/>
+                  <a:lumOff val="85000"/>
+                  <a:alpha val="54000"/>
+                </a:schemeClr>
+              </a:solidFill>
+              <a:round/>
+            </a:ln>
+            <a:effectLst/>
+          </c:spPr>
+        </c:majorGridlines>
+        <c:title>
+          <c:tx>
+            <c:rich>
+              <a:bodyPr rot="-5400000" spcFirstLastPara="1" vertOverflow="ellipsis" vert="horz" wrap="square" anchor="ctr" anchorCtr="1"/>
+              <a:lstStyle/>
+              <a:p>
+                <a:pPr>
+                  <a:defRPr sz="1197" b="1" i="0" u="none" strike="noStrike" kern="1200" baseline="0">
+                    <a:solidFill>
+                      <a:schemeClr val="dk1">
+                        <a:lumMod val="65000"/>
+                        <a:lumOff val="35000"/>
+                      </a:schemeClr>
+                    </a:solidFill>
+                    <a:latin typeface="+mn-lt"/>
+                    <a:ea typeface="+mn-ea"/>
+                    <a:cs typeface="+mn-cs"/>
+                  </a:defRPr>
+                </a:pPr>
+                <a:r>
+                  <a:rPr lang="it-IT"/>
+                  <a:t> Execution Time (s)</a:t>
+                </a:r>
+              </a:p>
+            </c:rich>
+          </c:tx>
+          <c:overlay val="0"/>
+          <c:spPr>
+            <a:noFill/>
+            <a:ln>
+              <a:noFill/>
+            </a:ln>
+            <a:effectLst/>
+          </c:spPr>
+          <c:txPr>
+            <a:bodyPr rot="-5400000" spcFirstLastPara="1" vertOverflow="ellipsis" vert="horz" wrap="square" anchor="ctr" anchorCtr="1"/>
+            <a:lstStyle/>
+            <a:p>
+              <a:pPr>
+                <a:defRPr sz="1197" b="1" i="0" u="none" strike="noStrike" kern="1200" baseline="0">
+                  <a:solidFill>
+                    <a:schemeClr val="dk1">
+                      <a:lumMod val="65000"/>
+                      <a:lumOff val="35000"/>
+                    </a:schemeClr>
+                  </a:solidFill>
+                  <a:latin typeface="+mn-lt"/>
+                  <a:ea typeface="+mn-ea"/>
+                  <a:cs typeface="+mn-cs"/>
+                </a:defRPr>
+              </a:pPr>
+              <a:endParaRPr lang="it-IT"/>
+            </a:p>
+          </c:txPr>
+        </c:title>
+        <c:numFmt formatCode="0.000" sourceLinked="1"/>
+        <c:majorTickMark val="none"/>
+        <c:minorTickMark val="none"/>
+        <c:tickLblPos val="nextTo"/>
+        <c:spPr>
+          <a:noFill/>
+          <a:ln>
+            <a:noFill/>
+          </a:ln>
+          <a:effectLst/>
+        </c:spPr>
+        <c:txPr>
+          <a:bodyPr rot="-60000000" spcFirstLastPara="1" vertOverflow="ellipsis" vert="horz" wrap="square" anchor="ctr" anchorCtr="1"/>
+          <a:lstStyle/>
+          <a:p>
+            <a:pPr>
+              <a:defRPr sz="1197" b="0" i="0" u="none" strike="noStrike" kern="1200" baseline="0">
+                <a:solidFill>
+                  <a:schemeClr val="dk1">
+                    <a:lumMod val="65000"/>
+                    <a:lumOff val="35000"/>
+                  </a:schemeClr>
+                </a:solidFill>
+                <a:latin typeface="+mn-lt"/>
+                <a:ea typeface="+mn-ea"/>
+                <a:cs typeface="+mn-cs"/>
+              </a:defRPr>
+            </a:pPr>
+            <a:endParaRPr lang="it-IT"/>
+          </a:p>
+        </c:txPr>
+        <c:crossAx val="628576831"/>
+        <c:crosses val="autoZero"/>
+        <c:crossBetween val="between"/>
+      </c:valAx>
+      <c:dTable>
+        <c:showHorzBorder val="1"/>
+        <c:showVertBorder val="1"/>
+        <c:showOutline val="1"/>
+        <c:showKeys val="1"/>
+        <c:spPr>
+          <a:noFill/>
+          <a:ln w="9525" cap="flat" cmpd="sng" algn="ctr">
+            <a:solidFill>
+              <a:schemeClr val="dk1">
+                <a:lumMod val="15000"/>
+                <a:lumOff val="85000"/>
+              </a:schemeClr>
+            </a:solidFill>
+            <a:round/>
+          </a:ln>
+          <a:effectLst/>
+        </c:spPr>
+        <c:txPr>
+          <a:bodyPr rot="0" spcFirstLastPara="1" vertOverflow="ellipsis" vert="horz" wrap="square" anchor="ctr" anchorCtr="1"/>
+          <a:lstStyle/>
+          <a:p>
+            <a:pPr rtl="0">
+              <a:defRPr sz="1064" b="0" i="0" u="none" strike="noStrike" kern="1200" baseline="0">
+                <a:solidFill>
+                  <a:schemeClr val="dk1">
+                    <a:lumMod val="65000"/>
+                    <a:lumOff val="35000"/>
+                  </a:schemeClr>
+                </a:solidFill>
+                <a:latin typeface="+mn-lt"/>
+                <a:ea typeface="+mn-ea"/>
+                <a:cs typeface="+mn-cs"/>
+              </a:defRPr>
+            </a:pPr>
+            <a:endParaRPr lang="it-IT"/>
+          </a:p>
+        </c:txPr>
+      </c:dTable>
+      <c:spPr>
+        <a:pattFill prst="ltDnDiag">
+          <a:fgClr>
+            <a:schemeClr val="dk1">
+              <a:lumMod val="15000"/>
+              <a:lumOff val="85000"/>
+            </a:schemeClr>
+          </a:fgClr>
+          <a:bgClr>
+            <a:schemeClr val="lt1"/>
+          </a:bgClr>
+        </a:pattFill>
+        <a:ln>
+          <a:noFill/>
+        </a:ln>
+        <a:effectLst/>
+      </c:spPr>
+    </c:plotArea>
+    <c:plotVisOnly val="1"/>
+    <c:dispBlanksAs val="zero"/>
+    <c:showDLblsOverMax val="0"/>
+  </c:chart>
+  <c:spPr>
+    <a:solidFill>
+      <a:schemeClr val="lt1"/>
+    </a:solidFill>
+    <a:ln w="9525" cap="flat" cmpd="sng" algn="ctr">
+      <a:solidFill>
+        <a:schemeClr val="dk1">
+          <a:lumMod val="15000"/>
+          <a:lumOff val="85000"/>
+        </a:schemeClr>
+      </a:solidFill>
+      <a:round/>
+    </a:ln>
+    <a:effectLst/>
+  </c:spPr>
+  <c:txPr>
+    <a:bodyPr/>
+    <a:lstStyle/>
+    <a:p>
+      <a:pPr>
+        <a:defRPr/>
+      </a:pPr>
+      <a:endParaRPr lang="it-IT"/>
+    </a:p>
+  </c:txPr>
+  <c:externalData r:id="rId3">
+    <c:autoUpdate val="0"/>
+  </c:externalData>
+</c:chartSpace>
+</file>
+
+<file path=ppt/charts/chart2.xml><?xml version="1.0" encoding="utf-8"?>
+<c:chartSpace xmlns:c="http://schemas.openxmlformats.org/drawingml/2006/chart" xmlns:a="http://schemas.openxmlformats.org/drawingml/2006/main" xmlns:r="http://schemas.openxmlformats.org/officeDocument/2006/relationships" xmlns:c16r2="http://schemas.microsoft.com/office/drawing/2015/06/chart">
+  <c:date1904 val="0"/>
+  <c:lang val="it-IT"/>
+  <c:roundedCorners val="0"/>
+  <mc:AlternateContent xmlns:mc="http://schemas.openxmlformats.org/markup-compatibility/2006">
+    <mc:Choice xmlns:c14="http://schemas.microsoft.com/office/drawing/2007/8/2/chart" Requires="c14">
+      <c14:style val="102"/>
+    </mc:Choice>
+    <mc:Fallback>
+      <c:style val="2"/>
+    </mc:Fallback>
+  </mc:AlternateContent>
+  <c:chart>
+    <c:title>
+      <c:tx>
+        <c:rich>
+          <a:bodyPr rot="0" spcFirstLastPara="1" vertOverflow="ellipsis" vert="horz" wrap="square" anchor="ctr" anchorCtr="1"/>
+          <a:lstStyle/>
+          <a:p>
+            <a:pPr>
+              <a:defRPr sz="2128" b="1" i="0" u="none" strike="noStrike" kern="1200" cap="none" spc="0" normalizeH="0" baseline="0">
+                <a:solidFill>
+                  <a:schemeClr val="dk1">
+                    <a:lumMod val="50000"/>
+                    <a:lumOff val="50000"/>
+                  </a:schemeClr>
+                </a:solidFill>
+                <a:latin typeface="+mj-lt"/>
+                <a:ea typeface="+mj-ea"/>
+                <a:cs typeface="+mj-cs"/>
+              </a:defRPr>
+            </a:pPr>
+            <a:r>
+              <a:rPr lang="en-US"/>
+              <a:t>K</a:t>
+            </a:r>
+          </a:p>
+        </c:rich>
+      </c:tx>
+      <c:overlay val="0"/>
+      <c:spPr>
+        <a:noFill/>
+        <a:ln>
+          <a:noFill/>
+        </a:ln>
+        <a:effectLst/>
+      </c:spPr>
+      <c:txPr>
+        <a:bodyPr rot="0" spcFirstLastPara="1" vertOverflow="ellipsis" vert="horz" wrap="square" anchor="ctr" anchorCtr="1"/>
+        <a:lstStyle/>
+        <a:p>
+          <a:pPr>
+            <a:defRPr sz="2128" b="1" i="0" u="none" strike="noStrike" kern="1200" cap="none" spc="0" normalizeH="0" baseline="0">
+              <a:solidFill>
+                <a:schemeClr val="dk1">
+                  <a:lumMod val="50000"/>
+                  <a:lumOff val="50000"/>
+                </a:schemeClr>
+              </a:solidFill>
+              <a:latin typeface="+mj-lt"/>
+              <a:ea typeface="+mj-ea"/>
+              <a:cs typeface="+mj-cs"/>
+            </a:defRPr>
+          </a:pPr>
+          <a:endParaRPr lang="it-IT"/>
+        </a:p>
+      </c:txPr>
+    </c:title>
+    <c:autoTitleDeleted val="0"/>
+    <c:plotArea>
+      <c:layout/>
+      <c:lineChart>
+        <c:grouping val="standard"/>
+        <c:varyColors val="0"/>
+        <c:ser>
+          <c:idx val="0"/>
+          <c:order val="0"/>
+          <c:tx>
+            <c:v>Serial</c:v>
+          </c:tx>
+          <c:spPr>
+            <a:ln w="22225" cap="rnd">
+              <a:solidFill>
+                <a:schemeClr val="accent1"/>
+              </a:solidFill>
+              <a:round/>
+            </a:ln>
+            <a:effectLst/>
+          </c:spPr>
+          <c:marker>
+            <c:symbol val="none"/>
+          </c:marker>
+          <c:cat>
+            <c:numRef>
+              <c:f>Foglio1!$A$29:$A$33</c:f>
+              <c:numCache>
+                <c:formatCode>General</c:formatCode>
+                <c:ptCount val="5"/>
+                <c:pt idx="0">
+                  <c:v>2</c:v>
+                </c:pt>
+                <c:pt idx="1">
+                  <c:v>3</c:v>
+                </c:pt>
+                <c:pt idx="2">
+                  <c:v>4</c:v>
+                </c:pt>
+                <c:pt idx="3">
+                  <c:v>5</c:v>
+                </c:pt>
+                <c:pt idx="4">
+                  <c:v>6</c:v>
+                </c:pt>
+              </c:numCache>
+            </c:numRef>
+          </c:cat>
+          <c:val>
+            <c:numRef>
+              <c:f>Foglio1!$E$29:$E$33</c:f>
+              <c:numCache>
+                <c:formatCode>0.000</c:formatCode>
+                <c:ptCount val="5"/>
+                <c:pt idx="0">
+                  <c:v>30.608000000000001</c:v>
+                </c:pt>
+                <c:pt idx="1">
+                  <c:v>42.719533333333324</c:v>
+                </c:pt>
+                <c:pt idx="2">
+                  <c:v>44.281000000000006</c:v>
+                </c:pt>
+                <c:pt idx="3">
+                  <c:v>59.846000000000004</c:v>
+                </c:pt>
+                <c:pt idx="4">
+                  <c:v>61.000666666666667</c:v>
+                </c:pt>
+              </c:numCache>
+            </c:numRef>
+          </c:val>
+          <c:smooth val="0"/>
+          <c:extLst>
+            <c:ext xmlns:c16="http://schemas.microsoft.com/office/drawing/2014/chart" uri="{C3380CC4-5D6E-409C-BE32-E72D297353CC}">
+              <c16:uniqueId val="{00000000-1ECE-4D0C-B29F-B317850CFEC6}"/>
+            </c:ext>
+          </c:extLst>
+        </c:ser>
+        <c:ser>
+          <c:idx val="1"/>
+          <c:order val="1"/>
+          <c:tx>
+            <c:v>Lock</c:v>
+          </c:tx>
+          <c:spPr>
+            <a:ln w="22225" cap="rnd">
+              <a:solidFill>
+                <a:schemeClr val="accent2"/>
+              </a:solidFill>
+              <a:round/>
+            </a:ln>
+            <a:effectLst/>
+          </c:spPr>
+          <c:marker>
+            <c:symbol val="none"/>
+          </c:marker>
+          <c:val>
+            <c:numRef>
+              <c:f>Foglio1!$E$37:$E$41</c:f>
+              <c:numCache>
+                <c:formatCode>0.000</c:formatCode>
+                <c:ptCount val="5"/>
+                <c:pt idx="0">
+                  <c:v>50.194333333333333</c:v>
+                </c:pt>
+                <c:pt idx="1">
+                  <c:v>59.56666666666667</c:v>
+                </c:pt>
+                <c:pt idx="2">
+                  <c:v>63.129333333333328</c:v>
+                </c:pt>
+                <c:pt idx="3">
+                  <c:v>74.90333333333335</c:v>
+                </c:pt>
+                <c:pt idx="4">
+                  <c:v>76.076666666666654</c:v>
+                </c:pt>
+              </c:numCache>
+            </c:numRef>
+          </c:val>
+          <c:smooth val="0"/>
+          <c:extLst>
+            <c:ext xmlns:c16="http://schemas.microsoft.com/office/drawing/2014/chart" uri="{C3380CC4-5D6E-409C-BE32-E72D297353CC}">
+              <c16:uniqueId val="{00000001-1ECE-4D0C-B29F-B317850CFEC6}"/>
+            </c:ext>
+          </c:extLst>
+        </c:ser>
+        <c:ser>
+          <c:idx val="2"/>
+          <c:order val="2"/>
+          <c:tx>
+            <c:v>Optimized</c:v>
+          </c:tx>
+          <c:spPr>
+            <a:ln w="22225" cap="rnd">
+              <a:solidFill>
+                <a:schemeClr val="accent3"/>
+              </a:solidFill>
+              <a:round/>
+            </a:ln>
+            <a:effectLst/>
+          </c:spPr>
+          <c:marker>
+            <c:symbol val="none"/>
+          </c:marker>
+          <c:val>
+            <c:numRef>
+              <c:f>Foglio1!$E$45:$E$49</c:f>
+              <c:numCache>
+                <c:formatCode>0.000</c:formatCode>
+                <c:ptCount val="5"/>
+                <c:pt idx="0">
+                  <c:v>3.0263333333333335</c:v>
+                </c:pt>
+                <c:pt idx="1">
+                  <c:v>3.781333333333333</c:v>
+                </c:pt>
+                <c:pt idx="2">
+                  <c:v>3.9103333333333334</c:v>
+                </c:pt>
+                <c:pt idx="3">
+                  <c:v>4.6480000000000006</c:v>
+                </c:pt>
+                <c:pt idx="4">
+                  <c:v>4.9273333333333333</c:v>
+                </c:pt>
+              </c:numCache>
+            </c:numRef>
+          </c:val>
+          <c:smooth val="0"/>
+          <c:extLst>
+            <c:ext xmlns:c16="http://schemas.microsoft.com/office/drawing/2014/chart" uri="{C3380CC4-5D6E-409C-BE32-E72D297353CC}">
+              <c16:uniqueId val="{00000002-1ECE-4D0C-B29F-B317850CFEC6}"/>
+            </c:ext>
+          </c:extLst>
+        </c:ser>
+        <c:dLbls>
+          <c:showLegendKey val="0"/>
+          <c:showVal val="0"/>
+          <c:showCatName val="0"/>
+          <c:showSerName val="0"/>
+          <c:showPercent val="0"/>
+          <c:showBubbleSize val="0"/>
+        </c:dLbls>
+        <c:smooth val="0"/>
+        <c:axId val="628576831"/>
+        <c:axId val="630548687"/>
+      </c:lineChart>
+      <c:catAx>
+        <c:axId val="628576831"/>
+        <c:scaling>
+          <c:orientation val="minMax"/>
+        </c:scaling>
+        <c:delete val="0"/>
+        <c:axPos val="b"/>
+        <c:majorGridlines>
+          <c:spPr>
+            <a:ln w="9525" cap="flat" cmpd="sng" algn="ctr">
+              <a:solidFill>
+                <a:schemeClr val="dk1">
+                  <a:lumMod val="15000"/>
+                  <a:lumOff val="85000"/>
+                  <a:alpha val="54000"/>
+                </a:schemeClr>
+              </a:solidFill>
+              <a:round/>
+            </a:ln>
+            <a:effectLst/>
+          </c:spPr>
+        </c:majorGridlines>
+        <c:minorGridlines>
+          <c:spPr>
+            <a:ln w="9525" cap="flat" cmpd="sng" algn="ctr">
+              <a:solidFill>
+                <a:schemeClr val="dk1">
+                  <a:lumMod val="15000"/>
+                  <a:lumOff val="85000"/>
+                  <a:alpha val="51000"/>
+                </a:schemeClr>
+              </a:solidFill>
+              <a:round/>
+            </a:ln>
+            <a:effectLst/>
+          </c:spPr>
+        </c:minorGridlines>
+        <c:numFmt formatCode="General" sourceLinked="1"/>
+        <c:majorTickMark val="none"/>
+        <c:minorTickMark val="none"/>
+        <c:tickLblPos val="nextTo"/>
+        <c:spPr>
+          <a:noFill/>
+          <a:ln w="9525" cap="flat" cmpd="sng" algn="ctr">
+            <a:solidFill>
+              <a:schemeClr val="dk1">
+                <a:lumMod val="15000"/>
+                <a:lumOff val="85000"/>
+              </a:schemeClr>
+            </a:solidFill>
+            <a:round/>
+          </a:ln>
+          <a:effectLst/>
+        </c:spPr>
+        <c:txPr>
+          <a:bodyPr rot="-60000000" spcFirstLastPara="1" vertOverflow="ellipsis" vert="horz" wrap="square" anchor="ctr" anchorCtr="1"/>
+          <a:lstStyle/>
+          <a:p>
+            <a:pPr>
+              <a:defRPr sz="1197" b="0" i="0" u="none" strike="noStrike" kern="1200" cap="none" spc="0" normalizeH="0" baseline="0">
+                <a:solidFill>
+                  <a:schemeClr val="dk1">
+                    <a:lumMod val="65000"/>
+                    <a:lumOff val="35000"/>
+                  </a:schemeClr>
+                </a:solidFill>
+                <a:latin typeface="+mn-lt"/>
+                <a:ea typeface="+mn-ea"/>
+                <a:cs typeface="+mn-cs"/>
+              </a:defRPr>
+            </a:pPr>
+            <a:endParaRPr lang="it-IT"/>
+          </a:p>
+        </c:txPr>
+        <c:crossAx val="630548687"/>
+        <c:crosses val="autoZero"/>
+        <c:auto val="1"/>
+        <c:lblAlgn val="ctr"/>
+        <c:lblOffset val="100"/>
+        <c:noMultiLvlLbl val="0"/>
+      </c:catAx>
+      <c:valAx>
+        <c:axId val="630548687"/>
+        <c:scaling>
+          <c:orientation val="minMax"/>
+        </c:scaling>
+        <c:delete val="0"/>
+        <c:axPos val="l"/>
+        <c:majorGridlines>
+          <c:spPr>
+            <a:ln w="9525" cap="flat" cmpd="sng" algn="ctr">
+              <a:solidFill>
+                <a:schemeClr val="dk1">
+                  <a:lumMod val="15000"/>
+                  <a:lumOff val="85000"/>
+                  <a:alpha val="54000"/>
+                </a:schemeClr>
+              </a:solidFill>
+              <a:round/>
+            </a:ln>
+            <a:effectLst/>
+          </c:spPr>
+        </c:majorGridlines>
+        <c:title>
+          <c:tx>
+            <c:rich>
+              <a:bodyPr rot="-5400000" spcFirstLastPara="1" vertOverflow="ellipsis" vert="horz" wrap="square" anchor="ctr" anchorCtr="1"/>
+              <a:lstStyle/>
+              <a:p>
+                <a:pPr>
+                  <a:defRPr sz="1197" b="1" i="0" u="none" strike="noStrike" kern="1200" baseline="0">
+                    <a:solidFill>
+                      <a:schemeClr val="dk1">
+                        <a:lumMod val="65000"/>
+                        <a:lumOff val="35000"/>
+                      </a:schemeClr>
+                    </a:solidFill>
+                    <a:latin typeface="+mn-lt"/>
+                    <a:ea typeface="+mn-ea"/>
+                    <a:cs typeface="+mn-cs"/>
+                  </a:defRPr>
+                </a:pPr>
+                <a:r>
+                  <a:rPr lang="it-IT"/>
+                  <a:t>Execution Time (s)</a:t>
+                </a:r>
+              </a:p>
+            </c:rich>
+          </c:tx>
+          <c:overlay val="0"/>
+          <c:spPr>
+            <a:noFill/>
+            <a:ln>
+              <a:noFill/>
+            </a:ln>
+            <a:effectLst/>
+          </c:spPr>
+          <c:txPr>
+            <a:bodyPr rot="-5400000" spcFirstLastPara="1" vertOverflow="ellipsis" vert="horz" wrap="square" anchor="ctr" anchorCtr="1"/>
+            <a:lstStyle/>
+            <a:p>
+              <a:pPr>
+                <a:defRPr sz="1197" b="1" i="0" u="none" strike="noStrike" kern="1200" baseline="0">
+                  <a:solidFill>
+                    <a:schemeClr val="dk1">
+                      <a:lumMod val="65000"/>
+                      <a:lumOff val="35000"/>
+                    </a:schemeClr>
+                  </a:solidFill>
+                  <a:latin typeface="+mn-lt"/>
+                  <a:ea typeface="+mn-ea"/>
+                  <a:cs typeface="+mn-cs"/>
+                </a:defRPr>
+              </a:pPr>
+              <a:endParaRPr lang="it-IT"/>
+            </a:p>
+          </c:txPr>
+        </c:title>
+        <c:numFmt formatCode="0.000" sourceLinked="1"/>
+        <c:majorTickMark val="none"/>
+        <c:minorTickMark val="none"/>
+        <c:tickLblPos val="nextTo"/>
+        <c:spPr>
+          <a:noFill/>
+          <a:ln>
+            <a:noFill/>
+          </a:ln>
+          <a:effectLst/>
+        </c:spPr>
+        <c:txPr>
+          <a:bodyPr rot="-60000000" spcFirstLastPara="1" vertOverflow="ellipsis" vert="horz" wrap="square" anchor="ctr" anchorCtr="1"/>
+          <a:lstStyle/>
+          <a:p>
+            <a:pPr>
+              <a:defRPr sz="1197" b="0" i="0" u="none" strike="noStrike" kern="1200" baseline="0">
+                <a:solidFill>
+                  <a:schemeClr val="dk1">
+                    <a:lumMod val="65000"/>
+                    <a:lumOff val="35000"/>
+                  </a:schemeClr>
+                </a:solidFill>
+                <a:latin typeface="+mn-lt"/>
+                <a:ea typeface="+mn-ea"/>
+                <a:cs typeface="+mn-cs"/>
+              </a:defRPr>
+            </a:pPr>
+            <a:endParaRPr lang="it-IT"/>
+          </a:p>
+        </c:txPr>
+        <c:crossAx val="628576831"/>
+        <c:crosses val="autoZero"/>
+        <c:crossBetween val="between"/>
+      </c:valAx>
+      <c:dTable>
+        <c:showHorzBorder val="1"/>
+        <c:showVertBorder val="1"/>
+        <c:showOutline val="1"/>
+        <c:showKeys val="1"/>
+        <c:spPr>
+          <a:noFill/>
+          <a:ln w="9525" cap="flat" cmpd="sng" algn="ctr">
+            <a:solidFill>
+              <a:schemeClr val="dk1">
+                <a:lumMod val="15000"/>
+                <a:lumOff val="85000"/>
+              </a:schemeClr>
+            </a:solidFill>
+            <a:round/>
+          </a:ln>
+          <a:effectLst/>
+        </c:spPr>
+        <c:txPr>
+          <a:bodyPr rot="0" spcFirstLastPara="1" vertOverflow="ellipsis" vert="horz" wrap="square" anchor="ctr" anchorCtr="1"/>
+          <a:lstStyle/>
+          <a:p>
+            <a:pPr rtl="0">
+              <a:defRPr sz="1064" b="0" i="0" u="none" strike="noStrike" kern="1200" baseline="0">
+                <a:solidFill>
+                  <a:schemeClr val="dk1">
+                    <a:lumMod val="65000"/>
+                    <a:lumOff val="35000"/>
+                  </a:schemeClr>
+                </a:solidFill>
+                <a:latin typeface="+mn-lt"/>
+                <a:ea typeface="+mn-ea"/>
+                <a:cs typeface="+mn-cs"/>
+              </a:defRPr>
+            </a:pPr>
+            <a:endParaRPr lang="it-IT"/>
+          </a:p>
+        </c:txPr>
+      </c:dTable>
+      <c:spPr>
+        <a:pattFill prst="ltDnDiag">
+          <a:fgClr>
+            <a:schemeClr val="dk1">
+              <a:lumMod val="15000"/>
+              <a:lumOff val="85000"/>
+            </a:schemeClr>
+          </a:fgClr>
+          <a:bgClr>
+            <a:schemeClr val="lt1"/>
+          </a:bgClr>
+        </a:pattFill>
+        <a:ln>
+          <a:noFill/>
+        </a:ln>
+        <a:effectLst/>
+      </c:spPr>
+    </c:plotArea>
+    <c:plotVisOnly val="1"/>
+    <c:dispBlanksAs val="zero"/>
+    <c:showDLblsOverMax val="0"/>
+  </c:chart>
+  <c:spPr>
+    <a:solidFill>
+      <a:schemeClr val="lt1"/>
+    </a:solidFill>
+    <a:ln w="9525" cap="flat" cmpd="sng" algn="ctr">
+      <a:solidFill>
+        <a:schemeClr val="dk1">
+          <a:lumMod val="15000"/>
+          <a:lumOff val="85000"/>
+        </a:schemeClr>
+      </a:solidFill>
+      <a:round/>
+    </a:ln>
+    <a:effectLst/>
+  </c:spPr>
+  <c:txPr>
+    <a:bodyPr/>
+    <a:lstStyle/>
+    <a:p>
+      <a:pPr>
+        <a:defRPr/>
+      </a:pPr>
+      <a:endParaRPr lang="it-IT"/>
+    </a:p>
+  </c:txPr>
+  <c:externalData r:id="rId3">
+    <c:autoUpdate val="0"/>
+  </c:externalData>
+</c:chartSpace>
+</file>
+
+<file path=ppt/charts/colors1.xml><?xml version="1.0" encoding="utf-8"?>
+<cs:colorStyle xmlns:cs="http://schemas.microsoft.com/office/drawing/2012/chartStyle" xmlns:a="http://schemas.openxmlformats.org/drawingml/2006/main" meth="cycle" id="10">
+  <a:schemeClr val="accent1"/>
+  <a:schemeClr val="accent2"/>
+  <a:schemeClr val="accent3"/>
+  <a:schemeClr val="accent4"/>
+  <a:schemeClr val="accent5"/>
+  <a:schemeClr val="accent6"/>
+  <cs:variation/>
+  <cs:variation>
+    <a:lumMod val="60000"/>
+  </cs:variation>
+  <cs:variation>
+    <a:lumMod val="80000"/>
+    <a:lumOff val="20000"/>
+  </cs:variation>
+  <cs:variation>
+    <a:lumMod val="80000"/>
+  </cs:variation>
+  <cs:variation>
+    <a:lumMod val="60000"/>
+    <a:lumOff val="40000"/>
+  </cs:variation>
+  <cs:variation>
+    <a:lumMod val="50000"/>
+  </cs:variation>
+  <cs:variation>
+    <a:lumMod val="70000"/>
+    <a:lumOff val="30000"/>
+  </cs:variation>
+  <cs:variation>
+    <a:lumMod val="70000"/>
+  </cs:variation>
+  <cs:variation>
+    <a:lumMod val="50000"/>
+    <a:lumOff val="50000"/>
+  </cs:variation>
+</cs:colorStyle>
+</file>
+
+<file path=ppt/charts/colors2.xml><?xml version="1.0" encoding="utf-8"?>
+<cs:colorStyle xmlns:cs="http://schemas.microsoft.com/office/drawing/2012/chartStyle" xmlns:a="http://schemas.openxmlformats.org/drawingml/2006/main" meth="cycle" id="10">
+  <a:schemeClr val="accent1"/>
+  <a:schemeClr val="accent2"/>
+  <a:schemeClr val="accent3"/>
+  <a:schemeClr val="accent4"/>
+  <a:schemeClr val="accent5"/>
+  <a:schemeClr val="accent6"/>
+  <cs:variation/>
+  <cs:variation>
+    <a:lumMod val="60000"/>
+  </cs:variation>
+  <cs:variation>
+    <a:lumMod val="80000"/>
+    <a:lumOff val="20000"/>
+  </cs:variation>
+  <cs:variation>
+    <a:lumMod val="80000"/>
+  </cs:variation>
+  <cs:variation>
+    <a:lumMod val="60000"/>
+    <a:lumOff val="40000"/>
+  </cs:variation>
+  <cs:variation>
+    <a:lumMod val="50000"/>
+  </cs:variation>
+  <cs:variation>
+    <a:lumMod val="70000"/>
+    <a:lumOff val="30000"/>
+  </cs:variation>
+  <cs:variation>
+    <a:lumMod val="70000"/>
+  </cs:variation>
+  <cs:variation>
+    <a:lumMod val="50000"/>
+    <a:lumOff val="50000"/>
+  </cs:variation>
+</cs:colorStyle>
+</file>
+
+<file path=ppt/charts/style1.xml><?xml version="1.0" encoding="utf-8"?>
+<cs:chartStyle xmlns:cs="http://schemas.microsoft.com/office/drawing/2012/chartStyle" xmlns:a="http://schemas.openxmlformats.org/drawingml/2006/main" id="232">
+  <cs:axisTitle>
+    <cs:lnRef idx="0"/>
+    <cs:fillRef idx="0"/>
+    <cs:effectRef idx="0"/>
+    <cs:fontRef idx="minor">
+      <a:schemeClr val="dk1">
+        <a:lumMod val="65000"/>
+        <a:lumOff val="35000"/>
+      </a:schemeClr>
+    </cs:fontRef>
+    <cs:defRPr sz="1197" b="1" kern="1200"/>
+  </cs:axisTitle>
+  <cs:categoryAxis>
+    <cs:lnRef idx="0"/>
+    <cs:fillRef idx="0"/>
+    <cs:effectRef idx="0"/>
+    <cs:fontRef idx="minor">
+      <a:schemeClr val="dk1">
+        <a:lumMod val="65000"/>
+        <a:lumOff val="35000"/>
+      </a:schemeClr>
+    </cs:fontRef>
+    <cs:spPr>
+      <a:ln w="9525" cap="flat" cmpd="sng" algn="ctr">
+        <a:solidFill>
+          <a:schemeClr val="dk1">
+            <a:lumMod val="15000"/>
+            <a:lumOff val="85000"/>
+          </a:schemeClr>
+        </a:solidFill>
+        <a:round/>
+      </a:ln>
+    </cs:spPr>
+    <cs:defRPr sz="1197" kern="1200" cap="none" spc="0" normalizeH="0" baseline="0"/>
+  </cs:categoryAxis>
+  <cs:chartArea>
+    <cs:lnRef idx="0"/>
+    <cs:fillRef idx="0"/>
+    <cs:effectRef idx="0"/>
+    <cs:fontRef idx="minor">
+      <a:schemeClr val="dk1"/>
+    </cs:fontRef>
+    <cs:spPr>
+      <a:solidFill>
+        <a:schemeClr val="lt1"/>
+      </a:solidFill>
+      <a:ln w="9525" cap="flat" cmpd="sng" algn="ctr">
+        <a:solidFill>
+          <a:schemeClr val="dk1">
+            <a:lumMod val="15000"/>
+            <a:lumOff val="85000"/>
+          </a:schemeClr>
+        </a:solidFill>
+        <a:round/>
+      </a:ln>
+    </cs:spPr>
+    <cs:defRPr sz="1197" kern="1200"/>
+  </cs:chartArea>
+  <cs:dataLabel>
+    <cs:lnRef idx="0"/>
+    <cs:fillRef idx="0"/>
+    <cs:effectRef idx="0"/>
+    <cs:fontRef idx="minor">
+      <a:schemeClr val="dk1">
+        <a:lumMod val="75000"/>
+        <a:lumOff val="25000"/>
+      </a:schemeClr>
+    </cs:fontRef>
+    <cs:defRPr sz="1197" kern="1200"/>
+  </cs:dataLabel>
+  <cs:dataLabelCallout>
+    <cs:lnRef idx="0"/>
+    <cs:fillRef idx="0"/>
+    <cs:effectRef idx="0"/>
+    <cs:fontRef idx="minor">
+      <a:schemeClr val="dk1">
+        <a:lumMod val="65000"/>
+        <a:lumOff val="35000"/>
+      </a:schemeClr>
+    </cs:fontRef>
+    <cs:spPr>
+      <a:solidFill>
+        <a:schemeClr val="lt1"/>
+      </a:solidFill>
+      <a:ln>
+        <a:solidFill>
+          <a:schemeClr val="dk1">
+            <a:lumMod val="25000"/>
+            <a:lumOff val="75000"/>
+          </a:schemeClr>
+        </a:solidFill>
+      </a:ln>
+    </cs:spPr>
+    <cs:defRPr sz="1197" kern="1200"/>
+    <cs:bodyPr rot="0" spcFirstLastPara="1" vertOverflow="clip" horzOverflow="clip" vert="horz" wrap="square" lIns="36576" tIns="18288" rIns="36576" bIns="18288" anchor="ctr" anchorCtr="1">
+      <a:spAutoFit/>
+    </cs:bodyPr>
+  </cs:dataLabelCallout>
+  <cs:dataPoint>
+    <cs:lnRef idx="0"/>
+    <cs:fillRef idx="0">
+      <cs:styleClr val="auto"/>
+    </cs:fillRef>
+    <cs:effectRef idx="0"/>
+    <cs:fontRef idx="minor">
+      <a:schemeClr val="dk1"/>
+    </cs:fontRef>
+    <cs:spPr>
+      <a:solidFill>
+        <a:schemeClr val="phClr"/>
+      </a:solidFill>
+    </cs:spPr>
+  </cs:dataPoint>
+  <cs:dataPoint3D>
+    <cs:lnRef idx="0"/>
+    <cs:fillRef idx="0">
+      <cs:styleClr val="auto"/>
+    </cs:fillRef>
+    <cs:effectRef idx="0"/>
+    <cs:fontRef idx="minor">
+      <a:schemeClr val="dk1"/>
+    </cs:fontRef>
+    <cs:spPr>
+      <a:solidFill>
+        <a:schemeClr val="phClr"/>
+      </a:solidFill>
+    </cs:spPr>
+  </cs:dataPoint3D>
+  <cs:dataPointLine>
+    <cs:lnRef idx="0">
+      <cs:styleClr val="auto"/>
+    </cs:lnRef>
+    <cs:fillRef idx="0"/>
+    <cs:effectRef idx="0"/>
+    <cs:fontRef idx="minor">
+      <a:schemeClr val="dk1"/>
+    </cs:fontRef>
+    <cs:spPr>
+      <a:ln w="22225" cap="rnd">
+        <a:solidFill>
+          <a:schemeClr val="phClr"/>
+        </a:solidFill>
+        <a:round/>
+      </a:ln>
+    </cs:spPr>
+  </cs:dataPointLine>
+  <cs:dataPointMarker>
+    <cs:lnRef idx="0">
+      <cs:styleClr val="auto"/>
+    </cs:lnRef>
+    <cs:fillRef idx="0">
+      <cs:styleClr val="auto"/>
+    </cs:fillRef>
+    <cs:effectRef idx="0"/>
+    <cs:fontRef idx="minor">
+      <a:schemeClr val="dk1"/>
+    </cs:fontRef>
+    <cs:spPr>
+      <a:solidFill>
+        <a:schemeClr val="lt1"/>
+      </a:solidFill>
+      <a:ln w="15875">
+        <a:solidFill>
+          <a:schemeClr val="phClr"/>
+        </a:solidFill>
+        <a:round/>
+      </a:ln>
+    </cs:spPr>
+  </cs:dataPointMarker>
+  <cs:dataPointMarkerLayout symbol="circle" size="6"/>
+  <cs:dataPointWireframe>
+    <cs:lnRef idx="0">
+      <cs:styleClr val="auto"/>
+    </cs:lnRef>
+    <cs:fillRef idx="0"/>
+    <cs:effectRef idx="0"/>
+    <cs:fontRef idx="minor">
+      <a:schemeClr val="dk1"/>
+    </cs:fontRef>
+    <cs:spPr>
+      <a:ln w="9525" cap="rnd">
+        <a:solidFill>
+          <a:schemeClr val="phClr"/>
+        </a:solidFill>
+        <a:round/>
+      </a:ln>
+    </cs:spPr>
+  </cs:dataPointWireframe>
+  <cs:dataTable>
+    <cs:lnRef idx="0"/>
+    <cs:fillRef idx="0"/>
+    <cs:effectRef idx="0"/>
+    <cs:fontRef idx="minor">
+      <a:schemeClr val="dk1">
+        <a:lumMod val="65000"/>
+        <a:lumOff val="35000"/>
+      </a:schemeClr>
+    </cs:fontRef>
+    <cs:spPr>
+      <a:ln w="9525" cap="flat" cmpd="sng" algn="ctr">
+        <a:solidFill>
+          <a:schemeClr val="dk1">
+            <a:lumMod val="15000"/>
+            <a:lumOff val="85000"/>
+          </a:schemeClr>
+        </a:solidFill>
+        <a:round/>
+      </a:ln>
+    </cs:spPr>
+    <cs:defRPr sz="1064" kern="1200"/>
+  </cs:dataTable>
+  <cs:downBar>
+    <cs:lnRef idx="0"/>
+    <cs:fillRef idx="0"/>
+    <cs:effectRef idx="0"/>
+    <cs:fontRef idx="minor">
+      <a:schemeClr val="dk1"/>
+    </cs:fontRef>
+    <cs:spPr>
+      <a:solidFill>
+        <a:schemeClr val="dk1">
+          <a:lumMod val="75000"/>
+          <a:lumOff val="25000"/>
+        </a:schemeClr>
+      </a:solidFill>
+      <a:ln w="9525" cap="flat" cmpd="sng" algn="ctr">
+        <a:solidFill>
+          <a:schemeClr val="dk1">
+            <a:lumMod val="50000"/>
+            <a:lumOff val="50000"/>
+          </a:schemeClr>
+        </a:solidFill>
+        <a:round/>
+      </a:ln>
+    </cs:spPr>
+  </cs:downBar>
+  <cs:dropLine>
+    <cs:lnRef idx="0"/>
+    <cs:fillRef idx="0"/>
+    <cs:effectRef idx="0"/>
+    <cs:fontRef idx="minor">
+      <a:schemeClr val="dk1"/>
+    </cs:fontRef>
+    <cs:spPr>
+      <a:ln w="9525" cap="flat" cmpd="sng" algn="ctr">
+        <a:solidFill>
+          <a:schemeClr val="dk1">
+            <a:lumMod val="35000"/>
+            <a:lumOff val="65000"/>
+          </a:schemeClr>
+        </a:solidFill>
+        <a:round/>
+      </a:ln>
+    </cs:spPr>
+  </cs:dropLine>
+  <cs:errorBar>
+    <cs:lnRef idx="0"/>
+    <cs:fillRef idx="0"/>
+    <cs:effectRef idx="0"/>
+    <cs:fontRef idx="minor">
+      <a:schemeClr val="dk1"/>
+    </cs:fontRef>
+    <cs:spPr>
+      <a:ln w="9525" cap="flat" cmpd="sng" algn="ctr">
+        <a:solidFill>
+          <a:schemeClr val="dk1">
+            <a:lumMod val="50000"/>
+            <a:lumOff val="50000"/>
+          </a:schemeClr>
+        </a:solidFill>
+        <a:round/>
+      </a:ln>
+    </cs:spPr>
+  </cs:errorBar>
+  <cs:floor>
+    <cs:lnRef idx="0"/>
+    <cs:fillRef idx="0"/>
+    <cs:effectRef idx="0"/>
+    <cs:fontRef idx="minor">
+      <a:schemeClr val="dk1"/>
+    </cs:fontRef>
+    <cs:spPr>
+      <a:pattFill prst="ltDnDiag">
+        <a:fgClr>
+          <a:schemeClr val="dk1">
+            <a:lumMod val="15000"/>
+            <a:lumOff val="85000"/>
+          </a:schemeClr>
+        </a:fgClr>
+        <a:bgClr>
+          <a:schemeClr val="lt1"/>
+        </a:bgClr>
+      </a:pattFill>
+    </cs:spPr>
+  </cs:floor>
+  <cs:gridlineMajor>
+    <cs:lnRef idx="0"/>
+    <cs:fillRef idx="0"/>
+    <cs:effectRef idx="0"/>
+    <cs:fontRef idx="minor">
+      <a:schemeClr val="dk1"/>
+    </cs:fontRef>
+    <cs:spPr>
+      <a:ln w="9525" cap="flat" cmpd="sng" algn="ctr">
+        <a:solidFill>
+          <a:schemeClr val="dk1">
+            <a:lumMod val="15000"/>
+            <a:lumOff val="85000"/>
+            <a:alpha val="54000"/>
+          </a:schemeClr>
+        </a:solidFill>
+        <a:round/>
+      </a:ln>
+    </cs:spPr>
+  </cs:gridlineMajor>
+  <cs:gridlineMinor>
+    <cs:lnRef idx="0"/>
+    <cs:fillRef idx="0"/>
+    <cs:effectRef idx="0"/>
+    <cs:fontRef idx="minor">
+      <a:schemeClr val="dk1"/>
+    </cs:fontRef>
+    <cs:spPr>
+      <a:ln w="9525" cap="flat" cmpd="sng" algn="ctr">
+        <a:solidFill>
+          <a:schemeClr val="dk1">
+            <a:lumMod val="15000"/>
+            <a:lumOff val="85000"/>
+            <a:alpha val="51000"/>
+          </a:schemeClr>
+        </a:solidFill>
+        <a:round/>
+      </a:ln>
+    </cs:spPr>
+  </cs:gridlineMinor>
+  <cs:hiLoLine>
+    <cs:lnRef idx="0"/>
+    <cs:fillRef idx="0"/>
+    <cs:effectRef idx="0"/>
+    <cs:fontRef idx="minor">
+      <a:schemeClr val="dk1"/>
+    </cs:fontRef>
+    <cs:spPr>
+      <a:ln w="9525" cap="flat" cmpd="sng" algn="ctr">
+        <a:solidFill>
+          <a:schemeClr val="dk1">
+            <a:lumMod val="35000"/>
+            <a:lumOff val="65000"/>
+          </a:schemeClr>
+        </a:solidFill>
+        <a:round/>
+      </a:ln>
+    </cs:spPr>
+  </cs:hiLoLine>
+  <cs:leaderLine>
+    <cs:lnRef idx="0"/>
+    <cs:fillRef idx="0"/>
+    <cs:effectRef idx="0"/>
+    <cs:fontRef idx="minor">
+      <a:schemeClr val="dk1"/>
+    </cs:fontRef>
+    <cs:spPr>
+      <a:ln w="9525" cap="flat" cmpd="sng" algn="ctr">
+        <a:solidFill>
+          <a:schemeClr val="dk1">
+            <a:lumMod val="35000"/>
+            <a:lumOff val="65000"/>
+          </a:schemeClr>
+        </a:solidFill>
+        <a:round/>
+      </a:ln>
+    </cs:spPr>
+  </cs:leaderLine>
+  <cs:legend>
+    <cs:lnRef idx="0"/>
+    <cs:fillRef idx="0"/>
+    <cs:effectRef idx="0"/>
+    <cs:fontRef idx="minor">
+      <a:schemeClr val="dk1">
+        <a:lumMod val="65000"/>
+        <a:lumOff val="35000"/>
+      </a:schemeClr>
+    </cs:fontRef>
+    <cs:defRPr sz="1197" kern="1200"/>
+  </cs:legend>
+  <cs:plotArea>
+    <cs:lnRef idx="0"/>
+    <cs:fillRef idx="0"/>
+    <cs:effectRef idx="0"/>
+    <cs:fontRef idx="minor">
+      <a:schemeClr val="dk1"/>
+    </cs:fontRef>
+    <cs:spPr>
+      <a:pattFill prst="ltDnDiag">
+        <a:fgClr>
+          <a:schemeClr val="dk1">
+            <a:lumMod val="15000"/>
+            <a:lumOff val="85000"/>
+          </a:schemeClr>
+        </a:fgClr>
+        <a:bgClr>
+          <a:schemeClr val="lt1"/>
+        </a:bgClr>
+      </a:pattFill>
+    </cs:spPr>
+  </cs:plotArea>
+  <cs:plotArea3D>
+    <cs:lnRef idx="0"/>
+    <cs:fillRef idx="0"/>
+    <cs:effectRef idx="0"/>
+    <cs:fontRef idx="minor">
+      <a:schemeClr val="dk1"/>
+    </cs:fontRef>
+    <cs:spPr>
+      <a:solidFill>
+        <a:schemeClr val="lt1"/>
+      </a:solidFill>
+    </cs:spPr>
+  </cs:plotArea3D>
+  <cs:seriesAxis>
+    <cs:lnRef idx="0"/>
+    <cs:fillRef idx="0"/>
+    <cs:effectRef idx="0"/>
+    <cs:fontRef idx="minor">
+      <a:schemeClr val="dk1">
+        <a:lumMod val="65000"/>
+        <a:lumOff val="35000"/>
+      </a:schemeClr>
+    </cs:fontRef>
+    <cs:defRPr sz="1197" kern="1200"/>
+  </cs:seriesAxis>
+  <cs:seriesLine>
+    <cs:lnRef idx="0"/>
+    <cs:fillRef idx="0"/>
+    <cs:effectRef idx="0"/>
+    <cs:fontRef idx="minor">
+      <a:schemeClr val="dk1"/>
+    </cs:fontRef>
+    <cs:spPr>
+      <a:ln w="9525" cap="flat" cmpd="sng" algn="ctr">
+        <a:solidFill>
+          <a:schemeClr val="dk1">
+            <a:lumMod val="35000"/>
+            <a:lumOff val="65000"/>
+          </a:schemeClr>
+        </a:solidFill>
+        <a:round/>
+      </a:ln>
+    </cs:spPr>
+  </cs:seriesLine>
+  <cs:title>
+    <cs:lnRef idx="0"/>
+    <cs:fillRef idx="0"/>
+    <cs:effectRef idx="0"/>
+    <cs:fontRef idx="major">
+      <a:schemeClr val="dk1">
+        <a:lumMod val="50000"/>
+        <a:lumOff val="50000"/>
+      </a:schemeClr>
+    </cs:fontRef>
+    <cs:defRPr sz="2128" b="1" kern="1200" cap="none" spc="0" normalizeH="0" baseline="0"/>
+  </cs:title>
+  <cs:trendline>
+    <cs:lnRef idx="0">
+      <cs:styleClr val="auto"/>
+    </cs:lnRef>
+    <cs:fillRef idx="0"/>
+    <cs:effectRef idx="0"/>
+    <cs:fontRef idx="minor">
+      <a:schemeClr val="dk1"/>
+    </cs:fontRef>
+    <cs:spPr>
+      <a:ln w="19050" cap="rnd">
+        <a:solidFill>
+          <a:schemeClr val="phClr"/>
+        </a:solidFill>
+      </a:ln>
+    </cs:spPr>
+  </cs:trendline>
+  <cs:trendlineLabel>
+    <cs:lnRef idx="0"/>
+    <cs:fillRef idx="0"/>
+    <cs:effectRef idx="0"/>
+    <cs:fontRef idx="minor">
+      <a:schemeClr val="dk1">
+        <a:lumMod val="65000"/>
+        <a:lumOff val="35000"/>
+      </a:schemeClr>
+    </cs:fontRef>
+    <cs:defRPr sz="1197" kern="1200"/>
+  </cs:trendlineLabel>
+  <cs:upBar>
+    <cs:lnRef idx="0"/>
+    <cs:fillRef idx="0"/>
+    <cs:effectRef idx="0"/>
+    <cs:fontRef idx="minor">
+      <a:schemeClr val="dk1"/>
+    </cs:fontRef>
+    <cs:spPr>
+      <a:solidFill>
+        <a:schemeClr val="lt1"/>
+      </a:solidFill>
+      <a:ln w="9525" cap="flat" cmpd="sng" algn="ctr">
+        <a:solidFill>
+          <a:schemeClr val="dk1">
+            <a:lumMod val="50000"/>
+            <a:lumOff val="50000"/>
+          </a:schemeClr>
+        </a:solidFill>
+        <a:round/>
+      </a:ln>
+    </cs:spPr>
+  </cs:upBar>
+  <cs:valueAxis>
+    <cs:lnRef idx="0"/>
+    <cs:fillRef idx="0"/>
+    <cs:effectRef idx="0"/>
+    <cs:fontRef idx="minor">
+      <a:schemeClr val="dk1">
+        <a:lumMod val="65000"/>
+        <a:lumOff val="35000"/>
+      </a:schemeClr>
+    </cs:fontRef>
+    <cs:defRPr sz="1197" kern="1200"/>
+  </cs:valueAxis>
+  <cs:wall>
+    <cs:lnRef idx="0"/>
+    <cs:fillRef idx="0"/>
+    <cs:effectRef idx="0"/>
+    <cs:fontRef idx="minor">
+      <a:schemeClr val="dk1"/>
+    </cs:fontRef>
+    <cs:spPr>
+      <a:pattFill prst="ltDnDiag">
+        <a:fgClr>
+          <a:schemeClr val="dk1">
+            <a:lumMod val="15000"/>
+            <a:lumOff val="85000"/>
+          </a:schemeClr>
+        </a:fgClr>
+        <a:bgClr>
+          <a:schemeClr val="lt1"/>
+        </a:bgClr>
+      </a:pattFill>
+    </cs:spPr>
+  </cs:wall>
+</cs:chartStyle>
+</file>
+
+<file path=ppt/charts/style2.xml><?xml version="1.0" encoding="utf-8"?>
+<cs:chartStyle xmlns:cs="http://schemas.microsoft.com/office/drawing/2012/chartStyle" xmlns:a="http://schemas.openxmlformats.org/drawingml/2006/main" id="232">
+  <cs:axisTitle>
+    <cs:lnRef idx="0"/>
+    <cs:fillRef idx="0"/>
+    <cs:effectRef idx="0"/>
+    <cs:fontRef idx="minor">
+      <a:schemeClr val="dk1">
+        <a:lumMod val="65000"/>
+        <a:lumOff val="35000"/>
+      </a:schemeClr>
+    </cs:fontRef>
+    <cs:defRPr sz="1197" b="1" kern="1200"/>
+  </cs:axisTitle>
+  <cs:categoryAxis>
+    <cs:lnRef idx="0"/>
+    <cs:fillRef idx="0"/>
+    <cs:effectRef idx="0"/>
+    <cs:fontRef idx="minor">
+      <a:schemeClr val="dk1">
+        <a:lumMod val="65000"/>
+        <a:lumOff val="35000"/>
+      </a:schemeClr>
+    </cs:fontRef>
+    <cs:spPr>
+      <a:ln w="9525" cap="flat" cmpd="sng" algn="ctr">
+        <a:solidFill>
+          <a:schemeClr val="dk1">
+            <a:lumMod val="15000"/>
+            <a:lumOff val="85000"/>
+          </a:schemeClr>
+        </a:solidFill>
+        <a:round/>
+      </a:ln>
+    </cs:spPr>
+    <cs:defRPr sz="1197" kern="1200" cap="none" spc="0" normalizeH="0" baseline="0"/>
+  </cs:categoryAxis>
+  <cs:chartArea>
+    <cs:lnRef idx="0"/>
+    <cs:fillRef idx="0"/>
+    <cs:effectRef idx="0"/>
+    <cs:fontRef idx="minor">
+      <a:schemeClr val="dk1"/>
+    </cs:fontRef>
+    <cs:spPr>
+      <a:solidFill>
+        <a:schemeClr val="lt1"/>
+      </a:solidFill>
+      <a:ln w="9525" cap="flat" cmpd="sng" algn="ctr">
+        <a:solidFill>
+          <a:schemeClr val="dk1">
+            <a:lumMod val="15000"/>
+            <a:lumOff val="85000"/>
+          </a:schemeClr>
+        </a:solidFill>
+        <a:round/>
+      </a:ln>
+    </cs:spPr>
+    <cs:defRPr sz="1197" kern="1200"/>
+  </cs:chartArea>
+  <cs:dataLabel>
+    <cs:lnRef idx="0"/>
+    <cs:fillRef idx="0"/>
+    <cs:effectRef idx="0"/>
+    <cs:fontRef idx="minor">
+      <a:schemeClr val="dk1">
+        <a:lumMod val="75000"/>
+        <a:lumOff val="25000"/>
+      </a:schemeClr>
+    </cs:fontRef>
+    <cs:defRPr sz="1197" kern="1200"/>
+  </cs:dataLabel>
+  <cs:dataLabelCallout>
+    <cs:lnRef idx="0"/>
+    <cs:fillRef idx="0"/>
+    <cs:effectRef idx="0"/>
+    <cs:fontRef idx="minor">
+      <a:schemeClr val="dk1">
+        <a:lumMod val="65000"/>
+        <a:lumOff val="35000"/>
+      </a:schemeClr>
+    </cs:fontRef>
+    <cs:spPr>
+      <a:solidFill>
+        <a:schemeClr val="lt1"/>
+      </a:solidFill>
+      <a:ln>
+        <a:solidFill>
+          <a:schemeClr val="dk1">
+            <a:lumMod val="25000"/>
+            <a:lumOff val="75000"/>
+          </a:schemeClr>
+        </a:solidFill>
+      </a:ln>
+    </cs:spPr>
+    <cs:defRPr sz="1197" kern="1200"/>
+    <cs:bodyPr rot="0" spcFirstLastPara="1" vertOverflow="clip" horzOverflow="clip" vert="horz" wrap="square" lIns="36576" tIns="18288" rIns="36576" bIns="18288" anchor="ctr" anchorCtr="1">
+      <a:spAutoFit/>
+    </cs:bodyPr>
+  </cs:dataLabelCallout>
+  <cs:dataPoint>
+    <cs:lnRef idx="0"/>
+    <cs:fillRef idx="0">
+      <cs:styleClr val="auto"/>
+    </cs:fillRef>
+    <cs:effectRef idx="0"/>
+    <cs:fontRef idx="minor">
+      <a:schemeClr val="dk1"/>
+    </cs:fontRef>
+    <cs:spPr>
+      <a:solidFill>
+        <a:schemeClr val="phClr"/>
+      </a:solidFill>
+    </cs:spPr>
+  </cs:dataPoint>
+  <cs:dataPoint3D>
+    <cs:lnRef idx="0"/>
+    <cs:fillRef idx="0">
+      <cs:styleClr val="auto"/>
+    </cs:fillRef>
+    <cs:effectRef idx="0"/>
+    <cs:fontRef idx="minor">
+      <a:schemeClr val="dk1"/>
+    </cs:fontRef>
+    <cs:spPr>
+      <a:solidFill>
+        <a:schemeClr val="phClr"/>
+      </a:solidFill>
+    </cs:spPr>
+  </cs:dataPoint3D>
+  <cs:dataPointLine>
+    <cs:lnRef idx="0">
+      <cs:styleClr val="auto"/>
+    </cs:lnRef>
+    <cs:fillRef idx="0"/>
+    <cs:effectRef idx="0"/>
+    <cs:fontRef idx="minor">
+      <a:schemeClr val="dk1"/>
+    </cs:fontRef>
+    <cs:spPr>
+      <a:ln w="22225" cap="rnd">
+        <a:solidFill>
+          <a:schemeClr val="phClr"/>
+        </a:solidFill>
+        <a:round/>
+      </a:ln>
+    </cs:spPr>
+  </cs:dataPointLine>
+  <cs:dataPointMarker>
+    <cs:lnRef idx="0">
+      <cs:styleClr val="auto"/>
+    </cs:lnRef>
+    <cs:fillRef idx="0">
+      <cs:styleClr val="auto"/>
+    </cs:fillRef>
+    <cs:effectRef idx="0"/>
+    <cs:fontRef idx="minor">
+      <a:schemeClr val="dk1"/>
+    </cs:fontRef>
+    <cs:spPr>
+      <a:solidFill>
+        <a:schemeClr val="lt1"/>
+      </a:solidFill>
+      <a:ln w="15875">
+        <a:solidFill>
+          <a:schemeClr val="phClr"/>
+        </a:solidFill>
+        <a:round/>
+      </a:ln>
+    </cs:spPr>
+  </cs:dataPointMarker>
+  <cs:dataPointMarkerLayout symbol="circle" size="6"/>
+  <cs:dataPointWireframe>
+    <cs:lnRef idx="0">
+      <cs:styleClr val="auto"/>
+    </cs:lnRef>
+    <cs:fillRef idx="0"/>
+    <cs:effectRef idx="0"/>
+    <cs:fontRef idx="minor">
+      <a:schemeClr val="dk1"/>
+    </cs:fontRef>
+    <cs:spPr>
+      <a:ln w="9525" cap="rnd">
+        <a:solidFill>
+          <a:schemeClr val="phClr"/>
+        </a:solidFill>
+        <a:round/>
+      </a:ln>
+    </cs:spPr>
+  </cs:dataPointWireframe>
+  <cs:dataTable>
+    <cs:lnRef idx="0"/>
+    <cs:fillRef idx="0"/>
+    <cs:effectRef idx="0"/>
+    <cs:fontRef idx="minor">
+      <a:schemeClr val="dk1">
+        <a:lumMod val="65000"/>
+        <a:lumOff val="35000"/>
+      </a:schemeClr>
+    </cs:fontRef>
+    <cs:spPr>
+      <a:ln w="9525" cap="flat" cmpd="sng" algn="ctr">
+        <a:solidFill>
+          <a:schemeClr val="dk1">
+            <a:lumMod val="15000"/>
+            <a:lumOff val="85000"/>
+          </a:schemeClr>
+        </a:solidFill>
+        <a:round/>
+      </a:ln>
+    </cs:spPr>
+    <cs:defRPr sz="1064" kern="1200"/>
+  </cs:dataTable>
+  <cs:downBar>
+    <cs:lnRef idx="0"/>
+    <cs:fillRef idx="0"/>
+    <cs:effectRef idx="0"/>
+    <cs:fontRef idx="minor">
+      <a:schemeClr val="dk1"/>
+    </cs:fontRef>
+    <cs:spPr>
+      <a:solidFill>
+        <a:schemeClr val="dk1">
+          <a:lumMod val="75000"/>
+          <a:lumOff val="25000"/>
+        </a:schemeClr>
+      </a:solidFill>
+      <a:ln w="9525" cap="flat" cmpd="sng" algn="ctr">
+        <a:solidFill>
+          <a:schemeClr val="dk1">
+            <a:lumMod val="50000"/>
+            <a:lumOff val="50000"/>
+          </a:schemeClr>
+        </a:solidFill>
+        <a:round/>
+      </a:ln>
+    </cs:spPr>
+  </cs:downBar>
+  <cs:dropLine>
+    <cs:lnRef idx="0"/>
+    <cs:fillRef idx="0"/>
+    <cs:effectRef idx="0"/>
+    <cs:fontRef idx="minor">
+      <a:schemeClr val="dk1"/>
+    </cs:fontRef>
+    <cs:spPr>
+      <a:ln w="9525" cap="flat" cmpd="sng" algn="ctr">
+        <a:solidFill>
+          <a:schemeClr val="dk1">
+            <a:lumMod val="35000"/>
+            <a:lumOff val="65000"/>
+          </a:schemeClr>
+        </a:solidFill>
+        <a:round/>
+      </a:ln>
+    </cs:spPr>
+  </cs:dropLine>
+  <cs:errorBar>
+    <cs:lnRef idx="0"/>
+    <cs:fillRef idx="0"/>
+    <cs:effectRef idx="0"/>
+    <cs:fontRef idx="minor">
+      <a:schemeClr val="dk1"/>
+    </cs:fontRef>
+    <cs:spPr>
+      <a:ln w="9525" cap="flat" cmpd="sng" algn="ctr">
+        <a:solidFill>
+          <a:schemeClr val="dk1">
+            <a:lumMod val="50000"/>
+            <a:lumOff val="50000"/>
+          </a:schemeClr>
+        </a:solidFill>
+        <a:round/>
+      </a:ln>
+    </cs:spPr>
+  </cs:errorBar>
+  <cs:floor>
+    <cs:lnRef idx="0"/>
+    <cs:fillRef idx="0"/>
+    <cs:effectRef idx="0"/>
+    <cs:fontRef idx="minor">
+      <a:schemeClr val="dk1"/>
+    </cs:fontRef>
+    <cs:spPr>
+      <a:pattFill prst="ltDnDiag">
+        <a:fgClr>
+          <a:schemeClr val="dk1">
+            <a:lumMod val="15000"/>
+            <a:lumOff val="85000"/>
+          </a:schemeClr>
+        </a:fgClr>
+        <a:bgClr>
+          <a:schemeClr val="lt1"/>
+        </a:bgClr>
+      </a:pattFill>
+    </cs:spPr>
+  </cs:floor>
+  <cs:gridlineMajor>
+    <cs:lnRef idx="0"/>
+    <cs:fillRef idx="0"/>
+    <cs:effectRef idx="0"/>
+    <cs:fontRef idx="minor">
+      <a:schemeClr val="dk1"/>
+    </cs:fontRef>
+    <cs:spPr>
+      <a:ln w="9525" cap="flat" cmpd="sng" algn="ctr">
+        <a:solidFill>
+          <a:schemeClr val="dk1">
+            <a:lumMod val="15000"/>
+            <a:lumOff val="85000"/>
+            <a:alpha val="54000"/>
+          </a:schemeClr>
+        </a:solidFill>
+        <a:round/>
+      </a:ln>
+    </cs:spPr>
+  </cs:gridlineMajor>
+  <cs:gridlineMinor>
+    <cs:lnRef idx="0"/>
+    <cs:fillRef idx="0"/>
+    <cs:effectRef idx="0"/>
+    <cs:fontRef idx="minor">
+      <a:schemeClr val="dk1"/>
+    </cs:fontRef>
+    <cs:spPr>
+      <a:ln w="9525" cap="flat" cmpd="sng" algn="ctr">
+        <a:solidFill>
+          <a:schemeClr val="dk1">
+            <a:lumMod val="15000"/>
+            <a:lumOff val="85000"/>
+            <a:alpha val="51000"/>
+          </a:schemeClr>
+        </a:solidFill>
+        <a:round/>
+      </a:ln>
+    </cs:spPr>
+  </cs:gridlineMinor>
+  <cs:hiLoLine>
+    <cs:lnRef idx="0"/>
+    <cs:fillRef idx="0"/>
+    <cs:effectRef idx="0"/>
+    <cs:fontRef idx="minor">
+      <a:schemeClr val="dk1"/>
+    </cs:fontRef>
+    <cs:spPr>
+      <a:ln w="9525" cap="flat" cmpd="sng" algn="ctr">
+        <a:solidFill>
+          <a:schemeClr val="dk1">
+            <a:lumMod val="35000"/>
+            <a:lumOff val="65000"/>
+          </a:schemeClr>
+        </a:solidFill>
+        <a:round/>
+      </a:ln>
+    </cs:spPr>
+  </cs:hiLoLine>
+  <cs:leaderLine>
+    <cs:lnRef idx="0"/>
+    <cs:fillRef idx="0"/>
+    <cs:effectRef idx="0"/>
+    <cs:fontRef idx="minor">
+      <a:schemeClr val="dk1"/>
+    </cs:fontRef>
+    <cs:spPr>
+      <a:ln w="9525" cap="flat" cmpd="sng" algn="ctr">
+        <a:solidFill>
+          <a:schemeClr val="dk1">
+            <a:lumMod val="35000"/>
+            <a:lumOff val="65000"/>
+          </a:schemeClr>
+        </a:solidFill>
+        <a:round/>
+      </a:ln>
+    </cs:spPr>
+  </cs:leaderLine>
+  <cs:legend>
+    <cs:lnRef idx="0"/>
+    <cs:fillRef idx="0"/>
+    <cs:effectRef idx="0"/>
+    <cs:fontRef idx="minor">
+      <a:schemeClr val="dk1">
+        <a:lumMod val="65000"/>
+        <a:lumOff val="35000"/>
+      </a:schemeClr>
+    </cs:fontRef>
+    <cs:defRPr sz="1197" kern="1200"/>
+  </cs:legend>
+  <cs:plotArea>
+    <cs:lnRef idx="0"/>
+    <cs:fillRef idx="0"/>
+    <cs:effectRef idx="0"/>
+    <cs:fontRef idx="minor">
+      <a:schemeClr val="dk1"/>
+    </cs:fontRef>
+    <cs:spPr>
+      <a:pattFill prst="ltDnDiag">
+        <a:fgClr>
+          <a:schemeClr val="dk1">
+            <a:lumMod val="15000"/>
+            <a:lumOff val="85000"/>
+          </a:schemeClr>
+        </a:fgClr>
+        <a:bgClr>
+          <a:schemeClr val="lt1"/>
+        </a:bgClr>
+      </a:pattFill>
+    </cs:spPr>
+  </cs:plotArea>
+  <cs:plotArea3D>
+    <cs:lnRef idx="0"/>
+    <cs:fillRef idx="0"/>
+    <cs:effectRef idx="0"/>
+    <cs:fontRef idx="minor">
+      <a:schemeClr val="dk1"/>
+    </cs:fontRef>
+    <cs:spPr>
+      <a:solidFill>
+        <a:schemeClr val="lt1"/>
+      </a:solidFill>
+    </cs:spPr>
+  </cs:plotArea3D>
+  <cs:seriesAxis>
+    <cs:lnRef idx="0"/>
+    <cs:fillRef idx="0"/>
+    <cs:effectRef idx="0"/>
+    <cs:fontRef idx="minor">
+      <a:schemeClr val="dk1">
+        <a:lumMod val="65000"/>
+        <a:lumOff val="35000"/>
+      </a:schemeClr>
+    </cs:fontRef>
+    <cs:defRPr sz="1197" kern="1200"/>
+  </cs:seriesAxis>
+  <cs:seriesLine>
+    <cs:lnRef idx="0"/>
+    <cs:fillRef idx="0"/>
+    <cs:effectRef idx="0"/>
+    <cs:fontRef idx="minor">
+      <a:schemeClr val="dk1"/>
+    </cs:fontRef>
+    <cs:spPr>
+      <a:ln w="9525" cap="flat" cmpd="sng" algn="ctr">
+        <a:solidFill>
+          <a:schemeClr val="dk1">
+            <a:lumMod val="35000"/>
+            <a:lumOff val="65000"/>
+          </a:schemeClr>
+        </a:solidFill>
+        <a:round/>
+      </a:ln>
+    </cs:spPr>
+  </cs:seriesLine>
+  <cs:title>
+    <cs:lnRef idx="0"/>
+    <cs:fillRef idx="0"/>
+    <cs:effectRef idx="0"/>
+    <cs:fontRef idx="major">
+      <a:schemeClr val="dk1">
+        <a:lumMod val="50000"/>
+        <a:lumOff val="50000"/>
+      </a:schemeClr>
+    </cs:fontRef>
+    <cs:defRPr sz="2128" b="1" kern="1200" cap="none" spc="0" normalizeH="0" baseline="0"/>
+  </cs:title>
+  <cs:trendline>
+    <cs:lnRef idx="0">
+      <cs:styleClr val="auto"/>
+    </cs:lnRef>
+    <cs:fillRef idx="0"/>
+    <cs:effectRef idx="0"/>
+    <cs:fontRef idx="minor">
+      <a:schemeClr val="dk1"/>
+    </cs:fontRef>
+    <cs:spPr>
+      <a:ln w="19050" cap="rnd">
+        <a:solidFill>
+          <a:schemeClr val="phClr"/>
+        </a:solidFill>
+      </a:ln>
+    </cs:spPr>
+  </cs:trendline>
+  <cs:trendlineLabel>
+    <cs:lnRef idx="0"/>
+    <cs:fillRef idx="0"/>
+    <cs:effectRef idx="0"/>
+    <cs:fontRef idx="minor">
+      <a:schemeClr val="dk1">
+        <a:lumMod val="65000"/>
+        <a:lumOff val="35000"/>
+      </a:schemeClr>
+    </cs:fontRef>
+    <cs:defRPr sz="1197" kern="1200"/>
+  </cs:trendlineLabel>
+  <cs:upBar>
+    <cs:lnRef idx="0"/>
+    <cs:fillRef idx="0"/>
+    <cs:effectRef idx="0"/>
+    <cs:fontRef idx="minor">
+      <a:schemeClr val="dk1"/>
+    </cs:fontRef>
+    <cs:spPr>
+      <a:solidFill>
+        <a:schemeClr val="lt1"/>
+      </a:solidFill>
+      <a:ln w="9525" cap="flat" cmpd="sng" algn="ctr">
+        <a:solidFill>
+          <a:schemeClr val="dk1">
+            <a:lumMod val="50000"/>
+            <a:lumOff val="50000"/>
+          </a:schemeClr>
+        </a:solidFill>
+        <a:round/>
+      </a:ln>
+    </cs:spPr>
+  </cs:upBar>
+  <cs:valueAxis>
+    <cs:lnRef idx="0"/>
+    <cs:fillRef idx="0"/>
+    <cs:effectRef idx="0"/>
+    <cs:fontRef idx="minor">
+      <a:schemeClr val="dk1">
+        <a:lumMod val="65000"/>
+        <a:lumOff val="35000"/>
+      </a:schemeClr>
+    </cs:fontRef>
+    <cs:defRPr sz="1197" kern="1200"/>
+  </cs:valueAxis>
+  <cs:wall>
+    <cs:lnRef idx="0"/>
+    <cs:fillRef idx="0"/>
+    <cs:effectRef idx="0"/>
+    <cs:fontRef idx="minor">
+      <a:schemeClr val="dk1"/>
+    </cs:fontRef>
+    <cs:spPr>
+      <a:pattFill prst="ltDnDiag">
+        <a:fgClr>
+          <a:schemeClr val="dk1">
+            <a:lumMod val="15000"/>
+            <a:lumOff val="85000"/>
+          </a:schemeClr>
+        </a:fgClr>
+        <a:bgClr>
+          <a:schemeClr val="lt1"/>
+        </a:bgClr>
+      </a:pattFill>
+    </cs:spPr>
+  </cs:wall>
+</cs:chartStyle>
+</file>
+
 <file path=ppt/slideLayouts/slideLayout1.xml><?xml version="1.0" encoding="utf-8"?>
 <p:sldLayout xmlns:a="http://schemas.openxmlformats.org/drawingml/2006/main" xmlns:r="http://schemas.openxmlformats.org/officeDocument/2006/relationships" xmlns:p="http://schemas.openxmlformats.org/presentationml/2006/main" type="title" preserve="1">
   <p:cSld name="Diapositiva titolo">
@@ -328,7 +2601,7 @@
             <a:fld id="{B61BEF0D-F0BB-DE4B-95CE-6DB70DBA9567}" type="datetimeFigureOut">
               <a:rPr lang="en-US" smtClean="0"/>
               <a:pPr/>
-              <a:t>10/14/2017</a:t>
+              <a:t>10/28/2017</a:t>
             </a:fld>
             <a:endParaRPr lang="en-US" dirty="0"/>
           </a:p>
@@ -668,7 +2941,7 @@
             <a:fld id="{B61BEF0D-F0BB-DE4B-95CE-6DB70DBA9567}" type="datetimeFigureOut">
               <a:rPr lang="en-US" smtClean="0"/>
               <a:pPr/>
-              <a:t>10/14/2017</a:t>
+              <a:t>10/28/2017</a:t>
             </a:fld>
             <a:endParaRPr lang="en-US" dirty="0"/>
           </a:p>
@@ -1071,7 +3344,7 @@
             <a:fld id="{B61BEF0D-F0BB-DE4B-95CE-6DB70DBA9567}" type="datetimeFigureOut">
               <a:rPr lang="en-US" smtClean="0"/>
               <a:pPr/>
-              <a:t>10/14/2017</a:t>
+              <a:t>10/28/2017</a:t>
             </a:fld>
             <a:endParaRPr lang="en-US" dirty="0"/>
           </a:p>
@@ -1408,7 +3681,7 @@
             <a:fld id="{B61BEF0D-F0BB-DE4B-95CE-6DB70DBA9567}" type="datetimeFigureOut">
               <a:rPr lang="en-US" smtClean="0"/>
               <a:pPr/>
-              <a:t>10/14/2017</a:t>
+              <a:t>10/28/2017</a:t>
             </a:fld>
             <a:endParaRPr lang="en-US" dirty="0"/>
           </a:p>
@@ -1730,7 +4003,7 @@
             <a:fld id="{B61BEF0D-F0BB-DE4B-95CE-6DB70DBA9567}" type="datetimeFigureOut">
               <a:rPr lang="en-US" smtClean="0"/>
               <a:pPr/>
-              <a:t>10/14/2017</a:t>
+              <a:t>10/28/2017</a:t>
             </a:fld>
             <a:endParaRPr lang="en-US" dirty="0"/>
           </a:p>
@@ -2128,7 +4401,7 @@
             <a:fld id="{B61BEF0D-F0BB-DE4B-95CE-6DB70DBA9567}" type="datetimeFigureOut">
               <a:rPr lang="en-US" smtClean="0"/>
               <a:pPr/>
-              <a:t>10/14/2017</a:t>
+              <a:t>10/28/2017</a:t>
             </a:fld>
             <a:endParaRPr lang="en-US" dirty="0"/>
           </a:p>
@@ -2387,7 +4660,7 @@
             <a:fld id="{B61BEF0D-F0BB-DE4B-95CE-6DB70DBA9567}" type="datetimeFigureOut">
               <a:rPr lang="en-US" smtClean="0"/>
               <a:pPr/>
-              <a:t>10/14/2017</a:t>
+              <a:t>10/28/2017</a:t>
             </a:fld>
             <a:endParaRPr lang="en-US" dirty="0"/>
           </a:p>
@@ -2651,7 +4924,7 @@
             <a:fld id="{B61BEF0D-F0BB-DE4B-95CE-6DB70DBA9567}" type="datetimeFigureOut">
               <a:rPr lang="en-US" smtClean="0"/>
               <a:pPr/>
-              <a:t>10/14/2017</a:t>
+              <a:t>10/28/2017</a:t>
             </a:fld>
             <a:endParaRPr lang="en-US" dirty="0"/>
           </a:p>
@@ -2915,7 +5188,7 @@
             <a:fld id="{B61BEF0D-F0BB-DE4B-95CE-6DB70DBA9567}" type="datetimeFigureOut">
               <a:rPr lang="en-US" smtClean="0"/>
               <a:pPr/>
-              <a:t>10/14/2017</a:t>
+              <a:t>10/28/2017</a:t>
             </a:fld>
             <a:endParaRPr lang="en-US" dirty="0"/>
           </a:p>
@@ -3246,7 +5519,7 @@
             <a:fld id="{B61BEF0D-F0BB-DE4B-95CE-6DB70DBA9567}" type="datetimeFigureOut">
               <a:rPr lang="en-US" smtClean="0"/>
               <a:pPr/>
-              <a:t>10/14/2017</a:t>
+              <a:t>10/28/2017</a:t>
             </a:fld>
             <a:endParaRPr lang="en-US" dirty="0"/>
           </a:p>
@@ -3571,7 +5844,7 @@
             <a:fld id="{B61BEF0D-F0BB-DE4B-95CE-6DB70DBA9567}" type="datetimeFigureOut">
               <a:rPr lang="en-US" smtClean="0"/>
               <a:pPr/>
-              <a:t>10/14/2017</a:t>
+              <a:t>10/28/2017</a:t>
             </a:fld>
             <a:endParaRPr lang="en-US" dirty="0"/>
           </a:p>
@@ -4030,7 +6303,7 @@
             <a:fld id="{B61BEF0D-F0BB-DE4B-95CE-6DB70DBA9567}" type="datetimeFigureOut">
               <a:rPr lang="en-US" smtClean="0"/>
               <a:pPr/>
-              <a:t>10/14/2017</a:t>
+              <a:t>10/28/2017</a:t>
             </a:fld>
             <a:endParaRPr lang="en-US" dirty="0"/>
           </a:p>
@@ -4237,7 +6510,7 @@
             <a:fld id="{B61BEF0D-F0BB-DE4B-95CE-6DB70DBA9567}" type="datetimeFigureOut">
               <a:rPr lang="en-US" smtClean="0"/>
               <a:pPr/>
-              <a:t>10/14/2017</a:t>
+              <a:t>10/28/2017</a:t>
             </a:fld>
             <a:endParaRPr lang="en-US" dirty="0"/>
           </a:p>
@@ -4416,7 +6689,7 @@
             <a:fld id="{B61BEF0D-F0BB-DE4B-95CE-6DB70DBA9567}" type="datetimeFigureOut">
               <a:rPr lang="en-US" smtClean="0"/>
               <a:pPr/>
-              <a:t>10/14/2017</a:t>
+              <a:t>10/28/2017</a:t>
             </a:fld>
             <a:endParaRPr lang="en-US" dirty="0"/>
           </a:p>
@@ -4751,7 +7024,7 @@
             <a:fld id="{B61BEF0D-F0BB-DE4B-95CE-6DB70DBA9567}" type="datetimeFigureOut">
               <a:rPr lang="en-US" smtClean="0"/>
               <a:pPr/>
-              <a:t>10/14/2017</a:t>
+              <a:t>10/28/2017</a:t>
             </a:fld>
             <a:endParaRPr lang="en-US" dirty="0"/>
           </a:p>
@@ -5098,7 +7371,7 @@
             <a:fld id="{B61BEF0D-F0BB-DE4B-95CE-6DB70DBA9567}" type="datetimeFigureOut">
               <a:rPr lang="en-US" smtClean="0"/>
               <a:pPr/>
-              <a:t>10/14/2017</a:t>
+              <a:t>10/28/2017</a:t>
             </a:fld>
             <a:endParaRPr lang="en-US" dirty="0"/>
           </a:p>
@@ -7217,7 +9490,7 @@
             <a:fld id="{B61BEF0D-F0BB-DE4B-95CE-6DB70DBA9567}" type="datetimeFigureOut">
               <a:rPr lang="en-US" smtClean="0"/>
               <a:pPr/>
-              <a:t>10/14/2017</a:t>
+              <a:t>10/28/2017</a:t>
             </a:fld>
             <a:endParaRPr lang="en-US" dirty="0"/>
           </a:p>
@@ -8477,10 +10750,9 @@
           <a:lstStyle/>
           <a:p>
             <a:r>
-              <a:rPr lang="it-IT" dirty="0" err="1"/>
-              <a:t>Parser</a:t>
-            </a:r>
-            <a:endParaRPr lang="it-IT" dirty="0"/>
+              <a:rPr lang="it-IT" dirty="0"/>
+              <a:t>Program option</a:t>
+            </a:r>
           </a:p>
           <a:p>
             <a:pPr marL="457200" lvl="1" indent="0">
@@ -8493,6 +10765,432 @@
               <a:buNone/>
             </a:pPr>
             <a:endParaRPr lang="it-IT" dirty="0"/>
+          </a:p>
+        </p:txBody>
+      </p:sp>
+      <p:pic>
+        <p:nvPicPr>
+          <p:cNvPr id="3" name="Immagine 2">
+            <a:extLst>
+              <a:ext uri="{FF2B5EF4-FFF2-40B4-BE49-F238E27FC236}">
+                <a16:creationId xmlns:a16="http://schemas.microsoft.com/office/drawing/2014/main" id="{8362CBD8-08AF-4858-84AC-5E1FEA6ABB4C}"/>
+              </a:ext>
+            </a:extLst>
+          </p:cNvPr>
+          <p:cNvPicPr>
+            <a:picLocks noChangeAspect="1"/>
+          </p:cNvPicPr>
+          <p:nvPr/>
+        </p:nvPicPr>
+        <p:blipFill>
+          <a:blip r:embed="rId2"/>
+          <a:stretch>
+            <a:fillRect/>
+          </a:stretch>
+        </p:blipFill>
+        <p:spPr>
+          <a:xfrm>
+            <a:off x="2497016" y="2356338"/>
+            <a:ext cx="8317626" cy="2101361"/>
+          </a:xfrm>
+          <a:prstGeom prst="rect">
+            <a:avLst/>
+          </a:prstGeom>
+        </p:spPr>
+      </p:pic>
+      <p:sp>
+        <p:nvSpPr>
+          <p:cNvPr id="5" name="CasellaDiTesto 4">
+            <a:extLst>
+              <a:ext uri="{FF2B5EF4-FFF2-40B4-BE49-F238E27FC236}">
+                <a16:creationId xmlns:a16="http://schemas.microsoft.com/office/drawing/2014/main" id="{EA68C5D8-4703-4BF6-8E65-64CF4A8A89BC}"/>
+              </a:ext>
+            </a:extLst>
+          </p:cNvPr>
+          <p:cNvSpPr txBox="1"/>
+          <p:nvPr/>
+        </p:nvSpPr>
+        <p:spPr>
+          <a:xfrm>
+            <a:off x="2497016" y="4696222"/>
+            <a:ext cx="8656149" cy="1323439"/>
+          </a:xfrm>
+          <a:prstGeom prst="rect">
+            <a:avLst/>
+          </a:prstGeom>
+          <a:noFill/>
+        </p:spPr>
+        <p:txBody>
+          <a:bodyPr wrap="square" rtlCol="0">
+            <a:spAutoFit/>
+          </a:bodyPr>
+          <a:lstStyle/>
+          <a:p>
+            <a:r>
+              <a:rPr lang="it-IT" sz="1600" dirty="0">
+                <a:solidFill>
+                  <a:schemeClr val="tx1">
+                    <a:lumMod val="75000"/>
+                    <a:lumOff val="25000"/>
+                  </a:schemeClr>
+                </a:solidFill>
+              </a:rPr>
+              <a:t>Program options </a:t>
+            </a:r>
+            <a:r>
+              <a:rPr lang="it-IT" sz="1600" dirty="0" err="1">
+                <a:solidFill>
+                  <a:schemeClr val="tx1">
+                    <a:lumMod val="75000"/>
+                    <a:lumOff val="25000"/>
+                  </a:schemeClr>
+                </a:solidFill>
+              </a:rPr>
+              <a:t>let</a:t>
+            </a:r>
+            <a:r>
+              <a:rPr lang="it-IT" sz="1600" dirty="0">
+                <a:solidFill>
+                  <a:schemeClr val="tx1">
+                    <a:lumMod val="75000"/>
+                    <a:lumOff val="25000"/>
+                  </a:schemeClr>
+                </a:solidFill>
+              </a:rPr>
+              <a:t> user set the </a:t>
+            </a:r>
+            <a:r>
+              <a:rPr lang="it-IT" sz="1600" dirty="0" err="1">
+                <a:solidFill>
+                  <a:schemeClr val="tx1">
+                    <a:lumMod val="75000"/>
+                    <a:lumOff val="25000"/>
+                  </a:schemeClr>
+                </a:solidFill>
+              </a:rPr>
+              <a:t>following</a:t>
+            </a:r>
+            <a:r>
+              <a:rPr lang="it-IT" sz="1600" dirty="0">
+                <a:solidFill>
+                  <a:schemeClr val="tx1">
+                    <a:lumMod val="75000"/>
+                    <a:lumOff val="25000"/>
+                  </a:schemeClr>
+                </a:solidFill>
+              </a:rPr>
+              <a:t> </a:t>
+            </a:r>
+            <a:r>
+              <a:rPr lang="it-IT" sz="1600" dirty="0" err="1">
+                <a:solidFill>
+                  <a:schemeClr val="tx1">
+                    <a:lumMod val="75000"/>
+                    <a:lumOff val="25000"/>
+                  </a:schemeClr>
+                </a:solidFill>
+              </a:rPr>
+              <a:t>parameters</a:t>
+            </a:r>
+            <a:r>
+              <a:rPr lang="it-IT" sz="1600" dirty="0">
+                <a:solidFill>
+                  <a:schemeClr val="tx1">
+                    <a:lumMod val="75000"/>
+                    <a:lumOff val="25000"/>
+                  </a:schemeClr>
+                </a:solidFill>
+              </a:rPr>
+              <a:t> </a:t>
+            </a:r>
+            <a:r>
+              <a:rPr lang="it-IT" sz="1600" dirty="0" err="1">
+                <a:solidFill>
+                  <a:schemeClr val="tx1">
+                    <a:lumMod val="75000"/>
+                    <a:lumOff val="25000"/>
+                  </a:schemeClr>
+                </a:solidFill>
+              </a:rPr>
+              <a:t>at</a:t>
+            </a:r>
+            <a:r>
+              <a:rPr lang="it-IT" sz="1600" dirty="0">
+                <a:solidFill>
+                  <a:schemeClr val="tx1">
+                    <a:lumMod val="75000"/>
+                    <a:lumOff val="25000"/>
+                  </a:schemeClr>
+                </a:solidFill>
+              </a:rPr>
+              <a:t> </a:t>
+            </a:r>
+            <a:r>
+              <a:rPr lang="it-IT" sz="1600" dirty="0" err="1">
+                <a:solidFill>
+                  <a:schemeClr val="tx1">
+                    <a:lumMod val="75000"/>
+                    <a:lumOff val="25000"/>
+                  </a:schemeClr>
+                </a:solidFill>
+              </a:rPr>
+              <a:t>execution</a:t>
+            </a:r>
+            <a:r>
+              <a:rPr lang="it-IT" sz="1600" dirty="0">
+                <a:solidFill>
+                  <a:schemeClr val="tx1">
+                    <a:lumMod val="75000"/>
+                    <a:lumOff val="25000"/>
+                  </a:schemeClr>
+                </a:solidFill>
+              </a:rPr>
+              <a:t> time:</a:t>
+            </a:r>
+          </a:p>
+          <a:p>
+            <a:r>
+              <a:rPr lang="it-IT" sz="1600" b="1" dirty="0">
+                <a:solidFill>
+                  <a:schemeClr val="tx1">
+                    <a:lumMod val="75000"/>
+                    <a:lumOff val="25000"/>
+                  </a:schemeClr>
+                </a:solidFill>
+              </a:rPr>
+              <a:t>l</a:t>
+            </a:r>
+            <a:r>
+              <a:rPr lang="it-IT" sz="1600" dirty="0">
+                <a:solidFill>
+                  <a:schemeClr val="tx1">
+                    <a:lumMod val="75000"/>
+                    <a:lumOff val="25000"/>
+                  </a:schemeClr>
+                </a:solidFill>
+              </a:rPr>
+              <a:t>– </a:t>
+            </a:r>
+            <a:r>
+              <a:rPr lang="it-IT" sz="1600" dirty="0" err="1">
+                <a:solidFill>
+                  <a:schemeClr val="tx1">
+                    <a:lumMod val="75000"/>
+                    <a:lumOff val="25000"/>
+                  </a:schemeClr>
+                </a:solidFill>
+              </a:rPr>
+              <a:t>hash</a:t>
+            </a:r>
+            <a:r>
+              <a:rPr lang="it-IT" sz="1600" dirty="0">
+                <a:solidFill>
+                  <a:schemeClr val="tx1">
+                    <a:lumMod val="75000"/>
+                    <a:lumOff val="25000"/>
+                  </a:schemeClr>
+                </a:solidFill>
+              </a:rPr>
+              <a:t> </a:t>
+            </a:r>
+            <a:r>
+              <a:rPr lang="it-IT" sz="1600" dirty="0" err="1">
+                <a:solidFill>
+                  <a:schemeClr val="tx1">
+                    <a:lumMod val="75000"/>
+                    <a:lumOff val="25000"/>
+                  </a:schemeClr>
+                </a:solidFill>
+              </a:rPr>
+              <a:t>table</a:t>
+            </a:r>
+            <a:r>
+              <a:rPr lang="it-IT" sz="1600" dirty="0">
+                <a:solidFill>
+                  <a:schemeClr val="tx1">
+                    <a:lumMod val="75000"/>
+                    <a:lumOff val="25000"/>
+                  </a:schemeClr>
+                </a:solidFill>
+              </a:rPr>
+              <a:t> </a:t>
+            </a:r>
+            <a:r>
+              <a:rPr lang="it-IT" sz="1600" dirty="0" err="1">
+                <a:solidFill>
+                  <a:schemeClr val="tx1">
+                    <a:lumMod val="75000"/>
+                    <a:lumOff val="25000"/>
+                  </a:schemeClr>
+                </a:solidFill>
+              </a:rPr>
+              <a:t>lenght</a:t>
+            </a:r>
+            <a:endParaRPr lang="it-IT" sz="1600" dirty="0">
+              <a:solidFill>
+                <a:schemeClr val="tx1">
+                  <a:lumMod val="75000"/>
+                  <a:lumOff val="25000"/>
+                </a:schemeClr>
+              </a:solidFill>
+            </a:endParaRPr>
+          </a:p>
+          <a:p>
+            <a:r>
+              <a:rPr lang="it-IT" sz="1600" b="1" dirty="0">
+                <a:solidFill>
+                  <a:schemeClr val="tx1">
+                    <a:lumMod val="75000"/>
+                    <a:lumOff val="25000"/>
+                  </a:schemeClr>
+                </a:solidFill>
+              </a:rPr>
+              <a:t>t</a:t>
+            </a:r>
+            <a:r>
+              <a:rPr lang="it-IT" sz="1600" dirty="0">
+                <a:solidFill>
+                  <a:schemeClr val="tx1">
+                    <a:lumMod val="75000"/>
+                    <a:lumOff val="25000"/>
+                  </a:schemeClr>
+                </a:solidFill>
+              </a:rPr>
+              <a:t> – </a:t>
+            </a:r>
+            <a:r>
+              <a:rPr lang="it-IT" sz="1600" dirty="0" err="1">
+                <a:solidFill>
+                  <a:schemeClr val="tx1">
+                    <a:lumMod val="75000"/>
+                    <a:lumOff val="25000"/>
+                  </a:schemeClr>
+                </a:solidFill>
+              </a:rPr>
+              <a:t>number</a:t>
+            </a:r>
+            <a:r>
+              <a:rPr lang="it-IT" sz="1600" dirty="0">
+                <a:solidFill>
+                  <a:schemeClr val="tx1">
+                    <a:lumMod val="75000"/>
+                    <a:lumOff val="25000"/>
+                  </a:schemeClr>
+                </a:solidFill>
+              </a:rPr>
+              <a:t> of </a:t>
+            </a:r>
+            <a:r>
+              <a:rPr lang="it-IT" sz="1600" dirty="0" err="1">
+                <a:solidFill>
+                  <a:schemeClr val="tx1">
+                    <a:lumMod val="75000"/>
+                    <a:lumOff val="25000"/>
+                  </a:schemeClr>
+                </a:solidFill>
+              </a:rPr>
+              <a:t>thread</a:t>
+            </a:r>
+            <a:endParaRPr lang="it-IT" sz="1600" dirty="0">
+              <a:solidFill>
+                <a:schemeClr val="tx1">
+                  <a:lumMod val="75000"/>
+                  <a:lumOff val="25000"/>
+                </a:schemeClr>
+              </a:solidFill>
+            </a:endParaRPr>
+          </a:p>
+          <a:p>
+            <a:r>
+              <a:rPr lang="it-IT" sz="1600" b="1" dirty="0">
+                <a:solidFill>
+                  <a:schemeClr val="tx1">
+                    <a:lumMod val="75000"/>
+                    <a:lumOff val="25000"/>
+                  </a:schemeClr>
+                </a:solidFill>
+              </a:rPr>
+              <a:t>f </a:t>
+            </a:r>
+            <a:r>
+              <a:rPr lang="it-IT" sz="1600" dirty="0">
+                <a:solidFill>
+                  <a:schemeClr val="tx1">
+                    <a:lumMod val="75000"/>
+                    <a:lumOff val="25000"/>
+                  </a:schemeClr>
+                </a:solidFill>
+              </a:rPr>
+              <a:t>– source file</a:t>
+            </a:r>
+          </a:p>
+          <a:p>
+            <a:r>
+              <a:rPr lang="it-IT" sz="1600" b="1" dirty="0">
+                <a:solidFill>
+                  <a:schemeClr val="tx1">
+                    <a:lumMod val="75000"/>
+                    <a:lumOff val="25000"/>
+                  </a:schemeClr>
+                </a:solidFill>
+              </a:rPr>
+              <a:t>k</a:t>
+            </a:r>
+            <a:r>
+              <a:rPr lang="it-IT" sz="1600" dirty="0">
+                <a:solidFill>
+                  <a:schemeClr val="tx1">
+                    <a:lumMod val="75000"/>
+                    <a:lumOff val="25000"/>
+                  </a:schemeClr>
+                </a:solidFill>
+              </a:rPr>
+              <a:t> – k-</a:t>
+            </a:r>
+            <a:r>
+              <a:rPr lang="it-IT" sz="1600" dirty="0" err="1">
+                <a:solidFill>
+                  <a:schemeClr val="tx1">
+                    <a:lumMod val="75000"/>
+                    <a:lumOff val="25000"/>
+                  </a:schemeClr>
+                </a:solidFill>
+              </a:rPr>
+              <a:t>mer</a:t>
+            </a:r>
+            <a:r>
+              <a:rPr lang="it-IT" sz="1600" dirty="0">
+                <a:solidFill>
+                  <a:schemeClr val="tx1">
+                    <a:lumMod val="75000"/>
+                    <a:lumOff val="25000"/>
+                  </a:schemeClr>
+                </a:solidFill>
+              </a:rPr>
+              <a:t> </a:t>
+            </a:r>
+            <a:r>
+              <a:rPr lang="it-IT" sz="1600" dirty="0" err="1">
+                <a:solidFill>
+                  <a:schemeClr val="tx1">
+                    <a:lumMod val="75000"/>
+                    <a:lumOff val="25000"/>
+                  </a:schemeClr>
+                </a:solidFill>
+              </a:rPr>
+              <a:t>lenght</a:t>
+            </a:r>
+            <a:r>
+              <a:rPr lang="it-IT" sz="1600" dirty="0">
+                <a:solidFill>
+                  <a:schemeClr val="tx1">
+                    <a:lumMod val="75000"/>
+                    <a:lumOff val="25000"/>
+                  </a:schemeClr>
+                </a:solidFill>
+              </a:rPr>
+              <a:t>  </a:t>
+            </a:r>
           </a:p>
         </p:txBody>
       </p:sp>
@@ -13267,7 +15965,7 @@
                   <a:srgbClr val="FFC000"/>
                 </a:solidFill>
               </a:rPr>
-              <a:t>EVALUATION</a:t>
+              <a:t>TIME EVALUATION</a:t>
             </a:r>
             <a:endParaRPr lang="en-GB" sz="4400" dirty="0"/>
           </a:p>
@@ -13520,8 +16218,16 @@
           </a:lstStyle>
           <a:p>
             <a:r>
-              <a:rPr lang="it-IT"/>
-              <a:t>3 Version of the algorithm:</a:t>
+              <a:rPr lang="it-IT" dirty="0"/>
+              <a:t>3 Version of the </a:t>
+            </a:r>
+            <a:r>
+              <a:rPr lang="it-IT" dirty="0" err="1"/>
+              <a:t>algorithm</a:t>
+            </a:r>
+            <a:r>
+              <a:rPr lang="it-IT" dirty="0"/>
+              <a:t>:</a:t>
             </a:r>
           </a:p>
           <a:p>
@@ -13530,9 +16236,14 @@
               <a:buChar char="•"/>
             </a:pPr>
             <a:r>
-              <a:rPr lang="it-IT"/>
-              <a:t>Serial version</a:t>
-            </a:r>
+              <a:rPr lang="it-IT" dirty="0"/>
+              <a:t>Serial </a:t>
+            </a:r>
+            <a:r>
+              <a:rPr lang="it-IT" dirty="0" err="1"/>
+              <a:t>version</a:t>
+            </a:r>
+            <a:endParaRPr lang="it-IT" dirty="0"/>
           </a:p>
           <a:p>
             <a:pPr lvl="1">
@@ -13540,9 +16251,26 @@
               <a:buChar char="•"/>
             </a:pPr>
             <a:r>
-              <a:rPr lang="it-IT"/>
-              <a:t>Multithreaded hash-table with locks</a:t>
-            </a:r>
+              <a:rPr lang="it-IT" dirty="0" err="1"/>
+              <a:t>Multithreaded</a:t>
+            </a:r>
+            <a:r>
+              <a:rPr lang="it-IT" dirty="0"/>
+              <a:t> </a:t>
+            </a:r>
+            <a:r>
+              <a:rPr lang="it-IT" dirty="0" err="1"/>
+              <a:t>hash-table</a:t>
+            </a:r>
+            <a:r>
+              <a:rPr lang="it-IT" dirty="0"/>
+              <a:t> with </a:t>
+            </a:r>
+            <a:r>
+              <a:rPr lang="it-IT" dirty="0" err="1"/>
+              <a:t>locks</a:t>
+            </a:r>
+            <a:endParaRPr lang="it-IT" dirty="0"/>
           </a:p>
           <a:p>
             <a:pPr lvl="1">
@@ -13550,17 +16278,60 @@
               <a:buChar char="•"/>
             </a:pPr>
             <a:r>
-              <a:rPr lang="it-IT"/>
-              <a:t>Multithreaded hash-table without locks</a:t>
-            </a:r>
-          </a:p>
-          <a:p>
-            <a:endParaRPr lang="it-IT"/>
-          </a:p>
-          <a:p>
-            <a:r>
-              <a:rPr lang="it-IT"/>
-              <a:t>We want to:</a:t>
+              <a:rPr lang="it-IT" dirty="0" err="1"/>
+              <a:t>Multithreaded</a:t>
+            </a:r>
+            <a:r>
+              <a:rPr lang="it-IT" dirty="0"/>
+              <a:t> </a:t>
+            </a:r>
+            <a:r>
+              <a:rPr lang="it-IT" dirty="0" err="1"/>
+              <a:t>hash-table</a:t>
+            </a:r>
+            <a:r>
+              <a:rPr lang="it-IT" dirty="0"/>
+              <a:t> </a:t>
+            </a:r>
+            <a:r>
+              <a:rPr lang="it-IT" dirty="0" err="1"/>
+              <a:t>without</a:t>
+            </a:r>
+            <a:r>
+              <a:rPr lang="it-IT" dirty="0"/>
+              <a:t> </a:t>
+            </a:r>
+            <a:r>
+              <a:rPr lang="it-IT" dirty="0" err="1"/>
+              <a:t>locks</a:t>
+            </a:r>
+            <a:endParaRPr lang="it-IT" dirty="0"/>
+          </a:p>
+          <a:p>
+            <a:endParaRPr lang="it-IT" dirty="0"/>
+          </a:p>
+          <a:p>
+            <a:pPr marL="0" indent="0">
+              <a:buNone/>
+            </a:pPr>
+            <a:endParaRPr lang="it-IT" dirty="0"/>
+          </a:p>
+          <a:p>
+            <a:r>
+              <a:rPr lang="it-IT" dirty="0" err="1"/>
+              <a:t>We</a:t>
+            </a:r>
+            <a:r>
+              <a:rPr lang="it-IT" dirty="0"/>
+              <a:t> </a:t>
+            </a:r>
+            <a:r>
+              <a:rPr lang="it-IT" dirty="0" err="1"/>
+              <a:t>want</a:t>
+            </a:r>
+            <a:r>
+              <a:rPr lang="it-IT" dirty="0"/>
+              <a:t> to:</a:t>
             </a:r>
           </a:p>
           <a:p>
@@ -13569,9 +16340,30 @@
               <a:buChar char="•"/>
             </a:pPr>
             <a:r>
-              <a:rPr lang="it-IT"/>
-              <a:t>Show the speed up with respect to the number of threads</a:t>
-            </a:r>
+              <a:rPr lang="it-IT" dirty="0"/>
+              <a:t>Show the speed up with </a:t>
+            </a:r>
+            <a:r>
+              <a:rPr lang="it-IT" dirty="0" err="1"/>
+              <a:t>respect</a:t>
+            </a:r>
+            <a:r>
+              <a:rPr lang="it-IT" dirty="0"/>
+              <a:t> to the </a:t>
+            </a:r>
+            <a:r>
+              <a:rPr lang="it-IT" dirty="0" err="1"/>
+              <a:t>number</a:t>
+            </a:r>
+            <a:r>
+              <a:rPr lang="it-IT" dirty="0"/>
+              <a:t> of </a:t>
+            </a:r>
+            <a:r>
+              <a:rPr lang="it-IT" dirty="0" err="1"/>
+              <a:t>threads</a:t>
+            </a:r>
+            <a:endParaRPr lang="it-IT" dirty="0"/>
           </a:p>
           <a:p>
             <a:pPr lvl="1">
@@ -13579,32 +16371,66 @@
               <a:buChar char="•"/>
             </a:pPr>
             <a:r>
-              <a:rPr lang="it-IT"/>
-              <a:t>How much time it takes with respect to the lenght of the sequence</a:t>
-            </a:r>
-          </a:p>
-          <a:p>
-            <a:pPr lvl="1">
-              <a:buFont typeface="Arial" panose="020B0604020202020204" pitchFamily="34" charset="0"/>
-              <a:buChar char="•"/>
+              <a:rPr lang="it-IT" dirty="0"/>
+              <a:t>How </a:t>
+            </a:r>
+            <a:r>
+              <a:rPr lang="it-IT" dirty="0" err="1"/>
+              <a:t>much</a:t>
+            </a:r>
+            <a:r>
+              <a:rPr lang="it-IT" dirty="0"/>
+              <a:t> time </a:t>
+            </a:r>
+            <a:r>
+              <a:rPr lang="it-IT" dirty="0" err="1"/>
+              <a:t>it</a:t>
+            </a:r>
+            <a:r>
+              <a:rPr lang="it-IT" dirty="0"/>
+              <a:t> </a:t>
+            </a:r>
+            <a:r>
+              <a:rPr lang="it-IT" dirty="0" err="1"/>
+              <a:t>takes</a:t>
+            </a:r>
+            <a:r>
+              <a:rPr lang="it-IT" dirty="0"/>
+              <a:t> with </a:t>
+            </a:r>
+            <a:r>
+              <a:rPr lang="it-IT" dirty="0" err="1"/>
+              <a:t>respect</a:t>
+            </a:r>
+            <a:r>
+              <a:rPr lang="it-IT" dirty="0"/>
+              <a:t> to the </a:t>
+            </a:r>
+            <a:r>
+              <a:rPr lang="it-IT" dirty="0" err="1"/>
+              <a:t>lenght</a:t>
+            </a:r>
+            <a:r>
+              <a:rPr lang="it-IT" dirty="0"/>
+              <a:t> of the </a:t>
+            </a:r>
+            <a:r>
+              <a:rPr lang="it-IT" dirty="0" err="1"/>
+              <a:t>sequence</a:t>
+            </a:r>
+            <a:endParaRPr lang="it-IT" dirty="0"/>
+          </a:p>
+          <a:p>
+            <a:pPr marL="457200" lvl="1" indent="0">
+              <a:buNone/>
             </a:pPr>
-            <a:r>
-              <a:rPr lang="it-IT"/>
-              <a:t>How much memory is used with respect to the lenght of the sequence</a:t>
-            </a:r>
-          </a:p>
-          <a:p>
-            <a:pPr lvl="1">
-              <a:buFont typeface="Arial" panose="020B0604020202020204" pitchFamily="34" charset="0"/>
-              <a:buChar char="•"/>
-            </a:pPr>
-            <a:endParaRPr lang="it-IT"/>
-          </a:p>
-          <a:p>
-            <a:endParaRPr lang="it-IT"/>
-          </a:p>
-          <a:p>
-            <a:endParaRPr lang="it-IT"/>
+            <a:endParaRPr lang="it-IT" dirty="0"/>
+          </a:p>
+          <a:p>
+            <a:endParaRPr lang="it-IT" dirty="0"/>
+          </a:p>
+          <a:p>
+            <a:endParaRPr lang="it-IT" dirty="0"/>
           </a:p>
           <a:p>
             <a:pPr marL="457200" lvl="1" indent="0">
@@ -13677,43 +16503,124 @@
       </p:grpSpPr>
       <p:sp>
         <p:nvSpPr>
-          <p:cNvPr id="2" name="CasellaDiTesto 1">
+          <p:cNvPr id="5" name="Titolo 1">
             <a:extLst>
               <a:ext uri="{FF2B5EF4-FFF2-40B4-BE49-F238E27FC236}">
-                <a16:creationId xmlns:a16="http://schemas.microsoft.com/office/drawing/2014/main" id="{42D40A41-8082-4F8A-B4A5-E77F1A3BDD40}"/>
+                <a16:creationId xmlns:a16="http://schemas.microsoft.com/office/drawing/2014/main" id="{0C734ED3-9278-4126-AE51-FE48147C659D}"/>
               </a:ext>
             </a:extLst>
           </p:cNvPr>
-          <p:cNvSpPr txBox="1"/>
+          <p:cNvSpPr txBox="1">
+            <a:spLocks/>
+          </p:cNvSpPr>
           <p:nvPr/>
         </p:nvSpPr>
         <p:spPr>
           <a:xfrm>
-            <a:off x="5372100" y="1784838"/>
-            <a:ext cx="5706208" cy="369332"/>
+            <a:off x="1710861" y="632902"/>
+            <a:ext cx="8911687" cy="1280890"/>
           </a:xfrm>
           <a:prstGeom prst="rect">
             <a:avLst/>
           </a:prstGeom>
-          <a:noFill/>
         </p:spPr>
         <p:txBody>
-          <a:bodyPr wrap="square" rtlCol="0">
-            <a:spAutoFit/>
+          <a:bodyPr vert="horz" lIns="91440" tIns="45720" rIns="91440" bIns="45720" rtlCol="0" anchor="t">
+            <a:normAutofit/>
           </a:bodyPr>
-          <a:lstStyle/>
-          <a:p>
-            <a:r>
-              <a:rPr lang="it-IT" dirty="0"/>
-              <a:t>EVALUATION RESULT</a:t>
-            </a:r>
+          <a:lstStyle>
+            <a:lvl1pPr algn="l" defTabSz="457200" rtl="0" eaLnBrk="1" latinLnBrk="0" hangingPunct="1">
+              <a:spcBef>
+                <a:spcPct val="0"/>
+              </a:spcBef>
+              <a:buNone/>
+              <a:defRPr sz="3600" kern="1200">
+                <a:solidFill>
+                  <a:schemeClr val="tx1">
+                    <a:lumMod val="85000"/>
+                    <a:lumOff val="15000"/>
+                  </a:schemeClr>
+                </a:solidFill>
+                <a:latin typeface="+mj-lt"/>
+                <a:ea typeface="+mj-ea"/>
+                <a:cs typeface="+mj-cs"/>
+              </a:defRPr>
+            </a:lvl1pPr>
+            <a:lvl2pPr eaLnBrk="1" hangingPunct="1">
+              <a:defRPr>
+                <a:solidFill>
+                  <a:schemeClr val="tx2"/>
+                </a:solidFill>
+              </a:defRPr>
+            </a:lvl2pPr>
+            <a:lvl3pPr eaLnBrk="1" hangingPunct="1">
+              <a:defRPr>
+                <a:solidFill>
+                  <a:schemeClr val="tx2"/>
+                </a:solidFill>
+              </a:defRPr>
+            </a:lvl3pPr>
+            <a:lvl4pPr eaLnBrk="1" hangingPunct="1">
+              <a:defRPr>
+                <a:solidFill>
+                  <a:schemeClr val="tx2"/>
+                </a:solidFill>
+              </a:defRPr>
+            </a:lvl4pPr>
+            <a:lvl5pPr eaLnBrk="1" hangingPunct="1">
+              <a:defRPr>
+                <a:solidFill>
+                  <a:schemeClr val="tx2"/>
+                </a:solidFill>
+              </a:defRPr>
+            </a:lvl5pPr>
+            <a:lvl6pPr eaLnBrk="1" hangingPunct="1">
+              <a:defRPr>
+                <a:solidFill>
+                  <a:schemeClr val="tx2"/>
+                </a:solidFill>
+              </a:defRPr>
+            </a:lvl6pPr>
+            <a:lvl7pPr eaLnBrk="1" hangingPunct="1">
+              <a:defRPr>
+                <a:solidFill>
+                  <a:schemeClr val="tx2"/>
+                </a:solidFill>
+              </a:defRPr>
+            </a:lvl7pPr>
+            <a:lvl8pPr eaLnBrk="1" hangingPunct="1">
+              <a:defRPr>
+                <a:solidFill>
+                  <a:schemeClr val="tx2"/>
+                </a:solidFill>
+              </a:defRPr>
+            </a:lvl8pPr>
+            <a:lvl9pPr eaLnBrk="1" hangingPunct="1">
+              <a:defRPr>
+                <a:solidFill>
+                  <a:schemeClr val="tx2"/>
+                </a:solidFill>
+              </a:defRPr>
+            </a:lvl9pPr>
+          </a:lstStyle>
+          <a:p>
+            <a:pPr algn="ctr"/>
+            <a:r>
+              <a:rPr lang="it-IT" sz="4400" b="1" dirty="0">
+                <a:solidFill>
+                  <a:srgbClr val="FFC000"/>
+                </a:solidFill>
+              </a:rPr>
+              <a:t>DATASET</a:t>
+            </a:r>
+            <a:endParaRPr lang="en-GB" sz="4400" dirty="0"/>
           </a:p>
         </p:txBody>
       </p:sp>
     </p:spTree>
     <p:extLst>
       <p:ext uri="{BB962C8B-B14F-4D97-AF65-F5344CB8AC3E}">
-        <p14:creationId xmlns:p14="http://schemas.microsoft.com/office/powerpoint/2010/main" val="1589823522"/>
+        <p14:creationId xmlns:p14="http://schemas.microsoft.com/office/powerpoint/2010/main" val="457639041"/>
       </p:ext>
     </p:extLst>
   </p:cSld>
@@ -13742,39 +16649,1435 @@
       </p:grpSpPr>
       <p:sp>
         <p:nvSpPr>
-          <p:cNvPr id="4" name="CasellaDiTesto 3">
+          <p:cNvPr id="5" name="Titolo 1">
             <a:extLst>
               <a:ext uri="{FF2B5EF4-FFF2-40B4-BE49-F238E27FC236}">
-                <a16:creationId xmlns:a16="http://schemas.microsoft.com/office/drawing/2014/main" id="{2907761C-323D-4D83-A660-C336DCB8CA68}"/>
+                <a16:creationId xmlns:a16="http://schemas.microsoft.com/office/drawing/2014/main" id="{0C734ED3-9278-4126-AE51-FE48147C659D}"/>
               </a:ext>
             </a:extLst>
           </p:cNvPr>
-          <p:cNvSpPr txBox="1"/>
+          <p:cNvSpPr txBox="1">
+            <a:spLocks/>
+          </p:cNvSpPr>
           <p:nvPr/>
         </p:nvSpPr>
         <p:spPr>
           <a:xfrm>
-            <a:off x="4195664" y="4281854"/>
-            <a:ext cx="5706208" cy="646331"/>
+            <a:off x="1710861" y="632902"/>
+            <a:ext cx="8911687" cy="1280890"/>
           </a:xfrm>
           <a:prstGeom prst="rect">
             <a:avLst/>
           </a:prstGeom>
-          <a:noFill/>
         </p:spPr>
         <p:txBody>
-          <a:bodyPr wrap="square" rtlCol="0">
-            <a:spAutoFit/>
+          <a:bodyPr vert="horz" lIns="91440" tIns="45720" rIns="91440" bIns="45720" rtlCol="0" anchor="t">
+            <a:normAutofit/>
           </a:bodyPr>
-          <a:lstStyle/>
-          <a:p>
-            <a:r>
-              <a:rPr lang="it-IT" dirty="0"/>
+          <a:lstStyle>
+            <a:lvl1pPr algn="l" defTabSz="457200" rtl="0" eaLnBrk="1" latinLnBrk="0" hangingPunct="1">
+              <a:spcBef>
+                <a:spcPct val="0"/>
+              </a:spcBef>
+              <a:buNone/>
+              <a:defRPr sz="3600" kern="1200">
+                <a:solidFill>
+                  <a:schemeClr val="tx1">
+                    <a:lumMod val="85000"/>
+                    <a:lumOff val="15000"/>
+                  </a:schemeClr>
+                </a:solidFill>
+                <a:latin typeface="+mj-lt"/>
+                <a:ea typeface="+mj-ea"/>
+                <a:cs typeface="+mj-cs"/>
+              </a:defRPr>
+            </a:lvl1pPr>
+            <a:lvl2pPr eaLnBrk="1" hangingPunct="1">
+              <a:defRPr>
+                <a:solidFill>
+                  <a:schemeClr val="tx2"/>
+                </a:solidFill>
+              </a:defRPr>
+            </a:lvl2pPr>
+            <a:lvl3pPr eaLnBrk="1" hangingPunct="1">
+              <a:defRPr>
+                <a:solidFill>
+                  <a:schemeClr val="tx2"/>
+                </a:solidFill>
+              </a:defRPr>
+            </a:lvl3pPr>
+            <a:lvl4pPr eaLnBrk="1" hangingPunct="1">
+              <a:defRPr>
+                <a:solidFill>
+                  <a:schemeClr val="tx2"/>
+                </a:solidFill>
+              </a:defRPr>
+            </a:lvl4pPr>
+            <a:lvl5pPr eaLnBrk="1" hangingPunct="1">
+              <a:defRPr>
+                <a:solidFill>
+                  <a:schemeClr val="tx2"/>
+                </a:solidFill>
+              </a:defRPr>
+            </a:lvl5pPr>
+            <a:lvl6pPr eaLnBrk="1" hangingPunct="1">
+              <a:defRPr>
+                <a:solidFill>
+                  <a:schemeClr val="tx2"/>
+                </a:solidFill>
+              </a:defRPr>
+            </a:lvl6pPr>
+            <a:lvl7pPr eaLnBrk="1" hangingPunct="1">
+              <a:defRPr>
+                <a:solidFill>
+                  <a:schemeClr val="tx2"/>
+                </a:solidFill>
+              </a:defRPr>
+            </a:lvl7pPr>
+            <a:lvl8pPr eaLnBrk="1" hangingPunct="1">
+              <a:defRPr>
+                <a:solidFill>
+                  <a:schemeClr val="tx2"/>
+                </a:solidFill>
+              </a:defRPr>
+            </a:lvl8pPr>
+            <a:lvl9pPr eaLnBrk="1" hangingPunct="1">
+              <a:defRPr>
+                <a:solidFill>
+                  <a:schemeClr val="tx2"/>
+                </a:solidFill>
+              </a:defRPr>
+            </a:lvl9pPr>
+          </a:lstStyle>
+          <a:p>
+            <a:pPr algn="ctr"/>
+            <a:r>
+              <a:rPr lang="it-IT" sz="4400" b="1" dirty="0">
+                <a:solidFill>
+                  <a:srgbClr val="FFC000"/>
+                </a:solidFill>
+              </a:rPr>
+              <a:t>RESULT</a:t>
+            </a:r>
+            <a:endParaRPr lang="en-GB" sz="4400" dirty="0"/>
+          </a:p>
+        </p:txBody>
+      </p:sp>
+    </p:spTree>
+    <p:extLst>
+      <p:ext uri="{BB962C8B-B14F-4D97-AF65-F5344CB8AC3E}">
+        <p14:creationId xmlns:p14="http://schemas.microsoft.com/office/powerpoint/2010/main" val="4265149742"/>
+      </p:ext>
+    </p:extLst>
+  </p:cSld>
+  <p:clrMapOvr>
+    <a:masterClrMapping/>
+  </p:clrMapOvr>
+</p:sld>
+</file>
+
+<file path=ppt/slides/slide25.xml><?xml version="1.0" encoding="utf-8"?>
+<p:sld xmlns:a="http://schemas.openxmlformats.org/drawingml/2006/main" xmlns:r="http://schemas.openxmlformats.org/officeDocument/2006/relationships" xmlns:p="http://schemas.openxmlformats.org/presentationml/2006/main">
+  <p:cSld>
+    <p:spTree>
+      <p:nvGrpSpPr>
+        <p:cNvPr id="1" name=""/>
+        <p:cNvGrpSpPr/>
+        <p:nvPr/>
+      </p:nvGrpSpPr>
+      <p:grpSpPr>
+        <a:xfrm>
+          <a:off x="0" y="0"/>
+          <a:ext cx="0" cy="0"/>
+          <a:chOff x="0" y="0"/>
+          <a:chExt cx="0" cy="0"/>
+        </a:xfrm>
+      </p:grpSpPr>
+      <p:sp>
+        <p:nvSpPr>
+          <p:cNvPr id="5" name="Titolo 1">
+            <a:extLst>
+              <a:ext uri="{FF2B5EF4-FFF2-40B4-BE49-F238E27FC236}">
+                <a16:creationId xmlns:a16="http://schemas.microsoft.com/office/drawing/2014/main" id="{0C734ED3-9278-4126-AE51-FE48147C659D}"/>
+              </a:ext>
+            </a:extLst>
+          </p:cNvPr>
+          <p:cNvSpPr txBox="1">
+            <a:spLocks/>
+          </p:cNvSpPr>
+          <p:nvPr/>
+        </p:nvSpPr>
+        <p:spPr>
+          <a:xfrm>
+            <a:off x="1710861" y="632902"/>
+            <a:ext cx="8911687" cy="1280890"/>
+          </a:xfrm>
+          <a:prstGeom prst="rect">
+            <a:avLst/>
+          </a:prstGeom>
+        </p:spPr>
+        <p:txBody>
+          <a:bodyPr vert="horz" lIns="91440" tIns="45720" rIns="91440" bIns="45720" rtlCol="0" anchor="t">
+            <a:normAutofit/>
+          </a:bodyPr>
+          <a:lstStyle>
+            <a:lvl1pPr algn="l" defTabSz="457200" rtl="0" eaLnBrk="1" latinLnBrk="0" hangingPunct="1">
+              <a:spcBef>
+                <a:spcPct val="0"/>
+              </a:spcBef>
+              <a:buNone/>
+              <a:defRPr sz="3600" kern="1200">
+                <a:solidFill>
+                  <a:schemeClr val="tx1">
+                    <a:lumMod val="85000"/>
+                    <a:lumOff val="15000"/>
+                  </a:schemeClr>
+                </a:solidFill>
+                <a:latin typeface="+mj-lt"/>
+                <a:ea typeface="+mj-ea"/>
+                <a:cs typeface="+mj-cs"/>
+              </a:defRPr>
+            </a:lvl1pPr>
+            <a:lvl2pPr eaLnBrk="1" hangingPunct="1">
+              <a:defRPr>
+                <a:solidFill>
+                  <a:schemeClr val="tx2"/>
+                </a:solidFill>
+              </a:defRPr>
+            </a:lvl2pPr>
+            <a:lvl3pPr eaLnBrk="1" hangingPunct="1">
+              <a:defRPr>
+                <a:solidFill>
+                  <a:schemeClr val="tx2"/>
+                </a:solidFill>
+              </a:defRPr>
+            </a:lvl3pPr>
+            <a:lvl4pPr eaLnBrk="1" hangingPunct="1">
+              <a:defRPr>
+                <a:solidFill>
+                  <a:schemeClr val="tx2"/>
+                </a:solidFill>
+              </a:defRPr>
+            </a:lvl4pPr>
+            <a:lvl5pPr eaLnBrk="1" hangingPunct="1">
+              <a:defRPr>
+                <a:solidFill>
+                  <a:schemeClr val="tx2"/>
+                </a:solidFill>
+              </a:defRPr>
+            </a:lvl5pPr>
+            <a:lvl6pPr eaLnBrk="1" hangingPunct="1">
+              <a:defRPr>
+                <a:solidFill>
+                  <a:schemeClr val="tx2"/>
+                </a:solidFill>
+              </a:defRPr>
+            </a:lvl6pPr>
+            <a:lvl7pPr eaLnBrk="1" hangingPunct="1">
+              <a:defRPr>
+                <a:solidFill>
+                  <a:schemeClr val="tx2"/>
+                </a:solidFill>
+              </a:defRPr>
+            </a:lvl7pPr>
+            <a:lvl8pPr eaLnBrk="1" hangingPunct="1">
+              <a:defRPr>
+                <a:solidFill>
+                  <a:schemeClr val="tx2"/>
+                </a:solidFill>
+              </a:defRPr>
+            </a:lvl8pPr>
+            <a:lvl9pPr eaLnBrk="1" hangingPunct="1">
+              <a:defRPr>
+                <a:solidFill>
+                  <a:schemeClr val="tx2"/>
+                </a:solidFill>
+              </a:defRPr>
+            </a:lvl9pPr>
+          </a:lstStyle>
+          <a:p>
+            <a:pPr algn="ctr"/>
+            <a:r>
+              <a:rPr lang="it-IT" sz="4400" b="1" dirty="0">
+                <a:solidFill>
+                  <a:srgbClr val="FFC000"/>
+                </a:solidFill>
+              </a:rPr>
+              <a:t>RESULT</a:t>
+            </a:r>
+            <a:endParaRPr lang="en-GB" sz="4400" dirty="0"/>
+          </a:p>
+        </p:txBody>
+      </p:sp>
+      <p:graphicFrame>
+        <p:nvGraphicFramePr>
+          <p:cNvPr id="3" name="Grafico 2">
+            <a:extLst>
+              <a:ext uri="{FF2B5EF4-FFF2-40B4-BE49-F238E27FC236}">
+                <a16:creationId xmlns:a16="http://schemas.microsoft.com/office/drawing/2014/main" id="{7BB31060-787E-4613-A9D7-63C6444A844D}"/>
+              </a:ext>
+            </a:extLst>
+          </p:cNvPr>
+          <p:cNvGraphicFramePr>
+            <a:graphicFrameLocks/>
+          </p:cNvGraphicFramePr>
+          <p:nvPr>
+            <p:extLst>
+              <p:ext uri="{D42A27DB-BD31-4B8C-83A1-F6EECF244321}">
+                <p14:modId xmlns:p14="http://schemas.microsoft.com/office/powerpoint/2010/main" val="2007931188"/>
+              </p:ext>
+            </p:extLst>
+          </p:nvPr>
+        </p:nvGraphicFramePr>
+        <p:xfrm>
+          <a:off x="2592925" y="2283948"/>
+          <a:ext cx="7147560" cy="4259580"/>
+        </p:xfrm>
+        <a:graphic>
+          <a:graphicData uri="http://schemas.openxmlformats.org/drawingml/2006/chart">
+            <c:chart xmlns:c="http://schemas.openxmlformats.org/drawingml/2006/chart" xmlns:r="http://schemas.openxmlformats.org/officeDocument/2006/relationships" r:id="rId2"/>
+          </a:graphicData>
+        </a:graphic>
+      </p:graphicFrame>
+      <p:sp>
+        <p:nvSpPr>
+          <p:cNvPr id="4" name="Segnaposto contenuto 2">
+            <a:extLst>
+              <a:ext uri="{FF2B5EF4-FFF2-40B4-BE49-F238E27FC236}">
+                <a16:creationId xmlns:a16="http://schemas.microsoft.com/office/drawing/2014/main" id="{8B824931-297A-4CAF-86D2-180109FEA9A1}"/>
+              </a:ext>
+            </a:extLst>
+          </p:cNvPr>
+          <p:cNvSpPr txBox="1">
+            <a:spLocks/>
+          </p:cNvSpPr>
+          <p:nvPr/>
+        </p:nvSpPr>
+        <p:spPr>
+          <a:xfrm>
+            <a:off x="2484215" y="1412492"/>
+            <a:ext cx="8915400" cy="1207619"/>
+          </a:xfrm>
+          <a:prstGeom prst="rect">
+            <a:avLst/>
+          </a:prstGeom>
+        </p:spPr>
+        <p:txBody>
+          <a:bodyPr/>
+          <a:lstStyle>
+            <a:lvl1pPr marL="342900" indent="-342900" algn="l" defTabSz="457200" rtl="0" eaLnBrk="1" latinLnBrk="0" hangingPunct="1">
+              <a:spcBef>
+                <a:spcPts val="1000"/>
+              </a:spcBef>
+              <a:spcAft>
+                <a:spcPts val="0"/>
+              </a:spcAft>
+              <a:buClr>
+                <a:schemeClr val="accent1"/>
+              </a:buClr>
+              <a:buFont typeface="Wingdings 3" charset="2"/>
+              <a:buChar char=""/>
+              <a:defRPr sz="1800" kern="1200">
+                <a:solidFill>
+                  <a:schemeClr val="tx1">
+                    <a:lumMod val="75000"/>
+                    <a:lumOff val="25000"/>
+                  </a:schemeClr>
+                </a:solidFill>
+                <a:latin typeface="+mn-lt"/>
+                <a:ea typeface="+mn-ea"/>
+                <a:cs typeface="+mn-cs"/>
+              </a:defRPr>
+            </a:lvl1pPr>
+            <a:lvl2pPr marL="742950" indent="-285750" algn="l" defTabSz="457200" rtl="0" eaLnBrk="1" latinLnBrk="0" hangingPunct="1">
+              <a:spcBef>
+                <a:spcPts val="1000"/>
+              </a:spcBef>
+              <a:spcAft>
+                <a:spcPts val="0"/>
+              </a:spcAft>
+              <a:buClr>
+                <a:schemeClr val="accent1"/>
+              </a:buClr>
+              <a:buFont typeface="Wingdings 3" charset="2"/>
+              <a:buChar char=""/>
+              <a:defRPr sz="1600" kern="1200">
+                <a:solidFill>
+                  <a:schemeClr val="tx1">
+                    <a:lumMod val="75000"/>
+                    <a:lumOff val="25000"/>
+                  </a:schemeClr>
+                </a:solidFill>
+                <a:latin typeface="+mn-lt"/>
+                <a:ea typeface="+mn-ea"/>
+                <a:cs typeface="+mn-cs"/>
+              </a:defRPr>
+            </a:lvl2pPr>
+            <a:lvl3pPr marL="1143000" indent="-228600" algn="l" defTabSz="457200" rtl="0" eaLnBrk="1" latinLnBrk="0" hangingPunct="1">
+              <a:spcBef>
+                <a:spcPts val="1000"/>
+              </a:spcBef>
+              <a:spcAft>
+                <a:spcPts val="0"/>
+              </a:spcAft>
+              <a:buClr>
+                <a:schemeClr val="accent1"/>
+              </a:buClr>
+              <a:buFont typeface="Wingdings 3" charset="2"/>
+              <a:buChar char=""/>
+              <a:defRPr sz="1400" kern="1200">
+                <a:solidFill>
+                  <a:schemeClr val="tx1">
+                    <a:lumMod val="75000"/>
+                    <a:lumOff val="25000"/>
+                  </a:schemeClr>
+                </a:solidFill>
+                <a:latin typeface="+mn-lt"/>
+                <a:ea typeface="+mn-ea"/>
+                <a:cs typeface="+mn-cs"/>
+              </a:defRPr>
+            </a:lvl3pPr>
+            <a:lvl4pPr marL="1600200" indent="-228600" algn="l" defTabSz="457200" rtl="0" eaLnBrk="1" latinLnBrk="0" hangingPunct="1">
+              <a:spcBef>
+                <a:spcPts val="1000"/>
+              </a:spcBef>
+              <a:spcAft>
+                <a:spcPts val="0"/>
+              </a:spcAft>
+              <a:buClr>
+                <a:schemeClr val="accent1"/>
+              </a:buClr>
+              <a:buFont typeface="Wingdings 3" charset="2"/>
+              <a:buChar char=""/>
+              <a:defRPr sz="1200" kern="1200">
+                <a:solidFill>
+                  <a:schemeClr val="tx1">
+                    <a:lumMod val="75000"/>
+                    <a:lumOff val="25000"/>
+                  </a:schemeClr>
+                </a:solidFill>
+                <a:latin typeface="+mn-lt"/>
+                <a:ea typeface="+mn-ea"/>
+                <a:cs typeface="+mn-cs"/>
+              </a:defRPr>
+            </a:lvl4pPr>
+            <a:lvl5pPr marL="2057400" indent="-228600" algn="l" defTabSz="457200" rtl="0" eaLnBrk="1" latinLnBrk="0" hangingPunct="1">
+              <a:spcBef>
+                <a:spcPts val="1000"/>
+              </a:spcBef>
+              <a:spcAft>
+                <a:spcPts val="0"/>
+              </a:spcAft>
+              <a:buClr>
+                <a:schemeClr val="accent1"/>
+              </a:buClr>
+              <a:buFont typeface="Wingdings 3" charset="2"/>
+              <a:buChar char=""/>
+              <a:defRPr sz="1200" kern="1200">
+                <a:solidFill>
+                  <a:schemeClr val="tx1">
+                    <a:lumMod val="75000"/>
+                    <a:lumOff val="25000"/>
+                  </a:schemeClr>
+                </a:solidFill>
+                <a:latin typeface="+mn-lt"/>
+                <a:ea typeface="+mn-ea"/>
+                <a:cs typeface="+mn-cs"/>
+              </a:defRPr>
+            </a:lvl5pPr>
+            <a:lvl6pPr marL="2514600" indent="-228600" algn="l" defTabSz="457200" rtl="0" eaLnBrk="1" latinLnBrk="0" hangingPunct="1">
+              <a:spcBef>
+                <a:spcPts val="1000"/>
+              </a:spcBef>
+              <a:spcAft>
+                <a:spcPts val="0"/>
+              </a:spcAft>
+              <a:buClr>
+                <a:schemeClr val="accent1"/>
+              </a:buClr>
+              <a:buFont typeface="Wingdings 3" charset="2"/>
+              <a:buChar char=""/>
+              <a:defRPr sz="1200" kern="1200">
+                <a:solidFill>
+                  <a:schemeClr val="tx1">
+                    <a:lumMod val="75000"/>
+                    <a:lumOff val="25000"/>
+                  </a:schemeClr>
+                </a:solidFill>
+                <a:latin typeface="+mn-lt"/>
+                <a:ea typeface="+mn-ea"/>
+                <a:cs typeface="+mn-cs"/>
+              </a:defRPr>
+            </a:lvl6pPr>
+            <a:lvl7pPr marL="2971800" indent="-228600" algn="l" defTabSz="457200" rtl="0" eaLnBrk="1" latinLnBrk="0" hangingPunct="1">
+              <a:spcBef>
+                <a:spcPts val="1000"/>
+              </a:spcBef>
+              <a:spcAft>
+                <a:spcPts val="0"/>
+              </a:spcAft>
+              <a:buClr>
+                <a:schemeClr val="accent1"/>
+              </a:buClr>
+              <a:buFont typeface="Wingdings 3" charset="2"/>
+              <a:buChar char=""/>
+              <a:defRPr sz="1200" kern="1200">
+                <a:solidFill>
+                  <a:schemeClr val="tx1">
+                    <a:lumMod val="75000"/>
+                    <a:lumOff val="25000"/>
+                  </a:schemeClr>
+                </a:solidFill>
+                <a:latin typeface="+mn-lt"/>
+                <a:ea typeface="+mn-ea"/>
+                <a:cs typeface="+mn-cs"/>
+              </a:defRPr>
+            </a:lvl7pPr>
+            <a:lvl8pPr marL="3429000" indent="-228600" algn="l" defTabSz="457200" rtl="0" eaLnBrk="1" latinLnBrk="0" hangingPunct="1">
+              <a:spcBef>
+                <a:spcPts val="1000"/>
+              </a:spcBef>
+              <a:spcAft>
+                <a:spcPts val="0"/>
+              </a:spcAft>
+              <a:buClr>
+                <a:schemeClr val="accent1"/>
+              </a:buClr>
+              <a:buFont typeface="Wingdings 3" charset="2"/>
+              <a:buChar char=""/>
+              <a:defRPr sz="1200" kern="1200">
+                <a:solidFill>
+                  <a:schemeClr val="tx1">
+                    <a:lumMod val="75000"/>
+                    <a:lumOff val="25000"/>
+                  </a:schemeClr>
+                </a:solidFill>
+                <a:latin typeface="+mn-lt"/>
+                <a:ea typeface="+mn-ea"/>
+                <a:cs typeface="+mn-cs"/>
+              </a:defRPr>
+            </a:lvl8pPr>
+            <a:lvl9pPr marL="3886200" indent="-228600" algn="l" defTabSz="457200" rtl="0" eaLnBrk="1" latinLnBrk="0" hangingPunct="1">
+              <a:spcBef>
+                <a:spcPts val="1000"/>
+              </a:spcBef>
+              <a:spcAft>
+                <a:spcPts val="0"/>
+              </a:spcAft>
+              <a:buClr>
+                <a:schemeClr val="accent1"/>
+              </a:buClr>
+              <a:buFont typeface="Wingdings 3" charset="2"/>
+              <a:buChar char=""/>
+              <a:defRPr sz="1200" kern="1200">
+                <a:solidFill>
+                  <a:schemeClr val="tx1">
+                    <a:lumMod val="75000"/>
+                    <a:lumOff val="25000"/>
+                  </a:schemeClr>
+                </a:solidFill>
+                <a:latin typeface="+mn-lt"/>
+                <a:ea typeface="+mn-ea"/>
+                <a:cs typeface="+mn-cs"/>
+              </a:defRPr>
+            </a:lvl9pPr>
+          </a:lstStyle>
+          <a:p>
+            <a:r>
+              <a:rPr lang="en-GB" sz="1600" dirty="0"/>
+              <a:t>Execution time compered to dataset length</a:t>
+            </a:r>
+          </a:p>
+          <a:p>
+            <a:pPr marL="0" indent="0">
+              <a:buNone/>
+            </a:pPr>
+            <a:r>
+              <a:rPr lang="en-GB" sz="1600" dirty="0"/>
+              <a:t>	</a:t>
+            </a:r>
+            <a:r>
+              <a:rPr lang="en-GB" sz="1200" dirty="0"/>
+              <a:t>Dataset: random created, k = 4, L = 8, CPU = 24</a:t>
+            </a:r>
+          </a:p>
+        </p:txBody>
+      </p:sp>
+    </p:spTree>
+    <p:extLst>
+      <p:ext uri="{BB962C8B-B14F-4D97-AF65-F5344CB8AC3E}">
+        <p14:creationId xmlns:p14="http://schemas.microsoft.com/office/powerpoint/2010/main" val="3826835571"/>
+      </p:ext>
+    </p:extLst>
+  </p:cSld>
+  <p:clrMapOvr>
+    <a:masterClrMapping/>
+  </p:clrMapOvr>
+</p:sld>
+</file>
+
+<file path=ppt/slides/slide26.xml><?xml version="1.0" encoding="utf-8"?>
+<p:sld xmlns:a="http://schemas.openxmlformats.org/drawingml/2006/main" xmlns:r="http://schemas.openxmlformats.org/officeDocument/2006/relationships" xmlns:p="http://schemas.openxmlformats.org/presentationml/2006/main">
+  <p:cSld>
+    <p:spTree>
+      <p:nvGrpSpPr>
+        <p:cNvPr id="1" name=""/>
+        <p:cNvGrpSpPr/>
+        <p:nvPr/>
+      </p:nvGrpSpPr>
+      <p:grpSpPr>
+        <a:xfrm>
+          <a:off x="0" y="0"/>
+          <a:ext cx="0" cy="0"/>
+          <a:chOff x="0" y="0"/>
+          <a:chExt cx="0" cy="0"/>
+        </a:xfrm>
+      </p:grpSpPr>
+      <p:sp>
+        <p:nvSpPr>
+          <p:cNvPr id="5" name="Titolo 1">
+            <a:extLst>
+              <a:ext uri="{FF2B5EF4-FFF2-40B4-BE49-F238E27FC236}">
+                <a16:creationId xmlns:a16="http://schemas.microsoft.com/office/drawing/2014/main" id="{0C734ED3-9278-4126-AE51-FE48147C659D}"/>
+              </a:ext>
+            </a:extLst>
+          </p:cNvPr>
+          <p:cNvSpPr txBox="1">
+            <a:spLocks/>
+          </p:cNvSpPr>
+          <p:nvPr/>
+        </p:nvSpPr>
+        <p:spPr>
+          <a:xfrm>
+            <a:off x="1710861" y="632902"/>
+            <a:ext cx="8911687" cy="1280890"/>
+          </a:xfrm>
+          <a:prstGeom prst="rect">
+            <a:avLst/>
+          </a:prstGeom>
+        </p:spPr>
+        <p:txBody>
+          <a:bodyPr vert="horz" lIns="91440" tIns="45720" rIns="91440" bIns="45720" rtlCol="0" anchor="t">
+            <a:normAutofit/>
+          </a:bodyPr>
+          <a:lstStyle>
+            <a:lvl1pPr algn="l" defTabSz="457200" rtl="0" eaLnBrk="1" latinLnBrk="0" hangingPunct="1">
+              <a:spcBef>
+                <a:spcPct val="0"/>
+              </a:spcBef>
+              <a:buNone/>
+              <a:defRPr sz="3600" kern="1200">
+                <a:solidFill>
+                  <a:schemeClr val="tx1">
+                    <a:lumMod val="85000"/>
+                    <a:lumOff val="15000"/>
+                  </a:schemeClr>
+                </a:solidFill>
+                <a:latin typeface="+mj-lt"/>
+                <a:ea typeface="+mj-ea"/>
+                <a:cs typeface="+mj-cs"/>
+              </a:defRPr>
+            </a:lvl1pPr>
+            <a:lvl2pPr eaLnBrk="1" hangingPunct="1">
+              <a:defRPr>
+                <a:solidFill>
+                  <a:schemeClr val="tx2"/>
+                </a:solidFill>
+              </a:defRPr>
+            </a:lvl2pPr>
+            <a:lvl3pPr eaLnBrk="1" hangingPunct="1">
+              <a:defRPr>
+                <a:solidFill>
+                  <a:schemeClr val="tx2"/>
+                </a:solidFill>
+              </a:defRPr>
+            </a:lvl3pPr>
+            <a:lvl4pPr eaLnBrk="1" hangingPunct="1">
+              <a:defRPr>
+                <a:solidFill>
+                  <a:schemeClr val="tx2"/>
+                </a:solidFill>
+              </a:defRPr>
+            </a:lvl4pPr>
+            <a:lvl5pPr eaLnBrk="1" hangingPunct="1">
+              <a:defRPr>
+                <a:solidFill>
+                  <a:schemeClr val="tx2"/>
+                </a:solidFill>
+              </a:defRPr>
+            </a:lvl5pPr>
+            <a:lvl6pPr eaLnBrk="1" hangingPunct="1">
+              <a:defRPr>
+                <a:solidFill>
+                  <a:schemeClr val="tx2"/>
+                </a:solidFill>
+              </a:defRPr>
+            </a:lvl6pPr>
+            <a:lvl7pPr eaLnBrk="1" hangingPunct="1">
+              <a:defRPr>
+                <a:solidFill>
+                  <a:schemeClr val="tx2"/>
+                </a:solidFill>
+              </a:defRPr>
+            </a:lvl7pPr>
+            <a:lvl8pPr eaLnBrk="1" hangingPunct="1">
+              <a:defRPr>
+                <a:solidFill>
+                  <a:schemeClr val="tx2"/>
+                </a:solidFill>
+              </a:defRPr>
+            </a:lvl8pPr>
+            <a:lvl9pPr eaLnBrk="1" hangingPunct="1">
+              <a:defRPr>
+                <a:solidFill>
+                  <a:schemeClr val="tx2"/>
+                </a:solidFill>
+              </a:defRPr>
+            </a:lvl9pPr>
+          </a:lstStyle>
+          <a:p>
+            <a:pPr algn="ctr"/>
+            <a:r>
+              <a:rPr lang="it-IT" sz="4400" b="1" dirty="0">
+                <a:solidFill>
+                  <a:srgbClr val="FFC000"/>
+                </a:solidFill>
+              </a:rPr>
+              <a:t>RESULT</a:t>
+            </a:r>
+            <a:endParaRPr lang="en-GB" sz="4400" dirty="0"/>
+          </a:p>
+        </p:txBody>
+      </p:sp>
+      <p:sp>
+        <p:nvSpPr>
+          <p:cNvPr id="3" name="Segnaposto contenuto 2">
+            <a:extLst>
+              <a:ext uri="{FF2B5EF4-FFF2-40B4-BE49-F238E27FC236}">
+                <a16:creationId xmlns:a16="http://schemas.microsoft.com/office/drawing/2014/main" id="{4CD6C871-05E5-49BC-9652-5D8E1AA7EBA4}"/>
+              </a:ext>
+            </a:extLst>
+          </p:cNvPr>
+          <p:cNvSpPr txBox="1">
+            <a:spLocks/>
+          </p:cNvSpPr>
+          <p:nvPr/>
+        </p:nvSpPr>
+        <p:spPr>
+          <a:xfrm>
+            <a:off x="2484215" y="1412492"/>
+            <a:ext cx="8915400" cy="1207619"/>
+          </a:xfrm>
+          <a:prstGeom prst="rect">
+            <a:avLst/>
+          </a:prstGeom>
+        </p:spPr>
+        <p:txBody>
+          <a:bodyPr/>
+          <a:lstStyle>
+            <a:lvl1pPr marL="342900" indent="-342900" algn="l" defTabSz="457200" rtl="0" eaLnBrk="1" latinLnBrk="0" hangingPunct="1">
+              <a:spcBef>
+                <a:spcPts val="1000"/>
+              </a:spcBef>
+              <a:spcAft>
+                <a:spcPts val="0"/>
+              </a:spcAft>
+              <a:buClr>
+                <a:schemeClr val="accent1"/>
+              </a:buClr>
+              <a:buFont typeface="Wingdings 3" charset="2"/>
+              <a:buChar char=""/>
+              <a:defRPr sz="1800" kern="1200">
+                <a:solidFill>
+                  <a:schemeClr val="tx1">
+                    <a:lumMod val="75000"/>
+                    <a:lumOff val="25000"/>
+                  </a:schemeClr>
+                </a:solidFill>
+                <a:latin typeface="+mn-lt"/>
+                <a:ea typeface="+mn-ea"/>
+                <a:cs typeface="+mn-cs"/>
+              </a:defRPr>
+            </a:lvl1pPr>
+            <a:lvl2pPr marL="742950" indent="-285750" algn="l" defTabSz="457200" rtl="0" eaLnBrk="1" latinLnBrk="0" hangingPunct="1">
+              <a:spcBef>
+                <a:spcPts val="1000"/>
+              </a:spcBef>
+              <a:spcAft>
+                <a:spcPts val="0"/>
+              </a:spcAft>
+              <a:buClr>
+                <a:schemeClr val="accent1"/>
+              </a:buClr>
+              <a:buFont typeface="Wingdings 3" charset="2"/>
+              <a:buChar char=""/>
+              <a:defRPr sz="1600" kern="1200">
+                <a:solidFill>
+                  <a:schemeClr val="tx1">
+                    <a:lumMod val="75000"/>
+                    <a:lumOff val="25000"/>
+                  </a:schemeClr>
+                </a:solidFill>
+                <a:latin typeface="+mn-lt"/>
+                <a:ea typeface="+mn-ea"/>
+                <a:cs typeface="+mn-cs"/>
+              </a:defRPr>
+            </a:lvl2pPr>
+            <a:lvl3pPr marL="1143000" indent="-228600" algn="l" defTabSz="457200" rtl="0" eaLnBrk="1" latinLnBrk="0" hangingPunct="1">
+              <a:spcBef>
+                <a:spcPts val="1000"/>
+              </a:spcBef>
+              <a:spcAft>
+                <a:spcPts val="0"/>
+              </a:spcAft>
+              <a:buClr>
+                <a:schemeClr val="accent1"/>
+              </a:buClr>
+              <a:buFont typeface="Wingdings 3" charset="2"/>
+              <a:buChar char=""/>
+              <a:defRPr sz="1400" kern="1200">
+                <a:solidFill>
+                  <a:schemeClr val="tx1">
+                    <a:lumMod val="75000"/>
+                    <a:lumOff val="25000"/>
+                  </a:schemeClr>
+                </a:solidFill>
+                <a:latin typeface="+mn-lt"/>
+                <a:ea typeface="+mn-ea"/>
+                <a:cs typeface="+mn-cs"/>
+              </a:defRPr>
+            </a:lvl3pPr>
+            <a:lvl4pPr marL="1600200" indent="-228600" algn="l" defTabSz="457200" rtl="0" eaLnBrk="1" latinLnBrk="0" hangingPunct="1">
+              <a:spcBef>
+                <a:spcPts val="1000"/>
+              </a:spcBef>
+              <a:spcAft>
+                <a:spcPts val="0"/>
+              </a:spcAft>
+              <a:buClr>
+                <a:schemeClr val="accent1"/>
+              </a:buClr>
+              <a:buFont typeface="Wingdings 3" charset="2"/>
+              <a:buChar char=""/>
+              <a:defRPr sz="1200" kern="1200">
+                <a:solidFill>
+                  <a:schemeClr val="tx1">
+                    <a:lumMod val="75000"/>
+                    <a:lumOff val="25000"/>
+                  </a:schemeClr>
+                </a:solidFill>
+                <a:latin typeface="+mn-lt"/>
+                <a:ea typeface="+mn-ea"/>
+                <a:cs typeface="+mn-cs"/>
+              </a:defRPr>
+            </a:lvl4pPr>
+            <a:lvl5pPr marL="2057400" indent="-228600" algn="l" defTabSz="457200" rtl="0" eaLnBrk="1" latinLnBrk="0" hangingPunct="1">
+              <a:spcBef>
+                <a:spcPts val="1000"/>
+              </a:spcBef>
+              <a:spcAft>
+                <a:spcPts val="0"/>
+              </a:spcAft>
+              <a:buClr>
+                <a:schemeClr val="accent1"/>
+              </a:buClr>
+              <a:buFont typeface="Wingdings 3" charset="2"/>
+              <a:buChar char=""/>
+              <a:defRPr sz="1200" kern="1200">
+                <a:solidFill>
+                  <a:schemeClr val="tx1">
+                    <a:lumMod val="75000"/>
+                    <a:lumOff val="25000"/>
+                  </a:schemeClr>
+                </a:solidFill>
+                <a:latin typeface="+mn-lt"/>
+                <a:ea typeface="+mn-ea"/>
+                <a:cs typeface="+mn-cs"/>
+              </a:defRPr>
+            </a:lvl5pPr>
+            <a:lvl6pPr marL="2514600" indent="-228600" algn="l" defTabSz="457200" rtl="0" eaLnBrk="1" latinLnBrk="0" hangingPunct="1">
+              <a:spcBef>
+                <a:spcPts val="1000"/>
+              </a:spcBef>
+              <a:spcAft>
+                <a:spcPts val="0"/>
+              </a:spcAft>
+              <a:buClr>
+                <a:schemeClr val="accent1"/>
+              </a:buClr>
+              <a:buFont typeface="Wingdings 3" charset="2"/>
+              <a:buChar char=""/>
+              <a:defRPr sz="1200" kern="1200">
+                <a:solidFill>
+                  <a:schemeClr val="tx1">
+                    <a:lumMod val="75000"/>
+                    <a:lumOff val="25000"/>
+                  </a:schemeClr>
+                </a:solidFill>
+                <a:latin typeface="+mn-lt"/>
+                <a:ea typeface="+mn-ea"/>
+                <a:cs typeface="+mn-cs"/>
+              </a:defRPr>
+            </a:lvl6pPr>
+            <a:lvl7pPr marL="2971800" indent="-228600" algn="l" defTabSz="457200" rtl="0" eaLnBrk="1" latinLnBrk="0" hangingPunct="1">
+              <a:spcBef>
+                <a:spcPts val="1000"/>
+              </a:spcBef>
+              <a:spcAft>
+                <a:spcPts val="0"/>
+              </a:spcAft>
+              <a:buClr>
+                <a:schemeClr val="accent1"/>
+              </a:buClr>
+              <a:buFont typeface="Wingdings 3" charset="2"/>
+              <a:buChar char=""/>
+              <a:defRPr sz="1200" kern="1200">
+                <a:solidFill>
+                  <a:schemeClr val="tx1">
+                    <a:lumMod val="75000"/>
+                    <a:lumOff val="25000"/>
+                  </a:schemeClr>
+                </a:solidFill>
+                <a:latin typeface="+mn-lt"/>
+                <a:ea typeface="+mn-ea"/>
+                <a:cs typeface="+mn-cs"/>
+              </a:defRPr>
+            </a:lvl7pPr>
+            <a:lvl8pPr marL="3429000" indent="-228600" algn="l" defTabSz="457200" rtl="0" eaLnBrk="1" latinLnBrk="0" hangingPunct="1">
+              <a:spcBef>
+                <a:spcPts val="1000"/>
+              </a:spcBef>
+              <a:spcAft>
+                <a:spcPts val="0"/>
+              </a:spcAft>
+              <a:buClr>
+                <a:schemeClr val="accent1"/>
+              </a:buClr>
+              <a:buFont typeface="Wingdings 3" charset="2"/>
+              <a:buChar char=""/>
+              <a:defRPr sz="1200" kern="1200">
+                <a:solidFill>
+                  <a:schemeClr val="tx1">
+                    <a:lumMod val="75000"/>
+                    <a:lumOff val="25000"/>
+                  </a:schemeClr>
+                </a:solidFill>
+                <a:latin typeface="+mn-lt"/>
+                <a:ea typeface="+mn-ea"/>
+                <a:cs typeface="+mn-cs"/>
+              </a:defRPr>
+            </a:lvl8pPr>
+            <a:lvl9pPr marL="3886200" indent="-228600" algn="l" defTabSz="457200" rtl="0" eaLnBrk="1" latinLnBrk="0" hangingPunct="1">
+              <a:spcBef>
+                <a:spcPts val="1000"/>
+              </a:spcBef>
+              <a:spcAft>
+                <a:spcPts val="0"/>
+              </a:spcAft>
+              <a:buClr>
+                <a:schemeClr val="accent1"/>
+              </a:buClr>
+              <a:buFont typeface="Wingdings 3" charset="2"/>
+              <a:buChar char=""/>
+              <a:defRPr sz="1200" kern="1200">
+                <a:solidFill>
+                  <a:schemeClr val="tx1">
+                    <a:lumMod val="75000"/>
+                    <a:lumOff val="25000"/>
+                  </a:schemeClr>
+                </a:solidFill>
+                <a:latin typeface="+mn-lt"/>
+                <a:ea typeface="+mn-ea"/>
+                <a:cs typeface="+mn-cs"/>
+              </a:defRPr>
+            </a:lvl9pPr>
+          </a:lstStyle>
+          <a:p>
+            <a:r>
+              <a:rPr lang="en-GB" sz="1600" dirty="0"/>
+              <a:t>Execution time compered to K</a:t>
+            </a:r>
+          </a:p>
+          <a:p>
+            <a:pPr marL="0" indent="0">
+              <a:buNone/>
+            </a:pPr>
+            <a:r>
+              <a:rPr lang="en-GB" sz="1600" dirty="0"/>
+              <a:t>	</a:t>
+            </a:r>
+            <a:r>
+              <a:rPr lang="en-GB" sz="1200" dirty="0"/>
+              <a:t>Dataset: gbgss116, L = 2*k, CPU = 24</a:t>
+            </a:r>
+          </a:p>
+        </p:txBody>
+      </p:sp>
+      <p:graphicFrame>
+        <p:nvGraphicFramePr>
+          <p:cNvPr id="4" name="Grafico 3">
+            <a:extLst>
+              <a:ext uri="{FF2B5EF4-FFF2-40B4-BE49-F238E27FC236}">
+                <a16:creationId xmlns:a16="http://schemas.microsoft.com/office/drawing/2014/main" id="{62F3356D-386B-4738-B314-0449C87293D7}"/>
+              </a:ext>
+            </a:extLst>
+          </p:cNvPr>
+          <p:cNvGraphicFramePr>
+            <a:graphicFrameLocks/>
+          </p:cNvGraphicFramePr>
+          <p:nvPr>
+            <p:extLst>
+              <p:ext uri="{D42A27DB-BD31-4B8C-83A1-F6EECF244321}">
+                <p14:modId xmlns:p14="http://schemas.microsoft.com/office/powerpoint/2010/main" val="2568275871"/>
+              </p:ext>
+            </p:extLst>
+          </p:nvPr>
+        </p:nvGraphicFramePr>
+        <p:xfrm>
+          <a:off x="2592924" y="2292741"/>
+          <a:ext cx="7147560" cy="4259580"/>
+        </p:xfrm>
+        <a:graphic>
+          <a:graphicData uri="http://schemas.openxmlformats.org/drawingml/2006/chart">
+            <c:chart xmlns:c="http://schemas.openxmlformats.org/drawingml/2006/chart" xmlns:r="http://schemas.openxmlformats.org/officeDocument/2006/relationships" r:id="rId2"/>
+          </a:graphicData>
+        </a:graphic>
+      </p:graphicFrame>
+    </p:spTree>
+    <p:extLst>
+      <p:ext uri="{BB962C8B-B14F-4D97-AF65-F5344CB8AC3E}">
+        <p14:creationId xmlns:p14="http://schemas.microsoft.com/office/powerpoint/2010/main" val="3900854375"/>
+      </p:ext>
+    </p:extLst>
+  </p:cSld>
+  <p:clrMapOvr>
+    <a:masterClrMapping/>
+  </p:clrMapOvr>
+</p:sld>
+</file>
+
+<file path=ppt/slides/slide27.xml><?xml version="1.0" encoding="utf-8"?>
+<p:sld xmlns:a="http://schemas.openxmlformats.org/drawingml/2006/main" xmlns:r="http://schemas.openxmlformats.org/officeDocument/2006/relationships" xmlns:p="http://schemas.openxmlformats.org/presentationml/2006/main">
+  <p:cSld>
+    <p:spTree>
+      <p:nvGrpSpPr>
+        <p:cNvPr id="1" name=""/>
+        <p:cNvGrpSpPr/>
+        <p:nvPr/>
+      </p:nvGrpSpPr>
+      <p:grpSpPr>
+        <a:xfrm>
+          <a:off x="0" y="0"/>
+          <a:ext cx="0" cy="0"/>
+          <a:chOff x="0" y="0"/>
+          <a:chExt cx="0" cy="0"/>
+        </a:xfrm>
+      </p:grpSpPr>
+      <p:sp>
+        <p:nvSpPr>
+          <p:cNvPr id="5" name="Titolo 1">
+            <a:extLst>
+              <a:ext uri="{FF2B5EF4-FFF2-40B4-BE49-F238E27FC236}">
+                <a16:creationId xmlns:a16="http://schemas.microsoft.com/office/drawing/2014/main" id="{0C734ED3-9278-4126-AE51-FE48147C659D}"/>
+              </a:ext>
+            </a:extLst>
+          </p:cNvPr>
+          <p:cNvSpPr txBox="1">
+            <a:spLocks/>
+          </p:cNvSpPr>
+          <p:nvPr/>
+        </p:nvSpPr>
+        <p:spPr>
+          <a:xfrm>
+            <a:off x="1710861" y="632902"/>
+            <a:ext cx="8911687" cy="1280890"/>
+          </a:xfrm>
+          <a:prstGeom prst="rect">
+            <a:avLst/>
+          </a:prstGeom>
+        </p:spPr>
+        <p:txBody>
+          <a:bodyPr vert="horz" lIns="91440" tIns="45720" rIns="91440" bIns="45720" rtlCol="0" anchor="t">
+            <a:normAutofit/>
+          </a:bodyPr>
+          <a:lstStyle>
+            <a:lvl1pPr algn="l" defTabSz="457200" rtl="0" eaLnBrk="1" latinLnBrk="0" hangingPunct="1">
+              <a:spcBef>
+                <a:spcPct val="0"/>
+              </a:spcBef>
+              <a:buNone/>
+              <a:defRPr sz="3600" kern="1200">
+                <a:solidFill>
+                  <a:schemeClr val="tx1">
+                    <a:lumMod val="85000"/>
+                    <a:lumOff val="15000"/>
+                  </a:schemeClr>
+                </a:solidFill>
+                <a:latin typeface="+mj-lt"/>
+                <a:ea typeface="+mj-ea"/>
+                <a:cs typeface="+mj-cs"/>
+              </a:defRPr>
+            </a:lvl1pPr>
+            <a:lvl2pPr eaLnBrk="1" hangingPunct="1">
+              <a:defRPr>
+                <a:solidFill>
+                  <a:schemeClr val="tx2"/>
+                </a:solidFill>
+              </a:defRPr>
+            </a:lvl2pPr>
+            <a:lvl3pPr eaLnBrk="1" hangingPunct="1">
+              <a:defRPr>
+                <a:solidFill>
+                  <a:schemeClr val="tx2"/>
+                </a:solidFill>
+              </a:defRPr>
+            </a:lvl3pPr>
+            <a:lvl4pPr eaLnBrk="1" hangingPunct="1">
+              <a:defRPr>
+                <a:solidFill>
+                  <a:schemeClr val="tx2"/>
+                </a:solidFill>
+              </a:defRPr>
+            </a:lvl4pPr>
+            <a:lvl5pPr eaLnBrk="1" hangingPunct="1">
+              <a:defRPr>
+                <a:solidFill>
+                  <a:schemeClr val="tx2"/>
+                </a:solidFill>
+              </a:defRPr>
+            </a:lvl5pPr>
+            <a:lvl6pPr eaLnBrk="1" hangingPunct="1">
+              <a:defRPr>
+                <a:solidFill>
+                  <a:schemeClr val="tx2"/>
+                </a:solidFill>
+              </a:defRPr>
+            </a:lvl6pPr>
+            <a:lvl7pPr eaLnBrk="1" hangingPunct="1">
+              <a:defRPr>
+                <a:solidFill>
+                  <a:schemeClr val="tx2"/>
+                </a:solidFill>
+              </a:defRPr>
+            </a:lvl7pPr>
+            <a:lvl8pPr eaLnBrk="1" hangingPunct="1">
+              <a:defRPr>
+                <a:solidFill>
+                  <a:schemeClr val="tx2"/>
+                </a:solidFill>
+              </a:defRPr>
+            </a:lvl8pPr>
+            <a:lvl9pPr eaLnBrk="1" hangingPunct="1">
+              <a:defRPr>
+                <a:solidFill>
+                  <a:schemeClr val="tx2"/>
+                </a:solidFill>
+              </a:defRPr>
+            </a:lvl9pPr>
+          </a:lstStyle>
+          <a:p>
+            <a:pPr algn="ctr"/>
+            <a:r>
+              <a:rPr lang="it-IT" sz="4400" b="1" dirty="0">
+                <a:solidFill>
+                  <a:srgbClr val="FFC000"/>
+                </a:solidFill>
+              </a:rPr>
+              <a:t>RESULT</a:t>
+            </a:r>
+            <a:endParaRPr lang="en-GB" sz="4400" dirty="0"/>
+          </a:p>
+        </p:txBody>
+      </p:sp>
+    </p:spTree>
+    <p:extLst>
+      <p:ext uri="{BB962C8B-B14F-4D97-AF65-F5344CB8AC3E}">
+        <p14:creationId xmlns:p14="http://schemas.microsoft.com/office/powerpoint/2010/main" val="881267136"/>
+      </p:ext>
+    </p:extLst>
+  </p:cSld>
+  <p:clrMapOvr>
+    <a:masterClrMapping/>
+  </p:clrMapOvr>
+</p:sld>
+</file>
+
+<file path=ppt/slides/slide28.xml><?xml version="1.0" encoding="utf-8"?>
+<p:sld xmlns:a="http://schemas.openxmlformats.org/drawingml/2006/main" xmlns:r="http://schemas.openxmlformats.org/officeDocument/2006/relationships" xmlns:p="http://schemas.openxmlformats.org/presentationml/2006/main">
+  <p:cSld>
+    <p:spTree>
+      <p:nvGrpSpPr>
+        <p:cNvPr id="1" name=""/>
+        <p:cNvGrpSpPr/>
+        <p:nvPr/>
+      </p:nvGrpSpPr>
+      <p:grpSpPr>
+        <a:xfrm>
+          <a:off x="0" y="0"/>
+          <a:ext cx="0" cy="0"/>
+          <a:chOff x="0" y="0"/>
+          <a:chExt cx="0" cy="0"/>
+        </a:xfrm>
+      </p:grpSpPr>
+      <p:sp>
+        <p:nvSpPr>
+          <p:cNvPr id="5" name="Titolo 1">
+            <a:extLst>
+              <a:ext uri="{FF2B5EF4-FFF2-40B4-BE49-F238E27FC236}">
+                <a16:creationId xmlns:a16="http://schemas.microsoft.com/office/drawing/2014/main" id="{0C734ED3-9278-4126-AE51-FE48147C659D}"/>
+              </a:ext>
+            </a:extLst>
+          </p:cNvPr>
+          <p:cNvSpPr txBox="1">
+            <a:spLocks/>
+          </p:cNvSpPr>
+          <p:nvPr/>
+        </p:nvSpPr>
+        <p:spPr>
+          <a:xfrm>
+            <a:off x="2592925" y="624110"/>
+            <a:ext cx="8911687" cy="1280890"/>
+          </a:xfrm>
+          <a:prstGeom prst="rect">
+            <a:avLst/>
+          </a:prstGeom>
+        </p:spPr>
+        <p:txBody>
+          <a:bodyPr vert="horz" lIns="91440" tIns="45720" rIns="91440" bIns="45720" rtlCol="0" anchor="t">
+            <a:normAutofit/>
+          </a:bodyPr>
+          <a:lstStyle>
+            <a:lvl1pPr algn="l" defTabSz="457200" rtl="0" eaLnBrk="1" latinLnBrk="0" hangingPunct="1">
+              <a:spcBef>
+                <a:spcPct val="0"/>
+              </a:spcBef>
+              <a:buNone/>
+              <a:defRPr sz="3600" kern="1200">
+                <a:solidFill>
+                  <a:schemeClr val="tx1">
+                    <a:lumMod val="85000"/>
+                    <a:lumOff val="15000"/>
+                  </a:schemeClr>
+                </a:solidFill>
+                <a:latin typeface="+mj-lt"/>
+                <a:ea typeface="+mj-ea"/>
+                <a:cs typeface="+mj-cs"/>
+              </a:defRPr>
+            </a:lvl1pPr>
+            <a:lvl2pPr eaLnBrk="1" hangingPunct="1">
+              <a:defRPr>
+                <a:solidFill>
+                  <a:schemeClr val="tx2"/>
+                </a:solidFill>
+              </a:defRPr>
+            </a:lvl2pPr>
+            <a:lvl3pPr eaLnBrk="1" hangingPunct="1">
+              <a:defRPr>
+                <a:solidFill>
+                  <a:schemeClr val="tx2"/>
+                </a:solidFill>
+              </a:defRPr>
+            </a:lvl3pPr>
+            <a:lvl4pPr eaLnBrk="1" hangingPunct="1">
+              <a:defRPr>
+                <a:solidFill>
+                  <a:schemeClr val="tx2"/>
+                </a:solidFill>
+              </a:defRPr>
+            </a:lvl4pPr>
+            <a:lvl5pPr eaLnBrk="1" hangingPunct="1">
+              <a:defRPr>
+                <a:solidFill>
+                  <a:schemeClr val="tx2"/>
+                </a:solidFill>
+              </a:defRPr>
+            </a:lvl5pPr>
+            <a:lvl6pPr eaLnBrk="1" hangingPunct="1">
+              <a:defRPr>
+                <a:solidFill>
+                  <a:schemeClr val="tx2"/>
+                </a:solidFill>
+              </a:defRPr>
+            </a:lvl6pPr>
+            <a:lvl7pPr eaLnBrk="1" hangingPunct="1">
+              <a:defRPr>
+                <a:solidFill>
+                  <a:schemeClr val="tx2"/>
+                </a:solidFill>
+              </a:defRPr>
+            </a:lvl7pPr>
+            <a:lvl8pPr eaLnBrk="1" hangingPunct="1">
+              <a:defRPr>
+                <a:solidFill>
+                  <a:schemeClr val="tx2"/>
+                </a:solidFill>
+              </a:defRPr>
+            </a:lvl8pPr>
+            <a:lvl9pPr eaLnBrk="1" hangingPunct="1">
+              <a:defRPr>
+                <a:solidFill>
+                  <a:schemeClr val="tx2"/>
+                </a:solidFill>
+              </a:defRPr>
+            </a:lvl9pPr>
+          </a:lstStyle>
+          <a:p>
+            <a:pPr algn="ctr"/>
+            <a:r>
+              <a:rPr lang="it-IT" sz="4400" b="1" dirty="0">
+                <a:solidFill>
+                  <a:srgbClr val="FFC000"/>
+                </a:solidFill>
+              </a:rPr>
+              <a:t>CONSIDERATIONS</a:t>
+            </a:r>
+            <a:endParaRPr lang="en-GB" sz="4400" dirty="0"/>
+          </a:p>
+        </p:txBody>
+      </p:sp>
+    </p:spTree>
+    <p:extLst>
+      <p:ext uri="{BB962C8B-B14F-4D97-AF65-F5344CB8AC3E}">
+        <p14:creationId xmlns:p14="http://schemas.microsoft.com/office/powerpoint/2010/main" val="1606113577"/>
+      </p:ext>
+    </p:extLst>
+  </p:cSld>
+  <p:clrMapOvr>
+    <a:masterClrMapping/>
+  </p:clrMapOvr>
+</p:sld>
+</file>
+
+<file path=ppt/slides/slide29.xml><?xml version="1.0" encoding="utf-8"?>
+<p:sld xmlns:a="http://schemas.openxmlformats.org/drawingml/2006/main" xmlns:r="http://schemas.openxmlformats.org/officeDocument/2006/relationships" xmlns:p="http://schemas.openxmlformats.org/presentationml/2006/main">
+  <p:cSld>
+    <p:spTree>
+      <p:nvGrpSpPr>
+        <p:cNvPr id="1" name=""/>
+        <p:cNvGrpSpPr/>
+        <p:nvPr/>
+      </p:nvGrpSpPr>
+      <p:grpSpPr>
+        <a:xfrm>
+          <a:off x="0" y="0"/>
+          <a:ext cx="0" cy="0"/>
+          <a:chOff x="0" y="0"/>
+          <a:chExt cx="0" cy="0"/>
+        </a:xfrm>
+      </p:grpSpPr>
+      <p:sp>
+        <p:nvSpPr>
+          <p:cNvPr id="3" name="Titolo 1">
+            <a:extLst>
+              <a:ext uri="{FF2B5EF4-FFF2-40B4-BE49-F238E27FC236}">
+                <a16:creationId xmlns:a16="http://schemas.microsoft.com/office/drawing/2014/main" id="{94E84D07-737A-465E-A979-5A405BD14147}"/>
+              </a:ext>
+            </a:extLst>
+          </p:cNvPr>
+          <p:cNvSpPr txBox="1">
+            <a:spLocks/>
+          </p:cNvSpPr>
+          <p:nvPr/>
+        </p:nvSpPr>
+        <p:spPr>
+          <a:xfrm>
+            <a:off x="2592925" y="624110"/>
+            <a:ext cx="8911687" cy="1280890"/>
+          </a:xfrm>
+          <a:prstGeom prst="rect">
+            <a:avLst/>
+          </a:prstGeom>
+        </p:spPr>
+        <p:txBody>
+          <a:bodyPr vert="horz" lIns="91440" tIns="45720" rIns="91440" bIns="45720" rtlCol="0" anchor="t">
+            <a:normAutofit/>
+          </a:bodyPr>
+          <a:lstStyle>
+            <a:lvl1pPr algn="l" defTabSz="457200" rtl="0" eaLnBrk="1" latinLnBrk="0" hangingPunct="1">
+              <a:spcBef>
+                <a:spcPct val="0"/>
+              </a:spcBef>
+              <a:buNone/>
+              <a:defRPr sz="3600" kern="1200">
+                <a:solidFill>
+                  <a:schemeClr val="tx1">
+                    <a:lumMod val="85000"/>
+                    <a:lumOff val="15000"/>
+                  </a:schemeClr>
+                </a:solidFill>
+                <a:latin typeface="+mj-lt"/>
+                <a:ea typeface="+mj-ea"/>
+                <a:cs typeface="+mj-cs"/>
+              </a:defRPr>
+            </a:lvl1pPr>
+            <a:lvl2pPr eaLnBrk="1" hangingPunct="1">
+              <a:defRPr>
+                <a:solidFill>
+                  <a:schemeClr val="tx2"/>
+                </a:solidFill>
+              </a:defRPr>
+            </a:lvl2pPr>
+            <a:lvl3pPr eaLnBrk="1" hangingPunct="1">
+              <a:defRPr>
+                <a:solidFill>
+                  <a:schemeClr val="tx2"/>
+                </a:solidFill>
+              </a:defRPr>
+            </a:lvl3pPr>
+            <a:lvl4pPr eaLnBrk="1" hangingPunct="1">
+              <a:defRPr>
+                <a:solidFill>
+                  <a:schemeClr val="tx2"/>
+                </a:solidFill>
+              </a:defRPr>
+            </a:lvl4pPr>
+            <a:lvl5pPr eaLnBrk="1" hangingPunct="1">
+              <a:defRPr>
+                <a:solidFill>
+                  <a:schemeClr val="tx2"/>
+                </a:solidFill>
+              </a:defRPr>
+            </a:lvl5pPr>
+            <a:lvl6pPr eaLnBrk="1" hangingPunct="1">
+              <a:defRPr>
+                <a:solidFill>
+                  <a:schemeClr val="tx2"/>
+                </a:solidFill>
+              </a:defRPr>
+            </a:lvl6pPr>
+            <a:lvl7pPr eaLnBrk="1" hangingPunct="1">
+              <a:defRPr>
+                <a:solidFill>
+                  <a:schemeClr val="tx2"/>
+                </a:solidFill>
+              </a:defRPr>
+            </a:lvl7pPr>
+            <a:lvl8pPr eaLnBrk="1" hangingPunct="1">
+              <a:defRPr>
+                <a:solidFill>
+                  <a:schemeClr val="tx2"/>
+                </a:solidFill>
+              </a:defRPr>
+            </a:lvl8pPr>
+            <a:lvl9pPr eaLnBrk="1" hangingPunct="1">
+              <a:defRPr>
+                <a:solidFill>
+                  <a:schemeClr val="tx2"/>
+                </a:solidFill>
+              </a:defRPr>
+            </a:lvl9pPr>
+          </a:lstStyle>
+          <a:p>
+            <a:pPr algn="ctr"/>
+            <a:r>
+              <a:rPr lang="it-IT" sz="4400" b="1" dirty="0">
+                <a:solidFill>
+                  <a:srgbClr val="FFC000"/>
+                </a:solidFill>
+              </a:rPr>
               <a:t>REFERENCES</a:t>
             </a:r>
-          </a:p>
-          <a:p>
-            <a:endParaRPr lang="it-IT" dirty="0"/>
+            <a:endParaRPr lang="en-GB" sz="4400" dirty="0"/>
           </a:p>
         </p:txBody>
       </p:sp>
@@ -14358,8 +18661,8 @@
           </a:p>
         </p:txBody>
       </p:sp>
-      <mc:AlternateContent xmlns:mc="http://schemas.openxmlformats.org/markup-compatibility/2006">
-        <mc:Choice xmlns:a14="http://schemas.microsoft.com/office/drawing/2010/main" Requires="a14">
+      <mc:AlternateContent xmlns:mc="http://schemas.openxmlformats.org/markup-compatibility/2006" xmlns:a14="http://schemas.microsoft.com/office/drawing/2010/main">
+        <mc:Choice Requires="a14">
           <p:sp>
             <p:nvSpPr>
               <p:cNvPr id="7" name="CasellaDiTesto 6"/>
@@ -14536,7 +18839,7 @@
             </p:txBody>
           </p:sp>
         </mc:Choice>
-        <mc:Fallback>
+        <mc:Fallback xmlns="">
           <p:sp>
             <p:nvSpPr>
               <p:cNvPr id="7" name="CasellaDiTesto 6"/>

--- a/Presentation.pptx
+++ b/Presentation.pptx
@@ -322,7 +322,7 @@
                   <c:v>0.12433333333333334</c:v>
                 </c:pt>
                 <c:pt idx="2">
-                  <c:v>1.1803333333333332</c:v>
+                  <c:v>1.3803333333333334</c:v>
                 </c:pt>
                 <c:pt idx="3">
                   <c:v>12.132333333333333</c:v>
@@ -365,7 +365,7 @@
                 <c:formatCode>0.000</c:formatCode>
                 <c:ptCount val="5"/>
                 <c:pt idx="0">
-                  <c:v>2.0666666666666667E-2</c:v>
+                  <c:v>1.3999999999999999E-2</c:v>
                 </c:pt>
                 <c:pt idx="1">
                   <c:v>3.2666666666666663E-2</c:v>
@@ -390,7 +390,6 @@
           </c:extLst>
         </c:ser>
         <c:dLbls>
-          <c:dLblPos val="ctr"/>
           <c:showLegendKey val="0"/>
           <c:showVal val="0"/>
           <c:showCatName val="0"/>
@@ -486,6 +485,7 @@
       <c:valAx>
         <c:axId val="630548687"/>
         <c:scaling>
+          <c:logBase val="10"/>
           <c:orientation val="minMax"/>
         </c:scaling>
         <c:delete val="0"/>
@@ -2601,7 +2601,7 @@
             <a:fld id="{B61BEF0D-F0BB-DE4B-95CE-6DB70DBA9567}" type="datetimeFigureOut">
               <a:rPr lang="en-US" smtClean="0"/>
               <a:pPr/>
-              <a:t>10/28/2017</a:t>
+              <a:t>10/31/2017</a:t>
             </a:fld>
             <a:endParaRPr lang="en-US" dirty="0"/>
           </a:p>
@@ -2941,7 +2941,7 @@
             <a:fld id="{B61BEF0D-F0BB-DE4B-95CE-6DB70DBA9567}" type="datetimeFigureOut">
               <a:rPr lang="en-US" smtClean="0"/>
               <a:pPr/>
-              <a:t>10/28/2017</a:t>
+              <a:t>10/31/2017</a:t>
             </a:fld>
             <a:endParaRPr lang="en-US" dirty="0"/>
           </a:p>
@@ -3344,7 +3344,7 @@
             <a:fld id="{B61BEF0D-F0BB-DE4B-95CE-6DB70DBA9567}" type="datetimeFigureOut">
               <a:rPr lang="en-US" smtClean="0"/>
               <a:pPr/>
-              <a:t>10/28/2017</a:t>
+              <a:t>10/31/2017</a:t>
             </a:fld>
             <a:endParaRPr lang="en-US" dirty="0"/>
           </a:p>
@@ -3681,7 +3681,7 @@
             <a:fld id="{B61BEF0D-F0BB-DE4B-95CE-6DB70DBA9567}" type="datetimeFigureOut">
               <a:rPr lang="en-US" smtClean="0"/>
               <a:pPr/>
-              <a:t>10/28/2017</a:t>
+              <a:t>10/31/2017</a:t>
             </a:fld>
             <a:endParaRPr lang="en-US" dirty="0"/>
           </a:p>
@@ -4003,7 +4003,7 @@
             <a:fld id="{B61BEF0D-F0BB-DE4B-95CE-6DB70DBA9567}" type="datetimeFigureOut">
               <a:rPr lang="en-US" smtClean="0"/>
               <a:pPr/>
-              <a:t>10/28/2017</a:t>
+              <a:t>10/31/2017</a:t>
             </a:fld>
             <a:endParaRPr lang="en-US" dirty="0"/>
           </a:p>
@@ -4401,7 +4401,7 @@
             <a:fld id="{B61BEF0D-F0BB-DE4B-95CE-6DB70DBA9567}" type="datetimeFigureOut">
               <a:rPr lang="en-US" smtClean="0"/>
               <a:pPr/>
-              <a:t>10/28/2017</a:t>
+              <a:t>10/31/2017</a:t>
             </a:fld>
             <a:endParaRPr lang="en-US" dirty="0"/>
           </a:p>
@@ -4660,7 +4660,7 @@
             <a:fld id="{B61BEF0D-F0BB-DE4B-95CE-6DB70DBA9567}" type="datetimeFigureOut">
               <a:rPr lang="en-US" smtClean="0"/>
               <a:pPr/>
-              <a:t>10/28/2017</a:t>
+              <a:t>10/31/2017</a:t>
             </a:fld>
             <a:endParaRPr lang="en-US" dirty="0"/>
           </a:p>
@@ -4924,7 +4924,7 @@
             <a:fld id="{B61BEF0D-F0BB-DE4B-95CE-6DB70DBA9567}" type="datetimeFigureOut">
               <a:rPr lang="en-US" smtClean="0"/>
               <a:pPr/>
-              <a:t>10/28/2017</a:t>
+              <a:t>10/31/2017</a:t>
             </a:fld>
             <a:endParaRPr lang="en-US" dirty="0"/>
           </a:p>
@@ -5188,7 +5188,7 @@
             <a:fld id="{B61BEF0D-F0BB-DE4B-95CE-6DB70DBA9567}" type="datetimeFigureOut">
               <a:rPr lang="en-US" smtClean="0"/>
               <a:pPr/>
-              <a:t>10/28/2017</a:t>
+              <a:t>10/31/2017</a:t>
             </a:fld>
             <a:endParaRPr lang="en-US" dirty="0"/>
           </a:p>
@@ -5519,7 +5519,7 @@
             <a:fld id="{B61BEF0D-F0BB-DE4B-95CE-6DB70DBA9567}" type="datetimeFigureOut">
               <a:rPr lang="en-US" smtClean="0"/>
               <a:pPr/>
-              <a:t>10/28/2017</a:t>
+              <a:t>10/31/2017</a:t>
             </a:fld>
             <a:endParaRPr lang="en-US" dirty="0"/>
           </a:p>
@@ -5844,7 +5844,7 @@
             <a:fld id="{B61BEF0D-F0BB-DE4B-95CE-6DB70DBA9567}" type="datetimeFigureOut">
               <a:rPr lang="en-US" smtClean="0"/>
               <a:pPr/>
-              <a:t>10/28/2017</a:t>
+              <a:t>10/31/2017</a:t>
             </a:fld>
             <a:endParaRPr lang="en-US" dirty="0"/>
           </a:p>
@@ -6303,7 +6303,7 @@
             <a:fld id="{B61BEF0D-F0BB-DE4B-95CE-6DB70DBA9567}" type="datetimeFigureOut">
               <a:rPr lang="en-US" smtClean="0"/>
               <a:pPr/>
-              <a:t>10/28/2017</a:t>
+              <a:t>10/31/2017</a:t>
             </a:fld>
             <a:endParaRPr lang="en-US" dirty="0"/>
           </a:p>
@@ -6510,7 +6510,7 @@
             <a:fld id="{B61BEF0D-F0BB-DE4B-95CE-6DB70DBA9567}" type="datetimeFigureOut">
               <a:rPr lang="en-US" smtClean="0"/>
               <a:pPr/>
-              <a:t>10/28/2017</a:t>
+              <a:t>10/31/2017</a:t>
             </a:fld>
             <a:endParaRPr lang="en-US" dirty="0"/>
           </a:p>
@@ -6689,7 +6689,7 @@
             <a:fld id="{B61BEF0D-F0BB-DE4B-95CE-6DB70DBA9567}" type="datetimeFigureOut">
               <a:rPr lang="en-US" smtClean="0"/>
               <a:pPr/>
-              <a:t>10/28/2017</a:t>
+              <a:t>10/31/2017</a:t>
             </a:fld>
             <a:endParaRPr lang="en-US" dirty="0"/>
           </a:p>
@@ -7024,7 +7024,7 @@
             <a:fld id="{B61BEF0D-F0BB-DE4B-95CE-6DB70DBA9567}" type="datetimeFigureOut">
               <a:rPr lang="en-US" smtClean="0"/>
               <a:pPr/>
-              <a:t>10/28/2017</a:t>
+              <a:t>10/31/2017</a:t>
             </a:fld>
             <a:endParaRPr lang="en-US" dirty="0"/>
           </a:p>
@@ -7371,7 +7371,7 @@
             <a:fld id="{B61BEF0D-F0BB-DE4B-95CE-6DB70DBA9567}" type="datetimeFigureOut">
               <a:rPr lang="en-US" smtClean="0"/>
               <a:pPr/>
-              <a:t>10/28/2017</a:t>
+              <a:t>10/31/2017</a:t>
             </a:fld>
             <a:endParaRPr lang="en-US" dirty="0"/>
           </a:p>
@@ -9490,7 +9490,7 @@
             <a:fld id="{B61BEF0D-F0BB-DE4B-95CE-6DB70DBA9567}" type="datetimeFigureOut">
               <a:rPr lang="en-US" smtClean="0"/>
               <a:pPr/>
-              <a:t>10/28/2017</a:t>
+              <a:t>10/31/2017</a:t>
             </a:fld>
             <a:endParaRPr lang="en-US" dirty="0"/>
           </a:p>
@@ -16924,7 +16924,7 @@
           <p:nvPr>
             <p:extLst>
               <p:ext uri="{D42A27DB-BD31-4B8C-83A1-F6EECF244321}">
-                <p14:modId xmlns:p14="http://schemas.microsoft.com/office/powerpoint/2010/main" val="2007931188"/>
+                <p14:modId xmlns:p14="http://schemas.microsoft.com/office/powerpoint/2010/main" val="207213810"/>
               </p:ext>
             </p:extLst>
           </p:nvPr>
@@ -17932,6 +17932,64 @@
               <a:t>CONSIDERATIONS</a:t>
             </a:r>
             <a:endParaRPr lang="en-GB" sz="4400" dirty="0"/>
+          </a:p>
+        </p:txBody>
+      </p:sp>
+      <p:sp>
+        <p:nvSpPr>
+          <p:cNvPr id="2" name="CasellaDiTesto 1">
+            <a:extLst>
+              <a:ext uri="{FF2B5EF4-FFF2-40B4-BE49-F238E27FC236}">
+                <a16:creationId xmlns:a16="http://schemas.microsoft.com/office/drawing/2014/main" id="{496967D2-8F7A-42B5-A326-01F4C1F393A2}"/>
+              </a:ext>
+            </a:extLst>
+          </p:cNvPr>
+          <p:cNvSpPr txBox="1"/>
+          <p:nvPr/>
+        </p:nvSpPr>
+        <p:spPr>
+          <a:xfrm>
+            <a:off x="3332284" y="4378569"/>
+            <a:ext cx="5460023" cy="1754326"/>
+          </a:xfrm>
+          <a:prstGeom prst="rect">
+            <a:avLst/>
+          </a:prstGeom>
+          <a:noFill/>
+        </p:spPr>
+        <p:txBody>
+          <a:bodyPr wrap="square" rtlCol="0">
+            <a:spAutoFit/>
+          </a:bodyPr>
+          <a:lstStyle/>
+          <a:p>
+            <a:r>
+              <a:rPr lang="it-IT" dirty="0"/>
+              <a:t>Lock sempre peggio di serial</a:t>
+            </a:r>
+          </a:p>
+          <a:p>
+            <a:r>
+              <a:rPr lang="it-IT" dirty="0" err="1"/>
+              <a:t>Execution</a:t>
+            </a:r>
+            <a:r>
+              <a:rPr lang="it-IT" dirty="0"/>
+              <a:t> time cresce linearmente con la lunghezza dell’input</a:t>
+            </a:r>
+          </a:p>
+          <a:p>
+            <a:r>
+              <a:rPr lang="it-IT" dirty="0" err="1"/>
+              <a:t>Execution</a:t>
+            </a:r>
+            <a:r>
+              <a:rPr lang="it-IT" dirty="0"/>
+              <a:t> time cresce non linearmente al crescere di k</a:t>
+            </a:r>
+          </a:p>
+          <a:p>
+            <a:endParaRPr lang="it-IT" dirty="0"/>
           </a:p>
         </p:txBody>
       </p:sp>

--- a/Presentation.pptx
+++ b/Presentation.pptx
@@ -161,6 +161,594 @@
     <c:title>
       <c:tx>
         <c:rich>
+          <a:bodyPr rot="0" spcFirstLastPara="1" vertOverflow="ellipsis" wrap="square" anchor="ctr" anchorCtr="1"/>
+          <a:lstStyle/>
+          <a:p>
+            <a:pPr>
+              <a:defRPr sz="2128" b="1" i="0" u="none" strike="noStrike" kern="1200" cap="none" spc="0" normalizeH="0" baseline="0">
+                <a:solidFill>
+                  <a:schemeClr val="dk1">
+                    <a:lumMod val="50000"/>
+                    <a:lumOff val="50000"/>
+                  </a:schemeClr>
+                </a:solidFill>
+                <a:latin typeface="+mj-lt"/>
+                <a:ea typeface="+mj-ea"/>
+                <a:cs typeface="+mj-cs"/>
+              </a:defRPr>
+            </a:pPr>
+            <a:r>
+              <a:rPr lang="en-GB"/>
+              <a:t>Using Different Datasets</a:t>
+            </a:r>
+          </a:p>
+        </c:rich>
+      </c:tx>
+      <c:overlay val="0"/>
+      <c:spPr>
+        <a:noFill/>
+        <a:ln>
+          <a:noFill/>
+        </a:ln>
+        <a:effectLst/>
+      </c:spPr>
+      <c:txPr>
+        <a:bodyPr rot="0" spcFirstLastPara="1" vertOverflow="ellipsis" wrap="square" anchor="ctr" anchorCtr="1"/>
+        <a:lstStyle/>
+        <a:p>
+          <a:pPr>
+            <a:defRPr sz="2128" b="1" i="0" u="none" strike="noStrike" kern="1200" cap="none" spc="0" normalizeH="0" baseline="0">
+              <a:solidFill>
+                <a:schemeClr val="dk1">
+                  <a:lumMod val="50000"/>
+                  <a:lumOff val="50000"/>
+                </a:schemeClr>
+              </a:solidFill>
+              <a:latin typeface="+mj-lt"/>
+              <a:ea typeface="+mj-ea"/>
+              <a:cs typeface="+mj-cs"/>
+            </a:defRPr>
+          </a:pPr>
+          <a:endParaRPr lang="en-US"/>
+        </a:p>
+      </c:txPr>
+    </c:title>
+    <c:autoTitleDeleted val="0"/>
+    <c:plotArea>
+      <c:layout/>
+      <c:barChart>
+        <c:barDir val="col"/>
+        <c:grouping val="clustered"/>
+        <c:varyColors val="1"/>
+        <c:ser>
+          <c:idx val="0"/>
+          <c:order val="0"/>
+          <c:tx>
+            <c:v>Lock</c:v>
+          </c:tx>
+          <c:spPr>
+            <a:solidFill>
+              <a:schemeClr val="accent1"/>
+            </a:solidFill>
+            <a:ln>
+              <a:noFill/>
+            </a:ln>
+            <a:effectLst/>
+          </c:spPr>
+          <c:invertIfNegative val="0"/>
+          <c:cat>
+            <c:strRef>
+              <c:f>Foglio1!$A$80:$A$84</c:f>
+              <c:strCache>
+                <c:ptCount val="5"/>
+                <c:pt idx="0">
+                  <c:v>gbgss116.seq</c:v>
+                </c:pt>
+                <c:pt idx="1">
+                  <c:v>gbbct367.seq</c:v>
+                </c:pt>
+                <c:pt idx="2">
+                  <c:v>gbgss155.seq</c:v>
+                </c:pt>
+                <c:pt idx="3">
+                  <c:v>hs_alt_CHM1_1.1_chr22.gbk</c:v>
+                </c:pt>
+                <c:pt idx="4">
+                  <c:v>random_dna.txt</c:v>
+                </c:pt>
+              </c:strCache>
+            </c:strRef>
+          </c:cat>
+          <c:val>
+            <c:numRef>
+              <c:f>Foglio1!$E$88:$E$92</c:f>
+              <c:numCache>
+                <c:formatCode>0.000</c:formatCode>
+                <c:ptCount val="5"/>
+                <c:pt idx="0">
+                  <c:v>58.905900000000003</c:v>
+                </c:pt>
+                <c:pt idx="1">
+                  <c:v>17.998033333333336</c:v>
+                </c:pt>
+                <c:pt idx="2">
+                  <c:v>122.78066666666666</c:v>
+                </c:pt>
+                <c:pt idx="3">
+                  <c:v>367.38899999999995</c:v>
+                </c:pt>
+                <c:pt idx="4">
+                  <c:v>10.454800000000001</c:v>
+                </c:pt>
+              </c:numCache>
+            </c:numRef>
+          </c:val>
+          <c:extLst>
+            <c:ext xmlns:c16="http://schemas.microsoft.com/office/drawing/2014/chart" uri="{C3380CC4-5D6E-409C-BE32-E72D297353CC}">
+              <c16:uniqueId val="{00000000-BBB3-4B69-9A88-DD4F41D8A223}"/>
+            </c:ext>
+          </c:extLst>
+        </c:ser>
+        <c:ser>
+          <c:idx val="1"/>
+          <c:order val="1"/>
+          <c:tx>
+            <c:v>Optimized</c:v>
+          </c:tx>
+          <c:spPr>
+            <a:solidFill>
+              <a:schemeClr val="accent2"/>
+            </a:solidFill>
+            <a:ln>
+              <a:noFill/>
+            </a:ln>
+            <a:effectLst/>
+          </c:spPr>
+          <c:invertIfNegative val="0"/>
+          <c:cat>
+            <c:strRef>
+              <c:f>Foglio1!$A$80:$A$84</c:f>
+              <c:strCache>
+                <c:ptCount val="5"/>
+                <c:pt idx="0">
+                  <c:v>gbgss116.seq</c:v>
+                </c:pt>
+                <c:pt idx="1">
+                  <c:v>gbbct367.seq</c:v>
+                </c:pt>
+                <c:pt idx="2">
+                  <c:v>gbgss155.seq</c:v>
+                </c:pt>
+                <c:pt idx="3">
+                  <c:v>hs_alt_CHM1_1.1_chr22.gbk</c:v>
+                </c:pt>
+                <c:pt idx="4">
+                  <c:v>random_dna.txt</c:v>
+                </c:pt>
+              </c:strCache>
+            </c:strRef>
+          </c:cat>
+          <c:val>
+            <c:numRef>
+              <c:f>Foglio1!$E$96:$E$100</c:f>
+              <c:numCache>
+                <c:formatCode>0.000</c:formatCode>
+                <c:ptCount val="5"/>
+                <c:pt idx="0">
+                  <c:v>4.6279999999999992</c:v>
+                </c:pt>
+                <c:pt idx="1">
+                  <c:v>1.3886000000000001</c:v>
+                </c:pt>
+                <c:pt idx="2">
+                  <c:v>8.0662866666666666</c:v>
+                </c:pt>
+                <c:pt idx="3">
+                  <c:v>22.181033333333335</c:v>
+                </c:pt>
+                <c:pt idx="4">
+                  <c:v>0.86646566666666658</c:v>
+                </c:pt>
+              </c:numCache>
+            </c:numRef>
+          </c:val>
+          <c:extLst>
+            <c:ext xmlns:c16="http://schemas.microsoft.com/office/drawing/2014/chart" uri="{C3380CC4-5D6E-409C-BE32-E72D297353CC}">
+              <c16:uniqueId val="{00000001-BBB3-4B69-9A88-DD4F41D8A223}"/>
+            </c:ext>
+          </c:extLst>
+        </c:ser>
+        <c:ser>
+          <c:idx val="2"/>
+          <c:order val="2"/>
+          <c:tx>
+            <c:strRef>
+              <c:f>serial</c:f>
+              <c:strCache>
+                <c:ptCount val="1"/>
+                <c:pt idx="0">
+                  <c:v>serial</c:v>
+                </c:pt>
+              </c:strCache>
+            </c:strRef>
+          </c:tx>
+          <c:spPr>
+            <a:solidFill>
+              <a:schemeClr val="accent3"/>
+            </a:solidFill>
+            <a:ln>
+              <a:noFill/>
+            </a:ln>
+            <a:effectLst/>
+          </c:spPr>
+          <c:invertIfNegative val="0"/>
+          <c:cat>
+            <c:strRef>
+              <c:f>Foglio1!$A$80:$A$84</c:f>
+              <c:strCache>
+                <c:ptCount val="5"/>
+                <c:pt idx="0">
+                  <c:v>gbgss116.seq</c:v>
+                </c:pt>
+                <c:pt idx="1">
+                  <c:v>gbbct367.seq</c:v>
+                </c:pt>
+                <c:pt idx="2">
+                  <c:v>gbgss155.seq</c:v>
+                </c:pt>
+                <c:pt idx="3">
+                  <c:v>hs_alt_CHM1_1.1_chr22.gbk</c:v>
+                </c:pt>
+                <c:pt idx="4">
+                  <c:v>random_dna.txt</c:v>
+                </c:pt>
+              </c:strCache>
+            </c:strRef>
+          </c:cat>
+          <c:val>
+            <c:numRef>
+              <c:f>Foglio1!$E$80:$E$84</c:f>
+              <c:numCache>
+                <c:formatCode>0.000</c:formatCode>
+                <c:ptCount val="5"/>
+                <c:pt idx="0">
+                  <c:v>45.527966666666664</c:v>
+                </c:pt>
+                <c:pt idx="1">
+                  <c:v>14.242433333333333</c:v>
+                </c:pt>
+                <c:pt idx="2">
+                  <c:v>106.14056666666666</c:v>
+                </c:pt>
+                <c:pt idx="3">
+                  <c:v>255.42566666666667</c:v>
+                </c:pt>
+                <c:pt idx="4">
+                  <c:v>7.5280366666666678</c:v>
+                </c:pt>
+              </c:numCache>
+            </c:numRef>
+          </c:val>
+          <c:extLst>
+            <c:ext xmlns:c16="http://schemas.microsoft.com/office/drawing/2014/chart" uri="{C3380CC4-5D6E-409C-BE32-E72D297353CC}">
+              <c16:uniqueId val="{00000002-BBB3-4B69-9A88-DD4F41D8A223}"/>
+            </c:ext>
+          </c:extLst>
+        </c:ser>
+        <c:dLbls>
+          <c:showLegendKey val="0"/>
+          <c:showVal val="0"/>
+          <c:showCatName val="0"/>
+          <c:showSerName val="0"/>
+          <c:showPercent val="0"/>
+          <c:showBubbleSize val="0"/>
+        </c:dLbls>
+        <c:gapWidth val="150"/>
+        <c:axId val="88055891"/>
+        <c:axId val="8974513"/>
+      </c:barChart>
+      <c:catAx>
+        <c:axId val="88055891"/>
+        <c:scaling>
+          <c:orientation val="minMax"/>
+        </c:scaling>
+        <c:delete val="0"/>
+        <c:axPos val="b"/>
+        <c:majorGridlines>
+          <c:spPr>
+            <a:ln w="9525" cap="flat" cmpd="sng" algn="ctr">
+              <a:solidFill>
+                <a:schemeClr val="dk1">
+                  <a:lumMod val="15000"/>
+                  <a:lumOff val="85000"/>
+                  <a:alpha val="54000"/>
+                </a:schemeClr>
+              </a:solidFill>
+              <a:round/>
+            </a:ln>
+            <a:effectLst/>
+          </c:spPr>
+        </c:majorGridlines>
+        <c:minorGridlines>
+          <c:spPr>
+            <a:ln w="9525" cap="flat" cmpd="sng" algn="ctr">
+              <a:solidFill>
+                <a:schemeClr val="dk1">
+                  <a:lumMod val="15000"/>
+                  <a:lumOff val="85000"/>
+                  <a:alpha val="51000"/>
+                </a:schemeClr>
+              </a:solidFill>
+              <a:round/>
+            </a:ln>
+            <a:effectLst/>
+          </c:spPr>
+        </c:minorGridlines>
+        <c:numFmt formatCode="General" sourceLinked="1"/>
+        <c:majorTickMark val="none"/>
+        <c:minorTickMark val="none"/>
+        <c:tickLblPos val="nextTo"/>
+        <c:spPr>
+          <a:noFill/>
+          <a:ln w="9525" cap="flat" cmpd="sng" algn="ctr">
+            <a:solidFill>
+              <a:schemeClr val="dk1">
+                <a:lumMod val="15000"/>
+                <a:lumOff val="85000"/>
+              </a:schemeClr>
+            </a:solidFill>
+            <a:round/>
+          </a:ln>
+          <a:effectLst/>
+        </c:spPr>
+        <c:txPr>
+          <a:bodyPr rot="-60000000" spcFirstLastPara="1" vertOverflow="ellipsis" vert="horz" wrap="square" anchor="ctr" anchorCtr="1"/>
+          <a:lstStyle/>
+          <a:p>
+            <a:pPr>
+              <a:defRPr sz="1197" b="0" i="0" u="none" strike="noStrike" kern="1200" cap="none" spc="0" normalizeH="0" baseline="0">
+                <a:solidFill>
+                  <a:schemeClr val="dk1">
+                    <a:lumMod val="65000"/>
+                    <a:lumOff val="35000"/>
+                  </a:schemeClr>
+                </a:solidFill>
+                <a:latin typeface="+mn-lt"/>
+                <a:ea typeface="+mn-ea"/>
+                <a:cs typeface="+mn-cs"/>
+              </a:defRPr>
+            </a:pPr>
+            <a:endParaRPr lang="en-US"/>
+          </a:p>
+        </c:txPr>
+        <c:crossAx val="8974513"/>
+        <c:crosses val="autoZero"/>
+        <c:auto val="1"/>
+        <c:lblAlgn val="ctr"/>
+        <c:lblOffset val="100"/>
+        <c:noMultiLvlLbl val="1"/>
+      </c:catAx>
+      <c:valAx>
+        <c:axId val="8974513"/>
+        <c:scaling>
+          <c:orientation val="minMax"/>
+        </c:scaling>
+        <c:delete val="0"/>
+        <c:axPos val="l"/>
+        <c:majorGridlines>
+          <c:spPr>
+            <a:ln w="9525" cap="flat" cmpd="sng" algn="ctr">
+              <a:solidFill>
+                <a:schemeClr val="dk1">
+                  <a:lumMod val="15000"/>
+                  <a:lumOff val="85000"/>
+                  <a:alpha val="54000"/>
+                </a:schemeClr>
+              </a:solidFill>
+              <a:round/>
+            </a:ln>
+            <a:effectLst/>
+          </c:spPr>
+        </c:majorGridlines>
+        <c:title>
+          <c:tx>
+            <c:rich>
+              <a:bodyPr rot="-5400000" spcFirstLastPara="1" vertOverflow="ellipsis" wrap="square" anchor="ctr" anchorCtr="1"/>
+              <a:lstStyle/>
+              <a:p>
+                <a:pPr>
+                  <a:defRPr sz="1197" b="1" i="0" u="none" strike="noStrike" kern="1200" baseline="0">
+                    <a:solidFill>
+                      <a:schemeClr val="dk1">
+                        <a:lumMod val="65000"/>
+                        <a:lumOff val="35000"/>
+                      </a:schemeClr>
+                    </a:solidFill>
+                    <a:latin typeface="+mn-lt"/>
+                    <a:ea typeface="+mn-ea"/>
+                    <a:cs typeface="+mn-cs"/>
+                  </a:defRPr>
+                </a:pPr>
+                <a:r>
+                  <a:rPr lang="en-GB"/>
+                  <a:t>Execution Time (s)</a:t>
+                </a:r>
+              </a:p>
+            </c:rich>
+          </c:tx>
+          <c:overlay val="0"/>
+          <c:spPr>
+            <a:noFill/>
+            <a:ln>
+              <a:noFill/>
+            </a:ln>
+            <a:effectLst/>
+          </c:spPr>
+          <c:txPr>
+            <a:bodyPr rot="-5400000" spcFirstLastPara="1" vertOverflow="ellipsis" wrap="square" anchor="ctr" anchorCtr="1"/>
+            <a:lstStyle/>
+            <a:p>
+              <a:pPr>
+                <a:defRPr sz="1197" b="1" i="0" u="none" strike="noStrike" kern="1200" baseline="0">
+                  <a:solidFill>
+                    <a:schemeClr val="dk1">
+                      <a:lumMod val="65000"/>
+                      <a:lumOff val="35000"/>
+                    </a:schemeClr>
+                  </a:solidFill>
+                  <a:latin typeface="+mn-lt"/>
+                  <a:ea typeface="+mn-ea"/>
+                  <a:cs typeface="+mn-cs"/>
+                </a:defRPr>
+              </a:pPr>
+              <a:endParaRPr lang="en-US"/>
+            </a:p>
+          </c:txPr>
+        </c:title>
+        <c:numFmt formatCode="0.000" sourceLinked="0"/>
+        <c:majorTickMark val="none"/>
+        <c:minorTickMark val="none"/>
+        <c:tickLblPos val="nextTo"/>
+        <c:spPr>
+          <a:noFill/>
+          <a:ln>
+            <a:noFill/>
+          </a:ln>
+          <a:effectLst/>
+        </c:spPr>
+        <c:txPr>
+          <a:bodyPr rot="-60000000" spcFirstLastPara="1" vertOverflow="ellipsis" vert="horz" wrap="square" anchor="ctr" anchorCtr="1"/>
+          <a:lstStyle/>
+          <a:p>
+            <a:pPr>
+              <a:defRPr sz="1197" b="0" i="0" u="none" strike="noStrike" kern="1200" baseline="0">
+                <a:solidFill>
+                  <a:schemeClr val="dk1">
+                    <a:lumMod val="65000"/>
+                    <a:lumOff val="35000"/>
+                  </a:schemeClr>
+                </a:solidFill>
+                <a:latin typeface="+mn-lt"/>
+                <a:ea typeface="+mn-ea"/>
+                <a:cs typeface="+mn-cs"/>
+              </a:defRPr>
+            </a:pPr>
+            <a:endParaRPr lang="en-US"/>
+          </a:p>
+        </c:txPr>
+        <c:crossAx val="88055891"/>
+        <c:crosses val="autoZero"/>
+        <c:crossBetween val="between"/>
+      </c:valAx>
+      <c:dTable>
+        <c:showHorzBorder val="1"/>
+        <c:showVertBorder val="1"/>
+        <c:showOutline val="1"/>
+        <c:showKeys val="1"/>
+        <c:spPr>
+          <a:noFill/>
+          <a:ln w="9525" cap="flat" cmpd="sng" algn="ctr">
+            <a:solidFill>
+              <a:schemeClr val="dk1">
+                <a:lumMod val="15000"/>
+                <a:lumOff val="85000"/>
+              </a:schemeClr>
+            </a:solidFill>
+            <a:round/>
+          </a:ln>
+          <a:effectLst/>
+        </c:spPr>
+        <c:txPr>
+          <a:bodyPr rot="0" spcFirstLastPara="1" vertOverflow="ellipsis" vert="horz" wrap="square" anchor="ctr" anchorCtr="1"/>
+          <a:lstStyle/>
+          <a:p>
+            <a:pPr rtl="0">
+              <a:defRPr sz="1064" b="0" i="0" u="none" strike="noStrike" kern="1200" baseline="0">
+                <a:solidFill>
+                  <a:schemeClr val="dk1">
+                    <a:lumMod val="65000"/>
+                    <a:lumOff val="35000"/>
+                  </a:schemeClr>
+                </a:solidFill>
+                <a:latin typeface="+mn-lt"/>
+                <a:ea typeface="+mn-ea"/>
+                <a:cs typeface="+mn-cs"/>
+              </a:defRPr>
+            </a:pPr>
+            <a:endParaRPr lang="en-US"/>
+          </a:p>
+        </c:txPr>
+      </c:dTable>
+      <c:spPr>
+        <a:pattFill prst="ltDnDiag">
+          <a:fgClr>
+            <a:schemeClr val="dk1">
+              <a:lumMod val="15000"/>
+              <a:lumOff val="85000"/>
+            </a:schemeClr>
+          </a:fgClr>
+          <a:bgClr>
+            <a:schemeClr val="lt1"/>
+          </a:bgClr>
+        </a:pattFill>
+        <a:ln>
+          <a:noFill/>
+        </a:ln>
+        <a:effectLst/>
+      </c:spPr>
+    </c:plotArea>
+    <c:plotVisOnly val="1"/>
+    <c:dispBlanksAs val="zero"/>
+    <c:showDLblsOverMax val="1"/>
+  </c:chart>
+  <c:spPr>
+    <a:solidFill>
+      <a:schemeClr val="lt1"/>
+    </a:solidFill>
+    <a:ln w="9525" cap="flat" cmpd="sng" algn="ctr">
+      <a:solidFill>
+        <a:schemeClr val="dk1">
+          <a:lumMod val="15000"/>
+          <a:lumOff val="85000"/>
+        </a:schemeClr>
+      </a:solidFill>
+      <a:round/>
+    </a:ln>
+    <a:effectLst/>
+  </c:spPr>
+  <c:txPr>
+    <a:bodyPr/>
+    <a:lstStyle/>
+    <a:p>
+      <a:pPr>
+        <a:defRPr/>
+      </a:pPr>
+      <a:endParaRPr lang="en-US"/>
+    </a:p>
+  </c:txPr>
+  <c:externalData r:id="rId3">
+    <c:autoUpdate val="0"/>
+  </c:externalData>
+</c:chartSpace>
+</file>
+
+<file path=ppt/charts/chart2.xml><?xml version="1.0" encoding="utf-8"?>
+<c:chartSpace xmlns:c="http://schemas.openxmlformats.org/drawingml/2006/chart" xmlns:a="http://schemas.openxmlformats.org/drawingml/2006/main" xmlns:r="http://schemas.openxmlformats.org/officeDocument/2006/relationships" xmlns:c16r2="http://schemas.microsoft.com/office/drawing/2015/06/chart">
+  <c:date1904 val="0"/>
+  <c:lang val="it-IT"/>
+  <c:roundedCorners val="0"/>
+  <mc:AlternateContent xmlns:mc="http://schemas.openxmlformats.org/markup-compatibility/2006">
+    <mc:Choice xmlns:c14="http://schemas.microsoft.com/office/drawing/2007/8/2/chart" Requires="c14">
+      <c14:style val="102"/>
+    </mc:Choice>
+    <mc:Fallback>
+      <c:style val="2"/>
+    </mc:Fallback>
+  </mc:AlternateContent>
+  <c:chart>
+    <c:title>
+      <c:tx>
+        <c:rich>
           <a:bodyPr rot="0" spcFirstLastPara="1" vertOverflow="ellipsis" vert="horz" wrap="square" anchor="ctr" anchorCtr="1"/>
           <a:lstStyle/>
           <a:p>
@@ -209,7 +797,7 @@
               <a:cs typeface="+mj-cs"/>
             </a:defRPr>
           </a:pPr>
-          <a:endParaRPr lang="it-IT"/>
+          <a:endParaRPr lang="en-US"/>
         </a:p>
       </c:txPr>
     </c:title>
@@ -472,7 +1060,7 @@
                 <a:cs typeface="+mn-cs"/>
               </a:defRPr>
             </a:pPr>
-            <a:endParaRPr lang="it-IT"/>
+            <a:endParaRPr lang="en-US"/>
           </a:p>
         </c:txPr>
         <c:crossAx val="630548687"/>
@@ -556,7 +1144,7 @@
                   <a:cs typeface="+mn-cs"/>
                 </a:defRPr>
               </a:pPr>
-              <a:endParaRPr lang="it-IT"/>
+              <a:endParaRPr lang="en-US"/>
             </a:p>
           </c:txPr>
         </c:title>
@@ -588,7 +1176,7 @@
                 <a:cs typeface="+mn-cs"/>
               </a:defRPr>
             </a:pPr>
-            <a:endParaRPr lang="it-IT"/>
+            <a:endParaRPr lang="en-US"/>
           </a:p>
         </c:txPr>
         <c:crossAx val="628576831"/>
@@ -630,7 +1218,7 @@
                 <a:cs typeface="+mn-cs"/>
               </a:defRPr>
             </a:pPr>
-            <a:endParaRPr lang="it-IT"/>
+            <a:endParaRPr lang="en-US"/>
           </a:p>
         </c:txPr>
       </c:dTable>
@@ -678,7 +1266,7 @@
       <a:pPr>
         <a:defRPr/>
       </a:pPr>
-      <a:endParaRPr lang="it-IT"/>
+      <a:endParaRPr lang="en-US"/>
     </a:p>
   </c:txPr>
   <c:externalData r:id="rId3">
@@ -687,7 +1275,7 @@
 </c:chartSpace>
 </file>
 
-<file path=ppt/charts/chart2.xml><?xml version="1.0" encoding="utf-8"?>
+<file path=ppt/charts/chart3.xml><?xml version="1.0" encoding="utf-8"?>
 <c:chartSpace xmlns:c="http://schemas.openxmlformats.org/drawingml/2006/chart" xmlns:a="http://schemas.openxmlformats.org/drawingml/2006/main" xmlns:r="http://schemas.openxmlformats.org/officeDocument/2006/relationships" xmlns:c16r2="http://schemas.microsoft.com/office/drawing/2015/06/chart">
   <c:date1904 val="0"/>
   <c:lang val="it-IT"/>
@@ -752,7 +1340,7 @@
               <a:cs typeface="+mj-cs"/>
             </a:defRPr>
           </a:pPr>
-          <a:endParaRPr lang="it-IT"/>
+          <a:endParaRPr lang="en-US"/>
         </a:p>
       </c:txPr>
     </c:title>
@@ -1016,7 +1604,7 @@
                 <a:cs typeface="+mn-cs"/>
               </a:defRPr>
             </a:pPr>
-            <a:endParaRPr lang="it-IT"/>
+            <a:endParaRPr lang="en-US"/>
           </a:p>
         </c:txPr>
         <c:crossAx val="630548687"/>
@@ -1099,7 +1687,7 @@
                   <a:cs typeface="+mn-cs"/>
                 </a:defRPr>
               </a:pPr>
-              <a:endParaRPr lang="it-IT"/>
+              <a:endParaRPr lang="en-US"/>
             </a:p>
           </c:txPr>
         </c:title>
@@ -1131,7 +1719,7 @@
                 <a:cs typeface="+mn-cs"/>
               </a:defRPr>
             </a:pPr>
-            <a:endParaRPr lang="it-IT"/>
+            <a:endParaRPr lang="en-US"/>
           </a:p>
         </c:txPr>
         <c:crossAx val="628576831"/>
@@ -1173,7 +1761,7 @@
                 <a:cs typeface="+mn-cs"/>
               </a:defRPr>
             </a:pPr>
-            <a:endParaRPr lang="it-IT"/>
+            <a:endParaRPr lang="en-US"/>
           </a:p>
         </c:txPr>
       </c:dTable>
@@ -1221,10 +1809,634 @@
       <a:pPr>
         <a:defRPr/>
       </a:pPr>
-      <a:endParaRPr lang="it-IT"/>
+      <a:endParaRPr lang="en-US"/>
     </a:p>
   </c:txPr>
   <c:externalData r:id="rId3">
+    <c:autoUpdate val="0"/>
+  </c:externalData>
+</c:chartSpace>
+</file>
+
+<file path=ppt/charts/chart4.xml><?xml version="1.0" encoding="utf-8"?>
+<c:chartSpace xmlns:c="http://schemas.openxmlformats.org/drawingml/2006/chart" xmlns:a="http://schemas.openxmlformats.org/drawingml/2006/main" xmlns:r="http://schemas.openxmlformats.org/officeDocument/2006/relationships" xmlns:c16r2="http://schemas.microsoft.com/office/drawing/2015/06/chart">
+  <c:date1904 val="0"/>
+  <c:lang val="it-IT"/>
+  <c:roundedCorners val="0"/>
+  <mc:AlternateContent xmlns:mc="http://schemas.openxmlformats.org/markup-compatibility/2006">
+    <mc:Choice xmlns:c14="http://schemas.microsoft.com/office/drawing/2007/8/2/chart" Requires="c14">
+      <c14:style val="102"/>
+    </mc:Choice>
+    <mc:Fallback>
+      <c:style val="2"/>
+    </mc:Fallback>
+  </mc:AlternateContent>
+  <c:chart>
+    <c:title>
+      <c:tx>
+        <c:rich>
+          <a:bodyPr rot="0" spcFirstLastPara="1" vertOverflow="ellipsis" wrap="square" anchor="ctr" anchorCtr="1"/>
+          <a:lstStyle/>
+          <a:p>
+            <a:pPr>
+              <a:defRPr sz="2128" b="1" i="0" u="none" strike="noStrike" kern="1200" cap="none" spc="0" normalizeH="0" baseline="0">
+                <a:solidFill>
+                  <a:schemeClr val="dk1">
+                    <a:lumMod val="50000"/>
+                    <a:lumOff val="50000"/>
+                  </a:schemeClr>
+                </a:solidFill>
+                <a:latin typeface="+mj-lt"/>
+                <a:ea typeface="+mj-ea"/>
+                <a:cs typeface="+mj-cs"/>
+              </a:defRPr>
+            </a:pPr>
+            <a:r>
+              <a:rPr lang="en-GB"/>
+              <a:t>Number Of Thread</a:t>
+            </a:r>
+          </a:p>
+        </c:rich>
+      </c:tx>
+      <c:layout>
+        <c:manualLayout>
+          <c:xMode val="edge"/>
+          <c:yMode val="edge"/>
+          <c:x val="0.36619104240983003"/>
+          <c:y val="2.84820824881677E-2"/>
+        </c:manualLayout>
+      </c:layout>
+      <c:overlay val="0"/>
+      <c:spPr>
+        <a:noFill/>
+        <a:ln>
+          <a:noFill/>
+        </a:ln>
+        <a:effectLst/>
+      </c:spPr>
+    </c:title>
+    <c:autoTitleDeleted val="0"/>
+    <c:plotArea>
+      <c:layout/>
+      <c:lineChart>
+        <c:grouping val="standard"/>
+        <c:varyColors val="1"/>
+        <c:ser>
+          <c:idx val="0"/>
+          <c:order val="0"/>
+          <c:tx>
+            <c:v>Lock</c:v>
+          </c:tx>
+          <c:spPr>
+            <a:ln w="22225" cap="rnd">
+              <a:solidFill>
+                <a:schemeClr val="accent1"/>
+              </a:solidFill>
+              <a:round/>
+            </a:ln>
+            <a:effectLst/>
+          </c:spPr>
+          <c:marker>
+            <c:symbol val="none"/>
+          </c:marker>
+          <c:dLbls>
+            <c:spPr>
+              <a:noFill/>
+              <a:ln>
+                <a:noFill/>
+              </a:ln>
+              <a:effectLst/>
+            </c:spPr>
+            <c:txPr>
+              <a:bodyPr rot="0" spcFirstLastPara="1" vertOverflow="ellipsis" vert="horz" wrap="square" lIns="38100" tIns="19050" rIns="38100" bIns="19050" anchor="ctr" anchorCtr="1">
+                <a:spAutoFit/>
+              </a:bodyPr>
+              <a:lstStyle/>
+              <a:p>
+                <a:pPr>
+                  <a:defRPr sz="1197" b="0" i="0" u="none" strike="noStrike" kern="1200" baseline="0">
+                    <a:solidFill>
+                      <a:schemeClr val="dk1">
+                        <a:lumMod val="75000"/>
+                        <a:lumOff val="25000"/>
+                      </a:schemeClr>
+                    </a:solidFill>
+                    <a:latin typeface="+mn-lt"/>
+                    <a:ea typeface="+mn-ea"/>
+                    <a:cs typeface="+mn-cs"/>
+                  </a:defRPr>
+                </a:pPr>
+                <a:endParaRPr lang="en-US"/>
+              </a:p>
+            </c:txPr>
+            <c:dLblPos val="r"/>
+            <c:showLegendKey val="0"/>
+            <c:showVal val="0"/>
+            <c:showCatName val="0"/>
+            <c:showSerName val="0"/>
+            <c:showPercent val="0"/>
+            <c:showBubbleSize val="1"/>
+            <c:showLeaderLines val="0"/>
+            <c:extLst>
+              <c:ext xmlns:c15="http://schemas.microsoft.com/office/drawing/2012/chart" uri="{CE6537A1-D6FC-4f65-9D91-7224C49458BB}">
+                <c15:showLeaderLines val="0"/>
+              </c:ext>
+            </c:extLst>
+          </c:dLbls>
+          <c:cat>
+            <c:numRef>
+              <c:f>'[Test 2 e 3 (1).xlsx]Foglio1'!$A$57:$A$64</c:f>
+              <c:numCache>
+                <c:formatCode>General</c:formatCode>
+                <c:ptCount val="8"/>
+                <c:pt idx="0">
+                  <c:v>1</c:v>
+                </c:pt>
+                <c:pt idx="1">
+                  <c:v>2</c:v>
+                </c:pt>
+                <c:pt idx="2">
+                  <c:v>4</c:v>
+                </c:pt>
+                <c:pt idx="3">
+                  <c:v>8</c:v>
+                </c:pt>
+                <c:pt idx="4">
+                  <c:v>12</c:v>
+                </c:pt>
+                <c:pt idx="5">
+                  <c:v>16</c:v>
+                </c:pt>
+                <c:pt idx="6">
+                  <c:v>20</c:v>
+                </c:pt>
+                <c:pt idx="7">
+                  <c:v>24</c:v>
+                </c:pt>
+              </c:numCache>
+            </c:numRef>
+          </c:cat>
+          <c:val>
+            <c:numRef>
+              <c:f>'[Test 2 e 3 (1).xlsx]Foglio1'!$E$57:$E$64</c:f>
+              <c:numCache>
+                <c:formatCode>0.000</c:formatCode>
+                <c:ptCount val="8"/>
+                <c:pt idx="0">
+                  <c:v>40.163600000000002</c:v>
+                </c:pt>
+                <c:pt idx="1">
+                  <c:v>35.879366666666662</c:v>
+                </c:pt>
+                <c:pt idx="2">
+                  <c:v>36.46586666666667</c:v>
+                </c:pt>
+                <c:pt idx="3">
+                  <c:v>36.413266666666665</c:v>
+                </c:pt>
+                <c:pt idx="4">
+                  <c:v>37.321233333333332</c:v>
+                </c:pt>
+                <c:pt idx="5">
+                  <c:v>44.179833333333328</c:v>
+                </c:pt>
+                <c:pt idx="6">
+                  <c:v>49.701066666666669</c:v>
+                </c:pt>
+                <c:pt idx="7">
+                  <c:v>52.857666666666667</c:v>
+                </c:pt>
+              </c:numCache>
+            </c:numRef>
+          </c:val>
+          <c:smooth val="0"/>
+          <c:extLst>
+            <c:ext xmlns:c16="http://schemas.microsoft.com/office/drawing/2014/chart" uri="{C3380CC4-5D6E-409C-BE32-E72D297353CC}">
+              <c16:uniqueId val="{00000000-01F6-4D86-A2C7-27D46113F8F6}"/>
+            </c:ext>
+          </c:extLst>
+        </c:ser>
+        <c:ser>
+          <c:idx val="1"/>
+          <c:order val="1"/>
+          <c:tx>
+            <c:v>Optimized</c:v>
+          </c:tx>
+          <c:spPr>
+            <a:ln w="22225" cap="rnd">
+              <a:solidFill>
+                <a:schemeClr val="accent2"/>
+              </a:solidFill>
+              <a:round/>
+            </a:ln>
+            <a:effectLst/>
+          </c:spPr>
+          <c:marker>
+            <c:symbol val="none"/>
+          </c:marker>
+          <c:dLbls>
+            <c:spPr>
+              <a:noFill/>
+              <a:ln>
+                <a:noFill/>
+              </a:ln>
+              <a:effectLst/>
+            </c:spPr>
+            <c:txPr>
+              <a:bodyPr rot="0" spcFirstLastPara="1" vertOverflow="ellipsis" vert="horz" wrap="square" lIns="38100" tIns="19050" rIns="38100" bIns="19050" anchor="ctr" anchorCtr="1">
+                <a:spAutoFit/>
+              </a:bodyPr>
+              <a:lstStyle/>
+              <a:p>
+                <a:pPr>
+                  <a:defRPr sz="1197" b="0" i="0" u="none" strike="noStrike" kern="1200" baseline="0">
+                    <a:solidFill>
+                      <a:schemeClr val="dk1">
+                        <a:lumMod val="75000"/>
+                        <a:lumOff val="25000"/>
+                      </a:schemeClr>
+                    </a:solidFill>
+                    <a:latin typeface="+mn-lt"/>
+                    <a:ea typeface="+mn-ea"/>
+                    <a:cs typeface="+mn-cs"/>
+                  </a:defRPr>
+                </a:pPr>
+                <a:endParaRPr lang="en-US"/>
+              </a:p>
+            </c:txPr>
+            <c:dLblPos val="r"/>
+            <c:showLegendKey val="0"/>
+            <c:showVal val="0"/>
+            <c:showCatName val="0"/>
+            <c:showSerName val="0"/>
+            <c:showPercent val="0"/>
+            <c:showBubbleSize val="1"/>
+            <c:showLeaderLines val="0"/>
+            <c:extLst>
+              <c:ext xmlns:c15="http://schemas.microsoft.com/office/drawing/2012/chart" uri="{CE6537A1-D6FC-4f65-9D91-7224C49458BB}">
+                <c15:showLeaderLines val="0"/>
+              </c:ext>
+            </c:extLst>
+          </c:dLbls>
+          <c:cat>
+            <c:numRef>
+              <c:f>'[Test 2 e 3 (1).xlsx]Foglio1'!$A$57:$A$64</c:f>
+              <c:numCache>
+                <c:formatCode>General</c:formatCode>
+                <c:ptCount val="8"/>
+                <c:pt idx="0">
+                  <c:v>1</c:v>
+                </c:pt>
+                <c:pt idx="1">
+                  <c:v>2</c:v>
+                </c:pt>
+                <c:pt idx="2">
+                  <c:v>4</c:v>
+                </c:pt>
+                <c:pt idx="3">
+                  <c:v>8</c:v>
+                </c:pt>
+                <c:pt idx="4">
+                  <c:v>12</c:v>
+                </c:pt>
+                <c:pt idx="5">
+                  <c:v>16</c:v>
+                </c:pt>
+                <c:pt idx="6">
+                  <c:v>20</c:v>
+                </c:pt>
+                <c:pt idx="7">
+                  <c:v>24</c:v>
+                </c:pt>
+              </c:numCache>
+            </c:numRef>
+          </c:cat>
+          <c:val>
+            <c:numRef>
+              <c:f>'[Test 2 e 3 (1).xlsx]Foglio1'!$E$68:$E$75</c:f>
+              <c:numCache>
+                <c:formatCode>0.000</c:formatCode>
+                <c:ptCount val="8"/>
+                <c:pt idx="0">
+                  <c:v>43.62883333333334</c:v>
+                </c:pt>
+                <c:pt idx="1">
+                  <c:v>26.356466666666666</c:v>
+                </c:pt>
+                <c:pt idx="2">
+                  <c:v>13.994</c:v>
+                </c:pt>
+                <c:pt idx="3">
+                  <c:v>8.6267566666666671</c:v>
+                </c:pt>
+                <c:pt idx="4">
+                  <c:v>6.1272700000000002</c:v>
+                </c:pt>
+                <c:pt idx="5">
+                  <c:v>5.4538599999999997</c:v>
+                </c:pt>
+                <c:pt idx="6">
+                  <c:v>4.9493566666666666</c:v>
+                </c:pt>
+                <c:pt idx="7">
+                  <c:v>4.0560933333333331</c:v>
+                </c:pt>
+              </c:numCache>
+            </c:numRef>
+          </c:val>
+          <c:smooth val="0"/>
+          <c:extLst>
+            <c:ext xmlns:c16="http://schemas.microsoft.com/office/drawing/2014/chart" uri="{C3380CC4-5D6E-409C-BE32-E72D297353CC}">
+              <c16:uniqueId val="{00000001-01F6-4D86-A2C7-27D46113F8F6}"/>
+            </c:ext>
+          </c:extLst>
+        </c:ser>
+        <c:dLbls>
+          <c:showLegendKey val="0"/>
+          <c:showVal val="0"/>
+          <c:showCatName val="0"/>
+          <c:showSerName val="0"/>
+          <c:showPercent val="0"/>
+          <c:showBubbleSize val="0"/>
+        </c:dLbls>
+        <c:hiLowLines>
+          <c:spPr>
+            <a:ln w="9525" cap="flat" cmpd="sng" algn="ctr">
+              <a:solidFill>
+                <a:schemeClr val="dk1">
+                  <a:lumMod val="35000"/>
+                  <a:lumOff val="65000"/>
+                </a:schemeClr>
+              </a:solidFill>
+              <a:round/>
+            </a:ln>
+            <a:effectLst/>
+          </c:spPr>
+        </c:hiLowLines>
+        <c:smooth val="0"/>
+        <c:axId val="36491971"/>
+        <c:axId val="33552706"/>
+      </c:lineChart>
+      <c:catAx>
+        <c:axId val="36491971"/>
+        <c:scaling>
+          <c:orientation val="minMax"/>
+        </c:scaling>
+        <c:delete val="0"/>
+        <c:axPos val="b"/>
+        <c:majorGridlines>
+          <c:spPr>
+            <a:ln w="9525" cap="flat" cmpd="sng" algn="ctr">
+              <a:solidFill>
+                <a:schemeClr val="dk1">
+                  <a:lumMod val="15000"/>
+                  <a:lumOff val="85000"/>
+                  <a:alpha val="54000"/>
+                </a:schemeClr>
+              </a:solidFill>
+              <a:round/>
+            </a:ln>
+            <a:effectLst/>
+          </c:spPr>
+        </c:majorGridlines>
+        <c:minorGridlines>
+          <c:spPr>
+            <a:ln w="9525" cap="flat" cmpd="sng" algn="ctr">
+              <a:solidFill>
+                <a:schemeClr val="dk1">
+                  <a:lumMod val="15000"/>
+                  <a:lumOff val="85000"/>
+                  <a:alpha val="51000"/>
+                </a:schemeClr>
+              </a:solidFill>
+              <a:round/>
+            </a:ln>
+            <a:effectLst/>
+          </c:spPr>
+        </c:minorGridlines>
+        <c:numFmt formatCode="General" sourceLinked="1"/>
+        <c:majorTickMark val="none"/>
+        <c:minorTickMark val="none"/>
+        <c:tickLblPos val="nextTo"/>
+        <c:spPr>
+          <a:noFill/>
+          <a:ln w="9525" cap="flat" cmpd="sng" algn="ctr">
+            <a:solidFill>
+              <a:schemeClr val="dk1">
+                <a:lumMod val="15000"/>
+                <a:lumOff val="85000"/>
+              </a:schemeClr>
+            </a:solidFill>
+            <a:round/>
+          </a:ln>
+          <a:effectLst/>
+        </c:spPr>
+        <c:txPr>
+          <a:bodyPr rot="-60000000" spcFirstLastPara="1" vertOverflow="ellipsis" vert="horz" wrap="square" anchor="ctr" anchorCtr="1"/>
+          <a:lstStyle/>
+          <a:p>
+            <a:pPr>
+              <a:defRPr sz="1197" b="0" i="0" u="none" strike="noStrike" kern="1200" cap="none" spc="0" normalizeH="0" baseline="0">
+                <a:solidFill>
+                  <a:schemeClr val="dk1">
+                    <a:lumMod val="65000"/>
+                    <a:lumOff val="35000"/>
+                  </a:schemeClr>
+                </a:solidFill>
+                <a:latin typeface="+mn-lt"/>
+                <a:ea typeface="+mn-ea"/>
+                <a:cs typeface="+mn-cs"/>
+              </a:defRPr>
+            </a:pPr>
+            <a:endParaRPr lang="en-US"/>
+          </a:p>
+        </c:txPr>
+        <c:crossAx val="33552706"/>
+        <c:crosses val="autoZero"/>
+        <c:auto val="1"/>
+        <c:lblAlgn val="ctr"/>
+        <c:lblOffset val="100"/>
+        <c:noMultiLvlLbl val="1"/>
+      </c:catAx>
+      <c:valAx>
+        <c:axId val="33552706"/>
+        <c:scaling>
+          <c:orientation val="minMax"/>
+        </c:scaling>
+        <c:delete val="0"/>
+        <c:axPos val="l"/>
+        <c:majorGridlines>
+          <c:spPr>
+            <a:ln w="9525" cap="flat" cmpd="sng" algn="ctr">
+              <a:solidFill>
+                <a:schemeClr val="dk1">
+                  <a:lumMod val="15000"/>
+                  <a:lumOff val="85000"/>
+                  <a:alpha val="54000"/>
+                </a:schemeClr>
+              </a:solidFill>
+              <a:round/>
+            </a:ln>
+            <a:effectLst/>
+          </c:spPr>
+        </c:majorGridlines>
+        <c:title>
+          <c:tx>
+            <c:rich>
+              <a:bodyPr rot="-5400000" spcFirstLastPara="1" vertOverflow="ellipsis" wrap="square" anchor="ctr" anchorCtr="1"/>
+              <a:lstStyle/>
+              <a:p>
+                <a:pPr>
+                  <a:defRPr sz="1197" b="1" i="0" u="none" strike="noStrike" kern="1200" baseline="0">
+                    <a:solidFill>
+                      <a:schemeClr val="dk1">
+                        <a:lumMod val="65000"/>
+                        <a:lumOff val="35000"/>
+                      </a:schemeClr>
+                    </a:solidFill>
+                    <a:latin typeface="+mn-lt"/>
+                    <a:ea typeface="+mn-ea"/>
+                    <a:cs typeface="+mn-cs"/>
+                  </a:defRPr>
+                </a:pPr>
+                <a:r>
+                  <a:rPr lang="en-GB"/>
+                  <a:t>Execution Time (s)</a:t>
+                </a:r>
+              </a:p>
+            </c:rich>
+          </c:tx>
+          <c:overlay val="0"/>
+          <c:spPr>
+            <a:noFill/>
+            <a:ln>
+              <a:noFill/>
+            </a:ln>
+            <a:effectLst/>
+          </c:spPr>
+        </c:title>
+        <c:numFmt formatCode="0.000" sourceLinked="0"/>
+        <c:majorTickMark val="none"/>
+        <c:minorTickMark val="none"/>
+        <c:tickLblPos val="nextTo"/>
+        <c:spPr>
+          <a:noFill/>
+          <a:ln>
+            <a:noFill/>
+          </a:ln>
+          <a:effectLst/>
+        </c:spPr>
+        <c:txPr>
+          <a:bodyPr rot="-60000000" spcFirstLastPara="1" vertOverflow="ellipsis" vert="horz" wrap="square" anchor="ctr" anchorCtr="1"/>
+          <a:lstStyle/>
+          <a:p>
+            <a:pPr>
+              <a:defRPr sz="1197" b="0" i="0" u="none" strike="noStrike" kern="1200" baseline="0">
+                <a:solidFill>
+                  <a:schemeClr val="dk1">
+                    <a:lumMod val="65000"/>
+                    <a:lumOff val="35000"/>
+                  </a:schemeClr>
+                </a:solidFill>
+                <a:latin typeface="+mn-lt"/>
+                <a:ea typeface="+mn-ea"/>
+                <a:cs typeface="+mn-cs"/>
+              </a:defRPr>
+            </a:pPr>
+            <a:endParaRPr lang="en-US"/>
+          </a:p>
+        </c:txPr>
+        <c:crossAx val="36491971"/>
+        <c:crosses val="autoZero"/>
+        <c:crossBetween val="midCat"/>
+      </c:valAx>
+      <c:dTable>
+        <c:showHorzBorder val="1"/>
+        <c:showVertBorder val="1"/>
+        <c:showOutline val="1"/>
+        <c:showKeys val="1"/>
+        <c:spPr>
+          <a:noFill/>
+          <a:ln w="9525" cap="flat" cmpd="sng" algn="ctr">
+            <a:solidFill>
+              <a:schemeClr val="dk1">
+                <a:lumMod val="15000"/>
+                <a:lumOff val="85000"/>
+              </a:schemeClr>
+            </a:solidFill>
+            <a:round/>
+          </a:ln>
+          <a:effectLst/>
+        </c:spPr>
+        <c:txPr>
+          <a:bodyPr rot="0" spcFirstLastPara="1" vertOverflow="ellipsis" vert="horz" wrap="square" anchor="ctr" anchorCtr="1"/>
+          <a:lstStyle/>
+          <a:p>
+            <a:pPr rtl="0">
+              <a:defRPr sz="1064" b="0" i="0" u="none" strike="noStrike" kern="1200" baseline="0">
+                <a:solidFill>
+                  <a:schemeClr val="dk1">
+                    <a:lumMod val="65000"/>
+                    <a:lumOff val="35000"/>
+                  </a:schemeClr>
+                </a:solidFill>
+                <a:latin typeface="+mn-lt"/>
+                <a:ea typeface="+mn-ea"/>
+                <a:cs typeface="+mn-cs"/>
+              </a:defRPr>
+            </a:pPr>
+            <a:endParaRPr lang="en-US"/>
+          </a:p>
+        </c:txPr>
+      </c:dTable>
+      <c:spPr>
+        <a:pattFill prst="ltDnDiag">
+          <a:fgClr>
+            <a:schemeClr val="dk1">
+              <a:lumMod val="15000"/>
+              <a:lumOff val="85000"/>
+            </a:schemeClr>
+          </a:fgClr>
+          <a:bgClr>
+            <a:schemeClr val="lt1"/>
+          </a:bgClr>
+        </a:pattFill>
+        <a:ln>
+          <a:noFill/>
+        </a:ln>
+        <a:effectLst/>
+      </c:spPr>
+    </c:plotArea>
+    <c:plotVisOnly val="1"/>
+    <c:dispBlanksAs val="zero"/>
+    <c:showDLblsOverMax val="1"/>
+  </c:chart>
+  <c:spPr>
+    <a:solidFill>
+      <a:schemeClr val="lt1"/>
+    </a:solidFill>
+    <a:ln w="9525" cap="flat" cmpd="sng" algn="ctr">
+      <a:solidFill>
+        <a:schemeClr val="dk1">
+          <a:lumMod val="15000"/>
+          <a:lumOff val="85000"/>
+        </a:schemeClr>
+      </a:solidFill>
+      <a:round/>
+    </a:ln>
+    <a:effectLst/>
+  </c:spPr>
+  <c:txPr>
+    <a:bodyPr/>
+    <a:lstStyle/>
+    <a:p>
+      <a:pPr>
+        <a:defRPr/>
+      </a:pPr>
+      <a:endParaRPr lang="en-US"/>
+    </a:p>
+  </c:txPr>
+  <c:externalData r:id="rId1">
     <c:autoUpdate val="0"/>
   </c:externalData>
 </c:chartSpace>
@@ -1271,6 +2483,46 @@
 </file>
 
 <file path=ppt/charts/colors2.xml><?xml version="1.0" encoding="utf-8"?>
+<cs:colorStyle xmlns:cs="http://schemas.microsoft.com/office/drawing/2012/chartStyle" xmlns:a="http://schemas.openxmlformats.org/drawingml/2006/main" meth="cycle" id="10">
+  <a:schemeClr val="accent1"/>
+  <a:schemeClr val="accent2"/>
+  <a:schemeClr val="accent3"/>
+  <a:schemeClr val="accent4"/>
+  <a:schemeClr val="accent5"/>
+  <a:schemeClr val="accent6"/>
+  <cs:variation/>
+  <cs:variation>
+    <a:lumMod val="60000"/>
+  </cs:variation>
+  <cs:variation>
+    <a:lumMod val="80000"/>
+    <a:lumOff val="20000"/>
+  </cs:variation>
+  <cs:variation>
+    <a:lumMod val="80000"/>
+  </cs:variation>
+  <cs:variation>
+    <a:lumMod val="60000"/>
+    <a:lumOff val="40000"/>
+  </cs:variation>
+  <cs:variation>
+    <a:lumMod val="50000"/>
+  </cs:variation>
+  <cs:variation>
+    <a:lumMod val="70000"/>
+    <a:lumOff val="30000"/>
+  </cs:variation>
+  <cs:variation>
+    <a:lumMod val="70000"/>
+  </cs:variation>
+  <cs:variation>
+    <a:lumMod val="50000"/>
+    <a:lumOff val="50000"/>
+  </cs:variation>
+</cs:colorStyle>
+</file>
+
+<file path=ppt/charts/colors3.xml><?xml version="1.0" encoding="utf-8"?>
 <cs:colorStyle xmlns:cs="http://schemas.microsoft.com/office/drawing/2012/chartStyle" xmlns:a="http://schemas.openxmlformats.org/drawingml/2006/main" meth="cycle" id="10">
   <a:schemeClr val="accent1"/>
   <a:schemeClr val="accent2"/>
@@ -2412,6 +3664,557 @@
 </cs:chartStyle>
 </file>
 
+<file path=ppt/charts/style3.xml><?xml version="1.0" encoding="utf-8"?>
+<cs:chartStyle xmlns:cs="http://schemas.microsoft.com/office/drawing/2012/chartStyle" xmlns:a="http://schemas.openxmlformats.org/drawingml/2006/main" id="232">
+  <cs:axisTitle>
+    <cs:lnRef idx="0"/>
+    <cs:fillRef idx="0"/>
+    <cs:effectRef idx="0"/>
+    <cs:fontRef idx="minor">
+      <a:schemeClr val="dk1">
+        <a:lumMod val="65000"/>
+        <a:lumOff val="35000"/>
+      </a:schemeClr>
+    </cs:fontRef>
+    <cs:defRPr sz="1197" b="1" kern="1200"/>
+  </cs:axisTitle>
+  <cs:categoryAxis>
+    <cs:lnRef idx="0"/>
+    <cs:fillRef idx="0"/>
+    <cs:effectRef idx="0"/>
+    <cs:fontRef idx="minor">
+      <a:schemeClr val="dk1">
+        <a:lumMod val="65000"/>
+        <a:lumOff val="35000"/>
+      </a:schemeClr>
+    </cs:fontRef>
+    <cs:spPr>
+      <a:ln w="9525" cap="flat" cmpd="sng" algn="ctr">
+        <a:solidFill>
+          <a:schemeClr val="dk1">
+            <a:lumMod val="15000"/>
+            <a:lumOff val="85000"/>
+          </a:schemeClr>
+        </a:solidFill>
+        <a:round/>
+      </a:ln>
+    </cs:spPr>
+    <cs:defRPr sz="1197" kern="1200" cap="none" spc="0" normalizeH="0" baseline="0"/>
+  </cs:categoryAxis>
+  <cs:chartArea>
+    <cs:lnRef idx="0"/>
+    <cs:fillRef idx="0"/>
+    <cs:effectRef idx="0"/>
+    <cs:fontRef idx="minor">
+      <a:schemeClr val="dk1"/>
+    </cs:fontRef>
+    <cs:spPr>
+      <a:solidFill>
+        <a:schemeClr val="lt1"/>
+      </a:solidFill>
+      <a:ln w="9525" cap="flat" cmpd="sng" algn="ctr">
+        <a:solidFill>
+          <a:schemeClr val="dk1">
+            <a:lumMod val="15000"/>
+            <a:lumOff val="85000"/>
+          </a:schemeClr>
+        </a:solidFill>
+        <a:round/>
+      </a:ln>
+    </cs:spPr>
+    <cs:defRPr sz="1197" kern="1200"/>
+  </cs:chartArea>
+  <cs:dataLabel>
+    <cs:lnRef idx="0"/>
+    <cs:fillRef idx="0"/>
+    <cs:effectRef idx="0"/>
+    <cs:fontRef idx="minor">
+      <a:schemeClr val="dk1">
+        <a:lumMod val="75000"/>
+        <a:lumOff val="25000"/>
+      </a:schemeClr>
+    </cs:fontRef>
+    <cs:defRPr sz="1197" kern="1200"/>
+  </cs:dataLabel>
+  <cs:dataLabelCallout>
+    <cs:lnRef idx="0"/>
+    <cs:fillRef idx="0"/>
+    <cs:effectRef idx="0"/>
+    <cs:fontRef idx="minor">
+      <a:schemeClr val="dk1">
+        <a:lumMod val="65000"/>
+        <a:lumOff val="35000"/>
+      </a:schemeClr>
+    </cs:fontRef>
+    <cs:spPr>
+      <a:solidFill>
+        <a:schemeClr val="lt1"/>
+      </a:solidFill>
+      <a:ln>
+        <a:solidFill>
+          <a:schemeClr val="dk1">
+            <a:lumMod val="25000"/>
+            <a:lumOff val="75000"/>
+          </a:schemeClr>
+        </a:solidFill>
+      </a:ln>
+    </cs:spPr>
+    <cs:defRPr sz="1197" kern="1200"/>
+    <cs:bodyPr rot="0" spcFirstLastPara="1" vertOverflow="clip" horzOverflow="clip" vert="horz" wrap="square" lIns="36576" tIns="18288" rIns="36576" bIns="18288" anchor="ctr" anchorCtr="1">
+      <a:spAutoFit/>
+    </cs:bodyPr>
+  </cs:dataLabelCallout>
+  <cs:dataPoint>
+    <cs:lnRef idx="0"/>
+    <cs:fillRef idx="0">
+      <cs:styleClr val="auto"/>
+    </cs:fillRef>
+    <cs:effectRef idx="0"/>
+    <cs:fontRef idx="minor">
+      <a:schemeClr val="dk1"/>
+    </cs:fontRef>
+    <cs:spPr>
+      <a:solidFill>
+        <a:schemeClr val="phClr"/>
+      </a:solidFill>
+    </cs:spPr>
+  </cs:dataPoint>
+  <cs:dataPoint3D>
+    <cs:lnRef idx="0"/>
+    <cs:fillRef idx="0">
+      <cs:styleClr val="auto"/>
+    </cs:fillRef>
+    <cs:effectRef idx="0"/>
+    <cs:fontRef idx="minor">
+      <a:schemeClr val="dk1"/>
+    </cs:fontRef>
+    <cs:spPr>
+      <a:solidFill>
+        <a:schemeClr val="phClr"/>
+      </a:solidFill>
+    </cs:spPr>
+  </cs:dataPoint3D>
+  <cs:dataPointLine>
+    <cs:lnRef idx="0">
+      <cs:styleClr val="auto"/>
+    </cs:lnRef>
+    <cs:fillRef idx="0"/>
+    <cs:effectRef idx="0"/>
+    <cs:fontRef idx="minor">
+      <a:schemeClr val="dk1"/>
+    </cs:fontRef>
+    <cs:spPr>
+      <a:ln w="22225" cap="rnd">
+        <a:solidFill>
+          <a:schemeClr val="phClr"/>
+        </a:solidFill>
+        <a:round/>
+      </a:ln>
+    </cs:spPr>
+  </cs:dataPointLine>
+  <cs:dataPointMarker>
+    <cs:lnRef idx="0">
+      <cs:styleClr val="auto"/>
+    </cs:lnRef>
+    <cs:fillRef idx="0">
+      <cs:styleClr val="auto"/>
+    </cs:fillRef>
+    <cs:effectRef idx="0"/>
+    <cs:fontRef idx="minor">
+      <a:schemeClr val="dk1"/>
+    </cs:fontRef>
+    <cs:spPr>
+      <a:solidFill>
+        <a:schemeClr val="lt1"/>
+      </a:solidFill>
+      <a:ln w="15875">
+        <a:solidFill>
+          <a:schemeClr val="phClr"/>
+        </a:solidFill>
+        <a:round/>
+      </a:ln>
+    </cs:spPr>
+  </cs:dataPointMarker>
+  <cs:dataPointMarkerLayout symbol="circle" size="6"/>
+  <cs:dataPointWireframe>
+    <cs:lnRef idx="0">
+      <cs:styleClr val="auto"/>
+    </cs:lnRef>
+    <cs:fillRef idx="0"/>
+    <cs:effectRef idx="0"/>
+    <cs:fontRef idx="minor">
+      <a:schemeClr val="dk1"/>
+    </cs:fontRef>
+    <cs:spPr>
+      <a:ln w="9525" cap="rnd">
+        <a:solidFill>
+          <a:schemeClr val="phClr"/>
+        </a:solidFill>
+        <a:round/>
+      </a:ln>
+    </cs:spPr>
+  </cs:dataPointWireframe>
+  <cs:dataTable>
+    <cs:lnRef idx="0"/>
+    <cs:fillRef idx="0"/>
+    <cs:effectRef idx="0"/>
+    <cs:fontRef idx="minor">
+      <a:schemeClr val="dk1">
+        <a:lumMod val="65000"/>
+        <a:lumOff val="35000"/>
+      </a:schemeClr>
+    </cs:fontRef>
+    <cs:spPr>
+      <a:ln w="9525" cap="flat" cmpd="sng" algn="ctr">
+        <a:solidFill>
+          <a:schemeClr val="dk1">
+            <a:lumMod val="15000"/>
+            <a:lumOff val="85000"/>
+          </a:schemeClr>
+        </a:solidFill>
+        <a:round/>
+      </a:ln>
+    </cs:spPr>
+    <cs:defRPr sz="1064" kern="1200"/>
+  </cs:dataTable>
+  <cs:downBar>
+    <cs:lnRef idx="0"/>
+    <cs:fillRef idx="0"/>
+    <cs:effectRef idx="0"/>
+    <cs:fontRef idx="minor">
+      <a:schemeClr val="dk1"/>
+    </cs:fontRef>
+    <cs:spPr>
+      <a:solidFill>
+        <a:schemeClr val="dk1">
+          <a:lumMod val="75000"/>
+          <a:lumOff val="25000"/>
+        </a:schemeClr>
+      </a:solidFill>
+      <a:ln w="9525" cap="flat" cmpd="sng" algn="ctr">
+        <a:solidFill>
+          <a:schemeClr val="dk1">
+            <a:lumMod val="50000"/>
+            <a:lumOff val="50000"/>
+          </a:schemeClr>
+        </a:solidFill>
+        <a:round/>
+      </a:ln>
+    </cs:spPr>
+  </cs:downBar>
+  <cs:dropLine>
+    <cs:lnRef idx="0"/>
+    <cs:fillRef idx="0"/>
+    <cs:effectRef idx="0"/>
+    <cs:fontRef idx="minor">
+      <a:schemeClr val="dk1"/>
+    </cs:fontRef>
+    <cs:spPr>
+      <a:ln w="9525" cap="flat" cmpd="sng" algn="ctr">
+        <a:solidFill>
+          <a:schemeClr val="dk1">
+            <a:lumMod val="35000"/>
+            <a:lumOff val="65000"/>
+          </a:schemeClr>
+        </a:solidFill>
+        <a:round/>
+      </a:ln>
+    </cs:spPr>
+  </cs:dropLine>
+  <cs:errorBar>
+    <cs:lnRef idx="0"/>
+    <cs:fillRef idx="0"/>
+    <cs:effectRef idx="0"/>
+    <cs:fontRef idx="minor">
+      <a:schemeClr val="dk1"/>
+    </cs:fontRef>
+    <cs:spPr>
+      <a:ln w="9525" cap="flat" cmpd="sng" algn="ctr">
+        <a:solidFill>
+          <a:schemeClr val="dk1">
+            <a:lumMod val="50000"/>
+            <a:lumOff val="50000"/>
+          </a:schemeClr>
+        </a:solidFill>
+        <a:round/>
+      </a:ln>
+    </cs:spPr>
+  </cs:errorBar>
+  <cs:floor>
+    <cs:lnRef idx="0"/>
+    <cs:fillRef idx="0"/>
+    <cs:effectRef idx="0"/>
+    <cs:fontRef idx="minor">
+      <a:schemeClr val="dk1"/>
+    </cs:fontRef>
+    <cs:spPr>
+      <a:pattFill prst="ltDnDiag">
+        <a:fgClr>
+          <a:schemeClr val="dk1">
+            <a:lumMod val="15000"/>
+            <a:lumOff val="85000"/>
+          </a:schemeClr>
+        </a:fgClr>
+        <a:bgClr>
+          <a:schemeClr val="lt1"/>
+        </a:bgClr>
+      </a:pattFill>
+    </cs:spPr>
+  </cs:floor>
+  <cs:gridlineMajor>
+    <cs:lnRef idx="0"/>
+    <cs:fillRef idx="0"/>
+    <cs:effectRef idx="0"/>
+    <cs:fontRef idx="minor">
+      <a:schemeClr val="dk1"/>
+    </cs:fontRef>
+    <cs:spPr>
+      <a:ln w="9525" cap="flat" cmpd="sng" algn="ctr">
+        <a:solidFill>
+          <a:schemeClr val="dk1">
+            <a:lumMod val="15000"/>
+            <a:lumOff val="85000"/>
+            <a:alpha val="54000"/>
+          </a:schemeClr>
+        </a:solidFill>
+        <a:round/>
+      </a:ln>
+    </cs:spPr>
+  </cs:gridlineMajor>
+  <cs:gridlineMinor>
+    <cs:lnRef idx="0"/>
+    <cs:fillRef idx="0"/>
+    <cs:effectRef idx="0"/>
+    <cs:fontRef idx="minor">
+      <a:schemeClr val="dk1"/>
+    </cs:fontRef>
+    <cs:spPr>
+      <a:ln w="9525" cap="flat" cmpd="sng" algn="ctr">
+        <a:solidFill>
+          <a:schemeClr val="dk1">
+            <a:lumMod val="15000"/>
+            <a:lumOff val="85000"/>
+            <a:alpha val="51000"/>
+          </a:schemeClr>
+        </a:solidFill>
+        <a:round/>
+      </a:ln>
+    </cs:spPr>
+  </cs:gridlineMinor>
+  <cs:hiLoLine>
+    <cs:lnRef idx="0"/>
+    <cs:fillRef idx="0"/>
+    <cs:effectRef idx="0"/>
+    <cs:fontRef idx="minor">
+      <a:schemeClr val="dk1"/>
+    </cs:fontRef>
+    <cs:spPr>
+      <a:ln w="9525" cap="flat" cmpd="sng" algn="ctr">
+        <a:solidFill>
+          <a:schemeClr val="dk1">
+            <a:lumMod val="35000"/>
+            <a:lumOff val="65000"/>
+          </a:schemeClr>
+        </a:solidFill>
+        <a:round/>
+      </a:ln>
+    </cs:spPr>
+  </cs:hiLoLine>
+  <cs:leaderLine>
+    <cs:lnRef idx="0"/>
+    <cs:fillRef idx="0"/>
+    <cs:effectRef idx="0"/>
+    <cs:fontRef idx="minor">
+      <a:schemeClr val="dk1"/>
+    </cs:fontRef>
+    <cs:spPr>
+      <a:ln w="9525" cap="flat" cmpd="sng" algn="ctr">
+        <a:solidFill>
+          <a:schemeClr val="dk1">
+            <a:lumMod val="35000"/>
+            <a:lumOff val="65000"/>
+          </a:schemeClr>
+        </a:solidFill>
+        <a:round/>
+      </a:ln>
+    </cs:spPr>
+  </cs:leaderLine>
+  <cs:legend>
+    <cs:lnRef idx="0"/>
+    <cs:fillRef idx="0"/>
+    <cs:effectRef idx="0"/>
+    <cs:fontRef idx="minor">
+      <a:schemeClr val="dk1">
+        <a:lumMod val="65000"/>
+        <a:lumOff val="35000"/>
+      </a:schemeClr>
+    </cs:fontRef>
+    <cs:defRPr sz="1197" kern="1200"/>
+  </cs:legend>
+  <cs:plotArea>
+    <cs:lnRef idx="0"/>
+    <cs:fillRef idx="0"/>
+    <cs:effectRef idx="0"/>
+    <cs:fontRef idx="minor">
+      <a:schemeClr val="dk1"/>
+    </cs:fontRef>
+    <cs:spPr>
+      <a:pattFill prst="ltDnDiag">
+        <a:fgClr>
+          <a:schemeClr val="dk1">
+            <a:lumMod val="15000"/>
+            <a:lumOff val="85000"/>
+          </a:schemeClr>
+        </a:fgClr>
+        <a:bgClr>
+          <a:schemeClr val="lt1"/>
+        </a:bgClr>
+      </a:pattFill>
+    </cs:spPr>
+  </cs:plotArea>
+  <cs:plotArea3D>
+    <cs:lnRef idx="0"/>
+    <cs:fillRef idx="0"/>
+    <cs:effectRef idx="0"/>
+    <cs:fontRef idx="minor">
+      <a:schemeClr val="dk1"/>
+    </cs:fontRef>
+    <cs:spPr>
+      <a:solidFill>
+        <a:schemeClr val="lt1"/>
+      </a:solidFill>
+    </cs:spPr>
+  </cs:plotArea3D>
+  <cs:seriesAxis>
+    <cs:lnRef idx="0"/>
+    <cs:fillRef idx="0"/>
+    <cs:effectRef idx="0"/>
+    <cs:fontRef idx="minor">
+      <a:schemeClr val="dk1">
+        <a:lumMod val="65000"/>
+        <a:lumOff val="35000"/>
+      </a:schemeClr>
+    </cs:fontRef>
+    <cs:defRPr sz="1197" kern="1200"/>
+  </cs:seriesAxis>
+  <cs:seriesLine>
+    <cs:lnRef idx="0"/>
+    <cs:fillRef idx="0"/>
+    <cs:effectRef idx="0"/>
+    <cs:fontRef idx="minor">
+      <a:schemeClr val="dk1"/>
+    </cs:fontRef>
+    <cs:spPr>
+      <a:ln w="9525" cap="flat" cmpd="sng" algn="ctr">
+        <a:solidFill>
+          <a:schemeClr val="dk1">
+            <a:lumMod val="35000"/>
+            <a:lumOff val="65000"/>
+          </a:schemeClr>
+        </a:solidFill>
+        <a:round/>
+      </a:ln>
+    </cs:spPr>
+  </cs:seriesLine>
+  <cs:title>
+    <cs:lnRef idx="0"/>
+    <cs:fillRef idx="0"/>
+    <cs:effectRef idx="0"/>
+    <cs:fontRef idx="major">
+      <a:schemeClr val="dk1">
+        <a:lumMod val="50000"/>
+        <a:lumOff val="50000"/>
+      </a:schemeClr>
+    </cs:fontRef>
+    <cs:defRPr sz="2128" b="1" kern="1200" cap="none" spc="0" normalizeH="0" baseline="0"/>
+  </cs:title>
+  <cs:trendline>
+    <cs:lnRef idx="0">
+      <cs:styleClr val="auto"/>
+    </cs:lnRef>
+    <cs:fillRef idx="0"/>
+    <cs:effectRef idx="0"/>
+    <cs:fontRef idx="minor">
+      <a:schemeClr val="dk1"/>
+    </cs:fontRef>
+    <cs:spPr>
+      <a:ln w="19050" cap="rnd">
+        <a:solidFill>
+          <a:schemeClr val="phClr"/>
+        </a:solidFill>
+      </a:ln>
+    </cs:spPr>
+  </cs:trendline>
+  <cs:trendlineLabel>
+    <cs:lnRef idx="0"/>
+    <cs:fillRef idx="0"/>
+    <cs:effectRef idx="0"/>
+    <cs:fontRef idx="minor">
+      <a:schemeClr val="dk1">
+        <a:lumMod val="65000"/>
+        <a:lumOff val="35000"/>
+      </a:schemeClr>
+    </cs:fontRef>
+    <cs:defRPr sz="1197" kern="1200"/>
+  </cs:trendlineLabel>
+  <cs:upBar>
+    <cs:lnRef idx="0"/>
+    <cs:fillRef idx="0"/>
+    <cs:effectRef idx="0"/>
+    <cs:fontRef idx="minor">
+      <a:schemeClr val="dk1"/>
+    </cs:fontRef>
+    <cs:spPr>
+      <a:solidFill>
+        <a:schemeClr val="lt1"/>
+      </a:solidFill>
+      <a:ln w="9525" cap="flat" cmpd="sng" algn="ctr">
+        <a:solidFill>
+          <a:schemeClr val="dk1">
+            <a:lumMod val="50000"/>
+            <a:lumOff val="50000"/>
+          </a:schemeClr>
+        </a:solidFill>
+        <a:round/>
+      </a:ln>
+    </cs:spPr>
+  </cs:upBar>
+  <cs:valueAxis>
+    <cs:lnRef idx="0"/>
+    <cs:fillRef idx="0"/>
+    <cs:effectRef idx="0"/>
+    <cs:fontRef idx="minor">
+      <a:schemeClr val="dk1">
+        <a:lumMod val="65000"/>
+        <a:lumOff val="35000"/>
+      </a:schemeClr>
+    </cs:fontRef>
+    <cs:defRPr sz="1197" kern="1200"/>
+  </cs:valueAxis>
+  <cs:wall>
+    <cs:lnRef idx="0"/>
+    <cs:fillRef idx="0"/>
+    <cs:effectRef idx="0"/>
+    <cs:fontRef idx="minor">
+      <a:schemeClr val="dk1"/>
+    </cs:fontRef>
+    <cs:spPr>
+      <a:pattFill prst="ltDnDiag">
+        <a:fgClr>
+          <a:schemeClr val="dk1">
+            <a:lumMod val="15000"/>
+            <a:lumOff val="85000"/>
+          </a:schemeClr>
+        </a:fgClr>
+        <a:bgClr>
+          <a:schemeClr val="lt1"/>
+        </a:bgClr>
+      </a:pattFill>
+    </cs:spPr>
+  </cs:wall>
+</cs:chartStyle>
+</file>
+
 <file path=ppt/slideLayouts/slideLayout1.xml><?xml version="1.0" encoding="utf-8"?>
 <p:sldLayout xmlns:a="http://schemas.openxmlformats.org/drawingml/2006/main" xmlns:r="http://schemas.openxmlformats.org/officeDocument/2006/relationships" xmlns:p="http://schemas.openxmlformats.org/presentationml/2006/main" type="title" preserve="1">
   <p:cSld name="Diapositiva titolo">
@@ -2601,7 +4404,7 @@
             <a:fld id="{B61BEF0D-F0BB-DE4B-95CE-6DB70DBA9567}" type="datetimeFigureOut">
               <a:rPr lang="en-US" smtClean="0"/>
               <a:pPr/>
-              <a:t>10/31/2017</a:t>
+              <a:t>11/8/2017</a:t>
             </a:fld>
             <a:endParaRPr lang="en-US" dirty="0"/>
           </a:p>
@@ -2941,7 +4744,7 @@
             <a:fld id="{B61BEF0D-F0BB-DE4B-95CE-6DB70DBA9567}" type="datetimeFigureOut">
               <a:rPr lang="en-US" smtClean="0"/>
               <a:pPr/>
-              <a:t>10/31/2017</a:t>
+              <a:t>11/8/2017</a:t>
             </a:fld>
             <a:endParaRPr lang="en-US" dirty="0"/>
           </a:p>
@@ -3344,7 +5147,7 @@
             <a:fld id="{B61BEF0D-F0BB-DE4B-95CE-6DB70DBA9567}" type="datetimeFigureOut">
               <a:rPr lang="en-US" smtClean="0"/>
               <a:pPr/>
-              <a:t>10/31/2017</a:t>
+              <a:t>11/8/2017</a:t>
             </a:fld>
             <a:endParaRPr lang="en-US" dirty="0"/>
           </a:p>
@@ -3681,7 +5484,7 @@
             <a:fld id="{B61BEF0D-F0BB-DE4B-95CE-6DB70DBA9567}" type="datetimeFigureOut">
               <a:rPr lang="en-US" smtClean="0"/>
               <a:pPr/>
-              <a:t>10/31/2017</a:t>
+              <a:t>11/8/2017</a:t>
             </a:fld>
             <a:endParaRPr lang="en-US" dirty="0"/>
           </a:p>
@@ -4003,7 +5806,7 @@
             <a:fld id="{B61BEF0D-F0BB-DE4B-95CE-6DB70DBA9567}" type="datetimeFigureOut">
               <a:rPr lang="en-US" smtClean="0"/>
               <a:pPr/>
-              <a:t>10/31/2017</a:t>
+              <a:t>11/8/2017</a:t>
             </a:fld>
             <a:endParaRPr lang="en-US" dirty="0"/>
           </a:p>
@@ -4401,7 +6204,7 @@
             <a:fld id="{B61BEF0D-F0BB-DE4B-95CE-6DB70DBA9567}" type="datetimeFigureOut">
               <a:rPr lang="en-US" smtClean="0"/>
               <a:pPr/>
-              <a:t>10/31/2017</a:t>
+              <a:t>11/8/2017</a:t>
             </a:fld>
             <a:endParaRPr lang="en-US" dirty="0"/>
           </a:p>
@@ -4660,7 +6463,7 @@
             <a:fld id="{B61BEF0D-F0BB-DE4B-95CE-6DB70DBA9567}" type="datetimeFigureOut">
               <a:rPr lang="en-US" smtClean="0"/>
               <a:pPr/>
-              <a:t>10/31/2017</a:t>
+              <a:t>11/8/2017</a:t>
             </a:fld>
             <a:endParaRPr lang="en-US" dirty="0"/>
           </a:p>
@@ -4924,7 +6727,7 @@
             <a:fld id="{B61BEF0D-F0BB-DE4B-95CE-6DB70DBA9567}" type="datetimeFigureOut">
               <a:rPr lang="en-US" smtClean="0"/>
               <a:pPr/>
-              <a:t>10/31/2017</a:t>
+              <a:t>11/8/2017</a:t>
             </a:fld>
             <a:endParaRPr lang="en-US" dirty="0"/>
           </a:p>
@@ -5188,7 +6991,7 @@
             <a:fld id="{B61BEF0D-F0BB-DE4B-95CE-6DB70DBA9567}" type="datetimeFigureOut">
               <a:rPr lang="en-US" smtClean="0"/>
               <a:pPr/>
-              <a:t>10/31/2017</a:t>
+              <a:t>11/8/2017</a:t>
             </a:fld>
             <a:endParaRPr lang="en-US" dirty="0"/>
           </a:p>
@@ -5519,7 +7322,7 @@
             <a:fld id="{B61BEF0D-F0BB-DE4B-95CE-6DB70DBA9567}" type="datetimeFigureOut">
               <a:rPr lang="en-US" smtClean="0"/>
               <a:pPr/>
-              <a:t>10/31/2017</a:t>
+              <a:t>11/8/2017</a:t>
             </a:fld>
             <a:endParaRPr lang="en-US" dirty="0"/>
           </a:p>
@@ -5844,7 +7647,7 @@
             <a:fld id="{B61BEF0D-F0BB-DE4B-95CE-6DB70DBA9567}" type="datetimeFigureOut">
               <a:rPr lang="en-US" smtClean="0"/>
               <a:pPr/>
-              <a:t>10/31/2017</a:t>
+              <a:t>11/8/2017</a:t>
             </a:fld>
             <a:endParaRPr lang="en-US" dirty="0"/>
           </a:p>
@@ -6303,7 +8106,7 @@
             <a:fld id="{B61BEF0D-F0BB-DE4B-95CE-6DB70DBA9567}" type="datetimeFigureOut">
               <a:rPr lang="en-US" smtClean="0"/>
               <a:pPr/>
-              <a:t>10/31/2017</a:t>
+              <a:t>11/8/2017</a:t>
             </a:fld>
             <a:endParaRPr lang="en-US" dirty="0"/>
           </a:p>
@@ -6510,7 +8313,7 @@
             <a:fld id="{B61BEF0D-F0BB-DE4B-95CE-6DB70DBA9567}" type="datetimeFigureOut">
               <a:rPr lang="en-US" smtClean="0"/>
               <a:pPr/>
-              <a:t>10/31/2017</a:t>
+              <a:t>11/8/2017</a:t>
             </a:fld>
             <a:endParaRPr lang="en-US" dirty="0"/>
           </a:p>
@@ -6689,7 +8492,7 @@
             <a:fld id="{B61BEF0D-F0BB-DE4B-95CE-6DB70DBA9567}" type="datetimeFigureOut">
               <a:rPr lang="en-US" smtClean="0"/>
               <a:pPr/>
-              <a:t>10/31/2017</a:t>
+              <a:t>11/8/2017</a:t>
             </a:fld>
             <a:endParaRPr lang="en-US" dirty="0"/>
           </a:p>
@@ -7024,7 +8827,7 @@
             <a:fld id="{B61BEF0D-F0BB-DE4B-95CE-6DB70DBA9567}" type="datetimeFigureOut">
               <a:rPr lang="en-US" smtClean="0"/>
               <a:pPr/>
-              <a:t>10/31/2017</a:t>
+              <a:t>11/8/2017</a:t>
             </a:fld>
             <a:endParaRPr lang="en-US" dirty="0"/>
           </a:p>
@@ -7371,7 +9174,7 @@
             <a:fld id="{B61BEF0D-F0BB-DE4B-95CE-6DB70DBA9567}" type="datetimeFigureOut">
               <a:rPr lang="en-US" smtClean="0"/>
               <a:pPr/>
-              <a:t>10/31/2017</a:t>
+              <a:t>11/8/2017</a:t>
             </a:fld>
             <a:endParaRPr lang="en-US" dirty="0"/>
           </a:p>
@@ -9490,7 +11293,7 @@
             <a:fld id="{B61BEF0D-F0BB-DE4B-95CE-6DB70DBA9567}" type="datetimeFigureOut">
               <a:rPr lang="en-US" smtClean="0"/>
               <a:pPr/>
-              <a:t>10/31/2017</a:t>
+              <a:t>11/8/2017</a:t>
             </a:fld>
             <a:endParaRPr lang="en-US" dirty="0"/>
           </a:p>
@@ -11765,7 +13568,7 @@
             </a:r>
             <a:r>
               <a:rPr lang="it-IT" sz="1400" dirty="0"/>
-              <a:t> to the second </a:t>
+              <a:t> with the second </a:t>
             </a:r>
             <a:r>
               <a:rPr lang="it-IT" sz="1400" dirty="0" err="1"/>
@@ -16308,9 +18111,6 @@
             <a:endParaRPr lang="it-IT" dirty="0"/>
           </a:p>
           <a:p>
-            <a:endParaRPr lang="it-IT" dirty="0"/>
-          </a:p>
-          <a:p>
             <a:pPr marL="0" indent="0">
               <a:buNone/>
             </a:pPr>
@@ -16331,7 +18131,7 @@
             </a:r>
             <a:r>
               <a:rPr lang="it-IT" dirty="0"/>
-              <a:t> to:</a:t>
+              <a:t> to: </a:t>
             </a:r>
           </a:p>
           <a:p>
@@ -16418,6 +18218,97 @@
               <a:rPr lang="it-IT" dirty="0" err="1"/>
               <a:t>sequence</a:t>
             </a:r>
+            <a:endParaRPr lang="it-IT" dirty="0"/>
+          </a:p>
+          <a:p>
+            <a:pPr lvl="1">
+              <a:buFont typeface="Arial" panose="020B0604020202020204" pitchFamily="34" charset="0"/>
+              <a:buChar char="•"/>
+            </a:pPr>
+            <a:endParaRPr lang="it-IT" dirty="0"/>
+          </a:p>
+          <a:p>
+            <a:r>
+              <a:rPr lang="it-IT" dirty="0" err="1"/>
+              <a:t>We</a:t>
+            </a:r>
+            <a:r>
+              <a:rPr lang="it-IT" dirty="0"/>
+              <a:t> </a:t>
+            </a:r>
+            <a:r>
+              <a:rPr lang="it-IT" dirty="0" err="1"/>
+              <a:t>did</a:t>
+            </a:r>
+            <a:r>
+              <a:rPr lang="it-IT" dirty="0"/>
+              <a:t> </a:t>
+            </a:r>
+            <a:r>
+              <a:rPr lang="it-IT" dirty="0" err="1"/>
+              <a:t>each</a:t>
+            </a:r>
+            <a:r>
+              <a:rPr lang="it-IT" dirty="0"/>
+              <a:t> </a:t>
+            </a:r>
+            <a:r>
+              <a:rPr lang="it-IT" dirty="0" err="1"/>
+              <a:t>execution</a:t>
+            </a:r>
+            <a:r>
+              <a:rPr lang="it-IT" dirty="0"/>
+              <a:t> of the </a:t>
+            </a:r>
+            <a:r>
+              <a:rPr lang="it-IT" dirty="0" err="1"/>
+              <a:t>programs</a:t>
+            </a:r>
+            <a:r>
+              <a:rPr lang="it-IT" dirty="0"/>
+              <a:t> </a:t>
+            </a:r>
+            <a:r>
+              <a:rPr lang="it-IT" dirty="0" err="1"/>
+              <a:t>three</a:t>
+            </a:r>
+            <a:r>
+              <a:rPr lang="it-IT" dirty="0"/>
+              <a:t> </a:t>
+            </a:r>
+            <a:r>
+              <a:rPr lang="it-IT" dirty="0" err="1"/>
+              <a:t>times</a:t>
+            </a:r>
+            <a:r>
+              <a:rPr lang="it-IT" dirty="0"/>
+              <a:t> and </a:t>
+            </a:r>
+            <a:r>
+              <a:rPr lang="it-IT" dirty="0" err="1"/>
+              <a:t>then</a:t>
+            </a:r>
+            <a:r>
+              <a:rPr lang="it-IT" dirty="0"/>
+              <a:t> calcolate the </a:t>
+            </a:r>
+            <a:r>
+              <a:rPr lang="it-IT" dirty="0" err="1"/>
+              <a:t>average</a:t>
+            </a:r>
+            <a:endParaRPr lang="it-IT" dirty="0"/>
+          </a:p>
+          <a:p>
+            <a:pPr>
+              <a:buFont typeface="Arial" panose="020B0604020202020204" pitchFamily="34" charset="0"/>
+              <a:buChar char="•"/>
+            </a:pPr>
+            <a:endParaRPr lang="it-IT" dirty="0"/>
+          </a:p>
+          <a:p>
+            <a:pPr marL="457200" lvl="1" indent="0">
+              <a:buNone/>
+            </a:pPr>
             <a:endParaRPr lang="it-IT" dirty="0"/>
           </a:p>
           <a:p>
@@ -16617,6 +18508,453 @@
           </a:p>
         </p:txBody>
       </p:sp>
+      <p:sp>
+        <p:nvSpPr>
+          <p:cNvPr id="3" name="Segnaposto contenuto 2">
+            <a:extLst>
+              <a:ext uri="{FF2B5EF4-FFF2-40B4-BE49-F238E27FC236}">
+                <a16:creationId xmlns:a16="http://schemas.microsoft.com/office/drawing/2014/main" id="{5BD13824-B475-4E69-BE7B-F74CA1984017}"/>
+              </a:ext>
+            </a:extLst>
+          </p:cNvPr>
+          <p:cNvSpPr txBox="1">
+            <a:spLocks/>
+          </p:cNvSpPr>
+          <p:nvPr/>
+        </p:nvSpPr>
+        <p:spPr>
+          <a:xfrm>
+            <a:off x="1781175" y="1628042"/>
+            <a:ext cx="9692787" cy="4858483"/>
+          </a:xfrm>
+          <a:prstGeom prst="rect">
+            <a:avLst/>
+          </a:prstGeom>
+        </p:spPr>
+        <p:txBody>
+          <a:bodyPr/>
+          <a:lstStyle>
+            <a:lvl1pPr marL="342900" indent="-342900" algn="l" defTabSz="457200" rtl="0" eaLnBrk="1" latinLnBrk="0" hangingPunct="1">
+              <a:spcBef>
+                <a:spcPts val="1000"/>
+              </a:spcBef>
+              <a:spcAft>
+                <a:spcPts val="0"/>
+              </a:spcAft>
+              <a:buClr>
+                <a:schemeClr val="accent1"/>
+              </a:buClr>
+              <a:buFont typeface="Wingdings 3" charset="2"/>
+              <a:buChar char=""/>
+              <a:defRPr sz="1800" kern="1200">
+                <a:solidFill>
+                  <a:schemeClr val="tx1">
+                    <a:lumMod val="75000"/>
+                    <a:lumOff val="25000"/>
+                  </a:schemeClr>
+                </a:solidFill>
+                <a:latin typeface="+mn-lt"/>
+                <a:ea typeface="+mn-ea"/>
+                <a:cs typeface="+mn-cs"/>
+              </a:defRPr>
+            </a:lvl1pPr>
+            <a:lvl2pPr marL="742950" indent="-285750" algn="l" defTabSz="457200" rtl="0" eaLnBrk="1" latinLnBrk="0" hangingPunct="1">
+              <a:spcBef>
+                <a:spcPts val="1000"/>
+              </a:spcBef>
+              <a:spcAft>
+                <a:spcPts val="0"/>
+              </a:spcAft>
+              <a:buClr>
+                <a:schemeClr val="accent1"/>
+              </a:buClr>
+              <a:buFont typeface="Wingdings 3" charset="2"/>
+              <a:buChar char=""/>
+              <a:defRPr sz="1600" kern="1200">
+                <a:solidFill>
+                  <a:schemeClr val="tx1">
+                    <a:lumMod val="75000"/>
+                    <a:lumOff val="25000"/>
+                  </a:schemeClr>
+                </a:solidFill>
+                <a:latin typeface="+mn-lt"/>
+                <a:ea typeface="+mn-ea"/>
+                <a:cs typeface="+mn-cs"/>
+              </a:defRPr>
+            </a:lvl2pPr>
+            <a:lvl3pPr marL="1143000" indent="-228600" algn="l" defTabSz="457200" rtl="0" eaLnBrk="1" latinLnBrk="0" hangingPunct="1">
+              <a:spcBef>
+                <a:spcPts val="1000"/>
+              </a:spcBef>
+              <a:spcAft>
+                <a:spcPts val="0"/>
+              </a:spcAft>
+              <a:buClr>
+                <a:schemeClr val="accent1"/>
+              </a:buClr>
+              <a:buFont typeface="Wingdings 3" charset="2"/>
+              <a:buChar char=""/>
+              <a:defRPr sz="1400" kern="1200">
+                <a:solidFill>
+                  <a:schemeClr val="tx1">
+                    <a:lumMod val="75000"/>
+                    <a:lumOff val="25000"/>
+                  </a:schemeClr>
+                </a:solidFill>
+                <a:latin typeface="+mn-lt"/>
+                <a:ea typeface="+mn-ea"/>
+                <a:cs typeface="+mn-cs"/>
+              </a:defRPr>
+            </a:lvl3pPr>
+            <a:lvl4pPr marL="1600200" indent="-228600" algn="l" defTabSz="457200" rtl="0" eaLnBrk="1" latinLnBrk="0" hangingPunct="1">
+              <a:spcBef>
+                <a:spcPts val="1000"/>
+              </a:spcBef>
+              <a:spcAft>
+                <a:spcPts val="0"/>
+              </a:spcAft>
+              <a:buClr>
+                <a:schemeClr val="accent1"/>
+              </a:buClr>
+              <a:buFont typeface="Wingdings 3" charset="2"/>
+              <a:buChar char=""/>
+              <a:defRPr sz="1200" kern="1200">
+                <a:solidFill>
+                  <a:schemeClr val="tx1">
+                    <a:lumMod val="75000"/>
+                    <a:lumOff val="25000"/>
+                  </a:schemeClr>
+                </a:solidFill>
+                <a:latin typeface="+mn-lt"/>
+                <a:ea typeface="+mn-ea"/>
+                <a:cs typeface="+mn-cs"/>
+              </a:defRPr>
+            </a:lvl4pPr>
+            <a:lvl5pPr marL="2057400" indent="-228600" algn="l" defTabSz="457200" rtl="0" eaLnBrk="1" latinLnBrk="0" hangingPunct="1">
+              <a:spcBef>
+                <a:spcPts val="1000"/>
+              </a:spcBef>
+              <a:spcAft>
+                <a:spcPts val="0"/>
+              </a:spcAft>
+              <a:buClr>
+                <a:schemeClr val="accent1"/>
+              </a:buClr>
+              <a:buFont typeface="Wingdings 3" charset="2"/>
+              <a:buChar char=""/>
+              <a:defRPr sz="1200" kern="1200">
+                <a:solidFill>
+                  <a:schemeClr val="tx1">
+                    <a:lumMod val="75000"/>
+                    <a:lumOff val="25000"/>
+                  </a:schemeClr>
+                </a:solidFill>
+                <a:latin typeface="+mn-lt"/>
+                <a:ea typeface="+mn-ea"/>
+                <a:cs typeface="+mn-cs"/>
+              </a:defRPr>
+            </a:lvl5pPr>
+            <a:lvl6pPr marL="2514600" indent="-228600" algn="l" defTabSz="457200" rtl="0" eaLnBrk="1" latinLnBrk="0" hangingPunct="1">
+              <a:spcBef>
+                <a:spcPts val="1000"/>
+              </a:spcBef>
+              <a:spcAft>
+                <a:spcPts val="0"/>
+              </a:spcAft>
+              <a:buClr>
+                <a:schemeClr val="accent1"/>
+              </a:buClr>
+              <a:buFont typeface="Wingdings 3" charset="2"/>
+              <a:buChar char=""/>
+              <a:defRPr sz="1200" kern="1200">
+                <a:solidFill>
+                  <a:schemeClr val="tx1">
+                    <a:lumMod val="75000"/>
+                    <a:lumOff val="25000"/>
+                  </a:schemeClr>
+                </a:solidFill>
+                <a:latin typeface="+mn-lt"/>
+                <a:ea typeface="+mn-ea"/>
+                <a:cs typeface="+mn-cs"/>
+              </a:defRPr>
+            </a:lvl6pPr>
+            <a:lvl7pPr marL="2971800" indent="-228600" algn="l" defTabSz="457200" rtl="0" eaLnBrk="1" latinLnBrk="0" hangingPunct="1">
+              <a:spcBef>
+                <a:spcPts val="1000"/>
+              </a:spcBef>
+              <a:spcAft>
+                <a:spcPts val="0"/>
+              </a:spcAft>
+              <a:buClr>
+                <a:schemeClr val="accent1"/>
+              </a:buClr>
+              <a:buFont typeface="Wingdings 3" charset="2"/>
+              <a:buChar char=""/>
+              <a:defRPr sz="1200" kern="1200">
+                <a:solidFill>
+                  <a:schemeClr val="tx1">
+                    <a:lumMod val="75000"/>
+                    <a:lumOff val="25000"/>
+                  </a:schemeClr>
+                </a:solidFill>
+                <a:latin typeface="+mn-lt"/>
+                <a:ea typeface="+mn-ea"/>
+                <a:cs typeface="+mn-cs"/>
+              </a:defRPr>
+            </a:lvl7pPr>
+            <a:lvl8pPr marL="3429000" indent="-228600" algn="l" defTabSz="457200" rtl="0" eaLnBrk="1" latinLnBrk="0" hangingPunct="1">
+              <a:spcBef>
+                <a:spcPts val="1000"/>
+              </a:spcBef>
+              <a:spcAft>
+                <a:spcPts val="0"/>
+              </a:spcAft>
+              <a:buClr>
+                <a:schemeClr val="accent1"/>
+              </a:buClr>
+              <a:buFont typeface="Wingdings 3" charset="2"/>
+              <a:buChar char=""/>
+              <a:defRPr sz="1200" kern="1200">
+                <a:solidFill>
+                  <a:schemeClr val="tx1">
+                    <a:lumMod val="75000"/>
+                    <a:lumOff val="25000"/>
+                  </a:schemeClr>
+                </a:solidFill>
+                <a:latin typeface="+mn-lt"/>
+                <a:ea typeface="+mn-ea"/>
+                <a:cs typeface="+mn-cs"/>
+              </a:defRPr>
+            </a:lvl8pPr>
+            <a:lvl9pPr marL="3886200" indent="-228600" algn="l" defTabSz="457200" rtl="0" eaLnBrk="1" latinLnBrk="0" hangingPunct="1">
+              <a:spcBef>
+                <a:spcPts val="1000"/>
+              </a:spcBef>
+              <a:spcAft>
+                <a:spcPts val="0"/>
+              </a:spcAft>
+              <a:buClr>
+                <a:schemeClr val="accent1"/>
+              </a:buClr>
+              <a:buFont typeface="Wingdings 3" charset="2"/>
+              <a:buChar char=""/>
+              <a:defRPr sz="1200" kern="1200">
+                <a:solidFill>
+                  <a:schemeClr val="tx1">
+                    <a:lumMod val="75000"/>
+                    <a:lumOff val="25000"/>
+                  </a:schemeClr>
+                </a:solidFill>
+                <a:latin typeface="+mn-lt"/>
+                <a:ea typeface="+mn-ea"/>
+                <a:cs typeface="+mn-cs"/>
+              </a:defRPr>
+            </a:lvl9pPr>
+          </a:lstStyle>
+          <a:p>
+            <a:pPr lvl="1">
+              <a:buFont typeface="Arial" panose="020B0604020202020204" pitchFamily="34" charset="0"/>
+              <a:buChar char="•"/>
+            </a:pPr>
+            <a:r>
+              <a:rPr lang="it-IT" sz="1800" b="1" dirty="0"/>
+              <a:t>DNA </a:t>
+            </a:r>
+            <a:r>
+              <a:rPr lang="it-IT" sz="1800" b="1" dirty="0" err="1"/>
+              <a:t>randomly</a:t>
+            </a:r>
+            <a:r>
+              <a:rPr lang="it-IT" sz="1800" b="1" dirty="0"/>
+              <a:t> </a:t>
+            </a:r>
+            <a:r>
+              <a:rPr lang="it-IT" sz="1800" b="1" dirty="0" err="1"/>
+              <a:t>generated</a:t>
+            </a:r>
+            <a:endParaRPr lang="it-IT" sz="1800" b="1" dirty="0"/>
+          </a:p>
+          <a:p>
+            <a:pPr lvl="1">
+              <a:buFont typeface="Arial" panose="020B0604020202020204" pitchFamily="34" charset="0"/>
+              <a:buChar char="•"/>
+            </a:pPr>
+            <a:r>
+              <a:rPr lang="it-IT" sz="1800" b="1" dirty="0"/>
+              <a:t>gbbct155.seq: </a:t>
+            </a:r>
+            <a:r>
+              <a:rPr lang="it-IT" sz="1800" dirty="0"/>
+              <a:t>complete </a:t>
+            </a:r>
+            <a:r>
+              <a:rPr lang="it-IT" sz="1800" dirty="0" err="1"/>
+              <a:t>genome</a:t>
+            </a:r>
+            <a:r>
+              <a:rPr lang="it-IT" sz="1800" dirty="0"/>
+              <a:t> of Escherichia Coli</a:t>
+            </a:r>
+            <a:endParaRPr lang="it-IT" sz="1800" u="sng" dirty="0"/>
+          </a:p>
+          <a:p>
+            <a:pPr lvl="1">
+              <a:buFont typeface="Arial" panose="020B0604020202020204" pitchFamily="34" charset="0"/>
+              <a:buChar char="•"/>
+            </a:pPr>
+            <a:r>
+              <a:rPr lang="it-IT" sz="1800" b="1" dirty="0"/>
+              <a:t>gbbct367.seq</a:t>
+            </a:r>
+            <a:r>
+              <a:rPr lang="it-IT" sz="1800" dirty="0"/>
+              <a:t>: complete </a:t>
+            </a:r>
+            <a:r>
+              <a:rPr lang="it-IT" sz="1800" dirty="0" err="1"/>
+              <a:t>genome</a:t>
+            </a:r>
+            <a:r>
+              <a:rPr lang="it-IT" sz="1800" dirty="0"/>
+              <a:t> of </a:t>
+            </a:r>
+            <a:r>
+              <a:rPr lang="it-IT" sz="1800" dirty="0" err="1"/>
+              <a:t>Lactococcus</a:t>
+            </a:r>
+            <a:r>
+              <a:rPr lang="it-IT" sz="1800" dirty="0"/>
+              <a:t> </a:t>
+            </a:r>
+            <a:r>
+              <a:rPr lang="it-IT" sz="1800" dirty="0" err="1"/>
+              <a:t>lactis</a:t>
+            </a:r>
+            <a:endParaRPr lang="it-IT" sz="1800" dirty="0"/>
+          </a:p>
+          <a:p>
+            <a:pPr lvl="1">
+              <a:buFont typeface="Arial" panose="020B0604020202020204" pitchFamily="34" charset="0"/>
+              <a:buChar char="•"/>
+            </a:pPr>
+            <a:r>
+              <a:rPr lang="it-IT" sz="1800" b="1" dirty="0"/>
+              <a:t>gbgss116.seq</a:t>
+            </a:r>
+            <a:r>
+              <a:rPr lang="it-IT" sz="1800" dirty="0"/>
+              <a:t>: </a:t>
+            </a:r>
+            <a:r>
+              <a:rPr lang="en-GB" sz="1800" dirty="0" err="1"/>
+              <a:t>Chlorocebus</a:t>
+            </a:r>
+            <a:r>
+              <a:rPr lang="en-GB" sz="1800" dirty="0"/>
+              <a:t> </a:t>
+            </a:r>
+            <a:r>
+              <a:rPr lang="en-GB" sz="1800" dirty="0" err="1"/>
+              <a:t>aethiops</a:t>
+            </a:r>
+            <a:r>
+              <a:rPr lang="en-GB" sz="1800" dirty="0"/>
+              <a:t> genomic clone CH252-491O17, genomic </a:t>
+            </a:r>
+            <a:r>
+              <a:rPr lang="en-GB" sz="1800" dirty="0" err="1"/>
+              <a:t>surveey</a:t>
+            </a:r>
+            <a:r>
+              <a:rPr lang="en-GB" sz="1800" dirty="0"/>
+              <a:t> sequence</a:t>
+            </a:r>
+          </a:p>
+          <a:p>
+            <a:pPr lvl="1">
+              <a:buFont typeface="Arial" panose="020B0604020202020204" pitchFamily="34" charset="0"/>
+              <a:buChar char="•"/>
+            </a:pPr>
+            <a:r>
+              <a:rPr lang="it-IT" sz="1800" b="1" dirty="0"/>
+              <a:t>hs_alt_CHM1_1.1_chr22.gbk</a:t>
+            </a:r>
+            <a:r>
+              <a:rPr lang="it-IT" sz="1800" dirty="0"/>
+              <a:t>: Homo sapiens </a:t>
+            </a:r>
+            <a:r>
+              <a:rPr lang="it-IT" sz="1800" dirty="0" err="1"/>
+              <a:t>chromosome</a:t>
+            </a:r>
+            <a:r>
+              <a:rPr lang="it-IT" sz="1800" dirty="0"/>
+              <a:t> 22 </a:t>
+            </a:r>
+            <a:r>
+              <a:rPr lang="it-IT" sz="1800" dirty="0" err="1"/>
+              <a:t>genomic</a:t>
+            </a:r>
+            <a:r>
+              <a:rPr lang="it-IT" sz="1800" dirty="0"/>
+              <a:t> </a:t>
+            </a:r>
+            <a:r>
+              <a:rPr lang="it-IT" sz="1800" dirty="0" err="1"/>
+              <a:t>scaffold</a:t>
+            </a:r>
+            <a:endParaRPr lang="it-IT" sz="1800" dirty="0"/>
+          </a:p>
+          <a:p>
+            <a:pPr lvl="1"/>
+            <a:endParaRPr lang="it-IT" sz="1400" dirty="0"/>
+          </a:p>
+          <a:p>
+            <a:pPr lvl="1"/>
+            <a:endParaRPr lang="en-GB" sz="1400" dirty="0"/>
+          </a:p>
+          <a:p>
+            <a:pPr marL="0" indent="0">
+              <a:buNone/>
+            </a:pPr>
+            <a:r>
+              <a:rPr lang="en-GB" sz="1600" dirty="0"/>
+              <a:t>	</a:t>
+            </a:r>
+            <a:endParaRPr lang="en-GB" sz="1200" dirty="0"/>
+          </a:p>
+        </p:txBody>
+      </p:sp>
+      <p:pic>
+        <p:nvPicPr>
+          <p:cNvPr id="4" name="Immagine 3">
+            <a:extLst>
+              <a:ext uri="{FF2B5EF4-FFF2-40B4-BE49-F238E27FC236}">
+                <a16:creationId xmlns:a16="http://schemas.microsoft.com/office/drawing/2014/main" id="{BCE9ED79-79A2-4A7D-8272-192043CA796B}"/>
+              </a:ext>
+            </a:extLst>
+          </p:cNvPr>
+          <p:cNvPicPr>
+            <a:picLocks noChangeAspect="1"/>
+          </p:cNvPicPr>
+          <p:nvPr/>
+        </p:nvPicPr>
+        <p:blipFill>
+          <a:blip r:embed="rId2"/>
+          <a:stretch>
+            <a:fillRect/>
+          </a:stretch>
+        </p:blipFill>
+        <p:spPr>
+          <a:xfrm>
+            <a:off x="3987759" y="4074022"/>
+            <a:ext cx="4927641" cy="2783978"/>
+          </a:xfrm>
+          <a:prstGeom prst="rect">
+            <a:avLst/>
+          </a:prstGeom>
+        </p:spPr>
+      </p:pic>
     </p:spTree>
     <p:extLst>
       <p:ext uri="{BB962C8B-B14F-4D97-AF65-F5344CB8AC3E}">
@@ -16663,7 +19001,7 @@
         </p:nvSpPr>
         <p:spPr>
           <a:xfrm>
-            <a:off x="1710861" y="632902"/>
+            <a:off x="1755202" y="571201"/>
             <a:ext cx="8911687" cy="1280890"/>
           </a:xfrm>
           <a:prstGeom prst="rect">
@@ -16763,6 +19101,327 @@
           </a:p>
         </p:txBody>
       </p:sp>
+      <p:sp>
+        <p:nvSpPr>
+          <p:cNvPr id="4" name="Segnaposto contenuto 2">
+            <a:extLst>
+              <a:ext uri="{FF2B5EF4-FFF2-40B4-BE49-F238E27FC236}">
+                <a16:creationId xmlns:a16="http://schemas.microsoft.com/office/drawing/2014/main" id="{A68301A8-FD92-4900-B085-7F2ABB6ACB6F}"/>
+              </a:ext>
+            </a:extLst>
+          </p:cNvPr>
+          <p:cNvSpPr txBox="1">
+            <a:spLocks/>
+          </p:cNvSpPr>
+          <p:nvPr/>
+        </p:nvSpPr>
+        <p:spPr>
+          <a:xfrm>
+            <a:off x="2844407" y="1329294"/>
+            <a:ext cx="8915400" cy="364953"/>
+          </a:xfrm>
+          <a:prstGeom prst="rect">
+            <a:avLst/>
+          </a:prstGeom>
+        </p:spPr>
+        <p:txBody>
+          <a:bodyPr/>
+          <a:lstStyle>
+            <a:lvl1pPr marL="342900" indent="-342900" algn="l" defTabSz="457200" rtl="0" eaLnBrk="1" latinLnBrk="0" hangingPunct="1">
+              <a:spcBef>
+                <a:spcPts val="1000"/>
+              </a:spcBef>
+              <a:spcAft>
+                <a:spcPts val="0"/>
+              </a:spcAft>
+              <a:buClr>
+                <a:schemeClr val="accent1"/>
+              </a:buClr>
+              <a:buFont typeface="Wingdings 3" charset="2"/>
+              <a:buChar char=""/>
+              <a:defRPr sz="1800" kern="1200">
+                <a:solidFill>
+                  <a:schemeClr val="tx1">
+                    <a:lumMod val="75000"/>
+                    <a:lumOff val="25000"/>
+                  </a:schemeClr>
+                </a:solidFill>
+                <a:latin typeface="+mn-lt"/>
+                <a:ea typeface="+mn-ea"/>
+                <a:cs typeface="+mn-cs"/>
+              </a:defRPr>
+            </a:lvl1pPr>
+            <a:lvl2pPr marL="742950" indent="-285750" algn="l" defTabSz="457200" rtl="0" eaLnBrk="1" latinLnBrk="0" hangingPunct="1">
+              <a:spcBef>
+                <a:spcPts val="1000"/>
+              </a:spcBef>
+              <a:spcAft>
+                <a:spcPts val="0"/>
+              </a:spcAft>
+              <a:buClr>
+                <a:schemeClr val="accent1"/>
+              </a:buClr>
+              <a:buFont typeface="Wingdings 3" charset="2"/>
+              <a:buChar char=""/>
+              <a:defRPr sz="1600" kern="1200">
+                <a:solidFill>
+                  <a:schemeClr val="tx1">
+                    <a:lumMod val="75000"/>
+                    <a:lumOff val="25000"/>
+                  </a:schemeClr>
+                </a:solidFill>
+                <a:latin typeface="+mn-lt"/>
+                <a:ea typeface="+mn-ea"/>
+                <a:cs typeface="+mn-cs"/>
+              </a:defRPr>
+            </a:lvl2pPr>
+            <a:lvl3pPr marL="1143000" indent="-228600" algn="l" defTabSz="457200" rtl="0" eaLnBrk="1" latinLnBrk="0" hangingPunct="1">
+              <a:spcBef>
+                <a:spcPts val="1000"/>
+              </a:spcBef>
+              <a:spcAft>
+                <a:spcPts val="0"/>
+              </a:spcAft>
+              <a:buClr>
+                <a:schemeClr val="accent1"/>
+              </a:buClr>
+              <a:buFont typeface="Wingdings 3" charset="2"/>
+              <a:buChar char=""/>
+              <a:defRPr sz="1400" kern="1200">
+                <a:solidFill>
+                  <a:schemeClr val="tx1">
+                    <a:lumMod val="75000"/>
+                    <a:lumOff val="25000"/>
+                  </a:schemeClr>
+                </a:solidFill>
+                <a:latin typeface="+mn-lt"/>
+                <a:ea typeface="+mn-ea"/>
+                <a:cs typeface="+mn-cs"/>
+              </a:defRPr>
+            </a:lvl3pPr>
+            <a:lvl4pPr marL="1600200" indent="-228600" algn="l" defTabSz="457200" rtl="0" eaLnBrk="1" latinLnBrk="0" hangingPunct="1">
+              <a:spcBef>
+                <a:spcPts val="1000"/>
+              </a:spcBef>
+              <a:spcAft>
+                <a:spcPts val="0"/>
+              </a:spcAft>
+              <a:buClr>
+                <a:schemeClr val="accent1"/>
+              </a:buClr>
+              <a:buFont typeface="Wingdings 3" charset="2"/>
+              <a:buChar char=""/>
+              <a:defRPr sz="1200" kern="1200">
+                <a:solidFill>
+                  <a:schemeClr val="tx1">
+                    <a:lumMod val="75000"/>
+                    <a:lumOff val="25000"/>
+                  </a:schemeClr>
+                </a:solidFill>
+                <a:latin typeface="+mn-lt"/>
+                <a:ea typeface="+mn-ea"/>
+                <a:cs typeface="+mn-cs"/>
+              </a:defRPr>
+            </a:lvl4pPr>
+            <a:lvl5pPr marL="2057400" indent="-228600" algn="l" defTabSz="457200" rtl="0" eaLnBrk="1" latinLnBrk="0" hangingPunct="1">
+              <a:spcBef>
+                <a:spcPts val="1000"/>
+              </a:spcBef>
+              <a:spcAft>
+                <a:spcPts val="0"/>
+              </a:spcAft>
+              <a:buClr>
+                <a:schemeClr val="accent1"/>
+              </a:buClr>
+              <a:buFont typeface="Wingdings 3" charset="2"/>
+              <a:buChar char=""/>
+              <a:defRPr sz="1200" kern="1200">
+                <a:solidFill>
+                  <a:schemeClr val="tx1">
+                    <a:lumMod val="75000"/>
+                    <a:lumOff val="25000"/>
+                  </a:schemeClr>
+                </a:solidFill>
+                <a:latin typeface="+mn-lt"/>
+                <a:ea typeface="+mn-ea"/>
+                <a:cs typeface="+mn-cs"/>
+              </a:defRPr>
+            </a:lvl5pPr>
+            <a:lvl6pPr marL="2514600" indent="-228600" algn="l" defTabSz="457200" rtl="0" eaLnBrk="1" latinLnBrk="0" hangingPunct="1">
+              <a:spcBef>
+                <a:spcPts val="1000"/>
+              </a:spcBef>
+              <a:spcAft>
+                <a:spcPts val="0"/>
+              </a:spcAft>
+              <a:buClr>
+                <a:schemeClr val="accent1"/>
+              </a:buClr>
+              <a:buFont typeface="Wingdings 3" charset="2"/>
+              <a:buChar char=""/>
+              <a:defRPr sz="1200" kern="1200">
+                <a:solidFill>
+                  <a:schemeClr val="tx1">
+                    <a:lumMod val="75000"/>
+                    <a:lumOff val="25000"/>
+                  </a:schemeClr>
+                </a:solidFill>
+                <a:latin typeface="+mn-lt"/>
+                <a:ea typeface="+mn-ea"/>
+                <a:cs typeface="+mn-cs"/>
+              </a:defRPr>
+            </a:lvl6pPr>
+            <a:lvl7pPr marL="2971800" indent="-228600" algn="l" defTabSz="457200" rtl="0" eaLnBrk="1" latinLnBrk="0" hangingPunct="1">
+              <a:spcBef>
+                <a:spcPts val="1000"/>
+              </a:spcBef>
+              <a:spcAft>
+                <a:spcPts val="0"/>
+              </a:spcAft>
+              <a:buClr>
+                <a:schemeClr val="accent1"/>
+              </a:buClr>
+              <a:buFont typeface="Wingdings 3" charset="2"/>
+              <a:buChar char=""/>
+              <a:defRPr sz="1200" kern="1200">
+                <a:solidFill>
+                  <a:schemeClr val="tx1">
+                    <a:lumMod val="75000"/>
+                    <a:lumOff val="25000"/>
+                  </a:schemeClr>
+                </a:solidFill>
+                <a:latin typeface="+mn-lt"/>
+                <a:ea typeface="+mn-ea"/>
+                <a:cs typeface="+mn-cs"/>
+              </a:defRPr>
+            </a:lvl7pPr>
+            <a:lvl8pPr marL="3429000" indent="-228600" algn="l" defTabSz="457200" rtl="0" eaLnBrk="1" latinLnBrk="0" hangingPunct="1">
+              <a:spcBef>
+                <a:spcPts val="1000"/>
+              </a:spcBef>
+              <a:spcAft>
+                <a:spcPts val="0"/>
+              </a:spcAft>
+              <a:buClr>
+                <a:schemeClr val="accent1"/>
+              </a:buClr>
+              <a:buFont typeface="Wingdings 3" charset="2"/>
+              <a:buChar char=""/>
+              <a:defRPr sz="1200" kern="1200">
+                <a:solidFill>
+                  <a:schemeClr val="tx1">
+                    <a:lumMod val="75000"/>
+                    <a:lumOff val="25000"/>
+                  </a:schemeClr>
+                </a:solidFill>
+                <a:latin typeface="+mn-lt"/>
+                <a:ea typeface="+mn-ea"/>
+                <a:cs typeface="+mn-cs"/>
+              </a:defRPr>
+            </a:lvl8pPr>
+            <a:lvl9pPr marL="3886200" indent="-228600" algn="l" defTabSz="457200" rtl="0" eaLnBrk="1" latinLnBrk="0" hangingPunct="1">
+              <a:spcBef>
+                <a:spcPts val="1000"/>
+              </a:spcBef>
+              <a:spcAft>
+                <a:spcPts val="0"/>
+              </a:spcAft>
+              <a:buClr>
+                <a:schemeClr val="accent1"/>
+              </a:buClr>
+              <a:buFont typeface="Wingdings 3" charset="2"/>
+              <a:buChar char=""/>
+              <a:defRPr sz="1200" kern="1200">
+                <a:solidFill>
+                  <a:schemeClr val="tx1">
+                    <a:lumMod val="75000"/>
+                    <a:lumOff val="25000"/>
+                  </a:schemeClr>
+                </a:solidFill>
+                <a:latin typeface="+mn-lt"/>
+                <a:ea typeface="+mn-ea"/>
+                <a:cs typeface="+mn-cs"/>
+              </a:defRPr>
+            </a:lvl9pPr>
+          </a:lstStyle>
+          <a:p>
+            <a:r>
+              <a:rPr lang="en-GB" sz="1600" dirty="0"/>
+              <a:t>Execution time using different datasets</a:t>
+            </a:r>
+          </a:p>
+          <a:p>
+            <a:pPr marL="0" indent="0">
+              <a:buNone/>
+            </a:pPr>
+            <a:r>
+              <a:rPr lang="en-GB" sz="1600" dirty="0"/>
+              <a:t>	</a:t>
+            </a:r>
+            <a:endParaRPr lang="en-GB" sz="1200" dirty="0"/>
+          </a:p>
+        </p:txBody>
+      </p:sp>
+      <p:pic>
+        <p:nvPicPr>
+          <p:cNvPr id="6" name="Immagine 5">
+            <a:extLst>
+              <a:ext uri="{FF2B5EF4-FFF2-40B4-BE49-F238E27FC236}">
+                <a16:creationId xmlns:a16="http://schemas.microsoft.com/office/drawing/2014/main" id="{AFC86DCC-DF39-456E-AA63-0B83676EFF82}"/>
+              </a:ext>
+            </a:extLst>
+          </p:cNvPr>
+          <p:cNvPicPr>
+            <a:picLocks noChangeAspect="1"/>
+          </p:cNvPicPr>
+          <p:nvPr/>
+        </p:nvPicPr>
+        <p:blipFill>
+          <a:blip r:embed="rId2"/>
+          <a:stretch>
+            <a:fillRect/>
+          </a:stretch>
+        </p:blipFill>
+        <p:spPr>
+          <a:xfrm>
+            <a:off x="2844406" y="1770619"/>
+            <a:ext cx="6945143" cy="493819"/>
+          </a:xfrm>
+          <a:prstGeom prst="rect">
+            <a:avLst/>
+          </a:prstGeom>
+        </p:spPr>
+      </p:pic>
+      <p:graphicFrame>
+        <p:nvGraphicFramePr>
+          <p:cNvPr id="11" name="Grafico 10">
+            <a:extLst>
+              <a:ext uri="{FF2B5EF4-FFF2-40B4-BE49-F238E27FC236}">
+                <a16:creationId xmlns:a16="http://schemas.microsoft.com/office/drawing/2014/main" id="{00000000-0008-0000-0000-000005000000}"/>
+              </a:ext>
+            </a:extLst>
+          </p:cNvPr>
+          <p:cNvGraphicFramePr>
+            <a:graphicFrameLocks/>
+          </p:cNvGraphicFramePr>
+          <p:nvPr>
+            <p:extLst>
+              <p:ext uri="{D42A27DB-BD31-4B8C-83A1-F6EECF244321}">
+                <p14:modId xmlns:p14="http://schemas.microsoft.com/office/powerpoint/2010/main" val="4293556500"/>
+              </p:ext>
+            </p:extLst>
+          </p:nvPr>
+        </p:nvGraphicFramePr>
+        <p:xfrm>
+          <a:off x="2844406" y="2169188"/>
+          <a:ext cx="6945143" cy="4495305"/>
+        </p:xfrm>
+        <a:graphic>
+          <a:graphicData uri="http://schemas.openxmlformats.org/drawingml/2006/chart">
+            <c:chart xmlns:c="http://schemas.openxmlformats.org/drawingml/2006/chart" xmlns:r="http://schemas.openxmlformats.org/officeDocument/2006/relationships" r:id="rId3"/>
+          </a:graphicData>
+        </a:graphic>
+      </p:graphicFrame>
     </p:spTree>
     <p:extLst>
       <p:ext uri="{BB962C8B-B14F-4D97-AF65-F5344CB8AC3E}">
@@ -17185,7 +19844,15 @@
           <a:p>
             <a:r>
               <a:rPr lang="en-GB" sz="1600" dirty="0"/>
-              <a:t>Execution time compered to dataset length</a:t>
+              <a:t>Execution time compered to dataset length (random </a:t>
+            </a:r>
+            <a:r>
+              <a:rPr lang="en-GB" sz="1600" dirty="0" err="1"/>
+              <a:t>dna</a:t>
+            </a:r>
+            <a:r>
+              <a:rPr lang="en-GB" sz="1600" dirty="0"/>
+              <a:t> sequence)</a:t>
             </a:r>
           </a:p>
           <a:p>
@@ -17196,13 +19863,40 @@
               <a:rPr lang="en-GB" sz="1600" dirty="0"/>
               <a:t>	</a:t>
             </a:r>
-            <a:r>
-              <a:rPr lang="en-GB" sz="1200" dirty="0"/>
-              <a:t>Dataset: random created, k = 4, L = 8, CPU = 24</a:t>
-            </a:r>
+            <a:endParaRPr lang="en-GB" sz="1200" dirty="0"/>
           </a:p>
         </p:txBody>
       </p:sp>
+      <p:pic>
+        <p:nvPicPr>
+          <p:cNvPr id="2" name="Immagine 1">
+            <a:extLst>
+              <a:ext uri="{FF2B5EF4-FFF2-40B4-BE49-F238E27FC236}">
+                <a16:creationId xmlns:a16="http://schemas.microsoft.com/office/drawing/2014/main" id="{1D909487-71AC-4D41-8BF7-02BA74030372}"/>
+              </a:ext>
+            </a:extLst>
+          </p:cNvPr>
+          <p:cNvPicPr>
+            <a:picLocks noChangeAspect="1"/>
+          </p:cNvPicPr>
+          <p:nvPr/>
+        </p:nvPicPr>
+        <p:blipFill>
+          <a:blip r:embed="rId3"/>
+          <a:stretch>
+            <a:fillRect/>
+          </a:stretch>
+        </p:blipFill>
+        <p:spPr>
+          <a:xfrm>
+            <a:off x="2592925" y="1913792"/>
+            <a:ext cx="7147560" cy="493819"/>
+          </a:xfrm>
+          <a:prstGeom prst="rect">
+            <a:avLst/>
+          </a:prstGeom>
+        </p:spPr>
+      </p:pic>
     </p:spTree>
     <p:extLst>
       <p:ext uri="{BB962C8B-B14F-4D97-AF65-F5344CB8AC3E}">
@@ -17595,21 +20289,9 @@
           <a:p>
             <a:r>
               <a:rPr lang="en-GB" sz="1600" dirty="0"/>
-              <a:t>Execution time compered to K</a:t>
-            </a:r>
-          </a:p>
-          <a:p>
-            <a:pPr marL="0" indent="0">
-              <a:buNone/>
-            </a:pPr>
-            <a:r>
-              <a:rPr lang="en-GB" sz="1600" dirty="0"/>
-              <a:t>	</a:t>
-            </a:r>
-            <a:r>
-              <a:rPr lang="en-GB" sz="1200" dirty="0"/>
-              <a:t>Dataset: gbgss116, L = 2*k, CPU = 24</a:t>
-            </a:r>
+              <a:t>Execution time compered to K 	</a:t>
+            </a:r>
+            <a:endParaRPr lang="en-GB" sz="1200" dirty="0"/>
           </a:p>
         </p:txBody>
       </p:sp>
@@ -17628,7 +20310,7 @@
           <p:nvPr>
             <p:extLst>
               <p:ext uri="{D42A27DB-BD31-4B8C-83A1-F6EECF244321}">
-                <p14:modId xmlns:p14="http://schemas.microsoft.com/office/powerpoint/2010/main" val="2568275871"/>
+                <p14:modId xmlns:p14="http://schemas.microsoft.com/office/powerpoint/2010/main" val="2831316375"/>
               </p:ext>
             </p:extLst>
           </p:nvPr>
@@ -17643,6 +20325,73 @@
           </a:graphicData>
         </a:graphic>
       </p:graphicFrame>
+      <p:sp>
+        <p:nvSpPr>
+          <p:cNvPr id="7" name="Rettangolo 6">
+            <a:extLst>
+              <a:ext uri="{FF2B5EF4-FFF2-40B4-BE49-F238E27FC236}">
+                <a16:creationId xmlns:a16="http://schemas.microsoft.com/office/drawing/2014/main" id="{9DFCE1CC-0C30-4EB6-B6AD-1785C82C9F76}"/>
+              </a:ext>
+            </a:extLst>
+          </p:cNvPr>
+          <p:cNvSpPr/>
+          <p:nvPr/>
+        </p:nvSpPr>
+        <p:spPr>
+          <a:xfrm>
+            <a:off x="2592924" y="2016301"/>
+            <a:ext cx="7147560" cy="357622"/>
+          </a:xfrm>
+          <a:prstGeom prst="rect">
+            <a:avLst/>
+          </a:prstGeom>
+          <a:solidFill>
+            <a:schemeClr val="accent1">
+              <a:lumMod val="60000"/>
+              <a:lumOff val="40000"/>
+            </a:schemeClr>
+          </a:solidFill>
+          <a:ln>
+            <a:noFill/>
+          </a:ln>
+        </p:spPr>
+        <p:style>
+          <a:lnRef idx="2">
+            <a:schemeClr val="accent1">
+              <a:shade val="50000"/>
+            </a:schemeClr>
+          </a:lnRef>
+          <a:fillRef idx="1">
+            <a:schemeClr val="accent1"/>
+          </a:fillRef>
+          <a:effectRef idx="0">
+            <a:schemeClr val="accent1"/>
+          </a:effectRef>
+          <a:fontRef idx="minor">
+            <a:schemeClr val="lt1"/>
+          </a:fontRef>
+        </p:style>
+        <p:txBody>
+          <a:bodyPr rtlCol="0" anchor="ctr"/>
+          <a:lstStyle/>
+          <a:p>
+            <a:pPr algn="ctr"/>
+            <a:r>
+              <a:rPr lang="it-IT" dirty="0">
+                <a:solidFill>
+                  <a:schemeClr val="tx1"/>
+                </a:solidFill>
+              </a:rPr>
+              <a:t>L = 2*K 		THREADS = 24 		DS = gbg116</a:t>
+            </a:r>
+            <a:endParaRPr lang="en-GB" dirty="0">
+              <a:solidFill>
+                <a:schemeClr val="tx1"/>
+              </a:solidFill>
+            </a:endParaRPr>
+          </a:p>
+        </p:txBody>
+      </p:sp>
     </p:spTree>
     <p:extLst>
       <p:ext uri="{BB962C8B-B14F-4D97-AF65-F5344CB8AC3E}">
@@ -17689,7 +20438,7 @@
         </p:nvSpPr>
         <p:spPr>
           <a:xfrm>
-            <a:off x="1710861" y="632902"/>
+            <a:off x="1640155" y="672592"/>
             <a:ext cx="8911687" cy="1280890"/>
           </a:xfrm>
           <a:prstGeom prst="rect">
@@ -17789,6 +20538,327 @@
           </a:p>
         </p:txBody>
       </p:sp>
+      <p:graphicFrame>
+        <p:nvGraphicFramePr>
+          <p:cNvPr id="4" name="Grafico 3">
+            <a:extLst>
+              <a:ext uri="{FF2B5EF4-FFF2-40B4-BE49-F238E27FC236}">
+                <a16:creationId xmlns:a16="http://schemas.microsoft.com/office/drawing/2014/main" id="{00000000-0008-0000-0000-000004000000}"/>
+              </a:ext>
+            </a:extLst>
+          </p:cNvPr>
+          <p:cNvGraphicFramePr>
+            <a:graphicFrameLocks/>
+          </p:cNvGraphicFramePr>
+          <p:nvPr>
+            <p:extLst>
+              <p:ext uri="{D42A27DB-BD31-4B8C-83A1-F6EECF244321}">
+                <p14:modId xmlns:p14="http://schemas.microsoft.com/office/powerpoint/2010/main" val="261180905"/>
+              </p:ext>
+            </p:extLst>
+          </p:nvPr>
+        </p:nvGraphicFramePr>
+        <p:xfrm>
+          <a:off x="2623428" y="2241600"/>
+          <a:ext cx="6945143" cy="4507690"/>
+        </p:xfrm>
+        <a:graphic>
+          <a:graphicData uri="http://schemas.openxmlformats.org/drawingml/2006/chart">
+            <c:chart xmlns:c="http://schemas.openxmlformats.org/drawingml/2006/chart" xmlns:r="http://schemas.openxmlformats.org/officeDocument/2006/relationships" r:id="rId2"/>
+          </a:graphicData>
+        </a:graphic>
+      </p:graphicFrame>
+      <p:sp>
+        <p:nvSpPr>
+          <p:cNvPr id="7" name="Segnaposto contenuto 2">
+            <a:extLst>
+              <a:ext uri="{FF2B5EF4-FFF2-40B4-BE49-F238E27FC236}">
+                <a16:creationId xmlns:a16="http://schemas.microsoft.com/office/drawing/2014/main" id="{A7FB4265-68DC-4CB1-9E29-4ED97831C458}"/>
+              </a:ext>
+            </a:extLst>
+          </p:cNvPr>
+          <p:cNvSpPr txBox="1">
+            <a:spLocks/>
+          </p:cNvSpPr>
+          <p:nvPr/>
+        </p:nvSpPr>
+        <p:spPr>
+          <a:xfrm>
+            <a:off x="2623428" y="1506715"/>
+            <a:ext cx="8915400" cy="1207619"/>
+          </a:xfrm>
+          <a:prstGeom prst="rect">
+            <a:avLst/>
+          </a:prstGeom>
+        </p:spPr>
+        <p:txBody>
+          <a:bodyPr/>
+          <a:lstStyle>
+            <a:lvl1pPr marL="342900" indent="-342900" algn="l" defTabSz="457200" rtl="0" eaLnBrk="1" latinLnBrk="0" hangingPunct="1">
+              <a:spcBef>
+                <a:spcPts val="1000"/>
+              </a:spcBef>
+              <a:spcAft>
+                <a:spcPts val="0"/>
+              </a:spcAft>
+              <a:buClr>
+                <a:schemeClr val="accent1"/>
+              </a:buClr>
+              <a:buFont typeface="Wingdings 3" charset="2"/>
+              <a:buChar char=""/>
+              <a:defRPr sz="1800" kern="1200">
+                <a:solidFill>
+                  <a:schemeClr val="tx1">
+                    <a:lumMod val="75000"/>
+                    <a:lumOff val="25000"/>
+                  </a:schemeClr>
+                </a:solidFill>
+                <a:latin typeface="+mn-lt"/>
+                <a:ea typeface="+mn-ea"/>
+                <a:cs typeface="+mn-cs"/>
+              </a:defRPr>
+            </a:lvl1pPr>
+            <a:lvl2pPr marL="742950" indent="-285750" algn="l" defTabSz="457200" rtl="0" eaLnBrk="1" latinLnBrk="0" hangingPunct="1">
+              <a:spcBef>
+                <a:spcPts val="1000"/>
+              </a:spcBef>
+              <a:spcAft>
+                <a:spcPts val="0"/>
+              </a:spcAft>
+              <a:buClr>
+                <a:schemeClr val="accent1"/>
+              </a:buClr>
+              <a:buFont typeface="Wingdings 3" charset="2"/>
+              <a:buChar char=""/>
+              <a:defRPr sz="1600" kern="1200">
+                <a:solidFill>
+                  <a:schemeClr val="tx1">
+                    <a:lumMod val="75000"/>
+                    <a:lumOff val="25000"/>
+                  </a:schemeClr>
+                </a:solidFill>
+                <a:latin typeface="+mn-lt"/>
+                <a:ea typeface="+mn-ea"/>
+                <a:cs typeface="+mn-cs"/>
+              </a:defRPr>
+            </a:lvl2pPr>
+            <a:lvl3pPr marL="1143000" indent="-228600" algn="l" defTabSz="457200" rtl="0" eaLnBrk="1" latinLnBrk="0" hangingPunct="1">
+              <a:spcBef>
+                <a:spcPts val="1000"/>
+              </a:spcBef>
+              <a:spcAft>
+                <a:spcPts val="0"/>
+              </a:spcAft>
+              <a:buClr>
+                <a:schemeClr val="accent1"/>
+              </a:buClr>
+              <a:buFont typeface="Wingdings 3" charset="2"/>
+              <a:buChar char=""/>
+              <a:defRPr sz="1400" kern="1200">
+                <a:solidFill>
+                  <a:schemeClr val="tx1">
+                    <a:lumMod val="75000"/>
+                    <a:lumOff val="25000"/>
+                  </a:schemeClr>
+                </a:solidFill>
+                <a:latin typeface="+mn-lt"/>
+                <a:ea typeface="+mn-ea"/>
+                <a:cs typeface="+mn-cs"/>
+              </a:defRPr>
+            </a:lvl3pPr>
+            <a:lvl4pPr marL="1600200" indent="-228600" algn="l" defTabSz="457200" rtl="0" eaLnBrk="1" latinLnBrk="0" hangingPunct="1">
+              <a:spcBef>
+                <a:spcPts val="1000"/>
+              </a:spcBef>
+              <a:spcAft>
+                <a:spcPts val="0"/>
+              </a:spcAft>
+              <a:buClr>
+                <a:schemeClr val="accent1"/>
+              </a:buClr>
+              <a:buFont typeface="Wingdings 3" charset="2"/>
+              <a:buChar char=""/>
+              <a:defRPr sz="1200" kern="1200">
+                <a:solidFill>
+                  <a:schemeClr val="tx1">
+                    <a:lumMod val="75000"/>
+                    <a:lumOff val="25000"/>
+                  </a:schemeClr>
+                </a:solidFill>
+                <a:latin typeface="+mn-lt"/>
+                <a:ea typeface="+mn-ea"/>
+                <a:cs typeface="+mn-cs"/>
+              </a:defRPr>
+            </a:lvl4pPr>
+            <a:lvl5pPr marL="2057400" indent="-228600" algn="l" defTabSz="457200" rtl="0" eaLnBrk="1" latinLnBrk="0" hangingPunct="1">
+              <a:spcBef>
+                <a:spcPts val="1000"/>
+              </a:spcBef>
+              <a:spcAft>
+                <a:spcPts val="0"/>
+              </a:spcAft>
+              <a:buClr>
+                <a:schemeClr val="accent1"/>
+              </a:buClr>
+              <a:buFont typeface="Wingdings 3" charset="2"/>
+              <a:buChar char=""/>
+              <a:defRPr sz="1200" kern="1200">
+                <a:solidFill>
+                  <a:schemeClr val="tx1">
+                    <a:lumMod val="75000"/>
+                    <a:lumOff val="25000"/>
+                  </a:schemeClr>
+                </a:solidFill>
+                <a:latin typeface="+mn-lt"/>
+                <a:ea typeface="+mn-ea"/>
+                <a:cs typeface="+mn-cs"/>
+              </a:defRPr>
+            </a:lvl5pPr>
+            <a:lvl6pPr marL="2514600" indent="-228600" algn="l" defTabSz="457200" rtl="0" eaLnBrk="1" latinLnBrk="0" hangingPunct="1">
+              <a:spcBef>
+                <a:spcPts val="1000"/>
+              </a:spcBef>
+              <a:spcAft>
+                <a:spcPts val="0"/>
+              </a:spcAft>
+              <a:buClr>
+                <a:schemeClr val="accent1"/>
+              </a:buClr>
+              <a:buFont typeface="Wingdings 3" charset="2"/>
+              <a:buChar char=""/>
+              <a:defRPr sz="1200" kern="1200">
+                <a:solidFill>
+                  <a:schemeClr val="tx1">
+                    <a:lumMod val="75000"/>
+                    <a:lumOff val="25000"/>
+                  </a:schemeClr>
+                </a:solidFill>
+                <a:latin typeface="+mn-lt"/>
+                <a:ea typeface="+mn-ea"/>
+                <a:cs typeface="+mn-cs"/>
+              </a:defRPr>
+            </a:lvl6pPr>
+            <a:lvl7pPr marL="2971800" indent="-228600" algn="l" defTabSz="457200" rtl="0" eaLnBrk="1" latinLnBrk="0" hangingPunct="1">
+              <a:spcBef>
+                <a:spcPts val="1000"/>
+              </a:spcBef>
+              <a:spcAft>
+                <a:spcPts val="0"/>
+              </a:spcAft>
+              <a:buClr>
+                <a:schemeClr val="accent1"/>
+              </a:buClr>
+              <a:buFont typeface="Wingdings 3" charset="2"/>
+              <a:buChar char=""/>
+              <a:defRPr sz="1200" kern="1200">
+                <a:solidFill>
+                  <a:schemeClr val="tx1">
+                    <a:lumMod val="75000"/>
+                    <a:lumOff val="25000"/>
+                  </a:schemeClr>
+                </a:solidFill>
+                <a:latin typeface="+mn-lt"/>
+                <a:ea typeface="+mn-ea"/>
+                <a:cs typeface="+mn-cs"/>
+              </a:defRPr>
+            </a:lvl7pPr>
+            <a:lvl8pPr marL="3429000" indent="-228600" algn="l" defTabSz="457200" rtl="0" eaLnBrk="1" latinLnBrk="0" hangingPunct="1">
+              <a:spcBef>
+                <a:spcPts val="1000"/>
+              </a:spcBef>
+              <a:spcAft>
+                <a:spcPts val="0"/>
+              </a:spcAft>
+              <a:buClr>
+                <a:schemeClr val="accent1"/>
+              </a:buClr>
+              <a:buFont typeface="Wingdings 3" charset="2"/>
+              <a:buChar char=""/>
+              <a:defRPr sz="1200" kern="1200">
+                <a:solidFill>
+                  <a:schemeClr val="tx1">
+                    <a:lumMod val="75000"/>
+                    <a:lumOff val="25000"/>
+                  </a:schemeClr>
+                </a:solidFill>
+                <a:latin typeface="+mn-lt"/>
+                <a:ea typeface="+mn-ea"/>
+                <a:cs typeface="+mn-cs"/>
+              </a:defRPr>
+            </a:lvl8pPr>
+            <a:lvl9pPr marL="3886200" indent="-228600" algn="l" defTabSz="457200" rtl="0" eaLnBrk="1" latinLnBrk="0" hangingPunct="1">
+              <a:spcBef>
+                <a:spcPts val="1000"/>
+              </a:spcBef>
+              <a:spcAft>
+                <a:spcPts val="0"/>
+              </a:spcAft>
+              <a:buClr>
+                <a:schemeClr val="accent1"/>
+              </a:buClr>
+              <a:buFont typeface="Wingdings 3" charset="2"/>
+              <a:buChar char=""/>
+              <a:defRPr sz="1200" kern="1200">
+                <a:solidFill>
+                  <a:schemeClr val="tx1">
+                    <a:lumMod val="75000"/>
+                    <a:lumOff val="25000"/>
+                  </a:schemeClr>
+                </a:solidFill>
+                <a:latin typeface="+mn-lt"/>
+                <a:ea typeface="+mn-ea"/>
+                <a:cs typeface="+mn-cs"/>
+              </a:defRPr>
+            </a:lvl9pPr>
+          </a:lstStyle>
+          <a:p>
+            <a:r>
+              <a:rPr lang="en-GB" sz="1600" dirty="0"/>
+              <a:t>Execution time compered to number of thread</a:t>
+            </a:r>
+          </a:p>
+          <a:p>
+            <a:pPr marL="0" indent="0">
+              <a:buNone/>
+            </a:pPr>
+            <a:r>
+              <a:rPr lang="en-GB" sz="1600" dirty="0"/>
+              <a:t>	</a:t>
+            </a:r>
+            <a:endParaRPr lang="en-GB" sz="1200" dirty="0"/>
+          </a:p>
+        </p:txBody>
+      </p:sp>
+      <p:pic>
+        <p:nvPicPr>
+          <p:cNvPr id="2" name="Immagine 1">
+            <a:extLst>
+              <a:ext uri="{FF2B5EF4-FFF2-40B4-BE49-F238E27FC236}">
+                <a16:creationId xmlns:a16="http://schemas.microsoft.com/office/drawing/2014/main" id="{43FC1237-CCBD-4736-A224-E0B366879730}"/>
+              </a:ext>
+            </a:extLst>
+          </p:cNvPr>
+          <p:cNvPicPr>
+            <a:picLocks noChangeAspect="1"/>
+          </p:cNvPicPr>
+          <p:nvPr/>
+        </p:nvPicPr>
+        <p:blipFill>
+          <a:blip r:embed="rId3"/>
+          <a:stretch>
+            <a:fillRect/>
+          </a:stretch>
+        </p:blipFill>
+        <p:spPr>
+          <a:xfrm>
+            <a:off x="2623428" y="1979449"/>
+            <a:ext cx="6945143" cy="429643"/>
+          </a:xfrm>
+          <a:prstGeom prst="rect">
+            <a:avLst/>
+          </a:prstGeom>
+        </p:spPr>
+      </p:pic>
     </p:spTree>
     <p:extLst>
       <p:ext uri="{BB962C8B-B14F-4D97-AF65-F5344CB8AC3E}">
@@ -17805,6 +20875,32 @@
 <file path=ppt/slides/slide28.xml><?xml version="1.0" encoding="utf-8"?>
 <p:sld xmlns:a="http://schemas.openxmlformats.org/drawingml/2006/main" xmlns:r="http://schemas.openxmlformats.org/officeDocument/2006/relationships" xmlns:p="http://schemas.openxmlformats.org/presentationml/2006/main">
   <p:cSld>
+    <p:bg>
+      <p:bgPr>
+        <a:gradFill rotWithShape="1">
+          <a:gsLst>
+            <a:gs pos="0">
+              <a:schemeClr val="bg2">
+                <a:tint val="90000"/>
+                <a:satMod val="92000"/>
+                <a:lumMod val="120000"/>
+              </a:schemeClr>
+            </a:gs>
+            <a:gs pos="100000">
+              <a:schemeClr val="bg2">
+                <a:shade val="98000"/>
+                <a:satMod val="120000"/>
+                <a:lumMod val="98000"/>
+              </a:schemeClr>
+            </a:gs>
+          </a:gsLst>
+          <a:path path="circle">
+            <a:fillToRect l="50000" t="50000" r="100000" b="100000"/>
+          </a:path>
+        </a:gradFill>
+        <a:effectLst/>
+      </p:bgPr>
+    </p:bg>
     <p:spTree>
       <p:nvGrpSpPr>
         <p:cNvPr id="1" name=""/>
@@ -17819,6 +20915,2279 @@
           <a:chExt cx="0" cy="0"/>
         </a:xfrm>
       </p:grpSpPr>
+      <p:grpSp>
+        <p:nvGrpSpPr>
+          <p:cNvPr id="12" name="Group 11">
+            <a:extLst>
+              <a:ext uri="{FF2B5EF4-FFF2-40B4-BE49-F238E27FC236}">
+                <a16:creationId xmlns:a16="http://schemas.microsoft.com/office/drawing/2014/main" id="{51B860BB-F934-4DE1-A930-090DD475F1A9}"/>
+              </a:ext>
+            </a:extLst>
+          </p:cNvPr>
+          <p:cNvGrpSpPr>
+            <a:grpSpLocks noGrp="1" noUngrp="1" noRot="1" noChangeAspect="1" noMove="1" noResize="1"/>
+          </p:cNvGrpSpPr>
+          <p:nvPr>
+            <p:extLst>
+              <p:ext uri="{386F3935-93C4-4BCD-93E2-E3B085C9AB24}">
+                <p16:designElem xmlns:p16="http://schemas.microsoft.com/office/powerpoint/2015/main" val="1"/>
+              </p:ext>
+            </p:extLst>
+          </p:nvPr>
+        </p:nvGrpSpPr>
+        <p:grpSpPr>
+          <a:xfrm>
+            <a:off x="9" y="228600"/>
+            <a:ext cx="2851523" cy="6638625"/>
+            <a:chOff x="2487613" y="285750"/>
+            <a:chExt cx="2428875" cy="5654676"/>
+          </a:xfrm>
+        </p:grpSpPr>
+        <p:sp>
+          <p:nvSpPr>
+            <p:cNvPr id="13" name="Freeform 11">
+              <a:extLst>
+                <a:ext uri="{FF2B5EF4-FFF2-40B4-BE49-F238E27FC236}">
+                  <a16:creationId xmlns:a16="http://schemas.microsoft.com/office/drawing/2014/main" id="{61927C55-8047-466F-9FE4-B42D3D1AFA94}"/>
+                </a:ext>
+              </a:extLst>
+            </p:cNvPr>
+            <p:cNvSpPr/>
+            <p:nvPr>
+              <p:extLst>
+                <p:ext uri="{386F3935-93C4-4BCD-93E2-E3B085C9AB24}">
+                  <p16:designElem xmlns:p16="http://schemas.microsoft.com/office/powerpoint/2015/main" val="1"/>
+                </p:ext>
+              </p:extLst>
+            </p:nvPr>
+          </p:nvSpPr>
+          <p:spPr bwMode="auto">
+            <a:xfrm>
+              <a:off x="2487613" y="2284413"/>
+              <a:ext cx="85725" cy="533400"/>
+            </a:xfrm>
+            <a:custGeom>
+              <a:avLst/>
+              <a:gdLst/>
+              <a:ahLst/>
+              <a:cxnLst/>
+              <a:rect l="0" t="0" r="r" b="b"/>
+              <a:pathLst>
+                <a:path w="22" h="136">
+                  <a:moveTo>
+                    <a:pt x="22" y="136"/>
+                  </a:moveTo>
+                  <a:cubicBezTo>
+                    <a:pt x="20" y="117"/>
+                    <a:pt x="19" y="99"/>
+                    <a:pt x="17" y="80"/>
+                  </a:cubicBezTo>
+                  <a:cubicBezTo>
+                    <a:pt x="11" y="54"/>
+                    <a:pt x="6" y="27"/>
+                    <a:pt x="0" y="0"/>
+                  </a:cubicBezTo>
+                  <a:cubicBezTo>
+                    <a:pt x="0" y="35"/>
+                    <a:pt x="0" y="35"/>
+                    <a:pt x="0" y="35"/>
+                  </a:cubicBezTo>
+                  <a:cubicBezTo>
+                    <a:pt x="6" y="64"/>
+                    <a:pt x="13" y="94"/>
+                    <a:pt x="20" y="124"/>
+                  </a:cubicBezTo>
+                  <a:cubicBezTo>
+                    <a:pt x="20" y="128"/>
+                    <a:pt x="21" y="132"/>
+                    <a:pt x="22" y="136"/>
+                  </a:cubicBezTo>
+                  <a:close/>
+                </a:path>
+              </a:pathLst>
+            </a:custGeom>
+            <a:solidFill>
+              <a:schemeClr val="tx2">
+                <a:alpha val="20000"/>
+              </a:schemeClr>
+            </a:solidFill>
+            <a:ln>
+              <a:noFill/>
+            </a:ln>
+          </p:spPr>
+        </p:sp>
+        <p:sp>
+          <p:nvSpPr>
+            <p:cNvPr id="14" name="Freeform 12">
+              <a:extLst>
+                <a:ext uri="{FF2B5EF4-FFF2-40B4-BE49-F238E27FC236}">
+                  <a16:creationId xmlns:a16="http://schemas.microsoft.com/office/drawing/2014/main" id="{E914D83D-75AE-426B-90AC-E37CBA2BD7FC}"/>
+                </a:ext>
+              </a:extLst>
+            </p:cNvPr>
+            <p:cNvSpPr/>
+            <p:nvPr>
+              <p:extLst>
+                <p:ext uri="{386F3935-93C4-4BCD-93E2-E3B085C9AB24}">
+                  <p16:designElem xmlns:p16="http://schemas.microsoft.com/office/powerpoint/2015/main" val="1"/>
+                </p:ext>
+              </p:extLst>
+            </p:nvPr>
+          </p:nvSpPr>
+          <p:spPr bwMode="auto">
+            <a:xfrm>
+              <a:off x="2597151" y="2779713"/>
+              <a:ext cx="550863" cy="1978025"/>
+            </a:xfrm>
+            <a:custGeom>
+              <a:avLst/>
+              <a:gdLst/>
+              <a:ahLst/>
+              <a:cxnLst/>
+              <a:rect l="0" t="0" r="r" b="b"/>
+              <a:pathLst>
+                <a:path w="140" h="504">
+                  <a:moveTo>
+                    <a:pt x="86" y="350"/>
+                  </a:moveTo>
+                  <a:cubicBezTo>
+                    <a:pt x="103" y="402"/>
+                    <a:pt x="120" y="453"/>
+                    <a:pt x="139" y="504"/>
+                  </a:cubicBezTo>
+                  <a:cubicBezTo>
+                    <a:pt x="139" y="495"/>
+                    <a:pt x="139" y="487"/>
+                    <a:pt x="140" y="478"/>
+                  </a:cubicBezTo>
+                  <a:cubicBezTo>
+                    <a:pt x="124" y="435"/>
+                    <a:pt x="109" y="391"/>
+                    <a:pt x="95" y="347"/>
+                  </a:cubicBezTo>
+                  <a:cubicBezTo>
+                    <a:pt x="58" y="233"/>
+                    <a:pt x="27" y="117"/>
+                    <a:pt x="0" y="0"/>
+                  </a:cubicBezTo>
+                  <a:cubicBezTo>
+                    <a:pt x="2" y="20"/>
+                    <a:pt x="4" y="41"/>
+                    <a:pt x="6" y="61"/>
+                  </a:cubicBezTo>
+                  <a:cubicBezTo>
+                    <a:pt x="30" y="158"/>
+                    <a:pt x="56" y="255"/>
+                    <a:pt x="86" y="350"/>
+                  </a:cubicBezTo>
+                  <a:close/>
+                </a:path>
+              </a:pathLst>
+            </a:custGeom>
+            <a:solidFill>
+              <a:schemeClr val="tx2">
+                <a:alpha val="20000"/>
+              </a:schemeClr>
+            </a:solidFill>
+            <a:ln>
+              <a:noFill/>
+            </a:ln>
+          </p:spPr>
+        </p:sp>
+        <p:sp>
+          <p:nvSpPr>
+            <p:cNvPr id="15" name="Freeform 13">
+              <a:extLst>
+                <a:ext uri="{FF2B5EF4-FFF2-40B4-BE49-F238E27FC236}">
+                  <a16:creationId xmlns:a16="http://schemas.microsoft.com/office/drawing/2014/main" id="{DDB740D6-20EA-4164-9EDB-243B210E8FE8}"/>
+                </a:ext>
+              </a:extLst>
+            </p:cNvPr>
+            <p:cNvSpPr/>
+            <p:nvPr>
+              <p:extLst>
+                <p:ext uri="{386F3935-93C4-4BCD-93E2-E3B085C9AB24}">
+                  <p16:designElem xmlns:p16="http://schemas.microsoft.com/office/powerpoint/2015/main" val="1"/>
+                </p:ext>
+              </p:extLst>
+            </p:nvPr>
+          </p:nvSpPr>
+          <p:spPr bwMode="auto">
+            <a:xfrm>
+              <a:off x="3175001" y="4730750"/>
+              <a:ext cx="519113" cy="1209675"/>
+            </a:xfrm>
+            <a:custGeom>
+              <a:avLst/>
+              <a:gdLst/>
+              <a:ahLst/>
+              <a:cxnLst/>
+              <a:rect l="0" t="0" r="r" b="b"/>
+              <a:pathLst>
+                <a:path w="132" h="308">
+                  <a:moveTo>
+                    <a:pt x="8" y="22"/>
+                  </a:moveTo>
+                  <a:cubicBezTo>
+                    <a:pt x="5" y="15"/>
+                    <a:pt x="2" y="8"/>
+                    <a:pt x="0" y="0"/>
+                  </a:cubicBezTo>
+                  <a:cubicBezTo>
+                    <a:pt x="0" y="10"/>
+                    <a:pt x="0" y="19"/>
+                    <a:pt x="0" y="29"/>
+                  </a:cubicBezTo>
+                  <a:cubicBezTo>
+                    <a:pt x="21" y="85"/>
+                    <a:pt x="44" y="140"/>
+                    <a:pt x="68" y="194"/>
+                  </a:cubicBezTo>
+                  <a:cubicBezTo>
+                    <a:pt x="85" y="232"/>
+                    <a:pt x="104" y="270"/>
+                    <a:pt x="123" y="308"/>
+                  </a:cubicBezTo>
+                  <a:cubicBezTo>
+                    <a:pt x="132" y="308"/>
+                    <a:pt x="132" y="308"/>
+                    <a:pt x="132" y="308"/>
+                  </a:cubicBezTo>
+                  <a:cubicBezTo>
+                    <a:pt x="113" y="269"/>
+                    <a:pt x="94" y="230"/>
+                    <a:pt x="77" y="190"/>
+                  </a:cubicBezTo>
+                  <a:cubicBezTo>
+                    <a:pt x="52" y="135"/>
+                    <a:pt x="29" y="79"/>
+                    <a:pt x="8" y="22"/>
+                  </a:cubicBezTo>
+                  <a:close/>
+                </a:path>
+              </a:pathLst>
+            </a:custGeom>
+            <a:solidFill>
+              <a:schemeClr val="tx2">
+                <a:alpha val="20000"/>
+              </a:schemeClr>
+            </a:solidFill>
+            <a:ln>
+              <a:noFill/>
+            </a:ln>
+          </p:spPr>
+        </p:sp>
+        <p:sp>
+          <p:nvSpPr>
+            <p:cNvPr id="16" name="Freeform 14">
+              <a:extLst>
+                <a:ext uri="{FF2B5EF4-FFF2-40B4-BE49-F238E27FC236}">
+                  <a16:creationId xmlns:a16="http://schemas.microsoft.com/office/drawing/2014/main" id="{0843EF7D-8FF7-4B1B-810B-AA92D132EB54}"/>
+                </a:ext>
+              </a:extLst>
+            </p:cNvPr>
+            <p:cNvSpPr/>
+            <p:nvPr>
+              <p:extLst>
+                <p:ext uri="{386F3935-93C4-4BCD-93E2-E3B085C9AB24}">
+                  <p16:designElem xmlns:p16="http://schemas.microsoft.com/office/powerpoint/2015/main" val="1"/>
+                </p:ext>
+              </p:extLst>
+            </p:nvPr>
+          </p:nvSpPr>
+          <p:spPr bwMode="auto">
+            <a:xfrm>
+              <a:off x="3305176" y="5630863"/>
+              <a:ext cx="146050" cy="309563"/>
+            </a:xfrm>
+            <a:custGeom>
+              <a:avLst/>
+              <a:gdLst/>
+              <a:ahLst/>
+              <a:cxnLst/>
+              <a:rect l="0" t="0" r="r" b="b"/>
+              <a:pathLst>
+                <a:path w="37" h="79">
+                  <a:moveTo>
+                    <a:pt x="28" y="79"/>
+                  </a:moveTo>
+                  <a:cubicBezTo>
+                    <a:pt x="37" y="79"/>
+                    <a:pt x="37" y="79"/>
+                    <a:pt x="37" y="79"/>
+                  </a:cubicBezTo>
+                  <a:cubicBezTo>
+                    <a:pt x="24" y="53"/>
+                    <a:pt x="12" y="27"/>
+                    <a:pt x="0" y="0"/>
+                  </a:cubicBezTo>
+                  <a:cubicBezTo>
+                    <a:pt x="8" y="27"/>
+                    <a:pt x="17" y="53"/>
+                    <a:pt x="28" y="79"/>
+                  </a:cubicBezTo>
+                  <a:close/>
+                </a:path>
+              </a:pathLst>
+            </a:custGeom>
+            <a:solidFill>
+              <a:schemeClr val="tx2">
+                <a:alpha val="20000"/>
+              </a:schemeClr>
+            </a:solidFill>
+            <a:ln>
+              <a:noFill/>
+            </a:ln>
+          </p:spPr>
+        </p:sp>
+        <p:sp>
+          <p:nvSpPr>
+            <p:cNvPr id="17" name="Freeform 15">
+              <a:extLst>
+                <a:ext uri="{FF2B5EF4-FFF2-40B4-BE49-F238E27FC236}">
+                  <a16:creationId xmlns:a16="http://schemas.microsoft.com/office/drawing/2014/main" id="{F995A1BF-26D5-42BA-83D6-B74B0793A820}"/>
+                </a:ext>
+              </a:extLst>
+            </p:cNvPr>
+            <p:cNvSpPr/>
+            <p:nvPr>
+              <p:extLst>
+                <p:ext uri="{386F3935-93C4-4BCD-93E2-E3B085C9AB24}">
+                  <p16:designElem xmlns:p16="http://schemas.microsoft.com/office/powerpoint/2015/main" val="1"/>
+                </p:ext>
+              </p:extLst>
+            </p:nvPr>
+          </p:nvSpPr>
+          <p:spPr bwMode="auto">
+            <a:xfrm>
+              <a:off x="2573338" y="2817813"/>
+              <a:ext cx="700088" cy="2835275"/>
+            </a:xfrm>
+            <a:custGeom>
+              <a:avLst/>
+              <a:gdLst/>
+              <a:ahLst/>
+              <a:cxnLst/>
+              <a:rect l="0" t="0" r="r" b="b"/>
+              <a:pathLst>
+                <a:path w="178" h="722">
+                  <a:moveTo>
+                    <a:pt x="162" y="660"/>
+                  </a:moveTo>
+                  <a:cubicBezTo>
+                    <a:pt x="145" y="618"/>
+                    <a:pt x="130" y="576"/>
+                    <a:pt x="116" y="534"/>
+                  </a:cubicBezTo>
+                  <a:cubicBezTo>
+                    <a:pt x="84" y="437"/>
+                    <a:pt x="59" y="337"/>
+                    <a:pt x="40" y="236"/>
+                  </a:cubicBezTo>
+                  <a:cubicBezTo>
+                    <a:pt x="29" y="175"/>
+                    <a:pt x="20" y="113"/>
+                    <a:pt x="12" y="51"/>
+                  </a:cubicBezTo>
+                  <a:cubicBezTo>
+                    <a:pt x="8" y="34"/>
+                    <a:pt x="4" y="17"/>
+                    <a:pt x="0" y="0"/>
+                  </a:cubicBezTo>
+                  <a:cubicBezTo>
+                    <a:pt x="8" y="79"/>
+                    <a:pt x="19" y="159"/>
+                    <a:pt x="33" y="237"/>
+                  </a:cubicBezTo>
+                  <a:cubicBezTo>
+                    <a:pt x="51" y="339"/>
+                    <a:pt x="76" y="439"/>
+                    <a:pt x="107" y="537"/>
+                  </a:cubicBezTo>
+                  <a:cubicBezTo>
+                    <a:pt x="123" y="586"/>
+                    <a:pt x="141" y="634"/>
+                    <a:pt x="160" y="681"/>
+                  </a:cubicBezTo>
+                  <a:cubicBezTo>
+                    <a:pt x="166" y="695"/>
+                    <a:pt x="172" y="708"/>
+                    <a:pt x="178" y="722"/>
+                  </a:cubicBezTo>
+                  <a:cubicBezTo>
+                    <a:pt x="176" y="717"/>
+                    <a:pt x="175" y="713"/>
+                    <a:pt x="174" y="708"/>
+                  </a:cubicBezTo>
+                  <a:cubicBezTo>
+                    <a:pt x="169" y="692"/>
+                    <a:pt x="165" y="676"/>
+                    <a:pt x="162" y="660"/>
+                  </a:cubicBezTo>
+                  <a:close/>
+                </a:path>
+              </a:pathLst>
+            </a:custGeom>
+            <a:solidFill>
+              <a:schemeClr val="tx2">
+                <a:alpha val="20000"/>
+              </a:schemeClr>
+            </a:solidFill>
+            <a:ln>
+              <a:noFill/>
+            </a:ln>
+          </p:spPr>
+        </p:sp>
+        <p:sp>
+          <p:nvSpPr>
+            <p:cNvPr id="18" name="Freeform 16">
+              <a:extLst>
+                <a:ext uri="{FF2B5EF4-FFF2-40B4-BE49-F238E27FC236}">
+                  <a16:creationId xmlns:a16="http://schemas.microsoft.com/office/drawing/2014/main" id="{706BB22B-358C-43E3-A01E-2CCD2EFD4A98}"/>
+                </a:ext>
+              </a:extLst>
+            </p:cNvPr>
+            <p:cNvSpPr/>
+            <p:nvPr>
+              <p:extLst>
+                <p:ext uri="{386F3935-93C4-4BCD-93E2-E3B085C9AB24}">
+                  <p16:designElem xmlns:p16="http://schemas.microsoft.com/office/powerpoint/2015/main" val="1"/>
+                </p:ext>
+              </p:extLst>
+            </p:nvPr>
+          </p:nvSpPr>
+          <p:spPr bwMode="auto">
+            <a:xfrm>
+              <a:off x="2506663" y="285750"/>
+              <a:ext cx="90488" cy="2493963"/>
+            </a:xfrm>
+            <a:custGeom>
+              <a:avLst/>
+              <a:gdLst/>
+              <a:ahLst/>
+              <a:cxnLst/>
+              <a:rect l="0" t="0" r="r" b="b"/>
+              <a:pathLst>
+                <a:path w="23" h="635">
+                  <a:moveTo>
+                    <a:pt x="11" y="577"/>
+                  </a:moveTo>
+                  <a:cubicBezTo>
+                    <a:pt x="12" y="581"/>
+                    <a:pt x="12" y="585"/>
+                    <a:pt x="12" y="589"/>
+                  </a:cubicBezTo>
+                  <a:cubicBezTo>
+                    <a:pt x="15" y="603"/>
+                    <a:pt x="19" y="617"/>
+                    <a:pt x="22" y="632"/>
+                  </a:cubicBezTo>
+                  <a:cubicBezTo>
+                    <a:pt x="22" y="633"/>
+                    <a:pt x="22" y="634"/>
+                    <a:pt x="23" y="635"/>
+                  </a:cubicBezTo>
+                  <a:cubicBezTo>
+                    <a:pt x="21" y="615"/>
+                    <a:pt x="19" y="596"/>
+                    <a:pt x="17" y="576"/>
+                  </a:cubicBezTo>
+                  <a:cubicBezTo>
+                    <a:pt x="9" y="474"/>
+                    <a:pt x="5" y="372"/>
+                    <a:pt x="5" y="269"/>
+                  </a:cubicBezTo>
+                  <a:cubicBezTo>
+                    <a:pt x="6" y="179"/>
+                    <a:pt x="9" y="90"/>
+                    <a:pt x="15" y="0"/>
+                  </a:cubicBezTo>
+                  <a:cubicBezTo>
+                    <a:pt x="12" y="0"/>
+                    <a:pt x="12" y="0"/>
+                    <a:pt x="12" y="0"/>
+                  </a:cubicBezTo>
+                  <a:cubicBezTo>
+                    <a:pt x="5" y="89"/>
+                    <a:pt x="2" y="179"/>
+                    <a:pt x="1" y="269"/>
+                  </a:cubicBezTo>
+                  <a:cubicBezTo>
+                    <a:pt x="0" y="372"/>
+                    <a:pt x="3" y="474"/>
+                    <a:pt x="11" y="577"/>
+                  </a:cubicBezTo>
+                  <a:close/>
+                </a:path>
+              </a:pathLst>
+            </a:custGeom>
+            <a:solidFill>
+              <a:schemeClr val="tx2">
+                <a:alpha val="20000"/>
+              </a:schemeClr>
+            </a:solidFill>
+            <a:ln>
+              <a:noFill/>
+            </a:ln>
+          </p:spPr>
+        </p:sp>
+        <p:sp>
+          <p:nvSpPr>
+            <p:cNvPr id="19" name="Freeform 17">
+              <a:extLst>
+                <a:ext uri="{FF2B5EF4-FFF2-40B4-BE49-F238E27FC236}">
+                  <a16:creationId xmlns:a16="http://schemas.microsoft.com/office/drawing/2014/main" id="{09828090-C04F-4B25-BD86-CE7A94A34612}"/>
+                </a:ext>
+              </a:extLst>
+            </p:cNvPr>
+            <p:cNvSpPr/>
+            <p:nvPr>
+              <p:extLst>
+                <p:ext uri="{386F3935-93C4-4BCD-93E2-E3B085C9AB24}">
+                  <p16:designElem xmlns:p16="http://schemas.microsoft.com/office/powerpoint/2015/main" val="1"/>
+                </p:ext>
+              </p:extLst>
+            </p:nvPr>
+          </p:nvSpPr>
+          <p:spPr bwMode="auto">
+            <a:xfrm>
+              <a:off x="2554288" y="2598738"/>
+              <a:ext cx="66675" cy="420688"/>
+            </a:xfrm>
+            <a:custGeom>
+              <a:avLst/>
+              <a:gdLst/>
+              <a:ahLst/>
+              <a:cxnLst/>
+              <a:rect l="0" t="0" r="r" b="b"/>
+              <a:pathLst>
+                <a:path w="17" h="107">
+                  <a:moveTo>
+                    <a:pt x="0" y="0"/>
+                  </a:moveTo>
+                  <a:cubicBezTo>
+                    <a:pt x="2" y="19"/>
+                    <a:pt x="3" y="37"/>
+                    <a:pt x="5" y="56"/>
+                  </a:cubicBezTo>
+                  <a:cubicBezTo>
+                    <a:pt x="9" y="73"/>
+                    <a:pt x="13" y="90"/>
+                    <a:pt x="17" y="107"/>
+                  </a:cubicBezTo>
+                  <a:cubicBezTo>
+                    <a:pt x="15" y="87"/>
+                    <a:pt x="13" y="66"/>
+                    <a:pt x="11" y="46"/>
+                  </a:cubicBezTo>
+                  <a:cubicBezTo>
+                    <a:pt x="10" y="45"/>
+                    <a:pt x="10" y="44"/>
+                    <a:pt x="10" y="43"/>
+                  </a:cubicBezTo>
+                  <a:cubicBezTo>
+                    <a:pt x="7" y="28"/>
+                    <a:pt x="3" y="14"/>
+                    <a:pt x="0" y="0"/>
+                  </a:cubicBezTo>
+                  <a:close/>
+                </a:path>
+              </a:pathLst>
+            </a:custGeom>
+            <a:solidFill>
+              <a:schemeClr val="tx2">
+                <a:alpha val="20000"/>
+              </a:schemeClr>
+            </a:solidFill>
+            <a:ln>
+              <a:noFill/>
+            </a:ln>
+          </p:spPr>
+        </p:sp>
+        <p:sp>
+          <p:nvSpPr>
+            <p:cNvPr id="20" name="Freeform 18">
+              <a:extLst>
+                <a:ext uri="{FF2B5EF4-FFF2-40B4-BE49-F238E27FC236}">
+                  <a16:creationId xmlns:a16="http://schemas.microsoft.com/office/drawing/2014/main" id="{B062093C-CFDD-4759-8CD6-EB2CCD1DBC7A}"/>
+                </a:ext>
+              </a:extLst>
+            </p:cNvPr>
+            <p:cNvSpPr/>
+            <p:nvPr>
+              <p:extLst>
+                <p:ext uri="{386F3935-93C4-4BCD-93E2-E3B085C9AB24}">
+                  <p16:designElem xmlns:p16="http://schemas.microsoft.com/office/powerpoint/2015/main" val="1"/>
+                </p:ext>
+              </p:extLst>
+            </p:nvPr>
+          </p:nvSpPr>
+          <p:spPr bwMode="auto">
+            <a:xfrm>
+              <a:off x="3143251" y="4757738"/>
+              <a:ext cx="161925" cy="873125"/>
+            </a:xfrm>
+            <a:custGeom>
+              <a:avLst/>
+              <a:gdLst/>
+              <a:ahLst/>
+              <a:cxnLst/>
+              <a:rect l="0" t="0" r="r" b="b"/>
+              <a:pathLst>
+                <a:path w="41" h="222">
+                  <a:moveTo>
+                    <a:pt x="0" y="0"/>
+                  </a:moveTo>
+                  <a:cubicBezTo>
+                    <a:pt x="0" y="31"/>
+                    <a:pt x="2" y="62"/>
+                    <a:pt x="5" y="93"/>
+                  </a:cubicBezTo>
+                  <a:cubicBezTo>
+                    <a:pt x="8" y="117"/>
+                    <a:pt x="12" y="142"/>
+                    <a:pt x="17" y="166"/>
+                  </a:cubicBezTo>
+                  <a:cubicBezTo>
+                    <a:pt x="19" y="172"/>
+                    <a:pt x="22" y="178"/>
+                    <a:pt x="24" y="184"/>
+                  </a:cubicBezTo>
+                  <a:cubicBezTo>
+                    <a:pt x="30" y="197"/>
+                    <a:pt x="35" y="209"/>
+                    <a:pt x="41" y="222"/>
+                  </a:cubicBezTo>
+                  <a:cubicBezTo>
+                    <a:pt x="40" y="219"/>
+                    <a:pt x="39" y="215"/>
+                    <a:pt x="38" y="212"/>
+                  </a:cubicBezTo>
+                  <a:cubicBezTo>
+                    <a:pt x="26" y="172"/>
+                    <a:pt x="18" y="132"/>
+                    <a:pt x="13" y="92"/>
+                  </a:cubicBezTo>
+                  <a:cubicBezTo>
+                    <a:pt x="11" y="68"/>
+                    <a:pt x="9" y="45"/>
+                    <a:pt x="8" y="22"/>
+                  </a:cubicBezTo>
+                  <a:cubicBezTo>
+                    <a:pt x="8" y="21"/>
+                    <a:pt x="7" y="20"/>
+                    <a:pt x="7" y="18"/>
+                  </a:cubicBezTo>
+                  <a:cubicBezTo>
+                    <a:pt x="5" y="12"/>
+                    <a:pt x="2" y="6"/>
+                    <a:pt x="0" y="0"/>
+                  </a:cubicBezTo>
+                  <a:close/>
+                </a:path>
+              </a:pathLst>
+            </a:custGeom>
+            <a:solidFill>
+              <a:schemeClr val="tx2">
+                <a:alpha val="20000"/>
+              </a:schemeClr>
+            </a:solidFill>
+            <a:ln>
+              <a:noFill/>
+            </a:ln>
+          </p:spPr>
+        </p:sp>
+        <p:sp>
+          <p:nvSpPr>
+            <p:cNvPr id="21" name="Freeform 19">
+              <a:extLst>
+                <a:ext uri="{FF2B5EF4-FFF2-40B4-BE49-F238E27FC236}">
+                  <a16:creationId xmlns:a16="http://schemas.microsoft.com/office/drawing/2014/main" id="{FB33C2A8-7609-427D-BC55-13F956201866}"/>
+                </a:ext>
+              </a:extLst>
+            </p:cNvPr>
+            <p:cNvSpPr/>
+            <p:nvPr>
+              <p:extLst>
+                <p:ext uri="{386F3935-93C4-4BCD-93E2-E3B085C9AB24}">
+                  <p16:designElem xmlns:p16="http://schemas.microsoft.com/office/powerpoint/2015/main" val="1"/>
+                </p:ext>
+              </p:extLst>
+            </p:nvPr>
+          </p:nvSpPr>
+          <p:spPr bwMode="auto">
+            <a:xfrm>
+              <a:off x="3148013" y="1282700"/>
+              <a:ext cx="1768475" cy="3448050"/>
+            </a:xfrm>
+            <a:custGeom>
+              <a:avLst/>
+              <a:gdLst/>
+              <a:ahLst/>
+              <a:cxnLst/>
+              <a:rect l="0" t="0" r="r" b="b"/>
+              <a:pathLst>
+                <a:path w="450" h="878">
+                  <a:moveTo>
+                    <a:pt x="7" y="854"/>
+                  </a:moveTo>
+                  <a:cubicBezTo>
+                    <a:pt x="10" y="772"/>
+                    <a:pt x="26" y="691"/>
+                    <a:pt x="50" y="613"/>
+                  </a:cubicBezTo>
+                  <a:cubicBezTo>
+                    <a:pt x="75" y="535"/>
+                    <a:pt x="109" y="460"/>
+                    <a:pt x="149" y="388"/>
+                  </a:cubicBezTo>
+                  <a:cubicBezTo>
+                    <a:pt x="189" y="316"/>
+                    <a:pt x="235" y="248"/>
+                    <a:pt x="285" y="183"/>
+                  </a:cubicBezTo>
+                  <a:cubicBezTo>
+                    <a:pt x="310" y="151"/>
+                    <a:pt x="337" y="119"/>
+                    <a:pt x="364" y="89"/>
+                  </a:cubicBezTo>
+                  <a:cubicBezTo>
+                    <a:pt x="378" y="74"/>
+                    <a:pt x="392" y="58"/>
+                    <a:pt x="406" y="44"/>
+                  </a:cubicBezTo>
+                  <a:cubicBezTo>
+                    <a:pt x="421" y="29"/>
+                    <a:pt x="435" y="15"/>
+                    <a:pt x="450" y="1"/>
+                  </a:cubicBezTo>
+                  <a:cubicBezTo>
+                    <a:pt x="450" y="0"/>
+                    <a:pt x="450" y="0"/>
+                    <a:pt x="450" y="0"/>
+                  </a:cubicBezTo>
+                  <a:cubicBezTo>
+                    <a:pt x="434" y="14"/>
+                    <a:pt x="420" y="28"/>
+                    <a:pt x="405" y="43"/>
+                  </a:cubicBezTo>
+                  <a:cubicBezTo>
+                    <a:pt x="391" y="57"/>
+                    <a:pt x="377" y="72"/>
+                    <a:pt x="363" y="88"/>
+                  </a:cubicBezTo>
+                  <a:cubicBezTo>
+                    <a:pt x="335" y="118"/>
+                    <a:pt x="308" y="149"/>
+                    <a:pt x="283" y="181"/>
+                  </a:cubicBezTo>
+                  <a:cubicBezTo>
+                    <a:pt x="232" y="246"/>
+                    <a:pt x="185" y="314"/>
+                    <a:pt x="145" y="386"/>
+                  </a:cubicBezTo>
+                  <a:cubicBezTo>
+                    <a:pt x="104" y="457"/>
+                    <a:pt x="70" y="533"/>
+                    <a:pt x="45" y="611"/>
+                  </a:cubicBezTo>
+                  <a:cubicBezTo>
+                    <a:pt x="19" y="690"/>
+                    <a:pt x="3" y="771"/>
+                    <a:pt x="0" y="854"/>
+                  </a:cubicBezTo>
+                  <a:cubicBezTo>
+                    <a:pt x="0" y="856"/>
+                    <a:pt x="0" y="857"/>
+                    <a:pt x="0" y="859"/>
+                  </a:cubicBezTo>
+                  <a:cubicBezTo>
+                    <a:pt x="2" y="865"/>
+                    <a:pt x="4" y="872"/>
+                    <a:pt x="7" y="878"/>
+                  </a:cubicBezTo>
+                  <a:cubicBezTo>
+                    <a:pt x="7" y="870"/>
+                    <a:pt x="7" y="862"/>
+                    <a:pt x="7" y="854"/>
+                  </a:cubicBezTo>
+                  <a:close/>
+                </a:path>
+              </a:pathLst>
+            </a:custGeom>
+            <a:solidFill>
+              <a:schemeClr val="tx2">
+                <a:alpha val="20000"/>
+              </a:schemeClr>
+            </a:solidFill>
+            <a:ln>
+              <a:noFill/>
+            </a:ln>
+          </p:spPr>
+        </p:sp>
+        <p:sp>
+          <p:nvSpPr>
+            <p:cNvPr id="22" name="Freeform 20">
+              <a:extLst>
+                <a:ext uri="{FF2B5EF4-FFF2-40B4-BE49-F238E27FC236}">
+                  <a16:creationId xmlns:a16="http://schemas.microsoft.com/office/drawing/2014/main" id="{9FF51B36-24F3-42B4-9ACD-2B83F4B570F6}"/>
+                </a:ext>
+              </a:extLst>
+            </p:cNvPr>
+            <p:cNvSpPr/>
+            <p:nvPr>
+              <p:extLst>
+                <p:ext uri="{386F3935-93C4-4BCD-93E2-E3B085C9AB24}">
+                  <p16:designElem xmlns:p16="http://schemas.microsoft.com/office/powerpoint/2015/main" val="1"/>
+                </p:ext>
+              </p:extLst>
+            </p:nvPr>
+          </p:nvSpPr>
+          <p:spPr bwMode="auto">
+            <a:xfrm>
+              <a:off x="3273426" y="5653088"/>
+              <a:ext cx="138113" cy="287338"/>
+            </a:xfrm>
+            <a:custGeom>
+              <a:avLst/>
+              <a:gdLst/>
+              <a:ahLst/>
+              <a:cxnLst/>
+              <a:rect l="0" t="0" r="r" b="b"/>
+              <a:pathLst>
+                <a:path w="35" h="73">
+                  <a:moveTo>
+                    <a:pt x="0" y="0"/>
+                  </a:moveTo>
+                  <a:cubicBezTo>
+                    <a:pt x="7" y="24"/>
+                    <a:pt x="16" y="49"/>
+                    <a:pt x="26" y="73"/>
+                  </a:cubicBezTo>
+                  <a:cubicBezTo>
+                    <a:pt x="35" y="73"/>
+                    <a:pt x="35" y="73"/>
+                    <a:pt x="35" y="73"/>
+                  </a:cubicBezTo>
+                  <a:cubicBezTo>
+                    <a:pt x="23" y="49"/>
+                    <a:pt x="11" y="24"/>
+                    <a:pt x="0" y="0"/>
+                  </a:cubicBezTo>
+                  <a:close/>
+                </a:path>
+              </a:pathLst>
+            </a:custGeom>
+            <a:solidFill>
+              <a:schemeClr val="tx2">
+                <a:alpha val="20000"/>
+              </a:schemeClr>
+            </a:solidFill>
+            <a:ln>
+              <a:noFill/>
+            </a:ln>
+          </p:spPr>
+        </p:sp>
+        <p:sp>
+          <p:nvSpPr>
+            <p:cNvPr id="23" name="Freeform 21">
+              <a:extLst>
+                <a:ext uri="{FF2B5EF4-FFF2-40B4-BE49-F238E27FC236}">
+                  <a16:creationId xmlns:a16="http://schemas.microsoft.com/office/drawing/2014/main" id="{6EBCB31E-7CBF-45FC-B7A3-7FE8E8C8A386}"/>
+                </a:ext>
+              </a:extLst>
+            </p:cNvPr>
+            <p:cNvSpPr/>
+            <p:nvPr>
+              <p:extLst>
+                <p:ext uri="{386F3935-93C4-4BCD-93E2-E3B085C9AB24}">
+                  <p16:designElem xmlns:p16="http://schemas.microsoft.com/office/powerpoint/2015/main" val="1"/>
+                </p:ext>
+              </p:extLst>
+            </p:nvPr>
+          </p:nvSpPr>
+          <p:spPr bwMode="auto">
+            <a:xfrm>
+              <a:off x="3143251" y="4656138"/>
+              <a:ext cx="31750" cy="188913"/>
+            </a:xfrm>
+            <a:custGeom>
+              <a:avLst/>
+              <a:gdLst/>
+              <a:ahLst/>
+              <a:cxnLst/>
+              <a:rect l="0" t="0" r="r" b="b"/>
+              <a:pathLst>
+                <a:path w="8" h="48">
+                  <a:moveTo>
+                    <a:pt x="7" y="44"/>
+                  </a:moveTo>
+                  <a:cubicBezTo>
+                    <a:pt x="7" y="46"/>
+                    <a:pt x="8" y="47"/>
+                    <a:pt x="8" y="48"/>
+                  </a:cubicBezTo>
+                  <a:cubicBezTo>
+                    <a:pt x="8" y="38"/>
+                    <a:pt x="8" y="29"/>
+                    <a:pt x="8" y="19"/>
+                  </a:cubicBezTo>
+                  <a:cubicBezTo>
+                    <a:pt x="5" y="13"/>
+                    <a:pt x="3" y="6"/>
+                    <a:pt x="1" y="0"/>
+                  </a:cubicBezTo>
+                  <a:cubicBezTo>
+                    <a:pt x="0" y="9"/>
+                    <a:pt x="0" y="17"/>
+                    <a:pt x="0" y="26"/>
+                  </a:cubicBezTo>
+                  <a:cubicBezTo>
+                    <a:pt x="2" y="32"/>
+                    <a:pt x="5" y="38"/>
+                    <a:pt x="7" y="44"/>
+                  </a:cubicBezTo>
+                  <a:close/>
+                </a:path>
+              </a:pathLst>
+            </a:custGeom>
+            <a:solidFill>
+              <a:schemeClr val="tx2">
+                <a:alpha val="20000"/>
+              </a:schemeClr>
+            </a:solidFill>
+            <a:ln>
+              <a:noFill/>
+            </a:ln>
+          </p:spPr>
+        </p:sp>
+        <p:sp>
+          <p:nvSpPr>
+            <p:cNvPr id="24" name="Freeform 22">
+              <a:extLst>
+                <a:ext uri="{FF2B5EF4-FFF2-40B4-BE49-F238E27FC236}">
+                  <a16:creationId xmlns:a16="http://schemas.microsoft.com/office/drawing/2014/main" id="{404CB86A-82A5-40B9-8D4B-159ED1A3CE41}"/>
+                </a:ext>
+              </a:extLst>
+            </p:cNvPr>
+            <p:cNvSpPr/>
+            <p:nvPr>
+              <p:extLst>
+                <p:ext uri="{386F3935-93C4-4BCD-93E2-E3B085C9AB24}">
+                  <p16:designElem xmlns:p16="http://schemas.microsoft.com/office/powerpoint/2015/main" val="1"/>
+                </p:ext>
+              </p:extLst>
+            </p:nvPr>
+          </p:nvSpPr>
+          <p:spPr bwMode="auto">
+            <a:xfrm>
+              <a:off x="3211513" y="5410200"/>
+              <a:ext cx="203200" cy="530225"/>
+            </a:xfrm>
+            <a:custGeom>
+              <a:avLst/>
+              <a:gdLst/>
+              <a:ahLst/>
+              <a:cxnLst/>
+              <a:rect l="0" t="0" r="r" b="b"/>
+              <a:pathLst>
+                <a:path w="52" h="135">
+                  <a:moveTo>
+                    <a:pt x="7" y="18"/>
+                  </a:moveTo>
+                  <a:cubicBezTo>
+                    <a:pt x="5" y="12"/>
+                    <a:pt x="2" y="6"/>
+                    <a:pt x="0" y="0"/>
+                  </a:cubicBezTo>
+                  <a:cubicBezTo>
+                    <a:pt x="3" y="16"/>
+                    <a:pt x="7" y="32"/>
+                    <a:pt x="12" y="48"/>
+                  </a:cubicBezTo>
+                  <a:cubicBezTo>
+                    <a:pt x="13" y="53"/>
+                    <a:pt x="14" y="57"/>
+                    <a:pt x="16" y="62"/>
+                  </a:cubicBezTo>
+                  <a:cubicBezTo>
+                    <a:pt x="27" y="86"/>
+                    <a:pt x="39" y="111"/>
+                    <a:pt x="51" y="135"/>
+                  </a:cubicBezTo>
+                  <a:cubicBezTo>
+                    <a:pt x="52" y="135"/>
+                    <a:pt x="52" y="135"/>
+                    <a:pt x="52" y="135"/>
+                  </a:cubicBezTo>
+                  <a:cubicBezTo>
+                    <a:pt x="41" y="109"/>
+                    <a:pt x="32" y="83"/>
+                    <a:pt x="24" y="56"/>
+                  </a:cubicBezTo>
+                  <a:cubicBezTo>
+                    <a:pt x="18" y="43"/>
+                    <a:pt x="13" y="31"/>
+                    <a:pt x="7" y="18"/>
+                  </a:cubicBezTo>
+                  <a:close/>
+                </a:path>
+              </a:pathLst>
+            </a:custGeom>
+            <a:solidFill>
+              <a:schemeClr val="tx2">
+                <a:alpha val="20000"/>
+              </a:schemeClr>
+            </a:solidFill>
+            <a:ln>
+              <a:noFill/>
+            </a:ln>
+          </p:spPr>
+        </p:sp>
+      </p:grpSp>
+      <p:grpSp>
+        <p:nvGrpSpPr>
+          <p:cNvPr id="26" name="Group 25">
+            <a:extLst>
+              <a:ext uri="{FF2B5EF4-FFF2-40B4-BE49-F238E27FC236}">
+                <a16:creationId xmlns:a16="http://schemas.microsoft.com/office/drawing/2014/main" id="{DD17BCFA-C80F-4670-B8B9-034B5B1C8BA8}"/>
+              </a:ext>
+            </a:extLst>
+          </p:cNvPr>
+          <p:cNvGrpSpPr>
+            <a:grpSpLocks noGrp="1" noUngrp="1" noRot="1" noChangeAspect="1" noMove="1" noResize="1"/>
+          </p:cNvGrpSpPr>
+          <p:nvPr>
+            <p:extLst>
+              <p:ext uri="{386F3935-93C4-4BCD-93E2-E3B085C9AB24}">
+                <p16:designElem xmlns:p16="http://schemas.microsoft.com/office/powerpoint/2015/main" val="1"/>
+              </p:ext>
+            </p:extLst>
+          </p:nvPr>
+        </p:nvGrpSpPr>
+        <p:grpSpPr>
+          <a:xfrm>
+            <a:off x="27224" y="-32"/>
+            <a:ext cx="2356675" cy="6853285"/>
+            <a:chOff x="6627813" y="195454"/>
+            <a:chExt cx="1952625" cy="5678297"/>
+          </a:xfrm>
+        </p:grpSpPr>
+        <p:sp>
+          <p:nvSpPr>
+            <p:cNvPr id="27" name="Freeform 27">
+              <a:extLst>
+                <a:ext uri="{FF2B5EF4-FFF2-40B4-BE49-F238E27FC236}">
+                  <a16:creationId xmlns:a16="http://schemas.microsoft.com/office/drawing/2014/main" id="{F705DA76-B301-4098-9966-310A00C312E3}"/>
+                </a:ext>
+              </a:extLst>
+            </p:cNvPr>
+            <p:cNvSpPr/>
+            <p:nvPr>
+              <p:extLst>
+                <p:ext uri="{386F3935-93C4-4BCD-93E2-E3B085C9AB24}">
+                  <p16:designElem xmlns:p16="http://schemas.microsoft.com/office/powerpoint/2015/main" val="1"/>
+                </p:ext>
+              </p:extLst>
+            </p:nvPr>
+          </p:nvSpPr>
+          <p:spPr bwMode="auto">
+            <a:xfrm>
+              <a:off x="6627813" y="195454"/>
+              <a:ext cx="409575" cy="3646488"/>
+            </a:xfrm>
+            <a:custGeom>
+              <a:avLst/>
+              <a:gdLst/>
+              <a:ahLst/>
+              <a:cxnLst/>
+              <a:rect l="0" t="0" r="r" b="b"/>
+              <a:pathLst>
+                <a:path w="103" h="920">
+                  <a:moveTo>
+                    <a:pt x="7" y="210"/>
+                  </a:moveTo>
+                  <a:cubicBezTo>
+                    <a:pt x="11" y="288"/>
+                    <a:pt x="17" y="367"/>
+                    <a:pt x="26" y="445"/>
+                  </a:cubicBezTo>
+                  <a:cubicBezTo>
+                    <a:pt x="34" y="523"/>
+                    <a:pt x="44" y="601"/>
+                    <a:pt x="57" y="679"/>
+                  </a:cubicBezTo>
+                  <a:cubicBezTo>
+                    <a:pt x="69" y="757"/>
+                    <a:pt x="84" y="834"/>
+                    <a:pt x="101" y="911"/>
+                  </a:cubicBezTo>
+                  <a:cubicBezTo>
+                    <a:pt x="102" y="914"/>
+                    <a:pt x="103" y="917"/>
+                    <a:pt x="103" y="920"/>
+                  </a:cubicBezTo>
+                  <a:cubicBezTo>
+                    <a:pt x="102" y="905"/>
+                    <a:pt x="100" y="889"/>
+                    <a:pt x="99" y="874"/>
+                  </a:cubicBezTo>
+                  <a:cubicBezTo>
+                    <a:pt x="99" y="871"/>
+                    <a:pt x="99" y="868"/>
+                    <a:pt x="99" y="866"/>
+                  </a:cubicBezTo>
+                  <a:cubicBezTo>
+                    <a:pt x="85" y="803"/>
+                    <a:pt x="73" y="741"/>
+                    <a:pt x="63" y="678"/>
+                  </a:cubicBezTo>
+                  <a:cubicBezTo>
+                    <a:pt x="50" y="600"/>
+                    <a:pt x="39" y="523"/>
+                    <a:pt x="30" y="444"/>
+                  </a:cubicBezTo>
+                  <a:cubicBezTo>
+                    <a:pt x="21" y="366"/>
+                    <a:pt x="14" y="288"/>
+                    <a:pt x="9" y="209"/>
+                  </a:cubicBezTo>
+                  <a:cubicBezTo>
+                    <a:pt x="7" y="170"/>
+                    <a:pt x="5" y="131"/>
+                    <a:pt x="3" y="92"/>
+                  </a:cubicBezTo>
+                  <a:cubicBezTo>
+                    <a:pt x="2" y="61"/>
+                    <a:pt x="1" y="31"/>
+                    <a:pt x="1" y="0"/>
+                  </a:cubicBezTo>
+                  <a:cubicBezTo>
+                    <a:pt x="0" y="0"/>
+                    <a:pt x="0" y="0"/>
+                    <a:pt x="0" y="0"/>
+                  </a:cubicBezTo>
+                  <a:cubicBezTo>
+                    <a:pt x="0" y="31"/>
+                    <a:pt x="1" y="61"/>
+                    <a:pt x="1" y="92"/>
+                  </a:cubicBezTo>
+                  <a:cubicBezTo>
+                    <a:pt x="3" y="131"/>
+                    <a:pt x="4" y="170"/>
+                    <a:pt x="7" y="210"/>
+                  </a:cubicBezTo>
+                  <a:close/>
+                </a:path>
+              </a:pathLst>
+            </a:custGeom>
+            <a:solidFill>
+              <a:schemeClr val="tx2"/>
+            </a:solidFill>
+            <a:ln>
+              <a:noFill/>
+            </a:ln>
+          </p:spPr>
+        </p:sp>
+        <p:sp>
+          <p:nvSpPr>
+            <p:cNvPr id="28" name="Freeform 28">
+              <a:extLst>
+                <a:ext uri="{FF2B5EF4-FFF2-40B4-BE49-F238E27FC236}">
+                  <a16:creationId xmlns:a16="http://schemas.microsoft.com/office/drawing/2014/main" id="{7484AECD-B027-45E9-8764-6E1A4A4A0D9B}"/>
+                </a:ext>
+              </a:extLst>
+            </p:cNvPr>
+            <p:cNvSpPr/>
+            <p:nvPr>
+              <p:extLst>
+                <p:ext uri="{386F3935-93C4-4BCD-93E2-E3B085C9AB24}">
+                  <p16:designElem xmlns:p16="http://schemas.microsoft.com/office/powerpoint/2015/main" val="1"/>
+                </p:ext>
+              </p:extLst>
+            </p:nvPr>
+          </p:nvSpPr>
+          <p:spPr bwMode="auto">
+            <a:xfrm>
+              <a:off x="7061201" y="3771900"/>
+              <a:ext cx="350838" cy="1309688"/>
+            </a:xfrm>
+            <a:custGeom>
+              <a:avLst/>
+              <a:gdLst/>
+              <a:ahLst/>
+              <a:cxnLst/>
+              <a:rect l="0" t="0" r="r" b="b"/>
+              <a:pathLst>
+                <a:path w="88" h="330">
+                  <a:moveTo>
+                    <a:pt x="53" y="229"/>
+                  </a:moveTo>
+                  <a:cubicBezTo>
+                    <a:pt x="64" y="263"/>
+                    <a:pt x="75" y="297"/>
+                    <a:pt x="88" y="330"/>
+                  </a:cubicBezTo>
+                  <a:cubicBezTo>
+                    <a:pt x="88" y="323"/>
+                    <a:pt x="88" y="315"/>
+                    <a:pt x="88" y="308"/>
+                  </a:cubicBezTo>
+                  <a:cubicBezTo>
+                    <a:pt x="88" y="307"/>
+                    <a:pt x="88" y="305"/>
+                    <a:pt x="88" y="304"/>
+                  </a:cubicBezTo>
+                  <a:cubicBezTo>
+                    <a:pt x="79" y="278"/>
+                    <a:pt x="70" y="252"/>
+                    <a:pt x="62" y="226"/>
+                  </a:cubicBezTo>
+                  <a:cubicBezTo>
+                    <a:pt x="38" y="152"/>
+                    <a:pt x="17" y="76"/>
+                    <a:pt x="0" y="0"/>
+                  </a:cubicBezTo>
+                  <a:cubicBezTo>
+                    <a:pt x="2" y="21"/>
+                    <a:pt x="4" y="42"/>
+                    <a:pt x="7" y="63"/>
+                  </a:cubicBezTo>
+                  <a:cubicBezTo>
+                    <a:pt x="21" y="119"/>
+                    <a:pt x="36" y="174"/>
+                    <a:pt x="53" y="229"/>
+                  </a:cubicBezTo>
+                  <a:close/>
+                </a:path>
+              </a:pathLst>
+            </a:custGeom>
+            <a:solidFill>
+              <a:schemeClr val="tx2"/>
+            </a:solidFill>
+            <a:ln>
+              <a:noFill/>
+            </a:ln>
+          </p:spPr>
+        </p:sp>
+        <p:sp>
+          <p:nvSpPr>
+            <p:cNvPr id="29" name="Freeform 29">
+              <a:extLst>
+                <a:ext uri="{FF2B5EF4-FFF2-40B4-BE49-F238E27FC236}">
+                  <a16:creationId xmlns:a16="http://schemas.microsoft.com/office/drawing/2014/main" id="{CB341AF9-DEB1-42CB-8D1D-F262CFE465D8}"/>
+                </a:ext>
+              </a:extLst>
+            </p:cNvPr>
+            <p:cNvSpPr/>
+            <p:nvPr>
+              <p:extLst>
+                <p:ext uri="{386F3935-93C4-4BCD-93E2-E3B085C9AB24}">
+                  <p16:designElem xmlns:p16="http://schemas.microsoft.com/office/powerpoint/2015/main" val="1"/>
+                </p:ext>
+              </p:extLst>
+            </p:nvPr>
+          </p:nvSpPr>
+          <p:spPr bwMode="auto">
+            <a:xfrm>
+              <a:off x="7439026" y="5053013"/>
+              <a:ext cx="357188" cy="820738"/>
+            </a:xfrm>
+            <a:custGeom>
+              <a:avLst/>
+              <a:gdLst/>
+              <a:ahLst/>
+              <a:cxnLst/>
+              <a:rect l="0" t="0" r="r" b="b"/>
+              <a:pathLst>
+                <a:path w="90" h="207">
+                  <a:moveTo>
+                    <a:pt x="6" y="15"/>
+                  </a:moveTo>
+                  <a:cubicBezTo>
+                    <a:pt x="4" y="10"/>
+                    <a:pt x="2" y="5"/>
+                    <a:pt x="0" y="0"/>
+                  </a:cubicBezTo>
+                  <a:cubicBezTo>
+                    <a:pt x="0" y="9"/>
+                    <a:pt x="0" y="19"/>
+                    <a:pt x="1" y="29"/>
+                  </a:cubicBezTo>
+                  <a:cubicBezTo>
+                    <a:pt x="14" y="62"/>
+                    <a:pt x="27" y="95"/>
+                    <a:pt x="42" y="127"/>
+                  </a:cubicBezTo>
+                  <a:cubicBezTo>
+                    <a:pt x="54" y="154"/>
+                    <a:pt x="67" y="181"/>
+                    <a:pt x="80" y="207"/>
+                  </a:cubicBezTo>
+                  <a:cubicBezTo>
+                    <a:pt x="90" y="207"/>
+                    <a:pt x="90" y="207"/>
+                    <a:pt x="90" y="207"/>
+                  </a:cubicBezTo>
+                  <a:cubicBezTo>
+                    <a:pt x="76" y="180"/>
+                    <a:pt x="63" y="152"/>
+                    <a:pt x="50" y="123"/>
+                  </a:cubicBezTo>
+                  <a:cubicBezTo>
+                    <a:pt x="34" y="88"/>
+                    <a:pt x="20" y="51"/>
+                    <a:pt x="6" y="15"/>
+                  </a:cubicBezTo>
+                  <a:close/>
+                </a:path>
+              </a:pathLst>
+            </a:custGeom>
+            <a:solidFill>
+              <a:schemeClr val="tx2"/>
+            </a:solidFill>
+            <a:ln>
+              <a:noFill/>
+            </a:ln>
+          </p:spPr>
+        </p:sp>
+        <p:sp>
+          <p:nvSpPr>
+            <p:cNvPr id="30" name="Freeform 30">
+              <a:extLst>
+                <a:ext uri="{FF2B5EF4-FFF2-40B4-BE49-F238E27FC236}">
+                  <a16:creationId xmlns:a16="http://schemas.microsoft.com/office/drawing/2014/main" id="{1C7213C3-CCDC-48BD-BF51-7AB8EE57A101}"/>
+                </a:ext>
+              </a:extLst>
+            </p:cNvPr>
+            <p:cNvSpPr/>
+            <p:nvPr>
+              <p:extLst>
+                <p:ext uri="{386F3935-93C4-4BCD-93E2-E3B085C9AB24}">
+                  <p16:designElem xmlns:p16="http://schemas.microsoft.com/office/powerpoint/2015/main" val="1"/>
+                </p:ext>
+              </p:extLst>
+            </p:nvPr>
+          </p:nvSpPr>
+          <p:spPr bwMode="auto">
+            <a:xfrm>
+              <a:off x="7037388" y="3811588"/>
+              <a:ext cx="457200" cy="1852613"/>
+            </a:xfrm>
+            <a:custGeom>
+              <a:avLst/>
+              <a:gdLst/>
+              <a:ahLst/>
+              <a:cxnLst/>
+              <a:rect l="0" t="0" r="r" b="b"/>
+              <a:pathLst>
+                <a:path w="115" h="467">
+                  <a:moveTo>
+                    <a:pt x="101" y="409"/>
+                  </a:moveTo>
+                  <a:cubicBezTo>
+                    <a:pt x="93" y="388"/>
+                    <a:pt x="85" y="366"/>
+                    <a:pt x="78" y="344"/>
+                  </a:cubicBezTo>
+                  <a:cubicBezTo>
+                    <a:pt x="57" y="281"/>
+                    <a:pt x="41" y="216"/>
+                    <a:pt x="29" y="151"/>
+                  </a:cubicBezTo>
+                  <a:cubicBezTo>
+                    <a:pt x="22" y="119"/>
+                    <a:pt x="17" y="86"/>
+                    <a:pt x="13" y="53"/>
+                  </a:cubicBezTo>
+                  <a:cubicBezTo>
+                    <a:pt x="9" y="35"/>
+                    <a:pt x="4" y="18"/>
+                    <a:pt x="0" y="0"/>
+                  </a:cubicBezTo>
+                  <a:cubicBezTo>
+                    <a:pt x="5" y="51"/>
+                    <a:pt x="12" y="102"/>
+                    <a:pt x="21" y="152"/>
+                  </a:cubicBezTo>
+                  <a:cubicBezTo>
+                    <a:pt x="33" y="218"/>
+                    <a:pt x="49" y="283"/>
+                    <a:pt x="69" y="347"/>
+                  </a:cubicBezTo>
+                  <a:cubicBezTo>
+                    <a:pt x="79" y="378"/>
+                    <a:pt x="90" y="410"/>
+                    <a:pt x="103" y="441"/>
+                  </a:cubicBezTo>
+                  <a:cubicBezTo>
+                    <a:pt x="107" y="449"/>
+                    <a:pt x="111" y="458"/>
+                    <a:pt x="115" y="467"/>
+                  </a:cubicBezTo>
+                  <a:cubicBezTo>
+                    <a:pt x="114" y="464"/>
+                    <a:pt x="113" y="461"/>
+                    <a:pt x="112" y="458"/>
+                  </a:cubicBezTo>
+                  <a:cubicBezTo>
+                    <a:pt x="108" y="442"/>
+                    <a:pt x="104" y="425"/>
+                    <a:pt x="101" y="409"/>
+                  </a:cubicBezTo>
+                  <a:close/>
+                </a:path>
+              </a:pathLst>
+            </a:custGeom>
+            <a:solidFill>
+              <a:schemeClr val="tx2"/>
+            </a:solidFill>
+            <a:ln>
+              <a:noFill/>
+            </a:ln>
+          </p:spPr>
+        </p:sp>
+        <p:sp>
+          <p:nvSpPr>
+            <p:cNvPr id="31" name="Freeform 31">
+              <a:extLst>
+                <a:ext uri="{FF2B5EF4-FFF2-40B4-BE49-F238E27FC236}">
+                  <a16:creationId xmlns:a16="http://schemas.microsoft.com/office/drawing/2014/main" id="{7568F4E5-84C7-4F79-A40F-AC4885CB63B8}"/>
+                </a:ext>
+              </a:extLst>
+            </p:cNvPr>
+            <p:cNvSpPr/>
+            <p:nvPr>
+              <p:extLst>
+                <p:ext uri="{386F3935-93C4-4BCD-93E2-E3B085C9AB24}">
+                  <p16:designElem xmlns:p16="http://schemas.microsoft.com/office/powerpoint/2015/main" val="1"/>
+                </p:ext>
+              </p:extLst>
+            </p:nvPr>
+          </p:nvSpPr>
+          <p:spPr bwMode="auto">
+            <a:xfrm>
+              <a:off x="6992938" y="1263650"/>
+              <a:ext cx="144463" cy="2508250"/>
+            </a:xfrm>
+            <a:custGeom>
+              <a:avLst/>
+              <a:gdLst/>
+              <a:ahLst/>
+              <a:cxnLst/>
+              <a:rect l="0" t="0" r="r" b="b"/>
+              <a:pathLst>
+                <a:path w="36" h="633">
+                  <a:moveTo>
+                    <a:pt x="17" y="633"/>
+                  </a:moveTo>
+                  <a:cubicBezTo>
+                    <a:pt x="15" y="621"/>
+                    <a:pt x="14" y="609"/>
+                    <a:pt x="13" y="597"/>
+                  </a:cubicBezTo>
+                  <a:cubicBezTo>
+                    <a:pt x="8" y="530"/>
+                    <a:pt x="5" y="464"/>
+                    <a:pt x="5" y="398"/>
+                  </a:cubicBezTo>
+                  <a:cubicBezTo>
+                    <a:pt x="5" y="331"/>
+                    <a:pt x="8" y="265"/>
+                    <a:pt x="13" y="198"/>
+                  </a:cubicBezTo>
+                  <a:cubicBezTo>
+                    <a:pt x="15" y="165"/>
+                    <a:pt x="18" y="132"/>
+                    <a:pt x="22" y="99"/>
+                  </a:cubicBezTo>
+                  <a:cubicBezTo>
+                    <a:pt x="26" y="66"/>
+                    <a:pt x="30" y="33"/>
+                    <a:pt x="36" y="0"/>
+                  </a:cubicBezTo>
+                  <a:cubicBezTo>
+                    <a:pt x="35" y="0"/>
+                    <a:pt x="35" y="0"/>
+                    <a:pt x="35" y="0"/>
+                  </a:cubicBezTo>
+                  <a:cubicBezTo>
+                    <a:pt x="29" y="33"/>
+                    <a:pt x="24" y="66"/>
+                    <a:pt x="20" y="99"/>
+                  </a:cubicBezTo>
+                  <a:cubicBezTo>
+                    <a:pt x="16" y="132"/>
+                    <a:pt x="13" y="165"/>
+                    <a:pt x="10" y="198"/>
+                  </a:cubicBezTo>
+                  <a:cubicBezTo>
+                    <a:pt x="4" y="264"/>
+                    <a:pt x="1" y="331"/>
+                    <a:pt x="1" y="398"/>
+                  </a:cubicBezTo>
+                  <a:cubicBezTo>
+                    <a:pt x="0" y="461"/>
+                    <a:pt x="2" y="525"/>
+                    <a:pt x="7" y="589"/>
+                  </a:cubicBezTo>
+                  <a:cubicBezTo>
+                    <a:pt x="10" y="603"/>
+                    <a:pt x="13" y="618"/>
+                    <a:pt x="16" y="632"/>
+                  </a:cubicBezTo>
+                  <a:cubicBezTo>
+                    <a:pt x="16" y="632"/>
+                    <a:pt x="17" y="633"/>
+                    <a:pt x="17" y="633"/>
+                  </a:cubicBezTo>
+                  <a:close/>
+                </a:path>
+              </a:pathLst>
+            </a:custGeom>
+            <a:solidFill>
+              <a:schemeClr val="tx2"/>
+            </a:solidFill>
+            <a:ln>
+              <a:noFill/>
+            </a:ln>
+          </p:spPr>
+        </p:sp>
+        <p:sp>
+          <p:nvSpPr>
+            <p:cNvPr id="32" name="Freeform 32">
+              <a:extLst>
+                <a:ext uri="{FF2B5EF4-FFF2-40B4-BE49-F238E27FC236}">
+                  <a16:creationId xmlns:a16="http://schemas.microsoft.com/office/drawing/2014/main" id="{81654B91-DAE7-4763-8F60-7A35727C21D9}"/>
+                </a:ext>
+              </a:extLst>
+            </p:cNvPr>
+            <p:cNvSpPr/>
+            <p:nvPr>
+              <p:extLst>
+                <p:ext uri="{386F3935-93C4-4BCD-93E2-E3B085C9AB24}">
+                  <p16:designElem xmlns:p16="http://schemas.microsoft.com/office/powerpoint/2015/main" val="1"/>
+                </p:ext>
+              </p:extLst>
+            </p:nvPr>
+          </p:nvSpPr>
+          <p:spPr bwMode="auto">
+            <a:xfrm>
+              <a:off x="7526338" y="5640388"/>
+              <a:ext cx="111125" cy="233363"/>
+            </a:xfrm>
+            <a:custGeom>
+              <a:avLst/>
+              <a:gdLst/>
+              <a:ahLst/>
+              <a:cxnLst/>
+              <a:rect l="0" t="0" r="r" b="b"/>
+              <a:pathLst>
+                <a:path w="28" h="59">
+                  <a:moveTo>
+                    <a:pt x="22" y="59"/>
+                  </a:moveTo>
+                  <a:cubicBezTo>
+                    <a:pt x="28" y="59"/>
+                    <a:pt x="28" y="59"/>
+                    <a:pt x="28" y="59"/>
+                  </a:cubicBezTo>
+                  <a:cubicBezTo>
+                    <a:pt x="18" y="40"/>
+                    <a:pt x="9" y="20"/>
+                    <a:pt x="0" y="0"/>
+                  </a:cubicBezTo>
+                  <a:cubicBezTo>
+                    <a:pt x="6" y="20"/>
+                    <a:pt x="13" y="40"/>
+                    <a:pt x="22" y="59"/>
+                  </a:cubicBezTo>
+                  <a:close/>
+                </a:path>
+              </a:pathLst>
+            </a:custGeom>
+            <a:solidFill>
+              <a:schemeClr val="tx2"/>
+            </a:solidFill>
+            <a:ln>
+              <a:noFill/>
+            </a:ln>
+          </p:spPr>
+        </p:sp>
+        <p:sp>
+          <p:nvSpPr>
+            <p:cNvPr id="33" name="Freeform 33">
+              <a:extLst>
+                <a:ext uri="{FF2B5EF4-FFF2-40B4-BE49-F238E27FC236}">
+                  <a16:creationId xmlns:a16="http://schemas.microsoft.com/office/drawing/2014/main" id="{E9C665F1-5409-4590-AA69-79EABC1EACC1}"/>
+                </a:ext>
+              </a:extLst>
+            </p:cNvPr>
+            <p:cNvSpPr/>
+            <p:nvPr>
+              <p:extLst>
+                <p:ext uri="{386F3935-93C4-4BCD-93E2-E3B085C9AB24}">
+                  <p16:designElem xmlns:p16="http://schemas.microsoft.com/office/powerpoint/2015/main" val="1"/>
+                </p:ext>
+              </p:extLst>
+            </p:nvPr>
+          </p:nvSpPr>
+          <p:spPr bwMode="auto">
+            <a:xfrm>
+              <a:off x="7021513" y="3598863"/>
+              <a:ext cx="68263" cy="423863"/>
+            </a:xfrm>
+            <a:custGeom>
+              <a:avLst/>
+              <a:gdLst/>
+              <a:ahLst/>
+              <a:cxnLst/>
+              <a:rect l="0" t="0" r="r" b="b"/>
+              <a:pathLst>
+                <a:path w="17" h="107">
+                  <a:moveTo>
+                    <a:pt x="4" y="54"/>
+                  </a:moveTo>
+                  <a:cubicBezTo>
+                    <a:pt x="8" y="72"/>
+                    <a:pt x="13" y="89"/>
+                    <a:pt x="17" y="107"/>
+                  </a:cubicBezTo>
+                  <a:cubicBezTo>
+                    <a:pt x="14" y="86"/>
+                    <a:pt x="12" y="65"/>
+                    <a:pt x="10" y="44"/>
+                  </a:cubicBezTo>
+                  <a:cubicBezTo>
+                    <a:pt x="10" y="44"/>
+                    <a:pt x="9" y="43"/>
+                    <a:pt x="9" y="43"/>
+                  </a:cubicBezTo>
+                  <a:cubicBezTo>
+                    <a:pt x="6" y="29"/>
+                    <a:pt x="3" y="14"/>
+                    <a:pt x="0" y="0"/>
+                  </a:cubicBezTo>
+                  <a:cubicBezTo>
+                    <a:pt x="0" y="2"/>
+                    <a:pt x="0" y="5"/>
+                    <a:pt x="0" y="8"/>
+                  </a:cubicBezTo>
+                  <a:cubicBezTo>
+                    <a:pt x="1" y="23"/>
+                    <a:pt x="3" y="39"/>
+                    <a:pt x="4" y="54"/>
+                  </a:cubicBezTo>
+                  <a:close/>
+                </a:path>
+              </a:pathLst>
+            </a:custGeom>
+            <a:solidFill>
+              <a:schemeClr val="tx2"/>
+            </a:solidFill>
+            <a:ln>
+              <a:noFill/>
+            </a:ln>
+          </p:spPr>
+        </p:sp>
+        <p:sp>
+          <p:nvSpPr>
+            <p:cNvPr id="34" name="Freeform 34">
+              <a:extLst>
+                <a:ext uri="{FF2B5EF4-FFF2-40B4-BE49-F238E27FC236}">
+                  <a16:creationId xmlns:a16="http://schemas.microsoft.com/office/drawing/2014/main" id="{C3192F7D-0C18-4DB2-A88B-EBF562748070}"/>
+                </a:ext>
+              </a:extLst>
+            </p:cNvPr>
+            <p:cNvSpPr/>
+            <p:nvPr>
+              <p:extLst>
+                <p:ext uri="{386F3935-93C4-4BCD-93E2-E3B085C9AB24}">
+                  <p16:designElem xmlns:p16="http://schemas.microsoft.com/office/powerpoint/2015/main" val="1"/>
+                </p:ext>
+              </p:extLst>
+            </p:nvPr>
+          </p:nvSpPr>
+          <p:spPr bwMode="auto">
+            <a:xfrm>
+              <a:off x="7412038" y="2801938"/>
+              <a:ext cx="1168400" cy="2251075"/>
+            </a:xfrm>
+            <a:custGeom>
+              <a:avLst/>
+              <a:gdLst/>
+              <a:ahLst/>
+              <a:cxnLst/>
+              <a:rect l="0" t="0" r="r" b="b"/>
+              <a:pathLst>
+                <a:path w="294" h="568">
+                  <a:moveTo>
+                    <a:pt x="8" y="553"/>
+                  </a:moveTo>
+                  <a:cubicBezTo>
+                    <a:pt x="9" y="501"/>
+                    <a:pt x="19" y="448"/>
+                    <a:pt x="35" y="397"/>
+                  </a:cubicBezTo>
+                  <a:cubicBezTo>
+                    <a:pt x="51" y="347"/>
+                    <a:pt x="73" y="298"/>
+                    <a:pt x="99" y="252"/>
+                  </a:cubicBezTo>
+                  <a:cubicBezTo>
+                    <a:pt x="124" y="205"/>
+                    <a:pt x="154" y="161"/>
+                    <a:pt x="187" y="119"/>
+                  </a:cubicBezTo>
+                  <a:cubicBezTo>
+                    <a:pt x="203" y="98"/>
+                    <a:pt x="220" y="77"/>
+                    <a:pt x="238" y="58"/>
+                  </a:cubicBezTo>
+                  <a:cubicBezTo>
+                    <a:pt x="247" y="48"/>
+                    <a:pt x="256" y="38"/>
+                    <a:pt x="265" y="28"/>
+                  </a:cubicBezTo>
+                  <a:cubicBezTo>
+                    <a:pt x="274" y="19"/>
+                    <a:pt x="284" y="9"/>
+                    <a:pt x="294" y="0"/>
+                  </a:cubicBezTo>
+                  <a:cubicBezTo>
+                    <a:pt x="293" y="0"/>
+                    <a:pt x="293" y="0"/>
+                    <a:pt x="293" y="0"/>
+                  </a:cubicBezTo>
+                  <a:cubicBezTo>
+                    <a:pt x="283" y="9"/>
+                    <a:pt x="273" y="18"/>
+                    <a:pt x="264" y="27"/>
+                  </a:cubicBezTo>
+                  <a:cubicBezTo>
+                    <a:pt x="255" y="37"/>
+                    <a:pt x="246" y="47"/>
+                    <a:pt x="237" y="56"/>
+                  </a:cubicBezTo>
+                  <a:cubicBezTo>
+                    <a:pt x="218" y="76"/>
+                    <a:pt x="201" y="96"/>
+                    <a:pt x="185" y="117"/>
+                  </a:cubicBezTo>
+                  <a:cubicBezTo>
+                    <a:pt x="151" y="159"/>
+                    <a:pt x="121" y="203"/>
+                    <a:pt x="95" y="249"/>
+                  </a:cubicBezTo>
+                  <a:cubicBezTo>
+                    <a:pt x="68" y="296"/>
+                    <a:pt x="46" y="345"/>
+                    <a:pt x="30" y="396"/>
+                  </a:cubicBezTo>
+                  <a:cubicBezTo>
+                    <a:pt x="13" y="445"/>
+                    <a:pt x="3" y="497"/>
+                    <a:pt x="0" y="549"/>
+                  </a:cubicBezTo>
+                  <a:cubicBezTo>
+                    <a:pt x="3" y="555"/>
+                    <a:pt x="5" y="561"/>
+                    <a:pt x="7" y="568"/>
+                  </a:cubicBezTo>
+                  <a:cubicBezTo>
+                    <a:pt x="7" y="563"/>
+                    <a:pt x="7" y="558"/>
+                    <a:pt x="8" y="553"/>
+                  </a:cubicBezTo>
+                  <a:close/>
+                </a:path>
+              </a:pathLst>
+            </a:custGeom>
+            <a:solidFill>
+              <a:schemeClr val="tx2"/>
+            </a:solidFill>
+            <a:ln>
+              <a:noFill/>
+            </a:ln>
+          </p:spPr>
+        </p:sp>
+        <p:sp>
+          <p:nvSpPr>
+            <p:cNvPr id="35" name="Freeform 35">
+              <a:extLst>
+                <a:ext uri="{FF2B5EF4-FFF2-40B4-BE49-F238E27FC236}">
+                  <a16:creationId xmlns:a16="http://schemas.microsoft.com/office/drawing/2014/main" id="{86BE4725-AC90-44AE-8B17-D13BA4BF3636}"/>
+                </a:ext>
+              </a:extLst>
+            </p:cNvPr>
+            <p:cNvSpPr/>
+            <p:nvPr>
+              <p:extLst>
+                <p:ext uri="{386F3935-93C4-4BCD-93E2-E3B085C9AB24}">
+                  <p16:designElem xmlns:p16="http://schemas.microsoft.com/office/powerpoint/2015/main" val="1"/>
+                </p:ext>
+              </p:extLst>
+            </p:nvPr>
+          </p:nvSpPr>
+          <p:spPr bwMode="auto">
+            <a:xfrm>
+              <a:off x="7494588" y="5664200"/>
+              <a:ext cx="100013" cy="209550"/>
+            </a:xfrm>
+            <a:custGeom>
+              <a:avLst/>
+              <a:gdLst/>
+              <a:ahLst/>
+              <a:cxnLst/>
+              <a:rect l="0" t="0" r="r" b="b"/>
+              <a:pathLst>
+                <a:path w="25" h="53">
+                  <a:moveTo>
+                    <a:pt x="0" y="0"/>
+                  </a:moveTo>
+                  <a:cubicBezTo>
+                    <a:pt x="5" y="18"/>
+                    <a:pt x="12" y="36"/>
+                    <a:pt x="19" y="53"/>
+                  </a:cubicBezTo>
+                  <a:cubicBezTo>
+                    <a:pt x="25" y="53"/>
+                    <a:pt x="25" y="53"/>
+                    <a:pt x="25" y="53"/>
+                  </a:cubicBezTo>
+                  <a:cubicBezTo>
+                    <a:pt x="16" y="36"/>
+                    <a:pt x="8" y="18"/>
+                    <a:pt x="0" y="0"/>
+                  </a:cubicBezTo>
+                  <a:close/>
+                </a:path>
+              </a:pathLst>
+            </a:custGeom>
+            <a:solidFill>
+              <a:schemeClr val="tx2"/>
+            </a:solidFill>
+            <a:ln>
+              <a:noFill/>
+            </a:ln>
+          </p:spPr>
+        </p:sp>
+        <p:sp>
+          <p:nvSpPr>
+            <p:cNvPr id="36" name="Freeform 36">
+              <a:extLst>
+                <a:ext uri="{FF2B5EF4-FFF2-40B4-BE49-F238E27FC236}">
+                  <a16:creationId xmlns:a16="http://schemas.microsoft.com/office/drawing/2014/main" id="{2C0C171A-856F-4606-9D98-B5318639A63D}"/>
+                </a:ext>
+              </a:extLst>
+            </p:cNvPr>
+            <p:cNvSpPr/>
+            <p:nvPr>
+              <p:extLst>
+                <p:ext uri="{386F3935-93C4-4BCD-93E2-E3B085C9AB24}">
+                  <p16:designElem xmlns:p16="http://schemas.microsoft.com/office/powerpoint/2015/main" val="1"/>
+                </p:ext>
+              </p:extLst>
+            </p:nvPr>
+          </p:nvSpPr>
+          <p:spPr bwMode="auto">
+            <a:xfrm>
+              <a:off x="7412038" y="5081588"/>
+              <a:ext cx="114300" cy="558800"/>
+            </a:xfrm>
+            <a:custGeom>
+              <a:avLst/>
+              <a:gdLst/>
+              <a:ahLst/>
+              <a:cxnLst/>
+              <a:rect l="0" t="0" r="r" b="b"/>
+              <a:pathLst>
+                <a:path w="29" h="141">
+                  <a:moveTo>
+                    <a:pt x="0" y="0"/>
+                  </a:moveTo>
+                  <a:cubicBezTo>
+                    <a:pt x="0" y="30"/>
+                    <a:pt x="2" y="60"/>
+                    <a:pt x="7" y="89"/>
+                  </a:cubicBezTo>
+                  <a:cubicBezTo>
+                    <a:pt x="11" y="98"/>
+                    <a:pt x="14" y="108"/>
+                    <a:pt x="18" y="117"/>
+                  </a:cubicBezTo>
+                  <a:cubicBezTo>
+                    <a:pt x="22" y="125"/>
+                    <a:pt x="25" y="133"/>
+                    <a:pt x="29" y="141"/>
+                  </a:cubicBezTo>
+                  <a:cubicBezTo>
+                    <a:pt x="28" y="139"/>
+                    <a:pt x="28" y="137"/>
+                    <a:pt x="27" y="135"/>
+                  </a:cubicBezTo>
+                  <a:cubicBezTo>
+                    <a:pt x="16" y="98"/>
+                    <a:pt x="10" y="60"/>
+                    <a:pt x="8" y="22"/>
+                  </a:cubicBezTo>
+                  <a:cubicBezTo>
+                    <a:pt x="7" y="18"/>
+                    <a:pt x="5" y="15"/>
+                    <a:pt x="4" y="11"/>
+                  </a:cubicBezTo>
+                  <a:cubicBezTo>
+                    <a:pt x="2" y="7"/>
+                    <a:pt x="1" y="3"/>
+                    <a:pt x="0" y="0"/>
+                  </a:cubicBezTo>
+                  <a:close/>
+                </a:path>
+              </a:pathLst>
+            </a:custGeom>
+            <a:solidFill>
+              <a:schemeClr val="tx2"/>
+            </a:solidFill>
+            <a:ln>
+              <a:noFill/>
+            </a:ln>
+          </p:spPr>
+        </p:sp>
+        <p:sp>
+          <p:nvSpPr>
+            <p:cNvPr id="37" name="Freeform 37">
+              <a:extLst>
+                <a:ext uri="{FF2B5EF4-FFF2-40B4-BE49-F238E27FC236}">
+                  <a16:creationId xmlns:a16="http://schemas.microsoft.com/office/drawing/2014/main" id="{B6D57E3C-42A8-4054-B617-CE82DD8B739A}"/>
+                </a:ext>
+              </a:extLst>
+            </p:cNvPr>
+            <p:cNvSpPr/>
+            <p:nvPr>
+              <p:extLst>
+                <p:ext uri="{386F3935-93C4-4BCD-93E2-E3B085C9AB24}">
+                  <p16:designElem xmlns:p16="http://schemas.microsoft.com/office/powerpoint/2015/main" val="1"/>
+                </p:ext>
+              </p:extLst>
+            </p:nvPr>
+          </p:nvSpPr>
+          <p:spPr bwMode="auto">
+            <a:xfrm>
+              <a:off x="7412038" y="4978400"/>
+              <a:ext cx="31750" cy="188913"/>
+            </a:xfrm>
+            <a:custGeom>
+              <a:avLst/>
+              <a:gdLst/>
+              <a:ahLst/>
+              <a:cxnLst/>
+              <a:rect l="0" t="0" r="r" b="b"/>
+              <a:pathLst>
+                <a:path w="8" h="48">
+                  <a:moveTo>
+                    <a:pt x="0" y="26"/>
+                  </a:moveTo>
+                  <a:cubicBezTo>
+                    <a:pt x="1" y="29"/>
+                    <a:pt x="2" y="33"/>
+                    <a:pt x="4" y="37"/>
+                  </a:cubicBezTo>
+                  <a:cubicBezTo>
+                    <a:pt x="5" y="41"/>
+                    <a:pt x="7" y="44"/>
+                    <a:pt x="8" y="48"/>
+                  </a:cubicBezTo>
+                  <a:cubicBezTo>
+                    <a:pt x="7" y="38"/>
+                    <a:pt x="7" y="28"/>
+                    <a:pt x="7" y="19"/>
+                  </a:cubicBezTo>
+                  <a:cubicBezTo>
+                    <a:pt x="5" y="12"/>
+                    <a:pt x="3" y="6"/>
+                    <a:pt x="0" y="0"/>
+                  </a:cubicBezTo>
+                  <a:cubicBezTo>
+                    <a:pt x="0" y="1"/>
+                    <a:pt x="0" y="3"/>
+                    <a:pt x="0" y="4"/>
+                  </a:cubicBezTo>
+                  <a:cubicBezTo>
+                    <a:pt x="0" y="11"/>
+                    <a:pt x="0" y="19"/>
+                    <a:pt x="0" y="26"/>
+                  </a:cubicBezTo>
+                  <a:close/>
+                </a:path>
+              </a:pathLst>
+            </a:custGeom>
+            <a:solidFill>
+              <a:schemeClr val="tx2"/>
+            </a:solidFill>
+            <a:ln>
+              <a:noFill/>
+            </a:ln>
+          </p:spPr>
+        </p:sp>
+        <p:sp>
+          <p:nvSpPr>
+            <p:cNvPr id="38" name="Freeform 38">
+              <a:extLst>
+                <a:ext uri="{FF2B5EF4-FFF2-40B4-BE49-F238E27FC236}">
+                  <a16:creationId xmlns:a16="http://schemas.microsoft.com/office/drawing/2014/main" id="{C0A815A3-B7C7-4090-88EA-DA48AE474E38}"/>
+                </a:ext>
+              </a:extLst>
+            </p:cNvPr>
+            <p:cNvSpPr/>
+            <p:nvPr>
+              <p:extLst>
+                <p:ext uri="{386F3935-93C4-4BCD-93E2-E3B085C9AB24}">
+                  <p16:designElem xmlns:p16="http://schemas.microsoft.com/office/powerpoint/2015/main" val="1"/>
+                </p:ext>
+              </p:extLst>
+            </p:nvPr>
+          </p:nvSpPr>
+          <p:spPr bwMode="auto">
+            <a:xfrm>
+              <a:off x="7439026" y="5434013"/>
+              <a:ext cx="174625" cy="439738"/>
+            </a:xfrm>
+            <a:custGeom>
+              <a:avLst/>
+              <a:gdLst/>
+              <a:ahLst/>
+              <a:cxnLst/>
+              <a:rect l="0" t="0" r="r" b="b"/>
+              <a:pathLst>
+                <a:path w="44" h="111">
+                  <a:moveTo>
+                    <a:pt x="11" y="28"/>
+                  </a:moveTo>
+                  <a:cubicBezTo>
+                    <a:pt x="7" y="19"/>
+                    <a:pt x="4" y="9"/>
+                    <a:pt x="0" y="0"/>
+                  </a:cubicBezTo>
+                  <a:cubicBezTo>
+                    <a:pt x="3" y="16"/>
+                    <a:pt x="7" y="33"/>
+                    <a:pt x="11" y="49"/>
+                  </a:cubicBezTo>
+                  <a:cubicBezTo>
+                    <a:pt x="12" y="52"/>
+                    <a:pt x="13" y="55"/>
+                    <a:pt x="14" y="58"/>
+                  </a:cubicBezTo>
+                  <a:cubicBezTo>
+                    <a:pt x="22" y="76"/>
+                    <a:pt x="30" y="94"/>
+                    <a:pt x="39" y="111"/>
+                  </a:cubicBezTo>
+                  <a:cubicBezTo>
+                    <a:pt x="44" y="111"/>
+                    <a:pt x="44" y="111"/>
+                    <a:pt x="44" y="111"/>
+                  </a:cubicBezTo>
+                  <a:cubicBezTo>
+                    <a:pt x="35" y="92"/>
+                    <a:pt x="28" y="72"/>
+                    <a:pt x="22" y="52"/>
+                  </a:cubicBezTo>
+                  <a:cubicBezTo>
+                    <a:pt x="18" y="44"/>
+                    <a:pt x="15" y="36"/>
+                    <a:pt x="11" y="28"/>
+                  </a:cubicBezTo>
+                  <a:close/>
+                </a:path>
+              </a:pathLst>
+            </a:custGeom>
+            <a:solidFill>
+              <a:schemeClr val="tx2"/>
+            </a:solidFill>
+            <a:ln>
+              <a:noFill/>
+            </a:ln>
+          </p:spPr>
+        </p:sp>
+      </p:grpSp>
+      <p:sp>
+        <p:nvSpPr>
+          <p:cNvPr id="40" name="Rectangle 39">
+            <a:extLst>
+              <a:ext uri="{FF2B5EF4-FFF2-40B4-BE49-F238E27FC236}">
+                <a16:creationId xmlns:a16="http://schemas.microsoft.com/office/drawing/2014/main" id="{AE2F7D72-C98C-4C79-88A4-1DD7AAE7BF3D}"/>
+              </a:ext>
+            </a:extLst>
+          </p:cNvPr>
+          <p:cNvSpPr>
+            <a:spLocks noGrp="1" noRot="1" noChangeAspect="1" noMove="1" noResize="1" noEditPoints="1" noAdjustHandles="1" noChangeArrowheads="1" noChangeShapeType="1" noTextEdit="1"/>
+          </p:cNvSpPr>
+          <p:nvPr>
+            <p:extLst>
+              <p:ext uri="{386F3935-93C4-4BCD-93E2-E3B085C9AB24}">
+                <p16:designElem xmlns:p16="http://schemas.microsoft.com/office/powerpoint/2015/main" val="1"/>
+              </p:ext>
+            </p:extLst>
+          </p:nvPr>
+        </p:nvSpPr>
+        <p:spPr>
+          <a:xfrm>
+            <a:off x="0" y="0"/>
+            <a:ext cx="182880" cy="6858000"/>
+          </a:xfrm>
+          <a:prstGeom prst="rect">
+            <a:avLst/>
+          </a:prstGeom>
+          <a:solidFill>
+            <a:schemeClr val="tx2"/>
+          </a:solidFill>
+          <a:ln>
+            <a:noFill/>
+          </a:ln>
+          <a:effectLst/>
+        </p:spPr>
+        <p:style>
+          <a:lnRef idx="1">
+            <a:schemeClr val="accent1"/>
+          </a:lnRef>
+          <a:fillRef idx="3">
+            <a:schemeClr val="accent1"/>
+          </a:fillRef>
+          <a:effectRef idx="2">
+            <a:schemeClr val="accent1"/>
+          </a:effectRef>
+          <a:fontRef idx="minor">
+            <a:schemeClr val="lt1"/>
+          </a:fontRef>
+        </p:style>
+      </p:sp>
+      <p:sp>
+        <p:nvSpPr>
+          <p:cNvPr id="42" name="Freeform 11">
+            <a:extLst>
+              <a:ext uri="{FF2B5EF4-FFF2-40B4-BE49-F238E27FC236}">
+                <a16:creationId xmlns:a16="http://schemas.microsoft.com/office/drawing/2014/main" id="{17BE9237-F367-4B09-A610-9AC21A4323A3}"/>
+              </a:ext>
+            </a:extLst>
+          </p:cNvPr>
+          <p:cNvSpPr>
+            <a:spLocks noGrp="1" noRot="1" noChangeAspect="1" noMove="1" noResize="1" noEditPoints="1" noAdjustHandles="1" noChangeArrowheads="1" noChangeShapeType="1" noTextEdit="1"/>
+          </p:cNvSpPr>
+          <p:nvPr>
+            <p:extLst>
+              <p:ext uri="{386F3935-93C4-4BCD-93E2-E3B085C9AB24}">
+                <p16:designElem xmlns:p16="http://schemas.microsoft.com/office/powerpoint/2015/main" val="1"/>
+              </p:ext>
+            </p:extLst>
+          </p:nvPr>
+        </p:nvSpPr>
+        <p:spPr bwMode="auto">
+          <a:xfrm flipV="1">
+            <a:off x="-4189" y="714375"/>
+            <a:ext cx="1588527" cy="507297"/>
+          </a:xfrm>
+          <a:custGeom>
+            <a:avLst/>
+            <a:gdLst/>
+            <a:ahLst/>
+            <a:cxnLst/>
+            <a:rect l="l" t="t" r="r" b="b"/>
+            <a:pathLst>
+              <a:path w="9248" h="10000">
+                <a:moveTo>
+                  <a:pt x="9248" y="4701"/>
+                </a:moveTo>
+                <a:lnTo>
+                  <a:pt x="7915" y="188"/>
+                </a:lnTo>
+                <a:cubicBezTo>
+                  <a:pt x="7906" y="156"/>
+                  <a:pt x="7895" y="126"/>
+                  <a:pt x="7886" y="94"/>
+                </a:cubicBezTo>
+                <a:cubicBezTo>
+                  <a:pt x="7859" y="0"/>
+                  <a:pt x="7831" y="0"/>
+                  <a:pt x="7803" y="0"/>
+                </a:cubicBezTo>
+                <a:lnTo>
+                  <a:pt x="7275" y="0"/>
+                </a:lnTo>
+                <a:lnTo>
+                  <a:pt x="0" y="70"/>
+                </a:lnTo>
+                <a:cubicBezTo>
+                  <a:pt x="8" y="3380"/>
+                  <a:pt x="17" y="6690"/>
+                  <a:pt x="25" y="10000"/>
+                </a:cubicBezTo>
+                <a:lnTo>
+                  <a:pt x="7275" y="9966"/>
+                </a:lnTo>
+                <a:lnTo>
+                  <a:pt x="7803" y="9966"/>
+                </a:lnTo>
+                <a:cubicBezTo>
+                  <a:pt x="7831" y="9966"/>
+                  <a:pt x="7859" y="9872"/>
+                  <a:pt x="7886" y="9872"/>
+                </a:cubicBezTo>
+                <a:cubicBezTo>
+                  <a:pt x="7886" y="9778"/>
+                  <a:pt x="7915" y="9778"/>
+                  <a:pt x="7915" y="9778"/>
+                </a:cubicBezTo>
+                <a:lnTo>
+                  <a:pt x="9248" y="5265"/>
+                </a:lnTo>
+                <a:cubicBezTo>
+                  <a:pt x="9303" y="5077"/>
+                  <a:pt x="9303" y="4889"/>
+                  <a:pt x="9248" y="4701"/>
+                </a:cubicBezTo>
+                <a:close/>
+              </a:path>
+            </a:pathLst>
+          </a:custGeom>
+          <a:solidFill>
+            <a:schemeClr val="accent1"/>
+          </a:solidFill>
+          <a:ln>
+            <a:noFill/>
+          </a:ln>
+        </p:spPr>
+      </p:sp>
+      <p:pic>
+        <p:nvPicPr>
+          <p:cNvPr id="7" name="Immagine 6">
+            <a:extLst>
+              <a:ext uri="{FF2B5EF4-FFF2-40B4-BE49-F238E27FC236}">
+                <a16:creationId xmlns:a16="http://schemas.microsoft.com/office/drawing/2014/main" id="{43DC8CC9-66EE-4E9F-9F6E-83DD086877D3}"/>
+              </a:ext>
+            </a:extLst>
+          </p:cNvPr>
+          <p:cNvPicPr>
+            <a:picLocks noChangeAspect="1"/>
+          </p:cNvPicPr>
+          <p:nvPr/>
+        </p:nvPicPr>
+        <p:blipFill>
+          <a:blip r:embed="rId2"/>
+          <a:stretch>
+            <a:fillRect/>
+          </a:stretch>
+        </p:blipFill>
+        <p:spPr>
+          <a:xfrm>
+            <a:off x="8629646" y="2233663"/>
+            <a:ext cx="2873159" cy="2873159"/>
+          </a:xfrm>
+          <a:prstGeom prst="rect">
+            <a:avLst/>
+          </a:prstGeom>
+        </p:spPr>
+      </p:pic>
       <p:sp>
         <p:nvSpPr>
           <p:cNvPr id="5" name="Titolo 1">
@@ -17922,74 +23291,345 @@
             </a:lvl9pPr>
           </a:lstStyle>
           <a:p>
-            <a:pPr algn="ctr"/>
-            <a:r>
-              <a:rPr lang="it-IT" sz="4400" b="1" dirty="0">
-                <a:solidFill>
-                  <a:srgbClr val="FFC000"/>
-                </a:solidFill>
-              </a:rPr>
+            <a:pPr>
+              <a:spcAft>
+                <a:spcPts val="600"/>
+              </a:spcAft>
+            </a:pPr>
+            <a:r>
+              <a:rPr lang="en-US" b="1"/>
               <a:t>CONSIDERATIONS</a:t>
             </a:r>
-            <a:endParaRPr lang="en-GB" sz="4400" dirty="0"/>
+            <a:endParaRPr lang="en-US"/>
           </a:p>
         </p:txBody>
       </p:sp>
       <p:sp>
         <p:nvSpPr>
-          <p:cNvPr id="2" name="CasellaDiTesto 1">
+          <p:cNvPr id="6" name="Segnaposto contenuto 2">
             <a:extLst>
               <a:ext uri="{FF2B5EF4-FFF2-40B4-BE49-F238E27FC236}">
-                <a16:creationId xmlns:a16="http://schemas.microsoft.com/office/drawing/2014/main" id="{496967D2-8F7A-42B5-A326-01F4C1F393A2}"/>
+                <a16:creationId xmlns:a16="http://schemas.microsoft.com/office/drawing/2014/main" id="{D2D38757-F255-4543-8BE8-18140BF64F70}"/>
               </a:ext>
             </a:extLst>
           </p:cNvPr>
-          <p:cNvSpPr txBox="1"/>
+          <p:cNvSpPr txBox="1">
+            <a:spLocks/>
+          </p:cNvSpPr>
           <p:nvPr/>
         </p:nvSpPr>
         <p:spPr>
           <a:xfrm>
-            <a:off x="3332284" y="4378569"/>
-            <a:ext cx="5460023" cy="1754326"/>
+            <a:off x="2589212" y="2125362"/>
+            <a:ext cx="5835121" cy="3785860"/>
           </a:xfrm>
           <a:prstGeom prst="rect">
             <a:avLst/>
           </a:prstGeom>
-          <a:noFill/>
         </p:spPr>
         <p:txBody>
-          <a:bodyPr wrap="square" rtlCol="0">
-            <a:spAutoFit/>
+          <a:bodyPr vert="horz" lIns="91440" tIns="45720" rIns="91440" bIns="45720" rtlCol="0">
+            <a:normAutofit/>
           </a:bodyPr>
-          <a:lstStyle/>
-          <a:p>
-            <a:r>
-              <a:rPr lang="it-IT" dirty="0"/>
-              <a:t>Lock sempre peggio di serial</a:t>
-            </a:r>
-          </a:p>
-          <a:p>
-            <a:r>
-              <a:rPr lang="it-IT" dirty="0" err="1"/>
-              <a:t>Execution</a:t>
-            </a:r>
-            <a:r>
-              <a:rPr lang="it-IT" dirty="0"/>
-              <a:t> time cresce linearmente con la lunghezza dell’input</a:t>
-            </a:r>
-          </a:p>
-          <a:p>
-            <a:r>
-              <a:rPr lang="it-IT" dirty="0" err="1"/>
-              <a:t>Execution</a:t>
-            </a:r>
-            <a:r>
-              <a:rPr lang="it-IT" dirty="0"/>
-              <a:t> time cresce non linearmente al crescere di k</a:t>
-            </a:r>
-          </a:p>
-          <a:p>
-            <a:endParaRPr lang="it-IT" dirty="0"/>
+          <a:lstStyle>
+            <a:lvl1pPr marL="342900" indent="-342900" algn="l" defTabSz="457200" rtl="0" eaLnBrk="1" latinLnBrk="0" hangingPunct="1">
+              <a:spcBef>
+                <a:spcPts val="1000"/>
+              </a:spcBef>
+              <a:spcAft>
+                <a:spcPts val="0"/>
+              </a:spcAft>
+              <a:buClr>
+                <a:schemeClr val="accent1"/>
+              </a:buClr>
+              <a:buFont typeface="Wingdings 3" charset="2"/>
+              <a:buChar char=""/>
+              <a:defRPr sz="1800" kern="1200">
+                <a:solidFill>
+                  <a:schemeClr val="tx1">
+                    <a:lumMod val="75000"/>
+                    <a:lumOff val="25000"/>
+                  </a:schemeClr>
+                </a:solidFill>
+                <a:latin typeface="+mn-lt"/>
+                <a:ea typeface="+mn-ea"/>
+                <a:cs typeface="+mn-cs"/>
+              </a:defRPr>
+            </a:lvl1pPr>
+            <a:lvl2pPr marL="742950" indent="-285750" algn="l" defTabSz="457200" rtl="0" eaLnBrk="1" latinLnBrk="0" hangingPunct="1">
+              <a:spcBef>
+                <a:spcPts val="1000"/>
+              </a:spcBef>
+              <a:spcAft>
+                <a:spcPts val="0"/>
+              </a:spcAft>
+              <a:buClr>
+                <a:schemeClr val="accent1"/>
+              </a:buClr>
+              <a:buFont typeface="Wingdings 3" charset="2"/>
+              <a:buChar char=""/>
+              <a:defRPr sz="1600" kern="1200">
+                <a:solidFill>
+                  <a:schemeClr val="tx1">
+                    <a:lumMod val="75000"/>
+                    <a:lumOff val="25000"/>
+                  </a:schemeClr>
+                </a:solidFill>
+                <a:latin typeface="+mn-lt"/>
+                <a:ea typeface="+mn-ea"/>
+                <a:cs typeface="+mn-cs"/>
+              </a:defRPr>
+            </a:lvl2pPr>
+            <a:lvl3pPr marL="1143000" indent="-228600" algn="l" defTabSz="457200" rtl="0" eaLnBrk="1" latinLnBrk="0" hangingPunct="1">
+              <a:spcBef>
+                <a:spcPts val="1000"/>
+              </a:spcBef>
+              <a:spcAft>
+                <a:spcPts val="0"/>
+              </a:spcAft>
+              <a:buClr>
+                <a:schemeClr val="accent1"/>
+              </a:buClr>
+              <a:buFont typeface="Wingdings 3" charset="2"/>
+              <a:buChar char=""/>
+              <a:defRPr sz="1400" kern="1200">
+                <a:solidFill>
+                  <a:schemeClr val="tx1">
+                    <a:lumMod val="75000"/>
+                    <a:lumOff val="25000"/>
+                  </a:schemeClr>
+                </a:solidFill>
+                <a:latin typeface="+mn-lt"/>
+                <a:ea typeface="+mn-ea"/>
+                <a:cs typeface="+mn-cs"/>
+              </a:defRPr>
+            </a:lvl3pPr>
+            <a:lvl4pPr marL="1600200" indent="-228600" algn="l" defTabSz="457200" rtl="0" eaLnBrk="1" latinLnBrk="0" hangingPunct="1">
+              <a:spcBef>
+                <a:spcPts val="1000"/>
+              </a:spcBef>
+              <a:spcAft>
+                <a:spcPts val="0"/>
+              </a:spcAft>
+              <a:buClr>
+                <a:schemeClr val="accent1"/>
+              </a:buClr>
+              <a:buFont typeface="Wingdings 3" charset="2"/>
+              <a:buChar char=""/>
+              <a:defRPr sz="1200" kern="1200">
+                <a:solidFill>
+                  <a:schemeClr val="tx1">
+                    <a:lumMod val="75000"/>
+                    <a:lumOff val="25000"/>
+                  </a:schemeClr>
+                </a:solidFill>
+                <a:latin typeface="+mn-lt"/>
+                <a:ea typeface="+mn-ea"/>
+                <a:cs typeface="+mn-cs"/>
+              </a:defRPr>
+            </a:lvl4pPr>
+            <a:lvl5pPr marL="2057400" indent="-228600" algn="l" defTabSz="457200" rtl="0" eaLnBrk="1" latinLnBrk="0" hangingPunct="1">
+              <a:spcBef>
+                <a:spcPts val="1000"/>
+              </a:spcBef>
+              <a:spcAft>
+                <a:spcPts val="0"/>
+              </a:spcAft>
+              <a:buClr>
+                <a:schemeClr val="accent1"/>
+              </a:buClr>
+              <a:buFont typeface="Wingdings 3" charset="2"/>
+              <a:buChar char=""/>
+              <a:defRPr sz="1200" kern="1200">
+                <a:solidFill>
+                  <a:schemeClr val="tx1">
+                    <a:lumMod val="75000"/>
+                    <a:lumOff val="25000"/>
+                  </a:schemeClr>
+                </a:solidFill>
+                <a:latin typeface="+mn-lt"/>
+                <a:ea typeface="+mn-ea"/>
+                <a:cs typeface="+mn-cs"/>
+              </a:defRPr>
+            </a:lvl5pPr>
+            <a:lvl6pPr marL="2514600" indent="-228600" algn="l" defTabSz="457200" rtl="0" eaLnBrk="1" latinLnBrk="0" hangingPunct="1">
+              <a:spcBef>
+                <a:spcPts val="1000"/>
+              </a:spcBef>
+              <a:spcAft>
+                <a:spcPts val="0"/>
+              </a:spcAft>
+              <a:buClr>
+                <a:schemeClr val="accent1"/>
+              </a:buClr>
+              <a:buFont typeface="Wingdings 3" charset="2"/>
+              <a:buChar char=""/>
+              <a:defRPr sz="1200" kern="1200">
+                <a:solidFill>
+                  <a:schemeClr val="tx1">
+                    <a:lumMod val="75000"/>
+                    <a:lumOff val="25000"/>
+                  </a:schemeClr>
+                </a:solidFill>
+                <a:latin typeface="+mn-lt"/>
+                <a:ea typeface="+mn-ea"/>
+                <a:cs typeface="+mn-cs"/>
+              </a:defRPr>
+            </a:lvl6pPr>
+            <a:lvl7pPr marL="2971800" indent="-228600" algn="l" defTabSz="457200" rtl="0" eaLnBrk="1" latinLnBrk="0" hangingPunct="1">
+              <a:spcBef>
+                <a:spcPts val="1000"/>
+              </a:spcBef>
+              <a:spcAft>
+                <a:spcPts val="0"/>
+              </a:spcAft>
+              <a:buClr>
+                <a:schemeClr val="accent1"/>
+              </a:buClr>
+              <a:buFont typeface="Wingdings 3" charset="2"/>
+              <a:buChar char=""/>
+              <a:defRPr sz="1200" kern="1200">
+                <a:solidFill>
+                  <a:schemeClr val="tx1">
+                    <a:lumMod val="75000"/>
+                    <a:lumOff val="25000"/>
+                  </a:schemeClr>
+                </a:solidFill>
+                <a:latin typeface="+mn-lt"/>
+                <a:ea typeface="+mn-ea"/>
+                <a:cs typeface="+mn-cs"/>
+              </a:defRPr>
+            </a:lvl7pPr>
+            <a:lvl8pPr marL="3429000" indent="-228600" algn="l" defTabSz="457200" rtl="0" eaLnBrk="1" latinLnBrk="0" hangingPunct="1">
+              <a:spcBef>
+                <a:spcPts val="1000"/>
+              </a:spcBef>
+              <a:spcAft>
+                <a:spcPts val="0"/>
+              </a:spcAft>
+              <a:buClr>
+                <a:schemeClr val="accent1"/>
+              </a:buClr>
+              <a:buFont typeface="Wingdings 3" charset="2"/>
+              <a:buChar char=""/>
+              <a:defRPr sz="1200" kern="1200">
+                <a:solidFill>
+                  <a:schemeClr val="tx1">
+                    <a:lumMod val="75000"/>
+                    <a:lumOff val="25000"/>
+                  </a:schemeClr>
+                </a:solidFill>
+                <a:latin typeface="+mn-lt"/>
+                <a:ea typeface="+mn-ea"/>
+                <a:cs typeface="+mn-cs"/>
+              </a:defRPr>
+            </a:lvl8pPr>
+            <a:lvl9pPr marL="3886200" indent="-228600" algn="l" defTabSz="457200" rtl="0" eaLnBrk="1" latinLnBrk="0" hangingPunct="1">
+              <a:spcBef>
+                <a:spcPts val="1000"/>
+              </a:spcBef>
+              <a:spcAft>
+                <a:spcPts val="0"/>
+              </a:spcAft>
+              <a:buClr>
+                <a:schemeClr val="accent1"/>
+              </a:buClr>
+              <a:buFont typeface="Wingdings 3" charset="2"/>
+              <a:buChar char=""/>
+              <a:defRPr sz="1200" kern="1200">
+                <a:solidFill>
+                  <a:schemeClr val="tx1">
+                    <a:lumMod val="75000"/>
+                    <a:lumOff val="25000"/>
+                  </a:schemeClr>
+                </a:solidFill>
+                <a:latin typeface="+mn-lt"/>
+                <a:ea typeface="+mn-ea"/>
+                <a:cs typeface="+mn-cs"/>
+              </a:defRPr>
+            </a:lvl9pPr>
+          </a:lstStyle>
+          <a:p>
+            <a:pPr>
+              <a:lnSpc>
+                <a:spcPct val="90000"/>
+              </a:lnSpc>
+            </a:pPr>
+            <a:r>
+              <a:rPr lang="en-US" sz="1700"/>
+              <a:t>Lock-parallel-version has always very bad performances</a:t>
+            </a:r>
+          </a:p>
+          <a:p>
+            <a:pPr>
+              <a:lnSpc>
+                <a:spcPct val="90000"/>
+              </a:lnSpc>
+            </a:pPr>
+            <a:r>
+              <a:rPr lang="en-US" sz="1700"/>
+              <a:t>Optimised version is always better than the other algorithms</a:t>
+            </a:r>
+          </a:p>
+          <a:p>
+            <a:pPr>
+              <a:lnSpc>
+                <a:spcPct val="90000"/>
+              </a:lnSpc>
+            </a:pPr>
+            <a:endParaRPr lang="en-US" sz="1700"/>
+          </a:p>
+          <a:p>
+            <a:pPr>
+              <a:lnSpc>
+                <a:spcPct val="90000"/>
+              </a:lnSpc>
+            </a:pPr>
+            <a:r>
+              <a:rPr lang="en-US" sz="1700"/>
+              <a:t>Lock-parallel-version scales bad with the number of threads</a:t>
+            </a:r>
+          </a:p>
+          <a:p>
+            <a:pPr>
+              <a:lnSpc>
+                <a:spcPct val="90000"/>
+              </a:lnSpc>
+            </a:pPr>
+            <a:r>
+              <a:rPr lang="en-US" sz="1700"/>
+              <a:t>Optimised version scales well with the number of threads</a:t>
+            </a:r>
+          </a:p>
+          <a:p>
+            <a:pPr>
+              <a:lnSpc>
+                <a:spcPct val="90000"/>
+              </a:lnSpc>
+            </a:pPr>
+            <a:endParaRPr lang="en-US" sz="1700"/>
+          </a:p>
+          <a:p>
+            <a:pPr>
+              <a:lnSpc>
+                <a:spcPct val="90000"/>
+              </a:lnSpc>
+            </a:pPr>
+            <a:r>
+              <a:rPr lang="en-US" sz="1700"/>
+              <a:t>Execution time grows linearly with the input lenght</a:t>
+            </a:r>
+          </a:p>
+          <a:p>
+            <a:pPr>
+              <a:lnSpc>
+                <a:spcPct val="90000"/>
+              </a:lnSpc>
+            </a:pPr>
+            <a:r>
+              <a:rPr lang="en-US" sz="1700"/>
+              <a:t>Execution time grows linearly with k</a:t>
+            </a:r>
           </a:p>
         </p:txBody>
       </p:sp>
@@ -18136,6 +23776,165 @@
               <a:t>REFERENCES</a:t>
             </a:r>
             <a:endParaRPr lang="en-GB" sz="4400" dirty="0"/>
+          </a:p>
+        </p:txBody>
+      </p:sp>
+      <p:sp>
+        <p:nvSpPr>
+          <p:cNvPr id="2" name="Rettangolo 1">
+            <a:extLst>
+              <a:ext uri="{FF2B5EF4-FFF2-40B4-BE49-F238E27FC236}">
+                <a16:creationId xmlns:a16="http://schemas.microsoft.com/office/drawing/2014/main" id="{60F2809D-10DC-445F-AC51-205042122CE1}"/>
+              </a:ext>
+            </a:extLst>
+          </p:cNvPr>
+          <p:cNvSpPr/>
+          <p:nvPr/>
+        </p:nvSpPr>
+        <p:spPr>
+          <a:xfrm>
+            <a:off x="2164802" y="1620891"/>
+            <a:ext cx="8413859" cy="5078313"/>
+          </a:xfrm>
+          <a:prstGeom prst="rect">
+            <a:avLst/>
+          </a:prstGeom>
+        </p:spPr>
+        <p:txBody>
+          <a:bodyPr wrap="square">
+            <a:spAutoFit/>
+          </a:bodyPr>
+          <a:lstStyle/>
+          <a:p>
+            <a:r>
+              <a:rPr lang="en-GB" i="1" dirty="0"/>
+              <a:t>[National </a:t>
+            </a:r>
+            <a:r>
+              <a:rPr lang="en-GB" i="1" dirty="0" err="1"/>
+              <a:t>Center</a:t>
+            </a:r>
+            <a:r>
+              <a:rPr lang="en-GB" i="1" dirty="0"/>
+              <a:t> for Biotechnology Information https://www.ncbi.nlm.nih.gov/genbank/release/145/]</a:t>
+            </a:r>
+          </a:p>
+          <a:p>
+            <a:endParaRPr lang="it-IT" i="1" dirty="0"/>
+          </a:p>
+          <a:p>
+            <a:r>
+              <a:rPr lang="it-IT" i="1" dirty="0"/>
+              <a:t>[Random DNA Generator</a:t>
+            </a:r>
+          </a:p>
+          <a:p>
+            <a:r>
+              <a:rPr lang="it-IT" i="1" dirty="0"/>
+              <a:t>http://www.faculty.ucr.edu/</a:t>
+            </a:r>
+            <a:r>
+              <a:rPr lang="it-IT" i="1" dirty="0" err="1"/>
+              <a:t>mmaduro</a:t>
+            </a:r>
+            <a:r>
+              <a:rPr lang="it-IT" i="1" dirty="0"/>
+              <a:t>/random.htm]</a:t>
+            </a:r>
+          </a:p>
+          <a:p>
+            <a:endParaRPr lang="en-GB" i="1" dirty="0"/>
+          </a:p>
+          <a:p>
+            <a:r>
+              <a:rPr lang="en-GB" i="1" dirty="0"/>
+              <a:t>[A fast, lock-free approach for efficient parallel counting of occurrences of k-</a:t>
+            </a:r>
+            <a:r>
+              <a:rPr lang="en-GB" i="1" dirty="0" err="1"/>
+              <a:t>mers</a:t>
+            </a:r>
+            <a:r>
+              <a:rPr lang="en-GB" i="1" dirty="0"/>
+              <a:t> Guillaume Marçais1, and Carl Kingsford]</a:t>
+            </a:r>
+          </a:p>
+          <a:p>
+            <a:endParaRPr lang="it-IT" i="1" dirty="0"/>
+          </a:p>
+          <a:p>
+            <a:r>
+              <a:rPr lang="it-IT" i="1" dirty="0"/>
+              <a:t>[</a:t>
+            </a:r>
+            <a:r>
+              <a:rPr lang="en-GB" i="1" dirty="0"/>
+              <a:t>GitHub repository</a:t>
+            </a:r>
+          </a:p>
+          <a:p>
+            <a:r>
+              <a:rPr lang="en-GB" i="1" dirty="0"/>
+              <a:t>https://github.com/DiegoGabo/ProgettoAAPP/tree/master/dna_sequences]</a:t>
+            </a:r>
+          </a:p>
+          <a:p>
+            <a:endParaRPr lang="it-IT" i="1" dirty="0"/>
+          </a:p>
+          <a:p>
+            <a:r>
+              <a:rPr lang="it-IT" i="1" dirty="0"/>
+              <a:t>[Compare and swap </a:t>
+            </a:r>
+            <a:r>
+              <a:rPr lang="it-IT" i="1" dirty="0" err="1"/>
+              <a:t>documentation</a:t>
+            </a:r>
+            <a:endParaRPr lang="it-IT" i="1" dirty="0"/>
+          </a:p>
+          <a:p>
+            <a:r>
+              <a:rPr lang="it-IT" i="1" dirty="0"/>
+              <a:t>http://www.cplusplus.com/</a:t>
+            </a:r>
+            <a:r>
+              <a:rPr lang="it-IT" i="1" dirty="0" err="1"/>
+              <a:t>reference</a:t>
+            </a:r>
+            <a:r>
+              <a:rPr lang="it-IT" i="1" dirty="0"/>
+              <a:t>/</a:t>
+            </a:r>
+            <a:r>
+              <a:rPr lang="it-IT" i="1" dirty="0" err="1"/>
+              <a:t>atomic</a:t>
+            </a:r>
+            <a:r>
+              <a:rPr lang="it-IT" i="1" dirty="0"/>
+              <a:t>/</a:t>
+            </a:r>
+            <a:r>
+              <a:rPr lang="it-IT" i="1" dirty="0" err="1"/>
+              <a:t>atomic</a:t>
+            </a:r>
+            <a:r>
+              <a:rPr lang="it-IT" i="1" dirty="0"/>
+              <a:t>/</a:t>
+            </a:r>
+            <a:r>
+              <a:rPr lang="it-IT" i="1" dirty="0" err="1"/>
+              <a:t>compare_exchange_strong</a:t>
+            </a:r>
+            <a:r>
+              <a:rPr lang="it-IT" i="1" dirty="0"/>
+              <a:t>/]</a:t>
+            </a:r>
+          </a:p>
+          <a:p>
+            <a:endParaRPr lang="it-IT" i="1" dirty="0"/>
+          </a:p>
+          <a:p>
+            <a:endParaRPr lang="en-GB" dirty="0"/>
           </a:p>
         </p:txBody>
       </p:sp>

--- a/Presentation.pptx
+++ b/Presentation.pptx
@@ -30,10 +30,13 @@
     <p:sldId id="292" r:id="rId24"/>
     <p:sldId id="295" r:id="rId25"/>
     <p:sldId id="288" r:id="rId26"/>
-    <p:sldId id="293" r:id="rId27"/>
-    <p:sldId id="294" r:id="rId28"/>
-    <p:sldId id="291" r:id="rId29"/>
-    <p:sldId id="286" r:id="rId30"/>
+    <p:sldId id="298" r:id="rId27"/>
+    <p:sldId id="293" r:id="rId28"/>
+    <p:sldId id="294" r:id="rId29"/>
+    <p:sldId id="296" r:id="rId30"/>
+    <p:sldId id="297" r:id="rId31"/>
+    <p:sldId id="291" r:id="rId32"/>
+    <p:sldId id="286" r:id="rId33"/>
   </p:sldIdLst>
   <p:sldSz cx="12192000" cy="6858000"/>
   <p:notesSz cx="6858000" cy="9144000"/>
@@ -192,26 +195,6 @@
         </a:ln>
         <a:effectLst/>
       </c:spPr>
-      <c:txPr>
-        <a:bodyPr rot="0" spcFirstLastPara="1" vertOverflow="ellipsis" wrap="square" anchor="ctr" anchorCtr="1"/>
-        <a:lstStyle/>
-        <a:p>
-          <a:pPr>
-            <a:defRPr sz="2128" b="1" i="0" u="none" strike="noStrike" kern="1200" cap="none" spc="0" normalizeH="0" baseline="0">
-              <a:solidFill>
-                <a:schemeClr val="dk1">
-                  <a:lumMod val="50000"/>
-                  <a:lumOff val="50000"/>
-                </a:schemeClr>
-              </a:solidFill>
-              <a:latin typeface="+mj-lt"/>
-              <a:ea typeface="+mj-ea"/>
-              <a:cs typeface="+mj-cs"/>
-            </a:defRPr>
-          </a:pPr>
-          <a:endParaRPr lang="en-US"/>
-        </a:p>
-      </c:txPr>
     </c:title>
     <c:autoTitleDeleted val="0"/>
     <c:plotArea>
@@ -221,8 +204,77 @@
         <c:grouping val="clustered"/>
         <c:varyColors val="1"/>
         <c:ser>
+          <c:idx val="2"/>
+          <c:order val="0"/>
+          <c:tx>
+            <c:v>Serial</c:v>
+          </c:tx>
+          <c:spPr>
+            <a:solidFill>
+              <a:schemeClr val="accent3"/>
+            </a:solidFill>
+            <a:ln>
+              <a:noFill/>
+            </a:ln>
+            <a:effectLst/>
+          </c:spPr>
+          <c:invertIfNegative val="0"/>
+          <c:cat>
+            <c:strRef>
+              <c:f>Foglio1!$A$80:$A$84</c:f>
+              <c:strCache>
+                <c:ptCount val="5"/>
+                <c:pt idx="0">
+                  <c:v>gbgss116.seq</c:v>
+                </c:pt>
+                <c:pt idx="1">
+                  <c:v>gbbct367.seq</c:v>
+                </c:pt>
+                <c:pt idx="2">
+                  <c:v>gbgss155.seq</c:v>
+                </c:pt>
+                <c:pt idx="3">
+                  <c:v>hs_alt_CHM1_1.1_chr22.gbk</c:v>
+                </c:pt>
+                <c:pt idx="4">
+                  <c:v>random_dna.txt</c:v>
+                </c:pt>
+              </c:strCache>
+            </c:strRef>
+          </c:cat>
+          <c:val>
+            <c:numRef>
+              <c:f>Foglio1!$E$80:$E$84</c:f>
+              <c:numCache>
+                <c:formatCode>0,000</c:formatCode>
+                <c:ptCount val="5"/>
+                <c:pt idx="0">
+                  <c:v>45.527966666666664</c:v>
+                </c:pt>
+                <c:pt idx="1">
+                  <c:v>14.242433333333333</c:v>
+                </c:pt>
+                <c:pt idx="2">
+                  <c:v>106.14056666666666</c:v>
+                </c:pt>
+                <c:pt idx="3">
+                  <c:v>255.42566666666667</c:v>
+                </c:pt>
+                <c:pt idx="4">
+                  <c:v>7.5280366666666678</c:v>
+                </c:pt>
+              </c:numCache>
+            </c:numRef>
+          </c:val>
+          <c:extLst>
+            <c:ext xmlns:c16="http://schemas.microsoft.com/office/drawing/2014/chart" uri="{C3380CC4-5D6E-409C-BE32-E72D297353CC}">
+              <c16:uniqueId val="{00000002-BBB3-4B69-9A88-DD4F41D8A223}"/>
+            </c:ext>
+          </c:extLst>
+        </c:ser>
+        <c:ser>
           <c:idx val="0"/>
-          <c:order val="0"/>
+          <c:order val="1"/>
           <c:tx>
             <c:v>Lock</c:v>
           </c:tx>
@@ -263,7 +315,7 @@
             <c:numRef>
               <c:f>Foglio1!$E$88:$E$92</c:f>
               <c:numCache>
-                <c:formatCode>0.000</c:formatCode>
+                <c:formatCode>0,000</c:formatCode>
                 <c:ptCount val="5"/>
                 <c:pt idx="0">
                   <c:v>58.905900000000003</c:v>
@@ -291,7 +343,7 @@
         </c:ser>
         <c:ser>
           <c:idx val="1"/>
-          <c:order val="1"/>
+          <c:order val="2"/>
           <c:tx>
             <c:v>Optimized</c:v>
           </c:tx>
@@ -332,7 +384,7 @@
             <c:numRef>
               <c:f>Foglio1!$E$96:$E$100</c:f>
               <c:numCache>
-                <c:formatCode>0.000</c:formatCode>
+                <c:formatCode>0,000</c:formatCode>
                 <c:ptCount val="5"/>
                 <c:pt idx="0">
                   <c:v>4.6279999999999992</c:v>
@@ -355,83 +407,6 @@
           <c:extLst>
             <c:ext xmlns:c16="http://schemas.microsoft.com/office/drawing/2014/chart" uri="{C3380CC4-5D6E-409C-BE32-E72D297353CC}">
               <c16:uniqueId val="{00000001-BBB3-4B69-9A88-DD4F41D8A223}"/>
-            </c:ext>
-          </c:extLst>
-        </c:ser>
-        <c:ser>
-          <c:idx val="2"/>
-          <c:order val="2"/>
-          <c:tx>
-            <c:strRef>
-              <c:f>serial</c:f>
-              <c:strCache>
-                <c:ptCount val="1"/>
-                <c:pt idx="0">
-                  <c:v>serial</c:v>
-                </c:pt>
-              </c:strCache>
-            </c:strRef>
-          </c:tx>
-          <c:spPr>
-            <a:solidFill>
-              <a:schemeClr val="accent3"/>
-            </a:solidFill>
-            <a:ln>
-              <a:noFill/>
-            </a:ln>
-            <a:effectLst/>
-          </c:spPr>
-          <c:invertIfNegative val="0"/>
-          <c:cat>
-            <c:strRef>
-              <c:f>Foglio1!$A$80:$A$84</c:f>
-              <c:strCache>
-                <c:ptCount val="5"/>
-                <c:pt idx="0">
-                  <c:v>gbgss116.seq</c:v>
-                </c:pt>
-                <c:pt idx="1">
-                  <c:v>gbbct367.seq</c:v>
-                </c:pt>
-                <c:pt idx="2">
-                  <c:v>gbgss155.seq</c:v>
-                </c:pt>
-                <c:pt idx="3">
-                  <c:v>hs_alt_CHM1_1.1_chr22.gbk</c:v>
-                </c:pt>
-                <c:pt idx="4">
-                  <c:v>random_dna.txt</c:v>
-                </c:pt>
-              </c:strCache>
-            </c:strRef>
-          </c:cat>
-          <c:val>
-            <c:numRef>
-              <c:f>Foglio1!$E$80:$E$84</c:f>
-              <c:numCache>
-                <c:formatCode>0.000</c:formatCode>
-                <c:ptCount val="5"/>
-                <c:pt idx="0">
-                  <c:v>45.527966666666664</c:v>
-                </c:pt>
-                <c:pt idx="1">
-                  <c:v>14.242433333333333</c:v>
-                </c:pt>
-                <c:pt idx="2">
-                  <c:v>106.14056666666666</c:v>
-                </c:pt>
-                <c:pt idx="3">
-                  <c:v>255.42566666666667</c:v>
-                </c:pt>
-                <c:pt idx="4">
-                  <c:v>7.5280366666666678</c:v>
-                </c:pt>
-              </c:numCache>
-            </c:numRef>
-          </c:val>
-          <c:extLst>
-            <c:ext xmlns:c16="http://schemas.microsoft.com/office/drawing/2014/chart" uri="{C3380CC4-5D6E-409C-BE32-E72D297353CC}">
-              <c16:uniqueId val="{00000002-BBB3-4B69-9A88-DD4F41D8A223}"/>
             </c:ext>
           </c:extLst>
         </c:ser>
@@ -518,7 +493,7 @@
                 <a:cs typeface="+mn-cs"/>
               </a:defRPr>
             </a:pPr>
-            <a:endParaRPr lang="en-US"/>
+            <a:endParaRPr lang="it-IT"/>
           </a:p>
         </c:txPr>
         <c:crossAx val="8974513"/>
@@ -584,26 +559,6 @@
             </a:ln>
             <a:effectLst/>
           </c:spPr>
-          <c:txPr>
-            <a:bodyPr rot="-5400000" spcFirstLastPara="1" vertOverflow="ellipsis" wrap="square" anchor="ctr" anchorCtr="1"/>
-            <a:lstStyle/>
-            <a:p>
-              <a:pPr>
-                <a:defRPr sz="1197" b="1" i="0" u="none" strike="noStrike" kern="1200" baseline="0">
-                  <a:solidFill>
-                    <a:schemeClr val="dk1">
-                      <a:lumMod val="65000"/>
-                      <a:lumOff val="35000"/>
-                    </a:schemeClr>
-                  </a:solidFill>
-                  <a:latin typeface="+mn-lt"/>
-                  <a:ea typeface="+mn-ea"/>
-                  <a:cs typeface="+mn-cs"/>
-                </a:defRPr>
-              </a:pPr>
-              <a:endParaRPr lang="en-US"/>
-            </a:p>
-          </c:txPr>
         </c:title>
         <c:numFmt formatCode="0.000" sourceLinked="0"/>
         <c:majorTickMark val="none"/>
@@ -633,7 +588,7 @@
                 <a:cs typeface="+mn-cs"/>
               </a:defRPr>
             </a:pPr>
-            <a:endParaRPr lang="en-US"/>
+            <a:endParaRPr lang="it-IT"/>
           </a:p>
         </c:txPr>
         <c:crossAx val="88055891"/>
@@ -675,7 +630,7 @@
                 <a:cs typeface="+mn-cs"/>
               </a:defRPr>
             </a:pPr>
-            <a:endParaRPr lang="en-US"/>
+            <a:endParaRPr lang="it-IT"/>
           </a:p>
         </c:txPr>
       </c:dTable>
@@ -723,10 +678,10 @@
       <a:pPr>
         <a:defRPr/>
       </a:pPr>
-      <a:endParaRPr lang="en-US"/>
+      <a:endParaRPr lang="it-IT"/>
     </a:p>
   </c:txPr>
-  <c:externalData r:id="rId3">
+  <c:externalData r:id="rId1">
     <c:autoUpdate val="0"/>
   </c:externalData>
 </c:chartSpace>
@@ -797,7 +752,7 @@
               <a:cs typeface="+mj-cs"/>
             </a:defRPr>
           </a:pPr>
-          <a:endParaRPr lang="en-US"/>
+          <a:endParaRPr lang="it-IT"/>
         </a:p>
       </c:txPr>
     </c:title>
@@ -816,7 +771,7 @@
           <c:spPr>
             <a:ln w="22225" cap="rnd">
               <a:solidFill>
-                <a:schemeClr val="accent1"/>
+                <a:schemeClr val="accent3"/>
               </a:solidFill>
               <a:round/>
             </a:ln>
@@ -888,7 +843,7 @@
           <c:spPr>
             <a:ln w="22225" cap="rnd">
               <a:solidFill>
-                <a:schemeClr val="accent2"/>
+                <a:srgbClr val="E78712"/>
               </a:solidFill>
               <a:round/>
             </a:ln>
@@ -937,7 +892,7 @@
           <c:spPr>
             <a:ln w="22225" cap="rnd">
               <a:solidFill>
-                <a:schemeClr val="accent3"/>
+                <a:schemeClr val="accent2"/>
               </a:solidFill>
               <a:round/>
             </a:ln>
@@ -1060,7 +1015,7 @@
                 <a:cs typeface="+mn-cs"/>
               </a:defRPr>
             </a:pPr>
-            <a:endParaRPr lang="en-US"/>
+            <a:endParaRPr lang="it-IT"/>
           </a:p>
         </c:txPr>
         <c:crossAx val="630548687"/>
@@ -1144,7 +1099,7 @@
                   <a:cs typeface="+mn-cs"/>
                 </a:defRPr>
               </a:pPr>
-              <a:endParaRPr lang="en-US"/>
+              <a:endParaRPr lang="it-IT"/>
             </a:p>
           </c:txPr>
         </c:title>
@@ -1176,7 +1131,7 @@
                 <a:cs typeface="+mn-cs"/>
               </a:defRPr>
             </a:pPr>
-            <a:endParaRPr lang="en-US"/>
+            <a:endParaRPr lang="it-IT"/>
           </a:p>
         </c:txPr>
         <c:crossAx val="628576831"/>
@@ -1218,7 +1173,7 @@
                 <a:cs typeface="+mn-cs"/>
               </a:defRPr>
             </a:pPr>
-            <a:endParaRPr lang="en-US"/>
+            <a:endParaRPr lang="it-IT"/>
           </a:p>
         </c:txPr>
       </c:dTable>
@@ -1266,7 +1221,7 @@
       <a:pPr>
         <a:defRPr/>
       </a:pPr>
-      <a:endParaRPr lang="en-US"/>
+      <a:endParaRPr lang="it-IT"/>
     </a:p>
   </c:txPr>
   <c:externalData r:id="rId3">
@@ -1276,6 +1231,489 @@
 </file>
 
 <file path=ppt/charts/chart3.xml><?xml version="1.0" encoding="utf-8"?>
+<c:chartSpace xmlns:c="http://schemas.openxmlformats.org/drawingml/2006/chart" xmlns:a="http://schemas.openxmlformats.org/drawingml/2006/main" xmlns:r="http://schemas.openxmlformats.org/officeDocument/2006/relationships" xmlns:c16r2="http://schemas.microsoft.com/office/drawing/2015/06/chart">
+  <c:date1904 val="0"/>
+  <c:lang val="it-IT"/>
+  <c:roundedCorners val="0"/>
+  <mc:AlternateContent xmlns:mc="http://schemas.openxmlformats.org/markup-compatibility/2006">
+    <mc:Choice xmlns:c14="http://schemas.microsoft.com/office/drawing/2007/8/2/chart" Requires="c14">
+      <c14:style val="102"/>
+    </mc:Choice>
+    <mc:Fallback>
+      <c:style val="2"/>
+    </mc:Fallback>
+  </mc:AlternateContent>
+  <c:chart>
+    <c:title>
+      <c:tx>
+        <c:rich>
+          <a:bodyPr rot="0" spcFirstLastPara="1" vertOverflow="ellipsis" wrap="square" anchor="ctr" anchorCtr="1"/>
+          <a:lstStyle/>
+          <a:p>
+            <a:pPr>
+              <a:defRPr sz="2128" b="1" i="0" u="none" strike="noStrike" kern="1200" cap="none" spc="0" normalizeH="0" baseline="0">
+                <a:solidFill>
+                  <a:schemeClr val="dk1">
+                    <a:lumMod val="50000"/>
+                    <a:lumOff val="50000"/>
+                  </a:schemeClr>
+                </a:solidFill>
+                <a:latin typeface="+mj-lt"/>
+                <a:ea typeface="+mj-ea"/>
+                <a:cs typeface="+mj-cs"/>
+              </a:defRPr>
+            </a:pPr>
+            <a:r>
+              <a:rPr lang="en-GB"/>
+              <a:t> Dataset Lenght (#char)</a:t>
+            </a:r>
+          </a:p>
+        </c:rich>
+      </c:tx>
+      <c:overlay val="0"/>
+      <c:spPr>
+        <a:noFill/>
+        <a:ln>
+          <a:noFill/>
+        </a:ln>
+        <a:effectLst/>
+      </c:spPr>
+    </c:title>
+    <c:autoTitleDeleted val="0"/>
+    <c:plotArea>
+      <c:layout/>
+      <c:lineChart>
+        <c:grouping val="standard"/>
+        <c:varyColors val="1"/>
+        <c:ser>
+          <c:idx val="0"/>
+          <c:order val="0"/>
+          <c:tx>
+            <c:strRef>
+              <c:f>Foglio1!$G$19</c:f>
+              <c:strCache>
+                <c:ptCount val="1"/>
+                <c:pt idx="0">
+                  <c:v>Serial/Optimized</c:v>
+                </c:pt>
+              </c:strCache>
+            </c:strRef>
+          </c:tx>
+          <c:spPr>
+            <a:ln w="22225" cap="rnd">
+              <a:solidFill>
+                <a:schemeClr val="accent3"/>
+              </a:solidFill>
+              <a:round/>
+            </a:ln>
+            <a:effectLst/>
+          </c:spPr>
+          <c:marker>
+            <c:symbol val="none"/>
+          </c:marker>
+          <c:cat>
+            <c:strRef>
+              <c:f>Foglio1!$A$20:$A$24</c:f>
+              <c:strCache>
+                <c:ptCount val="5"/>
+                <c:pt idx="0">
+                  <c:v>10^3</c:v>
+                </c:pt>
+                <c:pt idx="1">
+                  <c:v>10^4</c:v>
+                </c:pt>
+                <c:pt idx="2">
+                  <c:v>10^5</c:v>
+                </c:pt>
+                <c:pt idx="3">
+                  <c:v>10^6</c:v>
+                </c:pt>
+                <c:pt idx="4">
+                  <c:v>10^7</c:v>
+                </c:pt>
+              </c:strCache>
+            </c:strRef>
+          </c:cat>
+          <c:val>
+            <c:numRef>
+              <c:f>Foglio1!$G$20:$G$24</c:f>
+              <c:numCache>
+                <c:formatCode>General</c:formatCode>
+                <c:ptCount val="5"/>
+                <c:pt idx="0">
+                  <c:v>1.0714285714285714</c:v>
+                </c:pt>
+                <c:pt idx="1">
+                  <c:v>3.8979591836734695</c:v>
+                </c:pt>
+                <c:pt idx="2">
+                  <c:v>14.614232209737827</c:v>
+                </c:pt>
+                <c:pt idx="3">
+                  <c:v>17.249401627572997</c:v>
+                </c:pt>
+                <c:pt idx="4">
+                  <c:v>17.538457139589408</c:v>
+                </c:pt>
+              </c:numCache>
+            </c:numRef>
+          </c:val>
+          <c:smooth val="0"/>
+          <c:extLst>
+            <c:ext xmlns:c16="http://schemas.microsoft.com/office/drawing/2014/chart" uri="{C3380CC4-5D6E-409C-BE32-E72D297353CC}">
+              <c16:uniqueId val="{00000000-CFB1-4C0F-94E6-9A891E2CEEDF}"/>
+            </c:ext>
+          </c:extLst>
+        </c:ser>
+        <c:ser>
+          <c:idx val="1"/>
+          <c:order val="1"/>
+          <c:tx>
+            <c:strRef>
+              <c:f>Foglio1!$G$11</c:f>
+              <c:strCache>
+                <c:ptCount val="1"/>
+                <c:pt idx="0">
+                  <c:v>Lock/Optimized</c:v>
+                </c:pt>
+              </c:strCache>
+            </c:strRef>
+          </c:tx>
+          <c:spPr>
+            <a:ln w="22225" cap="rnd">
+              <a:solidFill>
+                <a:schemeClr val="accent1"/>
+              </a:solidFill>
+              <a:round/>
+            </a:ln>
+            <a:effectLst/>
+          </c:spPr>
+          <c:marker>
+            <c:symbol val="none"/>
+          </c:marker>
+          <c:val>
+            <c:numRef>
+              <c:f>Foglio1!$G$12:$G$16</c:f>
+              <c:numCache>
+                <c:formatCode>General</c:formatCode>
+                <c:ptCount val="5"/>
+                <c:pt idx="0">
+                  <c:v>1.4047619047619049</c:v>
+                </c:pt>
+                <c:pt idx="1">
+                  <c:v>3.8061224489795924</c:v>
+                </c:pt>
+                <c:pt idx="2">
+                  <c:v>15.509363295880149</c:v>
+                </c:pt>
+                <c:pt idx="3">
+                  <c:v>17.423168980373379</c:v>
+                </c:pt>
+                <c:pt idx="4">
+                  <c:v>22.535883799393829</c:v>
+                </c:pt>
+              </c:numCache>
+            </c:numRef>
+          </c:val>
+          <c:smooth val="0"/>
+          <c:extLst>
+            <c:ext xmlns:c16="http://schemas.microsoft.com/office/drawing/2014/chart" uri="{C3380CC4-5D6E-409C-BE32-E72D297353CC}">
+              <c16:uniqueId val="{00000001-CFB1-4C0F-94E6-9A891E2CEEDF}"/>
+            </c:ext>
+          </c:extLst>
+        </c:ser>
+        <c:dLbls>
+          <c:showLegendKey val="0"/>
+          <c:showVal val="0"/>
+          <c:showCatName val="0"/>
+          <c:showSerName val="0"/>
+          <c:showPercent val="0"/>
+          <c:showBubbleSize val="0"/>
+        </c:dLbls>
+        <c:hiLowLines>
+          <c:spPr>
+            <a:ln w="9525" cap="flat" cmpd="sng" algn="ctr">
+              <a:solidFill>
+                <a:schemeClr val="dk1">
+                  <a:lumMod val="35000"/>
+                  <a:lumOff val="65000"/>
+                </a:schemeClr>
+              </a:solidFill>
+              <a:round/>
+            </a:ln>
+            <a:effectLst/>
+          </c:spPr>
+        </c:hiLowLines>
+        <c:smooth val="0"/>
+        <c:axId val="30723667"/>
+        <c:axId val="66000783"/>
+      </c:lineChart>
+      <c:catAx>
+        <c:axId val="30723667"/>
+        <c:scaling>
+          <c:orientation val="minMax"/>
+        </c:scaling>
+        <c:delete val="0"/>
+        <c:axPos val="b"/>
+        <c:majorGridlines>
+          <c:spPr>
+            <a:ln w="9525" cap="flat" cmpd="sng" algn="ctr">
+              <a:solidFill>
+                <a:schemeClr val="dk1">
+                  <a:lumMod val="15000"/>
+                  <a:lumOff val="85000"/>
+                  <a:alpha val="54000"/>
+                </a:schemeClr>
+              </a:solidFill>
+              <a:round/>
+            </a:ln>
+            <a:effectLst/>
+          </c:spPr>
+        </c:majorGridlines>
+        <c:minorGridlines>
+          <c:spPr>
+            <a:ln w="9525" cap="flat" cmpd="sng" algn="ctr">
+              <a:solidFill>
+                <a:schemeClr val="dk1">
+                  <a:lumMod val="15000"/>
+                  <a:lumOff val="85000"/>
+                  <a:alpha val="51000"/>
+                </a:schemeClr>
+              </a:solidFill>
+              <a:round/>
+            </a:ln>
+            <a:effectLst/>
+          </c:spPr>
+        </c:minorGridlines>
+        <c:numFmt formatCode="General" sourceLinked="1"/>
+        <c:majorTickMark val="none"/>
+        <c:minorTickMark val="none"/>
+        <c:tickLblPos val="nextTo"/>
+        <c:spPr>
+          <a:noFill/>
+          <a:ln w="9525" cap="flat" cmpd="sng" algn="ctr">
+            <a:solidFill>
+              <a:schemeClr val="dk1">
+                <a:lumMod val="15000"/>
+                <a:lumOff val="85000"/>
+              </a:schemeClr>
+            </a:solidFill>
+            <a:round/>
+          </a:ln>
+          <a:effectLst/>
+        </c:spPr>
+        <c:txPr>
+          <a:bodyPr rot="-60000000" spcFirstLastPara="1" vertOverflow="ellipsis" vert="horz" wrap="square" anchor="ctr" anchorCtr="1"/>
+          <a:lstStyle/>
+          <a:p>
+            <a:pPr>
+              <a:defRPr sz="1197" b="0" i="0" u="none" strike="noStrike" kern="1200" cap="none" spc="0" normalizeH="0" baseline="0">
+                <a:solidFill>
+                  <a:schemeClr val="dk1">
+                    <a:lumMod val="65000"/>
+                    <a:lumOff val="35000"/>
+                  </a:schemeClr>
+                </a:solidFill>
+                <a:latin typeface="+mn-lt"/>
+                <a:ea typeface="+mn-ea"/>
+                <a:cs typeface="+mn-cs"/>
+              </a:defRPr>
+            </a:pPr>
+            <a:endParaRPr lang="it-IT"/>
+          </a:p>
+        </c:txPr>
+        <c:crossAx val="66000783"/>
+        <c:crosses val="autoZero"/>
+        <c:auto val="1"/>
+        <c:lblAlgn val="ctr"/>
+        <c:lblOffset val="100"/>
+        <c:noMultiLvlLbl val="1"/>
+      </c:catAx>
+      <c:valAx>
+        <c:axId val="66000783"/>
+        <c:scaling>
+          <c:orientation val="minMax"/>
+        </c:scaling>
+        <c:delete val="0"/>
+        <c:axPos val="l"/>
+        <c:majorGridlines>
+          <c:spPr>
+            <a:ln w="9525" cap="flat" cmpd="sng" algn="ctr">
+              <a:solidFill>
+                <a:schemeClr val="dk1">
+                  <a:lumMod val="15000"/>
+                  <a:lumOff val="85000"/>
+                  <a:alpha val="54000"/>
+                </a:schemeClr>
+              </a:solidFill>
+              <a:round/>
+            </a:ln>
+            <a:effectLst/>
+          </c:spPr>
+        </c:majorGridlines>
+        <c:title>
+          <c:tx>
+            <c:rich>
+              <a:bodyPr rot="-5400000" spcFirstLastPara="1" vertOverflow="ellipsis" wrap="square" anchor="ctr" anchorCtr="1"/>
+              <a:lstStyle/>
+              <a:p>
+                <a:pPr>
+                  <a:defRPr sz="1197" b="1" i="0" u="none" strike="noStrike" kern="1200" baseline="0">
+                    <a:solidFill>
+                      <a:schemeClr val="dk1">
+                        <a:lumMod val="65000"/>
+                        <a:lumOff val="35000"/>
+                      </a:schemeClr>
+                    </a:solidFill>
+                    <a:latin typeface="+mn-lt"/>
+                    <a:ea typeface="+mn-ea"/>
+                    <a:cs typeface="+mn-cs"/>
+                  </a:defRPr>
+                </a:pPr>
+                <a:r>
+                  <a:rPr lang="en-US"/>
+                  <a:t>Speedup</a:t>
+                </a:r>
+              </a:p>
+            </c:rich>
+          </c:tx>
+          <c:overlay val="0"/>
+          <c:spPr>
+            <a:noFill/>
+            <a:ln>
+              <a:noFill/>
+            </a:ln>
+            <a:effectLst/>
+          </c:spPr>
+        </c:title>
+        <c:numFmt formatCode="0.000" sourceLinked="0"/>
+        <c:majorTickMark val="none"/>
+        <c:minorTickMark val="none"/>
+        <c:tickLblPos val="nextTo"/>
+        <c:spPr>
+          <a:noFill/>
+          <a:ln>
+            <a:noFill/>
+          </a:ln>
+          <a:effectLst/>
+        </c:spPr>
+        <c:txPr>
+          <a:bodyPr rot="-60000000" spcFirstLastPara="1" vertOverflow="ellipsis" vert="horz" wrap="square" anchor="ctr" anchorCtr="1"/>
+          <a:lstStyle/>
+          <a:p>
+            <a:pPr>
+              <a:defRPr sz="1197" b="0" i="0" u="none" strike="noStrike" kern="1200" baseline="0">
+                <a:solidFill>
+                  <a:schemeClr val="dk1">
+                    <a:lumMod val="65000"/>
+                    <a:lumOff val="35000"/>
+                  </a:schemeClr>
+                </a:solidFill>
+                <a:latin typeface="+mn-lt"/>
+                <a:ea typeface="+mn-ea"/>
+                <a:cs typeface="+mn-cs"/>
+              </a:defRPr>
+            </a:pPr>
+            <a:endParaRPr lang="it-IT"/>
+          </a:p>
+        </c:txPr>
+        <c:crossAx val="30723667"/>
+        <c:crosses val="autoZero"/>
+        <c:crossBetween val="midCat"/>
+      </c:valAx>
+      <c:dTable>
+        <c:showHorzBorder val="1"/>
+        <c:showVertBorder val="1"/>
+        <c:showOutline val="1"/>
+        <c:showKeys val="1"/>
+        <c:spPr>
+          <a:noFill/>
+          <a:ln w="9525" cap="flat" cmpd="sng" algn="ctr">
+            <a:solidFill>
+              <a:schemeClr val="dk1">
+                <a:lumMod val="15000"/>
+                <a:lumOff val="85000"/>
+              </a:schemeClr>
+            </a:solidFill>
+            <a:round/>
+          </a:ln>
+          <a:effectLst/>
+        </c:spPr>
+        <c:txPr>
+          <a:bodyPr rot="0" spcFirstLastPara="1" vertOverflow="ellipsis" vert="horz" wrap="square" anchor="ctr" anchorCtr="1"/>
+          <a:lstStyle/>
+          <a:p>
+            <a:pPr rtl="0">
+              <a:defRPr sz="1064" b="0" i="0" u="none" strike="noStrike" kern="1200" baseline="0">
+                <a:solidFill>
+                  <a:schemeClr val="dk1">
+                    <a:lumMod val="65000"/>
+                    <a:lumOff val="35000"/>
+                  </a:schemeClr>
+                </a:solidFill>
+                <a:latin typeface="+mn-lt"/>
+                <a:ea typeface="+mn-ea"/>
+                <a:cs typeface="+mn-cs"/>
+              </a:defRPr>
+            </a:pPr>
+            <a:endParaRPr lang="it-IT"/>
+          </a:p>
+        </c:txPr>
+      </c:dTable>
+      <c:spPr>
+        <a:pattFill prst="ltDnDiag">
+          <a:fgClr>
+            <a:schemeClr val="dk1">
+              <a:lumMod val="15000"/>
+              <a:lumOff val="85000"/>
+            </a:schemeClr>
+          </a:fgClr>
+          <a:bgClr>
+            <a:schemeClr val="lt1"/>
+          </a:bgClr>
+        </a:pattFill>
+        <a:ln>
+          <a:noFill/>
+        </a:ln>
+        <a:effectLst/>
+      </c:spPr>
+    </c:plotArea>
+    <c:plotVisOnly val="1"/>
+    <c:dispBlanksAs val="zero"/>
+    <c:showDLblsOverMax val="1"/>
+  </c:chart>
+  <c:spPr>
+    <a:solidFill>
+      <a:schemeClr val="lt1"/>
+    </a:solidFill>
+    <a:ln w="9525" cap="flat" cmpd="sng" algn="ctr">
+      <a:solidFill>
+        <a:schemeClr val="dk1">
+          <a:lumMod val="15000"/>
+          <a:lumOff val="85000"/>
+        </a:schemeClr>
+      </a:solidFill>
+      <a:round/>
+    </a:ln>
+    <a:effectLst/>
+  </c:spPr>
+  <c:txPr>
+    <a:bodyPr/>
+    <a:lstStyle/>
+    <a:p>
+      <a:pPr>
+        <a:defRPr/>
+      </a:pPr>
+      <a:endParaRPr lang="it-IT"/>
+    </a:p>
+  </c:txPr>
+  <c:externalData r:id="rId1">
+    <c:autoUpdate val="0"/>
+  </c:externalData>
+</c:chartSpace>
+</file>
+
+<file path=ppt/charts/chart4.xml><?xml version="1.0" encoding="utf-8"?>
 <c:chartSpace xmlns:c="http://schemas.openxmlformats.org/drawingml/2006/chart" xmlns:a="http://schemas.openxmlformats.org/drawingml/2006/main" xmlns:r="http://schemas.openxmlformats.org/officeDocument/2006/relationships" xmlns:c16r2="http://schemas.microsoft.com/office/drawing/2015/06/chart">
   <c:date1904 val="0"/>
   <c:lang val="it-IT"/>
@@ -1340,7 +1778,7 @@
               <a:cs typeface="+mj-cs"/>
             </a:defRPr>
           </a:pPr>
-          <a:endParaRPr lang="en-US"/>
+          <a:endParaRPr lang="it-IT"/>
         </a:p>
       </c:txPr>
     </c:title>
@@ -1359,7 +1797,7 @@
           <c:spPr>
             <a:ln w="22225" cap="rnd">
               <a:solidFill>
-                <a:schemeClr val="accent1"/>
+                <a:schemeClr val="accent3"/>
               </a:solidFill>
               <a:round/>
             </a:ln>
@@ -1432,7 +1870,7 @@
           <c:spPr>
             <a:ln w="22225" cap="rnd">
               <a:solidFill>
-                <a:schemeClr val="accent2"/>
+                <a:schemeClr val="accent1"/>
               </a:solidFill>
               <a:round/>
             </a:ln>
@@ -1481,7 +1919,7 @@
           <c:spPr>
             <a:ln w="22225" cap="rnd">
               <a:solidFill>
-                <a:schemeClr val="accent3"/>
+                <a:schemeClr val="accent2"/>
               </a:solidFill>
               <a:round/>
             </a:ln>
@@ -1604,7 +2042,7 @@
                 <a:cs typeface="+mn-cs"/>
               </a:defRPr>
             </a:pPr>
-            <a:endParaRPr lang="en-US"/>
+            <a:endParaRPr lang="it-IT"/>
           </a:p>
         </c:txPr>
         <c:crossAx val="630548687"/>
@@ -1687,7 +2125,7 @@
                   <a:cs typeface="+mn-cs"/>
                 </a:defRPr>
               </a:pPr>
-              <a:endParaRPr lang="en-US"/>
+              <a:endParaRPr lang="it-IT"/>
             </a:p>
           </c:txPr>
         </c:title>
@@ -1719,7 +2157,7 @@
                 <a:cs typeface="+mn-cs"/>
               </a:defRPr>
             </a:pPr>
-            <a:endParaRPr lang="en-US"/>
+            <a:endParaRPr lang="it-IT"/>
           </a:p>
         </c:txPr>
         <c:crossAx val="628576831"/>
@@ -1761,7 +2199,7 @@
                 <a:cs typeface="+mn-cs"/>
               </a:defRPr>
             </a:pPr>
-            <a:endParaRPr lang="en-US"/>
+            <a:endParaRPr lang="it-IT"/>
           </a:p>
         </c:txPr>
       </c:dTable>
@@ -1809,7 +2247,7 @@
       <a:pPr>
         <a:defRPr/>
       </a:pPr>
-      <a:endParaRPr lang="en-US"/>
+      <a:endParaRPr lang="it-IT"/>
     </a:p>
   </c:txPr>
   <c:externalData r:id="rId3">
@@ -1818,7 +2256,7 @@
 </c:chartSpace>
 </file>
 
-<file path=ppt/charts/chart4.xml><?xml version="1.0" encoding="utf-8"?>
+<file path=ppt/charts/chart5.xml><?xml version="1.0" encoding="utf-8"?>
 <c:chartSpace xmlns:c="http://schemas.openxmlformats.org/drawingml/2006/chart" xmlns:a="http://schemas.openxmlformats.org/drawingml/2006/main" xmlns:r="http://schemas.openxmlformats.org/officeDocument/2006/relationships" xmlns:c16r2="http://schemas.microsoft.com/office/drawing/2015/06/chart">
   <c:date1904 val="0"/>
   <c:lang val="it-IT"/>
@@ -1926,7 +2364,7 @@
                     <a:cs typeface="+mn-cs"/>
                   </a:defRPr>
                 </a:pPr>
-                <a:endParaRPr lang="en-US"/>
+                <a:endParaRPr lang="it-IT"/>
               </a:p>
             </c:txPr>
             <c:dLblPos val="r"/>
@@ -2061,7 +2499,7 @@
                     <a:cs typeface="+mn-cs"/>
                   </a:defRPr>
                 </a:pPr>
-                <a:endParaRPr lang="en-US"/>
+                <a:endParaRPr lang="it-IT"/>
               </a:p>
             </c:txPr>
             <c:dLblPos val="r"/>
@@ -2248,7 +2686,7 @@
                 <a:cs typeface="+mn-cs"/>
               </a:defRPr>
             </a:pPr>
-            <a:endParaRPr lang="en-US"/>
+            <a:endParaRPr lang="it-IT"/>
           </a:p>
         </c:txPr>
         <c:crossAx val="33552706"/>
@@ -2343,7 +2781,7 @@
                 <a:cs typeface="+mn-cs"/>
               </a:defRPr>
             </a:pPr>
-            <a:endParaRPr lang="en-US"/>
+            <a:endParaRPr lang="it-IT"/>
           </a:p>
         </c:txPr>
         <c:crossAx val="36491971"/>
@@ -2385,7 +2823,7 @@
                 <a:cs typeface="+mn-cs"/>
               </a:defRPr>
             </a:pPr>
-            <a:endParaRPr lang="en-US"/>
+            <a:endParaRPr lang="it-IT"/>
           </a:p>
         </c:txPr>
       </c:dTable>
@@ -2433,10 +2871,1024 @@
       <a:pPr>
         <a:defRPr/>
       </a:pPr>
-      <a:endParaRPr lang="en-US"/>
+      <a:endParaRPr lang="it-IT"/>
     </a:p>
   </c:txPr>
   <c:externalData r:id="rId1">
+    <c:autoUpdate val="0"/>
+  </c:externalData>
+</c:chartSpace>
+</file>
+
+<file path=ppt/charts/chart6.xml><?xml version="1.0" encoding="utf-8"?>
+<c:chartSpace xmlns:c="http://schemas.openxmlformats.org/drawingml/2006/chart" xmlns:a="http://schemas.openxmlformats.org/drawingml/2006/main" xmlns:r="http://schemas.openxmlformats.org/officeDocument/2006/relationships" xmlns:c16r2="http://schemas.microsoft.com/office/drawing/2015/06/chart">
+  <c:date1904 val="0"/>
+  <c:lang val="it-IT"/>
+  <c:roundedCorners val="0"/>
+  <mc:AlternateContent xmlns:mc="http://schemas.openxmlformats.org/markup-compatibility/2006">
+    <mc:Choice xmlns:c14="http://schemas.microsoft.com/office/drawing/2007/8/2/chart" Requires="c14">
+      <c14:style val="102"/>
+    </mc:Choice>
+    <mc:Fallback>
+      <c:style val="2"/>
+    </mc:Fallback>
+  </mc:AlternateContent>
+  <c:chart>
+    <c:title>
+      <c:tx>
+        <c:rich>
+          <a:bodyPr rot="0" spcFirstLastPara="1" vertOverflow="ellipsis" wrap="square" anchor="ctr" anchorCtr="1"/>
+          <a:lstStyle/>
+          <a:p>
+            <a:pPr>
+              <a:defRPr sz="2128" b="1" i="0" u="none" strike="noStrike" kern="1200" cap="none" spc="0" normalizeH="0" baseline="0">
+                <a:solidFill>
+                  <a:schemeClr val="dk1">
+                    <a:lumMod val="50000"/>
+                    <a:lumOff val="50000"/>
+                  </a:schemeClr>
+                </a:solidFill>
+                <a:latin typeface="+mj-lt"/>
+                <a:ea typeface="+mj-ea"/>
+                <a:cs typeface="+mj-cs"/>
+              </a:defRPr>
+            </a:pPr>
+            <a:r>
+              <a:rPr lang="en-GB"/>
+              <a:t> Dataset Lenght (#char)</a:t>
+            </a:r>
+          </a:p>
+        </c:rich>
+      </c:tx>
+      <c:layout>
+        <c:manualLayout>
+          <c:xMode val="edge"/>
+          <c:yMode val="edge"/>
+          <c:x val="0.30584669026973238"/>
+          <c:y val="2.8481994103409951E-2"/>
+        </c:manualLayout>
+      </c:layout>
+      <c:overlay val="0"/>
+      <c:spPr>
+        <a:noFill/>
+        <a:ln>
+          <a:noFill/>
+        </a:ln>
+        <a:effectLst/>
+      </c:spPr>
+    </c:title>
+    <c:autoTitleDeleted val="0"/>
+    <c:plotArea>
+      <c:layout/>
+      <c:lineChart>
+        <c:grouping val="standard"/>
+        <c:varyColors val="1"/>
+        <c:ser>
+          <c:idx val="0"/>
+          <c:order val="0"/>
+          <c:tx>
+            <c:v>Serial</c:v>
+          </c:tx>
+          <c:spPr>
+            <a:ln w="22225" cap="rnd">
+              <a:solidFill>
+                <a:schemeClr val="accent1"/>
+              </a:solidFill>
+              <a:round/>
+            </a:ln>
+            <a:effectLst/>
+          </c:spPr>
+          <c:marker>
+            <c:symbol val="none"/>
+          </c:marker>
+          <c:dLbls>
+            <c:spPr>
+              <a:noFill/>
+              <a:ln>
+                <a:noFill/>
+              </a:ln>
+              <a:effectLst/>
+            </c:spPr>
+            <c:txPr>
+              <a:bodyPr rot="0" spcFirstLastPara="1" vertOverflow="ellipsis" vert="horz" wrap="square" lIns="38100" tIns="19050" rIns="38100" bIns="19050" anchor="ctr" anchorCtr="1">
+                <a:spAutoFit/>
+              </a:bodyPr>
+              <a:lstStyle/>
+              <a:p>
+                <a:pPr>
+                  <a:defRPr sz="1197" b="0" i="0" u="none" strike="noStrike" kern="1200" baseline="0">
+                    <a:solidFill>
+                      <a:schemeClr val="dk1">
+                        <a:lumMod val="75000"/>
+                        <a:lumOff val="25000"/>
+                      </a:schemeClr>
+                    </a:solidFill>
+                    <a:latin typeface="+mn-lt"/>
+                    <a:ea typeface="+mn-ea"/>
+                    <a:cs typeface="+mn-cs"/>
+                  </a:defRPr>
+                </a:pPr>
+                <a:endParaRPr lang="it-IT"/>
+              </a:p>
+            </c:txPr>
+            <c:dLblPos val="r"/>
+            <c:showLegendKey val="0"/>
+            <c:showVal val="0"/>
+            <c:showCatName val="0"/>
+            <c:showSerName val="0"/>
+            <c:showPercent val="0"/>
+            <c:showBubbleSize val="1"/>
+            <c:showLeaderLines val="0"/>
+            <c:extLst>
+              <c:ext xmlns:c15="http://schemas.microsoft.com/office/drawing/2012/chart" uri="{CE6537A1-D6FC-4f65-9D91-7224C49458BB}">
+                <c15:showLeaderLines val="0"/>
+              </c:ext>
+            </c:extLst>
+          </c:dLbls>
+          <c:cat>
+            <c:numRef>
+              <c:f>Foglio1!$A$106:$A$111</c:f>
+              <c:numCache>
+                <c:formatCode>General</c:formatCode>
+                <c:ptCount val="6"/>
+                <c:pt idx="0">
+                  <c:v>10000</c:v>
+                </c:pt>
+                <c:pt idx="1">
+                  <c:v>100000</c:v>
+                </c:pt>
+                <c:pt idx="2">
+                  <c:v>1000000</c:v>
+                </c:pt>
+                <c:pt idx="3">
+                  <c:v>10000000</c:v>
+                </c:pt>
+                <c:pt idx="4">
+                  <c:v>100000000</c:v>
+                </c:pt>
+                <c:pt idx="5">
+                  <c:v>1000000000</c:v>
+                </c:pt>
+              </c:numCache>
+            </c:numRef>
+          </c:cat>
+          <c:val>
+            <c:numRef>
+              <c:f>Foglio1!$H$106:$H$111</c:f>
+              <c:numCache>
+                <c:formatCode>0.00</c:formatCode>
+                <c:ptCount val="6"/>
+                <c:pt idx="0">
+                  <c:v>4646.666666666667</c:v>
+                </c:pt>
+                <c:pt idx="1">
+                  <c:v>6006.666666666667</c:v>
+                </c:pt>
+                <c:pt idx="2">
+                  <c:v>20445.333333333332</c:v>
+                </c:pt>
+                <c:pt idx="3">
+                  <c:v>36962.666666666664</c:v>
+                </c:pt>
+                <c:pt idx="4">
+                  <c:v>135197.33333333334</c:v>
+                </c:pt>
+                <c:pt idx="5">
+                  <c:v>266208</c:v>
+                </c:pt>
+              </c:numCache>
+            </c:numRef>
+          </c:val>
+          <c:smooth val="0"/>
+          <c:extLst>
+            <c:ext xmlns:c16="http://schemas.microsoft.com/office/drawing/2014/chart" uri="{C3380CC4-5D6E-409C-BE32-E72D297353CC}">
+              <c16:uniqueId val="{00000000-B65E-4ED5-97F1-B718D7A54C31}"/>
+            </c:ext>
+          </c:extLst>
+        </c:ser>
+        <c:ser>
+          <c:idx val="1"/>
+          <c:order val="1"/>
+          <c:tx>
+            <c:v>Optimized</c:v>
+          </c:tx>
+          <c:spPr>
+            <a:ln w="22225" cap="rnd">
+              <a:solidFill>
+                <a:schemeClr val="accent2"/>
+              </a:solidFill>
+              <a:round/>
+            </a:ln>
+            <a:effectLst/>
+          </c:spPr>
+          <c:marker>
+            <c:symbol val="none"/>
+          </c:marker>
+          <c:cat>
+            <c:numRef>
+              <c:f>Foglio1!$A$106:$A$111</c:f>
+              <c:numCache>
+                <c:formatCode>General</c:formatCode>
+                <c:ptCount val="6"/>
+                <c:pt idx="0">
+                  <c:v>10000</c:v>
+                </c:pt>
+                <c:pt idx="1">
+                  <c:v>100000</c:v>
+                </c:pt>
+                <c:pt idx="2">
+                  <c:v>1000000</c:v>
+                </c:pt>
+                <c:pt idx="3">
+                  <c:v>10000000</c:v>
+                </c:pt>
+                <c:pt idx="4">
+                  <c:v>100000000</c:v>
+                </c:pt>
+                <c:pt idx="5">
+                  <c:v>1000000000</c:v>
+                </c:pt>
+              </c:numCache>
+            </c:numRef>
+          </c:cat>
+          <c:val>
+            <c:numRef>
+              <c:f>Foglio1!$I$106:$I$111</c:f>
+              <c:numCache>
+                <c:formatCode>0.00</c:formatCode>
+                <c:ptCount val="6"/>
+                <c:pt idx="0">
+                  <c:v>5196</c:v>
+                </c:pt>
+                <c:pt idx="1">
+                  <c:v>5670.666666666667</c:v>
+                </c:pt>
+                <c:pt idx="2">
+                  <c:v>12656</c:v>
+                </c:pt>
+                <c:pt idx="3">
+                  <c:v>20424</c:v>
+                </c:pt>
+                <c:pt idx="4">
+                  <c:v>69652</c:v>
+                </c:pt>
+                <c:pt idx="5">
+                  <c:v>135098.66666666666</c:v>
+                </c:pt>
+              </c:numCache>
+            </c:numRef>
+          </c:val>
+          <c:smooth val="0"/>
+          <c:extLst>
+            <c:ext xmlns:c16="http://schemas.microsoft.com/office/drawing/2014/chart" uri="{C3380CC4-5D6E-409C-BE32-E72D297353CC}">
+              <c16:uniqueId val="{00000001-B65E-4ED5-97F1-B718D7A54C31}"/>
+            </c:ext>
+          </c:extLst>
+        </c:ser>
+        <c:dLbls>
+          <c:showLegendKey val="0"/>
+          <c:showVal val="0"/>
+          <c:showCatName val="0"/>
+          <c:showSerName val="0"/>
+          <c:showPercent val="0"/>
+          <c:showBubbleSize val="0"/>
+        </c:dLbls>
+        <c:hiLowLines>
+          <c:spPr>
+            <a:ln w="9525" cap="flat" cmpd="sng" algn="ctr">
+              <a:solidFill>
+                <a:schemeClr val="dk1">
+                  <a:lumMod val="35000"/>
+                  <a:lumOff val="65000"/>
+                </a:schemeClr>
+              </a:solidFill>
+              <a:round/>
+            </a:ln>
+            <a:effectLst/>
+          </c:spPr>
+        </c:hiLowLines>
+        <c:smooth val="0"/>
+        <c:axId val="36491971"/>
+        <c:axId val="33552706"/>
+      </c:lineChart>
+      <c:catAx>
+        <c:axId val="36491971"/>
+        <c:scaling>
+          <c:orientation val="minMax"/>
+        </c:scaling>
+        <c:delete val="0"/>
+        <c:axPos val="b"/>
+        <c:majorGridlines>
+          <c:spPr>
+            <a:ln w="9525" cap="flat" cmpd="sng" algn="ctr">
+              <a:solidFill>
+                <a:schemeClr val="dk1">
+                  <a:lumMod val="15000"/>
+                  <a:lumOff val="85000"/>
+                  <a:alpha val="54000"/>
+                </a:schemeClr>
+              </a:solidFill>
+              <a:round/>
+            </a:ln>
+            <a:effectLst/>
+          </c:spPr>
+        </c:majorGridlines>
+        <c:minorGridlines>
+          <c:spPr>
+            <a:ln w="9525" cap="flat" cmpd="sng" algn="ctr">
+              <a:solidFill>
+                <a:schemeClr val="dk1">
+                  <a:lumMod val="15000"/>
+                  <a:lumOff val="85000"/>
+                  <a:alpha val="51000"/>
+                </a:schemeClr>
+              </a:solidFill>
+              <a:round/>
+            </a:ln>
+            <a:effectLst/>
+          </c:spPr>
+        </c:minorGridlines>
+        <c:numFmt formatCode="General" sourceLinked="1"/>
+        <c:majorTickMark val="none"/>
+        <c:minorTickMark val="none"/>
+        <c:tickLblPos val="nextTo"/>
+        <c:spPr>
+          <a:noFill/>
+          <a:ln w="9525" cap="flat" cmpd="sng" algn="ctr">
+            <a:solidFill>
+              <a:schemeClr val="dk1">
+                <a:lumMod val="15000"/>
+                <a:lumOff val="85000"/>
+              </a:schemeClr>
+            </a:solidFill>
+            <a:round/>
+          </a:ln>
+          <a:effectLst/>
+        </c:spPr>
+        <c:txPr>
+          <a:bodyPr rot="-60000000" spcFirstLastPara="1" vertOverflow="ellipsis" vert="horz" wrap="square" anchor="ctr" anchorCtr="1"/>
+          <a:lstStyle/>
+          <a:p>
+            <a:pPr>
+              <a:defRPr sz="1197" b="0" i="0" u="none" strike="noStrike" kern="1200" cap="none" spc="0" normalizeH="0" baseline="0">
+                <a:solidFill>
+                  <a:schemeClr val="dk1">
+                    <a:lumMod val="65000"/>
+                    <a:lumOff val="35000"/>
+                  </a:schemeClr>
+                </a:solidFill>
+                <a:latin typeface="+mn-lt"/>
+                <a:ea typeface="+mn-ea"/>
+                <a:cs typeface="+mn-cs"/>
+              </a:defRPr>
+            </a:pPr>
+            <a:endParaRPr lang="it-IT"/>
+          </a:p>
+        </c:txPr>
+        <c:crossAx val="33552706"/>
+        <c:crosses val="autoZero"/>
+        <c:auto val="1"/>
+        <c:lblAlgn val="ctr"/>
+        <c:lblOffset val="100"/>
+        <c:noMultiLvlLbl val="1"/>
+      </c:catAx>
+      <c:valAx>
+        <c:axId val="33552706"/>
+        <c:scaling>
+          <c:logBase val="10"/>
+          <c:orientation val="minMax"/>
+          <c:min val="1000"/>
+        </c:scaling>
+        <c:delete val="0"/>
+        <c:axPos val="l"/>
+        <c:majorGridlines>
+          <c:spPr>
+            <a:ln w="9525" cap="flat" cmpd="sng" algn="ctr">
+              <a:solidFill>
+                <a:schemeClr val="dk1">
+                  <a:lumMod val="15000"/>
+                  <a:lumOff val="85000"/>
+                  <a:alpha val="54000"/>
+                </a:schemeClr>
+              </a:solidFill>
+              <a:round/>
+            </a:ln>
+            <a:effectLst/>
+          </c:spPr>
+        </c:majorGridlines>
+        <c:title>
+          <c:tx>
+            <c:rich>
+              <a:bodyPr rot="-5400000" spcFirstLastPara="1" vertOverflow="ellipsis" wrap="square" anchor="ctr" anchorCtr="1"/>
+              <a:lstStyle/>
+              <a:p>
+                <a:pPr>
+                  <a:defRPr sz="1197" b="1" i="0" u="none" strike="noStrike" kern="1200" baseline="0">
+                    <a:solidFill>
+                      <a:schemeClr val="dk1">
+                        <a:lumMod val="65000"/>
+                        <a:lumOff val="35000"/>
+                      </a:schemeClr>
+                    </a:solidFill>
+                    <a:latin typeface="+mn-lt"/>
+                    <a:ea typeface="+mn-ea"/>
+                    <a:cs typeface="+mn-cs"/>
+                  </a:defRPr>
+                </a:pPr>
+                <a:r>
+                  <a:rPr lang="en-GB" dirty="0"/>
+                  <a:t>Memory Usage (</a:t>
+                </a:r>
+                <a:r>
+                  <a:rPr lang="en-GB" dirty="0" err="1"/>
+                  <a:t>kbytes</a:t>
+                </a:r>
+                <a:r>
+                  <a:rPr lang="en-GB" dirty="0"/>
+                  <a:t>)</a:t>
+                </a:r>
+              </a:p>
+            </c:rich>
+          </c:tx>
+          <c:overlay val="0"/>
+          <c:spPr>
+            <a:noFill/>
+            <a:ln>
+              <a:noFill/>
+            </a:ln>
+            <a:effectLst/>
+          </c:spPr>
+        </c:title>
+        <c:numFmt formatCode="0.000" sourceLinked="0"/>
+        <c:majorTickMark val="none"/>
+        <c:minorTickMark val="none"/>
+        <c:tickLblPos val="nextTo"/>
+        <c:spPr>
+          <a:noFill/>
+          <a:ln>
+            <a:noFill/>
+          </a:ln>
+          <a:effectLst/>
+        </c:spPr>
+        <c:txPr>
+          <a:bodyPr rot="-60000000" spcFirstLastPara="1" vertOverflow="ellipsis" vert="horz" wrap="square" anchor="ctr" anchorCtr="1"/>
+          <a:lstStyle/>
+          <a:p>
+            <a:pPr>
+              <a:defRPr sz="1197" b="0" i="0" u="none" strike="noStrike" kern="1200" baseline="0">
+                <a:solidFill>
+                  <a:schemeClr val="dk1">
+                    <a:lumMod val="65000"/>
+                    <a:lumOff val="35000"/>
+                  </a:schemeClr>
+                </a:solidFill>
+                <a:latin typeface="+mn-lt"/>
+                <a:ea typeface="+mn-ea"/>
+                <a:cs typeface="+mn-cs"/>
+              </a:defRPr>
+            </a:pPr>
+            <a:endParaRPr lang="it-IT"/>
+          </a:p>
+        </c:txPr>
+        <c:crossAx val="36491971"/>
+        <c:crosses val="autoZero"/>
+        <c:crossBetween val="midCat"/>
+      </c:valAx>
+      <c:dTable>
+        <c:showHorzBorder val="1"/>
+        <c:showVertBorder val="1"/>
+        <c:showOutline val="1"/>
+        <c:showKeys val="1"/>
+        <c:spPr>
+          <a:noFill/>
+          <a:ln w="9525" cap="flat" cmpd="sng" algn="ctr">
+            <a:solidFill>
+              <a:schemeClr val="dk1">
+                <a:lumMod val="15000"/>
+                <a:lumOff val="85000"/>
+              </a:schemeClr>
+            </a:solidFill>
+            <a:round/>
+          </a:ln>
+          <a:effectLst/>
+        </c:spPr>
+        <c:txPr>
+          <a:bodyPr rot="0" spcFirstLastPara="1" vertOverflow="ellipsis" vert="horz" wrap="square" anchor="ctr" anchorCtr="1"/>
+          <a:lstStyle/>
+          <a:p>
+            <a:pPr rtl="0">
+              <a:defRPr sz="1064" b="0" i="0" u="none" strike="noStrike" kern="1200" baseline="0">
+                <a:solidFill>
+                  <a:schemeClr val="dk1">
+                    <a:lumMod val="65000"/>
+                    <a:lumOff val="35000"/>
+                  </a:schemeClr>
+                </a:solidFill>
+                <a:latin typeface="+mn-lt"/>
+                <a:ea typeface="+mn-ea"/>
+                <a:cs typeface="+mn-cs"/>
+              </a:defRPr>
+            </a:pPr>
+            <a:endParaRPr lang="it-IT"/>
+          </a:p>
+        </c:txPr>
+      </c:dTable>
+      <c:spPr>
+        <a:pattFill prst="ltDnDiag">
+          <a:fgClr>
+            <a:schemeClr val="dk1">
+              <a:lumMod val="15000"/>
+              <a:lumOff val="85000"/>
+            </a:schemeClr>
+          </a:fgClr>
+          <a:bgClr>
+            <a:schemeClr val="lt1"/>
+          </a:bgClr>
+        </a:pattFill>
+        <a:ln>
+          <a:noFill/>
+        </a:ln>
+        <a:effectLst/>
+      </c:spPr>
+    </c:plotArea>
+    <c:plotVisOnly val="1"/>
+    <c:dispBlanksAs val="zero"/>
+    <c:showDLblsOverMax val="1"/>
+  </c:chart>
+  <c:spPr>
+    <a:solidFill>
+      <a:schemeClr val="lt1"/>
+    </a:solidFill>
+    <a:ln w="9525" cap="flat" cmpd="sng" algn="ctr">
+      <a:solidFill>
+        <a:schemeClr val="dk1">
+          <a:lumMod val="15000"/>
+          <a:lumOff val="85000"/>
+        </a:schemeClr>
+      </a:solidFill>
+      <a:round/>
+    </a:ln>
+    <a:effectLst/>
+  </c:spPr>
+  <c:txPr>
+    <a:bodyPr/>
+    <a:lstStyle/>
+    <a:p>
+      <a:pPr>
+        <a:defRPr/>
+      </a:pPr>
+      <a:endParaRPr lang="it-IT"/>
+    </a:p>
+  </c:txPr>
+  <c:externalData r:id="rId1">
+    <c:autoUpdate val="0"/>
+  </c:externalData>
+</c:chartSpace>
+</file>
+
+<file path=ppt/charts/chart7.xml><?xml version="1.0" encoding="utf-8"?>
+<c:chartSpace xmlns:c="http://schemas.openxmlformats.org/drawingml/2006/chart" xmlns:a="http://schemas.openxmlformats.org/drawingml/2006/main" xmlns:r="http://schemas.openxmlformats.org/officeDocument/2006/relationships" xmlns:c16r2="http://schemas.microsoft.com/office/drawing/2015/06/chart">
+  <c:date1904 val="0"/>
+  <c:lang val="it-IT"/>
+  <c:roundedCorners val="0"/>
+  <mc:AlternateContent xmlns:mc="http://schemas.openxmlformats.org/markup-compatibility/2006">
+    <mc:Choice xmlns:c14="http://schemas.microsoft.com/office/drawing/2007/8/2/chart" Requires="c14">
+      <c14:style val="102"/>
+    </mc:Choice>
+    <mc:Fallback>
+      <c:style val="2"/>
+    </mc:Fallback>
+  </mc:AlternateContent>
+  <c:chart>
+    <c:title>
+      <c:tx>
+        <c:rich>
+          <a:bodyPr rot="0" spcFirstLastPara="1" vertOverflow="ellipsis" vert="horz" wrap="square" anchor="ctr" anchorCtr="1"/>
+          <a:lstStyle/>
+          <a:p>
+            <a:pPr>
+              <a:defRPr sz="2128" b="1" i="0" u="none" strike="noStrike" kern="1200" cap="none" spc="0" normalizeH="0" baseline="0">
+                <a:solidFill>
+                  <a:schemeClr val="dk1">
+                    <a:lumMod val="50000"/>
+                    <a:lumOff val="50000"/>
+                  </a:schemeClr>
+                </a:solidFill>
+                <a:latin typeface="+mj-lt"/>
+                <a:ea typeface="+mj-ea"/>
+                <a:cs typeface="+mj-cs"/>
+              </a:defRPr>
+            </a:pPr>
+            <a:r>
+              <a:rPr lang="it-IT" dirty="0"/>
+              <a:t>K</a:t>
+            </a:r>
+          </a:p>
+        </c:rich>
+      </c:tx>
+      <c:overlay val="0"/>
+      <c:spPr>
+        <a:noFill/>
+        <a:ln>
+          <a:noFill/>
+        </a:ln>
+        <a:effectLst/>
+      </c:spPr>
+      <c:txPr>
+        <a:bodyPr rot="0" spcFirstLastPara="1" vertOverflow="ellipsis" vert="horz" wrap="square" anchor="ctr" anchorCtr="1"/>
+        <a:lstStyle/>
+        <a:p>
+          <a:pPr>
+            <a:defRPr sz="2128" b="1" i="0" u="none" strike="noStrike" kern="1200" cap="none" spc="0" normalizeH="0" baseline="0">
+              <a:solidFill>
+                <a:schemeClr val="dk1">
+                  <a:lumMod val="50000"/>
+                  <a:lumOff val="50000"/>
+                </a:schemeClr>
+              </a:solidFill>
+              <a:latin typeface="+mj-lt"/>
+              <a:ea typeface="+mj-ea"/>
+              <a:cs typeface="+mj-cs"/>
+            </a:defRPr>
+          </a:pPr>
+          <a:endParaRPr lang="it-IT"/>
+        </a:p>
+      </c:txPr>
+    </c:title>
+    <c:autoTitleDeleted val="0"/>
+    <c:plotArea>
+      <c:layout/>
+      <c:lineChart>
+        <c:grouping val="standard"/>
+        <c:varyColors val="0"/>
+        <c:ser>
+          <c:idx val="0"/>
+          <c:order val="0"/>
+          <c:tx>
+            <c:v>Optimized</c:v>
+          </c:tx>
+          <c:spPr>
+            <a:ln w="22225" cap="rnd">
+              <a:solidFill>
+                <a:schemeClr val="accent2"/>
+              </a:solidFill>
+              <a:round/>
+            </a:ln>
+            <a:effectLst/>
+          </c:spPr>
+          <c:marker>
+            <c:symbol val="none"/>
+          </c:marker>
+          <c:cat>
+            <c:numRef>
+              <c:f>Foglio1!$A$3:$A$10</c:f>
+              <c:numCache>
+                <c:formatCode>General</c:formatCode>
+                <c:ptCount val="8"/>
+                <c:pt idx="0">
+                  <c:v>3</c:v>
+                </c:pt>
+                <c:pt idx="1">
+                  <c:v>4</c:v>
+                </c:pt>
+                <c:pt idx="2">
+                  <c:v>5</c:v>
+                </c:pt>
+                <c:pt idx="3">
+                  <c:v>6</c:v>
+                </c:pt>
+                <c:pt idx="4">
+                  <c:v>7</c:v>
+                </c:pt>
+                <c:pt idx="5">
+                  <c:v>8</c:v>
+                </c:pt>
+                <c:pt idx="6">
+                  <c:v>9</c:v>
+                </c:pt>
+                <c:pt idx="7">
+                  <c:v>10</c:v>
+                </c:pt>
+              </c:numCache>
+            </c:numRef>
+          </c:cat>
+          <c:val>
+            <c:numRef>
+              <c:f>Foglio1!$E$3:$E$10</c:f>
+              <c:numCache>
+                <c:formatCode>0</c:formatCode>
+                <c:ptCount val="8"/>
+                <c:pt idx="0">
+                  <c:v>5104</c:v>
+                </c:pt>
+                <c:pt idx="1">
+                  <c:v>5162.666666666667</c:v>
+                </c:pt>
+                <c:pt idx="2">
+                  <c:v>5236</c:v>
+                </c:pt>
+                <c:pt idx="3">
+                  <c:v>5321.333333333333</c:v>
+                </c:pt>
+                <c:pt idx="4">
+                  <c:v>5909.333333333333</c:v>
+                </c:pt>
+                <c:pt idx="5">
+                  <c:v>6422.666666666667</c:v>
+                </c:pt>
+                <c:pt idx="6">
+                  <c:v>8184</c:v>
+                </c:pt>
+                <c:pt idx="7">
+                  <c:v>11702</c:v>
+                </c:pt>
+              </c:numCache>
+            </c:numRef>
+          </c:val>
+          <c:smooth val="0"/>
+          <c:extLst>
+            <c:ext xmlns:c16="http://schemas.microsoft.com/office/drawing/2014/chart" uri="{C3380CC4-5D6E-409C-BE32-E72D297353CC}">
+              <c16:uniqueId val="{00000000-6772-49CC-A099-D57EABAC8FF6}"/>
+            </c:ext>
+          </c:extLst>
+        </c:ser>
+        <c:dLbls>
+          <c:showLegendKey val="0"/>
+          <c:showVal val="0"/>
+          <c:showCatName val="0"/>
+          <c:showSerName val="0"/>
+          <c:showPercent val="0"/>
+          <c:showBubbleSize val="0"/>
+        </c:dLbls>
+        <c:smooth val="0"/>
+        <c:axId val="268039311"/>
+        <c:axId val="266765615"/>
+      </c:lineChart>
+      <c:valAx>
+        <c:axId val="266765615"/>
+        <c:scaling>
+          <c:orientation val="minMax"/>
+        </c:scaling>
+        <c:delete val="0"/>
+        <c:axPos val="l"/>
+        <c:majorGridlines>
+          <c:spPr>
+            <a:ln w="9525" cap="flat" cmpd="sng" algn="ctr">
+              <a:solidFill>
+                <a:schemeClr val="dk1">
+                  <a:lumMod val="15000"/>
+                  <a:lumOff val="85000"/>
+                  <a:alpha val="54000"/>
+                </a:schemeClr>
+              </a:solidFill>
+              <a:round/>
+            </a:ln>
+            <a:effectLst/>
+          </c:spPr>
+        </c:majorGridlines>
+        <c:title>
+          <c:tx>
+            <c:rich>
+              <a:bodyPr rot="-5400000" spcFirstLastPara="1" vertOverflow="ellipsis" vert="horz" wrap="square" anchor="ctr" anchorCtr="1"/>
+              <a:lstStyle/>
+              <a:p>
+                <a:pPr>
+                  <a:defRPr sz="1197" b="1" i="0" u="none" strike="noStrike" kern="1200" baseline="0">
+                    <a:solidFill>
+                      <a:schemeClr val="dk1">
+                        <a:lumMod val="65000"/>
+                        <a:lumOff val="35000"/>
+                      </a:schemeClr>
+                    </a:solidFill>
+                    <a:latin typeface="+mn-lt"/>
+                    <a:ea typeface="+mn-ea"/>
+                    <a:cs typeface="+mn-cs"/>
+                  </a:defRPr>
+                </a:pPr>
+                <a:r>
+                  <a:rPr lang="en-GB" sz="1197" b="1" i="0" u="none" strike="noStrike" baseline="0" dirty="0">
+                    <a:effectLst/>
+                  </a:rPr>
+                  <a:t>Memory Usage (</a:t>
+                </a:r>
+                <a:r>
+                  <a:rPr lang="en-GB" sz="1197" b="1" i="0" u="none" strike="noStrike" baseline="0" dirty="0" err="1">
+                    <a:effectLst/>
+                  </a:rPr>
+                  <a:t>kbytes</a:t>
+                </a:r>
+                <a:r>
+                  <a:rPr lang="en-GB" sz="1197" b="1" i="0" u="none" strike="noStrike" baseline="0" dirty="0">
+                    <a:effectLst/>
+                  </a:rPr>
+                  <a:t>)</a:t>
+                </a:r>
+                <a:endParaRPr lang="it-IT" dirty="0"/>
+              </a:p>
+            </c:rich>
+          </c:tx>
+          <c:overlay val="0"/>
+          <c:spPr>
+            <a:noFill/>
+            <a:ln>
+              <a:noFill/>
+            </a:ln>
+            <a:effectLst/>
+          </c:spPr>
+          <c:txPr>
+            <a:bodyPr rot="-5400000" spcFirstLastPara="1" vertOverflow="ellipsis" vert="horz" wrap="square" anchor="ctr" anchorCtr="1"/>
+            <a:lstStyle/>
+            <a:p>
+              <a:pPr>
+                <a:defRPr sz="1197" b="1" i="0" u="none" strike="noStrike" kern="1200" baseline="0">
+                  <a:solidFill>
+                    <a:schemeClr val="dk1">
+                      <a:lumMod val="65000"/>
+                      <a:lumOff val="35000"/>
+                    </a:schemeClr>
+                  </a:solidFill>
+                  <a:latin typeface="+mn-lt"/>
+                  <a:ea typeface="+mn-ea"/>
+                  <a:cs typeface="+mn-cs"/>
+                </a:defRPr>
+              </a:pPr>
+              <a:endParaRPr lang="it-IT"/>
+            </a:p>
+          </c:txPr>
+        </c:title>
+        <c:numFmt formatCode="0" sourceLinked="1"/>
+        <c:majorTickMark val="none"/>
+        <c:minorTickMark val="none"/>
+        <c:tickLblPos val="nextTo"/>
+        <c:spPr>
+          <a:noFill/>
+          <a:ln>
+            <a:noFill/>
+          </a:ln>
+          <a:effectLst/>
+        </c:spPr>
+        <c:txPr>
+          <a:bodyPr rot="-60000000" spcFirstLastPara="1" vertOverflow="ellipsis" vert="horz" wrap="square" anchor="ctr" anchorCtr="1"/>
+          <a:lstStyle/>
+          <a:p>
+            <a:pPr>
+              <a:defRPr sz="1197" b="0" i="0" u="none" strike="noStrike" kern="1200" baseline="0">
+                <a:solidFill>
+                  <a:schemeClr val="dk1">
+                    <a:lumMod val="65000"/>
+                    <a:lumOff val="35000"/>
+                  </a:schemeClr>
+                </a:solidFill>
+                <a:latin typeface="+mn-lt"/>
+                <a:ea typeface="+mn-ea"/>
+                <a:cs typeface="+mn-cs"/>
+              </a:defRPr>
+            </a:pPr>
+            <a:endParaRPr lang="it-IT"/>
+          </a:p>
+        </c:txPr>
+        <c:crossAx val="268039311"/>
+        <c:crossesAt val="0"/>
+        <c:crossBetween val="between"/>
+      </c:valAx>
+      <c:catAx>
+        <c:axId val="268039311"/>
+        <c:scaling>
+          <c:orientation val="minMax"/>
+        </c:scaling>
+        <c:delete val="0"/>
+        <c:axPos val="b"/>
+        <c:numFmt formatCode="General" sourceLinked="1"/>
+        <c:majorTickMark val="none"/>
+        <c:minorTickMark val="none"/>
+        <c:tickLblPos val="nextTo"/>
+        <c:spPr>
+          <a:noFill/>
+          <a:ln w="9525" cap="flat" cmpd="sng" algn="ctr">
+            <a:solidFill>
+              <a:schemeClr val="dk1">
+                <a:lumMod val="15000"/>
+                <a:lumOff val="85000"/>
+              </a:schemeClr>
+            </a:solidFill>
+            <a:round/>
+          </a:ln>
+          <a:effectLst/>
+        </c:spPr>
+        <c:txPr>
+          <a:bodyPr rot="-60000000" spcFirstLastPara="1" vertOverflow="ellipsis" vert="horz" wrap="square" anchor="ctr" anchorCtr="1"/>
+          <a:lstStyle/>
+          <a:p>
+            <a:pPr>
+              <a:defRPr sz="1197" b="0" i="0" u="none" strike="noStrike" kern="1200" cap="none" spc="0" normalizeH="0" baseline="0">
+                <a:solidFill>
+                  <a:schemeClr val="dk1">
+                    <a:lumMod val="65000"/>
+                    <a:lumOff val="35000"/>
+                  </a:schemeClr>
+                </a:solidFill>
+                <a:latin typeface="+mn-lt"/>
+                <a:ea typeface="+mn-ea"/>
+                <a:cs typeface="+mn-cs"/>
+              </a:defRPr>
+            </a:pPr>
+            <a:endParaRPr lang="it-IT"/>
+          </a:p>
+        </c:txPr>
+        <c:crossAx val="266765615"/>
+        <c:crossesAt val="0"/>
+        <c:auto val="1"/>
+        <c:lblAlgn val="ctr"/>
+        <c:lblOffset val="100"/>
+        <c:noMultiLvlLbl val="0"/>
+      </c:catAx>
+      <c:dTable>
+        <c:showHorzBorder val="1"/>
+        <c:showVertBorder val="1"/>
+        <c:showOutline val="1"/>
+        <c:showKeys val="1"/>
+        <c:spPr>
+          <a:noFill/>
+          <a:ln w="9525" cap="flat" cmpd="sng" algn="ctr">
+            <a:solidFill>
+              <a:schemeClr val="dk1">
+                <a:lumMod val="15000"/>
+                <a:lumOff val="85000"/>
+              </a:schemeClr>
+            </a:solidFill>
+            <a:round/>
+          </a:ln>
+          <a:effectLst/>
+        </c:spPr>
+        <c:txPr>
+          <a:bodyPr rot="0" spcFirstLastPara="1" vertOverflow="ellipsis" vert="horz" wrap="square" anchor="ctr" anchorCtr="1"/>
+          <a:lstStyle/>
+          <a:p>
+            <a:pPr rtl="0">
+              <a:defRPr sz="1064" b="0" i="0" u="none" strike="noStrike" kern="1200" baseline="0">
+                <a:solidFill>
+                  <a:schemeClr val="dk1">
+                    <a:lumMod val="65000"/>
+                    <a:lumOff val="35000"/>
+                  </a:schemeClr>
+                </a:solidFill>
+                <a:latin typeface="+mn-lt"/>
+                <a:ea typeface="+mn-ea"/>
+                <a:cs typeface="+mn-cs"/>
+              </a:defRPr>
+            </a:pPr>
+            <a:endParaRPr lang="it-IT"/>
+          </a:p>
+        </c:txPr>
+      </c:dTable>
+      <c:spPr>
+        <a:pattFill prst="ltDnDiag">
+          <a:fgClr>
+            <a:schemeClr val="dk1">
+              <a:lumMod val="15000"/>
+              <a:lumOff val="85000"/>
+            </a:schemeClr>
+          </a:fgClr>
+          <a:bgClr>
+            <a:schemeClr val="lt1"/>
+          </a:bgClr>
+        </a:pattFill>
+        <a:ln>
+          <a:noFill/>
+        </a:ln>
+        <a:effectLst/>
+      </c:spPr>
+    </c:plotArea>
+    <c:plotVisOnly val="1"/>
+    <c:dispBlanksAs val="gap"/>
+    <c:showDLblsOverMax val="0"/>
+  </c:chart>
+  <c:spPr>
+    <a:solidFill>
+      <a:schemeClr val="lt1"/>
+    </a:solidFill>
+    <a:ln w="9525" cap="flat" cmpd="sng" algn="ctr">
+      <a:solidFill>
+        <a:schemeClr val="dk1">
+          <a:lumMod val="15000"/>
+          <a:lumOff val="85000"/>
+        </a:schemeClr>
+      </a:solidFill>
+      <a:round/>
+    </a:ln>
+    <a:effectLst/>
+  </c:spPr>
+  <c:txPr>
+    <a:bodyPr/>
+    <a:lstStyle/>
+    <a:p>
+      <a:pPr>
+        <a:defRPr/>
+      </a:pPr>
+      <a:endParaRPr lang="it-IT"/>
+    </a:p>
+  </c:txPr>
+  <c:externalData r:id="rId3">
     <c:autoUpdate val="0"/>
   </c:externalData>
 </c:chartSpace>
@@ -4404,7 +5856,7 @@
             <a:fld id="{B61BEF0D-F0BB-DE4B-95CE-6DB70DBA9567}" type="datetimeFigureOut">
               <a:rPr lang="en-US" smtClean="0"/>
               <a:pPr/>
-              <a:t>11/8/2017</a:t>
+              <a:t>11/16/2017</a:t>
             </a:fld>
             <a:endParaRPr lang="en-US" dirty="0"/>
           </a:p>
@@ -4744,7 +6196,7 @@
             <a:fld id="{B61BEF0D-F0BB-DE4B-95CE-6DB70DBA9567}" type="datetimeFigureOut">
               <a:rPr lang="en-US" smtClean="0"/>
               <a:pPr/>
-              <a:t>11/8/2017</a:t>
+              <a:t>11/16/2017</a:t>
             </a:fld>
             <a:endParaRPr lang="en-US" dirty="0"/>
           </a:p>
@@ -5147,7 +6599,7 @@
             <a:fld id="{B61BEF0D-F0BB-DE4B-95CE-6DB70DBA9567}" type="datetimeFigureOut">
               <a:rPr lang="en-US" smtClean="0"/>
               <a:pPr/>
-              <a:t>11/8/2017</a:t>
+              <a:t>11/16/2017</a:t>
             </a:fld>
             <a:endParaRPr lang="en-US" dirty="0"/>
           </a:p>
@@ -5484,7 +6936,7 @@
             <a:fld id="{B61BEF0D-F0BB-DE4B-95CE-6DB70DBA9567}" type="datetimeFigureOut">
               <a:rPr lang="en-US" smtClean="0"/>
               <a:pPr/>
-              <a:t>11/8/2017</a:t>
+              <a:t>11/16/2017</a:t>
             </a:fld>
             <a:endParaRPr lang="en-US" dirty="0"/>
           </a:p>
@@ -5806,7 +7258,7 @@
             <a:fld id="{B61BEF0D-F0BB-DE4B-95CE-6DB70DBA9567}" type="datetimeFigureOut">
               <a:rPr lang="en-US" smtClean="0"/>
               <a:pPr/>
-              <a:t>11/8/2017</a:t>
+              <a:t>11/16/2017</a:t>
             </a:fld>
             <a:endParaRPr lang="en-US" dirty="0"/>
           </a:p>
@@ -6204,7 +7656,7 @@
             <a:fld id="{B61BEF0D-F0BB-DE4B-95CE-6DB70DBA9567}" type="datetimeFigureOut">
               <a:rPr lang="en-US" smtClean="0"/>
               <a:pPr/>
-              <a:t>11/8/2017</a:t>
+              <a:t>11/16/2017</a:t>
             </a:fld>
             <a:endParaRPr lang="en-US" dirty="0"/>
           </a:p>
@@ -6463,7 +7915,7 @@
             <a:fld id="{B61BEF0D-F0BB-DE4B-95CE-6DB70DBA9567}" type="datetimeFigureOut">
               <a:rPr lang="en-US" smtClean="0"/>
               <a:pPr/>
-              <a:t>11/8/2017</a:t>
+              <a:t>11/16/2017</a:t>
             </a:fld>
             <a:endParaRPr lang="en-US" dirty="0"/>
           </a:p>
@@ -6727,7 +8179,7 @@
             <a:fld id="{B61BEF0D-F0BB-DE4B-95CE-6DB70DBA9567}" type="datetimeFigureOut">
               <a:rPr lang="en-US" smtClean="0"/>
               <a:pPr/>
-              <a:t>11/8/2017</a:t>
+              <a:t>11/16/2017</a:t>
             </a:fld>
             <a:endParaRPr lang="en-US" dirty="0"/>
           </a:p>
@@ -6991,7 +8443,7 @@
             <a:fld id="{B61BEF0D-F0BB-DE4B-95CE-6DB70DBA9567}" type="datetimeFigureOut">
               <a:rPr lang="en-US" smtClean="0"/>
               <a:pPr/>
-              <a:t>11/8/2017</a:t>
+              <a:t>11/16/2017</a:t>
             </a:fld>
             <a:endParaRPr lang="en-US" dirty="0"/>
           </a:p>
@@ -7322,7 +8774,7 @@
             <a:fld id="{B61BEF0D-F0BB-DE4B-95CE-6DB70DBA9567}" type="datetimeFigureOut">
               <a:rPr lang="en-US" smtClean="0"/>
               <a:pPr/>
-              <a:t>11/8/2017</a:t>
+              <a:t>11/16/2017</a:t>
             </a:fld>
             <a:endParaRPr lang="en-US" dirty="0"/>
           </a:p>
@@ -7647,7 +9099,7 @@
             <a:fld id="{B61BEF0D-F0BB-DE4B-95CE-6DB70DBA9567}" type="datetimeFigureOut">
               <a:rPr lang="en-US" smtClean="0"/>
               <a:pPr/>
-              <a:t>11/8/2017</a:t>
+              <a:t>11/16/2017</a:t>
             </a:fld>
             <a:endParaRPr lang="en-US" dirty="0"/>
           </a:p>
@@ -8106,7 +9558,7 @@
             <a:fld id="{B61BEF0D-F0BB-DE4B-95CE-6DB70DBA9567}" type="datetimeFigureOut">
               <a:rPr lang="en-US" smtClean="0"/>
               <a:pPr/>
-              <a:t>11/8/2017</a:t>
+              <a:t>11/16/2017</a:t>
             </a:fld>
             <a:endParaRPr lang="en-US" dirty="0"/>
           </a:p>
@@ -8313,7 +9765,7 @@
             <a:fld id="{B61BEF0D-F0BB-DE4B-95CE-6DB70DBA9567}" type="datetimeFigureOut">
               <a:rPr lang="en-US" smtClean="0"/>
               <a:pPr/>
-              <a:t>11/8/2017</a:t>
+              <a:t>11/16/2017</a:t>
             </a:fld>
             <a:endParaRPr lang="en-US" dirty="0"/>
           </a:p>
@@ -8492,7 +9944,7 @@
             <a:fld id="{B61BEF0D-F0BB-DE4B-95CE-6DB70DBA9567}" type="datetimeFigureOut">
               <a:rPr lang="en-US" smtClean="0"/>
               <a:pPr/>
-              <a:t>11/8/2017</a:t>
+              <a:t>11/16/2017</a:t>
             </a:fld>
             <a:endParaRPr lang="en-US" dirty="0"/>
           </a:p>
@@ -8827,7 +10279,7 @@
             <a:fld id="{B61BEF0D-F0BB-DE4B-95CE-6DB70DBA9567}" type="datetimeFigureOut">
               <a:rPr lang="en-US" smtClean="0"/>
               <a:pPr/>
-              <a:t>11/8/2017</a:t>
+              <a:t>11/16/2017</a:t>
             </a:fld>
             <a:endParaRPr lang="en-US" dirty="0"/>
           </a:p>
@@ -9174,7 +10626,7 @@
             <a:fld id="{B61BEF0D-F0BB-DE4B-95CE-6DB70DBA9567}" type="datetimeFigureOut">
               <a:rPr lang="en-US" smtClean="0"/>
               <a:pPr/>
-              <a:t>11/8/2017</a:t>
+              <a:t>11/16/2017</a:t>
             </a:fld>
             <a:endParaRPr lang="en-US" dirty="0"/>
           </a:p>
@@ -11293,7 +12745,7 @@
             <a:fld id="{B61BEF0D-F0BB-DE4B-95CE-6DB70DBA9567}" type="datetimeFigureOut">
               <a:rPr lang="en-US" smtClean="0"/>
               <a:pPr/>
-              <a:t>11/8/2017</a:t>
+              <a:t>11/16/2017</a:t>
             </a:fld>
             <a:endParaRPr lang="en-US" dirty="0"/>
           </a:p>
@@ -19407,7 +20859,7 @@
           <p:nvPr>
             <p:extLst>
               <p:ext uri="{D42A27DB-BD31-4B8C-83A1-F6EECF244321}">
-                <p14:modId xmlns:p14="http://schemas.microsoft.com/office/powerpoint/2010/main" val="4293556500"/>
+                <p14:modId xmlns:p14="http://schemas.microsoft.com/office/powerpoint/2010/main" val="286538563"/>
               </p:ext>
             </p:extLst>
           </p:nvPr>
@@ -19583,7 +21035,7 @@
           <p:nvPr>
             <p:extLst>
               <p:ext uri="{D42A27DB-BD31-4B8C-83A1-F6EECF244321}">
-                <p14:modId xmlns:p14="http://schemas.microsoft.com/office/powerpoint/2010/main" val="207213810"/>
+                <p14:modId xmlns:p14="http://schemas.microsoft.com/office/powerpoint/2010/main" val="3560492456"/>
               </p:ext>
             </p:extLst>
           </p:nvPr>
@@ -20045,6 +21497,484 @@
       </p:sp>
       <p:sp>
         <p:nvSpPr>
+          <p:cNvPr id="4" name="Segnaposto contenuto 2">
+            <a:extLst>
+              <a:ext uri="{FF2B5EF4-FFF2-40B4-BE49-F238E27FC236}">
+                <a16:creationId xmlns:a16="http://schemas.microsoft.com/office/drawing/2014/main" id="{8B824931-297A-4CAF-86D2-180109FEA9A1}"/>
+              </a:ext>
+            </a:extLst>
+          </p:cNvPr>
+          <p:cNvSpPr txBox="1">
+            <a:spLocks/>
+          </p:cNvSpPr>
+          <p:nvPr/>
+        </p:nvSpPr>
+        <p:spPr>
+          <a:xfrm>
+            <a:off x="2484215" y="1412492"/>
+            <a:ext cx="8915400" cy="1207619"/>
+          </a:xfrm>
+          <a:prstGeom prst="rect">
+            <a:avLst/>
+          </a:prstGeom>
+        </p:spPr>
+        <p:txBody>
+          <a:bodyPr/>
+          <a:lstStyle>
+            <a:lvl1pPr marL="342900" indent="-342900" algn="l" defTabSz="457200" rtl="0" eaLnBrk="1" latinLnBrk="0" hangingPunct="1">
+              <a:spcBef>
+                <a:spcPts val="1000"/>
+              </a:spcBef>
+              <a:spcAft>
+                <a:spcPts val="0"/>
+              </a:spcAft>
+              <a:buClr>
+                <a:schemeClr val="accent1"/>
+              </a:buClr>
+              <a:buFont typeface="Wingdings 3" charset="2"/>
+              <a:buChar char=""/>
+              <a:defRPr sz="1800" kern="1200">
+                <a:solidFill>
+                  <a:schemeClr val="tx1">
+                    <a:lumMod val="75000"/>
+                    <a:lumOff val="25000"/>
+                  </a:schemeClr>
+                </a:solidFill>
+                <a:latin typeface="+mn-lt"/>
+                <a:ea typeface="+mn-ea"/>
+                <a:cs typeface="+mn-cs"/>
+              </a:defRPr>
+            </a:lvl1pPr>
+            <a:lvl2pPr marL="742950" indent="-285750" algn="l" defTabSz="457200" rtl="0" eaLnBrk="1" latinLnBrk="0" hangingPunct="1">
+              <a:spcBef>
+                <a:spcPts val="1000"/>
+              </a:spcBef>
+              <a:spcAft>
+                <a:spcPts val="0"/>
+              </a:spcAft>
+              <a:buClr>
+                <a:schemeClr val="accent1"/>
+              </a:buClr>
+              <a:buFont typeface="Wingdings 3" charset="2"/>
+              <a:buChar char=""/>
+              <a:defRPr sz="1600" kern="1200">
+                <a:solidFill>
+                  <a:schemeClr val="tx1">
+                    <a:lumMod val="75000"/>
+                    <a:lumOff val="25000"/>
+                  </a:schemeClr>
+                </a:solidFill>
+                <a:latin typeface="+mn-lt"/>
+                <a:ea typeface="+mn-ea"/>
+                <a:cs typeface="+mn-cs"/>
+              </a:defRPr>
+            </a:lvl2pPr>
+            <a:lvl3pPr marL="1143000" indent="-228600" algn="l" defTabSz="457200" rtl="0" eaLnBrk="1" latinLnBrk="0" hangingPunct="1">
+              <a:spcBef>
+                <a:spcPts val="1000"/>
+              </a:spcBef>
+              <a:spcAft>
+                <a:spcPts val="0"/>
+              </a:spcAft>
+              <a:buClr>
+                <a:schemeClr val="accent1"/>
+              </a:buClr>
+              <a:buFont typeface="Wingdings 3" charset="2"/>
+              <a:buChar char=""/>
+              <a:defRPr sz="1400" kern="1200">
+                <a:solidFill>
+                  <a:schemeClr val="tx1">
+                    <a:lumMod val="75000"/>
+                    <a:lumOff val="25000"/>
+                  </a:schemeClr>
+                </a:solidFill>
+                <a:latin typeface="+mn-lt"/>
+                <a:ea typeface="+mn-ea"/>
+                <a:cs typeface="+mn-cs"/>
+              </a:defRPr>
+            </a:lvl3pPr>
+            <a:lvl4pPr marL="1600200" indent="-228600" algn="l" defTabSz="457200" rtl="0" eaLnBrk="1" latinLnBrk="0" hangingPunct="1">
+              <a:spcBef>
+                <a:spcPts val="1000"/>
+              </a:spcBef>
+              <a:spcAft>
+                <a:spcPts val="0"/>
+              </a:spcAft>
+              <a:buClr>
+                <a:schemeClr val="accent1"/>
+              </a:buClr>
+              <a:buFont typeface="Wingdings 3" charset="2"/>
+              <a:buChar char=""/>
+              <a:defRPr sz="1200" kern="1200">
+                <a:solidFill>
+                  <a:schemeClr val="tx1">
+                    <a:lumMod val="75000"/>
+                    <a:lumOff val="25000"/>
+                  </a:schemeClr>
+                </a:solidFill>
+                <a:latin typeface="+mn-lt"/>
+                <a:ea typeface="+mn-ea"/>
+                <a:cs typeface="+mn-cs"/>
+              </a:defRPr>
+            </a:lvl4pPr>
+            <a:lvl5pPr marL="2057400" indent="-228600" algn="l" defTabSz="457200" rtl="0" eaLnBrk="1" latinLnBrk="0" hangingPunct="1">
+              <a:spcBef>
+                <a:spcPts val="1000"/>
+              </a:spcBef>
+              <a:spcAft>
+                <a:spcPts val="0"/>
+              </a:spcAft>
+              <a:buClr>
+                <a:schemeClr val="accent1"/>
+              </a:buClr>
+              <a:buFont typeface="Wingdings 3" charset="2"/>
+              <a:buChar char=""/>
+              <a:defRPr sz="1200" kern="1200">
+                <a:solidFill>
+                  <a:schemeClr val="tx1">
+                    <a:lumMod val="75000"/>
+                    <a:lumOff val="25000"/>
+                  </a:schemeClr>
+                </a:solidFill>
+                <a:latin typeface="+mn-lt"/>
+                <a:ea typeface="+mn-ea"/>
+                <a:cs typeface="+mn-cs"/>
+              </a:defRPr>
+            </a:lvl5pPr>
+            <a:lvl6pPr marL="2514600" indent="-228600" algn="l" defTabSz="457200" rtl="0" eaLnBrk="1" latinLnBrk="0" hangingPunct="1">
+              <a:spcBef>
+                <a:spcPts val="1000"/>
+              </a:spcBef>
+              <a:spcAft>
+                <a:spcPts val="0"/>
+              </a:spcAft>
+              <a:buClr>
+                <a:schemeClr val="accent1"/>
+              </a:buClr>
+              <a:buFont typeface="Wingdings 3" charset="2"/>
+              <a:buChar char=""/>
+              <a:defRPr sz="1200" kern="1200">
+                <a:solidFill>
+                  <a:schemeClr val="tx1">
+                    <a:lumMod val="75000"/>
+                    <a:lumOff val="25000"/>
+                  </a:schemeClr>
+                </a:solidFill>
+                <a:latin typeface="+mn-lt"/>
+                <a:ea typeface="+mn-ea"/>
+                <a:cs typeface="+mn-cs"/>
+              </a:defRPr>
+            </a:lvl6pPr>
+            <a:lvl7pPr marL="2971800" indent="-228600" algn="l" defTabSz="457200" rtl="0" eaLnBrk="1" latinLnBrk="0" hangingPunct="1">
+              <a:spcBef>
+                <a:spcPts val="1000"/>
+              </a:spcBef>
+              <a:spcAft>
+                <a:spcPts val="0"/>
+              </a:spcAft>
+              <a:buClr>
+                <a:schemeClr val="accent1"/>
+              </a:buClr>
+              <a:buFont typeface="Wingdings 3" charset="2"/>
+              <a:buChar char=""/>
+              <a:defRPr sz="1200" kern="1200">
+                <a:solidFill>
+                  <a:schemeClr val="tx1">
+                    <a:lumMod val="75000"/>
+                    <a:lumOff val="25000"/>
+                  </a:schemeClr>
+                </a:solidFill>
+                <a:latin typeface="+mn-lt"/>
+                <a:ea typeface="+mn-ea"/>
+                <a:cs typeface="+mn-cs"/>
+              </a:defRPr>
+            </a:lvl7pPr>
+            <a:lvl8pPr marL="3429000" indent="-228600" algn="l" defTabSz="457200" rtl="0" eaLnBrk="1" latinLnBrk="0" hangingPunct="1">
+              <a:spcBef>
+                <a:spcPts val="1000"/>
+              </a:spcBef>
+              <a:spcAft>
+                <a:spcPts val="0"/>
+              </a:spcAft>
+              <a:buClr>
+                <a:schemeClr val="accent1"/>
+              </a:buClr>
+              <a:buFont typeface="Wingdings 3" charset="2"/>
+              <a:buChar char=""/>
+              <a:defRPr sz="1200" kern="1200">
+                <a:solidFill>
+                  <a:schemeClr val="tx1">
+                    <a:lumMod val="75000"/>
+                    <a:lumOff val="25000"/>
+                  </a:schemeClr>
+                </a:solidFill>
+                <a:latin typeface="+mn-lt"/>
+                <a:ea typeface="+mn-ea"/>
+                <a:cs typeface="+mn-cs"/>
+              </a:defRPr>
+            </a:lvl8pPr>
+            <a:lvl9pPr marL="3886200" indent="-228600" algn="l" defTabSz="457200" rtl="0" eaLnBrk="1" latinLnBrk="0" hangingPunct="1">
+              <a:spcBef>
+                <a:spcPts val="1000"/>
+              </a:spcBef>
+              <a:spcAft>
+                <a:spcPts val="0"/>
+              </a:spcAft>
+              <a:buClr>
+                <a:schemeClr val="accent1"/>
+              </a:buClr>
+              <a:buFont typeface="Wingdings 3" charset="2"/>
+              <a:buChar char=""/>
+              <a:defRPr sz="1200" kern="1200">
+                <a:solidFill>
+                  <a:schemeClr val="tx1">
+                    <a:lumMod val="75000"/>
+                    <a:lumOff val="25000"/>
+                  </a:schemeClr>
+                </a:solidFill>
+                <a:latin typeface="+mn-lt"/>
+                <a:ea typeface="+mn-ea"/>
+                <a:cs typeface="+mn-cs"/>
+              </a:defRPr>
+            </a:lvl9pPr>
+          </a:lstStyle>
+          <a:p>
+            <a:r>
+              <a:rPr lang="en-GB" sz="1600" dirty="0"/>
+              <a:t>Speedup with respect to dataset length (random </a:t>
+            </a:r>
+            <a:r>
+              <a:rPr lang="en-GB" sz="1600" dirty="0" err="1"/>
+              <a:t>dna</a:t>
+            </a:r>
+            <a:r>
+              <a:rPr lang="en-GB" sz="1600" dirty="0"/>
+              <a:t> sequence)</a:t>
+            </a:r>
+          </a:p>
+          <a:p>
+            <a:endParaRPr lang="en-GB" sz="1600" dirty="0"/>
+          </a:p>
+          <a:p>
+            <a:pPr marL="0" indent="0">
+              <a:buNone/>
+            </a:pPr>
+            <a:r>
+              <a:rPr lang="en-GB" sz="1600" dirty="0"/>
+              <a:t>	</a:t>
+            </a:r>
+            <a:endParaRPr lang="en-GB" sz="1200" dirty="0"/>
+          </a:p>
+        </p:txBody>
+      </p:sp>
+      <p:pic>
+        <p:nvPicPr>
+          <p:cNvPr id="2" name="Immagine 1">
+            <a:extLst>
+              <a:ext uri="{FF2B5EF4-FFF2-40B4-BE49-F238E27FC236}">
+                <a16:creationId xmlns:a16="http://schemas.microsoft.com/office/drawing/2014/main" id="{1D909487-71AC-4D41-8BF7-02BA74030372}"/>
+              </a:ext>
+            </a:extLst>
+          </p:cNvPr>
+          <p:cNvPicPr>
+            <a:picLocks noChangeAspect="1"/>
+          </p:cNvPicPr>
+          <p:nvPr/>
+        </p:nvPicPr>
+        <p:blipFill>
+          <a:blip r:embed="rId2"/>
+          <a:stretch>
+            <a:fillRect/>
+          </a:stretch>
+        </p:blipFill>
+        <p:spPr>
+          <a:xfrm>
+            <a:off x="2592925" y="1885217"/>
+            <a:ext cx="7147560" cy="493819"/>
+          </a:xfrm>
+          <a:prstGeom prst="rect">
+            <a:avLst/>
+          </a:prstGeom>
+        </p:spPr>
+      </p:pic>
+      <p:graphicFrame>
+        <p:nvGraphicFramePr>
+          <p:cNvPr id="6" name="Grafico 5">
+            <a:extLst>
+              <a:ext uri="{FF2B5EF4-FFF2-40B4-BE49-F238E27FC236}">
+                <a16:creationId xmlns:a16="http://schemas.microsoft.com/office/drawing/2014/main" id="{BBBCBC40-6240-489D-B841-81F4881C6322}"/>
+              </a:ext>
+            </a:extLst>
+          </p:cNvPr>
+          <p:cNvGraphicFramePr>
+            <a:graphicFrameLocks/>
+          </p:cNvGraphicFramePr>
+          <p:nvPr>
+            <p:extLst>
+              <p:ext uri="{D42A27DB-BD31-4B8C-83A1-F6EECF244321}">
+                <p14:modId xmlns:p14="http://schemas.microsoft.com/office/powerpoint/2010/main" val="3163246009"/>
+              </p:ext>
+            </p:extLst>
+          </p:nvPr>
+        </p:nvGraphicFramePr>
+        <p:xfrm>
+          <a:off x="2592925" y="2277613"/>
+          <a:ext cx="7147560" cy="4322074"/>
+        </p:xfrm>
+        <a:graphic>
+          <a:graphicData uri="http://schemas.openxmlformats.org/drawingml/2006/chart">
+            <c:chart xmlns:c="http://schemas.openxmlformats.org/drawingml/2006/chart" xmlns:r="http://schemas.openxmlformats.org/officeDocument/2006/relationships" r:id="rId3"/>
+          </a:graphicData>
+        </a:graphic>
+      </p:graphicFrame>
+    </p:spTree>
+    <p:extLst>
+      <p:ext uri="{BB962C8B-B14F-4D97-AF65-F5344CB8AC3E}">
+        <p14:creationId xmlns:p14="http://schemas.microsoft.com/office/powerpoint/2010/main" val="1013615952"/>
+      </p:ext>
+    </p:extLst>
+  </p:cSld>
+  <p:clrMapOvr>
+    <a:masterClrMapping/>
+  </p:clrMapOvr>
+</p:sld>
+</file>
+
+<file path=ppt/slides/slide27.xml><?xml version="1.0" encoding="utf-8"?>
+<p:sld xmlns:a="http://schemas.openxmlformats.org/drawingml/2006/main" xmlns:r="http://schemas.openxmlformats.org/officeDocument/2006/relationships" xmlns:p="http://schemas.openxmlformats.org/presentationml/2006/main">
+  <p:cSld>
+    <p:spTree>
+      <p:nvGrpSpPr>
+        <p:cNvPr id="1" name=""/>
+        <p:cNvGrpSpPr/>
+        <p:nvPr/>
+      </p:nvGrpSpPr>
+      <p:grpSpPr>
+        <a:xfrm>
+          <a:off x="0" y="0"/>
+          <a:ext cx="0" cy="0"/>
+          <a:chOff x="0" y="0"/>
+          <a:chExt cx="0" cy="0"/>
+        </a:xfrm>
+      </p:grpSpPr>
+      <p:sp>
+        <p:nvSpPr>
+          <p:cNvPr id="5" name="Titolo 1">
+            <a:extLst>
+              <a:ext uri="{FF2B5EF4-FFF2-40B4-BE49-F238E27FC236}">
+                <a16:creationId xmlns:a16="http://schemas.microsoft.com/office/drawing/2014/main" id="{0C734ED3-9278-4126-AE51-FE48147C659D}"/>
+              </a:ext>
+            </a:extLst>
+          </p:cNvPr>
+          <p:cNvSpPr txBox="1">
+            <a:spLocks/>
+          </p:cNvSpPr>
+          <p:nvPr/>
+        </p:nvSpPr>
+        <p:spPr>
+          <a:xfrm>
+            <a:off x="1710861" y="632902"/>
+            <a:ext cx="8911687" cy="1280890"/>
+          </a:xfrm>
+          <a:prstGeom prst="rect">
+            <a:avLst/>
+          </a:prstGeom>
+        </p:spPr>
+        <p:txBody>
+          <a:bodyPr vert="horz" lIns="91440" tIns="45720" rIns="91440" bIns="45720" rtlCol="0" anchor="t">
+            <a:normAutofit/>
+          </a:bodyPr>
+          <a:lstStyle>
+            <a:lvl1pPr algn="l" defTabSz="457200" rtl="0" eaLnBrk="1" latinLnBrk="0" hangingPunct="1">
+              <a:spcBef>
+                <a:spcPct val="0"/>
+              </a:spcBef>
+              <a:buNone/>
+              <a:defRPr sz="3600" kern="1200">
+                <a:solidFill>
+                  <a:schemeClr val="tx1">
+                    <a:lumMod val="85000"/>
+                    <a:lumOff val="15000"/>
+                  </a:schemeClr>
+                </a:solidFill>
+                <a:latin typeface="+mj-lt"/>
+                <a:ea typeface="+mj-ea"/>
+                <a:cs typeface="+mj-cs"/>
+              </a:defRPr>
+            </a:lvl1pPr>
+            <a:lvl2pPr eaLnBrk="1" hangingPunct="1">
+              <a:defRPr>
+                <a:solidFill>
+                  <a:schemeClr val="tx2"/>
+                </a:solidFill>
+              </a:defRPr>
+            </a:lvl2pPr>
+            <a:lvl3pPr eaLnBrk="1" hangingPunct="1">
+              <a:defRPr>
+                <a:solidFill>
+                  <a:schemeClr val="tx2"/>
+                </a:solidFill>
+              </a:defRPr>
+            </a:lvl3pPr>
+            <a:lvl4pPr eaLnBrk="1" hangingPunct="1">
+              <a:defRPr>
+                <a:solidFill>
+                  <a:schemeClr val="tx2"/>
+                </a:solidFill>
+              </a:defRPr>
+            </a:lvl4pPr>
+            <a:lvl5pPr eaLnBrk="1" hangingPunct="1">
+              <a:defRPr>
+                <a:solidFill>
+                  <a:schemeClr val="tx2"/>
+                </a:solidFill>
+              </a:defRPr>
+            </a:lvl5pPr>
+            <a:lvl6pPr eaLnBrk="1" hangingPunct="1">
+              <a:defRPr>
+                <a:solidFill>
+                  <a:schemeClr val="tx2"/>
+                </a:solidFill>
+              </a:defRPr>
+            </a:lvl6pPr>
+            <a:lvl7pPr eaLnBrk="1" hangingPunct="1">
+              <a:defRPr>
+                <a:solidFill>
+                  <a:schemeClr val="tx2"/>
+                </a:solidFill>
+              </a:defRPr>
+            </a:lvl7pPr>
+            <a:lvl8pPr eaLnBrk="1" hangingPunct="1">
+              <a:defRPr>
+                <a:solidFill>
+                  <a:schemeClr val="tx2"/>
+                </a:solidFill>
+              </a:defRPr>
+            </a:lvl8pPr>
+            <a:lvl9pPr eaLnBrk="1" hangingPunct="1">
+              <a:defRPr>
+                <a:solidFill>
+                  <a:schemeClr val="tx2"/>
+                </a:solidFill>
+              </a:defRPr>
+            </a:lvl9pPr>
+          </a:lstStyle>
+          <a:p>
+            <a:pPr algn="ctr"/>
+            <a:r>
+              <a:rPr lang="it-IT" sz="4400" b="1" dirty="0">
+                <a:solidFill>
+                  <a:srgbClr val="FFC000"/>
+                </a:solidFill>
+              </a:rPr>
+              <a:t>RESULT</a:t>
+            </a:r>
+            <a:endParaRPr lang="en-GB" sz="4400" dirty="0"/>
+          </a:p>
+        </p:txBody>
+      </p:sp>
+      <p:sp>
+        <p:nvSpPr>
           <p:cNvPr id="3" name="Segnaposto contenuto 2">
             <a:extLst>
               <a:ext uri="{FF2B5EF4-FFF2-40B4-BE49-F238E27FC236}">
@@ -20310,7 +22240,7 @@
           <p:nvPr>
             <p:extLst>
               <p:ext uri="{D42A27DB-BD31-4B8C-83A1-F6EECF244321}">
-                <p14:modId xmlns:p14="http://schemas.microsoft.com/office/powerpoint/2010/main" val="2831316375"/>
+                <p14:modId xmlns:p14="http://schemas.microsoft.com/office/powerpoint/2010/main" val="857324847"/>
               </p:ext>
             </p:extLst>
           </p:nvPr>
@@ -20405,7 +22335,7 @@
 </p:sld>
 </file>
 
-<file path=ppt/slides/slide27.xml><?xml version="1.0" encoding="utf-8"?>
+<file path=ppt/slides/slide28.xml><?xml version="1.0" encoding="utf-8"?>
 <p:sld xmlns:a="http://schemas.openxmlformats.org/drawingml/2006/main" xmlns:r="http://schemas.openxmlformats.org/officeDocument/2006/relationships" xmlns:p="http://schemas.openxmlformats.org/presentationml/2006/main">
   <p:cSld>
     <p:spTree>
@@ -20553,7 +22483,7 @@
           <p:nvPr>
             <p:extLst>
               <p:ext uri="{D42A27DB-BD31-4B8C-83A1-F6EECF244321}">
-                <p14:modId xmlns:p14="http://schemas.microsoft.com/office/powerpoint/2010/main" val="261180905"/>
+                <p14:modId xmlns:p14="http://schemas.microsoft.com/office/powerpoint/2010/main" val="1851797215"/>
               </p:ext>
             </p:extLst>
           </p:nvPr>
@@ -20872,2780 +22802,6 @@
 </p:sld>
 </file>
 
-<file path=ppt/slides/slide28.xml><?xml version="1.0" encoding="utf-8"?>
-<p:sld xmlns:a="http://schemas.openxmlformats.org/drawingml/2006/main" xmlns:r="http://schemas.openxmlformats.org/officeDocument/2006/relationships" xmlns:p="http://schemas.openxmlformats.org/presentationml/2006/main">
-  <p:cSld>
-    <p:bg>
-      <p:bgPr>
-        <a:gradFill rotWithShape="1">
-          <a:gsLst>
-            <a:gs pos="0">
-              <a:schemeClr val="bg2">
-                <a:tint val="90000"/>
-                <a:satMod val="92000"/>
-                <a:lumMod val="120000"/>
-              </a:schemeClr>
-            </a:gs>
-            <a:gs pos="100000">
-              <a:schemeClr val="bg2">
-                <a:shade val="98000"/>
-                <a:satMod val="120000"/>
-                <a:lumMod val="98000"/>
-              </a:schemeClr>
-            </a:gs>
-          </a:gsLst>
-          <a:path path="circle">
-            <a:fillToRect l="50000" t="50000" r="100000" b="100000"/>
-          </a:path>
-        </a:gradFill>
-        <a:effectLst/>
-      </p:bgPr>
-    </p:bg>
-    <p:spTree>
-      <p:nvGrpSpPr>
-        <p:cNvPr id="1" name=""/>
-        <p:cNvGrpSpPr/>
-        <p:nvPr/>
-      </p:nvGrpSpPr>
-      <p:grpSpPr>
-        <a:xfrm>
-          <a:off x="0" y="0"/>
-          <a:ext cx="0" cy="0"/>
-          <a:chOff x="0" y="0"/>
-          <a:chExt cx="0" cy="0"/>
-        </a:xfrm>
-      </p:grpSpPr>
-      <p:grpSp>
-        <p:nvGrpSpPr>
-          <p:cNvPr id="12" name="Group 11">
-            <a:extLst>
-              <a:ext uri="{FF2B5EF4-FFF2-40B4-BE49-F238E27FC236}">
-                <a16:creationId xmlns:a16="http://schemas.microsoft.com/office/drawing/2014/main" id="{51B860BB-F934-4DE1-A930-090DD475F1A9}"/>
-              </a:ext>
-            </a:extLst>
-          </p:cNvPr>
-          <p:cNvGrpSpPr>
-            <a:grpSpLocks noGrp="1" noUngrp="1" noRot="1" noChangeAspect="1" noMove="1" noResize="1"/>
-          </p:cNvGrpSpPr>
-          <p:nvPr>
-            <p:extLst>
-              <p:ext uri="{386F3935-93C4-4BCD-93E2-E3B085C9AB24}">
-                <p16:designElem xmlns:p16="http://schemas.microsoft.com/office/powerpoint/2015/main" val="1"/>
-              </p:ext>
-            </p:extLst>
-          </p:nvPr>
-        </p:nvGrpSpPr>
-        <p:grpSpPr>
-          <a:xfrm>
-            <a:off x="9" y="228600"/>
-            <a:ext cx="2851523" cy="6638625"/>
-            <a:chOff x="2487613" y="285750"/>
-            <a:chExt cx="2428875" cy="5654676"/>
-          </a:xfrm>
-        </p:grpSpPr>
-        <p:sp>
-          <p:nvSpPr>
-            <p:cNvPr id="13" name="Freeform 11">
-              <a:extLst>
-                <a:ext uri="{FF2B5EF4-FFF2-40B4-BE49-F238E27FC236}">
-                  <a16:creationId xmlns:a16="http://schemas.microsoft.com/office/drawing/2014/main" id="{61927C55-8047-466F-9FE4-B42D3D1AFA94}"/>
-                </a:ext>
-              </a:extLst>
-            </p:cNvPr>
-            <p:cNvSpPr/>
-            <p:nvPr>
-              <p:extLst>
-                <p:ext uri="{386F3935-93C4-4BCD-93E2-E3B085C9AB24}">
-                  <p16:designElem xmlns:p16="http://schemas.microsoft.com/office/powerpoint/2015/main" val="1"/>
-                </p:ext>
-              </p:extLst>
-            </p:nvPr>
-          </p:nvSpPr>
-          <p:spPr bwMode="auto">
-            <a:xfrm>
-              <a:off x="2487613" y="2284413"/>
-              <a:ext cx="85725" cy="533400"/>
-            </a:xfrm>
-            <a:custGeom>
-              <a:avLst/>
-              <a:gdLst/>
-              <a:ahLst/>
-              <a:cxnLst/>
-              <a:rect l="0" t="0" r="r" b="b"/>
-              <a:pathLst>
-                <a:path w="22" h="136">
-                  <a:moveTo>
-                    <a:pt x="22" y="136"/>
-                  </a:moveTo>
-                  <a:cubicBezTo>
-                    <a:pt x="20" y="117"/>
-                    <a:pt x="19" y="99"/>
-                    <a:pt x="17" y="80"/>
-                  </a:cubicBezTo>
-                  <a:cubicBezTo>
-                    <a:pt x="11" y="54"/>
-                    <a:pt x="6" y="27"/>
-                    <a:pt x="0" y="0"/>
-                  </a:cubicBezTo>
-                  <a:cubicBezTo>
-                    <a:pt x="0" y="35"/>
-                    <a:pt x="0" y="35"/>
-                    <a:pt x="0" y="35"/>
-                  </a:cubicBezTo>
-                  <a:cubicBezTo>
-                    <a:pt x="6" y="64"/>
-                    <a:pt x="13" y="94"/>
-                    <a:pt x="20" y="124"/>
-                  </a:cubicBezTo>
-                  <a:cubicBezTo>
-                    <a:pt x="20" y="128"/>
-                    <a:pt x="21" y="132"/>
-                    <a:pt x="22" y="136"/>
-                  </a:cubicBezTo>
-                  <a:close/>
-                </a:path>
-              </a:pathLst>
-            </a:custGeom>
-            <a:solidFill>
-              <a:schemeClr val="tx2">
-                <a:alpha val="20000"/>
-              </a:schemeClr>
-            </a:solidFill>
-            <a:ln>
-              <a:noFill/>
-            </a:ln>
-          </p:spPr>
-        </p:sp>
-        <p:sp>
-          <p:nvSpPr>
-            <p:cNvPr id="14" name="Freeform 12">
-              <a:extLst>
-                <a:ext uri="{FF2B5EF4-FFF2-40B4-BE49-F238E27FC236}">
-                  <a16:creationId xmlns:a16="http://schemas.microsoft.com/office/drawing/2014/main" id="{E914D83D-75AE-426B-90AC-E37CBA2BD7FC}"/>
-                </a:ext>
-              </a:extLst>
-            </p:cNvPr>
-            <p:cNvSpPr/>
-            <p:nvPr>
-              <p:extLst>
-                <p:ext uri="{386F3935-93C4-4BCD-93E2-E3B085C9AB24}">
-                  <p16:designElem xmlns:p16="http://schemas.microsoft.com/office/powerpoint/2015/main" val="1"/>
-                </p:ext>
-              </p:extLst>
-            </p:nvPr>
-          </p:nvSpPr>
-          <p:spPr bwMode="auto">
-            <a:xfrm>
-              <a:off x="2597151" y="2779713"/>
-              <a:ext cx="550863" cy="1978025"/>
-            </a:xfrm>
-            <a:custGeom>
-              <a:avLst/>
-              <a:gdLst/>
-              <a:ahLst/>
-              <a:cxnLst/>
-              <a:rect l="0" t="0" r="r" b="b"/>
-              <a:pathLst>
-                <a:path w="140" h="504">
-                  <a:moveTo>
-                    <a:pt x="86" y="350"/>
-                  </a:moveTo>
-                  <a:cubicBezTo>
-                    <a:pt x="103" y="402"/>
-                    <a:pt x="120" y="453"/>
-                    <a:pt x="139" y="504"/>
-                  </a:cubicBezTo>
-                  <a:cubicBezTo>
-                    <a:pt x="139" y="495"/>
-                    <a:pt x="139" y="487"/>
-                    <a:pt x="140" y="478"/>
-                  </a:cubicBezTo>
-                  <a:cubicBezTo>
-                    <a:pt x="124" y="435"/>
-                    <a:pt x="109" y="391"/>
-                    <a:pt x="95" y="347"/>
-                  </a:cubicBezTo>
-                  <a:cubicBezTo>
-                    <a:pt x="58" y="233"/>
-                    <a:pt x="27" y="117"/>
-                    <a:pt x="0" y="0"/>
-                  </a:cubicBezTo>
-                  <a:cubicBezTo>
-                    <a:pt x="2" y="20"/>
-                    <a:pt x="4" y="41"/>
-                    <a:pt x="6" y="61"/>
-                  </a:cubicBezTo>
-                  <a:cubicBezTo>
-                    <a:pt x="30" y="158"/>
-                    <a:pt x="56" y="255"/>
-                    <a:pt x="86" y="350"/>
-                  </a:cubicBezTo>
-                  <a:close/>
-                </a:path>
-              </a:pathLst>
-            </a:custGeom>
-            <a:solidFill>
-              <a:schemeClr val="tx2">
-                <a:alpha val="20000"/>
-              </a:schemeClr>
-            </a:solidFill>
-            <a:ln>
-              <a:noFill/>
-            </a:ln>
-          </p:spPr>
-        </p:sp>
-        <p:sp>
-          <p:nvSpPr>
-            <p:cNvPr id="15" name="Freeform 13">
-              <a:extLst>
-                <a:ext uri="{FF2B5EF4-FFF2-40B4-BE49-F238E27FC236}">
-                  <a16:creationId xmlns:a16="http://schemas.microsoft.com/office/drawing/2014/main" id="{DDB740D6-20EA-4164-9EDB-243B210E8FE8}"/>
-                </a:ext>
-              </a:extLst>
-            </p:cNvPr>
-            <p:cNvSpPr/>
-            <p:nvPr>
-              <p:extLst>
-                <p:ext uri="{386F3935-93C4-4BCD-93E2-E3B085C9AB24}">
-                  <p16:designElem xmlns:p16="http://schemas.microsoft.com/office/powerpoint/2015/main" val="1"/>
-                </p:ext>
-              </p:extLst>
-            </p:nvPr>
-          </p:nvSpPr>
-          <p:spPr bwMode="auto">
-            <a:xfrm>
-              <a:off x="3175001" y="4730750"/>
-              <a:ext cx="519113" cy="1209675"/>
-            </a:xfrm>
-            <a:custGeom>
-              <a:avLst/>
-              <a:gdLst/>
-              <a:ahLst/>
-              <a:cxnLst/>
-              <a:rect l="0" t="0" r="r" b="b"/>
-              <a:pathLst>
-                <a:path w="132" h="308">
-                  <a:moveTo>
-                    <a:pt x="8" y="22"/>
-                  </a:moveTo>
-                  <a:cubicBezTo>
-                    <a:pt x="5" y="15"/>
-                    <a:pt x="2" y="8"/>
-                    <a:pt x="0" y="0"/>
-                  </a:cubicBezTo>
-                  <a:cubicBezTo>
-                    <a:pt x="0" y="10"/>
-                    <a:pt x="0" y="19"/>
-                    <a:pt x="0" y="29"/>
-                  </a:cubicBezTo>
-                  <a:cubicBezTo>
-                    <a:pt x="21" y="85"/>
-                    <a:pt x="44" y="140"/>
-                    <a:pt x="68" y="194"/>
-                  </a:cubicBezTo>
-                  <a:cubicBezTo>
-                    <a:pt x="85" y="232"/>
-                    <a:pt x="104" y="270"/>
-                    <a:pt x="123" y="308"/>
-                  </a:cubicBezTo>
-                  <a:cubicBezTo>
-                    <a:pt x="132" y="308"/>
-                    <a:pt x="132" y="308"/>
-                    <a:pt x="132" y="308"/>
-                  </a:cubicBezTo>
-                  <a:cubicBezTo>
-                    <a:pt x="113" y="269"/>
-                    <a:pt x="94" y="230"/>
-                    <a:pt x="77" y="190"/>
-                  </a:cubicBezTo>
-                  <a:cubicBezTo>
-                    <a:pt x="52" y="135"/>
-                    <a:pt x="29" y="79"/>
-                    <a:pt x="8" y="22"/>
-                  </a:cubicBezTo>
-                  <a:close/>
-                </a:path>
-              </a:pathLst>
-            </a:custGeom>
-            <a:solidFill>
-              <a:schemeClr val="tx2">
-                <a:alpha val="20000"/>
-              </a:schemeClr>
-            </a:solidFill>
-            <a:ln>
-              <a:noFill/>
-            </a:ln>
-          </p:spPr>
-        </p:sp>
-        <p:sp>
-          <p:nvSpPr>
-            <p:cNvPr id="16" name="Freeform 14">
-              <a:extLst>
-                <a:ext uri="{FF2B5EF4-FFF2-40B4-BE49-F238E27FC236}">
-                  <a16:creationId xmlns:a16="http://schemas.microsoft.com/office/drawing/2014/main" id="{0843EF7D-8FF7-4B1B-810B-AA92D132EB54}"/>
-                </a:ext>
-              </a:extLst>
-            </p:cNvPr>
-            <p:cNvSpPr/>
-            <p:nvPr>
-              <p:extLst>
-                <p:ext uri="{386F3935-93C4-4BCD-93E2-E3B085C9AB24}">
-                  <p16:designElem xmlns:p16="http://schemas.microsoft.com/office/powerpoint/2015/main" val="1"/>
-                </p:ext>
-              </p:extLst>
-            </p:nvPr>
-          </p:nvSpPr>
-          <p:spPr bwMode="auto">
-            <a:xfrm>
-              <a:off x="3305176" y="5630863"/>
-              <a:ext cx="146050" cy="309563"/>
-            </a:xfrm>
-            <a:custGeom>
-              <a:avLst/>
-              <a:gdLst/>
-              <a:ahLst/>
-              <a:cxnLst/>
-              <a:rect l="0" t="0" r="r" b="b"/>
-              <a:pathLst>
-                <a:path w="37" h="79">
-                  <a:moveTo>
-                    <a:pt x="28" y="79"/>
-                  </a:moveTo>
-                  <a:cubicBezTo>
-                    <a:pt x="37" y="79"/>
-                    <a:pt x="37" y="79"/>
-                    <a:pt x="37" y="79"/>
-                  </a:cubicBezTo>
-                  <a:cubicBezTo>
-                    <a:pt x="24" y="53"/>
-                    <a:pt x="12" y="27"/>
-                    <a:pt x="0" y="0"/>
-                  </a:cubicBezTo>
-                  <a:cubicBezTo>
-                    <a:pt x="8" y="27"/>
-                    <a:pt x="17" y="53"/>
-                    <a:pt x="28" y="79"/>
-                  </a:cubicBezTo>
-                  <a:close/>
-                </a:path>
-              </a:pathLst>
-            </a:custGeom>
-            <a:solidFill>
-              <a:schemeClr val="tx2">
-                <a:alpha val="20000"/>
-              </a:schemeClr>
-            </a:solidFill>
-            <a:ln>
-              <a:noFill/>
-            </a:ln>
-          </p:spPr>
-        </p:sp>
-        <p:sp>
-          <p:nvSpPr>
-            <p:cNvPr id="17" name="Freeform 15">
-              <a:extLst>
-                <a:ext uri="{FF2B5EF4-FFF2-40B4-BE49-F238E27FC236}">
-                  <a16:creationId xmlns:a16="http://schemas.microsoft.com/office/drawing/2014/main" id="{F995A1BF-26D5-42BA-83D6-B74B0793A820}"/>
-                </a:ext>
-              </a:extLst>
-            </p:cNvPr>
-            <p:cNvSpPr/>
-            <p:nvPr>
-              <p:extLst>
-                <p:ext uri="{386F3935-93C4-4BCD-93E2-E3B085C9AB24}">
-                  <p16:designElem xmlns:p16="http://schemas.microsoft.com/office/powerpoint/2015/main" val="1"/>
-                </p:ext>
-              </p:extLst>
-            </p:nvPr>
-          </p:nvSpPr>
-          <p:spPr bwMode="auto">
-            <a:xfrm>
-              <a:off x="2573338" y="2817813"/>
-              <a:ext cx="700088" cy="2835275"/>
-            </a:xfrm>
-            <a:custGeom>
-              <a:avLst/>
-              <a:gdLst/>
-              <a:ahLst/>
-              <a:cxnLst/>
-              <a:rect l="0" t="0" r="r" b="b"/>
-              <a:pathLst>
-                <a:path w="178" h="722">
-                  <a:moveTo>
-                    <a:pt x="162" y="660"/>
-                  </a:moveTo>
-                  <a:cubicBezTo>
-                    <a:pt x="145" y="618"/>
-                    <a:pt x="130" y="576"/>
-                    <a:pt x="116" y="534"/>
-                  </a:cubicBezTo>
-                  <a:cubicBezTo>
-                    <a:pt x="84" y="437"/>
-                    <a:pt x="59" y="337"/>
-                    <a:pt x="40" y="236"/>
-                  </a:cubicBezTo>
-                  <a:cubicBezTo>
-                    <a:pt x="29" y="175"/>
-                    <a:pt x="20" y="113"/>
-                    <a:pt x="12" y="51"/>
-                  </a:cubicBezTo>
-                  <a:cubicBezTo>
-                    <a:pt x="8" y="34"/>
-                    <a:pt x="4" y="17"/>
-                    <a:pt x="0" y="0"/>
-                  </a:cubicBezTo>
-                  <a:cubicBezTo>
-                    <a:pt x="8" y="79"/>
-                    <a:pt x="19" y="159"/>
-                    <a:pt x="33" y="237"/>
-                  </a:cubicBezTo>
-                  <a:cubicBezTo>
-                    <a:pt x="51" y="339"/>
-                    <a:pt x="76" y="439"/>
-                    <a:pt x="107" y="537"/>
-                  </a:cubicBezTo>
-                  <a:cubicBezTo>
-                    <a:pt x="123" y="586"/>
-                    <a:pt x="141" y="634"/>
-                    <a:pt x="160" y="681"/>
-                  </a:cubicBezTo>
-                  <a:cubicBezTo>
-                    <a:pt x="166" y="695"/>
-                    <a:pt x="172" y="708"/>
-                    <a:pt x="178" y="722"/>
-                  </a:cubicBezTo>
-                  <a:cubicBezTo>
-                    <a:pt x="176" y="717"/>
-                    <a:pt x="175" y="713"/>
-                    <a:pt x="174" y="708"/>
-                  </a:cubicBezTo>
-                  <a:cubicBezTo>
-                    <a:pt x="169" y="692"/>
-                    <a:pt x="165" y="676"/>
-                    <a:pt x="162" y="660"/>
-                  </a:cubicBezTo>
-                  <a:close/>
-                </a:path>
-              </a:pathLst>
-            </a:custGeom>
-            <a:solidFill>
-              <a:schemeClr val="tx2">
-                <a:alpha val="20000"/>
-              </a:schemeClr>
-            </a:solidFill>
-            <a:ln>
-              <a:noFill/>
-            </a:ln>
-          </p:spPr>
-        </p:sp>
-        <p:sp>
-          <p:nvSpPr>
-            <p:cNvPr id="18" name="Freeform 16">
-              <a:extLst>
-                <a:ext uri="{FF2B5EF4-FFF2-40B4-BE49-F238E27FC236}">
-                  <a16:creationId xmlns:a16="http://schemas.microsoft.com/office/drawing/2014/main" id="{706BB22B-358C-43E3-A01E-2CCD2EFD4A98}"/>
-                </a:ext>
-              </a:extLst>
-            </p:cNvPr>
-            <p:cNvSpPr/>
-            <p:nvPr>
-              <p:extLst>
-                <p:ext uri="{386F3935-93C4-4BCD-93E2-E3B085C9AB24}">
-                  <p16:designElem xmlns:p16="http://schemas.microsoft.com/office/powerpoint/2015/main" val="1"/>
-                </p:ext>
-              </p:extLst>
-            </p:nvPr>
-          </p:nvSpPr>
-          <p:spPr bwMode="auto">
-            <a:xfrm>
-              <a:off x="2506663" y="285750"/>
-              <a:ext cx="90488" cy="2493963"/>
-            </a:xfrm>
-            <a:custGeom>
-              <a:avLst/>
-              <a:gdLst/>
-              <a:ahLst/>
-              <a:cxnLst/>
-              <a:rect l="0" t="0" r="r" b="b"/>
-              <a:pathLst>
-                <a:path w="23" h="635">
-                  <a:moveTo>
-                    <a:pt x="11" y="577"/>
-                  </a:moveTo>
-                  <a:cubicBezTo>
-                    <a:pt x="12" y="581"/>
-                    <a:pt x="12" y="585"/>
-                    <a:pt x="12" y="589"/>
-                  </a:cubicBezTo>
-                  <a:cubicBezTo>
-                    <a:pt x="15" y="603"/>
-                    <a:pt x="19" y="617"/>
-                    <a:pt x="22" y="632"/>
-                  </a:cubicBezTo>
-                  <a:cubicBezTo>
-                    <a:pt x="22" y="633"/>
-                    <a:pt x="22" y="634"/>
-                    <a:pt x="23" y="635"/>
-                  </a:cubicBezTo>
-                  <a:cubicBezTo>
-                    <a:pt x="21" y="615"/>
-                    <a:pt x="19" y="596"/>
-                    <a:pt x="17" y="576"/>
-                  </a:cubicBezTo>
-                  <a:cubicBezTo>
-                    <a:pt x="9" y="474"/>
-                    <a:pt x="5" y="372"/>
-                    <a:pt x="5" y="269"/>
-                  </a:cubicBezTo>
-                  <a:cubicBezTo>
-                    <a:pt x="6" y="179"/>
-                    <a:pt x="9" y="90"/>
-                    <a:pt x="15" y="0"/>
-                  </a:cubicBezTo>
-                  <a:cubicBezTo>
-                    <a:pt x="12" y="0"/>
-                    <a:pt x="12" y="0"/>
-                    <a:pt x="12" y="0"/>
-                  </a:cubicBezTo>
-                  <a:cubicBezTo>
-                    <a:pt x="5" y="89"/>
-                    <a:pt x="2" y="179"/>
-                    <a:pt x="1" y="269"/>
-                  </a:cubicBezTo>
-                  <a:cubicBezTo>
-                    <a:pt x="0" y="372"/>
-                    <a:pt x="3" y="474"/>
-                    <a:pt x="11" y="577"/>
-                  </a:cubicBezTo>
-                  <a:close/>
-                </a:path>
-              </a:pathLst>
-            </a:custGeom>
-            <a:solidFill>
-              <a:schemeClr val="tx2">
-                <a:alpha val="20000"/>
-              </a:schemeClr>
-            </a:solidFill>
-            <a:ln>
-              <a:noFill/>
-            </a:ln>
-          </p:spPr>
-        </p:sp>
-        <p:sp>
-          <p:nvSpPr>
-            <p:cNvPr id="19" name="Freeform 17">
-              <a:extLst>
-                <a:ext uri="{FF2B5EF4-FFF2-40B4-BE49-F238E27FC236}">
-                  <a16:creationId xmlns:a16="http://schemas.microsoft.com/office/drawing/2014/main" id="{09828090-C04F-4B25-BD86-CE7A94A34612}"/>
-                </a:ext>
-              </a:extLst>
-            </p:cNvPr>
-            <p:cNvSpPr/>
-            <p:nvPr>
-              <p:extLst>
-                <p:ext uri="{386F3935-93C4-4BCD-93E2-E3B085C9AB24}">
-                  <p16:designElem xmlns:p16="http://schemas.microsoft.com/office/powerpoint/2015/main" val="1"/>
-                </p:ext>
-              </p:extLst>
-            </p:nvPr>
-          </p:nvSpPr>
-          <p:spPr bwMode="auto">
-            <a:xfrm>
-              <a:off x="2554288" y="2598738"/>
-              <a:ext cx="66675" cy="420688"/>
-            </a:xfrm>
-            <a:custGeom>
-              <a:avLst/>
-              <a:gdLst/>
-              <a:ahLst/>
-              <a:cxnLst/>
-              <a:rect l="0" t="0" r="r" b="b"/>
-              <a:pathLst>
-                <a:path w="17" h="107">
-                  <a:moveTo>
-                    <a:pt x="0" y="0"/>
-                  </a:moveTo>
-                  <a:cubicBezTo>
-                    <a:pt x="2" y="19"/>
-                    <a:pt x="3" y="37"/>
-                    <a:pt x="5" y="56"/>
-                  </a:cubicBezTo>
-                  <a:cubicBezTo>
-                    <a:pt x="9" y="73"/>
-                    <a:pt x="13" y="90"/>
-                    <a:pt x="17" y="107"/>
-                  </a:cubicBezTo>
-                  <a:cubicBezTo>
-                    <a:pt x="15" y="87"/>
-                    <a:pt x="13" y="66"/>
-                    <a:pt x="11" y="46"/>
-                  </a:cubicBezTo>
-                  <a:cubicBezTo>
-                    <a:pt x="10" y="45"/>
-                    <a:pt x="10" y="44"/>
-                    <a:pt x="10" y="43"/>
-                  </a:cubicBezTo>
-                  <a:cubicBezTo>
-                    <a:pt x="7" y="28"/>
-                    <a:pt x="3" y="14"/>
-                    <a:pt x="0" y="0"/>
-                  </a:cubicBezTo>
-                  <a:close/>
-                </a:path>
-              </a:pathLst>
-            </a:custGeom>
-            <a:solidFill>
-              <a:schemeClr val="tx2">
-                <a:alpha val="20000"/>
-              </a:schemeClr>
-            </a:solidFill>
-            <a:ln>
-              <a:noFill/>
-            </a:ln>
-          </p:spPr>
-        </p:sp>
-        <p:sp>
-          <p:nvSpPr>
-            <p:cNvPr id="20" name="Freeform 18">
-              <a:extLst>
-                <a:ext uri="{FF2B5EF4-FFF2-40B4-BE49-F238E27FC236}">
-                  <a16:creationId xmlns:a16="http://schemas.microsoft.com/office/drawing/2014/main" id="{B062093C-CFDD-4759-8CD6-EB2CCD1DBC7A}"/>
-                </a:ext>
-              </a:extLst>
-            </p:cNvPr>
-            <p:cNvSpPr/>
-            <p:nvPr>
-              <p:extLst>
-                <p:ext uri="{386F3935-93C4-4BCD-93E2-E3B085C9AB24}">
-                  <p16:designElem xmlns:p16="http://schemas.microsoft.com/office/powerpoint/2015/main" val="1"/>
-                </p:ext>
-              </p:extLst>
-            </p:nvPr>
-          </p:nvSpPr>
-          <p:spPr bwMode="auto">
-            <a:xfrm>
-              <a:off x="3143251" y="4757738"/>
-              <a:ext cx="161925" cy="873125"/>
-            </a:xfrm>
-            <a:custGeom>
-              <a:avLst/>
-              <a:gdLst/>
-              <a:ahLst/>
-              <a:cxnLst/>
-              <a:rect l="0" t="0" r="r" b="b"/>
-              <a:pathLst>
-                <a:path w="41" h="222">
-                  <a:moveTo>
-                    <a:pt x="0" y="0"/>
-                  </a:moveTo>
-                  <a:cubicBezTo>
-                    <a:pt x="0" y="31"/>
-                    <a:pt x="2" y="62"/>
-                    <a:pt x="5" y="93"/>
-                  </a:cubicBezTo>
-                  <a:cubicBezTo>
-                    <a:pt x="8" y="117"/>
-                    <a:pt x="12" y="142"/>
-                    <a:pt x="17" y="166"/>
-                  </a:cubicBezTo>
-                  <a:cubicBezTo>
-                    <a:pt x="19" y="172"/>
-                    <a:pt x="22" y="178"/>
-                    <a:pt x="24" y="184"/>
-                  </a:cubicBezTo>
-                  <a:cubicBezTo>
-                    <a:pt x="30" y="197"/>
-                    <a:pt x="35" y="209"/>
-                    <a:pt x="41" y="222"/>
-                  </a:cubicBezTo>
-                  <a:cubicBezTo>
-                    <a:pt x="40" y="219"/>
-                    <a:pt x="39" y="215"/>
-                    <a:pt x="38" y="212"/>
-                  </a:cubicBezTo>
-                  <a:cubicBezTo>
-                    <a:pt x="26" y="172"/>
-                    <a:pt x="18" y="132"/>
-                    <a:pt x="13" y="92"/>
-                  </a:cubicBezTo>
-                  <a:cubicBezTo>
-                    <a:pt x="11" y="68"/>
-                    <a:pt x="9" y="45"/>
-                    <a:pt x="8" y="22"/>
-                  </a:cubicBezTo>
-                  <a:cubicBezTo>
-                    <a:pt x="8" y="21"/>
-                    <a:pt x="7" y="20"/>
-                    <a:pt x="7" y="18"/>
-                  </a:cubicBezTo>
-                  <a:cubicBezTo>
-                    <a:pt x="5" y="12"/>
-                    <a:pt x="2" y="6"/>
-                    <a:pt x="0" y="0"/>
-                  </a:cubicBezTo>
-                  <a:close/>
-                </a:path>
-              </a:pathLst>
-            </a:custGeom>
-            <a:solidFill>
-              <a:schemeClr val="tx2">
-                <a:alpha val="20000"/>
-              </a:schemeClr>
-            </a:solidFill>
-            <a:ln>
-              <a:noFill/>
-            </a:ln>
-          </p:spPr>
-        </p:sp>
-        <p:sp>
-          <p:nvSpPr>
-            <p:cNvPr id="21" name="Freeform 19">
-              <a:extLst>
-                <a:ext uri="{FF2B5EF4-FFF2-40B4-BE49-F238E27FC236}">
-                  <a16:creationId xmlns:a16="http://schemas.microsoft.com/office/drawing/2014/main" id="{FB33C2A8-7609-427D-BC55-13F956201866}"/>
-                </a:ext>
-              </a:extLst>
-            </p:cNvPr>
-            <p:cNvSpPr/>
-            <p:nvPr>
-              <p:extLst>
-                <p:ext uri="{386F3935-93C4-4BCD-93E2-E3B085C9AB24}">
-                  <p16:designElem xmlns:p16="http://schemas.microsoft.com/office/powerpoint/2015/main" val="1"/>
-                </p:ext>
-              </p:extLst>
-            </p:nvPr>
-          </p:nvSpPr>
-          <p:spPr bwMode="auto">
-            <a:xfrm>
-              <a:off x="3148013" y="1282700"/>
-              <a:ext cx="1768475" cy="3448050"/>
-            </a:xfrm>
-            <a:custGeom>
-              <a:avLst/>
-              <a:gdLst/>
-              <a:ahLst/>
-              <a:cxnLst/>
-              <a:rect l="0" t="0" r="r" b="b"/>
-              <a:pathLst>
-                <a:path w="450" h="878">
-                  <a:moveTo>
-                    <a:pt x="7" y="854"/>
-                  </a:moveTo>
-                  <a:cubicBezTo>
-                    <a:pt x="10" y="772"/>
-                    <a:pt x="26" y="691"/>
-                    <a:pt x="50" y="613"/>
-                  </a:cubicBezTo>
-                  <a:cubicBezTo>
-                    <a:pt x="75" y="535"/>
-                    <a:pt x="109" y="460"/>
-                    <a:pt x="149" y="388"/>
-                  </a:cubicBezTo>
-                  <a:cubicBezTo>
-                    <a:pt x="189" y="316"/>
-                    <a:pt x="235" y="248"/>
-                    <a:pt x="285" y="183"/>
-                  </a:cubicBezTo>
-                  <a:cubicBezTo>
-                    <a:pt x="310" y="151"/>
-                    <a:pt x="337" y="119"/>
-                    <a:pt x="364" y="89"/>
-                  </a:cubicBezTo>
-                  <a:cubicBezTo>
-                    <a:pt x="378" y="74"/>
-                    <a:pt x="392" y="58"/>
-                    <a:pt x="406" y="44"/>
-                  </a:cubicBezTo>
-                  <a:cubicBezTo>
-                    <a:pt x="421" y="29"/>
-                    <a:pt x="435" y="15"/>
-                    <a:pt x="450" y="1"/>
-                  </a:cubicBezTo>
-                  <a:cubicBezTo>
-                    <a:pt x="450" y="0"/>
-                    <a:pt x="450" y="0"/>
-                    <a:pt x="450" y="0"/>
-                  </a:cubicBezTo>
-                  <a:cubicBezTo>
-                    <a:pt x="434" y="14"/>
-                    <a:pt x="420" y="28"/>
-                    <a:pt x="405" y="43"/>
-                  </a:cubicBezTo>
-                  <a:cubicBezTo>
-                    <a:pt x="391" y="57"/>
-                    <a:pt x="377" y="72"/>
-                    <a:pt x="363" y="88"/>
-                  </a:cubicBezTo>
-                  <a:cubicBezTo>
-                    <a:pt x="335" y="118"/>
-                    <a:pt x="308" y="149"/>
-                    <a:pt x="283" y="181"/>
-                  </a:cubicBezTo>
-                  <a:cubicBezTo>
-                    <a:pt x="232" y="246"/>
-                    <a:pt x="185" y="314"/>
-                    <a:pt x="145" y="386"/>
-                  </a:cubicBezTo>
-                  <a:cubicBezTo>
-                    <a:pt x="104" y="457"/>
-                    <a:pt x="70" y="533"/>
-                    <a:pt x="45" y="611"/>
-                  </a:cubicBezTo>
-                  <a:cubicBezTo>
-                    <a:pt x="19" y="690"/>
-                    <a:pt x="3" y="771"/>
-                    <a:pt x="0" y="854"/>
-                  </a:cubicBezTo>
-                  <a:cubicBezTo>
-                    <a:pt x="0" y="856"/>
-                    <a:pt x="0" y="857"/>
-                    <a:pt x="0" y="859"/>
-                  </a:cubicBezTo>
-                  <a:cubicBezTo>
-                    <a:pt x="2" y="865"/>
-                    <a:pt x="4" y="872"/>
-                    <a:pt x="7" y="878"/>
-                  </a:cubicBezTo>
-                  <a:cubicBezTo>
-                    <a:pt x="7" y="870"/>
-                    <a:pt x="7" y="862"/>
-                    <a:pt x="7" y="854"/>
-                  </a:cubicBezTo>
-                  <a:close/>
-                </a:path>
-              </a:pathLst>
-            </a:custGeom>
-            <a:solidFill>
-              <a:schemeClr val="tx2">
-                <a:alpha val="20000"/>
-              </a:schemeClr>
-            </a:solidFill>
-            <a:ln>
-              <a:noFill/>
-            </a:ln>
-          </p:spPr>
-        </p:sp>
-        <p:sp>
-          <p:nvSpPr>
-            <p:cNvPr id="22" name="Freeform 20">
-              <a:extLst>
-                <a:ext uri="{FF2B5EF4-FFF2-40B4-BE49-F238E27FC236}">
-                  <a16:creationId xmlns:a16="http://schemas.microsoft.com/office/drawing/2014/main" id="{9FF51B36-24F3-42B4-9ACD-2B83F4B570F6}"/>
-                </a:ext>
-              </a:extLst>
-            </p:cNvPr>
-            <p:cNvSpPr/>
-            <p:nvPr>
-              <p:extLst>
-                <p:ext uri="{386F3935-93C4-4BCD-93E2-E3B085C9AB24}">
-                  <p16:designElem xmlns:p16="http://schemas.microsoft.com/office/powerpoint/2015/main" val="1"/>
-                </p:ext>
-              </p:extLst>
-            </p:nvPr>
-          </p:nvSpPr>
-          <p:spPr bwMode="auto">
-            <a:xfrm>
-              <a:off x="3273426" y="5653088"/>
-              <a:ext cx="138113" cy="287338"/>
-            </a:xfrm>
-            <a:custGeom>
-              <a:avLst/>
-              <a:gdLst/>
-              <a:ahLst/>
-              <a:cxnLst/>
-              <a:rect l="0" t="0" r="r" b="b"/>
-              <a:pathLst>
-                <a:path w="35" h="73">
-                  <a:moveTo>
-                    <a:pt x="0" y="0"/>
-                  </a:moveTo>
-                  <a:cubicBezTo>
-                    <a:pt x="7" y="24"/>
-                    <a:pt x="16" y="49"/>
-                    <a:pt x="26" y="73"/>
-                  </a:cubicBezTo>
-                  <a:cubicBezTo>
-                    <a:pt x="35" y="73"/>
-                    <a:pt x="35" y="73"/>
-                    <a:pt x="35" y="73"/>
-                  </a:cubicBezTo>
-                  <a:cubicBezTo>
-                    <a:pt x="23" y="49"/>
-                    <a:pt x="11" y="24"/>
-                    <a:pt x="0" y="0"/>
-                  </a:cubicBezTo>
-                  <a:close/>
-                </a:path>
-              </a:pathLst>
-            </a:custGeom>
-            <a:solidFill>
-              <a:schemeClr val="tx2">
-                <a:alpha val="20000"/>
-              </a:schemeClr>
-            </a:solidFill>
-            <a:ln>
-              <a:noFill/>
-            </a:ln>
-          </p:spPr>
-        </p:sp>
-        <p:sp>
-          <p:nvSpPr>
-            <p:cNvPr id="23" name="Freeform 21">
-              <a:extLst>
-                <a:ext uri="{FF2B5EF4-FFF2-40B4-BE49-F238E27FC236}">
-                  <a16:creationId xmlns:a16="http://schemas.microsoft.com/office/drawing/2014/main" id="{6EBCB31E-7CBF-45FC-B7A3-7FE8E8C8A386}"/>
-                </a:ext>
-              </a:extLst>
-            </p:cNvPr>
-            <p:cNvSpPr/>
-            <p:nvPr>
-              <p:extLst>
-                <p:ext uri="{386F3935-93C4-4BCD-93E2-E3B085C9AB24}">
-                  <p16:designElem xmlns:p16="http://schemas.microsoft.com/office/powerpoint/2015/main" val="1"/>
-                </p:ext>
-              </p:extLst>
-            </p:nvPr>
-          </p:nvSpPr>
-          <p:spPr bwMode="auto">
-            <a:xfrm>
-              <a:off x="3143251" y="4656138"/>
-              <a:ext cx="31750" cy="188913"/>
-            </a:xfrm>
-            <a:custGeom>
-              <a:avLst/>
-              <a:gdLst/>
-              <a:ahLst/>
-              <a:cxnLst/>
-              <a:rect l="0" t="0" r="r" b="b"/>
-              <a:pathLst>
-                <a:path w="8" h="48">
-                  <a:moveTo>
-                    <a:pt x="7" y="44"/>
-                  </a:moveTo>
-                  <a:cubicBezTo>
-                    <a:pt x="7" y="46"/>
-                    <a:pt x="8" y="47"/>
-                    <a:pt x="8" y="48"/>
-                  </a:cubicBezTo>
-                  <a:cubicBezTo>
-                    <a:pt x="8" y="38"/>
-                    <a:pt x="8" y="29"/>
-                    <a:pt x="8" y="19"/>
-                  </a:cubicBezTo>
-                  <a:cubicBezTo>
-                    <a:pt x="5" y="13"/>
-                    <a:pt x="3" y="6"/>
-                    <a:pt x="1" y="0"/>
-                  </a:cubicBezTo>
-                  <a:cubicBezTo>
-                    <a:pt x="0" y="9"/>
-                    <a:pt x="0" y="17"/>
-                    <a:pt x="0" y="26"/>
-                  </a:cubicBezTo>
-                  <a:cubicBezTo>
-                    <a:pt x="2" y="32"/>
-                    <a:pt x="5" y="38"/>
-                    <a:pt x="7" y="44"/>
-                  </a:cubicBezTo>
-                  <a:close/>
-                </a:path>
-              </a:pathLst>
-            </a:custGeom>
-            <a:solidFill>
-              <a:schemeClr val="tx2">
-                <a:alpha val="20000"/>
-              </a:schemeClr>
-            </a:solidFill>
-            <a:ln>
-              <a:noFill/>
-            </a:ln>
-          </p:spPr>
-        </p:sp>
-        <p:sp>
-          <p:nvSpPr>
-            <p:cNvPr id="24" name="Freeform 22">
-              <a:extLst>
-                <a:ext uri="{FF2B5EF4-FFF2-40B4-BE49-F238E27FC236}">
-                  <a16:creationId xmlns:a16="http://schemas.microsoft.com/office/drawing/2014/main" id="{404CB86A-82A5-40B9-8D4B-159ED1A3CE41}"/>
-                </a:ext>
-              </a:extLst>
-            </p:cNvPr>
-            <p:cNvSpPr/>
-            <p:nvPr>
-              <p:extLst>
-                <p:ext uri="{386F3935-93C4-4BCD-93E2-E3B085C9AB24}">
-                  <p16:designElem xmlns:p16="http://schemas.microsoft.com/office/powerpoint/2015/main" val="1"/>
-                </p:ext>
-              </p:extLst>
-            </p:nvPr>
-          </p:nvSpPr>
-          <p:spPr bwMode="auto">
-            <a:xfrm>
-              <a:off x="3211513" y="5410200"/>
-              <a:ext cx="203200" cy="530225"/>
-            </a:xfrm>
-            <a:custGeom>
-              <a:avLst/>
-              <a:gdLst/>
-              <a:ahLst/>
-              <a:cxnLst/>
-              <a:rect l="0" t="0" r="r" b="b"/>
-              <a:pathLst>
-                <a:path w="52" h="135">
-                  <a:moveTo>
-                    <a:pt x="7" y="18"/>
-                  </a:moveTo>
-                  <a:cubicBezTo>
-                    <a:pt x="5" y="12"/>
-                    <a:pt x="2" y="6"/>
-                    <a:pt x="0" y="0"/>
-                  </a:cubicBezTo>
-                  <a:cubicBezTo>
-                    <a:pt x="3" y="16"/>
-                    <a:pt x="7" y="32"/>
-                    <a:pt x="12" y="48"/>
-                  </a:cubicBezTo>
-                  <a:cubicBezTo>
-                    <a:pt x="13" y="53"/>
-                    <a:pt x="14" y="57"/>
-                    <a:pt x="16" y="62"/>
-                  </a:cubicBezTo>
-                  <a:cubicBezTo>
-                    <a:pt x="27" y="86"/>
-                    <a:pt x="39" y="111"/>
-                    <a:pt x="51" y="135"/>
-                  </a:cubicBezTo>
-                  <a:cubicBezTo>
-                    <a:pt x="52" y="135"/>
-                    <a:pt x="52" y="135"/>
-                    <a:pt x="52" y="135"/>
-                  </a:cubicBezTo>
-                  <a:cubicBezTo>
-                    <a:pt x="41" y="109"/>
-                    <a:pt x="32" y="83"/>
-                    <a:pt x="24" y="56"/>
-                  </a:cubicBezTo>
-                  <a:cubicBezTo>
-                    <a:pt x="18" y="43"/>
-                    <a:pt x="13" y="31"/>
-                    <a:pt x="7" y="18"/>
-                  </a:cubicBezTo>
-                  <a:close/>
-                </a:path>
-              </a:pathLst>
-            </a:custGeom>
-            <a:solidFill>
-              <a:schemeClr val="tx2">
-                <a:alpha val="20000"/>
-              </a:schemeClr>
-            </a:solidFill>
-            <a:ln>
-              <a:noFill/>
-            </a:ln>
-          </p:spPr>
-        </p:sp>
-      </p:grpSp>
-      <p:grpSp>
-        <p:nvGrpSpPr>
-          <p:cNvPr id="26" name="Group 25">
-            <a:extLst>
-              <a:ext uri="{FF2B5EF4-FFF2-40B4-BE49-F238E27FC236}">
-                <a16:creationId xmlns:a16="http://schemas.microsoft.com/office/drawing/2014/main" id="{DD17BCFA-C80F-4670-B8B9-034B5B1C8BA8}"/>
-              </a:ext>
-            </a:extLst>
-          </p:cNvPr>
-          <p:cNvGrpSpPr>
-            <a:grpSpLocks noGrp="1" noUngrp="1" noRot="1" noChangeAspect="1" noMove="1" noResize="1"/>
-          </p:cNvGrpSpPr>
-          <p:nvPr>
-            <p:extLst>
-              <p:ext uri="{386F3935-93C4-4BCD-93E2-E3B085C9AB24}">
-                <p16:designElem xmlns:p16="http://schemas.microsoft.com/office/powerpoint/2015/main" val="1"/>
-              </p:ext>
-            </p:extLst>
-          </p:nvPr>
-        </p:nvGrpSpPr>
-        <p:grpSpPr>
-          <a:xfrm>
-            <a:off x="27224" y="-32"/>
-            <a:ext cx="2356675" cy="6853285"/>
-            <a:chOff x="6627813" y="195454"/>
-            <a:chExt cx="1952625" cy="5678297"/>
-          </a:xfrm>
-        </p:grpSpPr>
-        <p:sp>
-          <p:nvSpPr>
-            <p:cNvPr id="27" name="Freeform 27">
-              <a:extLst>
-                <a:ext uri="{FF2B5EF4-FFF2-40B4-BE49-F238E27FC236}">
-                  <a16:creationId xmlns:a16="http://schemas.microsoft.com/office/drawing/2014/main" id="{F705DA76-B301-4098-9966-310A00C312E3}"/>
-                </a:ext>
-              </a:extLst>
-            </p:cNvPr>
-            <p:cNvSpPr/>
-            <p:nvPr>
-              <p:extLst>
-                <p:ext uri="{386F3935-93C4-4BCD-93E2-E3B085C9AB24}">
-                  <p16:designElem xmlns:p16="http://schemas.microsoft.com/office/powerpoint/2015/main" val="1"/>
-                </p:ext>
-              </p:extLst>
-            </p:nvPr>
-          </p:nvSpPr>
-          <p:spPr bwMode="auto">
-            <a:xfrm>
-              <a:off x="6627813" y="195454"/>
-              <a:ext cx="409575" cy="3646488"/>
-            </a:xfrm>
-            <a:custGeom>
-              <a:avLst/>
-              <a:gdLst/>
-              <a:ahLst/>
-              <a:cxnLst/>
-              <a:rect l="0" t="0" r="r" b="b"/>
-              <a:pathLst>
-                <a:path w="103" h="920">
-                  <a:moveTo>
-                    <a:pt x="7" y="210"/>
-                  </a:moveTo>
-                  <a:cubicBezTo>
-                    <a:pt x="11" y="288"/>
-                    <a:pt x="17" y="367"/>
-                    <a:pt x="26" y="445"/>
-                  </a:cubicBezTo>
-                  <a:cubicBezTo>
-                    <a:pt x="34" y="523"/>
-                    <a:pt x="44" y="601"/>
-                    <a:pt x="57" y="679"/>
-                  </a:cubicBezTo>
-                  <a:cubicBezTo>
-                    <a:pt x="69" y="757"/>
-                    <a:pt x="84" y="834"/>
-                    <a:pt x="101" y="911"/>
-                  </a:cubicBezTo>
-                  <a:cubicBezTo>
-                    <a:pt x="102" y="914"/>
-                    <a:pt x="103" y="917"/>
-                    <a:pt x="103" y="920"/>
-                  </a:cubicBezTo>
-                  <a:cubicBezTo>
-                    <a:pt x="102" y="905"/>
-                    <a:pt x="100" y="889"/>
-                    <a:pt x="99" y="874"/>
-                  </a:cubicBezTo>
-                  <a:cubicBezTo>
-                    <a:pt x="99" y="871"/>
-                    <a:pt x="99" y="868"/>
-                    <a:pt x="99" y="866"/>
-                  </a:cubicBezTo>
-                  <a:cubicBezTo>
-                    <a:pt x="85" y="803"/>
-                    <a:pt x="73" y="741"/>
-                    <a:pt x="63" y="678"/>
-                  </a:cubicBezTo>
-                  <a:cubicBezTo>
-                    <a:pt x="50" y="600"/>
-                    <a:pt x="39" y="523"/>
-                    <a:pt x="30" y="444"/>
-                  </a:cubicBezTo>
-                  <a:cubicBezTo>
-                    <a:pt x="21" y="366"/>
-                    <a:pt x="14" y="288"/>
-                    <a:pt x="9" y="209"/>
-                  </a:cubicBezTo>
-                  <a:cubicBezTo>
-                    <a:pt x="7" y="170"/>
-                    <a:pt x="5" y="131"/>
-                    <a:pt x="3" y="92"/>
-                  </a:cubicBezTo>
-                  <a:cubicBezTo>
-                    <a:pt x="2" y="61"/>
-                    <a:pt x="1" y="31"/>
-                    <a:pt x="1" y="0"/>
-                  </a:cubicBezTo>
-                  <a:cubicBezTo>
-                    <a:pt x="0" y="0"/>
-                    <a:pt x="0" y="0"/>
-                    <a:pt x="0" y="0"/>
-                  </a:cubicBezTo>
-                  <a:cubicBezTo>
-                    <a:pt x="0" y="31"/>
-                    <a:pt x="1" y="61"/>
-                    <a:pt x="1" y="92"/>
-                  </a:cubicBezTo>
-                  <a:cubicBezTo>
-                    <a:pt x="3" y="131"/>
-                    <a:pt x="4" y="170"/>
-                    <a:pt x="7" y="210"/>
-                  </a:cubicBezTo>
-                  <a:close/>
-                </a:path>
-              </a:pathLst>
-            </a:custGeom>
-            <a:solidFill>
-              <a:schemeClr val="tx2"/>
-            </a:solidFill>
-            <a:ln>
-              <a:noFill/>
-            </a:ln>
-          </p:spPr>
-        </p:sp>
-        <p:sp>
-          <p:nvSpPr>
-            <p:cNvPr id="28" name="Freeform 28">
-              <a:extLst>
-                <a:ext uri="{FF2B5EF4-FFF2-40B4-BE49-F238E27FC236}">
-                  <a16:creationId xmlns:a16="http://schemas.microsoft.com/office/drawing/2014/main" id="{7484AECD-B027-45E9-8764-6E1A4A4A0D9B}"/>
-                </a:ext>
-              </a:extLst>
-            </p:cNvPr>
-            <p:cNvSpPr/>
-            <p:nvPr>
-              <p:extLst>
-                <p:ext uri="{386F3935-93C4-4BCD-93E2-E3B085C9AB24}">
-                  <p16:designElem xmlns:p16="http://schemas.microsoft.com/office/powerpoint/2015/main" val="1"/>
-                </p:ext>
-              </p:extLst>
-            </p:nvPr>
-          </p:nvSpPr>
-          <p:spPr bwMode="auto">
-            <a:xfrm>
-              <a:off x="7061201" y="3771900"/>
-              <a:ext cx="350838" cy="1309688"/>
-            </a:xfrm>
-            <a:custGeom>
-              <a:avLst/>
-              <a:gdLst/>
-              <a:ahLst/>
-              <a:cxnLst/>
-              <a:rect l="0" t="0" r="r" b="b"/>
-              <a:pathLst>
-                <a:path w="88" h="330">
-                  <a:moveTo>
-                    <a:pt x="53" y="229"/>
-                  </a:moveTo>
-                  <a:cubicBezTo>
-                    <a:pt x="64" y="263"/>
-                    <a:pt x="75" y="297"/>
-                    <a:pt x="88" y="330"/>
-                  </a:cubicBezTo>
-                  <a:cubicBezTo>
-                    <a:pt x="88" y="323"/>
-                    <a:pt x="88" y="315"/>
-                    <a:pt x="88" y="308"/>
-                  </a:cubicBezTo>
-                  <a:cubicBezTo>
-                    <a:pt x="88" y="307"/>
-                    <a:pt x="88" y="305"/>
-                    <a:pt x="88" y="304"/>
-                  </a:cubicBezTo>
-                  <a:cubicBezTo>
-                    <a:pt x="79" y="278"/>
-                    <a:pt x="70" y="252"/>
-                    <a:pt x="62" y="226"/>
-                  </a:cubicBezTo>
-                  <a:cubicBezTo>
-                    <a:pt x="38" y="152"/>
-                    <a:pt x="17" y="76"/>
-                    <a:pt x="0" y="0"/>
-                  </a:cubicBezTo>
-                  <a:cubicBezTo>
-                    <a:pt x="2" y="21"/>
-                    <a:pt x="4" y="42"/>
-                    <a:pt x="7" y="63"/>
-                  </a:cubicBezTo>
-                  <a:cubicBezTo>
-                    <a:pt x="21" y="119"/>
-                    <a:pt x="36" y="174"/>
-                    <a:pt x="53" y="229"/>
-                  </a:cubicBezTo>
-                  <a:close/>
-                </a:path>
-              </a:pathLst>
-            </a:custGeom>
-            <a:solidFill>
-              <a:schemeClr val="tx2"/>
-            </a:solidFill>
-            <a:ln>
-              <a:noFill/>
-            </a:ln>
-          </p:spPr>
-        </p:sp>
-        <p:sp>
-          <p:nvSpPr>
-            <p:cNvPr id="29" name="Freeform 29">
-              <a:extLst>
-                <a:ext uri="{FF2B5EF4-FFF2-40B4-BE49-F238E27FC236}">
-                  <a16:creationId xmlns:a16="http://schemas.microsoft.com/office/drawing/2014/main" id="{CB341AF9-DEB1-42CB-8D1D-F262CFE465D8}"/>
-                </a:ext>
-              </a:extLst>
-            </p:cNvPr>
-            <p:cNvSpPr/>
-            <p:nvPr>
-              <p:extLst>
-                <p:ext uri="{386F3935-93C4-4BCD-93E2-E3B085C9AB24}">
-                  <p16:designElem xmlns:p16="http://schemas.microsoft.com/office/powerpoint/2015/main" val="1"/>
-                </p:ext>
-              </p:extLst>
-            </p:nvPr>
-          </p:nvSpPr>
-          <p:spPr bwMode="auto">
-            <a:xfrm>
-              <a:off x="7439026" y="5053013"/>
-              <a:ext cx="357188" cy="820738"/>
-            </a:xfrm>
-            <a:custGeom>
-              <a:avLst/>
-              <a:gdLst/>
-              <a:ahLst/>
-              <a:cxnLst/>
-              <a:rect l="0" t="0" r="r" b="b"/>
-              <a:pathLst>
-                <a:path w="90" h="207">
-                  <a:moveTo>
-                    <a:pt x="6" y="15"/>
-                  </a:moveTo>
-                  <a:cubicBezTo>
-                    <a:pt x="4" y="10"/>
-                    <a:pt x="2" y="5"/>
-                    <a:pt x="0" y="0"/>
-                  </a:cubicBezTo>
-                  <a:cubicBezTo>
-                    <a:pt x="0" y="9"/>
-                    <a:pt x="0" y="19"/>
-                    <a:pt x="1" y="29"/>
-                  </a:cubicBezTo>
-                  <a:cubicBezTo>
-                    <a:pt x="14" y="62"/>
-                    <a:pt x="27" y="95"/>
-                    <a:pt x="42" y="127"/>
-                  </a:cubicBezTo>
-                  <a:cubicBezTo>
-                    <a:pt x="54" y="154"/>
-                    <a:pt x="67" y="181"/>
-                    <a:pt x="80" y="207"/>
-                  </a:cubicBezTo>
-                  <a:cubicBezTo>
-                    <a:pt x="90" y="207"/>
-                    <a:pt x="90" y="207"/>
-                    <a:pt x="90" y="207"/>
-                  </a:cubicBezTo>
-                  <a:cubicBezTo>
-                    <a:pt x="76" y="180"/>
-                    <a:pt x="63" y="152"/>
-                    <a:pt x="50" y="123"/>
-                  </a:cubicBezTo>
-                  <a:cubicBezTo>
-                    <a:pt x="34" y="88"/>
-                    <a:pt x="20" y="51"/>
-                    <a:pt x="6" y="15"/>
-                  </a:cubicBezTo>
-                  <a:close/>
-                </a:path>
-              </a:pathLst>
-            </a:custGeom>
-            <a:solidFill>
-              <a:schemeClr val="tx2"/>
-            </a:solidFill>
-            <a:ln>
-              <a:noFill/>
-            </a:ln>
-          </p:spPr>
-        </p:sp>
-        <p:sp>
-          <p:nvSpPr>
-            <p:cNvPr id="30" name="Freeform 30">
-              <a:extLst>
-                <a:ext uri="{FF2B5EF4-FFF2-40B4-BE49-F238E27FC236}">
-                  <a16:creationId xmlns:a16="http://schemas.microsoft.com/office/drawing/2014/main" id="{1C7213C3-CCDC-48BD-BF51-7AB8EE57A101}"/>
-                </a:ext>
-              </a:extLst>
-            </p:cNvPr>
-            <p:cNvSpPr/>
-            <p:nvPr>
-              <p:extLst>
-                <p:ext uri="{386F3935-93C4-4BCD-93E2-E3B085C9AB24}">
-                  <p16:designElem xmlns:p16="http://schemas.microsoft.com/office/powerpoint/2015/main" val="1"/>
-                </p:ext>
-              </p:extLst>
-            </p:nvPr>
-          </p:nvSpPr>
-          <p:spPr bwMode="auto">
-            <a:xfrm>
-              <a:off x="7037388" y="3811588"/>
-              <a:ext cx="457200" cy="1852613"/>
-            </a:xfrm>
-            <a:custGeom>
-              <a:avLst/>
-              <a:gdLst/>
-              <a:ahLst/>
-              <a:cxnLst/>
-              <a:rect l="0" t="0" r="r" b="b"/>
-              <a:pathLst>
-                <a:path w="115" h="467">
-                  <a:moveTo>
-                    <a:pt x="101" y="409"/>
-                  </a:moveTo>
-                  <a:cubicBezTo>
-                    <a:pt x="93" y="388"/>
-                    <a:pt x="85" y="366"/>
-                    <a:pt x="78" y="344"/>
-                  </a:cubicBezTo>
-                  <a:cubicBezTo>
-                    <a:pt x="57" y="281"/>
-                    <a:pt x="41" y="216"/>
-                    <a:pt x="29" y="151"/>
-                  </a:cubicBezTo>
-                  <a:cubicBezTo>
-                    <a:pt x="22" y="119"/>
-                    <a:pt x="17" y="86"/>
-                    <a:pt x="13" y="53"/>
-                  </a:cubicBezTo>
-                  <a:cubicBezTo>
-                    <a:pt x="9" y="35"/>
-                    <a:pt x="4" y="18"/>
-                    <a:pt x="0" y="0"/>
-                  </a:cubicBezTo>
-                  <a:cubicBezTo>
-                    <a:pt x="5" y="51"/>
-                    <a:pt x="12" y="102"/>
-                    <a:pt x="21" y="152"/>
-                  </a:cubicBezTo>
-                  <a:cubicBezTo>
-                    <a:pt x="33" y="218"/>
-                    <a:pt x="49" y="283"/>
-                    <a:pt x="69" y="347"/>
-                  </a:cubicBezTo>
-                  <a:cubicBezTo>
-                    <a:pt x="79" y="378"/>
-                    <a:pt x="90" y="410"/>
-                    <a:pt x="103" y="441"/>
-                  </a:cubicBezTo>
-                  <a:cubicBezTo>
-                    <a:pt x="107" y="449"/>
-                    <a:pt x="111" y="458"/>
-                    <a:pt x="115" y="467"/>
-                  </a:cubicBezTo>
-                  <a:cubicBezTo>
-                    <a:pt x="114" y="464"/>
-                    <a:pt x="113" y="461"/>
-                    <a:pt x="112" y="458"/>
-                  </a:cubicBezTo>
-                  <a:cubicBezTo>
-                    <a:pt x="108" y="442"/>
-                    <a:pt x="104" y="425"/>
-                    <a:pt x="101" y="409"/>
-                  </a:cubicBezTo>
-                  <a:close/>
-                </a:path>
-              </a:pathLst>
-            </a:custGeom>
-            <a:solidFill>
-              <a:schemeClr val="tx2"/>
-            </a:solidFill>
-            <a:ln>
-              <a:noFill/>
-            </a:ln>
-          </p:spPr>
-        </p:sp>
-        <p:sp>
-          <p:nvSpPr>
-            <p:cNvPr id="31" name="Freeform 31">
-              <a:extLst>
-                <a:ext uri="{FF2B5EF4-FFF2-40B4-BE49-F238E27FC236}">
-                  <a16:creationId xmlns:a16="http://schemas.microsoft.com/office/drawing/2014/main" id="{7568F4E5-84C7-4F79-A40F-AC4885CB63B8}"/>
-                </a:ext>
-              </a:extLst>
-            </p:cNvPr>
-            <p:cNvSpPr/>
-            <p:nvPr>
-              <p:extLst>
-                <p:ext uri="{386F3935-93C4-4BCD-93E2-E3B085C9AB24}">
-                  <p16:designElem xmlns:p16="http://schemas.microsoft.com/office/powerpoint/2015/main" val="1"/>
-                </p:ext>
-              </p:extLst>
-            </p:nvPr>
-          </p:nvSpPr>
-          <p:spPr bwMode="auto">
-            <a:xfrm>
-              <a:off x="6992938" y="1263650"/>
-              <a:ext cx="144463" cy="2508250"/>
-            </a:xfrm>
-            <a:custGeom>
-              <a:avLst/>
-              <a:gdLst/>
-              <a:ahLst/>
-              <a:cxnLst/>
-              <a:rect l="0" t="0" r="r" b="b"/>
-              <a:pathLst>
-                <a:path w="36" h="633">
-                  <a:moveTo>
-                    <a:pt x="17" y="633"/>
-                  </a:moveTo>
-                  <a:cubicBezTo>
-                    <a:pt x="15" y="621"/>
-                    <a:pt x="14" y="609"/>
-                    <a:pt x="13" y="597"/>
-                  </a:cubicBezTo>
-                  <a:cubicBezTo>
-                    <a:pt x="8" y="530"/>
-                    <a:pt x="5" y="464"/>
-                    <a:pt x="5" y="398"/>
-                  </a:cubicBezTo>
-                  <a:cubicBezTo>
-                    <a:pt x="5" y="331"/>
-                    <a:pt x="8" y="265"/>
-                    <a:pt x="13" y="198"/>
-                  </a:cubicBezTo>
-                  <a:cubicBezTo>
-                    <a:pt x="15" y="165"/>
-                    <a:pt x="18" y="132"/>
-                    <a:pt x="22" y="99"/>
-                  </a:cubicBezTo>
-                  <a:cubicBezTo>
-                    <a:pt x="26" y="66"/>
-                    <a:pt x="30" y="33"/>
-                    <a:pt x="36" y="0"/>
-                  </a:cubicBezTo>
-                  <a:cubicBezTo>
-                    <a:pt x="35" y="0"/>
-                    <a:pt x="35" y="0"/>
-                    <a:pt x="35" y="0"/>
-                  </a:cubicBezTo>
-                  <a:cubicBezTo>
-                    <a:pt x="29" y="33"/>
-                    <a:pt x="24" y="66"/>
-                    <a:pt x="20" y="99"/>
-                  </a:cubicBezTo>
-                  <a:cubicBezTo>
-                    <a:pt x="16" y="132"/>
-                    <a:pt x="13" y="165"/>
-                    <a:pt x="10" y="198"/>
-                  </a:cubicBezTo>
-                  <a:cubicBezTo>
-                    <a:pt x="4" y="264"/>
-                    <a:pt x="1" y="331"/>
-                    <a:pt x="1" y="398"/>
-                  </a:cubicBezTo>
-                  <a:cubicBezTo>
-                    <a:pt x="0" y="461"/>
-                    <a:pt x="2" y="525"/>
-                    <a:pt x="7" y="589"/>
-                  </a:cubicBezTo>
-                  <a:cubicBezTo>
-                    <a:pt x="10" y="603"/>
-                    <a:pt x="13" y="618"/>
-                    <a:pt x="16" y="632"/>
-                  </a:cubicBezTo>
-                  <a:cubicBezTo>
-                    <a:pt x="16" y="632"/>
-                    <a:pt x="17" y="633"/>
-                    <a:pt x="17" y="633"/>
-                  </a:cubicBezTo>
-                  <a:close/>
-                </a:path>
-              </a:pathLst>
-            </a:custGeom>
-            <a:solidFill>
-              <a:schemeClr val="tx2"/>
-            </a:solidFill>
-            <a:ln>
-              <a:noFill/>
-            </a:ln>
-          </p:spPr>
-        </p:sp>
-        <p:sp>
-          <p:nvSpPr>
-            <p:cNvPr id="32" name="Freeform 32">
-              <a:extLst>
-                <a:ext uri="{FF2B5EF4-FFF2-40B4-BE49-F238E27FC236}">
-                  <a16:creationId xmlns:a16="http://schemas.microsoft.com/office/drawing/2014/main" id="{81654B91-DAE7-4763-8F60-7A35727C21D9}"/>
-                </a:ext>
-              </a:extLst>
-            </p:cNvPr>
-            <p:cNvSpPr/>
-            <p:nvPr>
-              <p:extLst>
-                <p:ext uri="{386F3935-93C4-4BCD-93E2-E3B085C9AB24}">
-                  <p16:designElem xmlns:p16="http://schemas.microsoft.com/office/powerpoint/2015/main" val="1"/>
-                </p:ext>
-              </p:extLst>
-            </p:nvPr>
-          </p:nvSpPr>
-          <p:spPr bwMode="auto">
-            <a:xfrm>
-              <a:off x="7526338" y="5640388"/>
-              <a:ext cx="111125" cy="233363"/>
-            </a:xfrm>
-            <a:custGeom>
-              <a:avLst/>
-              <a:gdLst/>
-              <a:ahLst/>
-              <a:cxnLst/>
-              <a:rect l="0" t="0" r="r" b="b"/>
-              <a:pathLst>
-                <a:path w="28" h="59">
-                  <a:moveTo>
-                    <a:pt x="22" y="59"/>
-                  </a:moveTo>
-                  <a:cubicBezTo>
-                    <a:pt x="28" y="59"/>
-                    <a:pt x="28" y="59"/>
-                    <a:pt x="28" y="59"/>
-                  </a:cubicBezTo>
-                  <a:cubicBezTo>
-                    <a:pt x="18" y="40"/>
-                    <a:pt x="9" y="20"/>
-                    <a:pt x="0" y="0"/>
-                  </a:cubicBezTo>
-                  <a:cubicBezTo>
-                    <a:pt x="6" y="20"/>
-                    <a:pt x="13" y="40"/>
-                    <a:pt x="22" y="59"/>
-                  </a:cubicBezTo>
-                  <a:close/>
-                </a:path>
-              </a:pathLst>
-            </a:custGeom>
-            <a:solidFill>
-              <a:schemeClr val="tx2"/>
-            </a:solidFill>
-            <a:ln>
-              <a:noFill/>
-            </a:ln>
-          </p:spPr>
-        </p:sp>
-        <p:sp>
-          <p:nvSpPr>
-            <p:cNvPr id="33" name="Freeform 33">
-              <a:extLst>
-                <a:ext uri="{FF2B5EF4-FFF2-40B4-BE49-F238E27FC236}">
-                  <a16:creationId xmlns:a16="http://schemas.microsoft.com/office/drawing/2014/main" id="{E9C665F1-5409-4590-AA69-79EABC1EACC1}"/>
-                </a:ext>
-              </a:extLst>
-            </p:cNvPr>
-            <p:cNvSpPr/>
-            <p:nvPr>
-              <p:extLst>
-                <p:ext uri="{386F3935-93C4-4BCD-93E2-E3B085C9AB24}">
-                  <p16:designElem xmlns:p16="http://schemas.microsoft.com/office/powerpoint/2015/main" val="1"/>
-                </p:ext>
-              </p:extLst>
-            </p:nvPr>
-          </p:nvSpPr>
-          <p:spPr bwMode="auto">
-            <a:xfrm>
-              <a:off x="7021513" y="3598863"/>
-              <a:ext cx="68263" cy="423863"/>
-            </a:xfrm>
-            <a:custGeom>
-              <a:avLst/>
-              <a:gdLst/>
-              <a:ahLst/>
-              <a:cxnLst/>
-              <a:rect l="0" t="0" r="r" b="b"/>
-              <a:pathLst>
-                <a:path w="17" h="107">
-                  <a:moveTo>
-                    <a:pt x="4" y="54"/>
-                  </a:moveTo>
-                  <a:cubicBezTo>
-                    <a:pt x="8" y="72"/>
-                    <a:pt x="13" y="89"/>
-                    <a:pt x="17" y="107"/>
-                  </a:cubicBezTo>
-                  <a:cubicBezTo>
-                    <a:pt x="14" y="86"/>
-                    <a:pt x="12" y="65"/>
-                    <a:pt x="10" y="44"/>
-                  </a:cubicBezTo>
-                  <a:cubicBezTo>
-                    <a:pt x="10" y="44"/>
-                    <a:pt x="9" y="43"/>
-                    <a:pt x="9" y="43"/>
-                  </a:cubicBezTo>
-                  <a:cubicBezTo>
-                    <a:pt x="6" y="29"/>
-                    <a:pt x="3" y="14"/>
-                    <a:pt x="0" y="0"/>
-                  </a:cubicBezTo>
-                  <a:cubicBezTo>
-                    <a:pt x="0" y="2"/>
-                    <a:pt x="0" y="5"/>
-                    <a:pt x="0" y="8"/>
-                  </a:cubicBezTo>
-                  <a:cubicBezTo>
-                    <a:pt x="1" y="23"/>
-                    <a:pt x="3" y="39"/>
-                    <a:pt x="4" y="54"/>
-                  </a:cubicBezTo>
-                  <a:close/>
-                </a:path>
-              </a:pathLst>
-            </a:custGeom>
-            <a:solidFill>
-              <a:schemeClr val="tx2"/>
-            </a:solidFill>
-            <a:ln>
-              <a:noFill/>
-            </a:ln>
-          </p:spPr>
-        </p:sp>
-        <p:sp>
-          <p:nvSpPr>
-            <p:cNvPr id="34" name="Freeform 34">
-              <a:extLst>
-                <a:ext uri="{FF2B5EF4-FFF2-40B4-BE49-F238E27FC236}">
-                  <a16:creationId xmlns:a16="http://schemas.microsoft.com/office/drawing/2014/main" id="{C3192F7D-0C18-4DB2-A88B-EBF562748070}"/>
-                </a:ext>
-              </a:extLst>
-            </p:cNvPr>
-            <p:cNvSpPr/>
-            <p:nvPr>
-              <p:extLst>
-                <p:ext uri="{386F3935-93C4-4BCD-93E2-E3B085C9AB24}">
-                  <p16:designElem xmlns:p16="http://schemas.microsoft.com/office/powerpoint/2015/main" val="1"/>
-                </p:ext>
-              </p:extLst>
-            </p:nvPr>
-          </p:nvSpPr>
-          <p:spPr bwMode="auto">
-            <a:xfrm>
-              <a:off x="7412038" y="2801938"/>
-              <a:ext cx="1168400" cy="2251075"/>
-            </a:xfrm>
-            <a:custGeom>
-              <a:avLst/>
-              <a:gdLst/>
-              <a:ahLst/>
-              <a:cxnLst/>
-              <a:rect l="0" t="0" r="r" b="b"/>
-              <a:pathLst>
-                <a:path w="294" h="568">
-                  <a:moveTo>
-                    <a:pt x="8" y="553"/>
-                  </a:moveTo>
-                  <a:cubicBezTo>
-                    <a:pt x="9" y="501"/>
-                    <a:pt x="19" y="448"/>
-                    <a:pt x="35" y="397"/>
-                  </a:cubicBezTo>
-                  <a:cubicBezTo>
-                    <a:pt x="51" y="347"/>
-                    <a:pt x="73" y="298"/>
-                    <a:pt x="99" y="252"/>
-                  </a:cubicBezTo>
-                  <a:cubicBezTo>
-                    <a:pt x="124" y="205"/>
-                    <a:pt x="154" y="161"/>
-                    <a:pt x="187" y="119"/>
-                  </a:cubicBezTo>
-                  <a:cubicBezTo>
-                    <a:pt x="203" y="98"/>
-                    <a:pt x="220" y="77"/>
-                    <a:pt x="238" y="58"/>
-                  </a:cubicBezTo>
-                  <a:cubicBezTo>
-                    <a:pt x="247" y="48"/>
-                    <a:pt x="256" y="38"/>
-                    <a:pt x="265" y="28"/>
-                  </a:cubicBezTo>
-                  <a:cubicBezTo>
-                    <a:pt x="274" y="19"/>
-                    <a:pt x="284" y="9"/>
-                    <a:pt x="294" y="0"/>
-                  </a:cubicBezTo>
-                  <a:cubicBezTo>
-                    <a:pt x="293" y="0"/>
-                    <a:pt x="293" y="0"/>
-                    <a:pt x="293" y="0"/>
-                  </a:cubicBezTo>
-                  <a:cubicBezTo>
-                    <a:pt x="283" y="9"/>
-                    <a:pt x="273" y="18"/>
-                    <a:pt x="264" y="27"/>
-                  </a:cubicBezTo>
-                  <a:cubicBezTo>
-                    <a:pt x="255" y="37"/>
-                    <a:pt x="246" y="47"/>
-                    <a:pt x="237" y="56"/>
-                  </a:cubicBezTo>
-                  <a:cubicBezTo>
-                    <a:pt x="218" y="76"/>
-                    <a:pt x="201" y="96"/>
-                    <a:pt x="185" y="117"/>
-                  </a:cubicBezTo>
-                  <a:cubicBezTo>
-                    <a:pt x="151" y="159"/>
-                    <a:pt x="121" y="203"/>
-                    <a:pt x="95" y="249"/>
-                  </a:cubicBezTo>
-                  <a:cubicBezTo>
-                    <a:pt x="68" y="296"/>
-                    <a:pt x="46" y="345"/>
-                    <a:pt x="30" y="396"/>
-                  </a:cubicBezTo>
-                  <a:cubicBezTo>
-                    <a:pt x="13" y="445"/>
-                    <a:pt x="3" y="497"/>
-                    <a:pt x="0" y="549"/>
-                  </a:cubicBezTo>
-                  <a:cubicBezTo>
-                    <a:pt x="3" y="555"/>
-                    <a:pt x="5" y="561"/>
-                    <a:pt x="7" y="568"/>
-                  </a:cubicBezTo>
-                  <a:cubicBezTo>
-                    <a:pt x="7" y="563"/>
-                    <a:pt x="7" y="558"/>
-                    <a:pt x="8" y="553"/>
-                  </a:cubicBezTo>
-                  <a:close/>
-                </a:path>
-              </a:pathLst>
-            </a:custGeom>
-            <a:solidFill>
-              <a:schemeClr val="tx2"/>
-            </a:solidFill>
-            <a:ln>
-              <a:noFill/>
-            </a:ln>
-          </p:spPr>
-        </p:sp>
-        <p:sp>
-          <p:nvSpPr>
-            <p:cNvPr id="35" name="Freeform 35">
-              <a:extLst>
-                <a:ext uri="{FF2B5EF4-FFF2-40B4-BE49-F238E27FC236}">
-                  <a16:creationId xmlns:a16="http://schemas.microsoft.com/office/drawing/2014/main" id="{86BE4725-AC90-44AE-8B17-D13BA4BF3636}"/>
-                </a:ext>
-              </a:extLst>
-            </p:cNvPr>
-            <p:cNvSpPr/>
-            <p:nvPr>
-              <p:extLst>
-                <p:ext uri="{386F3935-93C4-4BCD-93E2-E3B085C9AB24}">
-                  <p16:designElem xmlns:p16="http://schemas.microsoft.com/office/powerpoint/2015/main" val="1"/>
-                </p:ext>
-              </p:extLst>
-            </p:nvPr>
-          </p:nvSpPr>
-          <p:spPr bwMode="auto">
-            <a:xfrm>
-              <a:off x="7494588" y="5664200"/>
-              <a:ext cx="100013" cy="209550"/>
-            </a:xfrm>
-            <a:custGeom>
-              <a:avLst/>
-              <a:gdLst/>
-              <a:ahLst/>
-              <a:cxnLst/>
-              <a:rect l="0" t="0" r="r" b="b"/>
-              <a:pathLst>
-                <a:path w="25" h="53">
-                  <a:moveTo>
-                    <a:pt x="0" y="0"/>
-                  </a:moveTo>
-                  <a:cubicBezTo>
-                    <a:pt x="5" y="18"/>
-                    <a:pt x="12" y="36"/>
-                    <a:pt x="19" y="53"/>
-                  </a:cubicBezTo>
-                  <a:cubicBezTo>
-                    <a:pt x="25" y="53"/>
-                    <a:pt x="25" y="53"/>
-                    <a:pt x="25" y="53"/>
-                  </a:cubicBezTo>
-                  <a:cubicBezTo>
-                    <a:pt x="16" y="36"/>
-                    <a:pt x="8" y="18"/>
-                    <a:pt x="0" y="0"/>
-                  </a:cubicBezTo>
-                  <a:close/>
-                </a:path>
-              </a:pathLst>
-            </a:custGeom>
-            <a:solidFill>
-              <a:schemeClr val="tx2"/>
-            </a:solidFill>
-            <a:ln>
-              <a:noFill/>
-            </a:ln>
-          </p:spPr>
-        </p:sp>
-        <p:sp>
-          <p:nvSpPr>
-            <p:cNvPr id="36" name="Freeform 36">
-              <a:extLst>
-                <a:ext uri="{FF2B5EF4-FFF2-40B4-BE49-F238E27FC236}">
-                  <a16:creationId xmlns:a16="http://schemas.microsoft.com/office/drawing/2014/main" id="{2C0C171A-856F-4606-9D98-B5318639A63D}"/>
-                </a:ext>
-              </a:extLst>
-            </p:cNvPr>
-            <p:cNvSpPr/>
-            <p:nvPr>
-              <p:extLst>
-                <p:ext uri="{386F3935-93C4-4BCD-93E2-E3B085C9AB24}">
-                  <p16:designElem xmlns:p16="http://schemas.microsoft.com/office/powerpoint/2015/main" val="1"/>
-                </p:ext>
-              </p:extLst>
-            </p:nvPr>
-          </p:nvSpPr>
-          <p:spPr bwMode="auto">
-            <a:xfrm>
-              <a:off x="7412038" y="5081588"/>
-              <a:ext cx="114300" cy="558800"/>
-            </a:xfrm>
-            <a:custGeom>
-              <a:avLst/>
-              <a:gdLst/>
-              <a:ahLst/>
-              <a:cxnLst/>
-              <a:rect l="0" t="0" r="r" b="b"/>
-              <a:pathLst>
-                <a:path w="29" h="141">
-                  <a:moveTo>
-                    <a:pt x="0" y="0"/>
-                  </a:moveTo>
-                  <a:cubicBezTo>
-                    <a:pt x="0" y="30"/>
-                    <a:pt x="2" y="60"/>
-                    <a:pt x="7" y="89"/>
-                  </a:cubicBezTo>
-                  <a:cubicBezTo>
-                    <a:pt x="11" y="98"/>
-                    <a:pt x="14" y="108"/>
-                    <a:pt x="18" y="117"/>
-                  </a:cubicBezTo>
-                  <a:cubicBezTo>
-                    <a:pt x="22" y="125"/>
-                    <a:pt x="25" y="133"/>
-                    <a:pt x="29" y="141"/>
-                  </a:cubicBezTo>
-                  <a:cubicBezTo>
-                    <a:pt x="28" y="139"/>
-                    <a:pt x="28" y="137"/>
-                    <a:pt x="27" y="135"/>
-                  </a:cubicBezTo>
-                  <a:cubicBezTo>
-                    <a:pt x="16" y="98"/>
-                    <a:pt x="10" y="60"/>
-                    <a:pt x="8" y="22"/>
-                  </a:cubicBezTo>
-                  <a:cubicBezTo>
-                    <a:pt x="7" y="18"/>
-                    <a:pt x="5" y="15"/>
-                    <a:pt x="4" y="11"/>
-                  </a:cubicBezTo>
-                  <a:cubicBezTo>
-                    <a:pt x="2" y="7"/>
-                    <a:pt x="1" y="3"/>
-                    <a:pt x="0" y="0"/>
-                  </a:cubicBezTo>
-                  <a:close/>
-                </a:path>
-              </a:pathLst>
-            </a:custGeom>
-            <a:solidFill>
-              <a:schemeClr val="tx2"/>
-            </a:solidFill>
-            <a:ln>
-              <a:noFill/>
-            </a:ln>
-          </p:spPr>
-        </p:sp>
-        <p:sp>
-          <p:nvSpPr>
-            <p:cNvPr id="37" name="Freeform 37">
-              <a:extLst>
-                <a:ext uri="{FF2B5EF4-FFF2-40B4-BE49-F238E27FC236}">
-                  <a16:creationId xmlns:a16="http://schemas.microsoft.com/office/drawing/2014/main" id="{B6D57E3C-42A8-4054-B617-CE82DD8B739A}"/>
-                </a:ext>
-              </a:extLst>
-            </p:cNvPr>
-            <p:cNvSpPr/>
-            <p:nvPr>
-              <p:extLst>
-                <p:ext uri="{386F3935-93C4-4BCD-93E2-E3B085C9AB24}">
-                  <p16:designElem xmlns:p16="http://schemas.microsoft.com/office/powerpoint/2015/main" val="1"/>
-                </p:ext>
-              </p:extLst>
-            </p:nvPr>
-          </p:nvSpPr>
-          <p:spPr bwMode="auto">
-            <a:xfrm>
-              <a:off x="7412038" y="4978400"/>
-              <a:ext cx="31750" cy="188913"/>
-            </a:xfrm>
-            <a:custGeom>
-              <a:avLst/>
-              <a:gdLst/>
-              <a:ahLst/>
-              <a:cxnLst/>
-              <a:rect l="0" t="0" r="r" b="b"/>
-              <a:pathLst>
-                <a:path w="8" h="48">
-                  <a:moveTo>
-                    <a:pt x="0" y="26"/>
-                  </a:moveTo>
-                  <a:cubicBezTo>
-                    <a:pt x="1" y="29"/>
-                    <a:pt x="2" y="33"/>
-                    <a:pt x="4" y="37"/>
-                  </a:cubicBezTo>
-                  <a:cubicBezTo>
-                    <a:pt x="5" y="41"/>
-                    <a:pt x="7" y="44"/>
-                    <a:pt x="8" y="48"/>
-                  </a:cubicBezTo>
-                  <a:cubicBezTo>
-                    <a:pt x="7" y="38"/>
-                    <a:pt x="7" y="28"/>
-                    <a:pt x="7" y="19"/>
-                  </a:cubicBezTo>
-                  <a:cubicBezTo>
-                    <a:pt x="5" y="12"/>
-                    <a:pt x="3" y="6"/>
-                    <a:pt x="0" y="0"/>
-                  </a:cubicBezTo>
-                  <a:cubicBezTo>
-                    <a:pt x="0" y="1"/>
-                    <a:pt x="0" y="3"/>
-                    <a:pt x="0" y="4"/>
-                  </a:cubicBezTo>
-                  <a:cubicBezTo>
-                    <a:pt x="0" y="11"/>
-                    <a:pt x="0" y="19"/>
-                    <a:pt x="0" y="26"/>
-                  </a:cubicBezTo>
-                  <a:close/>
-                </a:path>
-              </a:pathLst>
-            </a:custGeom>
-            <a:solidFill>
-              <a:schemeClr val="tx2"/>
-            </a:solidFill>
-            <a:ln>
-              <a:noFill/>
-            </a:ln>
-          </p:spPr>
-        </p:sp>
-        <p:sp>
-          <p:nvSpPr>
-            <p:cNvPr id="38" name="Freeform 38">
-              <a:extLst>
-                <a:ext uri="{FF2B5EF4-FFF2-40B4-BE49-F238E27FC236}">
-                  <a16:creationId xmlns:a16="http://schemas.microsoft.com/office/drawing/2014/main" id="{C0A815A3-B7C7-4090-88EA-DA48AE474E38}"/>
-                </a:ext>
-              </a:extLst>
-            </p:cNvPr>
-            <p:cNvSpPr/>
-            <p:nvPr>
-              <p:extLst>
-                <p:ext uri="{386F3935-93C4-4BCD-93E2-E3B085C9AB24}">
-                  <p16:designElem xmlns:p16="http://schemas.microsoft.com/office/powerpoint/2015/main" val="1"/>
-                </p:ext>
-              </p:extLst>
-            </p:nvPr>
-          </p:nvSpPr>
-          <p:spPr bwMode="auto">
-            <a:xfrm>
-              <a:off x="7439026" y="5434013"/>
-              <a:ext cx="174625" cy="439738"/>
-            </a:xfrm>
-            <a:custGeom>
-              <a:avLst/>
-              <a:gdLst/>
-              <a:ahLst/>
-              <a:cxnLst/>
-              <a:rect l="0" t="0" r="r" b="b"/>
-              <a:pathLst>
-                <a:path w="44" h="111">
-                  <a:moveTo>
-                    <a:pt x="11" y="28"/>
-                  </a:moveTo>
-                  <a:cubicBezTo>
-                    <a:pt x="7" y="19"/>
-                    <a:pt x="4" y="9"/>
-                    <a:pt x="0" y="0"/>
-                  </a:cubicBezTo>
-                  <a:cubicBezTo>
-                    <a:pt x="3" y="16"/>
-                    <a:pt x="7" y="33"/>
-                    <a:pt x="11" y="49"/>
-                  </a:cubicBezTo>
-                  <a:cubicBezTo>
-                    <a:pt x="12" y="52"/>
-                    <a:pt x="13" y="55"/>
-                    <a:pt x="14" y="58"/>
-                  </a:cubicBezTo>
-                  <a:cubicBezTo>
-                    <a:pt x="22" y="76"/>
-                    <a:pt x="30" y="94"/>
-                    <a:pt x="39" y="111"/>
-                  </a:cubicBezTo>
-                  <a:cubicBezTo>
-                    <a:pt x="44" y="111"/>
-                    <a:pt x="44" y="111"/>
-                    <a:pt x="44" y="111"/>
-                  </a:cubicBezTo>
-                  <a:cubicBezTo>
-                    <a:pt x="35" y="92"/>
-                    <a:pt x="28" y="72"/>
-                    <a:pt x="22" y="52"/>
-                  </a:cubicBezTo>
-                  <a:cubicBezTo>
-                    <a:pt x="18" y="44"/>
-                    <a:pt x="15" y="36"/>
-                    <a:pt x="11" y="28"/>
-                  </a:cubicBezTo>
-                  <a:close/>
-                </a:path>
-              </a:pathLst>
-            </a:custGeom>
-            <a:solidFill>
-              <a:schemeClr val="tx2"/>
-            </a:solidFill>
-            <a:ln>
-              <a:noFill/>
-            </a:ln>
-          </p:spPr>
-        </p:sp>
-      </p:grpSp>
-      <p:sp>
-        <p:nvSpPr>
-          <p:cNvPr id="40" name="Rectangle 39">
-            <a:extLst>
-              <a:ext uri="{FF2B5EF4-FFF2-40B4-BE49-F238E27FC236}">
-                <a16:creationId xmlns:a16="http://schemas.microsoft.com/office/drawing/2014/main" id="{AE2F7D72-C98C-4C79-88A4-1DD7AAE7BF3D}"/>
-              </a:ext>
-            </a:extLst>
-          </p:cNvPr>
-          <p:cNvSpPr>
-            <a:spLocks noGrp="1" noRot="1" noChangeAspect="1" noMove="1" noResize="1" noEditPoints="1" noAdjustHandles="1" noChangeArrowheads="1" noChangeShapeType="1" noTextEdit="1"/>
-          </p:cNvSpPr>
-          <p:nvPr>
-            <p:extLst>
-              <p:ext uri="{386F3935-93C4-4BCD-93E2-E3B085C9AB24}">
-                <p16:designElem xmlns:p16="http://schemas.microsoft.com/office/powerpoint/2015/main" val="1"/>
-              </p:ext>
-            </p:extLst>
-          </p:nvPr>
-        </p:nvSpPr>
-        <p:spPr>
-          <a:xfrm>
-            <a:off x="0" y="0"/>
-            <a:ext cx="182880" cy="6858000"/>
-          </a:xfrm>
-          <a:prstGeom prst="rect">
-            <a:avLst/>
-          </a:prstGeom>
-          <a:solidFill>
-            <a:schemeClr val="tx2"/>
-          </a:solidFill>
-          <a:ln>
-            <a:noFill/>
-          </a:ln>
-          <a:effectLst/>
-        </p:spPr>
-        <p:style>
-          <a:lnRef idx="1">
-            <a:schemeClr val="accent1"/>
-          </a:lnRef>
-          <a:fillRef idx="3">
-            <a:schemeClr val="accent1"/>
-          </a:fillRef>
-          <a:effectRef idx="2">
-            <a:schemeClr val="accent1"/>
-          </a:effectRef>
-          <a:fontRef idx="minor">
-            <a:schemeClr val="lt1"/>
-          </a:fontRef>
-        </p:style>
-      </p:sp>
-      <p:sp>
-        <p:nvSpPr>
-          <p:cNvPr id="42" name="Freeform 11">
-            <a:extLst>
-              <a:ext uri="{FF2B5EF4-FFF2-40B4-BE49-F238E27FC236}">
-                <a16:creationId xmlns:a16="http://schemas.microsoft.com/office/drawing/2014/main" id="{17BE9237-F367-4B09-A610-9AC21A4323A3}"/>
-              </a:ext>
-            </a:extLst>
-          </p:cNvPr>
-          <p:cNvSpPr>
-            <a:spLocks noGrp="1" noRot="1" noChangeAspect="1" noMove="1" noResize="1" noEditPoints="1" noAdjustHandles="1" noChangeArrowheads="1" noChangeShapeType="1" noTextEdit="1"/>
-          </p:cNvSpPr>
-          <p:nvPr>
-            <p:extLst>
-              <p:ext uri="{386F3935-93C4-4BCD-93E2-E3B085C9AB24}">
-                <p16:designElem xmlns:p16="http://schemas.microsoft.com/office/powerpoint/2015/main" val="1"/>
-              </p:ext>
-            </p:extLst>
-          </p:nvPr>
-        </p:nvSpPr>
-        <p:spPr bwMode="auto">
-          <a:xfrm flipV="1">
-            <a:off x="-4189" y="714375"/>
-            <a:ext cx="1588527" cy="507297"/>
-          </a:xfrm>
-          <a:custGeom>
-            <a:avLst/>
-            <a:gdLst/>
-            <a:ahLst/>
-            <a:cxnLst/>
-            <a:rect l="l" t="t" r="r" b="b"/>
-            <a:pathLst>
-              <a:path w="9248" h="10000">
-                <a:moveTo>
-                  <a:pt x="9248" y="4701"/>
-                </a:moveTo>
-                <a:lnTo>
-                  <a:pt x="7915" y="188"/>
-                </a:lnTo>
-                <a:cubicBezTo>
-                  <a:pt x="7906" y="156"/>
-                  <a:pt x="7895" y="126"/>
-                  <a:pt x="7886" y="94"/>
-                </a:cubicBezTo>
-                <a:cubicBezTo>
-                  <a:pt x="7859" y="0"/>
-                  <a:pt x="7831" y="0"/>
-                  <a:pt x="7803" y="0"/>
-                </a:cubicBezTo>
-                <a:lnTo>
-                  <a:pt x="7275" y="0"/>
-                </a:lnTo>
-                <a:lnTo>
-                  <a:pt x="0" y="70"/>
-                </a:lnTo>
-                <a:cubicBezTo>
-                  <a:pt x="8" y="3380"/>
-                  <a:pt x="17" y="6690"/>
-                  <a:pt x="25" y="10000"/>
-                </a:cubicBezTo>
-                <a:lnTo>
-                  <a:pt x="7275" y="9966"/>
-                </a:lnTo>
-                <a:lnTo>
-                  <a:pt x="7803" y="9966"/>
-                </a:lnTo>
-                <a:cubicBezTo>
-                  <a:pt x="7831" y="9966"/>
-                  <a:pt x="7859" y="9872"/>
-                  <a:pt x="7886" y="9872"/>
-                </a:cubicBezTo>
-                <a:cubicBezTo>
-                  <a:pt x="7886" y="9778"/>
-                  <a:pt x="7915" y="9778"/>
-                  <a:pt x="7915" y="9778"/>
-                </a:cubicBezTo>
-                <a:lnTo>
-                  <a:pt x="9248" y="5265"/>
-                </a:lnTo>
-                <a:cubicBezTo>
-                  <a:pt x="9303" y="5077"/>
-                  <a:pt x="9303" y="4889"/>
-                  <a:pt x="9248" y="4701"/>
-                </a:cubicBezTo>
-                <a:close/>
-              </a:path>
-            </a:pathLst>
-          </a:custGeom>
-          <a:solidFill>
-            <a:schemeClr val="accent1"/>
-          </a:solidFill>
-          <a:ln>
-            <a:noFill/>
-          </a:ln>
-        </p:spPr>
-      </p:sp>
-      <p:pic>
-        <p:nvPicPr>
-          <p:cNvPr id="7" name="Immagine 6">
-            <a:extLst>
-              <a:ext uri="{FF2B5EF4-FFF2-40B4-BE49-F238E27FC236}">
-                <a16:creationId xmlns:a16="http://schemas.microsoft.com/office/drawing/2014/main" id="{43DC8CC9-66EE-4E9F-9F6E-83DD086877D3}"/>
-              </a:ext>
-            </a:extLst>
-          </p:cNvPr>
-          <p:cNvPicPr>
-            <a:picLocks noChangeAspect="1"/>
-          </p:cNvPicPr>
-          <p:nvPr/>
-        </p:nvPicPr>
-        <p:blipFill>
-          <a:blip r:embed="rId2"/>
-          <a:stretch>
-            <a:fillRect/>
-          </a:stretch>
-        </p:blipFill>
-        <p:spPr>
-          <a:xfrm>
-            <a:off x="8629646" y="2233663"/>
-            <a:ext cx="2873159" cy="2873159"/>
-          </a:xfrm>
-          <a:prstGeom prst="rect">
-            <a:avLst/>
-          </a:prstGeom>
-        </p:spPr>
-      </p:pic>
-      <p:sp>
-        <p:nvSpPr>
-          <p:cNvPr id="5" name="Titolo 1">
-            <a:extLst>
-              <a:ext uri="{FF2B5EF4-FFF2-40B4-BE49-F238E27FC236}">
-                <a16:creationId xmlns:a16="http://schemas.microsoft.com/office/drawing/2014/main" id="{0C734ED3-9278-4126-AE51-FE48147C659D}"/>
-              </a:ext>
-            </a:extLst>
-          </p:cNvPr>
-          <p:cNvSpPr txBox="1">
-            <a:spLocks/>
-          </p:cNvSpPr>
-          <p:nvPr/>
-        </p:nvSpPr>
-        <p:spPr>
-          <a:xfrm>
-            <a:off x="2592925" y="624110"/>
-            <a:ext cx="8911687" cy="1280890"/>
-          </a:xfrm>
-          <a:prstGeom prst="rect">
-            <a:avLst/>
-          </a:prstGeom>
-        </p:spPr>
-        <p:txBody>
-          <a:bodyPr vert="horz" lIns="91440" tIns="45720" rIns="91440" bIns="45720" rtlCol="0" anchor="t">
-            <a:normAutofit/>
-          </a:bodyPr>
-          <a:lstStyle>
-            <a:lvl1pPr algn="l" defTabSz="457200" rtl="0" eaLnBrk="1" latinLnBrk="0" hangingPunct="1">
-              <a:spcBef>
-                <a:spcPct val="0"/>
-              </a:spcBef>
-              <a:buNone/>
-              <a:defRPr sz="3600" kern="1200">
-                <a:solidFill>
-                  <a:schemeClr val="tx1">
-                    <a:lumMod val="85000"/>
-                    <a:lumOff val="15000"/>
-                  </a:schemeClr>
-                </a:solidFill>
-                <a:latin typeface="+mj-lt"/>
-                <a:ea typeface="+mj-ea"/>
-                <a:cs typeface="+mj-cs"/>
-              </a:defRPr>
-            </a:lvl1pPr>
-            <a:lvl2pPr eaLnBrk="1" hangingPunct="1">
-              <a:defRPr>
-                <a:solidFill>
-                  <a:schemeClr val="tx2"/>
-                </a:solidFill>
-              </a:defRPr>
-            </a:lvl2pPr>
-            <a:lvl3pPr eaLnBrk="1" hangingPunct="1">
-              <a:defRPr>
-                <a:solidFill>
-                  <a:schemeClr val="tx2"/>
-                </a:solidFill>
-              </a:defRPr>
-            </a:lvl3pPr>
-            <a:lvl4pPr eaLnBrk="1" hangingPunct="1">
-              <a:defRPr>
-                <a:solidFill>
-                  <a:schemeClr val="tx2"/>
-                </a:solidFill>
-              </a:defRPr>
-            </a:lvl4pPr>
-            <a:lvl5pPr eaLnBrk="1" hangingPunct="1">
-              <a:defRPr>
-                <a:solidFill>
-                  <a:schemeClr val="tx2"/>
-                </a:solidFill>
-              </a:defRPr>
-            </a:lvl5pPr>
-            <a:lvl6pPr eaLnBrk="1" hangingPunct="1">
-              <a:defRPr>
-                <a:solidFill>
-                  <a:schemeClr val="tx2"/>
-                </a:solidFill>
-              </a:defRPr>
-            </a:lvl6pPr>
-            <a:lvl7pPr eaLnBrk="1" hangingPunct="1">
-              <a:defRPr>
-                <a:solidFill>
-                  <a:schemeClr val="tx2"/>
-                </a:solidFill>
-              </a:defRPr>
-            </a:lvl7pPr>
-            <a:lvl8pPr eaLnBrk="1" hangingPunct="1">
-              <a:defRPr>
-                <a:solidFill>
-                  <a:schemeClr val="tx2"/>
-                </a:solidFill>
-              </a:defRPr>
-            </a:lvl8pPr>
-            <a:lvl9pPr eaLnBrk="1" hangingPunct="1">
-              <a:defRPr>
-                <a:solidFill>
-                  <a:schemeClr val="tx2"/>
-                </a:solidFill>
-              </a:defRPr>
-            </a:lvl9pPr>
-          </a:lstStyle>
-          <a:p>
-            <a:pPr>
-              <a:spcAft>
-                <a:spcPts val="600"/>
-              </a:spcAft>
-            </a:pPr>
-            <a:r>
-              <a:rPr lang="en-US" b="1"/>
-              <a:t>CONSIDERATIONS</a:t>
-            </a:r>
-            <a:endParaRPr lang="en-US"/>
-          </a:p>
-        </p:txBody>
-      </p:sp>
-      <p:sp>
-        <p:nvSpPr>
-          <p:cNvPr id="6" name="Segnaposto contenuto 2">
-            <a:extLst>
-              <a:ext uri="{FF2B5EF4-FFF2-40B4-BE49-F238E27FC236}">
-                <a16:creationId xmlns:a16="http://schemas.microsoft.com/office/drawing/2014/main" id="{D2D38757-F255-4543-8BE8-18140BF64F70}"/>
-              </a:ext>
-            </a:extLst>
-          </p:cNvPr>
-          <p:cNvSpPr txBox="1">
-            <a:spLocks/>
-          </p:cNvSpPr>
-          <p:nvPr/>
-        </p:nvSpPr>
-        <p:spPr>
-          <a:xfrm>
-            <a:off x="2589212" y="2125362"/>
-            <a:ext cx="5835121" cy="3785860"/>
-          </a:xfrm>
-          <a:prstGeom prst="rect">
-            <a:avLst/>
-          </a:prstGeom>
-        </p:spPr>
-        <p:txBody>
-          <a:bodyPr vert="horz" lIns="91440" tIns="45720" rIns="91440" bIns="45720" rtlCol="0">
-            <a:normAutofit/>
-          </a:bodyPr>
-          <a:lstStyle>
-            <a:lvl1pPr marL="342900" indent="-342900" algn="l" defTabSz="457200" rtl="0" eaLnBrk="1" latinLnBrk="0" hangingPunct="1">
-              <a:spcBef>
-                <a:spcPts val="1000"/>
-              </a:spcBef>
-              <a:spcAft>
-                <a:spcPts val="0"/>
-              </a:spcAft>
-              <a:buClr>
-                <a:schemeClr val="accent1"/>
-              </a:buClr>
-              <a:buFont typeface="Wingdings 3" charset="2"/>
-              <a:buChar char=""/>
-              <a:defRPr sz="1800" kern="1200">
-                <a:solidFill>
-                  <a:schemeClr val="tx1">
-                    <a:lumMod val="75000"/>
-                    <a:lumOff val="25000"/>
-                  </a:schemeClr>
-                </a:solidFill>
-                <a:latin typeface="+mn-lt"/>
-                <a:ea typeface="+mn-ea"/>
-                <a:cs typeface="+mn-cs"/>
-              </a:defRPr>
-            </a:lvl1pPr>
-            <a:lvl2pPr marL="742950" indent="-285750" algn="l" defTabSz="457200" rtl="0" eaLnBrk="1" latinLnBrk="0" hangingPunct="1">
-              <a:spcBef>
-                <a:spcPts val="1000"/>
-              </a:spcBef>
-              <a:spcAft>
-                <a:spcPts val="0"/>
-              </a:spcAft>
-              <a:buClr>
-                <a:schemeClr val="accent1"/>
-              </a:buClr>
-              <a:buFont typeface="Wingdings 3" charset="2"/>
-              <a:buChar char=""/>
-              <a:defRPr sz="1600" kern="1200">
-                <a:solidFill>
-                  <a:schemeClr val="tx1">
-                    <a:lumMod val="75000"/>
-                    <a:lumOff val="25000"/>
-                  </a:schemeClr>
-                </a:solidFill>
-                <a:latin typeface="+mn-lt"/>
-                <a:ea typeface="+mn-ea"/>
-                <a:cs typeface="+mn-cs"/>
-              </a:defRPr>
-            </a:lvl2pPr>
-            <a:lvl3pPr marL="1143000" indent="-228600" algn="l" defTabSz="457200" rtl="0" eaLnBrk="1" latinLnBrk="0" hangingPunct="1">
-              <a:spcBef>
-                <a:spcPts val="1000"/>
-              </a:spcBef>
-              <a:spcAft>
-                <a:spcPts val="0"/>
-              </a:spcAft>
-              <a:buClr>
-                <a:schemeClr val="accent1"/>
-              </a:buClr>
-              <a:buFont typeface="Wingdings 3" charset="2"/>
-              <a:buChar char=""/>
-              <a:defRPr sz="1400" kern="1200">
-                <a:solidFill>
-                  <a:schemeClr val="tx1">
-                    <a:lumMod val="75000"/>
-                    <a:lumOff val="25000"/>
-                  </a:schemeClr>
-                </a:solidFill>
-                <a:latin typeface="+mn-lt"/>
-                <a:ea typeface="+mn-ea"/>
-                <a:cs typeface="+mn-cs"/>
-              </a:defRPr>
-            </a:lvl3pPr>
-            <a:lvl4pPr marL="1600200" indent="-228600" algn="l" defTabSz="457200" rtl="0" eaLnBrk="1" latinLnBrk="0" hangingPunct="1">
-              <a:spcBef>
-                <a:spcPts val="1000"/>
-              </a:spcBef>
-              <a:spcAft>
-                <a:spcPts val="0"/>
-              </a:spcAft>
-              <a:buClr>
-                <a:schemeClr val="accent1"/>
-              </a:buClr>
-              <a:buFont typeface="Wingdings 3" charset="2"/>
-              <a:buChar char=""/>
-              <a:defRPr sz="1200" kern="1200">
-                <a:solidFill>
-                  <a:schemeClr val="tx1">
-                    <a:lumMod val="75000"/>
-                    <a:lumOff val="25000"/>
-                  </a:schemeClr>
-                </a:solidFill>
-                <a:latin typeface="+mn-lt"/>
-                <a:ea typeface="+mn-ea"/>
-                <a:cs typeface="+mn-cs"/>
-              </a:defRPr>
-            </a:lvl4pPr>
-            <a:lvl5pPr marL="2057400" indent="-228600" algn="l" defTabSz="457200" rtl="0" eaLnBrk="1" latinLnBrk="0" hangingPunct="1">
-              <a:spcBef>
-                <a:spcPts val="1000"/>
-              </a:spcBef>
-              <a:spcAft>
-                <a:spcPts val="0"/>
-              </a:spcAft>
-              <a:buClr>
-                <a:schemeClr val="accent1"/>
-              </a:buClr>
-              <a:buFont typeface="Wingdings 3" charset="2"/>
-              <a:buChar char=""/>
-              <a:defRPr sz="1200" kern="1200">
-                <a:solidFill>
-                  <a:schemeClr val="tx1">
-                    <a:lumMod val="75000"/>
-                    <a:lumOff val="25000"/>
-                  </a:schemeClr>
-                </a:solidFill>
-                <a:latin typeface="+mn-lt"/>
-                <a:ea typeface="+mn-ea"/>
-                <a:cs typeface="+mn-cs"/>
-              </a:defRPr>
-            </a:lvl5pPr>
-            <a:lvl6pPr marL="2514600" indent="-228600" algn="l" defTabSz="457200" rtl="0" eaLnBrk="1" latinLnBrk="0" hangingPunct="1">
-              <a:spcBef>
-                <a:spcPts val="1000"/>
-              </a:spcBef>
-              <a:spcAft>
-                <a:spcPts val="0"/>
-              </a:spcAft>
-              <a:buClr>
-                <a:schemeClr val="accent1"/>
-              </a:buClr>
-              <a:buFont typeface="Wingdings 3" charset="2"/>
-              <a:buChar char=""/>
-              <a:defRPr sz="1200" kern="1200">
-                <a:solidFill>
-                  <a:schemeClr val="tx1">
-                    <a:lumMod val="75000"/>
-                    <a:lumOff val="25000"/>
-                  </a:schemeClr>
-                </a:solidFill>
-                <a:latin typeface="+mn-lt"/>
-                <a:ea typeface="+mn-ea"/>
-                <a:cs typeface="+mn-cs"/>
-              </a:defRPr>
-            </a:lvl6pPr>
-            <a:lvl7pPr marL="2971800" indent="-228600" algn="l" defTabSz="457200" rtl="0" eaLnBrk="1" latinLnBrk="0" hangingPunct="1">
-              <a:spcBef>
-                <a:spcPts val="1000"/>
-              </a:spcBef>
-              <a:spcAft>
-                <a:spcPts val="0"/>
-              </a:spcAft>
-              <a:buClr>
-                <a:schemeClr val="accent1"/>
-              </a:buClr>
-              <a:buFont typeface="Wingdings 3" charset="2"/>
-              <a:buChar char=""/>
-              <a:defRPr sz="1200" kern="1200">
-                <a:solidFill>
-                  <a:schemeClr val="tx1">
-                    <a:lumMod val="75000"/>
-                    <a:lumOff val="25000"/>
-                  </a:schemeClr>
-                </a:solidFill>
-                <a:latin typeface="+mn-lt"/>
-                <a:ea typeface="+mn-ea"/>
-                <a:cs typeface="+mn-cs"/>
-              </a:defRPr>
-            </a:lvl7pPr>
-            <a:lvl8pPr marL="3429000" indent="-228600" algn="l" defTabSz="457200" rtl="0" eaLnBrk="1" latinLnBrk="0" hangingPunct="1">
-              <a:spcBef>
-                <a:spcPts val="1000"/>
-              </a:spcBef>
-              <a:spcAft>
-                <a:spcPts val="0"/>
-              </a:spcAft>
-              <a:buClr>
-                <a:schemeClr val="accent1"/>
-              </a:buClr>
-              <a:buFont typeface="Wingdings 3" charset="2"/>
-              <a:buChar char=""/>
-              <a:defRPr sz="1200" kern="1200">
-                <a:solidFill>
-                  <a:schemeClr val="tx1">
-                    <a:lumMod val="75000"/>
-                    <a:lumOff val="25000"/>
-                  </a:schemeClr>
-                </a:solidFill>
-                <a:latin typeface="+mn-lt"/>
-                <a:ea typeface="+mn-ea"/>
-                <a:cs typeface="+mn-cs"/>
-              </a:defRPr>
-            </a:lvl8pPr>
-            <a:lvl9pPr marL="3886200" indent="-228600" algn="l" defTabSz="457200" rtl="0" eaLnBrk="1" latinLnBrk="0" hangingPunct="1">
-              <a:spcBef>
-                <a:spcPts val="1000"/>
-              </a:spcBef>
-              <a:spcAft>
-                <a:spcPts val="0"/>
-              </a:spcAft>
-              <a:buClr>
-                <a:schemeClr val="accent1"/>
-              </a:buClr>
-              <a:buFont typeface="Wingdings 3" charset="2"/>
-              <a:buChar char=""/>
-              <a:defRPr sz="1200" kern="1200">
-                <a:solidFill>
-                  <a:schemeClr val="tx1">
-                    <a:lumMod val="75000"/>
-                    <a:lumOff val="25000"/>
-                  </a:schemeClr>
-                </a:solidFill>
-                <a:latin typeface="+mn-lt"/>
-                <a:ea typeface="+mn-ea"/>
-                <a:cs typeface="+mn-cs"/>
-              </a:defRPr>
-            </a:lvl9pPr>
-          </a:lstStyle>
-          <a:p>
-            <a:pPr>
-              <a:lnSpc>
-                <a:spcPct val="90000"/>
-              </a:lnSpc>
-            </a:pPr>
-            <a:r>
-              <a:rPr lang="en-US" sz="1700"/>
-              <a:t>Lock-parallel-version has always very bad performances</a:t>
-            </a:r>
-          </a:p>
-          <a:p>
-            <a:pPr>
-              <a:lnSpc>
-                <a:spcPct val="90000"/>
-              </a:lnSpc>
-            </a:pPr>
-            <a:r>
-              <a:rPr lang="en-US" sz="1700"/>
-              <a:t>Optimised version is always better than the other algorithms</a:t>
-            </a:r>
-          </a:p>
-          <a:p>
-            <a:pPr>
-              <a:lnSpc>
-                <a:spcPct val="90000"/>
-              </a:lnSpc>
-            </a:pPr>
-            <a:endParaRPr lang="en-US" sz="1700"/>
-          </a:p>
-          <a:p>
-            <a:pPr>
-              <a:lnSpc>
-                <a:spcPct val="90000"/>
-              </a:lnSpc>
-            </a:pPr>
-            <a:r>
-              <a:rPr lang="en-US" sz="1700"/>
-              <a:t>Lock-parallel-version scales bad with the number of threads</a:t>
-            </a:r>
-          </a:p>
-          <a:p>
-            <a:pPr>
-              <a:lnSpc>
-                <a:spcPct val="90000"/>
-              </a:lnSpc>
-            </a:pPr>
-            <a:r>
-              <a:rPr lang="en-US" sz="1700"/>
-              <a:t>Optimised version scales well with the number of threads</a:t>
-            </a:r>
-          </a:p>
-          <a:p>
-            <a:pPr>
-              <a:lnSpc>
-                <a:spcPct val="90000"/>
-              </a:lnSpc>
-            </a:pPr>
-            <a:endParaRPr lang="en-US" sz="1700"/>
-          </a:p>
-          <a:p>
-            <a:pPr>
-              <a:lnSpc>
-                <a:spcPct val="90000"/>
-              </a:lnSpc>
-            </a:pPr>
-            <a:r>
-              <a:rPr lang="en-US" sz="1700"/>
-              <a:t>Execution time grows linearly with the input lenght</a:t>
-            </a:r>
-          </a:p>
-          <a:p>
-            <a:pPr>
-              <a:lnSpc>
-                <a:spcPct val="90000"/>
-              </a:lnSpc>
-            </a:pPr>
-            <a:r>
-              <a:rPr lang="en-US" sz="1700"/>
-              <a:t>Execution time grows linearly with k</a:t>
-            </a:r>
-          </a:p>
-        </p:txBody>
-      </p:sp>
-    </p:spTree>
-    <p:extLst>
-      <p:ext uri="{BB962C8B-B14F-4D97-AF65-F5344CB8AC3E}">
-        <p14:creationId xmlns:p14="http://schemas.microsoft.com/office/powerpoint/2010/main" val="1606113577"/>
-      </p:ext>
-    </p:extLst>
-  </p:cSld>
-  <p:clrMapOvr>
-    <a:masterClrMapping/>
-  </p:clrMapOvr>
-</p:sld>
-</file>
-
 <file path=ppt/slides/slide29.xml><?xml version="1.0" encoding="utf-8"?>
 <p:sld xmlns:a="http://schemas.openxmlformats.org/drawingml/2006/main" xmlns:r="http://schemas.openxmlformats.org/officeDocument/2006/relationships" xmlns:p="http://schemas.openxmlformats.org/presentationml/2006/main">
   <p:cSld>
@@ -23665,10 +22821,10 @@
       </p:grpSpPr>
       <p:sp>
         <p:nvSpPr>
-          <p:cNvPr id="3" name="Titolo 1">
+          <p:cNvPr id="5" name="Titolo 1">
             <a:extLst>
               <a:ext uri="{FF2B5EF4-FFF2-40B4-BE49-F238E27FC236}">
-                <a16:creationId xmlns:a16="http://schemas.microsoft.com/office/drawing/2014/main" id="{94E84D07-737A-465E-A979-5A405BD14147}"/>
+                <a16:creationId xmlns:a16="http://schemas.microsoft.com/office/drawing/2014/main" id="{0C734ED3-9278-4126-AE51-FE48147C659D}"/>
               </a:ext>
             </a:extLst>
           </p:cNvPr>
@@ -23679,7 +22835,7 @@
         </p:nvSpPr>
         <p:spPr>
           <a:xfrm>
-            <a:off x="2592925" y="624110"/>
+            <a:off x="1640155" y="672592"/>
             <a:ext cx="8911687" cy="1280890"/>
           </a:xfrm>
           <a:prstGeom prst="rect">
@@ -23773,175 +22929,345 @@
                   <a:srgbClr val="FFC000"/>
                 </a:solidFill>
               </a:rPr>
-              <a:t>REFERENCES</a:t>
+              <a:t>RESULT</a:t>
             </a:r>
             <a:endParaRPr lang="en-GB" sz="4400" dirty="0"/>
           </a:p>
         </p:txBody>
       </p:sp>
-      <p:sp>
-        <p:nvSpPr>
-          <p:cNvPr id="2" name="Rettangolo 1">
+      <p:graphicFrame>
+        <p:nvGraphicFramePr>
+          <p:cNvPr id="6" name="Grafico 5">
             <a:extLst>
               <a:ext uri="{FF2B5EF4-FFF2-40B4-BE49-F238E27FC236}">
-                <a16:creationId xmlns:a16="http://schemas.microsoft.com/office/drawing/2014/main" id="{60F2809D-10DC-445F-AC51-205042122CE1}"/>
+                <a16:creationId xmlns:a16="http://schemas.microsoft.com/office/drawing/2014/main" id="{34A5AC49-6A04-4B07-B5AF-2A25E46F81F2}"/>
               </a:ext>
             </a:extLst>
           </p:cNvPr>
-          <p:cNvSpPr/>
+          <p:cNvGraphicFramePr>
+            <a:graphicFrameLocks/>
+          </p:cNvGraphicFramePr>
+          <p:nvPr>
+            <p:extLst>
+              <p:ext uri="{D42A27DB-BD31-4B8C-83A1-F6EECF244321}">
+                <p14:modId xmlns:p14="http://schemas.microsoft.com/office/powerpoint/2010/main" val="1621045651"/>
+              </p:ext>
+            </p:extLst>
+          </p:nvPr>
+        </p:nvGraphicFramePr>
+        <p:xfrm>
+          <a:off x="2623428" y="2299105"/>
+          <a:ext cx="6945143" cy="4507690"/>
+        </p:xfrm>
+        <a:graphic>
+          <a:graphicData uri="http://schemas.openxmlformats.org/drawingml/2006/chart">
+            <c:chart xmlns:c="http://schemas.openxmlformats.org/drawingml/2006/chart" xmlns:r="http://schemas.openxmlformats.org/officeDocument/2006/relationships" r:id="rId2"/>
+          </a:graphicData>
+        </a:graphic>
+      </p:graphicFrame>
+      <p:sp>
+        <p:nvSpPr>
+          <p:cNvPr id="10" name="Segnaposto contenuto 2">
+            <a:extLst>
+              <a:ext uri="{FF2B5EF4-FFF2-40B4-BE49-F238E27FC236}">
+                <a16:creationId xmlns:a16="http://schemas.microsoft.com/office/drawing/2014/main" id="{11FC6775-585F-434B-A49F-4AACAE5D0AC4}"/>
+              </a:ext>
+            </a:extLst>
+          </p:cNvPr>
+          <p:cNvSpPr txBox="1">
+            <a:spLocks/>
+          </p:cNvSpPr>
           <p:nvPr/>
         </p:nvSpPr>
         <p:spPr>
           <a:xfrm>
-            <a:off x="2164802" y="1620891"/>
-            <a:ext cx="8413859" cy="5078313"/>
+            <a:off x="2535775" y="1492547"/>
+            <a:ext cx="8915400" cy="1207619"/>
           </a:xfrm>
           <a:prstGeom prst="rect">
             <a:avLst/>
           </a:prstGeom>
         </p:spPr>
         <p:txBody>
-          <a:bodyPr wrap="square">
-            <a:spAutoFit/>
-          </a:bodyPr>
-          <a:lstStyle/>
-          <a:p>
-            <a:r>
-              <a:rPr lang="en-GB" i="1" dirty="0"/>
-              <a:t>[National </a:t>
-            </a:r>
-            <a:r>
-              <a:rPr lang="en-GB" i="1" dirty="0" err="1"/>
-              <a:t>Center</a:t>
-            </a:r>
-            <a:r>
-              <a:rPr lang="en-GB" i="1" dirty="0"/>
-              <a:t> for Biotechnology Information https://www.ncbi.nlm.nih.gov/genbank/release/145/]</a:t>
-            </a:r>
-          </a:p>
-          <a:p>
-            <a:endParaRPr lang="it-IT" i="1" dirty="0"/>
-          </a:p>
-          <a:p>
-            <a:r>
-              <a:rPr lang="it-IT" i="1" dirty="0"/>
-              <a:t>[Random DNA Generator</a:t>
-            </a:r>
-          </a:p>
-          <a:p>
-            <a:r>
-              <a:rPr lang="it-IT" i="1" dirty="0"/>
-              <a:t>http://www.faculty.ucr.edu/</a:t>
-            </a:r>
-            <a:r>
-              <a:rPr lang="it-IT" i="1" dirty="0" err="1"/>
-              <a:t>mmaduro</a:t>
-            </a:r>
-            <a:r>
-              <a:rPr lang="it-IT" i="1" dirty="0"/>
-              <a:t>/random.htm]</a:t>
-            </a:r>
-          </a:p>
-          <a:p>
-            <a:endParaRPr lang="en-GB" i="1" dirty="0"/>
-          </a:p>
-          <a:p>
-            <a:r>
-              <a:rPr lang="en-GB" i="1" dirty="0"/>
-              <a:t>[A fast, lock-free approach for efficient parallel counting of occurrences of k-</a:t>
-            </a:r>
-            <a:r>
-              <a:rPr lang="en-GB" i="1" dirty="0" err="1"/>
-              <a:t>mers</a:t>
-            </a:r>
-            <a:r>
-              <a:rPr lang="en-GB" i="1" dirty="0"/>
-              <a:t> Guillaume Marçais1, and Carl Kingsford]</a:t>
-            </a:r>
-          </a:p>
-          <a:p>
-            <a:endParaRPr lang="it-IT" i="1" dirty="0"/>
-          </a:p>
-          <a:p>
-            <a:r>
-              <a:rPr lang="it-IT" i="1" dirty="0"/>
-              <a:t>[</a:t>
-            </a:r>
-            <a:r>
-              <a:rPr lang="en-GB" i="1" dirty="0"/>
-              <a:t>GitHub repository</a:t>
-            </a:r>
-          </a:p>
-          <a:p>
-            <a:r>
-              <a:rPr lang="en-GB" i="1" dirty="0"/>
-              <a:t>https://github.com/DiegoGabo/ProgettoAAPP/tree/master/dna_sequences]</a:t>
-            </a:r>
-          </a:p>
-          <a:p>
-            <a:endParaRPr lang="it-IT" i="1" dirty="0"/>
-          </a:p>
-          <a:p>
-            <a:r>
-              <a:rPr lang="it-IT" i="1" dirty="0"/>
-              <a:t>[Compare and swap </a:t>
-            </a:r>
-            <a:r>
-              <a:rPr lang="it-IT" i="1" dirty="0" err="1"/>
-              <a:t>documentation</a:t>
-            </a:r>
-            <a:endParaRPr lang="it-IT" i="1" dirty="0"/>
-          </a:p>
-          <a:p>
-            <a:r>
-              <a:rPr lang="it-IT" i="1" dirty="0"/>
-              <a:t>http://www.cplusplus.com/</a:t>
-            </a:r>
-            <a:r>
-              <a:rPr lang="it-IT" i="1" dirty="0" err="1"/>
-              <a:t>reference</a:t>
-            </a:r>
-            <a:r>
-              <a:rPr lang="it-IT" i="1" dirty="0"/>
-              <a:t>/</a:t>
-            </a:r>
-            <a:r>
-              <a:rPr lang="it-IT" i="1" dirty="0" err="1"/>
-              <a:t>atomic</a:t>
-            </a:r>
-            <a:r>
-              <a:rPr lang="it-IT" i="1" dirty="0"/>
-              <a:t>/</a:t>
-            </a:r>
-            <a:r>
-              <a:rPr lang="it-IT" i="1" dirty="0" err="1"/>
-              <a:t>atomic</a:t>
-            </a:r>
-            <a:r>
-              <a:rPr lang="it-IT" i="1" dirty="0"/>
-              <a:t>/</a:t>
-            </a:r>
-            <a:r>
-              <a:rPr lang="it-IT" i="1" dirty="0" err="1"/>
-              <a:t>compare_exchange_strong</a:t>
-            </a:r>
-            <a:r>
-              <a:rPr lang="it-IT" i="1" dirty="0"/>
-              <a:t>/]</a:t>
-            </a:r>
-          </a:p>
-          <a:p>
-            <a:endParaRPr lang="it-IT" i="1" dirty="0"/>
-          </a:p>
-          <a:p>
-            <a:endParaRPr lang="en-GB" dirty="0"/>
+          <a:bodyPr/>
+          <a:lstStyle>
+            <a:lvl1pPr marL="342900" indent="-342900" algn="l" defTabSz="457200" rtl="0" eaLnBrk="1" latinLnBrk="0" hangingPunct="1">
+              <a:spcBef>
+                <a:spcPts val="1000"/>
+              </a:spcBef>
+              <a:spcAft>
+                <a:spcPts val="0"/>
+              </a:spcAft>
+              <a:buClr>
+                <a:schemeClr val="accent1"/>
+              </a:buClr>
+              <a:buFont typeface="Wingdings 3" charset="2"/>
+              <a:buChar char=""/>
+              <a:defRPr sz="1800" kern="1200">
+                <a:solidFill>
+                  <a:schemeClr val="tx1">
+                    <a:lumMod val="75000"/>
+                    <a:lumOff val="25000"/>
+                  </a:schemeClr>
+                </a:solidFill>
+                <a:latin typeface="+mn-lt"/>
+                <a:ea typeface="+mn-ea"/>
+                <a:cs typeface="+mn-cs"/>
+              </a:defRPr>
+            </a:lvl1pPr>
+            <a:lvl2pPr marL="742950" indent="-285750" algn="l" defTabSz="457200" rtl="0" eaLnBrk="1" latinLnBrk="0" hangingPunct="1">
+              <a:spcBef>
+                <a:spcPts val="1000"/>
+              </a:spcBef>
+              <a:spcAft>
+                <a:spcPts val="0"/>
+              </a:spcAft>
+              <a:buClr>
+                <a:schemeClr val="accent1"/>
+              </a:buClr>
+              <a:buFont typeface="Wingdings 3" charset="2"/>
+              <a:buChar char=""/>
+              <a:defRPr sz="1600" kern="1200">
+                <a:solidFill>
+                  <a:schemeClr val="tx1">
+                    <a:lumMod val="75000"/>
+                    <a:lumOff val="25000"/>
+                  </a:schemeClr>
+                </a:solidFill>
+                <a:latin typeface="+mn-lt"/>
+                <a:ea typeface="+mn-ea"/>
+                <a:cs typeface="+mn-cs"/>
+              </a:defRPr>
+            </a:lvl2pPr>
+            <a:lvl3pPr marL="1143000" indent="-228600" algn="l" defTabSz="457200" rtl="0" eaLnBrk="1" latinLnBrk="0" hangingPunct="1">
+              <a:spcBef>
+                <a:spcPts val="1000"/>
+              </a:spcBef>
+              <a:spcAft>
+                <a:spcPts val="0"/>
+              </a:spcAft>
+              <a:buClr>
+                <a:schemeClr val="accent1"/>
+              </a:buClr>
+              <a:buFont typeface="Wingdings 3" charset="2"/>
+              <a:buChar char=""/>
+              <a:defRPr sz="1400" kern="1200">
+                <a:solidFill>
+                  <a:schemeClr val="tx1">
+                    <a:lumMod val="75000"/>
+                    <a:lumOff val="25000"/>
+                  </a:schemeClr>
+                </a:solidFill>
+                <a:latin typeface="+mn-lt"/>
+                <a:ea typeface="+mn-ea"/>
+                <a:cs typeface="+mn-cs"/>
+              </a:defRPr>
+            </a:lvl3pPr>
+            <a:lvl4pPr marL="1600200" indent="-228600" algn="l" defTabSz="457200" rtl="0" eaLnBrk="1" latinLnBrk="0" hangingPunct="1">
+              <a:spcBef>
+                <a:spcPts val="1000"/>
+              </a:spcBef>
+              <a:spcAft>
+                <a:spcPts val="0"/>
+              </a:spcAft>
+              <a:buClr>
+                <a:schemeClr val="accent1"/>
+              </a:buClr>
+              <a:buFont typeface="Wingdings 3" charset="2"/>
+              <a:buChar char=""/>
+              <a:defRPr sz="1200" kern="1200">
+                <a:solidFill>
+                  <a:schemeClr val="tx1">
+                    <a:lumMod val="75000"/>
+                    <a:lumOff val="25000"/>
+                  </a:schemeClr>
+                </a:solidFill>
+                <a:latin typeface="+mn-lt"/>
+                <a:ea typeface="+mn-ea"/>
+                <a:cs typeface="+mn-cs"/>
+              </a:defRPr>
+            </a:lvl4pPr>
+            <a:lvl5pPr marL="2057400" indent="-228600" algn="l" defTabSz="457200" rtl="0" eaLnBrk="1" latinLnBrk="0" hangingPunct="1">
+              <a:spcBef>
+                <a:spcPts val="1000"/>
+              </a:spcBef>
+              <a:spcAft>
+                <a:spcPts val="0"/>
+              </a:spcAft>
+              <a:buClr>
+                <a:schemeClr val="accent1"/>
+              </a:buClr>
+              <a:buFont typeface="Wingdings 3" charset="2"/>
+              <a:buChar char=""/>
+              <a:defRPr sz="1200" kern="1200">
+                <a:solidFill>
+                  <a:schemeClr val="tx1">
+                    <a:lumMod val="75000"/>
+                    <a:lumOff val="25000"/>
+                  </a:schemeClr>
+                </a:solidFill>
+                <a:latin typeface="+mn-lt"/>
+                <a:ea typeface="+mn-ea"/>
+                <a:cs typeface="+mn-cs"/>
+              </a:defRPr>
+            </a:lvl5pPr>
+            <a:lvl6pPr marL="2514600" indent="-228600" algn="l" defTabSz="457200" rtl="0" eaLnBrk="1" latinLnBrk="0" hangingPunct="1">
+              <a:spcBef>
+                <a:spcPts val="1000"/>
+              </a:spcBef>
+              <a:spcAft>
+                <a:spcPts val="0"/>
+              </a:spcAft>
+              <a:buClr>
+                <a:schemeClr val="accent1"/>
+              </a:buClr>
+              <a:buFont typeface="Wingdings 3" charset="2"/>
+              <a:buChar char=""/>
+              <a:defRPr sz="1200" kern="1200">
+                <a:solidFill>
+                  <a:schemeClr val="tx1">
+                    <a:lumMod val="75000"/>
+                    <a:lumOff val="25000"/>
+                  </a:schemeClr>
+                </a:solidFill>
+                <a:latin typeface="+mn-lt"/>
+                <a:ea typeface="+mn-ea"/>
+                <a:cs typeface="+mn-cs"/>
+              </a:defRPr>
+            </a:lvl6pPr>
+            <a:lvl7pPr marL="2971800" indent="-228600" algn="l" defTabSz="457200" rtl="0" eaLnBrk="1" latinLnBrk="0" hangingPunct="1">
+              <a:spcBef>
+                <a:spcPts val="1000"/>
+              </a:spcBef>
+              <a:spcAft>
+                <a:spcPts val="0"/>
+              </a:spcAft>
+              <a:buClr>
+                <a:schemeClr val="accent1"/>
+              </a:buClr>
+              <a:buFont typeface="Wingdings 3" charset="2"/>
+              <a:buChar char=""/>
+              <a:defRPr sz="1200" kern="1200">
+                <a:solidFill>
+                  <a:schemeClr val="tx1">
+                    <a:lumMod val="75000"/>
+                    <a:lumOff val="25000"/>
+                  </a:schemeClr>
+                </a:solidFill>
+                <a:latin typeface="+mn-lt"/>
+                <a:ea typeface="+mn-ea"/>
+                <a:cs typeface="+mn-cs"/>
+              </a:defRPr>
+            </a:lvl7pPr>
+            <a:lvl8pPr marL="3429000" indent="-228600" algn="l" defTabSz="457200" rtl="0" eaLnBrk="1" latinLnBrk="0" hangingPunct="1">
+              <a:spcBef>
+                <a:spcPts val="1000"/>
+              </a:spcBef>
+              <a:spcAft>
+                <a:spcPts val="0"/>
+              </a:spcAft>
+              <a:buClr>
+                <a:schemeClr val="accent1"/>
+              </a:buClr>
+              <a:buFont typeface="Wingdings 3" charset="2"/>
+              <a:buChar char=""/>
+              <a:defRPr sz="1200" kern="1200">
+                <a:solidFill>
+                  <a:schemeClr val="tx1">
+                    <a:lumMod val="75000"/>
+                    <a:lumOff val="25000"/>
+                  </a:schemeClr>
+                </a:solidFill>
+                <a:latin typeface="+mn-lt"/>
+                <a:ea typeface="+mn-ea"/>
+                <a:cs typeface="+mn-cs"/>
+              </a:defRPr>
+            </a:lvl8pPr>
+            <a:lvl9pPr marL="3886200" indent="-228600" algn="l" defTabSz="457200" rtl="0" eaLnBrk="1" latinLnBrk="0" hangingPunct="1">
+              <a:spcBef>
+                <a:spcPts val="1000"/>
+              </a:spcBef>
+              <a:spcAft>
+                <a:spcPts val="0"/>
+              </a:spcAft>
+              <a:buClr>
+                <a:schemeClr val="accent1"/>
+              </a:buClr>
+              <a:buFont typeface="Wingdings 3" charset="2"/>
+              <a:buChar char=""/>
+              <a:defRPr sz="1200" kern="1200">
+                <a:solidFill>
+                  <a:schemeClr val="tx1">
+                    <a:lumMod val="75000"/>
+                    <a:lumOff val="25000"/>
+                  </a:schemeClr>
+                </a:solidFill>
+                <a:latin typeface="+mn-lt"/>
+                <a:ea typeface="+mn-ea"/>
+                <a:cs typeface="+mn-cs"/>
+              </a:defRPr>
+            </a:lvl9pPr>
+          </a:lstStyle>
+          <a:p>
+            <a:r>
+              <a:rPr lang="en-GB" sz="1600" dirty="0"/>
+              <a:t>Memory usage compered to dataset length (random </a:t>
+            </a:r>
+            <a:r>
+              <a:rPr lang="en-GB" sz="1600" dirty="0" err="1"/>
+              <a:t>dna</a:t>
+            </a:r>
+            <a:r>
+              <a:rPr lang="en-GB" sz="1600" dirty="0"/>
+              <a:t> sequence)</a:t>
+            </a:r>
+          </a:p>
+          <a:p>
+            <a:pPr marL="0" indent="0">
+              <a:buNone/>
+            </a:pPr>
+            <a:r>
+              <a:rPr lang="en-GB" sz="1600" dirty="0"/>
+              <a:t>	</a:t>
+            </a:r>
+            <a:endParaRPr lang="en-GB" sz="1200" dirty="0"/>
           </a:p>
         </p:txBody>
       </p:sp>
+      <p:pic>
+        <p:nvPicPr>
+          <p:cNvPr id="11" name="Immagine 10">
+            <a:extLst>
+              <a:ext uri="{FF2B5EF4-FFF2-40B4-BE49-F238E27FC236}">
+                <a16:creationId xmlns:a16="http://schemas.microsoft.com/office/drawing/2014/main" id="{9C749020-C90D-4BD1-AE38-9CA34F856AE1}"/>
+              </a:ext>
+            </a:extLst>
+          </p:cNvPr>
+          <p:cNvPicPr>
+            <a:picLocks noChangeAspect="1"/>
+          </p:cNvPicPr>
+          <p:nvPr/>
+        </p:nvPicPr>
+        <p:blipFill>
+          <a:blip r:embed="rId3"/>
+          <a:stretch>
+            <a:fillRect/>
+          </a:stretch>
+        </p:blipFill>
+        <p:spPr>
+          <a:xfrm>
+            <a:off x="2623428" y="1990096"/>
+            <a:ext cx="6945143" cy="479834"/>
+          </a:xfrm>
+          <a:prstGeom prst="rect">
+            <a:avLst/>
+          </a:prstGeom>
+        </p:spPr>
+      </p:pic>
     </p:spTree>
     <p:extLst>
       <p:ext uri="{BB962C8B-B14F-4D97-AF65-F5344CB8AC3E}">
-        <p14:creationId xmlns:p14="http://schemas.microsoft.com/office/powerpoint/2010/main" val="4155435096"/>
+        <p14:creationId xmlns:p14="http://schemas.microsoft.com/office/powerpoint/2010/main" val="591069941"/>
       </p:ext>
     </p:extLst>
   </p:cSld>
@@ -24802,6 +24128,3648 @@
     <p:extLst>
       <p:ext uri="{BB962C8B-B14F-4D97-AF65-F5344CB8AC3E}">
         <p14:creationId xmlns:p14="http://schemas.microsoft.com/office/powerpoint/2010/main" val="4194892433"/>
+      </p:ext>
+    </p:extLst>
+  </p:cSld>
+  <p:clrMapOvr>
+    <a:masterClrMapping/>
+  </p:clrMapOvr>
+</p:sld>
+</file>
+
+<file path=ppt/slides/slide30.xml><?xml version="1.0" encoding="utf-8"?>
+<p:sld xmlns:a="http://schemas.openxmlformats.org/drawingml/2006/main" xmlns:r="http://schemas.openxmlformats.org/officeDocument/2006/relationships" xmlns:p="http://schemas.openxmlformats.org/presentationml/2006/main">
+  <p:cSld>
+    <p:spTree>
+      <p:nvGrpSpPr>
+        <p:cNvPr id="1" name=""/>
+        <p:cNvGrpSpPr/>
+        <p:nvPr/>
+      </p:nvGrpSpPr>
+      <p:grpSpPr>
+        <a:xfrm>
+          <a:off x="0" y="0"/>
+          <a:ext cx="0" cy="0"/>
+          <a:chOff x="0" y="0"/>
+          <a:chExt cx="0" cy="0"/>
+        </a:xfrm>
+      </p:grpSpPr>
+      <p:sp>
+        <p:nvSpPr>
+          <p:cNvPr id="5" name="Titolo 1">
+            <a:extLst>
+              <a:ext uri="{FF2B5EF4-FFF2-40B4-BE49-F238E27FC236}">
+                <a16:creationId xmlns:a16="http://schemas.microsoft.com/office/drawing/2014/main" id="{0C734ED3-9278-4126-AE51-FE48147C659D}"/>
+              </a:ext>
+            </a:extLst>
+          </p:cNvPr>
+          <p:cNvSpPr txBox="1">
+            <a:spLocks/>
+          </p:cNvSpPr>
+          <p:nvPr/>
+        </p:nvSpPr>
+        <p:spPr>
+          <a:xfrm>
+            <a:off x="1640155" y="672592"/>
+            <a:ext cx="8911687" cy="1280890"/>
+          </a:xfrm>
+          <a:prstGeom prst="rect">
+            <a:avLst/>
+          </a:prstGeom>
+        </p:spPr>
+        <p:txBody>
+          <a:bodyPr vert="horz" lIns="91440" tIns="45720" rIns="91440" bIns="45720" rtlCol="0" anchor="t">
+            <a:normAutofit/>
+          </a:bodyPr>
+          <a:lstStyle>
+            <a:lvl1pPr algn="l" defTabSz="457200" rtl="0" eaLnBrk="1" latinLnBrk="0" hangingPunct="1">
+              <a:spcBef>
+                <a:spcPct val="0"/>
+              </a:spcBef>
+              <a:buNone/>
+              <a:defRPr sz="3600" kern="1200">
+                <a:solidFill>
+                  <a:schemeClr val="tx1">
+                    <a:lumMod val="85000"/>
+                    <a:lumOff val="15000"/>
+                  </a:schemeClr>
+                </a:solidFill>
+                <a:latin typeface="+mj-lt"/>
+                <a:ea typeface="+mj-ea"/>
+                <a:cs typeface="+mj-cs"/>
+              </a:defRPr>
+            </a:lvl1pPr>
+            <a:lvl2pPr eaLnBrk="1" hangingPunct="1">
+              <a:defRPr>
+                <a:solidFill>
+                  <a:schemeClr val="tx2"/>
+                </a:solidFill>
+              </a:defRPr>
+            </a:lvl2pPr>
+            <a:lvl3pPr eaLnBrk="1" hangingPunct="1">
+              <a:defRPr>
+                <a:solidFill>
+                  <a:schemeClr val="tx2"/>
+                </a:solidFill>
+              </a:defRPr>
+            </a:lvl3pPr>
+            <a:lvl4pPr eaLnBrk="1" hangingPunct="1">
+              <a:defRPr>
+                <a:solidFill>
+                  <a:schemeClr val="tx2"/>
+                </a:solidFill>
+              </a:defRPr>
+            </a:lvl4pPr>
+            <a:lvl5pPr eaLnBrk="1" hangingPunct="1">
+              <a:defRPr>
+                <a:solidFill>
+                  <a:schemeClr val="tx2"/>
+                </a:solidFill>
+              </a:defRPr>
+            </a:lvl5pPr>
+            <a:lvl6pPr eaLnBrk="1" hangingPunct="1">
+              <a:defRPr>
+                <a:solidFill>
+                  <a:schemeClr val="tx2"/>
+                </a:solidFill>
+              </a:defRPr>
+            </a:lvl6pPr>
+            <a:lvl7pPr eaLnBrk="1" hangingPunct="1">
+              <a:defRPr>
+                <a:solidFill>
+                  <a:schemeClr val="tx2"/>
+                </a:solidFill>
+              </a:defRPr>
+            </a:lvl7pPr>
+            <a:lvl8pPr eaLnBrk="1" hangingPunct="1">
+              <a:defRPr>
+                <a:solidFill>
+                  <a:schemeClr val="tx2"/>
+                </a:solidFill>
+              </a:defRPr>
+            </a:lvl8pPr>
+            <a:lvl9pPr eaLnBrk="1" hangingPunct="1">
+              <a:defRPr>
+                <a:solidFill>
+                  <a:schemeClr val="tx2"/>
+                </a:solidFill>
+              </a:defRPr>
+            </a:lvl9pPr>
+          </a:lstStyle>
+          <a:p>
+            <a:pPr algn="ctr"/>
+            <a:r>
+              <a:rPr lang="it-IT" sz="4400" b="1" dirty="0">
+                <a:solidFill>
+                  <a:srgbClr val="FFC000"/>
+                </a:solidFill>
+              </a:rPr>
+              <a:t>RESULT</a:t>
+            </a:r>
+            <a:endParaRPr lang="en-GB" sz="4400" dirty="0"/>
+          </a:p>
+        </p:txBody>
+      </p:sp>
+      <p:sp>
+        <p:nvSpPr>
+          <p:cNvPr id="10" name="Segnaposto contenuto 2">
+            <a:extLst>
+              <a:ext uri="{FF2B5EF4-FFF2-40B4-BE49-F238E27FC236}">
+                <a16:creationId xmlns:a16="http://schemas.microsoft.com/office/drawing/2014/main" id="{11FC6775-585F-434B-A49F-4AACAE5D0AC4}"/>
+              </a:ext>
+            </a:extLst>
+          </p:cNvPr>
+          <p:cNvSpPr txBox="1">
+            <a:spLocks/>
+          </p:cNvSpPr>
+          <p:nvPr/>
+        </p:nvSpPr>
+        <p:spPr>
+          <a:xfrm>
+            <a:off x="2535775" y="1492547"/>
+            <a:ext cx="8915400" cy="1207619"/>
+          </a:xfrm>
+          <a:prstGeom prst="rect">
+            <a:avLst/>
+          </a:prstGeom>
+        </p:spPr>
+        <p:txBody>
+          <a:bodyPr/>
+          <a:lstStyle>
+            <a:lvl1pPr marL="342900" indent="-342900" algn="l" defTabSz="457200" rtl="0" eaLnBrk="1" latinLnBrk="0" hangingPunct="1">
+              <a:spcBef>
+                <a:spcPts val="1000"/>
+              </a:spcBef>
+              <a:spcAft>
+                <a:spcPts val="0"/>
+              </a:spcAft>
+              <a:buClr>
+                <a:schemeClr val="accent1"/>
+              </a:buClr>
+              <a:buFont typeface="Wingdings 3" charset="2"/>
+              <a:buChar char=""/>
+              <a:defRPr sz="1800" kern="1200">
+                <a:solidFill>
+                  <a:schemeClr val="tx1">
+                    <a:lumMod val="75000"/>
+                    <a:lumOff val="25000"/>
+                  </a:schemeClr>
+                </a:solidFill>
+                <a:latin typeface="+mn-lt"/>
+                <a:ea typeface="+mn-ea"/>
+                <a:cs typeface="+mn-cs"/>
+              </a:defRPr>
+            </a:lvl1pPr>
+            <a:lvl2pPr marL="742950" indent="-285750" algn="l" defTabSz="457200" rtl="0" eaLnBrk="1" latinLnBrk="0" hangingPunct="1">
+              <a:spcBef>
+                <a:spcPts val="1000"/>
+              </a:spcBef>
+              <a:spcAft>
+                <a:spcPts val="0"/>
+              </a:spcAft>
+              <a:buClr>
+                <a:schemeClr val="accent1"/>
+              </a:buClr>
+              <a:buFont typeface="Wingdings 3" charset="2"/>
+              <a:buChar char=""/>
+              <a:defRPr sz="1600" kern="1200">
+                <a:solidFill>
+                  <a:schemeClr val="tx1">
+                    <a:lumMod val="75000"/>
+                    <a:lumOff val="25000"/>
+                  </a:schemeClr>
+                </a:solidFill>
+                <a:latin typeface="+mn-lt"/>
+                <a:ea typeface="+mn-ea"/>
+                <a:cs typeface="+mn-cs"/>
+              </a:defRPr>
+            </a:lvl2pPr>
+            <a:lvl3pPr marL="1143000" indent="-228600" algn="l" defTabSz="457200" rtl="0" eaLnBrk="1" latinLnBrk="0" hangingPunct="1">
+              <a:spcBef>
+                <a:spcPts val="1000"/>
+              </a:spcBef>
+              <a:spcAft>
+                <a:spcPts val="0"/>
+              </a:spcAft>
+              <a:buClr>
+                <a:schemeClr val="accent1"/>
+              </a:buClr>
+              <a:buFont typeface="Wingdings 3" charset="2"/>
+              <a:buChar char=""/>
+              <a:defRPr sz="1400" kern="1200">
+                <a:solidFill>
+                  <a:schemeClr val="tx1">
+                    <a:lumMod val="75000"/>
+                    <a:lumOff val="25000"/>
+                  </a:schemeClr>
+                </a:solidFill>
+                <a:latin typeface="+mn-lt"/>
+                <a:ea typeface="+mn-ea"/>
+                <a:cs typeface="+mn-cs"/>
+              </a:defRPr>
+            </a:lvl3pPr>
+            <a:lvl4pPr marL="1600200" indent="-228600" algn="l" defTabSz="457200" rtl="0" eaLnBrk="1" latinLnBrk="0" hangingPunct="1">
+              <a:spcBef>
+                <a:spcPts val="1000"/>
+              </a:spcBef>
+              <a:spcAft>
+                <a:spcPts val="0"/>
+              </a:spcAft>
+              <a:buClr>
+                <a:schemeClr val="accent1"/>
+              </a:buClr>
+              <a:buFont typeface="Wingdings 3" charset="2"/>
+              <a:buChar char=""/>
+              <a:defRPr sz="1200" kern="1200">
+                <a:solidFill>
+                  <a:schemeClr val="tx1">
+                    <a:lumMod val="75000"/>
+                    <a:lumOff val="25000"/>
+                  </a:schemeClr>
+                </a:solidFill>
+                <a:latin typeface="+mn-lt"/>
+                <a:ea typeface="+mn-ea"/>
+                <a:cs typeface="+mn-cs"/>
+              </a:defRPr>
+            </a:lvl4pPr>
+            <a:lvl5pPr marL="2057400" indent="-228600" algn="l" defTabSz="457200" rtl="0" eaLnBrk="1" latinLnBrk="0" hangingPunct="1">
+              <a:spcBef>
+                <a:spcPts val="1000"/>
+              </a:spcBef>
+              <a:spcAft>
+                <a:spcPts val="0"/>
+              </a:spcAft>
+              <a:buClr>
+                <a:schemeClr val="accent1"/>
+              </a:buClr>
+              <a:buFont typeface="Wingdings 3" charset="2"/>
+              <a:buChar char=""/>
+              <a:defRPr sz="1200" kern="1200">
+                <a:solidFill>
+                  <a:schemeClr val="tx1">
+                    <a:lumMod val="75000"/>
+                    <a:lumOff val="25000"/>
+                  </a:schemeClr>
+                </a:solidFill>
+                <a:latin typeface="+mn-lt"/>
+                <a:ea typeface="+mn-ea"/>
+                <a:cs typeface="+mn-cs"/>
+              </a:defRPr>
+            </a:lvl5pPr>
+            <a:lvl6pPr marL="2514600" indent="-228600" algn="l" defTabSz="457200" rtl="0" eaLnBrk="1" latinLnBrk="0" hangingPunct="1">
+              <a:spcBef>
+                <a:spcPts val="1000"/>
+              </a:spcBef>
+              <a:spcAft>
+                <a:spcPts val="0"/>
+              </a:spcAft>
+              <a:buClr>
+                <a:schemeClr val="accent1"/>
+              </a:buClr>
+              <a:buFont typeface="Wingdings 3" charset="2"/>
+              <a:buChar char=""/>
+              <a:defRPr sz="1200" kern="1200">
+                <a:solidFill>
+                  <a:schemeClr val="tx1">
+                    <a:lumMod val="75000"/>
+                    <a:lumOff val="25000"/>
+                  </a:schemeClr>
+                </a:solidFill>
+                <a:latin typeface="+mn-lt"/>
+                <a:ea typeface="+mn-ea"/>
+                <a:cs typeface="+mn-cs"/>
+              </a:defRPr>
+            </a:lvl6pPr>
+            <a:lvl7pPr marL="2971800" indent="-228600" algn="l" defTabSz="457200" rtl="0" eaLnBrk="1" latinLnBrk="0" hangingPunct="1">
+              <a:spcBef>
+                <a:spcPts val="1000"/>
+              </a:spcBef>
+              <a:spcAft>
+                <a:spcPts val="0"/>
+              </a:spcAft>
+              <a:buClr>
+                <a:schemeClr val="accent1"/>
+              </a:buClr>
+              <a:buFont typeface="Wingdings 3" charset="2"/>
+              <a:buChar char=""/>
+              <a:defRPr sz="1200" kern="1200">
+                <a:solidFill>
+                  <a:schemeClr val="tx1">
+                    <a:lumMod val="75000"/>
+                    <a:lumOff val="25000"/>
+                  </a:schemeClr>
+                </a:solidFill>
+                <a:latin typeface="+mn-lt"/>
+                <a:ea typeface="+mn-ea"/>
+                <a:cs typeface="+mn-cs"/>
+              </a:defRPr>
+            </a:lvl7pPr>
+            <a:lvl8pPr marL="3429000" indent="-228600" algn="l" defTabSz="457200" rtl="0" eaLnBrk="1" latinLnBrk="0" hangingPunct="1">
+              <a:spcBef>
+                <a:spcPts val="1000"/>
+              </a:spcBef>
+              <a:spcAft>
+                <a:spcPts val="0"/>
+              </a:spcAft>
+              <a:buClr>
+                <a:schemeClr val="accent1"/>
+              </a:buClr>
+              <a:buFont typeface="Wingdings 3" charset="2"/>
+              <a:buChar char=""/>
+              <a:defRPr sz="1200" kern="1200">
+                <a:solidFill>
+                  <a:schemeClr val="tx1">
+                    <a:lumMod val="75000"/>
+                    <a:lumOff val="25000"/>
+                  </a:schemeClr>
+                </a:solidFill>
+                <a:latin typeface="+mn-lt"/>
+                <a:ea typeface="+mn-ea"/>
+                <a:cs typeface="+mn-cs"/>
+              </a:defRPr>
+            </a:lvl8pPr>
+            <a:lvl9pPr marL="3886200" indent="-228600" algn="l" defTabSz="457200" rtl="0" eaLnBrk="1" latinLnBrk="0" hangingPunct="1">
+              <a:spcBef>
+                <a:spcPts val="1000"/>
+              </a:spcBef>
+              <a:spcAft>
+                <a:spcPts val="0"/>
+              </a:spcAft>
+              <a:buClr>
+                <a:schemeClr val="accent1"/>
+              </a:buClr>
+              <a:buFont typeface="Wingdings 3" charset="2"/>
+              <a:buChar char=""/>
+              <a:defRPr sz="1200" kern="1200">
+                <a:solidFill>
+                  <a:schemeClr val="tx1">
+                    <a:lumMod val="75000"/>
+                    <a:lumOff val="25000"/>
+                  </a:schemeClr>
+                </a:solidFill>
+                <a:latin typeface="+mn-lt"/>
+                <a:ea typeface="+mn-ea"/>
+                <a:cs typeface="+mn-cs"/>
+              </a:defRPr>
+            </a:lvl9pPr>
+          </a:lstStyle>
+          <a:p>
+            <a:r>
+              <a:rPr lang="en-GB" sz="1600" dirty="0"/>
+              <a:t>Memory usage compered to K (all version have a similar behaviour with respect to k)</a:t>
+            </a:r>
+          </a:p>
+          <a:p>
+            <a:pPr marL="0" indent="0">
+              <a:buNone/>
+            </a:pPr>
+            <a:r>
+              <a:rPr lang="en-GB" sz="1600" dirty="0"/>
+              <a:t>	</a:t>
+            </a:r>
+            <a:endParaRPr lang="en-GB" sz="1200" dirty="0"/>
+          </a:p>
+        </p:txBody>
+      </p:sp>
+      <p:graphicFrame>
+        <p:nvGraphicFramePr>
+          <p:cNvPr id="7" name="Grafico 6">
+            <a:extLst>
+              <a:ext uri="{FF2B5EF4-FFF2-40B4-BE49-F238E27FC236}">
+                <a16:creationId xmlns:a16="http://schemas.microsoft.com/office/drawing/2014/main" id="{8D2E1975-5A13-4787-AA8B-ABA601D9B654}"/>
+              </a:ext>
+            </a:extLst>
+          </p:cNvPr>
+          <p:cNvGraphicFramePr>
+            <a:graphicFrameLocks/>
+          </p:cNvGraphicFramePr>
+          <p:nvPr>
+            <p:extLst>
+              <p:ext uri="{D42A27DB-BD31-4B8C-83A1-F6EECF244321}">
+                <p14:modId xmlns:p14="http://schemas.microsoft.com/office/powerpoint/2010/main" val="2007438464"/>
+              </p:ext>
+            </p:extLst>
+          </p:nvPr>
+        </p:nvGraphicFramePr>
+        <p:xfrm>
+          <a:off x="2623427" y="2343150"/>
+          <a:ext cx="7147560" cy="3952875"/>
+        </p:xfrm>
+        <a:graphic>
+          <a:graphicData uri="http://schemas.openxmlformats.org/drawingml/2006/chart">
+            <c:chart xmlns:c="http://schemas.openxmlformats.org/drawingml/2006/chart" xmlns:r="http://schemas.openxmlformats.org/officeDocument/2006/relationships" r:id="rId2"/>
+          </a:graphicData>
+        </a:graphic>
+      </p:graphicFrame>
+      <p:sp>
+        <p:nvSpPr>
+          <p:cNvPr id="9" name="Rettangolo 8">
+            <a:extLst>
+              <a:ext uri="{FF2B5EF4-FFF2-40B4-BE49-F238E27FC236}">
+                <a16:creationId xmlns:a16="http://schemas.microsoft.com/office/drawing/2014/main" id="{0EC413AD-D6A0-49EA-93AF-458F652C5BA4}"/>
+              </a:ext>
+            </a:extLst>
+          </p:cNvPr>
+          <p:cNvSpPr/>
+          <p:nvPr/>
+        </p:nvSpPr>
+        <p:spPr>
+          <a:xfrm>
+            <a:off x="2623427" y="1999200"/>
+            <a:ext cx="7147560" cy="357622"/>
+          </a:xfrm>
+          <a:prstGeom prst="rect">
+            <a:avLst/>
+          </a:prstGeom>
+          <a:solidFill>
+            <a:schemeClr val="accent1">
+              <a:lumMod val="60000"/>
+              <a:lumOff val="40000"/>
+            </a:schemeClr>
+          </a:solidFill>
+          <a:ln>
+            <a:noFill/>
+          </a:ln>
+        </p:spPr>
+        <p:style>
+          <a:lnRef idx="2">
+            <a:schemeClr val="accent1">
+              <a:shade val="50000"/>
+            </a:schemeClr>
+          </a:lnRef>
+          <a:fillRef idx="1">
+            <a:schemeClr val="accent1"/>
+          </a:fillRef>
+          <a:effectRef idx="0">
+            <a:schemeClr val="accent1"/>
+          </a:effectRef>
+          <a:fontRef idx="minor">
+            <a:schemeClr val="lt1"/>
+          </a:fontRef>
+        </p:style>
+        <p:txBody>
+          <a:bodyPr rtlCol="0" anchor="ctr"/>
+          <a:lstStyle/>
+          <a:p>
+            <a:pPr algn="ctr"/>
+            <a:r>
+              <a:rPr lang="it-IT" dirty="0">
+                <a:solidFill>
+                  <a:schemeClr val="tx1"/>
+                </a:solidFill>
+              </a:rPr>
+              <a:t>L = 2*K 		THREADS = 24 		DS = gbg116</a:t>
+            </a:r>
+            <a:endParaRPr lang="en-GB" dirty="0">
+              <a:solidFill>
+                <a:schemeClr val="tx1"/>
+              </a:solidFill>
+            </a:endParaRPr>
+          </a:p>
+        </p:txBody>
+      </p:sp>
+    </p:spTree>
+    <p:extLst>
+      <p:ext uri="{BB962C8B-B14F-4D97-AF65-F5344CB8AC3E}">
+        <p14:creationId xmlns:p14="http://schemas.microsoft.com/office/powerpoint/2010/main" val="3633469304"/>
+      </p:ext>
+    </p:extLst>
+  </p:cSld>
+  <p:clrMapOvr>
+    <a:masterClrMapping/>
+  </p:clrMapOvr>
+</p:sld>
+</file>
+
+<file path=ppt/slides/slide31.xml><?xml version="1.0" encoding="utf-8"?>
+<p:sld xmlns:a="http://schemas.openxmlformats.org/drawingml/2006/main" xmlns:r="http://schemas.openxmlformats.org/officeDocument/2006/relationships" xmlns:p="http://schemas.openxmlformats.org/presentationml/2006/main">
+  <p:cSld>
+    <p:bg>
+      <p:bgPr>
+        <a:gradFill rotWithShape="1">
+          <a:gsLst>
+            <a:gs pos="0">
+              <a:schemeClr val="bg2">
+                <a:tint val="90000"/>
+                <a:satMod val="92000"/>
+                <a:lumMod val="120000"/>
+              </a:schemeClr>
+            </a:gs>
+            <a:gs pos="100000">
+              <a:schemeClr val="bg2">
+                <a:shade val="98000"/>
+                <a:satMod val="120000"/>
+                <a:lumMod val="98000"/>
+              </a:schemeClr>
+            </a:gs>
+          </a:gsLst>
+          <a:path path="circle">
+            <a:fillToRect l="50000" t="50000" r="100000" b="100000"/>
+          </a:path>
+        </a:gradFill>
+        <a:effectLst/>
+      </p:bgPr>
+    </p:bg>
+    <p:spTree>
+      <p:nvGrpSpPr>
+        <p:cNvPr id="1" name=""/>
+        <p:cNvGrpSpPr/>
+        <p:nvPr/>
+      </p:nvGrpSpPr>
+      <p:grpSpPr>
+        <a:xfrm>
+          <a:off x="0" y="0"/>
+          <a:ext cx="0" cy="0"/>
+          <a:chOff x="0" y="0"/>
+          <a:chExt cx="0" cy="0"/>
+        </a:xfrm>
+      </p:grpSpPr>
+      <p:grpSp>
+        <p:nvGrpSpPr>
+          <p:cNvPr id="12" name="Group 11">
+            <a:extLst>
+              <a:ext uri="{FF2B5EF4-FFF2-40B4-BE49-F238E27FC236}">
+                <a16:creationId xmlns:a16="http://schemas.microsoft.com/office/drawing/2014/main" id="{51B860BB-F934-4DE1-A930-090DD475F1A9}"/>
+              </a:ext>
+            </a:extLst>
+          </p:cNvPr>
+          <p:cNvGrpSpPr>
+            <a:grpSpLocks noGrp="1" noUngrp="1" noRot="1" noChangeAspect="1" noMove="1" noResize="1"/>
+          </p:cNvGrpSpPr>
+          <p:nvPr>
+            <p:extLst>
+              <p:ext uri="{386F3935-93C4-4BCD-93E2-E3B085C9AB24}">
+                <p16:designElem xmlns:p16="http://schemas.microsoft.com/office/powerpoint/2015/main" val="1"/>
+              </p:ext>
+            </p:extLst>
+          </p:nvPr>
+        </p:nvGrpSpPr>
+        <p:grpSpPr>
+          <a:xfrm>
+            <a:off x="9" y="228600"/>
+            <a:ext cx="2851523" cy="6638625"/>
+            <a:chOff x="2487613" y="285750"/>
+            <a:chExt cx="2428875" cy="5654676"/>
+          </a:xfrm>
+        </p:grpSpPr>
+        <p:sp>
+          <p:nvSpPr>
+            <p:cNvPr id="13" name="Freeform 11">
+              <a:extLst>
+                <a:ext uri="{FF2B5EF4-FFF2-40B4-BE49-F238E27FC236}">
+                  <a16:creationId xmlns:a16="http://schemas.microsoft.com/office/drawing/2014/main" id="{61927C55-8047-466F-9FE4-B42D3D1AFA94}"/>
+                </a:ext>
+              </a:extLst>
+            </p:cNvPr>
+            <p:cNvSpPr/>
+            <p:nvPr>
+              <p:extLst>
+                <p:ext uri="{386F3935-93C4-4BCD-93E2-E3B085C9AB24}">
+                  <p16:designElem xmlns:p16="http://schemas.microsoft.com/office/powerpoint/2015/main" val="1"/>
+                </p:ext>
+              </p:extLst>
+            </p:nvPr>
+          </p:nvSpPr>
+          <p:spPr bwMode="auto">
+            <a:xfrm>
+              <a:off x="2487613" y="2284413"/>
+              <a:ext cx="85725" cy="533400"/>
+            </a:xfrm>
+            <a:custGeom>
+              <a:avLst/>
+              <a:gdLst/>
+              <a:ahLst/>
+              <a:cxnLst/>
+              <a:rect l="0" t="0" r="r" b="b"/>
+              <a:pathLst>
+                <a:path w="22" h="136">
+                  <a:moveTo>
+                    <a:pt x="22" y="136"/>
+                  </a:moveTo>
+                  <a:cubicBezTo>
+                    <a:pt x="20" y="117"/>
+                    <a:pt x="19" y="99"/>
+                    <a:pt x="17" y="80"/>
+                  </a:cubicBezTo>
+                  <a:cubicBezTo>
+                    <a:pt x="11" y="54"/>
+                    <a:pt x="6" y="27"/>
+                    <a:pt x="0" y="0"/>
+                  </a:cubicBezTo>
+                  <a:cubicBezTo>
+                    <a:pt x="0" y="35"/>
+                    <a:pt x="0" y="35"/>
+                    <a:pt x="0" y="35"/>
+                  </a:cubicBezTo>
+                  <a:cubicBezTo>
+                    <a:pt x="6" y="64"/>
+                    <a:pt x="13" y="94"/>
+                    <a:pt x="20" y="124"/>
+                  </a:cubicBezTo>
+                  <a:cubicBezTo>
+                    <a:pt x="20" y="128"/>
+                    <a:pt x="21" y="132"/>
+                    <a:pt x="22" y="136"/>
+                  </a:cubicBezTo>
+                  <a:close/>
+                </a:path>
+              </a:pathLst>
+            </a:custGeom>
+            <a:solidFill>
+              <a:schemeClr val="tx2">
+                <a:alpha val="20000"/>
+              </a:schemeClr>
+            </a:solidFill>
+            <a:ln>
+              <a:noFill/>
+            </a:ln>
+          </p:spPr>
+        </p:sp>
+        <p:sp>
+          <p:nvSpPr>
+            <p:cNvPr id="14" name="Freeform 12">
+              <a:extLst>
+                <a:ext uri="{FF2B5EF4-FFF2-40B4-BE49-F238E27FC236}">
+                  <a16:creationId xmlns:a16="http://schemas.microsoft.com/office/drawing/2014/main" id="{E914D83D-75AE-426B-90AC-E37CBA2BD7FC}"/>
+                </a:ext>
+              </a:extLst>
+            </p:cNvPr>
+            <p:cNvSpPr/>
+            <p:nvPr>
+              <p:extLst>
+                <p:ext uri="{386F3935-93C4-4BCD-93E2-E3B085C9AB24}">
+                  <p16:designElem xmlns:p16="http://schemas.microsoft.com/office/powerpoint/2015/main" val="1"/>
+                </p:ext>
+              </p:extLst>
+            </p:nvPr>
+          </p:nvSpPr>
+          <p:spPr bwMode="auto">
+            <a:xfrm>
+              <a:off x="2597151" y="2779713"/>
+              <a:ext cx="550863" cy="1978025"/>
+            </a:xfrm>
+            <a:custGeom>
+              <a:avLst/>
+              <a:gdLst/>
+              <a:ahLst/>
+              <a:cxnLst/>
+              <a:rect l="0" t="0" r="r" b="b"/>
+              <a:pathLst>
+                <a:path w="140" h="504">
+                  <a:moveTo>
+                    <a:pt x="86" y="350"/>
+                  </a:moveTo>
+                  <a:cubicBezTo>
+                    <a:pt x="103" y="402"/>
+                    <a:pt x="120" y="453"/>
+                    <a:pt x="139" y="504"/>
+                  </a:cubicBezTo>
+                  <a:cubicBezTo>
+                    <a:pt x="139" y="495"/>
+                    <a:pt x="139" y="487"/>
+                    <a:pt x="140" y="478"/>
+                  </a:cubicBezTo>
+                  <a:cubicBezTo>
+                    <a:pt x="124" y="435"/>
+                    <a:pt x="109" y="391"/>
+                    <a:pt x="95" y="347"/>
+                  </a:cubicBezTo>
+                  <a:cubicBezTo>
+                    <a:pt x="58" y="233"/>
+                    <a:pt x="27" y="117"/>
+                    <a:pt x="0" y="0"/>
+                  </a:cubicBezTo>
+                  <a:cubicBezTo>
+                    <a:pt x="2" y="20"/>
+                    <a:pt x="4" y="41"/>
+                    <a:pt x="6" y="61"/>
+                  </a:cubicBezTo>
+                  <a:cubicBezTo>
+                    <a:pt x="30" y="158"/>
+                    <a:pt x="56" y="255"/>
+                    <a:pt x="86" y="350"/>
+                  </a:cubicBezTo>
+                  <a:close/>
+                </a:path>
+              </a:pathLst>
+            </a:custGeom>
+            <a:solidFill>
+              <a:schemeClr val="tx2">
+                <a:alpha val="20000"/>
+              </a:schemeClr>
+            </a:solidFill>
+            <a:ln>
+              <a:noFill/>
+            </a:ln>
+          </p:spPr>
+        </p:sp>
+        <p:sp>
+          <p:nvSpPr>
+            <p:cNvPr id="15" name="Freeform 13">
+              <a:extLst>
+                <a:ext uri="{FF2B5EF4-FFF2-40B4-BE49-F238E27FC236}">
+                  <a16:creationId xmlns:a16="http://schemas.microsoft.com/office/drawing/2014/main" id="{DDB740D6-20EA-4164-9EDB-243B210E8FE8}"/>
+                </a:ext>
+              </a:extLst>
+            </p:cNvPr>
+            <p:cNvSpPr/>
+            <p:nvPr>
+              <p:extLst>
+                <p:ext uri="{386F3935-93C4-4BCD-93E2-E3B085C9AB24}">
+                  <p16:designElem xmlns:p16="http://schemas.microsoft.com/office/powerpoint/2015/main" val="1"/>
+                </p:ext>
+              </p:extLst>
+            </p:nvPr>
+          </p:nvSpPr>
+          <p:spPr bwMode="auto">
+            <a:xfrm>
+              <a:off x="3175001" y="4730750"/>
+              <a:ext cx="519113" cy="1209675"/>
+            </a:xfrm>
+            <a:custGeom>
+              <a:avLst/>
+              <a:gdLst/>
+              <a:ahLst/>
+              <a:cxnLst/>
+              <a:rect l="0" t="0" r="r" b="b"/>
+              <a:pathLst>
+                <a:path w="132" h="308">
+                  <a:moveTo>
+                    <a:pt x="8" y="22"/>
+                  </a:moveTo>
+                  <a:cubicBezTo>
+                    <a:pt x="5" y="15"/>
+                    <a:pt x="2" y="8"/>
+                    <a:pt x="0" y="0"/>
+                  </a:cubicBezTo>
+                  <a:cubicBezTo>
+                    <a:pt x="0" y="10"/>
+                    <a:pt x="0" y="19"/>
+                    <a:pt x="0" y="29"/>
+                  </a:cubicBezTo>
+                  <a:cubicBezTo>
+                    <a:pt x="21" y="85"/>
+                    <a:pt x="44" y="140"/>
+                    <a:pt x="68" y="194"/>
+                  </a:cubicBezTo>
+                  <a:cubicBezTo>
+                    <a:pt x="85" y="232"/>
+                    <a:pt x="104" y="270"/>
+                    <a:pt x="123" y="308"/>
+                  </a:cubicBezTo>
+                  <a:cubicBezTo>
+                    <a:pt x="132" y="308"/>
+                    <a:pt x="132" y="308"/>
+                    <a:pt x="132" y="308"/>
+                  </a:cubicBezTo>
+                  <a:cubicBezTo>
+                    <a:pt x="113" y="269"/>
+                    <a:pt x="94" y="230"/>
+                    <a:pt x="77" y="190"/>
+                  </a:cubicBezTo>
+                  <a:cubicBezTo>
+                    <a:pt x="52" y="135"/>
+                    <a:pt x="29" y="79"/>
+                    <a:pt x="8" y="22"/>
+                  </a:cubicBezTo>
+                  <a:close/>
+                </a:path>
+              </a:pathLst>
+            </a:custGeom>
+            <a:solidFill>
+              <a:schemeClr val="tx2">
+                <a:alpha val="20000"/>
+              </a:schemeClr>
+            </a:solidFill>
+            <a:ln>
+              <a:noFill/>
+            </a:ln>
+          </p:spPr>
+        </p:sp>
+        <p:sp>
+          <p:nvSpPr>
+            <p:cNvPr id="16" name="Freeform 14">
+              <a:extLst>
+                <a:ext uri="{FF2B5EF4-FFF2-40B4-BE49-F238E27FC236}">
+                  <a16:creationId xmlns:a16="http://schemas.microsoft.com/office/drawing/2014/main" id="{0843EF7D-8FF7-4B1B-810B-AA92D132EB54}"/>
+                </a:ext>
+              </a:extLst>
+            </p:cNvPr>
+            <p:cNvSpPr/>
+            <p:nvPr>
+              <p:extLst>
+                <p:ext uri="{386F3935-93C4-4BCD-93E2-E3B085C9AB24}">
+                  <p16:designElem xmlns:p16="http://schemas.microsoft.com/office/powerpoint/2015/main" val="1"/>
+                </p:ext>
+              </p:extLst>
+            </p:nvPr>
+          </p:nvSpPr>
+          <p:spPr bwMode="auto">
+            <a:xfrm>
+              <a:off x="3305176" y="5630863"/>
+              <a:ext cx="146050" cy="309563"/>
+            </a:xfrm>
+            <a:custGeom>
+              <a:avLst/>
+              <a:gdLst/>
+              <a:ahLst/>
+              <a:cxnLst/>
+              <a:rect l="0" t="0" r="r" b="b"/>
+              <a:pathLst>
+                <a:path w="37" h="79">
+                  <a:moveTo>
+                    <a:pt x="28" y="79"/>
+                  </a:moveTo>
+                  <a:cubicBezTo>
+                    <a:pt x="37" y="79"/>
+                    <a:pt x="37" y="79"/>
+                    <a:pt x="37" y="79"/>
+                  </a:cubicBezTo>
+                  <a:cubicBezTo>
+                    <a:pt x="24" y="53"/>
+                    <a:pt x="12" y="27"/>
+                    <a:pt x="0" y="0"/>
+                  </a:cubicBezTo>
+                  <a:cubicBezTo>
+                    <a:pt x="8" y="27"/>
+                    <a:pt x="17" y="53"/>
+                    <a:pt x="28" y="79"/>
+                  </a:cubicBezTo>
+                  <a:close/>
+                </a:path>
+              </a:pathLst>
+            </a:custGeom>
+            <a:solidFill>
+              <a:schemeClr val="tx2">
+                <a:alpha val="20000"/>
+              </a:schemeClr>
+            </a:solidFill>
+            <a:ln>
+              <a:noFill/>
+            </a:ln>
+          </p:spPr>
+        </p:sp>
+        <p:sp>
+          <p:nvSpPr>
+            <p:cNvPr id="17" name="Freeform 15">
+              <a:extLst>
+                <a:ext uri="{FF2B5EF4-FFF2-40B4-BE49-F238E27FC236}">
+                  <a16:creationId xmlns:a16="http://schemas.microsoft.com/office/drawing/2014/main" id="{F995A1BF-26D5-42BA-83D6-B74B0793A820}"/>
+                </a:ext>
+              </a:extLst>
+            </p:cNvPr>
+            <p:cNvSpPr/>
+            <p:nvPr>
+              <p:extLst>
+                <p:ext uri="{386F3935-93C4-4BCD-93E2-E3B085C9AB24}">
+                  <p16:designElem xmlns:p16="http://schemas.microsoft.com/office/powerpoint/2015/main" val="1"/>
+                </p:ext>
+              </p:extLst>
+            </p:nvPr>
+          </p:nvSpPr>
+          <p:spPr bwMode="auto">
+            <a:xfrm>
+              <a:off x="2573338" y="2817813"/>
+              <a:ext cx="700088" cy="2835275"/>
+            </a:xfrm>
+            <a:custGeom>
+              <a:avLst/>
+              <a:gdLst/>
+              <a:ahLst/>
+              <a:cxnLst/>
+              <a:rect l="0" t="0" r="r" b="b"/>
+              <a:pathLst>
+                <a:path w="178" h="722">
+                  <a:moveTo>
+                    <a:pt x="162" y="660"/>
+                  </a:moveTo>
+                  <a:cubicBezTo>
+                    <a:pt x="145" y="618"/>
+                    <a:pt x="130" y="576"/>
+                    <a:pt x="116" y="534"/>
+                  </a:cubicBezTo>
+                  <a:cubicBezTo>
+                    <a:pt x="84" y="437"/>
+                    <a:pt x="59" y="337"/>
+                    <a:pt x="40" y="236"/>
+                  </a:cubicBezTo>
+                  <a:cubicBezTo>
+                    <a:pt x="29" y="175"/>
+                    <a:pt x="20" y="113"/>
+                    <a:pt x="12" y="51"/>
+                  </a:cubicBezTo>
+                  <a:cubicBezTo>
+                    <a:pt x="8" y="34"/>
+                    <a:pt x="4" y="17"/>
+                    <a:pt x="0" y="0"/>
+                  </a:cubicBezTo>
+                  <a:cubicBezTo>
+                    <a:pt x="8" y="79"/>
+                    <a:pt x="19" y="159"/>
+                    <a:pt x="33" y="237"/>
+                  </a:cubicBezTo>
+                  <a:cubicBezTo>
+                    <a:pt x="51" y="339"/>
+                    <a:pt x="76" y="439"/>
+                    <a:pt x="107" y="537"/>
+                  </a:cubicBezTo>
+                  <a:cubicBezTo>
+                    <a:pt x="123" y="586"/>
+                    <a:pt x="141" y="634"/>
+                    <a:pt x="160" y="681"/>
+                  </a:cubicBezTo>
+                  <a:cubicBezTo>
+                    <a:pt x="166" y="695"/>
+                    <a:pt x="172" y="708"/>
+                    <a:pt x="178" y="722"/>
+                  </a:cubicBezTo>
+                  <a:cubicBezTo>
+                    <a:pt x="176" y="717"/>
+                    <a:pt x="175" y="713"/>
+                    <a:pt x="174" y="708"/>
+                  </a:cubicBezTo>
+                  <a:cubicBezTo>
+                    <a:pt x="169" y="692"/>
+                    <a:pt x="165" y="676"/>
+                    <a:pt x="162" y="660"/>
+                  </a:cubicBezTo>
+                  <a:close/>
+                </a:path>
+              </a:pathLst>
+            </a:custGeom>
+            <a:solidFill>
+              <a:schemeClr val="tx2">
+                <a:alpha val="20000"/>
+              </a:schemeClr>
+            </a:solidFill>
+            <a:ln>
+              <a:noFill/>
+            </a:ln>
+          </p:spPr>
+        </p:sp>
+        <p:sp>
+          <p:nvSpPr>
+            <p:cNvPr id="18" name="Freeform 16">
+              <a:extLst>
+                <a:ext uri="{FF2B5EF4-FFF2-40B4-BE49-F238E27FC236}">
+                  <a16:creationId xmlns:a16="http://schemas.microsoft.com/office/drawing/2014/main" id="{706BB22B-358C-43E3-A01E-2CCD2EFD4A98}"/>
+                </a:ext>
+              </a:extLst>
+            </p:cNvPr>
+            <p:cNvSpPr/>
+            <p:nvPr>
+              <p:extLst>
+                <p:ext uri="{386F3935-93C4-4BCD-93E2-E3B085C9AB24}">
+                  <p16:designElem xmlns:p16="http://schemas.microsoft.com/office/powerpoint/2015/main" val="1"/>
+                </p:ext>
+              </p:extLst>
+            </p:nvPr>
+          </p:nvSpPr>
+          <p:spPr bwMode="auto">
+            <a:xfrm>
+              <a:off x="2506663" y="285750"/>
+              <a:ext cx="90488" cy="2493963"/>
+            </a:xfrm>
+            <a:custGeom>
+              <a:avLst/>
+              <a:gdLst/>
+              <a:ahLst/>
+              <a:cxnLst/>
+              <a:rect l="0" t="0" r="r" b="b"/>
+              <a:pathLst>
+                <a:path w="23" h="635">
+                  <a:moveTo>
+                    <a:pt x="11" y="577"/>
+                  </a:moveTo>
+                  <a:cubicBezTo>
+                    <a:pt x="12" y="581"/>
+                    <a:pt x="12" y="585"/>
+                    <a:pt x="12" y="589"/>
+                  </a:cubicBezTo>
+                  <a:cubicBezTo>
+                    <a:pt x="15" y="603"/>
+                    <a:pt x="19" y="617"/>
+                    <a:pt x="22" y="632"/>
+                  </a:cubicBezTo>
+                  <a:cubicBezTo>
+                    <a:pt x="22" y="633"/>
+                    <a:pt x="22" y="634"/>
+                    <a:pt x="23" y="635"/>
+                  </a:cubicBezTo>
+                  <a:cubicBezTo>
+                    <a:pt x="21" y="615"/>
+                    <a:pt x="19" y="596"/>
+                    <a:pt x="17" y="576"/>
+                  </a:cubicBezTo>
+                  <a:cubicBezTo>
+                    <a:pt x="9" y="474"/>
+                    <a:pt x="5" y="372"/>
+                    <a:pt x="5" y="269"/>
+                  </a:cubicBezTo>
+                  <a:cubicBezTo>
+                    <a:pt x="6" y="179"/>
+                    <a:pt x="9" y="90"/>
+                    <a:pt x="15" y="0"/>
+                  </a:cubicBezTo>
+                  <a:cubicBezTo>
+                    <a:pt x="12" y="0"/>
+                    <a:pt x="12" y="0"/>
+                    <a:pt x="12" y="0"/>
+                  </a:cubicBezTo>
+                  <a:cubicBezTo>
+                    <a:pt x="5" y="89"/>
+                    <a:pt x="2" y="179"/>
+                    <a:pt x="1" y="269"/>
+                  </a:cubicBezTo>
+                  <a:cubicBezTo>
+                    <a:pt x="0" y="372"/>
+                    <a:pt x="3" y="474"/>
+                    <a:pt x="11" y="577"/>
+                  </a:cubicBezTo>
+                  <a:close/>
+                </a:path>
+              </a:pathLst>
+            </a:custGeom>
+            <a:solidFill>
+              <a:schemeClr val="tx2">
+                <a:alpha val="20000"/>
+              </a:schemeClr>
+            </a:solidFill>
+            <a:ln>
+              <a:noFill/>
+            </a:ln>
+          </p:spPr>
+        </p:sp>
+        <p:sp>
+          <p:nvSpPr>
+            <p:cNvPr id="19" name="Freeform 17">
+              <a:extLst>
+                <a:ext uri="{FF2B5EF4-FFF2-40B4-BE49-F238E27FC236}">
+                  <a16:creationId xmlns:a16="http://schemas.microsoft.com/office/drawing/2014/main" id="{09828090-C04F-4B25-BD86-CE7A94A34612}"/>
+                </a:ext>
+              </a:extLst>
+            </p:cNvPr>
+            <p:cNvSpPr/>
+            <p:nvPr>
+              <p:extLst>
+                <p:ext uri="{386F3935-93C4-4BCD-93E2-E3B085C9AB24}">
+                  <p16:designElem xmlns:p16="http://schemas.microsoft.com/office/powerpoint/2015/main" val="1"/>
+                </p:ext>
+              </p:extLst>
+            </p:nvPr>
+          </p:nvSpPr>
+          <p:spPr bwMode="auto">
+            <a:xfrm>
+              <a:off x="2554288" y="2598738"/>
+              <a:ext cx="66675" cy="420688"/>
+            </a:xfrm>
+            <a:custGeom>
+              <a:avLst/>
+              <a:gdLst/>
+              <a:ahLst/>
+              <a:cxnLst/>
+              <a:rect l="0" t="0" r="r" b="b"/>
+              <a:pathLst>
+                <a:path w="17" h="107">
+                  <a:moveTo>
+                    <a:pt x="0" y="0"/>
+                  </a:moveTo>
+                  <a:cubicBezTo>
+                    <a:pt x="2" y="19"/>
+                    <a:pt x="3" y="37"/>
+                    <a:pt x="5" y="56"/>
+                  </a:cubicBezTo>
+                  <a:cubicBezTo>
+                    <a:pt x="9" y="73"/>
+                    <a:pt x="13" y="90"/>
+                    <a:pt x="17" y="107"/>
+                  </a:cubicBezTo>
+                  <a:cubicBezTo>
+                    <a:pt x="15" y="87"/>
+                    <a:pt x="13" y="66"/>
+                    <a:pt x="11" y="46"/>
+                  </a:cubicBezTo>
+                  <a:cubicBezTo>
+                    <a:pt x="10" y="45"/>
+                    <a:pt x="10" y="44"/>
+                    <a:pt x="10" y="43"/>
+                  </a:cubicBezTo>
+                  <a:cubicBezTo>
+                    <a:pt x="7" y="28"/>
+                    <a:pt x="3" y="14"/>
+                    <a:pt x="0" y="0"/>
+                  </a:cubicBezTo>
+                  <a:close/>
+                </a:path>
+              </a:pathLst>
+            </a:custGeom>
+            <a:solidFill>
+              <a:schemeClr val="tx2">
+                <a:alpha val="20000"/>
+              </a:schemeClr>
+            </a:solidFill>
+            <a:ln>
+              <a:noFill/>
+            </a:ln>
+          </p:spPr>
+        </p:sp>
+        <p:sp>
+          <p:nvSpPr>
+            <p:cNvPr id="20" name="Freeform 18">
+              <a:extLst>
+                <a:ext uri="{FF2B5EF4-FFF2-40B4-BE49-F238E27FC236}">
+                  <a16:creationId xmlns:a16="http://schemas.microsoft.com/office/drawing/2014/main" id="{B062093C-CFDD-4759-8CD6-EB2CCD1DBC7A}"/>
+                </a:ext>
+              </a:extLst>
+            </p:cNvPr>
+            <p:cNvSpPr/>
+            <p:nvPr>
+              <p:extLst>
+                <p:ext uri="{386F3935-93C4-4BCD-93E2-E3B085C9AB24}">
+                  <p16:designElem xmlns:p16="http://schemas.microsoft.com/office/powerpoint/2015/main" val="1"/>
+                </p:ext>
+              </p:extLst>
+            </p:nvPr>
+          </p:nvSpPr>
+          <p:spPr bwMode="auto">
+            <a:xfrm>
+              <a:off x="3143251" y="4757738"/>
+              <a:ext cx="161925" cy="873125"/>
+            </a:xfrm>
+            <a:custGeom>
+              <a:avLst/>
+              <a:gdLst/>
+              <a:ahLst/>
+              <a:cxnLst/>
+              <a:rect l="0" t="0" r="r" b="b"/>
+              <a:pathLst>
+                <a:path w="41" h="222">
+                  <a:moveTo>
+                    <a:pt x="0" y="0"/>
+                  </a:moveTo>
+                  <a:cubicBezTo>
+                    <a:pt x="0" y="31"/>
+                    <a:pt x="2" y="62"/>
+                    <a:pt x="5" y="93"/>
+                  </a:cubicBezTo>
+                  <a:cubicBezTo>
+                    <a:pt x="8" y="117"/>
+                    <a:pt x="12" y="142"/>
+                    <a:pt x="17" y="166"/>
+                  </a:cubicBezTo>
+                  <a:cubicBezTo>
+                    <a:pt x="19" y="172"/>
+                    <a:pt x="22" y="178"/>
+                    <a:pt x="24" y="184"/>
+                  </a:cubicBezTo>
+                  <a:cubicBezTo>
+                    <a:pt x="30" y="197"/>
+                    <a:pt x="35" y="209"/>
+                    <a:pt x="41" y="222"/>
+                  </a:cubicBezTo>
+                  <a:cubicBezTo>
+                    <a:pt x="40" y="219"/>
+                    <a:pt x="39" y="215"/>
+                    <a:pt x="38" y="212"/>
+                  </a:cubicBezTo>
+                  <a:cubicBezTo>
+                    <a:pt x="26" y="172"/>
+                    <a:pt x="18" y="132"/>
+                    <a:pt x="13" y="92"/>
+                  </a:cubicBezTo>
+                  <a:cubicBezTo>
+                    <a:pt x="11" y="68"/>
+                    <a:pt x="9" y="45"/>
+                    <a:pt x="8" y="22"/>
+                  </a:cubicBezTo>
+                  <a:cubicBezTo>
+                    <a:pt x="8" y="21"/>
+                    <a:pt x="7" y="20"/>
+                    <a:pt x="7" y="18"/>
+                  </a:cubicBezTo>
+                  <a:cubicBezTo>
+                    <a:pt x="5" y="12"/>
+                    <a:pt x="2" y="6"/>
+                    <a:pt x="0" y="0"/>
+                  </a:cubicBezTo>
+                  <a:close/>
+                </a:path>
+              </a:pathLst>
+            </a:custGeom>
+            <a:solidFill>
+              <a:schemeClr val="tx2">
+                <a:alpha val="20000"/>
+              </a:schemeClr>
+            </a:solidFill>
+            <a:ln>
+              <a:noFill/>
+            </a:ln>
+          </p:spPr>
+        </p:sp>
+        <p:sp>
+          <p:nvSpPr>
+            <p:cNvPr id="21" name="Freeform 19">
+              <a:extLst>
+                <a:ext uri="{FF2B5EF4-FFF2-40B4-BE49-F238E27FC236}">
+                  <a16:creationId xmlns:a16="http://schemas.microsoft.com/office/drawing/2014/main" id="{FB33C2A8-7609-427D-BC55-13F956201866}"/>
+                </a:ext>
+              </a:extLst>
+            </p:cNvPr>
+            <p:cNvSpPr/>
+            <p:nvPr>
+              <p:extLst>
+                <p:ext uri="{386F3935-93C4-4BCD-93E2-E3B085C9AB24}">
+                  <p16:designElem xmlns:p16="http://schemas.microsoft.com/office/powerpoint/2015/main" val="1"/>
+                </p:ext>
+              </p:extLst>
+            </p:nvPr>
+          </p:nvSpPr>
+          <p:spPr bwMode="auto">
+            <a:xfrm>
+              <a:off x="3148013" y="1282700"/>
+              <a:ext cx="1768475" cy="3448050"/>
+            </a:xfrm>
+            <a:custGeom>
+              <a:avLst/>
+              <a:gdLst/>
+              <a:ahLst/>
+              <a:cxnLst/>
+              <a:rect l="0" t="0" r="r" b="b"/>
+              <a:pathLst>
+                <a:path w="450" h="878">
+                  <a:moveTo>
+                    <a:pt x="7" y="854"/>
+                  </a:moveTo>
+                  <a:cubicBezTo>
+                    <a:pt x="10" y="772"/>
+                    <a:pt x="26" y="691"/>
+                    <a:pt x="50" y="613"/>
+                  </a:cubicBezTo>
+                  <a:cubicBezTo>
+                    <a:pt x="75" y="535"/>
+                    <a:pt x="109" y="460"/>
+                    <a:pt x="149" y="388"/>
+                  </a:cubicBezTo>
+                  <a:cubicBezTo>
+                    <a:pt x="189" y="316"/>
+                    <a:pt x="235" y="248"/>
+                    <a:pt x="285" y="183"/>
+                  </a:cubicBezTo>
+                  <a:cubicBezTo>
+                    <a:pt x="310" y="151"/>
+                    <a:pt x="337" y="119"/>
+                    <a:pt x="364" y="89"/>
+                  </a:cubicBezTo>
+                  <a:cubicBezTo>
+                    <a:pt x="378" y="74"/>
+                    <a:pt x="392" y="58"/>
+                    <a:pt x="406" y="44"/>
+                  </a:cubicBezTo>
+                  <a:cubicBezTo>
+                    <a:pt x="421" y="29"/>
+                    <a:pt x="435" y="15"/>
+                    <a:pt x="450" y="1"/>
+                  </a:cubicBezTo>
+                  <a:cubicBezTo>
+                    <a:pt x="450" y="0"/>
+                    <a:pt x="450" y="0"/>
+                    <a:pt x="450" y="0"/>
+                  </a:cubicBezTo>
+                  <a:cubicBezTo>
+                    <a:pt x="434" y="14"/>
+                    <a:pt x="420" y="28"/>
+                    <a:pt x="405" y="43"/>
+                  </a:cubicBezTo>
+                  <a:cubicBezTo>
+                    <a:pt x="391" y="57"/>
+                    <a:pt x="377" y="72"/>
+                    <a:pt x="363" y="88"/>
+                  </a:cubicBezTo>
+                  <a:cubicBezTo>
+                    <a:pt x="335" y="118"/>
+                    <a:pt x="308" y="149"/>
+                    <a:pt x="283" y="181"/>
+                  </a:cubicBezTo>
+                  <a:cubicBezTo>
+                    <a:pt x="232" y="246"/>
+                    <a:pt x="185" y="314"/>
+                    <a:pt x="145" y="386"/>
+                  </a:cubicBezTo>
+                  <a:cubicBezTo>
+                    <a:pt x="104" y="457"/>
+                    <a:pt x="70" y="533"/>
+                    <a:pt x="45" y="611"/>
+                  </a:cubicBezTo>
+                  <a:cubicBezTo>
+                    <a:pt x="19" y="690"/>
+                    <a:pt x="3" y="771"/>
+                    <a:pt x="0" y="854"/>
+                  </a:cubicBezTo>
+                  <a:cubicBezTo>
+                    <a:pt x="0" y="856"/>
+                    <a:pt x="0" y="857"/>
+                    <a:pt x="0" y="859"/>
+                  </a:cubicBezTo>
+                  <a:cubicBezTo>
+                    <a:pt x="2" y="865"/>
+                    <a:pt x="4" y="872"/>
+                    <a:pt x="7" y="878"/>
+                  </a:cubicBezTo>
+                  <a:cubicBezTo>
+                    <a:pt x="7" y="870"/>
+                    <a:pt x="7" y="862"/>
+                    <a:pt x="7" y="854"/>
+                  </a:cubicBezTo>
+                  <a:close/>
+                </a:path>
+              </a:pathLst>
+            </a:custGeom>
+            <a:solidFill>
+              <a:schemeClr val="tx2">
+                <a:alpha val="20000"/>
+              </a:schemeClr>
+            </a:solidFill>
+            <a:ln>
+              <a:noFill/>
+            </a:ln>
+          </p:spPr>
+        </p:sp>
+        <p:sp>
+          <p:nvSpPr>
+            <p:cNvPr id="22" name="Freeform 20">
+              <a:extLst>
+                <a:ext uri="{FF2B5EF4-FFF2-40B4-BE49-F238E27FC236}">
+                  <a16:creationId xmlns:a16="http://schemas.microsoft.com/office/drawing/2014/main" id="{9FF51B36-24F3-42B4-9ACD-2B83F4B570F6}"/>
+                </a:ext>
+              </a:extLst>
+            </p:cNvPr>
+            <p:cNvSpPr/>
+            <p:nvPr>
+              <p:extLst>
+                <p:ext uri="{386F3935-93C4-4BCD-93E2-E3B085C9AB24}">
+                  <p16:designElem xmlns:p16="http://schemas.microsoft.com/office/powerpoint/2015/main" val="1"/>
+                </p:ext>
+              </p:extLst>
+            </p:nvPr>
+          </p:nvSpPr>
+          <p:spPr bwMode="auto">
+            <a:xfrm>
+              <a:off x="3273426" y="5653088"/>
+              <a:ext cx="138113" cy="287338"/>
+            </a:xfrm>
+            <a:custGeom>
+              <a:avLst/>
+              <a:gdLst/>
+              <a:ahLst/>
+              <a:cxnLst/>
+              <a:rect l="0" t="0" r="r" b="b"/>
+              <a:pathLst>
+                <a:path w="35" h="73">
+                  <a:moveTo>
+                    <a:pt x="0" y="0"/>
+                  </a:moveTo>
+                  <a:cubicBezTo>
+                    <a:pt x="7" y="24"/>
+                    <a:pt x="16" y="49"/>
+                    <a:pt x="26" y="73"/>
+                  </a:cubicBezTo>
+                  <a:cubicBezTo>
+                    <a:pt x="35" y="73"/>
+                    <a:pt x="35" y="73"/>
+                    <a:pt x="35" y="73"/>
+                  </a:cubicBezTo>
+                  <a:cubicBezTo>
+                    <a:pt x="23" y="49"/>
+                    <a:pt x="11" y="24"/>
+                    <a:pt x="0" y="0"/>
+                  </a:cubicBezTo>
+                  <a:close/>
+                </a:path>
+              </a:pathLst>
+            </a:custGeom>
+            <a:solidFill>
+              <a:schemeClr val="tx2">
+                <a:alpha val="20000"/>
+              </a:schemeClr>
+            </a:solidFill>
+            <a:ln>
+              <a:noFill/>
+            </a:ln>
+          </p:spPr>
+        </p:sp>
+        <p:sp>
+          <p:nvSpPr>
+            <p:cNvPr id="23" name="Freeform 21">
+              <a:extLst>
+                <a:ext uri="{FF2B5EF4-FFF2-40B4-BE49-F238E27FC236}">
+                  <a16:creationId xmlns:a16="http://schemas.microsoft.com/office/drawing/2014/main" id="{6EBCB31E-7CBF-45FC-B7A3-7FE8E8C8A386}"/>
+                </a:ext>
+              </a:extLst>
+            </p:cNvPr>
+            <p:cNvSpPr/>
+            <p:nvPr>
+              <p:extLst>
+                <p:ext uri="{386F3935-93C4-4BCD-93E2-E3B085C9AB24}">
+                  <p16:designElem xmlns:p16="http://schemas.microsoft.com/office/powerpoint/2015/main" val="1"/>
+                </p:ext>
+              </p:extLst>
+            </p:nvPr>
+          </p:nvSpPr>
+          <p:spPr bwMode="auto">
+            <a:xfrm>
+              <a:off x="3143251" y="4656138"/>
+              <a:ext cx="31750" cy="188913"/>
+            </a:xfrm>
+            <a:custGeom>
+              <a:avLst/>
+              <a:gdLst/>
+              <a:ahLst/>
+              <a:cxnLst/>
+              <a:rect l="0" t="0" r="r" b="b"/>
+              <a:pathLst>
+                <a:path w="8" h="48">
+                  <a:moveTo>
+                    <a:pt x="7" y="44"/>
+                  </a:moveTo>
+                  <a:cubicBezTo>
+                    <a:pt x="7" y="46"/>
+                    <a:pt x="8" y="47"/>
+                    <a:pt x="8" y="48"/>
+                  </a:cubicBezTo>
+                  <a:cubicBezTo>
+                    <a:pt x="8" y="38"/>
+                    <a:pt x="8" y="29"/>
+                    <a:pt x="8" y="19"/>
+                  </a:cubicBezTo>
+                  <a:cubicBezTo>
+                    <a:pt x="5" y="13"/>
+                    <a:pt x="3" y="6"/>
+                    <a:pt x="1" y="0"/>
+                  </a:cubicBezTo>
+                  <a:cubicBezTo>
+                    <a:pt x="0" y="9"/>
+                    <a:pt x="0" y="17"/>
+                    <a:pt x="0" y="26"/>
+                  </a:cubicBezTo>
+                  <a:cubicBezTo>
+                    <a:pt x="2" y="32"/>
+                    <a:pt x="5" y="38"/>
+                    <a:pt x="7" y="44"/>
+                  </a:cubicBezTo>
+                  <a:close/>
+                </a:path>
+              </a:pathLst>
+            </a:custGeom>
+            <a:solidFill>
+              <a:schemeClr val="tx2">
+                <a:alpha val="20000"/>
+              </a:schemeClr>
+            </a:solidFill>
+            <a:ln>
+              <a:noFill/>
+            </a:ln>
+          </p:spPr>
+        </p:sp>
+        <p:sp>
+          <p:nvSpPr>
+            <p:cNvPr id="24" name="Freeform 22">
+              <a:extLst>
+                <a:ext uri="{FF2B5EF4-FFF2-40B4-BE49-F238E27FC236}">
+                  <a16:creationId xmlns:a16="http://schemas.microsoft.com/office/drawing/2014/main" id="{404CB86A-82A5-40B9-8D4B-159ED1A3CE41}"/>
+                </a:ext>
+              </a:extLst>
+            </p:cNvPr>
+            <p:cNvSpPr/>
+            <p:nvPr>
+              <p:extLst>
+                <p:ext uri="{386F3935-93C4-4BCD-93E2-E3B085C9AB24}">
+                  <p16:designElem xmlns:p16="http://schemas.microsoft.com/office/powerpoint/2015/main" val="1"/>
+                </p:ext>
+              </p:extLst>
+            </p:nvPr>
+          </p:nvSpPr>
+          <p:spPr bwMode="auto">
+            <a:xfrm>
+              <a:off x="3211513" y="5410200"/>
+              <a:ext cx="203200" cy="530225"/>
+            </a:xfrm>
+            <a:custGeom>
+              <a:avLst/>
+              <a:gdLst/>
+              <a:ahLst/>
+              <a:cxnLst/>
+              <a:rect l="0" t="0" r="r" b="b"/>
+              <a:pathLst>
+                <a:path w="52" h="135">
+                  <a:moveTo>
+                    <a:pt x="7" y="18"/>
+                  </a:moveTo>
+                  <a:cubicBezTo>
+                    <a:pt x="5" y="12"/>
+                    <a:pt x="2" y="6"/>
+                    <a:pt x="0" y="0"/>
+                  </a:cubicBezTo>
+                  <a:cubicBezTo>
+                    <a:pt x="3" y="16"/>
+                    <a:pt x="7" y="32"/>
+                    <a:pt x="12" y="48"/>
+                  </a:cubicBezTo>
+                  <a:cubicBezTo>
+                    <a:pt x="13" y="53"/>
+                    <a:pt x="14" y="57"/>
+                    <a:pt x="16" y="62"/>
+                  </a:cubicBezTo>
+                  <a:cubicBezTo>
+                    <a:pt x="27" y="86"/>
+                    <a:pt x="39" y="111"/>
+                    <a:pt x="51" y="135"/>
+                  </a:cubicBezTo>
+                  <a:cubicBezTo>
+                    <a:pt x="52" y="135"/>
+                    <a:pt x="52" y="135"/>
+                    <a:pt x="52" y="135"/>
+                  </a:cubicBezTo>
+                  <a:cubicBezTo>
+                    <a:pt x="41" y="109"/>
+                    <a:pt x="32" y="83"/>
+                    <a:pt x="24" y="56"/>
+                  </a:cubicBezTo>
+                  <a:cubicBezTo>
+                    <a:pt x="18" y="43"/>
+                    <a:pt x="13" y="31"/>
+                    <a:pt x="7" y="18"/>
+                  </a:cubicBezTo>
+                  <a:close/>
+                </a:path>
+              </a:pathLst>
+            </a:custGeom>
+            <a:solidFill>
+              <a:schemeClr val="tx2">
+                <a:alpha val="20000"/>
+              </a:schemeClr>
+            </a:solidFill>
+            <a:ln>
+              <a:noFill/>
+            </a:ln>
+          </p:spPr>
+        </p:sp>
+      </p:grpSp>
+      <p:grpSp>
+        <p:nvGrpSpPr>
+          <p:cNvPr id="26" name="Group 25">
+            <a:extLst>
+              <a:ext uri="{FF2B5EF4-FFF2-40B4-BE49-F238E27FC236}">
+                <a16:creationId xmlns:a16="http://schemas.microsoft.com/office/drawing/2014/main" id="{DD17BCFA-C80F-4670-B8B9-034B5B1C8BA8}"/>
+              </a:ext>
+            </a:extLst>
+          </p:cNvPr>
+          <p:cNvGrpSpPr>
+            <a:grpSpLocks noGrp="1" noUngrp="1" noRot="1" noChangeAspect="1" noMove="1" noResize="1"/>
+          </p:cNvGrpSpPr>
+          <p:nvPr>
+            <p:extLst>
+              <p:ext uri="{386F3935-93C4-4BCD-93E2-E3B085C9AB24}">
+                <p16:designElem xmlns:p16="http://schemas.microsoft.com/office/powerpoint/2015/main" val="1"/>
+              </p:ext>
+            </p:extLst>
+          </p:nvPr>
+        </p:nvGrpSpPr>
+        <p:grpSpPr>
+          <a:xfrm>
+            <a:off x="27224" y="-32"/>
+            <a:ext cx="2356675" cy="6853285"/>
+            <a:chOff x="6627813" y="195454"/>
+            <a:chExt cx="1952625" cy="5678297"/>
+          </a:xfrm>
+        </p:grpSpPr>
+        <p:sp>
+          <p:nvSpPr>
+            <p:cNvPr id="27" name="Freeform 27">
+              <a:extLst>
+                <a:ext uri="{FF2B5EF4-FFF2-40B4-BE49-F238E27FC236}">
+                  <a16:creationId xmlns:a16="http://schemas.microsoft.com/office/drawing/2014/main" id="{F705DA76-B301-4098-9966-310A00C312E3}"/>
+                </a:ext>
+              </a:extLst>
+            </p:cNvPr>
+            <p:cNvSpPr/>
+            <p:nvPr>
+              <p:extLst>
+                <p:ext uri="{386F3935-93C4-4BCD-93E2-E3B085C9AB24}">
+                  <p16:designElem xmlns:p16="http://schemas.microsoft.com/office/powerpoint/2015/main" val="1"/>
+                </p:ext>
+              </p:extLst>
+            </p:nvPr>
+          </p:nvSpPr>
+          <p:spPr bwMode="auto">
+            <a:xfrm>
+              <a:off x="6627813" y="195454"/>
+              <a:ext cx="409575" cy="3646488"/>
+            </a:xfrm>
+            <a:custGeom>
+              <a:avLst/>
+              <a:gdLst/>
+              <a:ahLst/>
+              <a:cxnLst/>
+              <a:rect l="0" t="0" r="r" b="b"/>
+              <a:pathLst>
+                <a:path w="103" h="920">
+                  <a:moveTo>
+                    <a:pt x="7" y="210"/>
+                  </a:moveTo>
+                  <a:cubicBezTo>
+                    <a:pt x="11" y="288"/>
+                    <a:pt x="17" y="367"/>
+                    <a:pt x="26" y="445"/>
+                  </a:cubicBezTo>
+                  <a:cubicBezTo>
+                    <a:pt x="34" y="523"/>
+                    <a:pt x="44" y="601"/>
+                    <a:pt x="57" y="679"/>
+                  </a:cubicBezTo>
+                  <a:cubicBezTo>
+                    <a:pt x="69" y="757"/>
+                    <a:pt x="84" y="834"/>
+                    <a:pt x="101" y="911"/>
+                  </a:cubicBezTo>
+                  <a:cubicBezTo>
+                    <a:pt x="102" y="914"/>
+                    <a:pt x="103" y="917"/>
+                    <a:pt x="103" y="920"/>
+                  </a:cubicBezTo>
+                  <a:cubicBezTo>
+                    <a:pt x="102" y="905"/>
+                    <a:pt x="100" y="889"/>
+                    <a:pt x="99" y="874"/>
+                  </a:cubicBezTo>
+                  <a:cubicBezTo>
+                    <a:pt x="99" y="871"/>
+                    <a:pt x="99" y="868"/>
+                    <a:pt x="99" y="866"/>
+                  </a:cubicBezTo>
+                  <a:cubicBezTo>
+                    <a:pt x="85" y="803"/>
+                    <a:pt x="73" y="741"/>
+                    <a:pt x="63" y="678"/>
+                  </a:cubicBezTo>
+                  <a:cubicBezTo>
+                    <a:pt x="50" y="600"/>
+                    <a:pt x="39" y="523"/>
+                    <a:pt x="30" y="444"/>
+                  </a:cubicBezTo>
+                  <a:cubicBezTo>
+                    <a:pt x="21" y="366"/>
+                    <a:pt x="14" y="288"/>
+                    <a:pt x="9" y="209"/>
+                  </a:cubicBezTo>
+                  <a:cubicBezTo>
+                    <a:pt x="7" y="170"/>
+                    <a:pt x="5" y="131"/>
+                    <a:pt x="3" y="92"/>
+                  </a:cubicBezTo>
+                  <a:cubicBezTo>
+                    <a:pt x="2" y="61"/>
+                    <a:pt x="1" y="31"/>
+                    <a:pt x="1" y="0"/>
+                  </a:cubicBezTo>
+                  <a:cubicBezTo>
+                    <a:pt x="0" y="0"/>
+                    <a:pt x="0" y="0"/>
+                    <a:pt x="0" y="0"/>
+                  </a:cubicBezTo>
+                  <a:cubicBezTo>
+                    <a:pt x="0" y="31"/>
+                    <a:pt x="1" y="61"/>
+                    <a:pt x="1" y="92"/>
+                  </a:cubicBezTo>
+                  <a:cubicBezTo>
+                    <a:pt x="3" y="131"/>
+                    <a:pt x="4" y="170"/>
+                    <a:pt x="7" y="210"/>
+                  </a:cubicBezTo>
+                  <a:close/>
+                </a:path>
+              </a:pathLst>
+            </a:custGeom>
+            <a:solidFill>
+              <a:schemeClr val="tx2"/>
+            </a:solidFill>
+            <a:ln>
+              <a:noFill/>
+            </a:ln>
+          </p:spPr>
+        </p:sp>
+        <p:sp>
+          <p:nvSpPr>
+            <p:cNvPr id="28" name="Freeform 28">
+              <a:extLst>
+                <a:ext uri="{FF2B5EF4-FFF2-40B4-BE49-F238E27FC236}">
+                  <a16:creationId xmlns:a16="http://schemas.microsoft.com/office/drawing/2014/main" id="{7484AECD-B027-45E9-8764-6E1A4A4A0D9B}"/>
+                </a:ext>
+              </a:extLst>
+            </p:cNvPr>
+            <p:cNvSpPr/>
+            <p:nvPr>
+              <p:extLst>
+                <p:ext uri="{386F3935-93C4-4BCD-93E2-E3B085C9AB24}">
+                  <p16:designElem xmlns:p16="http://schemas.microsoft.com/office/powerpoint/2015/main" val="1"/>
+                </p:ext>
+              </p:extLst>
+            </p:nvPr>
+          </p:nvSpPr>
+          <p:spPr bwMode="auto">
+            <a:xfrm>
+              <a:off x="7061201" y="3771900"/>
+              <a:ext cx="350838" cy="1309688"/>
+            </a:xfrm>
+            <a:custGeom>
+              <a:avLst/>
+              <a:gdLst/>
+              <a:ahLst/>
+              <a:cxnLst/>
+              <a:rect l="0" t="0" r="r" b="b"/>
+              <a:pathLst>
+                <a:path w="88" h="330">
+                  <a:moveTo>
+                    <a:pt x="53" y="229"/>
+                  </a:moveTo>
+                  <a:cubicBezTo>
+                    <a:pt x="64" y="263"/>
+                    <a:pt x="75" y="297"/>
+                    <a:pt x="88" y="330"/>
+                  </a:cubicBezTo>
+                  <a:cubicBezTo>
+                    <a:pt x="88" y="323"/>
+                    <a:pt x="88" y="315"/>
+                    <a:pt x="88" y="308"/>
+                  </a:cubicBezTo>
+                  <a:cubicBezTo>
+                    <a:pt x="88" y="307"/>
+                    <a:pt x="88" y="305"/>
+                    <a:pt x="88" y="304"/>
+                  </a:cubicBezTo>
+                  <a:cubicBezTo>
+                    <a:pt x="79" y="278"/>
+                    <a:pt x="70" y="252"/>
+                    <a:pt x="62" y="226"/>
+                  </a:cubicBezTo>
+                  <a:cubicBezTo>
+                    <a:pt x="38" y="152"/>
+                    <a:pt x="17" y="76"/>
+                    <a:pt x="0" y="0"/>
+                  </a:cubicBezTo>
+                  <a:cubicBezTo>
+                    <a:pt x="2" y="21"/>
+                    <a:pt x="4" y="42"/>
+                    <a:pt x="7" y="63"/>
+                  </a:cubicBezTo>
+                  <a:cubicBezTo>
+                    <a:pt x="21" y="119"/>
+                    <a:pt x="36" y="174"/>
+                    <a:pt x="53" y="229"/>
+                  </a:cubicBezTo>
+                  <a:close/>
+                </a:path>
+              </a:pathLst>
+            </a:custGeom>
+            <a:solidFill>
+              <a:schemeClr val="tx2"/>
+            </a:solidFill>
+            <a:ln>
+              <a:noFill/>
+            </a:ln>
+          </p:spPr>
+        </p:sp>
+        <p:sp>
+          <p:nvSpPr>
+            <p:cNvPr id="29" name="Freeform 29">
+              <a:extLst>
+                <a:ext uri="{FF2B5EF4-FFF2-40B4-BE49-F238E27FC236}">
+                  <a16:creationId xmlns:a16="http://schemas.microsoft.com/office/drawing/2014/main" id="{CB341AF9-DEB1-42CB-8D1D-F262CFE465D8}"/>
+                </a:ext>
+              </a:extLst>
+            </p:cNvPr>
+            <p:cNvSpPr/>
+            <p:nvPr>
+              <p:extLst>
+                <p:ext uri="{386F3935-93C4-4BCD-93E2-E3B085C9AB24}">
+                  <p16:designElem xmlns:p16="http://schemas.microsoft.com/office/powerpoint/2015/main" val="1"/>
+                </p:ext>
+              </p:extLst>
+            </p:nvPr>
+          </p:nvSpPr>
+          <p:spPr bwMode="auto">
+            <a:xfrm>
+              <a:off x="7439026" y="5053013"/>
+              <a:ext cx="357188" cy="820738"/>
+            </a:xfrm>
+            <a:custGeom>
+              <a:avLst/>
+              <a:gdLst/>
+              <a:ahLst/>
+              <a:cxnLst/>
+              <a:rect l="0" t="0" r="r" b="b"/>
+              <a:pathLst>
+                <a:path w="90" h="207">
+                  <a:moveTo>
+                    <a:pt x="6" y="15"/>
+                  </a:moveTo>
+                  <a:cubicBezTo>
+                    <a:pt x="4" y="10"/>
+                    <a:pt x="2" y="5"/>
+                    <a:pt x="0" y="0"/>
+                  </a:cubicBezTo>
+                  <a:cubicBezTo>
+                    <a:pt x="0" y="9"/>
+                    <a:pt x="0" y="19"/>
+                    <a:pt x="1" y="29"/>
+                  </a:cubicBezTo>
+                  <a:cubicBezTo>
+                    <a:pt x="14" y="62"/>
+                    <a:pt x="27" y="95"/>
+                    <a:pt x="42" y="127"/>
+                  </a:cubicBezTo>
+                  <a:cubicBezTo>
+                    <a:pt x="54" y="154"/>
+                    <a:pt x="67" y="181"/>
+                    <a:pt x="80" y="207"/>
+                  </a:cubicBezTo>
+                  <a:cubicBezTo>
+                    <a:pt x="90" y="207"/>
+                    <a:pt x="90" y="207"/>
+                    <a:pt x="90" y="207"/>
+                  </a:cubicBezTo>
+                  <a:cubicBezTo>
+                    <a:pt x="76" y="180"/>
+                    <a:pt x="63" y="152"/>
+                    <a:pt x="50" y="123"/>
+                  </a:cubicBezTo>
+                  <a:cubicBezTo>
+                    <a:pt x="34" y="88"/>
+                    <a:pt x="20" y="51"/>
+                    <a:pt x="6" y="15"/>
+                  </a:cubicBezTo>
+                  <a:close/>
+                </a:path>
+              </a:pathLst>
+            </a:custGeom>
+            <a:solidFill>
+              <a:schemeClr val="tx2"/>
+            </a:solidFill>
+            <a:ln>
+              <a:noFill/>
+            </a:ln>
+          </p:spPr>
+        </p:sp>
+        <p:sp>
+          <p:nvSpPr>
+            <p:cNvPr id="30" name="Freeform 30">
+              <a:extLst>
+                <a:ext uri="{FF2B5EF4-FFF2-40B4-BE49-F238E27FC236}">
+                  <a16:creationId xmlns:a16="http://schemas.microsoft.com/office/drawing/2014/main" id="{1C7213C3-CCDC-48BD-BF51-7AB8EE57A101}"/>
+                </a:ext>
+              </a:extLst>
+            </p:cNvPr>
+            <p:cNvSpPr/>
+            <p:nvPr>
+              <p:extLst>
+                <p:ext uri="{386F3935-93C4-4BCD-93E2-E3B085C9AB24}">
+                  <p16:designElem xmlns:p16="http://schemas.microsoft.com/office/powerpoint/2015/main" val="1"/>
+                </p:ext>
+              </p:extLst>
+            </p:nvPr>
+          </p:nvSpPr>
+          <p:spPr bwMode="auto">
+            <a:xfrm>
+              <a:off x="7037388" y="3811588"/>
+              <a:ext cx="457200" cy="1852613"/>
+            </a:xfrm>
+            <a:custGeom>
+              <a:avLst/>
+              <a:gdLst/>
+              <a:ahLst/>
+              <a:cxnLst/>
+              <a:rect l="0" t="0" r="r" b="b"/>
+              <a:pathLst>
+                <a:path w="115" h="467">
+                  <a:moveTo>
+                    <a:pt x="101" y="409"/>
+                  </a:moveTo>
+                  <a:cubicBezTo>
+                    <a:pt x="93" y="388"/>
+                    <a:pt x="85" y="366"/>
+                    <a:pt x="78" y="344"/>
+                  </a:cubicBezTo>
+                  <a:cubicBezTo>
+                    <a:pt x="57" y="281"/>
+                    <a:pt x="41" y="216"/>
+                    <a:pt x="29" y="151"/>
+                  </a:cubicBezTo>
+                  <a:cubicBezTo>
+                    <a:pt x="22" y="119"/>
+                    <a:pt x="17" y="86"/>
+                    <a:pt x="13" y="53"/>
+                  </a:cubicBezTo>
+                  <a:cubicBezTo>
+                    <a:pt x="9" y="35"/>
+                    <a:pt x="4" y="18"/>
+                    <a:pt x="0" y="0"/>
+                  </a:cubicBezTo>
+                  <a:cubicBezTo>
+                    <a:pt x="5" y="51"/>
+                    <a:pt x="12" y="102"/>
+                    <a:pt x="21" y="152"/>
+                  </a:cubicBezTo>
+                  <a:cubicBezTo>
+                    <a:pt x="33" y="218"/>
+                    <a:pt x="49" y="283"/>
+                    <a:pt x="69" y="347"/>
+                  </a:cubicBezTo>
+                  <a:cubicBezTo>
+                    <a:pt x="79" y="378"/>
+                    <a:pt x="90" y="410"/>
+                    <a:pt x="103" y="441"/>
+                  </a:cubicBezTo>
+                  <a:cubicBezTo>
+                    <a:pt x="107" y="449"/>
+                    <a:pt x="111" y="458"/>
+                    <a:pt x="115" y="467"/>
+                  </a:cubicBezTo>
+                  <a:cubicBezTo>
+                    <a:pt x="114" y="464"/>
+                    <a:pt x="113" y="461"/>
+                    <a:pt x="112" y="458"/>
+                  </a:cubicBezTo>
+                  <a:cubicBezTo>
+                    <a:pt x="108" y="442"/>
+                    <a:pt x="104" y="425"/>
+                    <a:pt x="101" y="409"/>
+                  </a:cubicBezTo>
+                  <a:close/>
+                </a:path>
+              </a:pathLst>
+            </a:custGeom>
+            <a:solidFill>
+              <a:schemeClr val="tx2"/>
+            </a:solidFill>
+            <a:ln>
+              <a:noFill/>
+            </a:ln>
+          </p:spPr>
+        </p:sp>
+        <p:sp>
+          <p:nvSpPr>
+            <p:cNvPr id="31" name="Freeform 31">
+              <a:extLst>
+                <a:ext uri="{FF2B5EF4-FFF2-40B4-BE49-F238E27FC236}">
+                  <a16:creationId xmlns:a16="http://schemas.microsoft.com/office/drawing/2014/main" id="{7568F4E5-84C7-4F79-A40F-AC4885CB63B8}"/>
+                </a:ext>
+              </a:extLst>
+            </p:cNvPr>
+            <p:cNvSpPr/>
+            <p:nvPr>
+              <p:extLst>
+                <p:ext uri="{386F3935-93C4-4BCD-93E2-E3B085C9AB24}">
+                  <p16:designElem xmlns:p16="http://schemas.microsoft.com/office/powerpoint/2015/main" val="1"/>
+                </p:ext>
+              </p:extLst>
+            </p:nvPr>
+          </p:nvSpPr>
+          <p:spPr bwMode="auto">
+            <a:xfrm>
+              <a:off x="6992938" y="1263650"/>
+              <a:ext cx="144463" cy="2508250"/>
+            </a:xfrm>
+            <a:custGeom>
+              <a:avLst/>
+              <a:gdLst/>
+              <a:ahLst/>
+              <a:cxnLst/>
+              <a:rect l="0" t="0" r="r" b="b"/>
+              <a:pathLst>
+                <a:path w="36" h="633">
+                  <a:moveTo>
+                    <a:pt x="17" y="633"/>
+                  </a:moveTo>
+                  <a:cubicBezTo>
+                    <a:pt x="15" y="621"/>
+                    <a:pt x="14" y="609"/>
+                    <a:pt x="13" y="597"/>
+                  </a:cubicBezTo>
+                  <a:cubicBezTo>
+                    <a:pt x="8" y="530"/>
+                    <a:pt x="5" y="464"/>
+                    <a:pt x="5" y="398"/>
+                  </a:cubicBezTo>
+                  <a:cubicBezTo>
+                    <a:pt x="5" y="331"/>
+                    <a:pt x="8" y="265"/>
+                    <a:pt x="13" y="198"/>
+                  </a:cubicBezTo>
+                  <a:cubicBezTo>
+                    <a:pt x="15" y="165"/>
+                    <a:pt x="18" y="132"/>
+                    <a:pt x="22" y="99"/>
+                  </a:cubicBezTo>
+                  <a:cubicBezTo>
+                    <a:pt x="26" y="66"/>
+                    <a:pt x="30" y="33"/>
+                    <a:pt x="36" y="0"/>
+                  </a:cubicBezTo>
+                  <a:cubicBezTo>
+                    <a:pt x="35" y="0"/>
+                    <a:pt x="35" y="0"/>
+                    <a:pt x="35" y="0"/>
+                  </a:cubicBezTo>
+                  <a:cubicBezTo>
+                    <a:pt x="29" y="33"/>
+                    <a:pt x="24" y="66"/>
+                    <a:pt x="20" y="99"/>
+                  </a:cubicBezTo>
+                  <a:cubicBezTo>
+                    <a:pt x="16" y="132"/>
+                    <a:pt x="13" y="165"/>
+                    <a:pt x="10" y="198"/>
+                  </a:cubicBezTo>
+                  <a:cubicBezTo>
+                    <a:pt x="4" y="264"/>
+                    <a:pt x="1" y="331"/>
+                    <a:pt x="1" y="398"/>
+                  </a:cubicBezTo>
+                  <a:cubicBezTo>
+                    <a:pt x="0" y="461"/>
+                    <a:pt x="2" y="525"/>
+                    <a:pt x="7" y="589"/>
+                  </a:cubicBezTo>
+                  <a:cubicBezTo>
+                    <a:pt x="10" y="603"/>
+                    <a:pt x="13" y="618"/>
+                    <a:pt x="16" y="632"/>
+                  </a:cubicBezTo>
+                  <a:cubicBezTo>
+                    <a:pt x="16" y="632"/>
+                    <a:pt x="17" y="633"/>
+                    <a:pt x="17" y="633"/>
+                  </a:cubicBezTo>
+                  <a:close/>
+                </a:path>
+              </a:pathLst>
+            </a:custGeom>
+            <a:solidFill>
+              <a:schemeClr val="tx2"/>
+            </a:solidFill>
+            <a:ln>
+              <a:noFill/>
+            </a:ln>
+          </p:spPr>
+        </p:sp>
+        <p:sp>
+          <p:nvSpPr>
+            <p:cNvPr id="32" name="Freeform 32">
+              <a:extLst>
+                <a:ext uri="{FF2B5EF4-FFF2-40B4-BE49-F238E27FC236}">
+                  <a16:creationId xmlns:a16="http://schemas.microsoft.com/office/drawing/2014/main" id="{81654B91-DAE7-4763-8F60-7A35727C21D9}"/>
+                </a:ext>
+              </a:extLst>
+            </p:cNvPr>
+            <p:cNvSpPr/>
+            <p:nvPr>
+              <p:extLst>
+                <p:ext uri="{386F3935-93C4-4BCD-93E2-E3B085C9AB24}">
+                  <p16:designElem xmlns:p16="http://schemas.microsoft.com/office/powerpoint/2015/main" val="1"/>
+                </p:ext>
+              </p:extLst>
+            </p:nvPr>
+          </p:nvSpPr>
+          <p:spPr bwMode="auto">
+            <a:xfrm>
+              <a:off x="7526338" y="5640388"/>
+              <a:ext cx="111125" cy="233363"/>
+            </a:xfrm>
+            <a:custGeom>
+              <a:avLst/>
+              <a:gdLst/>
+              <a:ahLst/>
+              <a:cxnLst/>
+              <a:rect l="0" t="0" r="r" b="b"/>
+              <a:pathLst>
+                <a:path w="28" h="59">
+                  <a:moveTo>
+                    <a:pt x="22" y="59"/>
+                  </a:moveTo>
+                  <a:cubicBezTo>
+                    <a:pt x="28" y="59"/>
+                    <a:pt x="28" y="59"/>
+                    <a:pt x="28" y="59"/>
+                  </a:cubicBezTo>
+                  <a:cubicBezTo>
+                    <a:pt x="18" y="40"/>
+                    <a:pt x="9" y="20"/>
+                    <a:pt x="0" y="0"/>
+                  </a:cubicBezTo>
+                  <a:cubicBezTo>
+                    <a:pt x="6" y="20"/>
+                    <a:pt x="13" y="40"/>
+                    <a:pt x="22" y="59"/>
+                  </a:cubicBezTo>
+                  <a:close/>
+                </a:path>
+              </a:pathLst>
+            </a:custGeom>
+            <a:solidFill>
+              <a:schemeClr val="tx2"/>
+            </a:solidFill>
+            <a:ln>
+              <a:noFill/>
+            </a:ln>
+          </p:spPr>
+        </p:sp>
+        <p:sp>
+          <p:nvSpPr>
+            <p:cNvPr id="33" name="Freeform 33">
+              <a:extLst>
+                <a:ext uri="{FF2B5EF4-FFF2-40B4-BE49-F238E27FC236}">
+                  <a16:creationId xmlns:a16="http://schemas.microsoft.com/office/drawing/2014/main" id="{E9C665F1-5409-4590-AA69-79EABC1EACC1}"/>
+                </a:ext>
+              </a:extLst>
+            </p:cNvPr>
+            <p:cNvSpPr/>
+            <p:nvPr>
+              <p:extLst>
+                <p:ext uri="{386F3935-93C4-4BCD-93E2-E3B085C9AB24}">
+                  <p16:designElem xmlns:p16="http://schemas.microsoft.com/office/powerpoint/2015/main" val="1"/>
+                </p:ext>
+              </p:extLst>
+            </p:nvPr>
+          </p:nvSpPr>
+          <p:spPr bwMode="auto">
+            <a:xfrm>
+              <a:off x="7021513" y="3598863"/>
+              <a:ext cx="68263" cy="423863"/>
+            </a:xfrm>
+            <a:custGeom>
+              <a:avLst/>
+              <a:gdLst/>
+              <a:ahLst/>
+              <a:cxnLst/>
+              <a:rect l="0" t="0" r="r" b="b"/>
+              <a:pathLst>
+                <a:path w="17" h="107">
+                  <a:moveTo>
+                    <a:pt x="4" y="54"/>
+                  </a:moveTo>
+                  <a:cubicBezTo>
+                    <a:pt x="8" y="72"/>
+                    <a:pt x="13" y="89"/>
+                    <a:pt x="17" y="107"/>
+                  </a:cubicBezTo>
+                  <a:cubicBezTo>
+                    <a:pt x="14" y="86"/>
+                    <a:pt x="12" y="65"/>
+                    <a:pt x="10" y="44"/>
+                  </a:cubicBezTo>
+                  <a:cubicBezTo>
+                    <a:pt x="10" y="44"/>
+                    <a:pt x="9" y="43"/>
+                    <a:pt x="9" y="43"/>
+                  </a:cubicBezTo>
+                  <a:cubicBezTo>
+                    <a:pt x="6" y="29"/>
+                    <a:pt x="3" y="14"/>
+                    <a:pt x="0" y="0"/>
+                  </a:cubicBezTo>
+                  <a:cubicBezTo>
+                    <a:pt x="0" y="2"/>
+                    <a:pt x="0" y="5"/>
+                    <a:pt x="0" y="8"/>
+                  </a:cubicBezTo>
+                  <a:cubicBezTo>
+                    <a:pt x="1" y="23"/>
+                    <a:pt x="3" y="39"/>
+                    <a:pt x="4" y="54"/>
+                  </a:cubicBezTo>
+                  <a:close/>
+                </a:path>
+              </a:pathLst>
+            </a:custGeom>
+            <a:solidFill>
+              <a:schemeClr val="tx2"/>
+            </a:solidFill>
+            <a:ln>
+              <a:noFill/>
+            </a:ln>
+          </p:spPr>
+        </p:sp>
+        <p:sp>
+          <p:nvSpPr>
+            <p:cNvPr id="34" name="Freeform 34">
+              <a:extLst>
+                <a:ext uri="{FF2B5EF4-FFF2-40B4-BE49-F238E27FC236}">
+                  <a16:creationId xmlns:a16="http://schemas.microsoft.com/office/drawing/2014/main" id="{C3192F7D-0C18-4DB2-A88B-EBF562748070}"/>
+                </a:ext>
+              </a:extLst>
+            </p:cNvPr>
+            <p:cNvSpPr/>
+            <p:nvPr>
+              <p:extLst>
+                <p:ext uri="{386F3935-93C4-4BCD-93E2-E3B085C9AB24}">
+                  <p16:designElem xmlns:p16="http://schemas.microsoft.com/office/powerpoint/2015/main" val="1"/>
+                </p:ext>
+              </p:extLst>
+            </p:nvPr>
+          </p:nvSpPr>
+          <p:spPr bwMode="auto">
+            <a:xfrm>
+              <a:off x="7412038" y="2801938"/>
+              <a:ext cx="1168400" cy="2251075"/>
+            </a:xfrm>
+            <a:custGeom>
+              <a:avLst/>
+              <a:gdLst/>
+              <a:ahLst/>
+              <a:cxnLst/>
+              <a:rect l="0" t="0" r="r" b="b"/>
+              <a:pathLst>
+                <a:path w="294" h="568">
+                  <a:moveTo>
+                    <a:pt x="8" y="553"/>
+                  </a:moveTo>
+                  <a:cubicBezTo>
+                    <a:pt x="9" y="501"/>
+                    <a:pt x="19" y="448"/>
+                    <a:pt x="35" y="397"/>
+                  </a:cubicBezTo>
+                  <a:cubicBezTo>
+                    <a:pt x="51" y="347"/>
+                    <a:pt x="73" y="298"/>
+                    <a:pt x="99" y="252"/>
+                  </a:cubicBezTo>
+                  <a:cubicBezTo>
+                    <a:pt x="124" y="205"/>
+                    <a:pt x="154" y="161"/>
+                    <a:pt x="187" y="119"/>
+                  </a:cubicBezTo>
+                  <a:cubicBezTo>
+                    <a:pt x="203" y="98"/>
+                    <a:pt x="220" y="77"/>
+                    <a:pt x="238" y="58"/>
+                  </a:cubicBezTo>
+                  <a:cubicBezTo>
+                    <a:pt x="247" y="48"/>
+                    <a:pt x="256" y="38"/>
+                    <a:pt x="265" y="28"/>
+                  </a:cubicBezTo>
+                  <a:cubicBezTo>
+                    <a:pt x="274" y="19"/>
+                    <a:pt x="284" y="9"/>
+                    <a:pt x="294" y="0"/>
+                  </a:cubicBezTo>
+                  <a:cubicBezTo>
+                    <a:pt x="293" y="0"/>
+                    <a:pt x="293" y="0"/>
+                    <a:pt x="293" y="0"/>
+                  </a:cubicBezTo>
+                  <a:cubicBezTo>
+                    <a:pt x="283" y="9"/>
+                    <a:pt x="273" y="18"/>
+                    <a:pt x="264" y="27"/>
+                  </a:cubicBezTo>
+                  <a:cubicBezTo>
+                    <a:pt x="255" y="37"/>
+                    <a:pt x="246" y="47"/>
+                    <a:pt x="237" y="56"/>
+                  </a:cubicBezTo>
+                  <a:cubicBezTo>
+                    <a:pt x="218" y="76"/>
+                    <a:pt x="201" y="96"/>
+                    <a:pt x="185" y="117"/>
+                  </a:cubicBezTo>
+                  <a:cubicBezTo>
+                    <a:pt x="151" y="159"/>
+                    <a:pt x="121" y="203"/>
+                    <a:pt x="95" y="249"/>
+                  </a:cubicBezTo>
+                  <a:cubicBezTo>
+                    <a:pt x="68" y="296"/>
+                    <a:pt x="46" y="345"/>
+                    <a:pt x="30" y="396"/>
+                  </a:cubicBezTo>
+                  <a:cubicBezTo>
+                    <a:pt x="13" y="445"/>
+                    <a:pt x="3" y="497"/>
+                    <a:pt x="0" y="549"/>
+                  </a:cubicBezTo>
+                  <a:cubicBezTo>
+                    <a:pt x="3" y="555"/>
+                    <a:pt x="5" y="561"/>
+                    <a:pt x="7" y="568"/>
+                  </a:cubicBezTo>
+                  <a:cubicBezTo>
+                    <a:pt x="7" y="563"/>
+                    <a:pt x="7" y="558"/>
+                    <a:pt x="8" y="553"/>
+                  </a:cubicBezTo>
+                  <a:close/>
+                </a:path>
+              </a:pathLst>
+            </a:custGeom>
+            <a:solidFill>
+              <a:schemeClr val="tx2"/>
+            </a:solidFill>
+            <a:ln>
+              <a:noFill/>
+            </a:ln>
+          </p:spPr>
+        </p:sp>
+        <p:sp>
+          <p:nvSpPr>
+            <p:cNvPr id="35" name="Freeform 35">
+              <a:extLst>
+                <a:ext uri="{FF2B5EF4-FFF2-40B4-BE49-F238E27FC236}">
+                  <a16:creationId xmlns:a16="http://schemas.microsoft.com/office/drawing/2014/main" id="{86BE4725-AC90-44AE-8B17-D13BA4BF3636}"/>
+                </a:ext>
+              </a:extLst>
+            </p:cNvPr>
+            <p:cNvSpPr/>
+            <p:nvPr>
+              <p:extLst>
+                <p:ext uri="{386F3935-93C4-4BCD-93E2-E3B085C9AB24}">
+                  <p16:designElem xmlns:p16="http://schemas.microsoft.com/office/powerpoint/2015/main" val="1"/>
+                </p:ext>
+              </p:extLst>
+            </p:nvPr>
+          </p:nvSpPr>
+          <p:spPr bwMode="auto">
+            <a:xfrm>
+              <a:off x="7494588" y="5664200"/>
+              <a:ext cx="100013" cy="209550"/>
+            </a:xfrm>
+            <a:custGeom>
+              <a:avLst/>
+              <a:gdLst/>
+              <a:ahLst/>
+              <a:cxnLst/>
+              <a:rect l="0" t="0" r="r" b="b"/>
+              <a:pathLst>
+                <a:path w="25" h="53">
+                  <a:moveTo>
+                    <a:pt x="0" y="0"/>
+                  </a:moveTo>
+                  <a:cubicBezTo>
+                    <a:pt x="5" y="18"/>
+                    <a:pt x="12" y="36"/>
+                    <a:pt x="19" y="53"/>
+                  </a:cubicBezTo>
+                  <a:cubicBezTo>
+                    <a:pt x="25" y="53"/>
+                    <a:pt x="25" y="53"/>
+                    <a:pt x="25" y="53"/>
+                  </a:cubicBezTo>
+                  <a:cubicBezTo>
+                    <a:pt x="16" y="36"/>
+                    <a:pt x="8" y="18"/>
+                    <a:pt x="0" y="0"/>
+                  </a:cubicBezTo>
+                  <a:close/>
+                </a:path>
+              </a:pathLst>
+            </a:custGeom>
+            <a:solidFill>
+              <a:schemeClr val="tx2"/>
+            </a:solidFill>
+            <a:ln>
+              <a:noFill/>
+            </a:ln>
+          </p:spPr>
+        </p:sp>
+        <p:sp>
+          <p:nvSpPr>
+            <p:cNvPr id="36" name="Freeform 36">
+              <a:extLst>
+                <a:ext uri="{FF2B5EF4-FFF2-40B4-BE49-F238E27FC236}">
+                  <a16:creationId xmlns:a16="http://schemas.microsoft.com/office/drawing/2014/main" id="{2C0C171A-856F-4606-9D98-B5318639A63D}"/>
+                </a:ext>
+              </a:extLst>
+            </p:cNvPr>
+            <p:cNvSpPr/>
+            <p:nvPr>
+              <p:extLst>
+                <p:ext uri="{386F3935-93C4-4BCD-93E2-E3B085C9AB24}">
+                  <p16:designElem xmlns:p16="http://schemas.microsoft.com/office/powerpoint/2015/main" val="1"/>
+                </p:ext>
+              </p:extLst>
+            </p:nvPr>
+          </p:nvSpPr>
+          <p:spPr bwMode="auto">
+            <a:xfrm>
+              <a:off x="7412038" y="5081588"/>
+              <a:ext cx="114300" cy="558800"/>
+            </a:xfrm>
+            <a:custGeom>
+              <a:avLst/>
+              <a:gdLst/>
+              <a:ahLst/>
+              <a:cxnLst/>
+              <a:rect l="0" t="0" r="r" b="b"/>
+              <a:pathLst>
+                <a:path w="29" h="141">
+                  <a:moveTo>
+                    <a:pt x="0" y="0"/>
+                  </a:moveTo>
+                  <a:cubicBezTo>
+                    <a:pt x="0" y="30"/>
+                    <a:pt x="2" y="60"/>
+                    <a:pt x="7" y="89"/>
+                  </a:cubicBezTo>
+                  <a:cubicBezTo>
+                    <a:pt x="11" y="98"/>
+                    <a:pt x="14" y="108"/>
+                    <a:pt x="18" y="117"/>
+                  </a:cubicBezTo>
+                  <a:cubicBezTo>
+                    <a:pt x="22" y="125"/>
+                    <a:pt x="25" y="133"/>
+                    <a:pt x="29" y="141"/>
+                  </a:cubicBezTo>
+                  <a:cubicBezTo>
+                    <a:pt x="28" y="139"/>
+                    <a:pt x="28" y="137"/>
+                    <a:pt x="27" y="135"/>
+                  </a:cubicBezTo>
+                  <a:cubicBezTo>
+                    <a:pt x="16" y="98"/>
+                    <a:pt x="10" y="60"/>
+                    <a:pt x="8" y="22"/>
+                  </a:cubicBezTo>
+                  <a:cubicBezTo>
+                    <a:pt x="7" y="18"/>
+                    <a:pt x="5" y="15"/>
+                    <a:pt x="4" y="11"/>
+                  </a:cubicBezTo>
+                  <a:cubicBezTo>
+                    <a:pt x="2" y="7"/>
+                    <a:pt x="1" y="3"/>
+                    <a:pt x="0" y="0"/>
+                  </a:cubicBezTo>
+                  <a:close/>
+                </a:path>
+              </a:pathLst>
+            </a:custGeom>
+            <a:solidFill>
+              <a:schemeClr val="tx2"/>
+            </a:solidFill>
+            <a:ln>
+              <a:noFill/>
+            </a:ln>
+          </p:spPr>
+        </p:sp>
+        <p:sp>
+          <p:nvSpPr>
+            <p:cNvPr id="37" name="Freeform 37">
+              <a:extLst>
+                <a:ext uri="{FF2B5EF4-FFF2-40B4-BE49-F238E27FC236}">
+                  <a16:creationId xmlns:a16="http://schemas.microsoft.com/office/drawing/2014/main" id="{B6D57E3C-42A8-4054-B617-CE82DD8B739A}"/>
+                </a:ext>
+              </a:extLst>
+            </p:cNvPr>
+            <p:cNvSpPr/>
+            <p:nvPr>
+              <p:extLst>
+                <p:ext uri="{386F3935-93C4-4BCD-93E2-E3B085C9AB24}">
+                  <p16:designElem xmlns:p16="http://schemas.microsoft.com/office/powerpoint/2015/main" val="1"/>
+                </p:ext>
+              </p:extLst>
+            </p:nvPr>
+          </p:nvSpPr>
+          <p:spPr bwMode="auto">
+            <a:xfrm>
+              <a:off x="7412038" y="4978400"/>
+              <a:ext cx="31750" cy="188913"/>
+            </a:xfrm>
+            <a:custGeom>
+              <a:avLst/>
+              <a:gdLst/>
+              <a:ahLst/>
+              <a:cxnLst/>
+              <a:rect l="0" t="0" r="r" b="b"/>
+              <a:pathLst>
+                <a:path w="8" h="48">
+                  <a:moveTo>
+                    <a:pt x="0" y="26"/>
+                  </a:moveTo>
+                  <a:cubicBezTo>
+                    <a:pt x="1" y="29"/>
+                    <a:pt x="2" y="33"/>
+                    <a:pt x="4" y="37"/>
+                  </a:cubicBezTo>
+                  <a:cubicBezTo>
+                    <a:pt x="5" y="41"/>
+                    <a:pt x="7" y="44"/>
+                    <a:pt x="8" y="48"/>
+                  </a:cubicBezTo>
+                  <a:cubicBezTo>
+                    <a:pt x="7" y="38"/>
+                    <a:pt x="7" y="28"/>
+                    <a:pt x="7" y="19"/>
+                  </a:cubicBezTo>
+                  <a:cubicBezTo>
+                    <a:pt x="5" y="12"/>
+                    <a:pt x="3" y="6"/>
+                    <a:pt x="0" y="0"/>
+                  </a:cubicBezTo>
+                  <a:cubicBezTo>
+                    <a:pt x="0" y="1"/>
+                    <a:pt x="0" y="3"/>
+                    <a:pt x="0" y="4"/>
+                  </a:cubicBezTo>
+                  <a:cubicBezTo>
+                    <a:pt x="0" y="11"/>
+                    <a:pt x="0" y="19"/>
+                    <a:pt x="0" y="26"/>
+                  </a:cubicBezTo>
+                  <a:close/>
+                </a:path>
+              </a:pathLst>
+            </a:custGeom>
+            <a:solidFill>
+              <a:schemeClr val="tx2"/>
+            </a:solidFill>
+            <a:ln>
+              <a:noFill/>
+            </a:ln>
+          </p:spPr>
+        </p:sp>
+        <p:sp>
+          <p:nvSpPr>
+            <p:cNvPr id="38" name="Freeform 38">
+              <a:extLst>
+                <a:ext uri="{FF2B5EF4-FFF2-40B4-BE49-F238E27FC236}">
+                  <a16:creationId xmlns:a16="http://schemas.microsoft.com/office/drawing/2014/main" id="{C0A815A3-B7C7-4090-88EA-DA48AE474E38}"/>
+                </a:ext>
+              </a:extLst>
+            </p:cNvPr>
+            <p:cNvSpPr/>
+            <p:nvPr>
+              <p:extLst>
+                <p:ext uri="{386F3935-93C4-4BCD-93E2-E3B085C9AB24}">
+                  <p16:designElem xmlns:p16="http://schemas.microsoft.com/office/powerpoint/2015/main" val="1"/>
+                </p:ext>
+              </p:extLst>
+            </p:nvPr>
+          </p:nvSpPr>
+          <p:spPr bwMode="auto">
+            <a:xfrm>
+              <a:off x="7439026" y="5434013"/>
+              <a:ext cx="174625" cy="439738"/>
+            </a:xfrm>
+            <a:custGeom>
+              <a:avLst/>
+              <a:gdLst/>
+              <a:ahLst/>
+              <a:cxnLst/>
+              <a:rect l="0" t="0" r="r" b="b"/>
+              <a:pathLst>
+                <a:path w="44" h="111">
+                  <a:moveTo>
+                    <a:pt x="11" y="28"/>
+                  </a:moveTo>
+                  <a:cubicBezTo>
+                    <a:pt x="7" y="19"/>
+                    <a:pt x="4" y="9"/>
+                    <a:pt x="0" y="0"/>
+                  </a:cubicBezTo>
+                  <a:cubicBezTo>
+                    <a:pt x="3" y="16"/>
+                    <a:pt x="7" y="33"/>
+                    <a:pt x="11" y="49"/>
+                  </a:cubicBezTo>
+                  <a:cubicBezTo>
+                    <a:pt x="12" y="52"/>
+                    <a:pt x="13" y="55"/>
+                    <a:pt x="14" y="58"/>
+                  </a:cubicBezTo>
+                  <a:cubicBezTo>
+                    <a:pt x="22" y="76"/>
+                    <a:pt x="30" y="94"/>
+                    <a:pt x="39" y="111"/>
+                  </a:cubicBezTo>
+                  <a:cubicBezTo>
+                    <a:pt x="44" y="111"/>
+                    <a:pt x="44" y="111"/>
+                    <a:pt x="44" y="111"/>
+                  </a:cubicBezTo>
+                  <a:cubicBezTo>
+                    <a:pt x="35" y="92"/>
+                    <a:pt x="28" y="72"/>
+                    <a:pt x="22" y="52"/>
+                  </a:cubicBezTo>
+                  <a:cubicBezTo>
+                    <a:pt x="18" y="44"/>
+                    <a:pt x="15" y="36"/>
+                    <a:pt x="11" y="28"/>
+                  </a:cubicBezTo>
+                  <a:close/>
+                </a:path>
+              </a:pathLst>
+            </a:custGeom>
+            <a:solidFill>
+              <a:schemeClr val="tx2"/>
+            </a:solidFill>
+            <a:ln>
+              <a:noFill/>
+            </a:ln>
+          </p:spPr>
+        </p:sp>
+      </p:grpSp>
+      <p:sp>
+        <p:nvSpPr>
+          <p:cNvPr id="40" name="Rectangle 39">
+            <a:extLst>
+              <a:ext uri="{FF2B5EF4-FFF2-40B4-BE49-F238E27FC236}">
+                <a16:creationId xmlns:a16="http://schemas.microsoft.com/office/drawing/2014/main" id="{AE2F7D72-C98C-4C79-88A4-1DD7AAE7BF3D}"/>
+              </a:ext>
+            </a:extLst>
+          </p:cNvPr>
+          <p:cNvSpPr>
+            <a:spLocks noGrp="1" noRot="1" noChangeAspect="1" noMove="1" noResize="1" noEditPoints="1" noAdjustHandles="1" noChangeArrowheads="1" noChangeShapeType="1" noTextEdit="1"/>
+          </p:cNvSpPr>
+          <p:nvPr>
+            <p:extLst>
+              <p:ext uri="{386F3935-93C4-4BCD-93E2-E3B085C9AB24}">
+                <p16:designElem xmlns:p16="http://schemas.microsoft.com/office/powerpoint/2015/main" val="1"/>
+              </p:ext>
+            </p:extLst>
+          </p:nvPr>
+        </p:nvSpPr>
+        <p:spPr>
+          <a:xfrm>
+            <a:off x="0" y="0"/>
+            <a:ext cx="182880" cy="6858000"/>
+          </a:xfrm>
+          <a:prstGeom prst="rect">
+            <a:avLst/>
+          </a:prstGeom>
+          <a:solidFill>
+            <a:schemeClr val="tx2"/>
+          </a:solidFill>
+          <a:ln>
+            <a:noFill/>
+          </a:ln>
+          <a:effectLst/>
+        </p:spPr>
+        <p:style>
+          <a:lnRef idx="1">
+            <a:schemeClr val="accent1"/>
+          </a:lnRef>
+          <a:fillRef idx="3">
+            <a:schemeClr val="accent1"/>
+          </a:fillRef>
+          <a:effectRef idx="2">
+            <a:schemeClr val="accent1"/>
+          </a:effectRef>
+          <a:fontRef idx="minor">
+            <a:schemeClr val="lt1"/>
+          </a:fontRef>
+        </p:style>
+      </p:sp>
+      <p:sp>
+        <p:nvSpPr>
+          <p:cNvPr id="42" name="Freeform 11">
+            <a:extLst>
+              <a:ext uri="{FF2B5EF4-FFF2-40B4-BE49-F238E27FC236}">
+                <a16:creationId xmlns:a16="http://schemas.microsoft.com/office/drawing/2014/main" id="{17BE9237-F367-4B09-A610-9AC21A4323A3}"/>
+              </a:ext>
+            </a:extLst>
+          </p:cNvPr>
+          <p:cNvSpPr>
+            <a:spLocks noGrp="1" noRot="1" noChangeAspect="1" noMove="1" noResize="1" noEditPoints="1" noAdjustHandles="1" noChangeArrowheads="1" noChangeShapeType="1" noTextEdit="1"/>
+          </p:cNvSpPr>
+          <p:nvPr>
+            <p:extLst>
+              <p:ext uri="{386F3935-93C4-4BCD-93E2-E3B085C9AB24}">
+                <p16:designElem xmlns:p16="http://schemas.microsoft.com/office/powerpoint/2015/main" val="1"/>
+              </p:ext>
+            </p:extLst>
+          </p:nvPr>
+        </p:nvSpPr>
+        <p:spPr bwMode="auto">
+          <a:xfrm flipV="1">
+            <a:off x="-4189" y="714375"/>
+            <a:ext cx="1588527" cy="507297"/>
+          </a:xfrm>
+          <a:custGeom>
+            <a:avLst/>
+            <a:gdLst/>
+            <a:ahLst/>
+            <a:cxnLst/>
+            <a:rect l="l" t="t" r="r" b="b"/>
+            <a:pathLst>
+              <a:path w="9248" h="10000">
+                <a:moveTo>
+                  <a:pt x="9248" y="4701"/>
+                </a:moveTo>
+                <a:lnTo>
+                  <a:pt x="7915" y="188"/>
+                </a:lnTo>
+                <a:cubicBezTo>
+                  <a:pt x="7906" y="156"/>
+                  <a:pt x="7895" y="126"/>
+                  <a:pt x="7886" y="94"/>
+                </a:cubicBezTo>
+                <a:cubicBezTo>
+                  <a:pt x="7859" y="0"/>
+                  <a:pt x="7831" y="0"/>
+                  <a:pt x="7803" y="0"/>
+                </a:cubicBezTo>
+                <a:lnTo>
+                  <a:pt x="7275" y="0"/>
+                </a:lnTo>
+                <a:lnTo>
+                  <a:pt x="0" y="70"/>
+                </a:lnTo>
+                <a:cubicBezTo>
+                  <a:pt x="8" y="3380"/>
+                  <a:pt x="17" y="6690"/>
+                  <a:pt x="25" y="10000"/>
+                </a:cubicBezTo>
+                <a:lnTo>
+                  <a:pt x="7275" y="9966"/>
+                </a:lnTo>
+                <a:lnTo>
+                  <a:pt x="7803" y="9966"/>
+                </a:lnTo>
+                <a:cubicBezTo>
+                  <a:pt x="7831" y="9966"/>
+                  <a:pt x="7859" y="9872"/>
+                  <a:pt x="7886" y="9872"/>
+                </a:cubicBezTo>
+                <a:cubicBezTo>
+                  <a:pt x="7886" y="9778"/>
+                  <a:pt x="7915" y="9778"/>
+                  <a:pt x="7915" y="9778"/>
+                </a:cubicBezTo>
+                <a:lnTo>
+                  <a:pt x="9248" y="5265"/>
+                </a:lnTo>
+                <a:cubicBezTo>
+                  <a:pt x="9303" y="5077"/>
+                  <a:pt x="9303" y="4889"/>
+                  <a:pt x="9248" y="4701"/>
+                </a:cubicBezTo>
+                <a:close/>
+              </a:path>
+            </a:pathLst>
+          </a:custGeom>
+          <a:solidFill>
+            <a:schemeClr val="accent1"/>
+          </a:solidFill>
+          <a:ln>
+            <a:noFill/>
+          </a:ln>
+        </p:spPr>
+      </p:sp>
+      <p:pic>
+        <p:nvPicPr>
+          <p:cNvPr id="7" name="Immagine 6">
+            <a:extLst>
+              <a:ext uri="{FF2B5EF4-FFF2-40B4-BE49-F238E27FC236}">
+                <a16:creationId xmlns:a16="http://schemas.microsoft.com/office/drawing/2014/main" id="{43DC8CC9-66EE-4E9F-9F6E-83DD086877D3}"/>
+              </a:ext>
+            </a:extLst>
+          </p:cNvPr>
+          <p:cNvPicPr>
+            <a:picLocks noChangeAspect="1"/>
+          </p:cNvPicPr>
+          <p:nvPr/>
+        </p:nvPicPr>
+        <p:blipFill>
+          <a:blip r:embed="rId2"/>
+          <a:stretch>
+            <a:fillRect/>
+          </a:stretch>
+        </p:blipFill>
+        <p:spPr>
+          <a:xfrm>
+            <a:off x="8629646" y="2233663"/>
+            <a:ext cx="2873159" cy="2873159"/>
+          </a:xfrm>
+          <a:prstGeom prst="rect">
+            <a:avLst/>
+          </a:prstGeom>
+        </p:spPr>
+      </p:pic>
+      <p:sp>
+        <p:nvSpPr>
+          <p:cNvPr id="5" name="Titolo 1">
+            <a:extLst>
+              <a:ext uri="{FF2B5EF4-FFF2-40B4-BE49-F238E27FC236}">
+                <a16:creationId xmlns:a16="http://schemas.microsoft.com/office/drawing/2014/main" id="{0C734ED3-9278-4126-AE51-FE48147C659D}"/>
+              </a:ext>
+            </a:extLst>
+          </p:cNvPr>
+          <p:cNvSpPr txBox="1">
+            <a:spLocks/>
+          </p:cNvSpPr>
+          <p:nvPr/>
+        </p:nvSpPr>
+        <p:spPr>
+          <a:xfrm>
+            <a:off x="2592925" y="624110"/>
+            <a:ext cx="8911687" cy="1280890"/>
+          </a:xfrm>
+          <a:prstGeom prst="rect">
+            <a:avLst/>
+          </a:prstGeom>
+        </p:spPr>
+        <p:txBody>
+          <a:bodyPr vert="horz" lIns="91440" tIns="45720" rIns="91440" bIns="45720" rtlCol="0" anchor="t">
+            <a:normAutofit/>
+          </a:bodyPr>
+          <a:lstStyle>
+            <a:lvl1pPr algn="l" defTabSz="457200" rtl="0" eaLnBrk="1" latinLnBrk="0" hangingPunct="1">
+              <a:spcBef>
+                <a:spcPct val="0"/>
+              </a:spcBef>
+              <a:buNone/>
+              <a:defRPr sz="3600" kern="1200">
+                <a:solidFill>
+                  <a:schemeClr val="tx1">
+                    <a:lumMod val="85000"/>
+                    <a:lumOff val="15000"/>
+                  </a:schemeClr>
+                </a:solidFill>
+                <a:latin typeface="+mj-lt"/>
+                <a:ea typeface="+mj-ea"/>
+                <a:cs typeface="+mj-cs"/>
+              </a:defRPr>
+            </a:lvl1pPr>
+            <a:lvl2pPr eaLnBrk="1" hangingPunct="1">
+              <a:defRPr>
+                <a:solidFill>
+                  <a:schemeClr val="tx2"/>
+                </a:solidFill>
+              </a:defRPr>
+            </a:lvl2pPr>
+            <a:lvl3pPr eaLnBrk="1" hangingPunct="1">
+              <a:defRPr>
+                <a:solidFill>
+                  <a:schemeClr val="tx2"/>
+                </a:solidFill>
+              </a:defRPr>
+            </a:lvl3pPr>
+            <a:lvl4pPr eaLnBrk="1" hangingPunct="1">
+              <a:defRPr>
+                <a:solidFill>
+                  <a:schemeClr val="tx2"/>
+                </a:solidFill>
+              </a:defRPr>
+            </a:lvl4pPr>
+            <a:lvl5pPr eaLnBrk="1" hangingPunct="1">
+              <a:defRPr>
+                <a:solidFill>
+                  <a:schemeClr val="tx2"/>
+                </a:solidFill>
+              </a:defRPr>
+            </a:lvl5pPr>
+            <a:lvl6pPr eaLnBrk="1" hangingPunct="1">
+              <a:defRPr>
+                <a:solidFill>
+                  <a:schemeClr val="tx2"/>
+                </a:solidFill>
+              </a:defRPr>
+            </a:lvl6pPr>
+            <a:lvl7pPr eaLnBrk="1" hangingPunct="1">
+              <a:defRPr>
+                <a:solidFill>
+                  <a:schemeClr val="tx2"/>
+                </a:solidFill>
+              </a:defRPr>
+            </a:lvl7pPr>
+            <a:lvl8pPr eaLnBrk="1" hangingPunct="1">
+              <a:defRPr>
+                <a:solidFill>
+                  <a:schemeClr val="tx2"/>
+                </a:solidFill>
+              </a:defRPr>
+            </a:lvl8pPr>
+            <a:lvl9pPr eaLnBrk="1" hangingPunct="1">
+              <a:defRPr>
+                <a:solidFill>
+                  <a:schemeClr val="tx2"/>
+                </a:solidFill>
+              </a:defRPr>
+            </a:lvl9pPr>
+          </a:lstStyle>
+          <a:p>
+            <a:pPr>
+              <a:spcAft>
+                <a:spcPts val="600"/>
+              </a:spcAft>
+            </a:pPr>
+            <a:r>
+              <a:rPr lang="en-US" b="1"/>
+              <a:t>CONSIDERATIONS</a:t>
+            </a:r>
+            <a:endParaRPr lang="en-US"/>
+          </a:p>
+        </p:txBody>
+      </p:sp>
+      <p:sp>
+        <p:nvSpPr>
+          <p:cNvPr id="6" name="Segnaposto contenuto 2">
+            <a:extLst>
+              <a:ext uri="{FF2B5EF4-FFF2-40B4-BE49-F238E27FC236}">
+                <a16:creationId xmlns:a16="http://schemas.microsoft.com/office/drawing/2014/main" id="{D2D38757-F255-4543-8BE8-18140BF64F70}"/>
+              </a:ext>
+            </a:extLst>
+          </p:cNvPr>
+          <p:cNvSpPr txBox="1">
+            <a:spLocks/>
+          </p:cNvSpPr>
+          <p:nvPr/>
+        </p:nvSpPr>
+        <p:spPr>
+          <a:xfrm>
+            <a:off x="2589212" y="2125362"/>
+            <a:ext cx="6107113" cy="4197160"/>
+          </a:xfrm>
+          <a:prstGeom prst="rect">
+            <a:avLst/>
+          </a:prstGeom>
+        </p:spPr>
+        <p:txBody>
+          <a:bodyPr vert="horz" lIns="91440" tIns="45720" rIns="91440" bIns="45720" rtlCol="0">
+            <a:normAutofit fontScale="92500" lnSpcReduction="10000"/>
+          </a:bodyPr>
+          <a:lstStyle>
+            <a:lvl1pPr marL="342900" indent="-342900" algn="l" defTabSz="457200" rtl="0" eaLnBrk="1" latinLnBrk="0" hangingPunct="1">
+              <a:spcBef>
+                <a:spcPts val="1000"/>
+              </a:spcBef>
+              <a:spcAft>
+                <a:spcPts val="0"/>
+              </a:spcAft>
+              <a:buClr>
+                <a:schemeClr val="accent1"/>
+              </a:buClr>
+              <a:buFont typeface="Wingdings 3" charset="2"/>
+              <a:buChar char=""/>
+              <a:defRPr sz="1800" kern="1200">
+                <a:solidFill>
+                  <a:schemeClr val="tx1">
+                    <a:lumMod val="75000"/>
+                    <a:lumOff val="25000"/>
+                  </a:schemeClr>
+                </a:solidFill>
+                <a:latin typeface="+mn-lt"/>
+                <a:ea typeface="+mn-ea"/>
+                <a:cs typeface="+mn-cs"/>
+              </a:defRPr>
+            </a:lvl1pPr>
+            <a:lvl2pPr marL="742950" indent="-285750" algn="l" defTabSz="457200" rtl="0" eaLnBrk="1" latinLnBrk="0" hangingPunct="1">
+              <a:spcBef>
+                <a:spcPts val="1000"/>
+              </a:spcBef>
+              <a:spcAft>
+                <a:spcPts val="0"/>
+              </a:spcAft>
+              <a:buClr>
+                <a:schemeClr val="accent1"/>
+              </a:buClr>
+              <a:buFont typeface="Wingdings 3" charset="2"/>
+              <a:buChar char=""/>
+              <a:defRPr sz="1600" kern="1200">
+                <a:solidFill>
+                  <a:schemeClr val="tx1">
+                    <a:lumMod val="75000"/>
+                    <a:lumOff val="25000"/>
+                  </a:schemeClr>
+                </a:solidFill>
+                <a:latin typeface="+mn-lt"/>
+                <a:ea typeface="+mn-ea"/>
+                <a:cs typeface="+mn-cs"/>
+              </a:defRPr>
+            </a:lvl2pPr>
+            <a:lvl3pPr marL="1143000" indent="-228600" algn="l" defTabSz="457200" rtl="0" eaLnBrk="1" latinLnBrk="0" hangingPunct="1">
+              <a:spcBef>
+                <a:spcPts val="1000"/>
+              </a:spcBef>
+              <a:spcAft>
+                <a:spcPts val="0"/>
+              </a:spcAft>
+              <a:buClr>
+                <a:schemeClr val="accent1"/>
+              </a:buClr>
+              <a:buFont typeface="Wingdings 3" charset="2"/>
+              <a:buChar char=""/>
+              <a:defRPr sz="1400" kern="1200">
+                <a:solidFill>
+                  <a:schemeClr val="tx1">
+                    <a:lumMod val="75000"/>
+                    <a:lumOff val="25000"/>
+                  </a:schemeClr>
+                </a:solidFill>
+                <a:latin typeface="+mn-lt"/>
+                <a:ea typeface="+mn-ea"/>
+                <a:cs typeface="+mn-cs"/>
+              </a:defRPr>
+            </a:lvl3pPr>
+            <a:lvl4pPr marL="1600200" indent="-228600" algn="l" defTabSz="457200" rtl="0" eaLnBrk="1" latinLnBrk="0" hangingPunct="1">
+              <a:spcBef>
+                <a:spcPts val="1000"/>
+              </a:spcBef>
+              <a:spcAft>
+                <a:spcPts val="0"/>
+              </a:spcAft>
+              <a:buClr>
+                <a:schemeClr val="accent1"/>
+              </a:buClr>
+              <a:buFont typeface="Wingdings 3" charset="2"/>
+              <a:buChar char=""/>
+              <a:defRPr sz="1200" kern="1200">
+                <a:solidFill>
+                  <a:schemeClr val="tx1">
+                    <a:lumMod val="75000"/>
+                    <a:lumOff val="25000"/>
+                  </a:schemeClr>
+                </a:solidFill>
+                <a:latin typeface="+mn-lt"/>
+                <a:ea typeface="+mn-ea"/>
+                <a:cs typeface="+mn-cs"/>
+              </a:defRPr>
+            </a:lvl4pPr>
+            <a:lvl5pPr marL="2057400" indent="-228600" algn="l" defTabSz="457200" rtl="0" eaLnBrk="1" latinLnBrk="0" hangingPunct="1">
+              <a:spcBef>
+                <a:spcPts val="1000"/>
+              </a:spcBef>
+              <a:spcAft>
+                <a:spcPts val="0"/>
+              </a:spcAft>
+              <a:buClr>
+                <a:schemeClr val="accent1"/>
+              </a:buClr>
+              <a:buFont typeface="Wingdings 3" charset="2"/>
+              <a:buChar char=""/>
+              <a:defRPr sz="1200" kern="1200">
+                <a:solidFill>
+                  <a:schemeClr val="tx1">
+                    <a:lumMod val="75000"/>
+                    <a:lumOff val="25000"/>
+                  </a:schemeClr>
+                </a:solidFill>
+                <a:latin typeface="+mn-lt"/>
+                <a:ea typeface="+mn-ea"/>
+                <a:cs typeface="+mn-cs"/>
+              </a:defRPr>
+            </a:lvl5pPr>
+            <a:lvl6pPr marL="2514600" indent="-228600" algn="l" defTabSz="457200" rtl="0" eaLnBrk="1" latinLnBrk="0" hangingPunct="1">
+              <a:spcBef>
+                <a:spcPts val="1000"/>
+              </a:spcBef>
+              <a:spcAft>
+                <a:spcPts val="0"/>
+              </a:spcAft>
+              <a:buClr>
+                <a:schemeClr val="accent1"/>
+              </a:buClr>
+              <a:buFont typeface="Wingdings 3" charset="2"/>
+              <a:buChar char=""/>
+              <a:defRPr sz="1200" kern="1200">
+                <a:solidFill>
+                  <a:schemeClr val="tx1">
+                    <a:lumMod val="75000"/>
+                    <a:lumOff val="25000"/>
+                  </a:schemeClr>
+                </a:solidFill>
+                <a:latin typeface="+mn-lt"/>
+                <a:ea typeface="+mn-ea"/>
+                <a:cs typeface="+mn-cs"/>
+              </a:defRPr>
+            </a:lvl6pPr>
+            <a:lvl7pPr marL="2971800" indent="-228600" algn="l" defTabSz="457200" rtl="0" eaLnBrk="1" latinLnBrk="0" hangingPunct="1">
+              <a:spcBef>
+                <a:spcPts val="1000"/>
+              </a:spcBef>
+              <a:spcAft>
+                <a:spcPts val="0"/>
+              </a:spcAft>
+              <a:buClr>
+                <a:schemeClr val="accent1"/>
+              </a:buClr>
+              <a:buFont typeface="Wingdings 3" charset="2"/>
+              <a:buChar char=""/>
+              <a:defRPr sz="1200" kern="1200">
+                <a:solidFill>
+                  <a:schemeClr val="tx1">
+                    <a:lumMod val="75000"/>
+                    <a:lumOff val="25000"/>
+                  </a:schemeClr>
+                </a:solidFill>
+                <a:latin typeface="+mn-lt"/>
+                <a:ea typeface="+mn-ea"/>
+                <a:cs typeface="+mn-cs"/>
+              </a:defRPr>
+            </a:lvl7pPr>
+            <a:lvl8pPr marL="3429000" indent="-228600" algn="l" defTabSz="457200" rtl="0" eaLnBrk="1" latinLnBrk="0" hangingPunct="1">
+              <a:spcBef>
+                <a:spcPts val="1000"/>
+              </a:spcBef>
+              <a:spcAft>
+                <a:spcPts val="0"/>
+              </a:spcAft>
+              <a:buClr>
+                <a:schemeClr val="accent1"/>
+              </a:buClr>
+              <a:buFont typeface="Wingdings 3" charset="2"/>
+              <a:buChar char=""/>
+              <a:defRPr sz="1200" kern="1200">
+                <a:solidFill>
+                  <a:schemeClr val="tx1">
+                    <a:lumMod val="75000"/>
+                    <a:lumOff val="25000"/>
+                  </a:schemeClr>
+                </a:solidFill>
+                <a:latin typeface="+mn-lt"/>
+                <a:ea typeface="+mn-ea"/>
+                <a:cs typeface="+mn-cs"/>
+              </a:defRPr>
+            </a:lvl8pPr>
+            <a:lvl9pPr marL="3886200" indent="-228600" algn="l" defTabSz="457200" rtl="0" eaLnBrk="1" latinLnBrk="0" hangingPunct="1">
+              <a:spcBef>
+                <a:spcPts val="1000"/>
+              </a:spcBef>
+              <a:spcAft>
+                <a:spcPts val="0"/>
+              </a:spcAft>
+              <a:buClr>
+                <a:schemeClr val="accent1"/>
+              </a:buClr>
+              <a:buFont typeface="Wingdings 3" charset="2"/>
+              <a:buChar char=""/>
+              <a:defRPr sz="1200" kern="1200">
+                <a:solidFill>
+                  <a:schemeClr val="tx1">
+                    <a:lumMod val="75000"/>
+                    <a:lumOff val="25000"/>
+                  </a:schemeClr>
+                </a:solidFill>
+                <a:latin typeface="+mn-lt"/>
+                <a:ea typeface="+mn-ea"/>
+                <a:cs typeface="+mn-cs"/>
+              </a:defRPr>
+            </a:lvl9pPr>
+          </a:lstStyle>
+          <a:p>
+            <a:pPr>
+              <a:lnSpc>
+                <a:spcPct val="90000"/>
+              </a:lnSpc>
+            </a:pPr>
+            <a:r>
+              <a:rPr lang="en-US" sz="1700" dirty="0"/>
+              <a:t>Lock-parallel-version has always very bad performances</a:t>
+            </a:r>
+          </a:p>
+          <a:p>
+            <a:pPr>
+              <a:lnSpc>
+                <a:spcPct val="90000"/>
+              </a:lnSpc>
+            </a:pPr>
+            <a:r>
+              <a:rPr lang="en-US" sz="1700" dirty="0" err="1"/>
+              <a:t>Optimised</a:t>
+            </a:r>
+            <a:r>
+              <a:rPr lang="en-US" sz="1700" dirty="0"/>
+              <a:t> version is always better than the other algorithms</a:t>
+            </a:r>
+          </a:p>
+          <a:p>
+            <a:pPr>
+              <a:lnSpc>
+                <a:spcPct val="90000"/>
+              </a:lnSpc>
+            </a:pPr>
+            <a:endParaRPr lang="en-US" sz="1700" dirty="0"/>
+          </a:p>
+          <a:p>
+            <a:pPr>
+              <a:lnSpc>
+                <a:spcPct val="90000"/>
+              </a:lnSpc>
+            </a:pPr>
+            <a:r>
+              <a:rPr lang="en-US" sz="1700" dirty="0"/>
+              <a:t>Lock-parallel-version scales bad with the number of threads</a:t>
+            </a:r>
+          </a:p>
+          <a:p>
+            <a:pPr>
+              <a:lnSpc>
+                <a:spcPct val="90000"/>
+              </a:lnSpc>
+            </a:pPr>
+            <a:r>
+              <a:rPr lang="en-US" sz="1700" dirty="0" err="1"/>
+              <a:t>Optimised</a:t>
+            </a:r>
+            <a:r>
+              <a:rPr lang="en-US" sz="1700" dirty="0"/>
+              <a:t> version scales well with the number of threads</a:t>
+            </a:r>
+          </a:p>
+          <a:p>
+            <a:pPr marL="0" indent="0">
+              <a:lnSpc>
+                <a:spcPct val="90000"/>
+              </a:lnSpc>
+              <a:buNone/>
+            </a:pPr>
+            <a:endParaRPr lang="en-US" sz="1700" dirty="0"/>
+          </a:p>
+          <a:p>
+            <a:pPr>
+              <a:lnSpc>
+                <a:spcPct val="90000"/>
+              </a:lnSpc>
+            </a:pPr>
+            <a:r>
+              <a:rPr lang="en-US" sz="1700" dirty="0"/>
+              <a:t>Execution time grows linearly with the input length</a:t>
+            </a:r>
+          </a:p>
+          <a:p>
+            <a:pPr>
+              <a:lnSpc>
+                <a:spcPct val="90000"/>
+              </a:lnSpc>
+            </a:pPr>
+            <a:r>
+              <a:rPr lang="en-US" sz="1700" dirty="0"/>
+              <a:t>Speedup grows with the input length</a:t>
+            </a:r>
+          </a:p>
+          <a:p>
+            <a:pPr>
+              <a:lnSpc>
+                <a:spcPct val="90000"/>
+              </a:lnSpc>
+            </a:pPr>
+            <a:r>
+              <a:rPr lang="en-US" sz="1700" dirty="0"/>
+              <a:t>Execution time grows linearly with k</a:t>
+            </a:r>
+          </a:p>
+          <a:p>
+            <a:pPr>
+              <a:lnSpc>
+                <a:spcPct val="90000"/>
+              </a:lnSpc>
+            </a:pPr>
+            <a:r>
+              <a:rPr lang="en-US" sz="1700" dirty="0"/>
+              <a:t>Memory usage grows linearly with the input length</a:t>
+            </a:r>
+          </a:p>
+          <a:p>
+            <a:pPr>
+              <a:lnSpc>
+                <a:spcPct val="90000"/>
+              </a:lnSpc>
+            </a:pPr>
+            <a:r>
+              <a:rPr lang="en-US" sz="1700" dirty="0"/>
+              <a:t>Memory usage grows exponential with k</a:t>
+            </a:r>
+          </a:p>
+          <a:p>
+            <a:pPr marL="0" indent="0">
+              <a:lnSpc>
+                <a:spcPct val="90000"/>
+              </a:lnSpc>
+              <a:buNone/>
+            </a:pPr>
+            <a:endParaRPr lang="en-US" sz="1700" dirty="0"/>
+          </a:p>
+          <a:p>
+            <a:pPr>
+              <a:lnSpc>
+                <a:spcPct val="90000"/>
+              </a:lnSpc>
+            </a:pPr>
+            <a:endParaRPr lang="en-US" sz="1700" dirty="0"/>
+          </a:p>
+        </p:txBody>
+      </p:sp>
+    </p:spTree>
+    <p:extLst>
+      <p:ext uri="{BB962C8B-B14F-4D97-AF65-F5344CB8AC3E}">
+        <p14:creationId xmlns:p14="http://schemas.microsoft.com/office/powerpoint/2010/main" val="1606113577"/>
+      </p:ext>
+    </p:extLst>
+  </p:cSld>
+  <p:clrMapOvr>
+    <a:masterClrMapping/>
+  </p:clrMapOvr>
+</p:sld>
+</file>
+
+<file path=ppt/slides/slide32.xml><?xml version="1.0" encoding="utf-8"?>
+<p:sld xmlns:a="http://schemas.openxmlformats.org/drawingml/2006/main" xmlns:r="http://schemas.openxmlformats.org/officeDocument/2006/relationships" xmlns:p="http://schemas.openxmlformats.org/presentationml/2006/main">
+  <p:cSld>
+    <p:spTree>
+      <p:nvGrpSpPr>
+        <p:cNvPr id="1" name=""/>
+        <p:cNvGrpSpPr/>
+        <p:nvPr/>
+      </p:nvGrpSpPr>
+      <p:grpSpPr>
+        <a:xfrm>
+          <a:off x="0" y="0"/>
+          <a:ext cx="0" cy="0"/>
+          <a:chOff x="0" y="0"/>
+          <a:chExt cx="0" cy="0"/>
+        </a:xfrm>
+      </p:grpSpPr>
+      <p:sp>
+        <p:nvSpPr>
+          <p:cNvPr id="3" name="Titolo 1">
+            <a:extLst>
+              <a:ext uri="{FF2B5EF4-FFF2-40B4-BE49-F238E27FC236}">
+                <a16:creationId xmlns:a16="http://schemas.microsoft.com/office/drawing/2014/main" id="{94E84D07-737A-465E-A979-5A405BD14147}"/>
+              </a:ext>
+            </a:extLst>
+          </p:cNvPr>
+          <p:cNvSpPr txBox="1">
+            <a:spLocks/>
+          </p:cNvSpPr>
+          <p:nvPr/>
+        </p:nvSpPr>
+        <p:spPr>
+          <a:xfrm>
+            <a:off x="2592925" y="624110"/>
+            <a:ext cx="8911687" cy="1280890"/>
+          </a:xfrm>
+          <a:prstGeom prst="rect">
+            <a:avLst/>
+          </a:prstGeom>
+        </p:spPr>
+        <p:txBody>
+          <a:bodyPr vert="horz" lIns="91440" tIns="45720" rIns="91440" bIns="45720" rtlCol="0" anchor="t">
+            <a:normAutofit/>
+          </a:bodyPr>
+          <a:lstStyle>
+            <a:lvl1pPr algn="l" defTabSz="457200" rtl="0" eaLnBrk="1" latinLnBrk="0" hangingPunct="1">
+              <a:spcBef>
+                <a:spcPct val="0"/>
+              </a:spcBef>
+              <a:buNone/>
+              <a:defRPr sz="3600" kern="1200">
+                <a:solidFill>
+                  <a:schemeClr val="tx1">
+                    <a:lumMod val="85000"/>
+                    <a:lumOff val="15000"/>
+                  </a:schemeClr>
+                </a:solidFill>
+                <a:latin typeface="+mj-lt"/>
+                <a:ea typeface="+mj-ea"/>
+                <a:cs typeface="+mj-cs"/>
+              </a:defRPr>
+            </a:lvl1pPr>
+            <a:lvl2pPr eaLnBrk="1" hangingPunct="1">
+              <a:defRPr>
+                <a:solidFill>
+                  <a:schemeClr val="tx2"/>
+                </a:solidFill>
+              </a:defRPr>
+            </a:lvl2pPr>
+            <a:lvl3pPr eaLnBrk="1" hangingPunct="1">
+              <a:defRPr>
+                <a:solidFill>
+                  <a:schemeClr val="tx2"/>
+                </a:solidFill>
+              </a:defRPr>
+            </a:lvl3pPr>
+            <a:lvl4pPr eaLnBrk="1" hangingPunct="1">
+              <a:defRPr>
+                <a:solidFill>
+                  <a:schemeClr val="tx2"/>
+                </a:solidFill>
+              </a:defRPr>
+            </a:lvl4pPr>
+            <a:lvl5pPr eaLnBrk="1" hangingPunct="1">
+              <a:defRPr>
+                <a:solidFill>
+                  <a:schemeClr val="tx2"/>
+                </a:solidFill>
+              </a:defRPr>
+            </a:lvl5pPr>
+            <a:lvl6pPr eaLnBrk="1" hangingPunct="1">
+              <a:defRPr>
+                <a:solidFill>
+                  <a:schemeClr val="tx2"/>
+                </a:solidFill>
+              </a:defRPr>
+            </a:lvl6pPr>
+            <a:lvl7pPr eaLnBrk="1" hangingPunct="1">
+              <a:defRPr>
+                <a:solidFill>
+                  <a:schemeClr val="tx2"/>
+                </a:solidFill>
+              </a:defRPr>
+            </a:lvl7pPr>
+            <a:lvl8pPr eaLnBrk="1" hangingPunct="1">
+              <a:defRPr>
+                <a:solidFill>
+                  <a:schemeClr val="tx2"/>
+                </a:solidFill>
+              </a:defRPr>
+            </a:lvl8pPr>
+            <a:lvl9pPr eaLnBrk="1" hangingPunct="1">
+              <a:defRPr>
+                <a:solidFill>
+                  <a:schemeClr val="tx2"/>
+                </a:solidFill>
+              </a:defRPr>
+            </a:lvl9pPr>
+          </a:lstStyle>
+          <a:p>
+            <a:pPr algn="ctr"/>
+            <a:r>
+              <a:rPr lang="it-IT" sz="4400" b="1" dirty="0">
+                <a:solidFill>
+                  <a:srgbClr val="FFC000"/>
+                </a:solidFill>
+              </a:rPr>
+              <a:t>REFERENCES</a:t>
+            </a:r>
+            <a:endParaRPr lang="en-GB" sz="4400" dirty="0"/>
+          </a:p>
+        </p:txBody>
+      </p:sp>
+      <p:sp>
+        <p:nvSpPr>
+          <p:cNvPr id="2" name="Rettangolo 1">
+            <a:extLst>
+              <a:ext uri="{FF2B5EF4-FFF2-40B4-BE49-F238E27FC236}">
+                <a16:creationId xmlns:a16="http://schemas.microsoft.com/office/drawing/2014/main" id="{60F2809D-10DC-445F-AC51-205042122CE1}"/>
+              </a:ext>
+            </a:extLst>
+          </p:cNvPr>
+          <p:cNvSpPr/>
+          <p:nvPr/>
+        </p:nvSpPr>
+        <p:spPr>
+          <a:xfrm>
+            <a:off x="2164802" y="1620891"/>
+            <a:ext cx="8413859" cy="5078313"/>
+          </a:xfrm>
+          <a:prstGeom prst="rect">
+            <a:avLst/>
+          </a:prstGeom>
+        </p:spPr>
+        <p:txBody>
+          <a:bodyPr wrap="square">
+            <a:spAutoFit/>
+          </a:bodyPr>
+          <a:lstStyle/>
+          <a:p>
+            <a:r>
+              <a:rPr lang="en-GB" i="1" dirty="0"/>
+              <a:t>[National </a:t>
+            </a:r>
+            <a:r>
+              <a:rPr lang="en-GB" i="1" dirty="0" err="1"/>
+              <a:t>Center</a:t>
+            </a:r>
+            <a:r>
+              <a:rPr lang="en-GB" i="1" dirty="0"/>
+              <a:t> for Biotechnology Information https://www.ncbi.nlm.nih.gov/genbank/release/145/]</a:t>
+            </a:r>
+          </a:p>
+          <a:p>
+            <a:endParaRPr lang="it-IT" i="1" dirty="0"/>
+          </a:p>
+          <a:p>
+            <a:r>
+              <a:rPr lang="it-IT" i="1" dirty="0"/>
+              <a:t>[Random DNA Generator</a:t>
+            </a:r>
+          </a:p>
+          <a:p>
+            <a:r>
+              <a:rPr lang="it-IT" i="1" dirty="0"/>
+              <a:t>http://www.faculty.ucr.edu/</a:t>
+            </a:r>
+            <a:r>
+              <a:rPr lang="it-IT" i="1" dirty="0" err="1"/>
+              <a:t>mmaduro</a:t>
+            </a:r>
+            <a:r>
+              <a:rPr lang="it-IT" i="1" dirty="0"/>
+              <a:t>/random.htm]</a:t>
+            </a:r>
+          </a:p>
+          <a:p>
+            <a:endParaRPr lang="en-GB" i="1" dirty="0"/>
+          </a:p>
+          <a:p>
+            <a:r>
+              <a:rPr lang="en-GB" i="1" dirty="0"/>
+              <a:t>[A fast, lock-free approach for efficient parallel counting of occurrences of k-</a:t>
+            </a:r>
+            <a:r>
+              <a:rPr lang="en-GB" i="1" dirty="0" err="1"/>
+              <a:t>mers</a:t>
+            </a:r>
+            <a:r>
+              <a:rPr lang="en-GB" i="1" dirty="0"/>
+              <a:t> Guillaume Marçais1, and Carl Kingsford]</a:t>
+            </a:r>
+          </a:p>
+          <a:p>
+            <a:endParaRPr lang="it-IT" i="1" dirty="0"/>
+          </a:p>
+          <a:p>
+            <a:r>
+              <a:rPr lang="it-IT" i="1" dirty="0"/>
+              <a:t>[</a:t>
+            </a:r>
+            <a:r>
+              <a:rPr lang="en-GB" i="1" dirty="0"/>
+              <a:t>GitHub repository</a:t>
+            </a:r>
+          </a:p>
+          <a:p>
+            <a:r>
+              <a:rPr lang="en-GB" i="1" dirty="0"/>
+              <a:t>https://github.com/DiegoGabo/ProgettoAAPP/tree/master/dna_sequences]</a:t>
+            </a:r>
+          </a:p>
+          <a:p>
+            <a:endParaRPr lang="it-IT" i="1" dirty="0"/>
+          </a:p>
+          <a:p>
+            <a:r>
+              <a:rPr lang="it-IT" i="1" dirty="0"/>
+              <a:t>[Compare and swap </a:t>
+            </a:r>
+            <a:r>
+              <a:rPr lang="it-IT" i="1" dirty="0" err="1"/>
+              <a:t>documentation</a:t>
+            </a:r>
+            <a:endParaRPr lang="it-IT" i="1" dirty="0"/>
+          </a:p>
+          <a:p>
+            <a:r>
+              <a:rPr lang="it-IT" i="1" dirty="0"/>
+              <a:t>http://www.cplusplus.com/</a:t>
+            </a:r>
+            <a:r>
+              <a:rPr lang="it-IT" i="1" dirty="0" err="1"/>
+              <a:t>reference</a:t>
+            </a:r>
+            <a:r>
+              <a:rPr lang="it-IT" i="1" dirty="0"/>
+              <a:t>/</a:t>
+            </a:r>
+            <a:r>
+              <a:rPr lang="it-IT" i="1" dirty="0" err="1"/>
+              <a:t>atomic</a:t>
+            </a:r>
+            <a:r>
+              <a:rPr lang="it-IT" i="1" dirty="0"/>
+              <a:t>/</a:t>
+            </a:r>
+            <a:r>
+              <a:rPr lang="it-IT" i="1" dirty="0" err="1"/>
+              <a:t>atomic</a:t>
+            </a:r>
+            <a:r>
+              <a:rPr lang="it-IT" i="1" dirty="0"/>
+              <a:t>/</a:t>
+            </a:r>
+            <a:r>
+              <a:rPr lang="it-IT" i="1" dirty="0" err="1"/>
+              <a:t>compare_exchange_strong</a:t>
+            </a:r>
+            <a:r>
+              <a:rPr lang="it-IT" i="1" dirty="0"/>
+              <a:t>/]</a:t>
+            </a:r>
+          </a:p>
+          <a:p>
+            <a:endParaRPr lang="it-IT" i="1" dirty="0"/>
+          </a:p>
+          <a:p>
+            <a:endParaRPr lang="en-GB" dirty="0"/>
+          </a:p>
+        </p:txBody>
+      </p:sp>
+    </p:spTree>
+    <p:extLst>
+      <p:ext uri="{BB962C8B-B14F-4D97-AF65-F5344CB8AC3E}">
+        <p14:creationId xmlns:p14="http://schemas.microsoft.com/office/powerpoint/2010/main" val="4155435096"/>
       </p:ext>
     </p:extLst>
   </p:cSld>
